--- a/presentations/levy_presentation.pptx
+++ b/presentations/levy_presentation.pptx
@@ -8250,22 +8250,7 @@
           <a:bodyPr/>
           <a:lstStyle/>
           <a:p>
-            <a:r>
-              <a:rPr lang="en-GB" dirty="0" err="1"/>
-              <a:t>Strukturgleichungsmodell</a:t>
-            </a:r>
-            <a:r>
-              <a:rPr lang="en-GB" dirty="0"/>
-              <a:t>, </a:t>
-            </a:r>
-            <a:r>
-              <a:rPr lang="en-GB" dirty="0" err="1"/>
-              <a:t>nur</a:t>
-            </a:r>
-            <a:r>
-              <a:rPr lang="en-GB" dirty="0"/>
-              <a:t> alpha</a:t>
-            </a:r>
+            <a:endParaRPr lang="en-GB" dirty="0"/>
           </a:p>
         </p:txBody>
       </p:sp>
@@ -8329,13 +8314,150 @@
               <a:defRPr/>
             </a:pPr>
             <a:r>
-              <a:rPr lang="de-DE"/>
+              <a:rPr lang="de-DE" dirty="0"/>
               <a:t>Template Matching - Sven Lesche</a:t>
             </a:r>
-            <a:endParaRPr lang="de-DE" dirty="0"/>
-          </a:p>
-        </p:txBody>
-      </p:sp>
+          </a:p>
+        </p:txBody>
+      </p:sp>
+      <p:pic>
+        <p:nvPicPr>
+          <p:cNvPr id="7" name="Picture 6">
+            <a:extLst>
+              <a:ext uri="{FF2B5EF4-FFF2-40B4-BE49-F238E27FC236}">
+                <a16:creationId xmlns:a16="http://schemas.microsoft.com/office/drawing/2014/main" id="{003A55CB-E877-4AB6-8275-8226A43DA43E}"/>
+              </a:ext>
+            </a:extLst>
+          </p:cNvPr>
+          <p:cNvPicPr>
+            <a:picLocks noChangeAspect="1"/>
+          </p:cNvPicPr>
+          <p:nvPr/>
+        </p:nvPicPr>
+        <p:blipFill rotWithShape="1">
+          <a:blip r:embed="rId2">
+            <a:extLst>
+              <a:ext uri="{28A0092B-C50C-407E-A947-70E740481C1C}">
+                <a14:useLocalDpi xmlns:a14="http://schemas.microsoft.com/office/drawing/2010/main" val="0"/>
+              </a:ext>
+            </a:extLst>
+          </a:blip>
+          <a:srcRect l="4354" t="9771" r="5928" b="8876"/>
+          <a:stretch/>
+        </p:blipFill>
+        <p:spPr>
+          <a:xfrm>
+            <a:off x="431949" y="1522095"/>
+            <a:ext cx="7416824" cy="3783037"/>
+          </a:xfrm>
+          <a:prstGeom prst="rect">
+            <a:avLst/>
+          </a:prstGeom>
+        </p:spPr>
+      </p:pic>
+      <mc:AlternateContent xmlns:mc="http://schemas.openxmlformats.org/markup-compatibility/2006">
+        <mc:Choice xmlns:a14="http://schemas.microsoft.com/office/drawing/2010/main" Requires="a14">
+          <p:sp>
+            <p:nvSpPr>
+              <p:cNvPr id="8" name="TextBox 7">
+                <a:extLst>
+                  <a:ext uri="{FF2B5EF4-FFF2-40B4-BE49-F238E27FC236}">
+                    <a16:creationId xmlns:a16="http://schemas.microsoft.com/office/drawing/2014/main" id="{7837F6F1-44F6-4972-BB94-F25988537A8E}"/>
+                  </a:ext>
+                </a:extLst>
+              </p:cNvPr>
+              <p:cNvSpPr txBox="1"/>
+              <p:nvPr/>
+            </p:nvSpPr>
+            <p:spPr>
+              <a:xfrm>
+                <a:off x="3672309" y="5555957"/>
+                <a:ext cx="5256584" cy="323165"/>
+              </a:xfrm>
+              <a:prstGeom prst="rect">
+                <a:avLst/>
+              </a:prstGeom>
+              <a:noFill/>
+            </p:spPr>
+            <p:txBody>
+              <a:bodyPr wrap="square" rtlCol="0">
+                <a:spAutoFit/>
+              </a:bodyPr>
+              <a:lstStyle/>
+              <a:p>
+                <a14:m>
+                  <m:oMath xmlns:m="http://schemas.openxmlformats.org/officeDocument/2006/math">
+                    <m:r>
+                      <a:rPr lang="en-GB" b="0" i="1" smtClean="0">
+                        <a:latin typeface="Cambria Math" panose="02040503050406030204" pitchFamily="18" charset="0"/>
+                      </a:rPr>
+                      <m:t>𝜒</m:t>
+                    </m:r>
+                    <m:r>
+                      <a:rPr lang="en-GB" b="0" i="1" smtClean="0">
+                        <a:latin typeface="Cambria Math" panose="02040503050406030204" pitchFamily="18" charset="0"/>
+                      </a:rPr>
+                      <m:t>2 </m:t>
+                    </m:r>
+                  </m:oMath>
+                </a14:m>
+                <a:r>
+                  <a:rPr lang="el-GR" dirty="0"/>
+                  <a:t>(79) = 140.16, </a:t>
+                </a:r>
+                <a:r>
+                  <a:rPr lang="en-GB" dirty="0"/>
+                  <a:t>p &lt; .001, CFI = 0.89, RMSEA = 0.08</a:t>
+                </a:r>
+              </a:p>
+            </p:txBody>
+          </p:sp>
+        </mc:Choice>
+        <mc:Fallback>
+          <p:sp>
+            <p:nvSpPr>
+              <p:cNvPr id="8" name="TextBox 7">
+                <a:extLst>
+                  <a:ext uri="{FF2B5EF4-FFF2-40B4-BE49-F238E27FC236}">
+                    <a16:creationId xmlns:a16="http://schemas.microsoft.com/office/drawing/2014/main" id="{7837F6F1-44F6-4972-BB94-F25988537A8E}"/>
+                  </a:ext>
+                </a:extLst>
+              </p:cNvPr>
+              <p:cNvSpPr txBox="1">
+                <a:spLocks noRot="1" noChangeAspect="1" noMove="1" noResize="1" noEditPoints="1" noAdjustHandles="1" noChangeArrowheads="1" noChangeShapeType="1" noTextEdit="1"/>
+              </p:cNvSpPr>
+              <p:nvPr/>
+            </p:nvSpPr>
+            <p:spPr>
+              <a:xfrm>
+                <a:off x="3672309" y="5555957"/>
+                <a:ext cx="5256584" cy="323165"/>
+              </a:xfrm>
+              <a:prstGeom prst="rect">
+                <a:avLst/>
+              </a:prstGeom>
+              <a:blipFill>
+                <a:blip r:embed="rId3"/>
+                <a:stretch>
+                  <a:fillRect t="-3774" b="-20755"/>
+                </a:stretch>
+              </a:blipFill>
+            </p:spPr>
+            <p:txBody>
+              <a:bodyPr/>
+              <a:lstStyle/>
+              <a:p>
+                <a:r>
+                  <a:rPr lang="en-GB">
+                    <a:noFill/>
+                  </a:rPr>
+                  <a:t> </a:t>
+                </a:r>
+              </a:p>
+            </p:txBody>
+          </p:sp>
+        </mc:Fallback>
+      </mc:AlternateContent>
     </p:spTree>
     <p:extLst>
       <p:ext uri="{BB962C8B-B14F-4D97-AF65-F5344CB8AC3E}">
@@ -10702,39 +10824,6 @@
       </p:sp>
       <p:sp>
         <p:nvSpPr>
-          <p:cNvPr id="3" name="Content Placeholder 2">
-            <a:extLst>
-              <a:ext uri="{FF2B5EF4-FFF2-40B4-BE49-F238E27FC236}">
-                <a16:creationId xmlns:a16="http://schemas.microsoft.com/office/drawing/2014/main" id="{DA5D53A0-F9AF-4FDA-B6A1-E900EA6CDF82}"/>
-              </a:ext>
-            </a:extLst>
-          </p:cNvPr>
-          <p:cNvSpPr>
-            <a:spLocks noGrp="1"/>
-          </p:cNvSpPr>
-          <p:nvPr>
-            <p:ph idx="1"/>
-          </p:nvPr>
-        </p:nvSpPr>
-        <p:spPr/>
-        <p:txBody>
-          <a:bodyPr/>
-          <a:lstStyle/>
-          <a:p>
-            <a:r>
-              <a:rPr lang="en-GB" dirty="0"/>
-              <a:t>Bivariate </a:t>
-            </a:r>
-            <a:r>
-              <a:rPr lang="en-GB" dirty="0" err="1"/>
-              <a:t>Korrelationen</a:t>
-            </a:r>
-            <a:endParaRPr lang="en-GB" dirty="0"/>
-          </a:p>
-        </p:txBody>
-      </p:sp>
-      <p:sp>
-        <p:nvSpPr>
           <p:cNvPr id="4" name="Slide Number Placeholder 3">
             <a:extLst>
               <a:ext uri="{FF2B5EF4-FFF2-40B4-BE49-F238E27FC236}">
@@ -10800,6 +10889,41 @@
           </a:p>
         </p:txBody>
       </p:sp>
+      <p:pic>
+        <p:nvPicPr>
+          <p:cNvPr id="10" name="Content Placeholder 9">
+            <a:extLst>
+              <a:ext uri="{FF2B5EF4-FFF2-40B4-BE49-F238E27FC236}">
+                <a16:creationId xmlns:a16="http://schemas.microsoft.com/office/drawing/2014/main" id="{7AD23912-C7E9-4B57-B56A-96214EE9CC3E}"/>
+              </a:ext>
+            </a:extLst>
+          </p:cNvPr>
+          <p:cNvPicPr>
+            <a:picLocks noGrp="1" noChangeAspect="1"/>
+          </p:cNvPicPr>
+          <p:nvPr>
+            <p:ph idx="1"/>
+          </p:nvPr>
+        </p:nvPicPr>
+        <p:blipFill>
+          <a:blip r:embed="rId2">
+            <a:extLst>
+              <a:ext uri="{28A0092B-C50C-407E-A947-70E740481C1C}">
+                <a14:useLocalDpi xmlns:a14="http://schemas.microsoft.com/office/drawing/2010/main" val="0"/>
+              </a:ext>
+            </a:extLst>
+          </a:blip>
+          <a:stretch>
+            <a:fillRect/>
+          </a:stretch>
+        </p:blipFill>
+        <p:spPr>
+          <a:xfrm>
+            <a:off x="215900" y="1845022"/>
+            <a:ext cx="8207375" cy="3942656"/>
+          </a:xfrm>
+        </p:spPr>
+      </p:pic>
     </p:spTree>
     <p:extLst>
       <p:ext uri="{BB962C8B-B14F-4D97-AF65-F5344CB8AC3E}">

--- a/presentations/levy_presentation.pptx
+++ b/presentations/levy_presentation.pptx
@@ -8355,8 +8355,8 @@
           </a:prstGeom>
         </p:spPr>
       </p:pic>
-      <mc:AlternateContent xmlns:mc="http://schemas.openxmlformats.org/markup-compatibility/2006">
-        <mc:Choice xmlns:a14="http://schemas.microsoft.com/office/drawing/2010/main" Requires="a14">
+      <mc:AlternateContent xmlns:mc="http://schemas.openxmlformats.org/markup-compatibility/2006" xmlns:a14="http://schemas.microsoft.com/office/drawing/2010/main">
+        <mc:Choice Requires="a14">
           <p:sp>
             <p:nvSpPr>
               <p:cNvPr id="8" name="TextBox 7">
@@ -8413,7 +8413,7 @@
             </p:txBody>
           </p:sp>
         </mc:Choice>
-        <mc:Fallback>
+        <mc:Fallback xmlns="">
           <p:sp>
             <p:nvSpPr>
               <p:cNvPr id="8" name="TextBox 7">
@@ -9727,8 +9727,13 @@
           <a:p>
             <a:r>
               <a:rPr lang="en-GB" dirty="0"/>
-              <a:t>Mean RT, (und SD)</a:t>
-            </a:r>
+              <a:t>Mean RT, (und </a:t>
+            </a:r>
+            <a:r>
+              <a:rPr lang="en-GB"/>
+              <a:t>SD)d</a:t>
+            </a:r>
+            <a:endParaRPr lang="en-GB" dirty="0"/>
           </a:p>
           <a:p>
             <a:endParaRPr lang="en-GB" dirty="0"/>

--- a/presentations/levy_presentation.pptx
+++ b/presentations/levy_presentation.pptx
@@ -6,10 +6,10 @@
     <p:sldMasterId id="2147483663" r:id="rId2"/>
   </p:sldMasterIdLst>
   <p:notesMasterIdLst>
-    <p:notesMasterId r:id="rId20"/>
+    <p:notesMasterId r:id="rId21"/>
   </p:notesMasterIdLst>
   <p:handoutMasterIdLst>
-    <p:handoutMasterId r:id="rId21"/>
+    <p:handoutMasterId r:id="rId22"/>
   </p:handoutMasterIdLst>
   <p:sldIdLst>
     <p:sldId id="256" r:id="rId3"/>
@@ -22,13 +22,14 @@
     <p:sldId id="263" r:id="rId10"/>
     <p:sldId id="264" r:id="rId11"/>
     <p:sldId id="265" r:id="rId12"/>
-    <p:sldId id="266" r:id="rId13"/>
-    <p:sldId id="267" r:id="rId14"/>
-    <p:sldId id="268" r:id="rId15"/>
-    <p:sldId id="270" r:id="rId16"/>
-    <p:sldId id="269" r:id="rId17"/>
-    <p:sldId id="271" r:id="rId18"/>
-    <p:sldId id="272" r:id="rId19"/>
+    <p:sldId id="273" r:id="rId13"/>
+    <p:sldId id="274" r:id="rId14"/>
+    <p:sldId id="267" r:id="rId15"/>
+    <p:sldId id="268" r:id="rId16"/>
+    <p:sldId id="270" r:id="rId17"/>
+    <p:sldId id="269" r:id="rId18"/>
+    <p:sldId id="271" r:id="rId19"/>
+    <p:sldId id="272" r:id="rId20"/>
   </p:sldIdLst>
   <p:sldSz cx="8640763" cy="6480175"/>
   <p:notesSz cx="6794500" cy="9918700"/>
@@ -341,7 +342,7 @@
               <a:pPr>
                 <a:defRPr/>
               </a:pPr>
-              <a:t>16.07.2024</a:t>
+              <a:t>18.07.2024</a:t>
             </a:fld>
             <a:endParaRPr lang="de-DE"/>
           </a:p>
@@ -582,7 +583,7 @@
               <a:pPr>
                 <a:defRPr/>
               </a:pPr>
-              <a:t>16.07.2024</a:t>
+              <a:t>18.07.2024</a:t>
             </a:fld>
             <a:endParaRPr lang="de-DE" altLang="de-DE"/>
           </a:p>
@@ -8231,31 +8232,6 @@
       </p:sp>
       <p:sp>
         <p:nvSpPr>
-          <p:cNvPr id="3" name="Content Placeholder 2">
-            <a:extLst>
-              <a:ext uri="{FF2B5EF4-FFF2-40B4-BE49-F238E27FC236}">
-                <a16:creationId xmlns:a16="http://schemas.microsoft.com/office/drawing/2014/main" id="{F875175F-BEDB-4CEB-B850-094ECD5DA40E}"/>
-              </a:ext>
-            </a:extLst>
-          </p:cNvPr>
-          <p:cNvSpPr>
-            <a:spLocks noGrp="1"/>
-          </p:cNvSpPr>
-          <p:nvPr>
-            <p:ph idx="1"/>
-          </p:nvPr>
-        </p:nvSpPr>
-        <p:spPr/>
-        <p:txBody>
-          <a:bodyPr/>
-          <a:lstStyle/>
-          <a:p>
-            <a:endParaRPr lang="en-GB" dirty="0"/>
-          </a:p>
-        </p:txBody>
-      </p:sp>
-      <p:sp>
-        <p:nvSpPr>
           <p:cNvPr id="4" name="Slide Number Placeholder 3">
             <a:extLst>
               <a:ext uri="{FF2B5EF4-FFF2-40B4-BE49-F238E27FC236}">
@@ -8320,43 +8296,8 @@
           </a:p>
         </p:txBody>
       </p:sp>
-      <p:pic>
-        <p:nvPicPr>
-          <p:cNvPr id="7" name="Picture 6">
-            <a:extLst>
-              <a:ext uri="{FF2B5EF4-FFF2-40B4-BE49-F238E27FC236}">
-                <a16:creationId xmlns:a16="http://schemas.microsoft.com/office/drawing/2014/main" id="{003A55CB-E877-4AB6-8275-8226A43DA43E}"/>
-              </a:ext>
-            </a:extLst>
-          </p:cNvPr>
-          <p:cNvPicPr>
-            <a:picLocks noChangeAspect="1"/>
-          </p:cNvPicPr>
-          <p:nvPr/>
-        </p:nvPicPr>
-        <p:blipFill rotWithShape="1">
-          <a:blip r:embed="rId2">
-            <a:extLst>
-              <a:ext uri="{28A0092B-C50C-407E-A947-70E740481C1C}">
-                <a14:useLocalDpi xmlns:a14="http://schemas.microsoft.com/office/drawing/2010/main" val="0"/>
-              </a:ext>
-            </a:extLst>
-          </a:blip>
-          <a:srcRect l="4354" t="9771" r="5928" b="8876"/>
-          <a:stretch/>
-        </p:blipFill>
-        <p:spPr>
-          <a:xfrm>
-            <a:off x="431949" y="1522095"/>
-            <a:ext cx="7416824" cy="3783037"/>
-          </a:xfrm>
-          <a:prstGeom prst="rect">
-            <a:avLst/>
-          </a:prstGeom>
-        </p:spPr>
-      </p:pic>
-      <mc:AlternateContent xmlns:mc="http://schemas.openxmlformats.org/markup-compatibility/2006" xmlns:a14="http://schemas.microsoft.com/office/drawing/2010/main">
-        <mc:Choice Requires="a14">
+      <mc:AlternateContent xmlns:mc="http://schemas.openxmlformats.org/markup-compatibility/2006">
+        <mc:Choice xmlns:a14="http://schemas.microsoft.com/office/drawing/2010/main" Requires="a14">
           <p:sp>
             <p:nvSpPr>
               <p:cNvPr id="8" name="TextBox 7">
@@ -8403,17 +8344,33 @@
                 </a14:m>
                 <a:r>
                   <a:rPr lang="el-GR" dirty="0"/>
-                  <a:t>(79) = 140.16, </a:t>
+                  <a:t>(7</a:t>
                 </a:r>
                 <a:r>
                   <a:rPr lang="en-GB" dirty="0"/>
-                  <a:t>p &lt; .001, CFI = 0.89, RMSEA = 0.08</a:t>
+                  <a:t>4</a:t>
+                </a:r>
+                <a:r>
+                  <a:rPr lang="el-GR" dirty="0"/>
+                  <a:t>) = 1</a:t>
+                </a:r>
+                <a:r>
+                  <a:rPr lang="en-GB" dirty="0"/>
+                  <a:t>33.39</a:t>
+                </a:r>
+                <a:r>
+                  <a:rPr lang="el-GR" dirty="0"/>
+                  <a:t>, </a:t>
+                </a:r>
+                <a:r>
+                  <a:rPr lang="en-GB" dirty="0"/>
+                  <a:t>p &lt; .0001, CFI = 0.90, RMSEA = 0.08</a:t>
                 </a:r>
               </a:p>
             </p:txBody>
           </p:sp>
         </mc:Choice>
-        <mc:Fallback xmlns="">
+        <mc:Fallback>
           <p:sp>
             <p:nvSpPr>
               <p:cNvPr id="8" name="TextBox 7">
@@ -8437,7 +8394,7 @@
                 <a:avLst/>
               </a:prstGeom>
               <a:blipFill>
-                <a:blip r:embed="rId3"/>
+                <a:blip r:embed="rId2"/>
                 <a:stretch>
                   <a:fillRect t="-3774" b="-20755"/>
                 </a:stretch>
@@ -8458,6 +8415,40 @@
           </p:sp>
         </mc:Fallback>
       </mc:AlternateContent>
+      <p:pic>
+        <p:nvPicPr>
+          <p:cNvPr id="12" name="Content Placeholder 11">
+            <a:extLst>
+              <a:ext uri="{FF2B5EF4-FFF2-40B4-BE49-F238E27FC236}">
+                <a16:creationId xmlns:a16="http://schemas.microsoft.com/office/drawing/2014/main" id="{9072CE9E-FAC9-4EA4-B607-36B4ED54D7D8}"/>
+              </a:ext>
+            </a:extLst>
+          </p:cNvPr>
+          <p:cNvPicPr>
+            <a:picLocks noGrp="1" noChangeAspect="1"/>
+          </p:cNvPicPr>
+          <p:nvPr>
+            <p:ph idx="1"/>
+          </p:nvPr>
+        </p:nvPicPr>
+        <p:blipFill rotWithShape="1">
+          <a:blip r:embed="rId3">
+            <a:extLst>
+              <a:ext uri="{28A0092B-C50C-407E-A947-70E740481C1C}">
+                <a14:useLocalDpi xmlns:a14="http://schemas.microsoft.com/office/drawing/2010/main" val="0"/>
+              </a:ext>
+            </a:extLst>
+          </a:blip>
+          <a:srcRect l="5612" t="9652" r="6577" b="9662"/>
+          <a:stretch/>
+        </p:blipFill>
+        <p:spPr>
+          <a:xfrm>
+            <a:off x="664473" y="1662314"/>
+            <a:ext cx="7311816" cy="3779141"/>
+          </a:xfrm>
+        </p:spPr>
+      </p:pic>
     </p:spTree>
     <p:extLst>
       <p:ext uri="{BB962C8B-B14F-4D97-AF65-F5344CB8AC3E}">
@@ -8493,7 +8484,7 @@
           <p:cNvPr id="2" name="Title 1">
             <a:extLst>
               <a:ext uri="{FF2B5EF4-FFF2-40B4-BE49-F238E27FC236}">
-                <a16:creationId xmlns:a16="http://schemas.microsoft.com/office/drawing/2014/main" id="{94A9E537-C63A-4856-8056-911199A73176}"/>
+                <a16:creationId xmlns:a16="http://schemas.microsoft.com/office/drawing/2014/main" id="{55F718FC-F914-47AE-8321-2E443A41B361}"/>
               </a:ext>
             </a:extLst>
           </p:cNvPr>
@@ -8519,42 +8510,10 @@
       </p:sp>
       <p:sp>
         <p:nvSpPr>
-          <p:cNvPr id="3" name="Content Placeholder 2">
-            <a:extLst>
-              <a:ext uri="{FF2B5EF4-FFF2-40B4-BE49-F238E27FC236}">
-                <a16:creationId xmlns:a16="http://schemas.microsoft.com/office/drawing/2014/main" id="{4ADE2892-E719-4A66-8C14-DA993C1177CF}"/>
-              </a:ext>
-            </a:extLst>
-          </p:cNvPr>
-          <p:cNvSpPr>
-            <a:spLocks noGrp="1"/>
-          </p:cNvSpPr>
-          <p:nvPr>
-            <p:ph idx="1"/>
-          </p:nvPr>
-        </p:nvSpPr>
-        <p:spPr/>
-        <p:txBody>
-          <a:bodyPr/>
-          <a:lstStyle/>
-          <a:p>
-            <a:r>
-              <a:rPr lang="en-GB" dirty="0" err="1"/>
-              <a:t>Strukturgleichungsmodell</a:t>
-            </a:r>
-            <a:r>
-              <a:rPr lang="en-GB" dirty="0"/>
-              <a:t>: alpha und v</a:t>
-            </a:r>
-          </a:p>
-        </p:txBody>
-      </p:sp>
-      <p:sp>
-        <p:nvSpPr>
           <p:cNvPr id="4" name="Slide Number Placeholder 3">
             <a:extLst>
               <a:ext uri="{FF2B5EF4-FFF2-40B4-BE49-F238E27FC236}">
-                <a16:creationId xmlns:a16="http://schemas.microsoft.com/office/drawing/2014/main" id="{49F26807-1D53-46B0-9039-F7A725DC2337}"/>
+                <a16:creationId xmlns:a16="http://schemas.microsoft.com/office/drawing/2014/main" id="{47F60390-EFB0-48AB-8A1D-0DBC3CB3839E}"/>
               </a:ext>
             </a:extLst>
           </p:cNvPr>
@@ -8589,7 +8548,7 @@
           <p:cNvPr id="5" name="Footer Placeholder 4">
             <a:extLst>
               <a:ext uri="{FF2B5EF4-FFF2-40B4-BE49-F238E27FC236}">
-                <a16:creationId xmlns:a16="http://schemas.microsoft.com/office/drawing/2014/main" id="{4E4A7F3C-B508-43BD-A496-9D3E4B52772E}"/>
+                <a16:creationId xmlns:a16="http://schemas.microsoft.com/office/drawing/2014/main" id="{9750D3C8-DB7A-4BA6-B272-E0A442B96B60}"/>
               </a:ext>
             </a:extLst>
           </p:cNvPr>
@@ -8609,17 +8568,160 @@
               <a:defRPr/>
             </a:pPr>
             <a:r>
-              <a:rPr lang="de-DE"/>
+              <a:rPr lang="de-DE" dirty="0"/>
               <a:t>Template Matching - Sven Lesche</a:t>
             </a:r>
-            <a:endParaRPr lang="de-DE" dirty="0"/>
+          </a:p>
+        </p:txBody>
+      </p:sp>
+      <mc:AlternateContent xmlns:mc="http://schemas.openxmlformats.org/markup-compatibility/2006">
+        <mc:Choice xmlns:a14="http://schemas.microsoft.com/office/drawing/2010/main" Requires="a14">
+          <p:sp>
+            <p:nvSpPr>
+              <p:cNvPr id="8" name="TextBox 7">
+                <a:extLst>
+                  <a:ext uri="{FF2B5EF4-FFF2-40B4-BE49-F238E27FC236}">
+                    <a16:creationId xmlns:a16="http://schemas.microsoft.com/office/drawing/2014/main" id="{7837F6F1-44F6-4972-BB94-F25988537A8E}"/>
+                  </a:ext>
+                </a:extLst>
+              </p:cNvPr>
+              <p:cNvSpPr txBox="1"/>
+              <p:nvPr/>
+            </p:nvSpPr>
+            <p:spPr>
+              <a:xfrm>
+                <a:off x="3672309" y="5555957"/>
+                <a:ext cx="5256584" cy="323165"/>
+              </a:xfrm>
+              <a:prstGeom prst="rect">
+                <a:avLst/>
+              </a:prstGeom>
+              <a:noFill/>
+            </p:spPr>
+            <p:txBody>
+              <a:bodyPr wrap="square" rtlCol="0">
+                <a:spAutoFit/>
+              </a:bodyPr>
+              <a:lstStyle/>
+              <a:p>
+                <a14:m>
+                  <m:oMath xmlns:m="http://schemas.openxmlformats.org/officeDocument/2006/math">
+                    <m:r>
+                      <a:rPr lang="en-GB" b="0" i="1" smtClean="0">
+                        <a:latin typeface="Cambria Math" panose="02040503050406030204" pitchFamily="18" charset="0"/>
+                      </a:rPr>
+                      <m:t>𝜒</m:t>
+                    </m:r>
+                    <m:r>
+                      <a:rPr lang="en-GB" b="0" i="1" smtClean="0">
+                        <a:latin typeface="Cambria Math" panose="02040503050406030204" pitchFamily="18" charset="0"/>
+                      </a:rPr>
+                      <m:t>2 </m:t>
+                    </m:r>
+                  </m:oMath>
+                </a14:m>
+                <a:r>
+                  <a:rPr lang="el-GR" dirty="0"/>
+                  <a:t>(7</a:t>
+                </a:r>
+                <a:r>
+                  <a:rPr lang="en-GB" dirty="0"/>
+                  <a:t>4</a:t>
+                </a:r>
+                <a:r>
+                  <a:rPr lang="el-GR" dirty="0"/>
+                  <a:t>) = 1</a:t>
+                </a:r>
+                <a:r>
+                  <a:rPr lang="en-GB" dirty="0"/>
+                  <a:t>33.39</a:t>
+                </a:r>
+                <a:r>
+                  <a:rPr lang="el-GR" dirty="0"/>
+                  <a:t>, </a:t>
+                </a:r>
+                <a:r>
+                  <a:rPr lang="en-GB" dirty="0"/>
+                  <a:t>p &lt; .0001, CFI = 0.90, RMSEA = 0.08</a:t>
+                </a:r>
+              </a:p>
+            </p:txBody>
+          </p:sp>
+        </mc:Choice>
+        <mc:Fallback>
+          <p:sp>
+            <p:nvSpPr>
+              <p:cNvPr id="8" name="TextBox 7">
+                <a:extLst>
+                  <a:ext uri="{FF2B5EF4-FFF2-40B4-BE49-F238E27FC236}">
+                    <a16:creationId xmlns:a16="http://schemas.microsoft.com/office/drawing/2014/main" id="{7837F6F1-44F6-4972-BB94-F25988537A8E}"/>
+                  </a:ext>
+                </a:extLst>
+              </p:cNvPr>
+              <p:cNvSpPr txBox="1">
+                <a:spLocks noRot="1" noChangeAspect="1" noMove="1" noResize="1" noEditPoints="1" noAdjustHandles="1" noChangeArrowheads="1" noChangeShapeType="1" noTextEdit="1"/>
+              </p:cNvSpPr>
+              <p:nvPr/>
+            </p:nvSpPr>
+            <p:spPr>
+              <a:xfrm>
+                <a:off x="3672309" y="5555957"/>
+                <a:ext cx="5256584" cy="323165"/>
+              </a:xfrm>
+              <a:prstGeom prst="rect">
+                <a:avLst/>
+              </a:prstGeom>
+              <a:blipFill>
+                <a:blip r:embed="rId2"/>
+                <a:stretch>
+                  <a:fillRect t="-3774" b="-20755"/>
+                </a:stretch>
+              </a:blipFill>
+            </p:spPr>
+            <p:txBody>
+              <a:bodyPr/>
+              <a:lstStyle/>
+              <a:p>
+                <a:r>
+                  <a:rPr lang="en-GB">
+                    <a:noFill/>
+                  </a:rPr>
+                  <a:t> </a:t>
+                </a:r>
+              </a:p>
+            </p:txBody>
+          </p:sp>
+        </mc:Fallback>
+      </mc:AlternateContent>
+      <p:sp>
+        <p:nvSpPr>
+          <p:cNvPr id="3" name="Content Placeholder 2">
+            <a:extLst>
+              <a:ext uri="{FF2B5EF4-FFF2-40B4-BE49-F238E27FC236}">
+                <a16:creationId xmlns:a16="http://schemas.microsoft.com/office/drawing/2014/main" id="{EBF65667-25DB-4939-A098-F3E8F7F384F9}"/>
+              </a:ext>
+            </a:extLst>
+          </p:cNvPr>
+          <p:cNvSpPr>
+            <a:spLocks noGrp="1"/>
+          </p:cNvSpPr>
+          <p:nvPr>
+            <p:ph idx="1"/>
+          </p:nvPr>
+        </p:nvSpPr>
+        <p:spPr/>
+        <p:txBody>
+          <a:bodyPr/>
+          <a:lstStyle/>
+          <a:p>
+            <a:endParaRPr lang="en-GB"/>
           </a:p>
         </p:txBody>
       </p:sp>
     </p:spTree>
     <p:extLst>
       <p:ext uri="{BB962C8B-B14F-4D97-AF65-F5344CB8AC3E}">
-        <p14:creationId xmlns:p14="http://schemas.microsoft.com/office/powerpoint/2010/main" val="3198379774"/>
+        <p14:creationId xmlns:p14="http://schemas.microsoft.com/office/powerpoint/2010/main" val="2600783763"/>
       </p:ext>
     </p:extLst>
   </p:cSld>
@@ -8651,7 +8753,7 @@
           <p:cNvPr id="2" name="Title 1">
             <a:extLst>
               <a:ext uri="{FF2B5EF4-FFF2-40B4-BE49-F238E27FC236}">
-                <a16:creationId xmlns:a16="http://schemas.microsoft.com/office/drawing/2014/main" id="{3F2F7E55-CE78-40A7-B5B6-2AC85CBDE4CB}"/>
+                <a16:creationId xmlns:a16="http://schemas.microsoft.com/office/drawing/2014/main" id="{55F718FC-F914-47AE-8321-2E443A41B361}"/>
               </a:ext>
             </a:extLst>
           </p:cNvPr>
@@ -8668,41 +8770,9 @@
           <a:lstStyle/>
           <a:p>
             <a:r>
-              <a:rPr lang="en-GB" dirty="0"/>
-              <a:t>Was </a:t>
-            </a:r>
-            <a:r>
               <a:rPr lang="en-GB" dirty="0" err="1"/>
-              <a:t>bedeutet</a:t>
-            </a:r>
-            <a:r>
-              <a:rPr lang="en-GB" dirty="0"/>
-              <a:t> das?</a:t>
-            </a:r>
-          </a:p>
-        </p:txBody>
-      </p:sp>
-      <p:sp>
-        <p:nvSpPr>
-          <p:cNvPr id="3" name="Content Placeholder 2">
-            <a:extLst>
-              <a:ext uri="{FF2B5EF4-FFF2-40B4-BE49-F238E27FC236}">
-                <a16:creationId xmlns:a16="http://schemas.microsoft.com/office/drawing/2014/main" id="{90B94075-D215-472B-BF6F-68425F881C32}"/>
-              </a:ext>
-            </a:extLst>
-          </p:cNvPr>
-          <p:cNvSpPr>
-            <a:spLocks noGrp="1"/>
-          </p:cNvSpPr>
-          <p:nvPr>
-            <p:ph idx="1"/>
-          </p:nvPr>
-        </p:nvSpPr>
-        <p:spPr/>
-        <p:txBody>
-          <a:bodyPr/>
-          <a:lstStyle/>
-          <a:p>
+              <a:t>Ergebnisse</a:t>
+            </a:r>
             <a:endParaRPr lang="en-GB" dirty="0"/>
           </a:p>
         </p:txBody>
@@ -8712,7 +8782,7 @@
           <p:cNvPr id="4" name="Slide Number Placeholder 3">
             <a:extLst>
               <a:ext uri="{FF2B5EF4-FFF2-40B4-BE49-F238E27FC236}">
-                <a16:creationId xmlns:a16="http://schemas.microsoft.com/office/drawing/2014/main" id="{11D63F32-D82E-48E2-974D-58E5C0A0962E}"/>
+                <a16:creationId xmlns:a16="http://schemas.microsoft.com/office/drawing/2014/main" id="{47F60390-EFB0-48AB-8A1D-0DBC3CB3839E}"/>
               </a:ext>
             </a:extLst>
           </p:cNvPr>
@@ -8747,7 +8817,7 @@
           <p:cNvPr id="5" name="Footer Placeholder 4">
             <a:extLst>
               <a:ext uri="{FF2B5EF4-FFF2-40B4-BE49-F238E27FC236}">
-                <a16:creationId xmlns:a16="http://schemas.microsoft.com/office/drawing/2014/main" id="{D5E34673-0C27-48C5-9C51-49FB18ADCF5A}"/>
+                <a16:creationId xmlns:a16="http://schemas.microsoft.com/office/drawing/2014/main" id="{9750D3C8-DB7A-4BA6-B272-E0A442B96B60}"/>
               </a:ext>
             </a:extLst>
           </p:cNvPr>
@@ -8767,17 +8837,169 @@
               <a:defRPr/>
             </a:pPr>
             <a:r>
-              <a:rPr lang="de-DE"/>
+              <a:rPr lang="de-DE" dirty="0"/>
               <a:t>Template Matching - Sven Lesche</a:t>
             </a:r>
-            <a:endParaRPr lang="de-DE" dirty="0"/>
-          </a:p>
-        </p:txBody>
-      </p:sp>
+          </a:p>
+        </p:txBody>
+      </p:sp>
+      <mc:AlternateContent xmlns:mc="http://schemas.openxmlformats.org/markup-compatibility/2006">
+        <mc:Choice xmlns:a14="http://schemas.microsoft.com/office/drawing/2010/main" Requires="a14">
+          <p:sp>
+            <p:nvSpPr>
+              <p:cNvPr id="8" name="TextBox 7">
+                <a:extLst>
+                  <a:ext uri="{FF2B5EF4-FFF2-40B4-BE49-F238E27FC236}">
+                    <a16:creationId xmlns:a16="http://schemas.microsoft.com/office/drawing/2014/main" id="{7837F6F1-44F6-4972-BB94-F25988537A8E}"/>
+                  </a:ext>
+                </a:extLst>
+              </p:cNvPr>
+              <p:cNvSpPr txBox="1"/>
+              <p:nvPr/>
+            </p:nvSpPr>
+            <p:spPr>
+              <a:xfrm>
+                <a:off x="3672309" y="5555957"/>
+                <a:ext cx="5256584" cy="323165"/>
+              </a:xfrm>
+              <a:prstGeom prst="rect">
+                <a:avLst/>
+              </a:prstGeom>
+              <a:noFill/>
+            </p:spPr>
+            <p:txBody>
+              <a:bodyPr wrap="square" rtlCol="0">
+                <a:spAutoFit/>
+              </a:bodyPr>
+              <a:lstStyle/>
+              <a:p>
+                <a14:m>
+                  <m:oMath xmlns:m="http://schemas.openxmlformats.org/officeDocument/2006/math">
+                    <m:r>
+                      <a:rPr lang="en-GB" b="0" i="1" smtClean="0">
+                        <a:latin typeface="Cambria Math" panose="02040503050406030204" pitchFamily="18" charset="0"/>
+                      </a:rPr>
+                      <m:t>𝜒</m:t>
+                    </m:r>
+                    <m:r>
+                      <a:rPr lang="en-GB" b="0" i="1" smtClean="0">
+                        <a:latin typeface="Cambria Math" panose="02040503050406030204" pitchFamily="18" charset="0"/>
+                      </a:rPr>
+                      <m:t>2 </m:t>
+                    </m:r>
+                  </m:oMath>
+                </a14:m>
+                <a:r>
+                  <a:rPr lang="el-GR" dirty="0"/>
+                  <a:t>(7</a:t>
+                </a:r>
+                <a:r>
+                  <a:rPr lang="en-GB" dirty="0"/>
+                  <a:t>4</a:t>
+                </a:r>
+                <a:r>
+                  <a:rPr lang="el-GR" dirty="0"/>
+                  <a:t>) = 1</a:t>
+                </a:r>
+                <a:r>
+                  <a:rPr lang="en-GB" dirty="0"/>
+                  <a:t>33.39</a:t>
+                </a:r>
+                <a:r>
+                  <a:rPr lang="el-GR" dirty="0"/>
+                  <a:t>, </a:t>
+                </a:r>
+                <a:r>
+                  <a:rPr lang="en-GB" dirty="0"/>
+                  <a:t>p &lt; .0001, CFI = 0.90, RMSEA = 0.08</a:t>
+                </a:r>
+              </a:p>
+            </p:txBody>
+          </p:sp>
+        </mc:Choice>
+        <mc:Fallback>
+          <p:sp>
+            <p:nvSpPr>
+              <p:cNvPr id="8" name="TextBox 7">
+                <a:extLst>
+                  <a:ext uri="{FF2B5EF4-FFF2-40B4-BE49-F238E27FC236}">
+                    <a16:creationId xmlns:a16="http://schemas.microsoft.com/office/drawing/2014/main" id="{7837F6F1-44F6-4972-BB94-F25988537A8E}"/>
+                  </a:ext>
+                </a:extLst>
+              </p:cNvPr>
+              <p:cNvSpPr txBox="1">
+                <a:spLocks noRot="1" noChangeAspect="1" noMove="1" noResize="1" noEditPoints="1" noAdjustHandles="1" noChangeArrowheads="1" noChangeShapeType="1" noTextEdit="1"/>
+              </p:cNvSpPr>
+              <p:nvPr/>
+            </p:nvSpPr>
+            <p:spPr>
+              <a:xfrm>
+                <a:off x="3672309" y="5555957"/>
+                <a:ext cx="5256584" cy="323165"/>
+              </a:xfrm>
+              <a:prstGeom prst="rect">
+                <a:avLst/>
+              </a:prstGeom>
+              <a:blipFill>
+                <a:blip r:embed="rId2"/>
+                <a:stretch>
+                  <a:fillRect t="-3774" b="-20755"/>
+                </a:stretch>
+              </a:blipFill>
+            </p:spPr>
+            <p:txBody>
+              <a:bodyPr/>
+              <a:lstStyle/>
+              <a:p>
+                <a:r>
+                  <a:rPr lang="en-GB">
+                    <a:noFill/>
+                  </a:rPr>
+                  <a:t> </a:t>
+                </a:r>
+              </a:p>
+            </p:txBody>
+          </p:sp>
+        </mc:Fallback>
+      </mc:AlternateContent>
+      <p:pic>
+        <p:nvPicPr>
+          <p:cNvPr id="12" name="Content Placeholder 11">
+            <a:extLst>
+              <a:ext uri="{FF2B5EF4-FFF2-40B4-BE49-F238E27FC236}">
+                <a16:creationId xmlns:a16="http://schemas.microsoft.com/office/drawing/2014/main" id="{9072CE9E-FAC9-4EA4-B607-36B4ED54D7D8}"/>
+              </a:ext>
+            </a:extLst>
+          </p:cNvPr>
+          <p:cNvPicPr>
+            <a:picLocks noGrp="1" noChangeAspect="1"/>
+          </p:cNvPicPr>
+          <p:nvPr>
+            <p:ph idx="1"/>
+          </p:nvPr>
+        </p:nvPicPr>
+        <p:blipFill rotWithShape="1">
+          <a:blip r:embed="rId3">
+            <a:extLst>
+              <a:ext uri="{28A0092B-C50C-407E-A947-70E740481C1C}">
+                <a14:useLocalDpi xmlns:a14="http://schemas.microsoft.com/office/drawing/2010/main" val="0"/>
+              </a:ext>
+            </a:extLst>
+          </a:blip>
+          <a:srcRect l="5612" t="9652" r="6577" b="9662"/>
+          <a:stretch/>
+        </p:blipFill>
+        <p:spPr>
+          <a:xfrm>
+            <a:off x="664473" y="1662314"/>
+            <a:ext cx="7311816" cy="3779141"/>
+          </a:xfrm>
+        </p:spPr>
+      </p:pic>
     </p:spTree>
     <p:extLst>
       <p:ext uri="{BB962C8B-B14F-4D97-AF65-F5344CB8AC3E}">
-        <p14:creationId xmlns:p14="http://schemas.microsoft.com/office/powerpoint/2010/main" val="878235353"/>
+        <p14:creationId xmlns:p14="http://schemas.microsoft.com/office/powerpoint/2010/main" val="1451834514"/>
       </p:ext>
     </p:extLst>
   </p:cSld>
@@ -8809,7 +9031,7 @@
           <p:cNvPr id="2" name="Title 1">
             <a:extLst>
               <a:ext uri="{FF2B5EF4-FFF2-40B4-BE49-F238E27FC236}">
-                <a16:creationId xmlns:a16="http://schemas.microsoft.com/office/drawing/2014/main" id="{D3B50BC0-6F8D-41F1-9CFA-7E46F5D89E68}"/>
+                <a16:creationId xmlns:a16="http://schemas.microsoft.com/office/drawing/2014/main" id="{3F2F7E55-CE78-40A7-B5B6-2AC85CBDE4CB}"/>
               </a:ext>
             </a:extLst>
           </p:cNvPr>
@@ -8826,44 +9048,51 @@
           <a:lstStyle/>
           <a:p>
             <a:r>
+              <a:rPr lang="en-GB" dirty="0"/>
+              <a:t>Was </a:t>
+            </a:r>
+            <a:r>
               <a:rPr lang="en-GB" dirty="0" err="1"/>
-              <a:t>Referenzen</a:t>
-            </a:r>
+              <a:t>bedeutet</a:t>
+            </a:r>
+            <a:r>
+              <a:rPr lang="en-GB" dirty="0"/>
+              <a:t> das?</a:t>
+            </a:r>
+          </a:p>
+        </p:txBody>
+      </p:sp>
+      <p:sp>
+        <p:nvSpPr>
+          <p:cNvPr id="3" name="Content Placeholder 2">
+            <a:extLst>
+              <a:ext uri="{FF2B5EF4-FFF2-40B4-BE49-F238E27FC236}">
+                <a16:creationId xmlns:a16="http://schemas.microsoft.com/office/drawing/2014/main" id="{90B94075-D215-472B-BF6F-68425F881C32}"/>
+              </a:ext>
+            </a:extLst>
+          </p:cNvPr>
+          <p:cNvSpPr>
+            <a:spLocks noGrp="1"/>
+          </p:cNvSpPr>
+          <p:nvPr>
+            <p:ph idx="1"/>
+          </p:nvPr>
+        </p:nvSpPr>
+        <p:spPr/>
+        <p:txBody>
+          <a:bodyPr/>
+          <a:lstStyle/>
+          <a:p>
             <a:endParaRPr lang="en-GB" dirty="0"/>
           </a:p>
         </p:txBody>
       </p:sp>
       <p:sp>
         <p:nvSpPr>
-          <p:cNvPr id="3" name="Content Placeholder 2">
-            <a:extLst>
-              <a:ext uri="{FF2B5EF4-FFF2-40B4-BE49-F238E27FC236}">
-                <a16:creationId xmlns:a16="http://schemas.microsoft.com/office/drawing/2014/main" id="{7FE8FECA-6BCA-4541-B5A2-B70B410DBDD6}"/>
-              </a:ext>
-            </a:extLst>
-          </p:cNvPr>
-          <p:cNvSpPr>
-            <a:spLocks noGrp="1"/>
-          </p:cNvSpPr>
-          <p:nvPr>
-            <p:ph idx="1"/>
-          </p:nvPr>
-        </p:nvSpPr>
-        <p:spPr/>
-        <p:txBody>
-          <a:bodyPr/>
-          <a:lstStyle/>
-          <a:p>
-            <a:endParaRPr lang="en-GB"/>
-          </a:p>
-        </p:txBody>
-      </p:sp>
-      <p:sp>
-        <p:nvSpPr>
           <p:cNvPr id="4" name="Slide Number Placeholder 3">
             <a:extLst>
               <a:ext uri="{FF2B5EF4-FFF2-40B4-BE49-F238E27FC236}">
-                <a16:creationId xmlns:a16="http://schemas.microsoft.com/office/drawing/2014/main" id="{0137B619-D85A-444F-ACC7-5643511CB572}"/>
+                <a16:creationId xmlns:a16="http://schemas.microsoft.com/office/drawing/2014/main" id="{11D63F32-D82E-48E2-974D-58E5C0A0962E}"/>
               </a:ext>
             </a:extLst>
           </p:cNvPr>
@@ -8898,7 +9127,7 @@
           <p:cNvPr id="5" name="Footer Placeholder 4">
             <a:extLst>
               <a:ext uri="{FF2B5EF4-FFF2-40B4-BE49-F238E27FC236}">
-                <a16:creationId xmlns:a16="http://schemas.microsoft.com/office/drawing/2014/main" id="{8D583B10-FE33-4120-953F-21B278068935}"/>
+                <a16:creationId xmlns:a16="http://schemas.microsoft.com/office/drawing/2014/main" id="{D5E34673-0C27-48C5-9C51-49FB18ADCF5A}"/>
               </a:ext>
             </a:extLst>
           </p:cNvPr>
@@ -8928,7 +9157,7 @@
     </p:spTree>
     <p:extLst>
       <p:ext uri="{BB962C8B-B14F-4D97-AF65-F5344CB8AC3E}">
-        <p14:creationId xmlns:p14="http://schemas.microsoft.com/office/powerpoint/2010/main" val="2098020814"/>
+        <p14:creationId xmlns:p14="http://schemas.microsoft.com/office/powerpoint/2010/main" val="878235353"/>
       </p:ext>
     </p:extLst>
   </p:cSld>
@@ -8960,7 +9189,7 @@
           <p:cNvPr id="2" name="Title 1">
             <a:extLst>
               <a:ext uri="{FF2B5EF4-FFF2-40B4-BE49-F238E27FC236}">
-                <a16:creationId xmlns:a16="http://schemas.microsoft.com/office/drawing/2014/main" id="{1FC9893D-A041-4C43-BBDB-A41FD3CE7DBF}"/>
+                <a16:creationId xmlns:a16="http://schemas.microsoft.com/office/drawing/2014/main" id="{D3B50BC0-6F8D-41F1-9CFA-7E46F5D89E68}"/>
               </a:ext>
             </a:extLst>
           </p:cNvPr>
@@ -8978,52 +9207,43 @@
           <a:p>
             <a:r>
               <a:rPr lang="en-GB" dirty="0" err="1"/>
-              <a:t>Korrelationsmatrix</a:t>
+              <a:t>Referenzen</a:t>
             </a:r>
             <a:endParaRPr lang="en-GB" dirty="0"/>
           </a:p>
         </p:txBody>
       </p:sp>
-      <p:pic>
-        <p:nvPicPr>
-          <p:cNvPr id="7" name="Content Placeholder 6">
-            <a:extLst>
-              <a:ext uri="{FF2B5EF4-FFF2-40B4-BE49-F238E27FC236}">
-                <a16:creationId xmlns:a16="http://schemas.microsoft.com/office/drawing/2014/main" id="{9475ECD4-E6E9-4915-A536-1083E18CB291}"/>
-              </a:ext>
-            </a:extLst>
-          </p:cNvPr>
-          <p:cNvPicPr>
-            <a:picLocks noGrp="1" noChangeAspect="1"/>
-          </p:cNvPicPr>
+      <p:sp>
+        <p:nvSpPr>
+          <p:cNvPr id="3" name="Content Placeholder 2">
+            <a:extLst>
+              <a:ext uri="{FF2B5EF4-FFF2-40B4-BE49-F238E27FC236}">
+                <a16:creationId xmlns:a16="http://schemas.microsoft.com/office/drawing/2014/main" id="{7FE8FECA-6BCA-4541-B5A2-B70B410DBDD6}"/>
+              </a:ext>
+            </a:extLst>
+          </p:cNvPr>
+          <p:cNvSpPr>
+            <a:spLocks noGrp="1"/>
+          </p:cNvSpPr>
           <p:nvPr>
             <p:ph idx="1"/>
           </p:nvPr>
-        </p:nvPicPr>
-        <p:blipFill rotWithShape="1">
-          <a:blip r:embed="rId2">
-            <a:extLst>
-              <a:ext uri="{28A0092B-C50C-407E-A947-70E740481C1C}">
-                <a14:useLocalDpi xmlns:a14="http://schemas.microsoft.com/office/drawing/2010/main" val="0"/>
-              </a:ext>
-            </a:extLst>
-          </a:blip>
-          <a:srcRect l="28575" t="8411" r="27534" b="3785"/>
-          <a:stretch/>
-        </p:blipFill>
-        <p:spPr>
-          <a:xfrm>
-            <a:off x="1823285" y="1188569"/>
-            <a:ext cx="4994192" cy="4799356"/>
-          </a:xfrm>
-        </p:spPr>
-      </p:pic>
+        </p:nvSpPr>
+        <p:spPr/>
+        <p:txBody>
+          <a:bodyPr/>
+          <a:lstStyle/>
+          <a:p>
+            <a:endParaRPr lang="en-GB"/>
+          </a:p>
+        </p:txBody>
+      </p:sp>
       <p:sp>
         <p:nvSpPr>
           <p:cNvPr id="4" name="Slide Number Placeholder 3">
             <a:extLst>
               <a:ext uri="{FF2B5EF4-FFF2-40B4-BE49-F238E27FC236}">
-                <a16:creationId xmlns:a16="http://schemas.microsoft.com/office/drawing/2014/main" id="{85E6A3A9-2A54-4DA4-A52D-0FAA0714711E}"/>
+                <a16:creationId xmlns:a16="http://schemas.microsoft.com/office/drawing/2014/main" id="{0137B619-D85A-444F-ACC7-5643511CB572}"/>
               </a:ext>
             </a:extLst>
           </p:cNvPr>
@@ -9058,7 +9278,7 @@
           <p:cNvPr id="5" name="Footer Placeholder 4">
             <a:extLst>
               <a:ext uri="{FF2B5EF4-FFF2-40B4-BE49-F238E27FC236}">
-                <a16:creationId xmlns:a16="http://schemas.microsoft.com/office/drawing/2014/main" id="{F120ACAD-B4EB-45C6-96F0-6800F0C6FF8C}"/>
+                <a16:creationId xmlns:a16="http://schemas.microsoft.com/office/drawing/2014/main" id="{8D583B10-FE33-4120-953F-21B278068935}"/>
               </a:ext>
             </a:extLst>
           </p:cNvPr>
@@ -9088,7 +9308,7 @@
     </p:spTree>
     <p:extLst>
       <p:ext uri="{BB962C8B-B14F-4D97-AF65-F5344CB8AC3E}">
-        <p14:creationId xmlns:p14="http://schemas.microsoft.com/office/powerpoint/2010/main" val="2906963703"/>
+        <p14:creationId xmlns:p14="http://schemas.microsoft.com/office/powerpoint/2010/main" val="2098020814"/>
       </p:ext>
     </p:extLst>
   </p:cSld>
@@ -9120,7 +9340,7 @@
           <p:cNvPr id="2" name="Title 1">
             <a:extLst>
               <a:ext uri="{FF2B5EF4-FFF2-40B4-BE49-F238E27FC236}">
-                <a16:creationId xmlns:a16="http://schemas.microsoft.com/office/drawing/2014/main" id="{5324BE47-D7E2-451B-BD63-7849D2924EF2}"/>
+                <a16:creationId xmlns:a16="http://schemas.microsoft.com/office/drawing/2014/main" id="{1FC9893D-A041-4C43-BBDB-A41FD3CE7DBF}"/>
               </a:ext>
             </a:extLst>
           </p:cNvPr>
@@ -9137,18 +9357,53 @@
           <a:lstStyle/>
           <a:p>
             <a:r>
-              <a:rPr lang="en-GB" dirty="0"/>
-              <a:t>Model Checks: Bias</a:t>
-            </a:r>
-          </a:p>
-        </p:txBody>
-      </p:sp>
+              <a:rPr lang="en-GB" dirty="0" err="1"/>
+              <a:t>Korrelationsmatrix</a:t>
+            </a:r>
+            <a:endParaRPr lang="en-GB" dirty="0"/>
+          </a:p>
+        </p:txBody>
+      </p:sp>
+      <p:pic>
+        <p:nvPicPr>
+          <p:cNvPr id="7" name="Content Placeholder 6">
+            <a:extLst>
+              <a:ext uri="{FF2B5EF4-FFF2-40B4-BE49-F238E27FC236}">
+                <a16:creationId xmlns:a16="http://schemas.microsoft.com/office/drawing/2014/main" id="{9475ECD4-E6E9-4915-A536-1083E18CB291}"/>
+              </a:ext>
+            </a:extLst>
+          </p:cNvPr>
+          <p:cNvPicPr>
+            <a:picLocks noGrp="1" noChangeAspect="1"/>
+          </p:cNvPicPr>
+          <p:nvPr>
+            <p:ph idx="1"/>
+          </p:nvPr>
+        </p:nvPicPr>
+        <p:blipFill rotWithShape="1">
+          <a:blip r:embed="rId2">
+            <a:extLst>
+              <a:ext uri="{28A0092B-C50C-407E-A947-70E740481C1C}">
+                <a14:useLocalDpi xmlns:a14="http://schemas.microsoft.com/office/drawing/2010/main" val="0"/>
+              </a:ext>
+            </a:extLst>
+          </a:blip>
+          <a:srcRect l="28575" t="8411" r="27534" b="3785"/>
+          <a:stretch/>
+        </p:blipFill>
+        <p:spPr>
+          <a:xfrm>
+            <a:off x="1823285" y="1188569"/>
+            <a:ext cx="4994192" cy="4799356"/>
+          </a:xfrm>
+        </p:spPr>
+      </p:pic>
       <p:sp>
         <p:nvSpPr>
           <p:cNvPr id="4" name="Slide Number Placeholder 3">
             <a:extLst>
               <a:ext uri="{FF2B5EF4-FFF2-40B4-BE49-F238E27FC236}">
-                <a16:creationId xmlns:a16="http://schemas.microsoft.com/office/drawing/2014/main" id="{2616A68B-E1DE-430F-BFA1-C742BB75D719}"/>
+                <a16:creationId xmlns:a16="http://schemas.microsoft.com/office/drawing/2014/main" id="{85E6A3A9-2A54-4DA4-A52D-0FAA0714711E}"/>
               </a:ext>
             </a:extLst>
           </p:cNvPr>
@@ -9173,6 +9428,131 @@
                 <a:defRPr/>
               </a:pPr>
               <a:t>15</a:t>
+            </a:fld>
+            <a:endParaRPr lang="de-DE" altLang="de-DE" dirty="0"/>
+          </a:p>
+        </p:txBody>
+      </p:sp>
+      <p:sp>
+        <p:nvSpPr>
+          <p:cNvPr id="5" name="Footer Placeholder 4">
+            <a:extLst>
+              <a:ext uri="{FF2B5EF4-FFF2-40B4-BE49-F238E27FC236}">
+                <a16:creationId xmlns:a16="http://schemas.microsoft.com/office/drawing/2014/main" id="{F120ACAD-B4EB-45C6-96F0-6800F0C6FF8C}"/>
+              </a:ext>
+            </a:extLst>
+          </p:cNvPr>
+          <p:cNvSpPr>
+            <a:spLocks noGrp="1"/>
+          </p:cNvSpPr>
+          <p:nvPr>
+            <p:ph type="ftr" sz="quarter" idx="11"/>
+          </p:nvPr>
+        </p:nvSpPr>
+        <p:spPr/>
+        <p:txBody>
+          <a:bodyPr/>
+          <a:lstStyle/>
+          <a:p>
+            <a:pPr>
+              <a:defRPr/>
+            </a:pPr>
+            <a:r>
+              <a:rPr lang="de-DE"/>
+              <a:t>Template Matching - Sven Lesche</a:t>
+            </a:r>
+            <a:endParaRPr lang="de-DE" dirty="0"/>
+          </a:p>
+        </p:txBody>
+      </p:sp>
+    </p:spTree>
+    <p:extLst>
+      <p:ext uri="{BB962C8B-B14F-4D97-AF65-F5344CB8AC3E}">
+        <p14:creationId xmlns:p14="http://schemas.microsoft.com/office/powerpoint/2010/main" val="2906963703"/>
+      </p:ext>
+    </p:extLst>
+  </p:cSld>
+  <p:clrMapOvr>
+    <a:masterClrMapping/>
+  </p:clrMapOvr>
+</p:sld>
+</file>
+
+<file path=ppt/slides/slide16.xml><?xml version="1.0" encoding="utf-8"?>
+<p:sld xmlns:a="http://schemas.openxmlformats.org/drawingml/2006/main" xmlns:r="http://schemas.openxmlformats.org/officeDocument/2006/relationships" xmlns:p="http://schemas.openxmlformats.org/presentationml/2006/main">
+  <p:cSld>
+    <p:spTree>
+      <p:nvGrpSpPr>
+        <p:cNvPr id="1" name=""/>
+        <p:cNvGrpSpPr/>
+        <p:nvPr/>
+      </p:nvGrpSpPr>
+      <p:grpSpPr>
+        <a:xfrm>
+          <a:off x="0" y="0"/>
+          <a:ext cx="0" cy="0"/>
+          <a:chOff x="0" y="0"/>
+          <a:chExt cx="0" cy="0"/>
+        </a:xfrm>
+      </p:grpSpPr>
+      <p:sp>
+        <p:nvSpPr>
+          <p:cNvPr id="2" name="Title 1">
+            <a:extLst>
+              <a:ext uri="{FF2B5EF4-FFF2-40B4-BE49-F238E27FC236}">
+                <a16:creationId xmlns:a16="http://schemas.microsoft.com/office/drawing/2014/main" id="{5324BE47-D7E2-451B-BD63-7849D2924EF2}"/>
+              </a:ext>
+            </a:extLst>
+          </p:cNvPr>
+          <p:cNvSpPr>
+            <a:spLocks noGrp="1"/>
+          </p:cNvSpPr>
+          <p:nvPr>
+            <p:ph type="title"/>
+          </p:nvPr>
+        </p:nvSpPr>
+        <p:spPr/>
+        <p:txBody>
+          <a:bodyPr/>
+          <a:lstStyle/>
+          <a:p>
+            <a:r>
+              <a:rPr lang="en-GB" dirty="0"/>
+              <a:t>Model Checks: Bias</a:t>
+            </a:r>
+          </a:p>
+        </p:txBody>
+      </p:sp>
+      <p:sp>
+        <p:nvSpPr>
+          <p:cNvPr id="4" name="Slide Number Placeholder 3">
+            <a:extLst>
+              <a:ext uri="{FF2B5EF4-FFF2-40B4-BE49-F238E27FC236}">
+                <a16:creationId xmlns:a16="http://schemas.microsoft.com/office/drawing/2014/main" id="{2616A68B-E1DE-430F-BFA1-C742BB75D719}"/>
+              </a:ext>
+            </a:extLst>
+          </p:cNvPr>
+          <p:cNvSpPr>
+            <a:spLocks noGrp="1"/>
+          </p:cNvSpPr>
+          <p:nvPr>
+            <p:ph type="sldNum" sz="quarter" idx="10"/>
+          </p:nvPr>
+        </p:nvSpPr>
+        <p:spPr/>
+        <p:txBody>
+          <a:bodyPr/>
+          <a:lstStyle/>
+          <a:p>
+            <a:pPr>
+              <a:defRPr/>
+            </a:pPr>
+            <a:fld id="{BFD7839F-DA5C-4C13-94BA-0DC1947AAA90}" type="slidenum">
+              <a:rPr lang="de-DE" altLang="de-DE" smtClean="0"/>
+              <a:pPr>
+                <a:defRPr/>
+              </a:pPr>
+              <a:t>16</a:t>
             </a:fld>
             <a:endParaRPr lang="de-DE" altLang="de-DE" dirty="0"/>
           </a:p>
@@ -9282,7 +9662,7 @@
 </p:sld>
 </file>
 
-<file path=ppt/slides/slide16.xml><?xml version="1.0" encoding="utf-8"?>
+<file path=ppt/slides/slide17.xml><?xml version="1.0" encoding="utf-8"?>
 <p:sld xmlns:a="http://schemas.openxmlformats.org/drawingml/2006/main" xmlns:r="http://schemas.openxmlformats.org/officeDocument/2006/relationships" xmlns:p="http://schemas.openxmlformats.org/presentationml/2006/main">
   <p:cSld>
     <p:spTree>
@@ -9384,7 +9764,7 @@
               <a:pPr>
                 <a:defRPr/>
               </a:pPr>
-              <a:t>16</a:t>
+              <a:t>17</a:t>
             </a:fld>
             <a:endParaRPr lang="de-DE" altLang="de-DE" dirty="0"/>
           </a:p>
@@ -9488,7 +9868,7 @@
 </p:sld>
 </file>
 
-<file path=ppt/slides/slide17.xml><?xml version="1.0" encoding="utf-8"?>
+<file path=ppt/slides/slide18.xml><?xml version="1.0" encoding="utf-8"?>
 <p:sld xmlns:a="http://schemas.openxmlformats.org/drawingml/2006/main" xmlns:r="http://schemas.openxmlformats.org/officeDocument/2006/relationships" xmlns:p="http://schemas.openxmlformats.org/presentationml/2006/main">
   <p:cSld>
     <p:spTree>
@@ -9591,7 +9971,7 @@
               <a:pPr>
                 <a:defRPr/>
               </a:pPr>
-              <a:t>17</a:t>
+              <a:t>18</a:t>
             </a:fld>
             <a:endParaRPr lang="de-DE" altLang="de-DE" dirty="0"/>
           </a:p>

--- a/presentations/levy_presentation.pptx
+++ b/presentations/levy_presentation.pptx
@@ -6,10 +6,10 @@
     <p:sldMasterId id="2147483663" r:id="rId2"/>
   </p:sldMasterIdLst>
   <p:notesMasterIdLst>
-    <p:notesMasterId r:id="rId21"/>
+    <p:notesMasterId r:id="rId23"/>
   </p:notesMasterIdLst>
   <p:handoutMasterIdLst>
-    <p:handoutMasterId r:id="rId22"/>
+    <p:handoutMasterId r:id="rId24"/>
   </p:handoutMasterIdLst>
   <p:sldIdLst>
     <p:sldId id="256" r:id="rId3"/>
@@ -20,16 +20,18 @@
     <p:sldId id="261" r:id="rId8"/>
     <p:sldId id="262" r:id="rId9"/>
     <p:sldId id="263" r:id="rId10"/>
-    <p:sldId id="264" r:id="rId11"/>
-    <p:sldId id="265" r:id="rId12"/>
-    <p:sldId id="273" r:id="rId13"/>
-    <p:sldId id="274" r:id="rId14"/>
-    <p:sldId id="267" r:id="rId15"/>
-    <p:sldId id="268" r:id="rId16"/>
-    <p:sldId id="270" r:id="rId17"/>
-    <p:sldId id="269" r:id="rId18"/>
-    <p:sldId id="271" r:id="rId19"/>
-    <p:sldId id="272" r:id="rId20"/>
+    <p:sldId id="276" r:id="rId11"/>
+    <p:sldId id="264" r:id="rId12"/>
+    <p:sldId id="265" r:id="rId13"/>
+    <p:sldId id="273" r:id="rId14"/>
+    <p:sldId id="274" r:id="rId15"/>
+    <p:sldId id="267" r:id="rId16"/>
+    <p:sldId id="275" r:id="rId17"/>
+    <p:sldId id="268" r:id="rId18"/>
+    <p:sldId id="270" r:id="rId19"/>
+    <p:sldId id="269" r:id="rId20"/>
+    <p:sldId id="271" r:id="rId21"/>
+    <p:sldId id="272" r:id="rId22"/>
   </p:sldIdLst>
   <p:sldSz cx="8640763" cy="6480175"/>
   <p:notesSz cx="6794500" cy="9918700"/>
@@ -8206,7 +8208,7 @@
           <p:cNvPr id="2" name="Title 1">
             <a:extLst>
               <a:ext uri="{FF2B5EF4-FFF2-40B4-BE49-F238E27FC236}">
-                <a16:creationId xmlns:a16="http://schemas.microsoft.com/office/drawing/2014/main" id="{55F718FC-F914-47AE-8321-2E443A41B361}"/>
+                <a16:creationId xmlns:a16="http://schemas.microsoft.com/office/drawing/2014/main" id="{366B0929-4D63-4935-BC68-DCEE86A5F21C}"/>
               </a:ext>
             </a:extLst>
           </p:cNvPr>
@@ -8226,7 +8228,10 @@
               <a:rPr lang="en-GB" dirty="0" err="1"/>
               <a:t>Ergebnisse</a:t>
             </a:r>
-            <a:endParaRPr lang="en-GB" dirty="0"/>
+            <a:r>
+              <a:rPr lang="en-GB" dirty="0"/>
+              <a:t> </a:t>
+            </a:r>
           </a:p>
         </p:txBody>
       </p:sp>
@@ -8235,7 +8240,7 @@
           <p:cNvPr id="4" name="Slide Number Placeholder 3">
             <a:extLst>
               <a:ext uri="{FF2B5EF4-FFF2-40B4-BE49-F238E27FC236}">
-                <a16:creationId xmlns:a16="http://schemas.microsoft.com/office/drawing/2014/main" id="{47F60390-EFB0-48AB-8A1D-0DBC3CB3839E}"/>
+                <a16:creationId xmlns:a16="http://schemas.microsoft.com/office/drawing/2014/main" id="{507D79C0-B13A-4F87-AD41-A3FA70F2F4C9}"/>
               </a:ext>
             </a:extLst>
           </p:cNvPr>
@@ -8260,6 +8265,167 @@
                 <a:defRPr/>
               </a:pPr>
               <a:t>10</a:t>
+            </a:fld>
+            <a:endParaRPr lang="de-DE" altLang="de-DE" dirty="0"/>
+          </a:p>
+        </p:txBody>
+      </p:sp>
+      <p:sp>
+        <p:nvSpPr>
+          <p:cNvPr id="5" name="Footer Placeholder 4">
+            <a:extLst>
+              <a:ext uri="{FF2B5EF4-FFF2-40B4-BE49-F238E27FC236}">
+                <a16:creationId xmlns:a16="http://schemas.microsoft.com/office/drawing/2014/main" id="{52446E38-697D-4461-B232-3CD9B85209A9}"/>
+              </a:ext>
+            </a:extLst>
+          </p:cNvPr>
+          <p:cNvSpPr>
+            <a:spLocks noGrp="1"/>
+          </p:cNvSpPr>
+          <p:nvPr>
+            <p:ph type="ftr" sz="quarter" idx="11"/>
+          </p:nvPr>
+        </p:nvSpPr>
+        <p:spPr/>
+        <p:txBody>
+          <a:bodyPr/>
+          <a:lstStyle/>
+          <a:p>
+            <a:pPr>
+              <a:defRPr/>
+            </a:pPr>
+            <a:r>
+              <a:rPr lang="de-DE"/>
+              <a:t>Template Matching - Sven Lesche</a:t>
+            </a:r>
+            <a:endParaRPr lang="de-DE" dirty="0"/>
+          </a:p>
+        </p:txBody>
+      </p:sp>
+      <p:pic>
+        <p:nvPicPr>
+          <p:cNvPr id="10" name="Content Placeholder 9">
+            <a:extLst>
+              <a:ext uri="{FF2B5EF4-FFF2-40B4-BE49-F238E27FC236}">
+                <a16:creationId xmlns:a16="http://schemas.microsoft.com/office/drawing/2014/main" id="{7AD23912-C7E9-4B57-B56A-96214EE9CC3E}"/>
+              </a:ext>
+            </a:extLst>
+          </p:cNvPr>
+          <p:cNvPicPr>
+            <a:picLocks noGrp="1" noChangeAspect="1"/>
+          </p:cNvPicPr>
+          <p:nvPr>
+            <p:ph idx="1"/>
+          </p:nvPr>
+        </p:nvPicPr>
+        <p:blipFill>
+          <a:blip r:embed="rId2">
+            <a:extLst>
+              <a:ext uri="{28A0092B-C50C-407E-A947-70E740481C1C}">
+                <a14:useLocalDpi xmlns:a14="http://schemas.microsoft.com/office/drawing/2010/main" val="0"/>
+              </a:ext>
+            </a:extLst>
+          </a:blip>
+          <a:stretch>
+            <a:fillRect/>
+          </a:stretch>
+        </p:blipFill>
+        <p:spPr>
+          <a:xfrm>
+            <a:off x="215900" y="1845022"/>
+            <a:ext cx="8207375" cy="3942656"/>
+          </a:xfrm>
+        </p:spPr>
+      </p:pic>
+    </p:spTree>
+    <p:extLst>
+      <p:ext uri="{BB962C8B-B14F-4D97-AF65-F5344CB8AC3E}">
+        <p14:creationId xmlns:p14="http://schemas.microsoft.com/office/powerpoint/2010/main" val="238607183"/>
+      </p:ext>
+    </p:extLst>
+  </p:cSld>
+  <p:clrMapOvr>
+    <a:masterClrMapping/>
+  </p:clrMapOvr>
+</p:sld>
+</file>
+
+<file path=ppt/slides/slide11.xml><?xml version="1.0" encoding="utf-8"?>
+<p:sld xmlns:a="http://schemas.openxmlformats.org/drawingml/2006/main" xmlns:r="http://schemas.openxmlformats.org/officeDocument/2006/relationships" xmlns:p="http://schemas.openxmlformats.org/presentationml/2006/main">
+  <p:cSld>
+    <p:spTree>
+      <p:nvGrpSpPr>
+        <p:cNvPr id="1" name=""/>
+        <p:cNvGrpSpPr/>
+        <p:nvPr/>
+      </p:nvGrpSpPr>
+      <p:grpSpPr>
+        <a:xfrm>
+          <a:off x="0" y="0"/>
+          <a:ext cx="0" cy="0"/>
+          <a:chOff x="0" y="0"/>
+          <a:chExt cx="0" cy="0"/>
+        </a:xfrm>
+      </p:grpSpPr>
+      <p:sp>
+        <p:nvSpPr>
+          <p:cNvPr id="2" name="Title 1">
+            <a:extLst>
+              <a:ext uri="{FF2B5EF4-FFF2-40B4-BE49-F238E27FC236}">
+                <a16:creationId xmlns:a16="http://schemas.microsoft.com/office/drawing/2014/main" id="{55F718FC-F914-47AE-8321-2E443A41B361}"/>
+              </a:ext>
+            </a:extLst>
+          </p:cNvPr>
+          <p:cNvSpPr>
+            <a:spLocks noGrp="1"/>
+          </p:cNvSpPr>
+          <p:nvPr>
+            <p:ph type="title"/>
+          </p:nvPr>
+        </p:nvSpPr>
+        <p:spPr/>
+        <p:txBody>
+          <a:bodyPr/>
+          <a:lstStyle/>
+          <a:p>
+            <a:r>
+              <a:rPr lang="en-GB" dirty="0" err="1"/>
+              <a:t>Ergebnisse</a:t>
+            </a:r>
+            <a:endParaRPr lang="en-GB" dirty="0"/>
+          </a:p>
+        </p:txBody>
+      </p:sp>
+      <p:sp>
+        <p:nvSpPr>
+          <p:cNvPr id="4" name="Slide Number Placeholder 3">
+            <a:extLst>
+              <a:ext uri="{FF2B5EF4-FFF2-40B4-BE49-F238E27FC236}">
+                <a16:creationId xmlns:a16="http://schemas.microsoft.com/office/drawing/2014/main" id="{47F60390-EFB0-48AB-8A1D-0DBC3CB3839E}"/>
+              </a:ext>
+            </a:extLst>
+          </p:cNvPr>
+          <p:cNvSpPr>
+            <a:spLocks noGrp="1"/>
+          </p:cNvSpPr>
+          <p:nvPr>
+            <p:ph type="sldNum" sz="quarter" idx="10"/>
+          </p:nvPr>
+        </p:nvSpPr>
+        <p:spPr/>
+        <p:txBody>
+          <a:bodyPr/>
+          <a:lstStyle/>
+          <a:p>
+            <a:pPr>
+              <a:defRPr/>
+            </a:pPr>
+            <a:fld id="{BFD7839F-DA5C-4C13-94BA-0DC1947AAA90}" type="slidenum">
+              <a:rPr lang="de-DE" altLang="de-DE" smtClean="0"/>
+              <a:pPr>
+                <a:defRPr/>
+              </a:pPr>
+              <a:t>11</a:t>
             </a:fld>
             <a:endParaRPr lang="de-DE" altLang="de-DE" dirty="0"/>
           </a:p>
@@ -8444,8 +8610,8 @@
         </p:blipFill>
         <p:spPr>
           <a:xfrm>
-            <a:off x="664473" y="1662314"/>
-            <a:ext cx="7311816" cy="3779141"/>
+            <a:off x="442938" y="1547814"/>
+            <a:ext cx="7533351" cy="3893642"/>
           </a:xfrm>
         </p:spPr>
       </p:pic>
@@ -8462,7 +8628,7 @@
 </p:sld>
 </file>
 
-<file path=ppt/slides/slide11.xml><?xml version="1.0" encoding="utf-8"?>
+<file path=ppt/slides/slide12.xml><?xml version="1.0" encoding="utf-8"?>
 <p:sld xmlns:a="http://schemas.openxmlformats.org/drawingml/2006/main" xmlns:r="http://schemas.openxmlformats.org/officeDocument/2006/relationships" xmlns:p="http://schemas.openxmlformats.org/presentationml/2006/main">
   <p:cSld>
     <p:spTree>
@@ -8537,7 +8703,7 @@
               <a:pPr>
                 <a:defRPr/>
               </a:pPr>
-              <a:t>11</a:t>
+              <a:t>12</a:t>
             </a:fld>
             <a:endParaRPr lang="de-DE" altLang="de-DE" dirty="0"/>
           </a:p>
@@ -8634,7 +8800,7 @@
                 </a:r>
                 <a:r>
                   <a:rPr lang="en-GB" dirty="0"/>
-                  <a:t>33.39</a:t>
+                  <a:t>73.59</a:t>
                 </a:r>
                 <a:r>
                   <a:rPr lang="el-GR" dirty="0"/>
@@ -8642,276 +8808,7 @@
                 </a:r>
                 <a:r>
                   <a:rPr lang="en-GB" dirty="0"/>
-                  <a:t>p &lt; .0001, CFI = 0.90, RMSEA = 0.08</a:t>
-                </a:r>
-              </a:p>
-            </p:txBody>
-          </p:sp>
-        </mc:Choice>
-        <mc:Fallback>
-          <p:sp>
-            <p:nvSpPr>
-              <p:cNvPr id="8" name="TextBox 7">
-                <a:extLst>
-                  <a:ext uri="{FF2B5EF4-FFF2-40B4-BE49-F238E27FC236}">
-                    <a16:creationId xmlns:a16="http://schemas.microsoft.com/office/drawing/2014/main" id="{7837F6F1-44F6-4972-BB94-F25988537A8E}"/>
-                  </a:ext>
-                </a:extLst>
-              </p:cNvPr>
-              <p:cNvSpPr txBox="1">
-                <a:spLocks noRot="1" noChangeAspect="1" noMove="1" noResize="1" noEditPoints="1" noAdjustHandles="1" noChangeArrowheads="1" noChangeShapeType="1" noTextEdit="1"/>
-              </p:cNvSpPr>
-              <p:nvPr/>
-            </p:nvSpPr>
-            <p:spPr>
-              <a:xfrm>
-                <a:off x="3672309" y="5555957"/>
-                <a:ext cx="5256584" cy="323165"/>
-              </a:xfrm>
-              <a:prstGeom prst="rect">
-                <a:avLst/>
-              </a:prstGeom>
-              <a:blipFill>
-                <a:blip r:embed="rId2"/>
-                <a:stretch>
-                  <a:fillRect t="-3774" b="-20755"/>
-                </a:stretch>
-              </a:blipFill>
-            </p:spPr>
-            <p:txBody>
-              <a:bodyPr/>
-              <a:lstStyle/>
-              <a:p>
-                <a:r>
-                  <a:rPr lang="en-GB">
-                    <a:noFill/>
-                  </a:rPr>
-                  <a:t> </a:t>
-                </a:r>
-              </a:p>
-            </p:txBody>
-          </p:sp>
-        </mc:Fallback>
-      </mc:AlternateContent>
-      <p:sp>
-        <p:nvSpPr>
-          <p:cNvPr id="3" name="Content Placeholder 2">
-            <a:extLst>
-              <a:ext uri="{FF2B5EF4-FFF2-40B4-BE49-F238E27FC236}">
-                <a16:creationId xmlns:a16="http://schemas.microsoft.com/office/drawing/2014/main" id="{EBF65667-25DB-4939-A098-F3E8F7F384F9}"/>
-              </a:ext>
-            </a:extLst>
-          </p:cNvPr>
-          <p:cNvSpPr>
-            <a:spLocks noGrp="1"/>
-          </p:cNvSpPr>
-          <p:nvPr>
-            <p:ph idx="1"/>
-          </p:nvPr>
-        </p:nvSpPr>
-        <p:spPr/>
-        <p:txBody>
-          <a:bodyPr/>
-          <a:lstStyle/>
-          <a:p>
-            <a:endParaRPr lang="en-GB"/>
-          </a:p>
-        </p:txBody>
-      </p:sp>
-    </p:spTree>
-    <p:extLst>
-      <p:ext uri="{BB962C8B-B14F-4D97-AF65-F5344CB8AC3E}">
-        <p14:creationId xmlns:p14="http://schemas.microsoft.com/office/powerpoint/2010/main" val="2600783763"/>
-      </p:ext>
-    </p:extLst>
-  </p:cSld>
-  <p:clrMapOvr>
-    <a:masterClrMapping/>
-  </p:clrMapOvr>
-</p:sld>
-</file>
-
-<file path=ppt/slides/slide12.xml><?xml version="1.0" encoding="utf-8"?>
-<p:sld xmlns:a="http://schemas.openxmlformats.org/drawingml/2006/main" xmlns:r="http://schemas.openxmlformats.org/officeDocument/2006/relationships" xmlns:p="http://schemas.openxmlformats.org/presentationml/2006/main">
-  <p:cSld>
-    <p:spTree>
-      <p:nvGrpSpPr>
-        <p:cNvPr id="1" name=""/>
-        <p:cNvGrpSpPr/>
-        <p:nvPr/>
-      </p:nvGrpSpPr>
-      <p:grpSpPr>
-        <a:xfrm>
-          <a:off x="0" y="0"/>
-          <a:ext cx="0" cy="0"/>
-          <a:chOff x="0" y="0"/>
-          <a:chExt cx="0" cy="0"/>
-        </a:xfrm>
-      </p:grpSpPr>
-      <p:sp>
-        <p:nvSpPr>
-          <p:cNvPr id="2" name="Title 1">
-            <a:extLst>
-              <a:ext uri="{FF2B5EF4-FFF2-40B4-BE49-F238E27FC236}">
-                <a16:creationId xmlns:a16="http://schemas.microsoft.com/office/drawing/2014/main" id="{55F718FC-F914-47AE-8321-2E443A41B361}"/>
-              </a:ext>
-            </a:extLst>
-          </p:cNvPr>
-          <p:cNvSpPr>
-            <a:spLocks noGrp="1"/>
-          </p:cNvSpPr>
-          <p:nvPr>
-            <p:ph type="title"/>
-          </p:nvPr>
-        </p:nvSpPr>
-        <p:spPr/>
-        <p:txBody>
-          <a:bodyPr/>
-          <a:lstStyle/>
-          <a:p>
-            <a:r>
-              <a:rPr lang="en-GB" dirty="0" err="1"/>
-              <a:t>Ergebnisse</a:t>
-            </a:r>
-            <a:endParaRPr lang="en-GB" dirty="0"/>
-          </a:p>
-        </p:txBody>
-      </p:sp>
-      <p:sp>
-        <p:nvSpPr>
-          <p:cNvPr id="4" name="Slide Number Placeholder 3">
-            <a:extLst>
-              <a:ext uri="{FF2B5EF4-FFF2-40B4-BE49-F238E27FC236}">
-                <a16:creationId xmlns:a16="http://schemas.microsoft.com/office/drawing/2014/main" id="{47F60390-EFB0-48AB-8A1D-0DBC3CB3839E}"/>
-              </a:ext>
-            </a:extLst>
-          </p:cNvPr>
-          <p:cNvSpPr>
-            <a:spLocks noGrp="1"/>
-          </p:cNvSpPr>
-          <p:nvPr>
-            <p:ph type="sldNum" sz="quarter" idx="10"/>
-          </p:nvPr>
-        </p:nvSpPr>
-        <p:spPr/>
-        <p:txBody>
-          <a:bodyPr/>
-          <a:lstStyle/>
-          <a:p>
-            <a:pPr>
-              <a:defRPr/>
-            </a:pPr>
-            <a:fld id="{BFD7839F-DA5C-4C13-94BA-0DC1947AAA90}" type="slidenum">
-              <a:rPr lang="de-DE" altLang="de-DE" smtClean="0"/>
-              <a:pPr>
-                <a:defRPr/>
-              </a:pPr>
-              <a:t>12</a:t>
-            </a:fld>
-            <a:endParaRPr lang="de-DE" altLang="de-DE" dirty="0"/>
-          </a:p>
-        </p:txBody>
-      </p:sp>
-      <p:sp>
-        <p:nvSpPr>
-          <p:cNvPr id="5" name="Footer Placeholder 4">
-            <a:extLst>
-              <a:ext uri="{FF2B5EF4-FFF2-40B4-BE49-F238E27FC236}">
-                <a16:creationId xmlns:a16="http://schemas.microsoft.com/office/drawing/2014/main" id="{9750D3C8-DB7A-4BA6-B272-E0A442B96B60}"/>
-              </a:ext>
-            </a:extLst>
-          </p:cNvPr>
-          <p:cNvSpPr>
-            <a:spLocks noGrp="1"/>
-          </p:cNvSpPr>
-          <p:nvPr>
-            <p:ph type="ftr" sz="quarter" idx="11"/>
-          </p:nvPr>
-        </p:nvSpPr>
-        <p:spPr/>
-        <p:txBody>
-          <a:bodyPr/>
-          <a:lstStyle/>
-          <a:p>
-            <a:pPr>
-              <a:defRPr/>
-            </a:pPr>
-            <a:r>
-              <a:rPr lang="de-DE" dirty="0"/>
-              <a:t>Template Matching - Sven Lesche</a:t>
-            </a:r>
-          </a:p>
-        </p:txBody>
-      </p:sp>
-      <mc:AlternateContent xmlns:mc="http://schemas.openxmlformats.org/markup-compatibility/2006">
-        <mc:Choice xmlns:a14="http://schemas.microsoft.com/office/drawing/2010/main" Requires="a14">
-          <p:sp>
-            <p:nvSpPr>
-              <p:cNvPr id="8" name="TextBox 7">
-                <a:extLst>
-                  <a:ext uri="{FF2B5EF4-FFF2-40B4-BE49-F238E27FC236}">
-                    <a16:creationId xmlns:a16="http://schemas.microsoft.com/office/drawing/2014/main" id="{7837F6F1-44F6-4972-BB94-F25988537A8E}"/>
-                  </a:ext>
-                </a:extLst>
-              </p:cNvPr>
-              <p:cNvSpPr txBox="1"/>
-              <p:nvPr/>
-            </p:nvSpPr>
-            <p:spPr>
-              <a:xfrm>
-                <a:off x="3672309" y="5555957"/>
-                <a:ext cx="5256584" cy="323165"/>
-              </a:xfrm>
-              <a:prstGeom prst="rect">
-                <a:avLst/>
-              </a:prstGeom>
-              <a:noFill/>
-            </p:spPr>
-            <p:txBody>
-              <a:bodyPr wrap="square" rtlCol="0">
-                <a:spAutoFit/>
-              </a:bodyPr>
-              <a:lstStyle/>
-              <a:p>
-                <a14:m>
-                  <m:oMath xmlns:m="http://schemas.openxmlformats.org/officeDocument/2006/math">
-                    <m:r>
-                      <a:rPr lang="en-GB" b="0" i="1" smtClean="0">
-                        <a:latin typeface="Cambria Math" panose="02040503050406030204" pitchFamily="18" charset="0"/>
-                      </a:rPr>
-                      <m:t>𝜒</m:t>
-                    </m:r>
-                    <m:r>
-                      <a:rPr lang="en-GB" b="0" i="1" smtClean="0">
-                        <a:latin typeface="Cambria Math" panose="02040503050406030204" pitchFamily="18" charset="0"/>
-                      </a:rPr>
-                      <m:t>2 </m:t>
-                    </m:r>
-                  </m:oMath>
-                </a14:m>
-                <a:r>
-                  <a:rPr lang="el-GR" dirty="0"/>
-                  <a:t>(7</a:t>
-                </a:r>
-                <a:r>
-                  <a:rPr lang="en-GB" dirty="0"/>
-                  <a:t>4</a:t>
-                </a:r>
-                <a:r>
-                  <a:rPr lang="el-GR" dirty="0"/>
-                  <a:t>) = 1</a:t>
-                </a:r>
-                <a:r>
-                  <a:rPr lang="en-GB" dirty="0"/>
-                  <a:t>33.39</a:t>
-                </a:r>
-                <a:r>
-                  <a:rPr lang="el-GR" dirty="0"/>
-                  <a:t>, </a:t>
-                </a:r>
-                <a:r>
-                  <a:rPr lang="en-GB" dirty="0"/>
-                  <a:t>p &lt; .0001, CFI = 0.90, RMSEA = 0.08</a:t>
+                  <a:t>p &lt; .0001, CFI = 0.90, RMSEA = 0.10</a:t>
                 </a:r>
               </a:p>
             </p:txBody>
@@ -8964,10 +8861,10 @@
       </mc:AlternateContent>
       <p:pic>
         <p:nvPicPr>
-          <p:cNvPr id="12" name="Content Placeholder 11">
-            <a:extLst>
-              <a:ext uri="{FF2B5EF4-FFF2-40B4-BE49-F238E27FC236}">
-                <a16:creationId xmlns:a16="http://schemas.microsoft.com/office/drawing/2014/main" id="{9072CE9E-FAC9-4EA4-B607-36B4ED54D7D8}"/>
+          <p:cNvPr id="7" name="Content Placeholder 6">
+            <a:extLst>
+              <a:ext uri="{FF2B5EF4-FFF2-40B4-BE49-F238E27FC236}">
+                <a16:creationId xmlns:a16="http://schemas.microsoft.com/office/drawing/2014/main" id="{27866387-6587-4B59-BA55-570A7FBCC50E}"/>
               </a:ext>
             </a:extLst>
           </p:cNvPr>
@@ -8986,20 +8883,20 @@
               </a:ext>
             </a:extLst>
           </a:blip>
-          <a:srcRect l="5612" t="9652" r="6577" b="9662"/>
+          <a:srcRect l="5612" t="9653" r="6577" b="11416"/>
           <a:stretch/>
         </p:blipFill>
         <p:spPr>
           <a:xfrm>
-            <a:off x="664473" y="1662314"/>
-            <a:ext cx="7311816" cy="3779141"/>
+            <a:off x="431949" y="1511895"/>
+            <a:ext cx="7542642" cy="3813695"/>
           </a:xfrm>
         </p:spPr>
       </p:pic>
     </p:spTree>
     <p:extLst>
       <p:ext uri="{BB962C8B-B14F-4D97-AF65-F5344CB8AC3E}">
-        <p14:creationId xmlns:p14="http://schemas.microsoft.com/office/powerpoint/2010/main" val="1451834514"/>
+        <p14:creationId xmlns:p14="http://schemas.microsoft.com/office/powerpoint/2010/main" val="2600783763"/>
       </p:ext>
     </p:extLst>
   </p:cSld>
@@ -9031,7 +8928,7 @@
           <p:cNvPr id="2" name="Title 1">
             <a:extLst>
               <a:ext uri="{FF2B5EF4-FFF2-40B4-BE49-F238E27FC236}">
-                <a16:creationId xmlns:a16="http://schemas.microsoft.com/office/drawing/2014/main" id="{3F2F7E55-CE78-40A7-B5B6-2AC85CBDE4CB}"/>
+                <a16:creationId xmlns:a16="http://schemas.microsoft.com/office/drawing/2014/main" id="{55F718FC-F914-47AE-8321-2E443A41B361}"/>
               </a:ext>
             </a:extLst>
           </p:cNvPr>
@@ -9048,41 +8945,9 @@
           <a:lstStyle/>
           <a:p>
             <a:r>
-              <a:rPr lang="en-GB" dirty="0"/>
-              <a:t>Was </a:t>
-            </a:r>
-            <a:r>
               <a:rPr lang="en-GB" dirty="0" err="1"/>
-              <a:t>bedeutet</a:t>
-            </a:r>
-            <a:r>
-              <a:rPr lang="en-GB" dirty="0"/>
-              <a:t> das?</a:t>
-            </a:r>
-          </a:p>
-        </p:txBody>
-      </p:sp>
-      <p:sp>
-        <p:nvSpPr>
-          <p:cNvPr id="3" name="Content Placeholder 2">
-            <a:extLst>
-              <a:ext uri="{FF2B5EF4-FFF2-40B4-BE49-F238E27FC236}">
-                <a16:creationId xmlns:a16="http://schemas.microsoft.com/office/drawing/2014/main" id="{90B94075-D215-472B-BF6F-68425F881C32}"/>
-              </a:ext>
-            </a:extLst>
-          </p:cNvPr>
-          <p:cNvSpPr>
-            <a:spLocks noGrp="1"/>
-          </p:cNvSpPr>
-          <p:nvPr>
-            <p:ph idx="1"/>
-          </p:nvPr>
-        </p:nvSpPr>
-        <p:spPr/>
-        <p:txBody>
-          <a:bodyPr/>
-          <a:lstStyle/>
-          <a:p>
+              <a:t>Ergebnisse</a:t>
+            </a:r>
             <a:endParaRPr lang="en-GB" dirty="0"/>
           </a:p>
         </p:txBody>
@@ -9092,7 +8957,7 @@
           <p:cNvPr id="4" name="Slide Number Placeholder 3">
             <a:extLst>
               <a:ext uri="{FF2B5EF4-FFF2-40B4-BE49-F238E27FC236}">
-                <a16:creationId xmlns:a16="http://schemas.microsoft.com/office/drawing/2014/main" id="{11D63F32-D82E-48E2-974D-58E5C0A0962E}"/>
+                <a16:creationId xmlns:a16="http://schemas.microsoft.com/office/drawing/2014/main" id="{47F60390-EFB0-48AB-8A1D-0DBC3CB3839E}"/>
               </a:ext>
             </a:extLst>
           </p:cNvPr>
@@ -9127,7 +8992,7 @@
           <p:cNvPr id="5" name="Footer Placeholder 4">
             <a:extLst>
               <a:ext uri="{FF2B5EF4-FFF2-40B4-BE49-F238E27FC236}">
-                <a16:creationId xmlns:a16="http://schemas.microsoft.com/office/drawing/2014/main" id="{D5E34673-0C27-48C5-9C51-49FB18ADCF5A}"/>
+                <a16:creationId xmlns:a16="http://schemas.microsoft.com/office/drawing/2014/main" id="{9750D3C8-DB7A-4BA6-B272-E0A442B96B60}"/>
               </a:ext>
             </a:extLst>
           </p:cNvPr>
@@ -9147,17 +9012,169 @@
               <a:defRPr/>
             </a:pPr>
             <a:r>
-              <a:rPr lang="de-DE"/>
+              <a:rPr lang="de-DE" dirty="0"/>
               <a:t>Template Matching - Sven Lesche</a:t>
             </a:r>
-            <a:endParaRPr lang="de-DE" dirty="0"/>
-          </a:p>
-        </p:txBody>
-      </p:sp>
+          </a:p>
+        </p:txBody>
+      </p:sp>
+      <p:pic>
+        <p:nvPicPr>
+          <p:cNvPr id="7" name="Content Placeholder 6">
+            <a:extLst>
+              <a:ext uri="{FF2B5EF4-FFF2-40B4-BE49-F238E27FC236}">
+                <a16:creationId xmlns:a16="http://schemas.microsoft.com/office/drawing/2014/main" id="{E40F06B1-5CC0-46C6-8BD8-3EEEDB061452}"/>
+              </a:ext>
+            </a:extLst>
+          </p:cNvPr>
+          <p:cNvPicPr>
+            <a:picLocks noGrp="1" noChangeAspect="1"/>
+          </p:cNvPicPr>
+          <p:nvPr>
+            <p:ph idx="1"/>
+          </p:nvPr>
+        </p:nvPicPr>
+        <p:blipFill rotWithShape="1">
+          <a:blip r:embed="rId2">
+            <a:extLst>
+              <a:ext uri="{28A0092B-C50C-407E-A947-70E740481C1C}">
+                <a14:useLocalDpi xmlns:a14="http://schemas.microsoft.com/office/drawing/2010/main" val="0"/>
+              </a:ext>
+            </a:extLst>
+          </a:blip>
+          <a:srcRect l="5601" t="470" r="10534" b="-450"/>
+          <a:stretch/>
+        </p:blipFill>
+        <p:spPr>
+          <a:xfrm>
+            <a:off x="1008013" y="1208646"/>
+            <a:ext cx="6768751" cy="4539045"/>
+          </a:xfrm>
+        </p:spPr>
+      </p:pic>
+      <mc:AlternateContent xmlns:mc="http://schemas.openxmlformats.org/markup-compatibility/2006">
+        <mc:Choice xmlns:a14="http://schemas.microsoft.com/office/drawing/2010/main" Requires="a14">
+          <p:sp>
+            <p:nvSpPr>
+              <p:cNvPr id="8" name="TextBox 7">
+                <a:extLst>
+                  <a:ext uri="{FF2B5EF4-FFF2-40B4-BE49-F238E27FC236}">
+                    <a16:creationId xmlns:a16="http://schemas.microsoft.com/office/drawing/2014/main" id="{7837F6F1-44F6-4972-BB94-F25988537A8E}"/>
+                  </a:ext>
+                </a:extLst>
+              </p:cNvPr>
+              <p:cNvSpPr txBox="1"/>
+              <p:nvPr/>
+            </p:nvSpPr>
+            <p:spPr>
+              <a:xfrm>
+                <a:off x="3672309" y="5555957"/>
+                <a:ext cx="5256584" cy="323165"/>
+              </a:xfrm>
+              <a:prstGeom prst="rect">
+                <a:avLst/>
+              </a:prstGeom>
+              <a:noFill/>
+            </p:spPr>
+            <p:txBody>
+              <a:bodyPr wrap="square" rtlCol="0">
+                <a:spAutoFit/>
+              </a:bodyPr>
+              <a:lstStyle/>
+              <a:p>
+                <a14:m>
+                  <m:oMath xmlns:m="http://schemas.openxmlformats.org/officeDocument/2006/math">
+                    <m:r>
+                      <a:rPr lang="en-GB" b="0" i="1" smtClean="0">
+                        <a:latin typeface="Cambria Math" panose="02040503050406030204" pitchFamily="18" charset="0"/>
+                      </a:rPr>
+                      <m:t>𝜒</m:t>
+                    </m:r>
+                    <m:r>
+                      <a:rPr lang="en-GB" b="0" i="1" smtClean="0">
+                        <a:latin typeface="Cambria Math" panose="02040503050406030204" pitchFamily="18" charset="0"/>
+                      </a:rPr>
+                      <m:t>2 </m:t>
+                    </m:r>
+                  </m:oMath>
+                </a14:m>
+                <a:r>
+                  <a:rPr lang="el-GR" dirty="0"/>
+                  <a:t>(</a:t>
+                </a:r>
+                <a:r>
+                  <a:rPr lang="en-GB" dirty="0"/>
+                  <a:t>201</a:t>
+                </a:r>
+                <a:r>
+                  <a:rPr lang="el-GR" dirty="0"/>
+                  <a:t>) = </a:t>
+                </a:r>
+                <a:r>
+                  <a:rPr lang="en-GB" dirty="0"/>
+                  <a:t>413.64</a:t>
+                </a:r>
+                <a:r>
+                  <a:rPr lang="el-GR" dirty="0"/>
+                  <a:t>, </a:t>
+                </a:r>
+                <a:r>
+                  <a:rPr lang="en-GB" dirty="0"/>
+                  <a:t>p &lt; .0001, CFI = 0.85, RMSEA = 0.09</a:t>
+                </a:r>
+              </a:p>
+            </p:txBody>
+          </p:sp>
+        </mc:Choice>
+        <mc:Fallback>
+          <p:sp>
+            <p:nvSpPr>
+              <p:cNvPr id="8" name="TextBox 7">
+                <a:extLst>
+                  <a:ext uri="{FF2B5EF4-FFF2-40B4-BE49-F238E27FC236}">
+                    <a16:creationId xmlns:a16="http://schemas.microsoft.com/office/drawing/2014/main" id="{7837F6F1-44F6-4972-BB94-F25988537A8E}"/>
+                  </a:ext>
+                </a:extLst>
+              </p:cNvPr>
+              <p:cNvSpPr txBox="1">
+                <a:spLocks noRot="1" noChangeAspect="1" noMove="1" noResize="1" noEditPoints="1" noAdjustHandles="1" noChangeArrowheads="1" noChangeShapeType="1" noTextEdit="1"/>
+              </p:cNvSpPr>
+              <p:nvPr/>
+            </p:nvSpPr>
+            <p:spPr>
+              <a:xfrm>
+                <a:off x="3672309" y="5555957"/>
+                <a:ext cx="5256584" cy="323165"/>
+              </a:xfrm>
+              <a:prstGeom prst="rect">
+                <a:avLst/>
+              </a:prstGeom>
+              <a:blipFill>
+                <a:blip r:embed="rId3"/>
+                <a:stretch>
+                  <a:fillRect t="-3774" b="-20755"/>
+                </a:stretch>
+              </a:blipFill>
+            </p:spPr>
+            <p:txBody>
+              <a:bodyPr/>
+              <a:lstStyle/>
+              <a:p>
+                <a:r>
+                  <a:rPr lang="en-GB">
+                    <a:noFill/>
+                  </a:rPr>
+                  <a:t> </a:t>
+                </a:r>
+              </a:p>
+            </p:txBody>
+          </p:sp>
+        </mc:Fallback>
+      </mc:AlternateContent>
     </p:spTree>
     <p:extLst>
       <p:ext uri="{BB962C8B-B14F-4D97-AF65-F5344CB8AC3E}">
-        <p14:creationId xmlns:p14="http://schemas.microsoft.com/office/powerpoint/2010/main" val="878235353"/>
+        <p14:creationId xmlns:p14="http://schemas.microsoft.com/office/powerpoint/2010/main" val="1451834514"/>
       </p:ext>
     </p:extLst>
   </p:cSld>
@@ -9189,7 +9206,7 @@
           <p:cNvPr id="2" name="Title 1">
             <a:extLst>
               <a:ext uri="{FF2B5EF4-FFF2-40B4-BE49-F238E27FC236}">
-                <a16:creationId xmlns:a16="http://schemas.microsoft.com/office/drawing/2014/main" id="{D3B50BC0-6F8D-41F1-9CFA-7E46F5D89E68}"/>
+                <a16:creationId xmlns:a16="http://schemas.microsoft.com/office/drawing/2014/main" id="{3F2F7E55-CE78-40A7-B5B6-2AC85CBDE4CB}"/>
               </a:ext>
             </a:extLst>
           </p:cNvPr>
@@ -9206,35 +9223,133 @@
           <a:lstStyle/>
           <a:p>
             <a:r>
+              <a:rPr lang="en-GB" dirty="0"/>
+              <a:t>Was </a:t>
+            </a:r>
+            <a:r>
               <a:rPr lang="en-GB" dirty="0" err="1"/>
-              <a:t>Referenzen</a:t>
-            </a:r>
+              <a:t>bedeutet</a:t>
+            </a:r>
+            <a:r>
+              <a:rPr lang="en-GB" dirty="0"/>
+              <a:t> das?</a:t>
+            </a:r>
+          </a:p>
+        </p:txBody>
+      </p:sp>
+      <p:sp>
+        <p:nvSpPr>
+          <p:cNvPr id="3" name="Content Placeholder 2">
+            <a:extLst>
+              <a:ext uri="{FF2B5EF4-FFF2-40B4-BE49-F238E27FC236}">
+                <a16:creationId xmlns:a16="http://schemas.microsoft.com/office/drawing/2014/main" id="{90B94075-D215-472B-BF6F-68425F881C32}"/>
+              </a:ext>
+            </a:extLst>
+          </p:cNvPr>
+          <p:cNvSpPr>
+            <a:spLocks noGrp="1"/>
+          </p:cNvSpPr>
+          <p:nvPr>
+            <p:ph idx="1"/>
+          </p:nvPr>
+        </p:nvSpPr>
+        <p:spPr/>
+        <p:txBody>
+          <a:bodyPr/>
+          <a:lstStyle/>
+          <a:p>
+            <a:r>
+              <a:rPr lang="en-GB" dirty="0"/>
+              <a:t>Alpha negative </a:t>
+            </a:r>
+            <a:r>
+              <a:rPr lang="en-GB" dirty="0" err="1"/>
+              <a:t>korreliert</a:t>
+            </a:r>
+            <a:r>
+              <a:rPr lang="en-GB" dirty="0"/>
+              <a:t> -&gt; </a:t>
+            </a:r>
+            <a:r>
+              <a:rPr lang="en-GB" dirty="0" err="1"/>
+              <a:t>weniger</a:t>
+            </a:r>
+            <a:r>
+              <a:rPr lang="en-GB" dirty="0"/>
+              <a:t> </a:t>
+            </a:r>
+            <a:r>
+              <a:rPr lang="en-GB" dirty="0" err="1"/>
+              <a:t>stabil</a:t>
+            </a:r>
+            <a:r>
+              <a:rPr lang="en-GB" dirty="0"/>
+              <a:t>…</a:t>
+            </a:r>
+          </a:p>
+          <a:p>
             <a:endParaRPr lang="en-GB" dirty="0"/>
           </a:p>
-        </p:txBody>
-      </p:sp>
-      <p:sp>
-        <p:nvSpPr>
-          <p:cNvPr id="3" name="Content Placeholder 2">
-            <a:extLst>
-              <a:ext uri="{FF2B5EF4-FFF2-40B4-BE49-F238E27FC236}">
-                <a16:creationId xmlns:a16="http://schemas.microsoft.com/office/drawing/2014/main" id="{7FE8FECA-6BCA-4541-B5A2-B70B410DBDD6}"/>
-              </a:ext>
-            </a:extLst>
-          </p:cNvPr>
-          <p:cNvSpPr>
-            <a:spLocks noGrp="1"/>
-          </p:cNvSpPr>
-          <p:nvPr>
-            <p:ph idx="1"/>
-          </p:nvPr>
-        </p:nvSpPr>
-        <p:spPr/>
-        <p:txBody>
-          <a:bodyPr/>
-          <a:lstStyle/>
-          <a:p>
-            <a:endParaRPr lang="en-GB"/>
+          <a:p>
+            <a:r>
+              <a:rPr lang="en-GB" dirty="0"/>
+              <a:t>Alpha und v </a:t>
+            </a:r>
+            <a:r>
+              <a:rPr lang="en-GB" dirty="0" err="1"/>
+              <a:t>kaum</a:t>
+            </a:r>
+            <a:r>
+              <a:rPr lang="en-GB" dirty="0"/>
+              <a:t> </a:t>
+            </a:r>
+            <a:r>
+              <a:rPr lang="en-GB" dirty="0" err="1"/>
+              <a:t>korreliert</a:t>
+            </a:r>
+            <a:r>
+              <a:rPr lang="en-GB" dirty="0"/>
+              <a:t> </a:t>
+            </a:r>
+          </a:p>
+          <a:p>
+            <a:endParaRPr lang="en-GB" dirty="0"/>
+          </a:p>
+          <a:p>
+            <a:r>
+              <a:rPr lang="en-GB" dirty="0"/>
+              <a:t>Alpha </a:t>
+            </a:r>
+            <a:r>
+              <a:rPr lang="en-GB" dirty="0" err="1"/>
+              <a:t>genau</a:t>
+            </a:r>
+            <a:r>
+              <a:rPr lang="en-GB" dirty="0"/>
+              <a:t> so stark </a:t>
+            </a:r>
+            <a:r>
+              <a:rPr lang="en-GB" dirty="0" err="1"/>
+              <a:t>korreliert</a:t>
+            </a:r>
+            <a:r>
+              <a:rPr lang="en-GB" dirty="0"/>
+              <a:t> </a:t>
+            </a:r>
+            <a:r>
+              <a:rPr lang="en-GB" dirty="0" err="1"/>
+              <a:t>wie</a:t>
+            </a:r>
+            <a:r>
+              <a:rPr lang="en-GB" dirty="0"/>
+              <a:t> v</a:t>
+            </a:r>
+          </a:p>
+          <a:p>
+            <a:endParaRPr lang="en-GB" dirty="0"/>
+          </a:p>
+          <a:p>
+            <a:endParaRPr lang="en-GB" dirty="0"/>
           </a:p>
         </p:txBody>
       </p:sp>
@@ -9243,7 +9358,7 @@
           <p:cNvPr id="4" name="Slide Number Placeholder 3">
             <a:extLst>
               <a:ext uri="{FF2B5EF4-FFF2-40B4-BE49-F238E27FC236}">
-                <a16:creationId xmlns:a16="http://schemas.microsoft.com/office/drawing/2014/main" id="{0137B619-D85A-444F-ACC7-5643511CB572}"/>
+                <a16:creationId xmlns:a16="http://schemas.microsoft.com/office/drawing/2014/main" id="{11D63F32-D82E-48E2-974D-58E5C0A0962E}"/>
               </a:ext>
             </a:extLst>
           </p:cNvPr>
@@ -9278,7 +9393,7 @@
           <p:cNvPr id="5" name="Footer Placeholder 4">
             <a:extLst>
               <a:ext uri="{FF2B5EF4-FFF2-40B4-BE49-F238E27FC236}">
-                <a16:creationId xmlns:a16="http://schemas.microsoft.com/office/drawing/2014/main" id="{8D583B10-FE33-4120-953F-21B278068935}"/>
+                <a16:creationId xmlns:a16="http://schemas.microsoft.com/office/drawing/2014/main" id="{D5E34673-0C27-48C5-9C51-49FB18ADCF5A}"/>
               </a:ext>
             </a:extLst>
           </p:cNvPr>
@@ -9308,7 +9423,7 @@
     </p:spTree>
     <p:extLst>
       <p:ext uri="{BB962C8B-B14F-4D97-AF65-F5344CB8AC3E}">
-        <p14:creationId xmlns:p14="http://schemas.microsoft.com/office/powerpoint/2010/main" val="2098020814"/>
+        <p14:creationId xmlns:p14="http://schemas.microsoft.com/office/powerpoint/2010/main" val="878235353"/>
       </p:ext>
     </p:extLst>
   </p:cSld>
@@ -9340,7 +9455,7 @@
           <p:cNvPr id="2" name="Title 1">
             <a:extLst>
               <a:ext uri="{FF2B5EF4-FFF2-40B4-BE49-F238E27FC236}">
-                <a16:creationId xmlns:a16="http://schemas.microsoft.com/office/drawing/2014/main" id="{1FC9893D-A041-4C43-BBDB-A41FD3CE7DBF}"/>
+                <a16:creationId xmlns:a16="http://schemas.microsoft.com/office/drawing/2014/main" id="{EF95B3FB-CCB0-4F8A-8C8E-ACDBCEEA132E}"/>
               </a:ext>
             </a:extLst>
           </p:cNvPr>
@@ -9358,52 +9473,126 @@
           <a:p>
             <a:r>
               <a:rPr lang="en-GB" dirty="0" err="1"/>
-              <a:t>Korrelationsmatrix</a:t>
+              <a:t>Limitationen</a:t>
             </a:r>
             <a:endParaRPr lang="en-GB" dirty="0"/>
           </a:p>
         </p:txBody>
       </p:sp>
-      <p:pic>
-        <p:nvPicPr>
-          <p:cNvPr id="7" name="Content Placeholder 6">
-            <a:extLst>
-              <a:ext uri="{FF2B5EF4-FFF2-40B4-BE49-F238E27FC236}">
-                <a16:creationId xmlns:a16="http://schemas.microsoft.com/office/drawing/2014/main" id="{9475ECD4-E6E9-4915-A536-1083E18CB291}"/>
-              </a:ext>
-            </a:extLst>
-          </p:cNvPr>
-          <p:cNvPicPr>
-            <a:picLocks noGrp="1" noChangeAspect="1"/>
-          </p:cNvPicPr>
+      <p:sp>
+        <p:nvSpPr>
+          <p:cNvPr id="3" name="Content Placeholder 2">
+            <a:extLst>
+              <a:ext uri="{FF2B5EF4-FFF2-40B4-BE49-F238E27FC236}">
+                <a16:creationId xmlns:a16="http://schemas.microsoft.com/office/drawing/2014/main" id="{297A1FCB-5248-417C-815E-40816280C9AF}"/>
+              </a:ext>
+            </a:extLst>
+          </p:cNvPr>
+          <p:cNvSpPr>
+            <a:spLocks noGrp="1"/>
+          </p:cNvSpPr>
           <p:nvPr>
             <p:ph idx="1"/>
           </p:nvPr>
-        </p:nvPicPr>
-        <p:blipFill rotWithShape="1">
-          <a:blip r:embed="rId2">
-            <a:extLst>
-              <a:ext uri="{28A0092B-C50C-407E-A947-70E740481C1C}">
-                <a14:useLocalDpi xmlns:a14="http://schemas.microsoft.com/office/drawing/2010/main" val="0"/>
-              </a:ext>
-            </a:extLst>
-          </a:blip>
-          <a:srcRect l="28575" t="8411" r="27534" b="3785"/>
-          <a:stretch/>
-        </p:blipFill>
-        <p:spPr>
-          <a:xfrm>
-            <a:off x="1823285" y="1188569"/>
-            <a:ext cx="4994192" cy="4799356"/>
-          </a:xfrm>
-        </p:spPr>
-      </p:pic>
+        </p:nvSpPr>
+        <p:spPr/>
+        <p:txBody>
+          <a:bodyPr/>
+          <a:lstStyle/>
+          <a:p>
+            <a:r>
+              <a:rPr lang="en-GB" dirty="0"/>
+              <a:t>Aber: model fit…</a:t>
+            </a:r>
+          </a:p>
+          <a:p>
+            <a:endParaRPr lang="en-GB" dirty="0"/>
+          </a:p>
+          <a:p>
+            <a:r>
+              <a:rPr lang="en-GB" dirty="0" err="1"/>
+              <a:t>Richtung</a:t>
+            </a:r>
+            <a:r>
+              <a:rPr lang="en-GB" dirty="0"/>
+              <a:t> </a:t>
+            </a:r>
+            <a:r>
+              <a:rPr lang="en-GB" dirty="0" err="1"/>
+              <a:t>bleibt</a:t>
+            </a:r>
+            <a:r>
+              <a:rPr lang="en-GB" dirty="0"/>
+              <a:t> </a:t>
+            </a:r>
+            <a:r>
+              <a:rPr lang="en-GB" dirty="0" err="1"/>
+              <a:t>aber</a:t>
+            </a:r>
+            <a:r>
+              <a:rPr lang="en-GB" dirty="0"/>
+              <a:t> </a:t>
+            </a:r>
+            <a:r>
+              <a:rPr lang="en-GB" dirty="0" err="1"/>
+              <a:t>klar</a:t>
+            </a:r>
+            <a:endParaRPr lang="en-GB" dirty="0"/>
+          </a:p>
+          <a:p>
+            <a:endParaRPr lang="en-GB" dirty="0"/>
+          </a:p>
+          <a:p>
+            <a:r>
+              <a:rPr lang="en-GB" dirty="0"/>
+              <a:t>Mal </a:t>
+            </a:r>
+            <a:r>
+              <a:rPr lang="en-GB" dirty="0" err="1"/>
+              <a:t>schauen</a:t>
+            </a:r>
+            <a:r>
+              <a:rPr lang="en-GB" dirty="0"/>
+              <a:t>, </a:t>
+            </a:r>
+            <a:r>
+              <a:rPr lang="en-GB" dirty="0" err="1"/>
+              <a:t>wie</a:t>
+            </a:r>
+            <a:r>
+              <a:rPr lang="en-GB" dirty="0"/>
+              <a:t> das in </a:t>
+            </a:r>
+            <a:r>
+              <a:rPr lang="en-GB" dirty="0" err="1"/>
+              <a:t>schwierigen</a:t>
+            </a:r>
+            <a:r>
+              <a:rPr lang="en-GB" dirty="0"/>
+              <a:t> </a:t>
+            </a:r>
+            <a:r>
+              <a:rPr lang="en-GB" dirty="0" err="1"/>
+              <a:t>Aufgaben</a:t>
+            </a:r>
+            <a:r>
+              <a:rPr lang="en-GB" dirty="0"/>
+              <a:t> </a:t>
+            </a:r>
+            <a:r>
+              <a:rPr lang="en-GB" dirty="0" err="1"/>
+              <a:t>aussieht</a:t>
+            </a:r>
+            <a:endParaRPr lang="en-GB" dirty="0"/>
+          </a:p>
+        </p:txBody>
+      </p:sp>
       <p:sp>
         <p:nvSpPr>
           <p:cNvPr id="4" name="Slide Number Placeholder 3">
             <a:extLst>
               <a:ext uri="{FF2B5EF4-FFF2-40B4-BE49-F238E27FC236}">
-                <a16:creationId xmlns:a16="http://schemas.microsoft.com/office/drawing/2014/main" id="{85E6A3A9-2A54-4DA4-A52D-0FAA0714711E}"/>
+                <a16:creationId xmlns:a16="http://schemas.microsoft.com/office/drawing/2014/main" id="{48CA12B6-6DF8-4C4D-8FF4-ACE77D6A8EDB}"/>
               </a:ext>
             </a:extLst>
           </p:cNvPr>
@@ -9438,7 +9627,7 @@
           <p:cNvPr id="5" name="Footer Placeholder 4">
             <a:extLst>
               <a:ext uri="{FF2B5EF4-FFF2-40B4-BE49-F238E27FC236}">
-                <a16:creationId xmlns:a16="http://schemas.microsoft.com/office/drawing/2014/main" id="{F120ACAD-B4EB-45C6-96F0-6800F0C6FF8C}"/>
+                <a16:creationId xmlns:a16="http://schemas.microsoft.com/office/drawing/2014/main" id="{BED90087-B965-4FBA-9C53-18A7F5A2827F}"/>
               </a:ext>
             </a:extLst>
           </p:cNvPr>
@@ -9468,7 +9657,7 @@
     </p:spTree>
     <p:extLst>
       <p:ext uri="{BB962C8B-B14F-4D97-AF65-F5344CB8AC3E}">
-        <p14:creationId xmlns:p14="http://schemas.microsoft.com/office/powerpoint/2010/main" val="2906963703"/>
+        <p14:creationId xmlns:p14="http://schemas.microsoft.com/office/powerpoint/2010/main" val="84882964"/>
       </p:ext>
     </p:extLst>
   </p:cSld>
@@ -9500,7 +9689,7 @@
           <p:cNvPr id="2" name="Title 1">
             <a:extLst>
               <a:ext uri="{FF2B5EF4-FFF2-40B4-BE49-F238E27FC236}">
-                <a16:creationId xmlns:a16="http://schemas.microsoft.com/office/drawing/2014/main" id="{5324BE47-D7E2-451B-BD63-7849D2924EF2}"/>
+                <a16:creationId xmlns:a16="http://schemas.microsoft.com/office/drawing/2014/main" id="{D3B50BC0-6F8D-41F1-9CFA-7E46F5D89E68}"/>
               </a:ext>
             </a:extLst>
           </p:cNvPr>
@@ -9517,9 +9706,35 @@
           <a:lstStyle/>
           <a:p>
             <a:r>
-              <a:rPr lang="en-GB" dirty="0"/>
-              <a:t>Model Checks: Bias</a:t>
-            </a:r>
+              <a:rPr lang="en-GB" dirty="0" err="1"/>
+              <a:t>Referenzen</a:t>
+            </a:r>
+            <a:endParaRPr lang="en-GB" dirty="0"/>
+          </a:p>
+        </p:txBody>
+      </p:sp>
+      <p:sp>
+        <p:nvSpPr>
+          <p:cNvPr id="3" name="Content Placeholder 2">
+            <a:extLst>
+              <a:ext uri="{FF2B5EF4-FFF2-40B4-BE49-F238E27FC236}">
+                <a16:creationId xmlns:a16="http://schemas.microsoft.com/office/drawing/2014/main" id="{7FE8FECA-6BCA-4541-B5A2-B70B410DBDD6}"/>
+              </a:ext>
+            </a:extLst>
+          </p:cNvPr>
+          <p:cNvSpPr>
+            <a:spLocks noGrp="1"/>
+          </p:cNvSpPr>
+          <p:nvPr>
+            <p:ph idx="1"/>
+          </p:nvPr>
+        </p:nvSpPr>
+        <p:spPr/>
+        <p:txBody>
+          <a:bodyPr/>
+          <a:lstStyle/>
+          <a:p>
+            <a:endParaRPr lang="en-GB"/>
           </a:p>
         </p:txBody>
       </p:sp>
@@ -9528,7 +9743,7 @@
           <p:cNvPr id="4" name="Slide Number Placeholder 3">
             <a:extLst>
               <a:ext uri="{FF2B5EF4-FFF2-40B4-BE49-F238E27FC236}">
-                <a16:creationId xmlns:a16="http://schemas.microsoft.com/office/drawing/2014/main" id="{2616A68B-E1DE-430F-BFA1-C742BB75D719}"/>
+                <a16:creationId xmlns:a16="http://schemas.microsoft.com/office/drawing/2014/main" id="{0137B619-D85A-444F-ACC7-5643511CB572}"/>
               </a:ext>
             </a:extLst>
           </p:cNvPr>
@@ -9553,6 +9768,291 @@
                 <a:defRPr/>
               </a:pPr>
               <a:t>16</a:t>
+            </a:fld>
+            <a:endParaRPr lang="de-DE" altLang="de-DE" dirty="0"/>
+          </a:p>
+        </p:txBody>
+      </p:sp>
+      <p:sp>
+        <p:nvSpPr>
+          <p:cNvPr id="5" name="Footer Placeholder 4">
+            <a:extLst>
+              <a:ext uri="{FF2B5EF4-FFF2-40B4-BE49-F238E27FC236}">
+                <a16:creationId xmlns:a16="http://schemas.microsoft.com/office/drawing/2014/main" id="{8D583B10-FE33-4120-953F-21B278068935}"/>
+              </a:ext>
+            </a:extLst>
+          </p:cNvPr>
+          <p:cNvSpPr>
+            <a:spLocks noGrp="1"/>
+          </p:cNvSpPr>
+          <p:nvPr>
+            <p:ph type="ftr" sz="quarter" idx="11"/>
+          </p:nvPr>
+        </p:nvSpPr>
+        <p:spPr/>
+        <p:txBody>
+          <a:bodyPr/>
+          <a:lstStyle/>
+          <a:p>
+            <a:pPr>
+              <a:defRPr/>
+            </a:pPr>
+            <a:r>
+              <a:rPr lang="de-DE"/>
+              <a:t>Template Matching - Sven Lesche</a:t>
+            </a:r>
+            <a:endParaRPr lang="de-DE" dirty="0"/>
+          </a:p>
+        </p:txBody>
+      </p:sp>
+    </p:spTree>
+    <p:extLst>
+      <p:ext uri="{BB962C8B-B14F-4D97-AF65-F5344CB8AC3E}">
+        <p14:creationId xmlns:p14="http://schemas.microsoft.com/office/powerpoint/2010/main" val="2098020814"/>
+      </p:ext>
+    </p:extLst>
+  </p:cSld>
+  <p:clrMapOvr>
+    <a:masterClrMapping/>
+  </p:clrMapOvr>
+</p:sld>
+</file>
+
+<file path=ppt/slides/slide17.xml><?xml version="1.0" encoding="utf-8"?>
+<p:sld xmlns:a="http://schemas.openxmlformats.org/drawingml/2006/main" xmlns:r="http://schemas.openxmlformats.org/officeDocument/2006/relationships" xmlns:p="http://schemas.openxmlformats.org/presentationml/2006/main">
+  <p:cSld>
+    <p:spTree>
+      <p:nvGrpSpPr>
+        <p:cNvPr id="1" name=""/>
+        <p:cNvGrpSpPr/>
+        <p:nvPr/>
+      </p:nvGrpSpPr>
+      <p:grpSpPr>
+        <a:xfrm>
+          <a:off x="0" y="0"/>
+          <a:ext cx="0" cy="0"/>
+          <a:chOff x="0" y="0"/>
+          <a:chExt cx="0" cy="0"/>
+        </a:xfrm>
+      </p:grpSpPr>
+      <p:sp>
+        <p:nvSpPr>
+          <p:cNvPr id="2" name="Title 1">
+            <a:extLst>
+              <a:ext uri="{FF2B5EF4-FFF2-40B4-BE49-F238E27FC236}">
+                <a16:creationId xmlns:a16="http://schemas.microsoft.com/office/drawing/2014/main" id="{1FC9893D-A041-4C43-BBDB-A41FD3CE7DBF}"/>
+              </a:ext>
+            </a:extLst>
+          </p:cNvPr>
+          <p:cNvSpPr>
+            <a:spLocks noGrp="1"/>
+          </p:cNvSpPr>
+          <p:nvPr>
+            <p:ph type="title"/>
+          </p:nvPr>
+        </p:nvSpPr>
+        <p:spPr/>
+        <p:txBody>
+          <a:bodyPr/>
+          <a:lstStyle/>
+          <a:p>
+            <a:r>
+              <a:rPr lang="en-GB" dirty="0" err="1"/>
+              <a:t>Korrelationsmatrix</a:t>
+            </a:r>
+            <a:endParaRPr lang="en-GB" dirty="0"/>
+          </a:p>
+        </p:txBody>
+      </p:sp>
+      <p:pic>
+        <p:nvPicPr>
+          <p:cNvPr id="7" name="Content Placeholder 6">
+            <a:extLst>
+              <a:ext uri="{FF2B5EF4-FFF2-40B4-BE49-F238E27FC236}">
+                <a16:creationId xmlns:a16="http://schemas.microsoft.com/office/drawing/2014/main" id="{9475ECD4-E6E9-4915-A536-1083E18CB291}"/>
+              </a:ext>
+            </a:extLst>
+          </p:cNvPr>
+          <p:cNvPicPr>
+            <a:picLocks noGrp="1" noChangeAspect="1"/>
+          </p:cNvPicPr>
+          <p:nvPr>
+            <p:ph idx="1"/>
+          </p:nvPr>
+        </p:nvPicPr>
+        <p:blipFill rotWithShape="1">
+          <a:blip r:embed="rId2">
+            <a:extLst>
+              <a:ext uri="{28A0092B-C50C-407E-A947-70E740481C1C}">
+                <a14:useLocalDpi xmlns:a14="http://schemas.microsoft.com/office/drawing/2010/main" val="0"/>
+              </a:ext>
+            </a:extLst>
+          </a:blip>
+          <a:srcRect l="28575" t="8411" r="27534" b="3785"/>
+          <a:stretch/>
+        </p:blipFill>
+        <p:spPr>
+          <a:xfrm>
+            <a:off x="1823285" y="1188569"/>
+            <a:ext cx="4994192" cy="4799356"/>
+          </a:xfrm>
+        </p:spPr>
+      </p:pic>
+      <p:sp>
+        <p:nvSpPr>
+          <p:cNvPr id="4" name="Slide Number Placeholder 3">
+            <a:extLst>
+              <a:ext uri="{FF2B5EF4-FFF2-40B4-BE49-F238E27FC236}">
+                <a16:creationId xmlns:a16="http://schemas.microsoft.com/office/drawing/2014/main" id="{85E6A3A9-2A54-4DA4-A52D-0FAA0714711E}"/>
+              </a:ext>
+            </a:extLst>
+          </p:cNvPr>
+          <p:cNvSpPr>
+            <a:spLocks noGrp="1"/>
+          </p:cNvSpPr>
+          <p:nvPr>
+            <p:ph type="sldNum" sz="quarter" idx="10"/>
+          </p:nvPr>
+        </p:nvSpPr>
+        <p:spPr/>
+        <p:txBody>
+          <a:bodyPr/>
+          <a:lstStyle/>
+          <a:p>
+            <a:pPr>
+              <a:defRPr/>
+            </a:pPr>
+            <a:fld id="{BFD7839F-DA5C-4C13-94BA-0DC1947AAA90}" type="slidenum">
+              <a:rPr lang="de-DE" altLang="de-DE" smtClean="0"/>
+              <a:pPr>
+                <a:defRPr/>
+              </a:pPr>
+              <a:t>17</a:t>
+            </a:fld>
+            <a:endParaRPr lang="de-DE" altLang="de-DE" dirty="0"/>
+          </a:p>
+        </p:txBody>
+      </p:sp>
+      <p:sp>
+        <p:nvSpPr>
+          <p:cNvPr id="5" name="Footer Placeholder 4">
+            <a:extLst>
+              <a:ext uri="{FF2B5EF4-FFF2-40B4-BE49-F238E27FC236}">
+                <a16:creationId xmlns:a16="http://schemas.microsoft.com/office/drawing/2014/main" id="{F120ACAD-B4EB-45C6-96F0-6800F0C6FF8C}"/>
+              </a:ext>
+            </a:extLst>
+          </p:cNvPr>
+          <p:cNvSpPr>
+            <a:spLocks noGrp="1"/>
+          </p:cNvSpPr>
+          <p:nvPr>
+            <p:ph type="ftr" sz="quarter" idx="11"/>
+          </p:nvPr>
+        </p:nvSpPr>
+        <p:spPr/>
+        <p:txBody>
+          <a:bodyPr/>
+          <a:lstStyle/>
+          <a:p>
+            <a:pPr>
+              <a:defRPr/>
+            </a:pPr>
+            <a:r>
+              <a:rPr lang="de-DE"/>
+              <a:t>Template Matching - Sven Lesche</a:t>
+            </a:r>
+            <a:endParaRPr lang="de-DE" dirty="0"/>
+          </a:p>
+        </p:txBody>
+      </p:sp>
+    </p:spTree>
+    <p:extLst>
+      <p:ext uri="{BB962C8B-B14F-4D97-AF65-F5344CB8AC3E}">
+        <p14:creationId xmlns:p14="http://schemas.microsoft.com/office/powerpoint/2010/main" val="2906963703"/>
+      </p:ext>
+    </p:extLst>
+  </p:cSld>
+  <p:clrMapOvr>
+    <a:masterClrMapping/>
+  </p:clrMapOvr>
+</p:sld>
+</file>
+
+<file path=ppt/slides/slide18.xml><?xml version="1.0" encoding="utf-8"?>
+<p:sld xmlns:a="http://schemas.openxmlformats.org/drawingml/2006/main" xmlns:r="http://schemas.openxmlformats.org/officeDocument/2006/relationships" xmlns:p="http://schemas.openxmlformats.org/presentationml/2006/main">
+  <p:cSld>
+    <p:spTree>
+      <p:nvGrpSpPr>
+        <p:cNvPr id="1" name=""/>
+        <p:cNvGrpSpPr/>
+        <p:nvPr/>
+      </p:nvGrpSpPr>
+      <p:grpSpPr>
+        <a:xfrm>
+          <a:off x="0" y="0"/>
+          <a:ext cx="0" cy="0"/>
+          <a:chOff x="0" y="0"/>
+          <a:chExt cx="0" cy="0"/>
+        </a:xfrm>
+      </p:grpSpPr>
+      <p:sp>
+        <p:nvSpPr>
+          <p:cNvPr id="2" name="Title 1">
+            <a:extLst>
+              <a:ext uri="{FF2B5EF4-FFF2-40B4-BE49-F238E27FC236}">
+                <a16:creationId xmlns:a16="http://schemas.microsoft.com/office/drawing/2014/main" id="{5324BE47-D7E2-451B-BD63-7849D2924EF2}"/>
+              </a:ext>
+            </a:extLst>
+          </p:cNvPr>
+          <p:cNvSpPr>
+            <a:spLocks noGrp="1"/>
+          </p:cNvSpPr>
+          <p:nvPr>
+            <p:ph type="title"/>
+          </p:nvPr>
+        </p:nvSpPr>
+        <p:spPr/>
+        <p:txBody>
+          <a:bodyPr/>
+          <a:lstStyle/>
+          <a:p>
+            <a:r>
+              <a:rPr lang="en-GB" dirty="0"/>
+              <a:t>Model Checks: Bias</a:t>
+            </a:r>
+          </a:p>
+        </p:txBody>
+      </p:sp>
+      <p:sp>
+        <p:nvSpPr>
+          <p:cNvPr id="4" name="Slide Number Placeholder 3">
+            <a:extLst>
+              <a:ext uri="{FF2B5EF4-FFF2-40B4-BE49-F238E27FC236}">
+                <a16:creationId xmlns:a16="http://schemas.microsoft.com/office/drawing/2014/main" id="{2616A68B-E1DE-430F-BFA1-C742BB75D719}"/>
+              </a:ext>
+            </a:extLst>
+          </p:cNvPr>
+          <p:cNvSpPr>
+            <a:spLocks noGrp="1"/>
+          </p:cNvSpPr>
+          <p:nvPr>
+            <p:ph type="sldNum" sz="quarter" idx="10"/>
+          </p:nvPr>
+        </p:nvSpPr>
+        <p:spPr/>
+        <p:txBody>
+          <a:bodyPr/>
+          <a:lstStyle/>
+          <a:p>
+            <a:pPr>
+              <a:defRPr/>
+            </a:pPr>
+            <a:fld id="{BFD7839F-DA5C-4C13-94BA-0DC1947AAA90}" type="slidenum">
+              <a:rPr lang="de-DE" altLang="de-DE" smtClean="0"/>
+              <a:pPr>
+                <a:defRPr/>
+              </a:pPr>
+              <a:t>18</a:t>
             </a:fld>
             <a:endParaRPr lang="de-DE" altLang="de-DE" dirty="0"/>
           </a:p>
@@ -9662,7 +10162,7 @@
 </p:sld>
 </file>
 
-<file path=ppt/slides/slide17.xml><?xml version="1.0" encoding="utf-8"?>
+<file path=ppt/slides/slide19.xml><?xml version="1.0" encoding="utf-8"?>
 <p:sld xmlns:a="http://schemas.openxmlformats.org/drawingml/2006/main" xmlns:r="http://schemas.openxmlformats.org/officeDocument/2006/relationships" xmlns:p="http://schemas.openxmlformats.org/presentationml/2006/main">
   <p:cSld>
     <p:spTree>
@@ -9764,7 +10264,7 @@
               <a:pPr>
                 <a:defRPr/>
               </a:pPr>
-              <a:t>17</a:t>
+              <a:t>19</a:t>
             </a:fld>
             <a:endParaRPr lang="de-DE" altLang="de-DE" dirty="0"/>
           </a:p>
@@ -9868,160 +10368,6 @@
 </p:sld>
 </file>
 
-<file path=ppt/slides/slide18.xml><?xml version="1.0" encoding="utf-8"?>
-<p:sld xmlns:a="http://schemas.openxmlformats.org/drawingml/2006/main" xmlns:r="http://schemas.openxmlformats.org/officeDocument/2006/relationships" xmlns:p="http://schemas.openxmlformats.org/presentationml/2006/main">
-  <p:cSld>
-    <p:spTree>
-      <p:nvGrpSpPr>
-        <p:cNvPr id="1" name=""/>
-        <p:cNvGrpSpPr/>
-        <p:nvPr/>
-      </p:nvGrpSpPr>
-      <p:grpSpPr>
-        <a:xfrm>
-          <a:off x="0" y="0"/>
-          <a:ext cx="0" cy="0"/>
-          <a:chOff x="0" y="0"/>
-          <a:chExt cx="0" cy="0"/>
-        </a:xfrm>
-      </p:grpSpPr>
-      <p:sp>
-        <p:nvSpPr>
-          <p:cNvPr id="2" name="Title 1">
-            <a:extLst>
-              <a:ext uri="{FF2B5EF4-FFF2-40B4-BE49-F238E27FC236}">
-                <a16:creationId xmlns:a16="http://schemas.microsoft.com/office/drawing/2014/main" id="{909B8397-FB58-47F4-A75A-B3FEEEB0FBD0}"/>
-              </a:ext>
-            </a:extLst>
-          </p:cNvPr>
-          <p:cNvSpPr>
-            <a:spLocks noGrp="1"/>
-          </p:cNvSpPr>
-          <p:nvPr>
-            <p:ph type="title"/>
-          </p:nvPr>
-        </p:nvSpPr>
-        <p:spPr/>
-        <p:txBody>
-          <a:bodyPr/>
-          <a:lstStyle/>
-          <a:p>
-            <a:r>
-              <a:rPr lang="en-GB" dirty="0"/>
-              <a:t>Model Checks: Posterior predictive checks</a:t>
-            </a:r>
-          </a:p>
-        </p:txBody>
-      </p:sp>
-      <p:pic>
-        <p:nvPicPr>
-          <p:cNvPr id="7" name="Content Placeholder 6">
-            <a:extLst>
-              <a:ext uri="{FF2B5EF4-FFF2-40B4-BE49-F238E27FC236}">
-                <a16:creationId xmlns:a16="http://schemas.microsoft.com/office/drawing/2014/main" id="{886A4F6B-1557-46B0-A3CF-736FF176A96E}"/>
-              </a:ext>
-            </a:extLst>
-          </p:cNvPr>
-          <p:cNvPicPr>
-            <a:picLocks noGrp="1" noChangeAspect="1"/>
-          </p:cNvPicPr>
-          <p:nvPr>
-            <p:ph idx="1"/>
-          </p:nvPr>
-        </p:nvPicPr>
-        <p:blipFill>
-          <a:blip r:embed="rId2"/>
-          <a:stretch>
-            <a:fillRect/>
-          </a:stretch>
-        </p:blipFill>
-        <p:spPr>
-          <a:xfrm>
-            <a:off x="215900" y="2038011"/>
-            <a:ext cx="8207375" cy="3556679"/>
-          </a:xfrm>
-        </p:spPr>
-      </p:pic>
-      <p:sp>
-        <p:nvSpPr>
-          <p:cNvPr id="4" name="Slide Number Placeholder 3">
-            <a:extLst>
-              <a:ext uri="{FF2B5EF4-FFF2-40B4-BE49-F238E27FC236}">
-                <a16:creationId xmlns:a16="http://schemas.microsoft.com/office/drawing/2014/main" id="{9E6CC409-6CDC-4854-8340-1769DC2AB3FE}"/>
-              </a:ext>
-            </a:extLst>
-          </p:cNvPr>
-          <p:cNvSpPr>
-            <a:spLocks noGrp="1"/>
-          </p:cNvSpPr>
-          <p:nvPr>
-            <p:ph type="sldNum" sz="quarter" idx="10"/>
-          </p:nvPr>
-        </p:nvSpPr>
-        <p:spPr/>
-        <p:txBody>
-          <a:bodyPr/>
-          <a:lstStyle/>
-          <a:p>
-            <a:pPr>
-              <a:defRPr/>
-            </a:pPr>
-            <a:fld id="{BFD7839F-DA5C-4C13-94BA-0DC1947AAA90}" type="slidenum">
-              <a:rPr lang="de-DE" altLang="de-DE" smtClean="0"/>
-              <a:pPr>
-                <a:defRPr/>
-              </a:pPr>
-              <a:t>18</a:t>
-            </a:fld>
-            <a:endParaRPr lang="de-DE" altLang="de-DE" dirty="0"/>
-          </a:p>
-        </p:txBody>
-      </p:sp>
-      <p:sp>
-        <p:nvSpPr>
-          <p:cNvPr id="5" name="Footer Placeholder 4">
-            <a:extLst>
-              <a:ext uri="{FF2B5EF4-FFF2-40B4-BE49-F238E27FC236}">
-                <a16:creationId xmlns:a16="http://schemas.microsoft.com/office/drawing/2014/main" id="{655BCBAA-6F20-4AC3-AE56-953734FA3F1A}"/>
-              </a:ext>
-            </a:extLst>
-          </p:cNvPr>
-          <p:cNvSpPr>
-            <a:spLocks noGrp="1"/>
-          </p:cNvSpPr>
-          <p:nvPr>
-            <p:ph type="ftr" sz="quarter" idx="11"/>
-          </p:nvPr>
-        </p:nvSpPr>
-        <p:spPr/>
-        <p:txBody>
-          <a:bodyPr/>
-          <a:lstStyle/>
-          <a:p>
-            <a:pPr>
-              <a:defRPr/>
-            </a:pPr>
-            <a:r>
-              <a:rPr lang="de-DE"/>
-              <a:t>Template Matching - Sven Lesche</a:t>
-            </a:r>
-            <a:endParaRPr lang="de-DE" dirty="0"/>
-          </a:p>
-        </p:txBody>
-      </p:sp>
-    </p:spTree>
-    <p:extLst>
-      <p:ext uri="{BB962C8B-B14F-4D97-AF65-F5344CB8AC3E}">
-        <p14:creationId xmlns:p14="http://schemas.microsoft.com/office/powerpoint/2010/main" val="1383399049"/>
-      </p:ext>
-    </p:extLst>
-  </p:cSld>
-  <p:clrMapOvr>
-    <a:masterClrMapping/>
-  </p:clrMapOvr>
-</p:sld>
-</file>
-
 <file path=ppt/slides/slide2.xml><?xml version="1.0" encoding="utf-8"?>
 <p:sld xmlns:a="http://schemas.openxmlformats.org/drawingml/2006/main" xmlns:r="http://schemas.openxmlformats.org/officeDocument/2006/relationships" xmlns:p="http://schemas.openxmlformats.org/presentationml/2006/main">
   <p:cSld>
@@ -10218,6 +10564,160 @@
     <p:extLst>
       <p:ext uri="{BB962C8B-B14F-4D97-AF65-F5344CB8AC3E}">
         <p14:creationId xmlns:p14="http://schemas.microsoft.com/office/powerpoint/2010/main" val="29258632"/>
+      </p:ext>
+    </p:extLst>
+  </p:cSld>
+  <p:clrMapOvr>
+    <a:masterClrMapping/>
+  </p:clrMapOvr>
+</p:sld>
+</file>
+
+<file path=ppt/slides/slide20.xml><?xml version="1.0" encoding="utf-8"?>
+<p:sld xmlns:a="http://schemas.openxmlformats.org/drawingml/2006/main" xmlns:r="http://schemas.openxmlformats.org/officeDocument/2006/relationships" xmlns:p="http://schemas.openxmlformats.org/presentationml/2006/main">
+  <p:cSld>
+    <p:spTree>
+      <p:nvGrpSpPr>
+        <p:cNvPr id="1" name=""/>
+        <p:cNvGrpSpPr/>
+        <p:nvPr/>
+      </p:nvGrpSpPr>
+      <p:grpSpPr>
+        <a:xfrm>
+          <a:off x="0" y="0"/>
+          <a:ext cx="0" cy="0"/>
+          <a:chOff x="0" y="0"/>
+          <a:chExt cx="0" cy="0"/>
+        </a:xfrm>
+      </p:grpSpPr>
+      <p:sp>
+        <p:nvSpPr>
+          <p:cNvPr id="2" name="Title 1">
+            <a:extLst>
+              <a:ext uri="{FF2B5EF4-FFF2-40B4-BE49-F238E27FC236}">
+                <a16:creationId xmlns:a16="http://schemas.microsoft.com/office/drawing/2014/main" id="{909B8397-FB58-47F4-A75A-B3FEEEB0FBD0}"/>
+              </a:ext>
+            </a:extLst>
+          </p:cNvPr>
+          <p:cNvSpPr>
+            <a:spLocks noGrp="1"/>
+          </p:cNvSpPr>
+          <p:nvPr>
+            <p:ph type="title"/>
+          </p:nvPr>
+        </p:nvSpPr>
+        <p:spPr/>
+        <p:txBody>
+          <a:bodyPr/>
+          <a:lstStyle/>
+          <a:p>
+            <a:r>
+              <a:rPr lang="en-GB" dirty="0"/>
+              <a:t>Model Checks: Posterior predictive checks</a:t>
+            </a:r>
+          </a:p>
+        </p:txBody>
+      </p:sp>
+      <p:pic>
+        <p:nvPicPr>
+          <p:cNvPr id="7" name="Content Placeholder 6">
+            <a:extLst>
+              <a:ext uri="{FF2B5EF4-FFF2-40B4-BE49-F238E27FC236}">
+                <a16:creationId xmlns:a16="http://schemas.microsoft.com/office/drawing/2014/main" id="{886A4F6B-1557-46B0-A3CF-736FF176A96E}"/>
+              </a:ext>
+            </a:extLst>
+          </p:cNvPr>
+          <p:cNvPicPr>
+            <a:picLocks noGrp="1" noChangeAspect="1"/>
+          </p:cNvPicPr>
+          <p:nvPr>
+            <p:ph idx="1"/>
+          </p:nvPr>
+        </p:nvPicPr>
+        <p:blipFill>
+          <a:blip r:embed="rId2"/>
+          <a:stretch>
+            <a:fillRect/>
+          </a:stretch>
+        </p:blipFill>
+        <p:spPr>
+          <a:xfrm>
+            <a:off x="215900" y="2038011"/>
+            <a:ext cx="8207375" cy="3556679"/>
+          </a:xfrm>
+        </p:spPr>
+      </p:pic>
+      <p:sp>
+        <p:nvSpPr>
+          <p:cNvPr id="4" name="Slide Number Placeholder 3">
+            <a:extLst>
+              <a:ext uri="{FF2B5EF4-FFF2-40B4-BE49-F238E27FC236}">
+                <a16:creationId xmlns:a16="http://schemas.microsoft.com/office/drawing/2014/main" id="{9E6CC409-6CDC-4854-8340-1769DC2AB3FE}"/>
+              </a:ext>
+            </a:extLst>
+          </p:cNvPr>
+          <p:cNvSpPr>
+            <a:spLocks noGrp="1"/>
+          </p:cNvSpPr>
+          <p:nvPr>
+            <p:ph type="sldNum" sz="quarter" idx="10"/>
+          </p:nvPr>
+        </p:nvSpPr>
+        <p:spPr/>
+        <p:txBody>
+          <a:bodyPr/>
+          <a:lstStyle/>
+          <a:p>
+            <a:pPr>
+              <a:defRPr/>
+            </a:pPr>
+            <a:fld id="{BFD7839F-DA5C-4C13-94BA-0DC1947AAA90}" type="slidenum">
+              <a:rPr lang="de-DE" altLang="de-DE" smtClean="0"/>
+              <a:pPr>
+                <a:defRPr/>
+              </a:pPr>
+              <a:t>20</a:t>
+            </a:fld>
+            <a:endParaRPr lang="de-DE" altLang="de-DE" dirty="0"/>
+          </a:p>
+        </p:txBody>
+      </p:sp>
+      <p:sp>
+        <p:nvSpPr>
+          <p:cNvPr id="5" name="Footer Placeholder 4">
+            <a:extLst>
+              <a:ext uri="{FF2B5EF4-FFF2-40B4-BE49-F238E27FC236}">
+                <a16:creationId xmlns:a16="http://schemas.microsoft.com/office/drawing/2014/main" id="{655BCBAA-6F20-4AC3-AE56-953734FA3F1A}"/>
+              </a:ext>
+            </a:extLst>
+          </p:cNvPr>
+          <p:cNvSpPr>
+            <a:spLocks noGrp="1"/>
+          </p:cNvSpPr>
+          <p:nvPr>
+            <p:ph type="ftr" sz="quarter" idx="11"/>
+          </p:nvPr>
+        </p:nvSpPr>
+        <p:spPr/>
+        <p:txBody>
+          <a:bodyPr/>
+          <a:lstStyle/>
+          <a:p>
+            <a:pPr>
+              <a:defRPr/>
+            </a:pPr>
+            <a:r>
+              <a:rPr lang="de-DE"/>
+              <a:t>Template Matching - Sven Lesche</a:t>
+            </a:r>
+            <a:endParaRPr lang="de-DE" dirty="0"/>
+          </a:p>
+        </p:txBody>
+      </p:sp>
+    </p:spTree>
+    <p:extLst>
+      <p:ext uri="{BB962C8B-B14F-4D97-AF65-F5344CB8AC3E}">
+        <p14:creationId xmlns:p14="http://schemas.microsoft.com/office/powerpoint/2010/main" val="1383399049"/>
       </p:ext>
     </p:extLst>
   </p:cSld>
@@ -11074,7 +11574,7 @@
           <a:bodyPr/>
           <a:lstStyle/>
           <a:p>
-            <a:endParaRPr lang="en-GB"/>
+            <a:endParaRPr lang="en-GB" dirty="0"/>
           </a:p>
         </p:txBody>
       </p:sp>
@@ -11180,7 +11680,7 @@
           <p:cNvPr id="2" name="Title 1">
             <a:extLst>
               <a:ext uri="{FF2B5EF4-FFF2-40B4-BE49-F238E27FC236}">
-                <a16:creationId xmlns:a16="http://schemas.microsoft.com/office/drawing/2014/main" id="{366B0929-4D63-4935-BC68-DCEE86A5F21C}"/>
+                <a16:creationId xmlns:a16="http://schemas.microsoft.com/office/drawing/2014/main" id="{E7C9B57E-0726-42F0-AAE8-935D9DC27331}"/>
               </a:ext>
             </a:extLst>
           </p:cNvPr>
@@ -11197,13 +11697,34 @@
           <a:lstStyle/>
           <a:p>
             <a:r>
-              <a:rPr lang="en-GB" dirty="0" err="1"/>
-              <a:t>Ergebnisse</a:t>
-            </a:r>
-            <a:r>
               <a:rPr lang="en-GB" dirty="0"/>
-              <a:t> </a:t>
-            </a:r>
+              <a:t>Bayes Flow</a:t>
+            </a:r>
+          </a:p>
+        </p:txBody>
+      </p:sp>
+      <p:sp>
+        <p:nvSpPr>
+          <p:cNvPr id="3" name="Content Placeholder 2">
+            <a:extLst>
+              <a:ext uri="{FF2B5EF4-FFF2-40B4-BE49-F238E27FC236}">
+                <a16:creationId xmlns:a16="http://schemas.microsoft.com/office/drawing/2014/main" id="{BE7AF9FE-44D9-40CB-9EAD-4F3623429394}"/>
+              </a:ext>
+            </a:extLst>
+          </p:cNvPr>
+          <p:cNvSpPr>
+            <a:spLocks noGrp="1"/>
+          </p:cNvSpPr>
+          <p:nvPr>
+            <p:ph idx="1"/>
+          </p:nvPr>
+        </p:nvSpPr>
+        <p:spPr/>
+        <p:txBody>
+          <a:bodyPr/>
+          <a:lstStyle/>
+          <a:p>
+            <a:endParaRPr lang="en-GB"/>
           </a:p>
         </p:txBody>
       </p:sp>
@@ -11212,7 +11733,7 @@
           <p:cNvPr id="4" name="Slide Number Placeholder 3">
             <a:extLst>
               <a:ext uri="{FF2B5EF4-FFF2-40B4-BE49-F238E27FC236}">
-                <a16:creationId xmlns:a16="http://schemas.microsoft.com/office/drawing/2014/main" id="{507D79C0-B13A-4F87-AD41-A3FA70F2F4C9}"/>
+                <a16:creationId xmlns:a16="http://schemas.microsoft.com/office/drawing/2014/main" id="{7357BEDF-AD71-427F-9438-410198708D62}"/>
               </a:ext>
             </a:extLst>
           </p:cNvPr>
@@ -11247,7 +11768,7 @@
           <p:cNvPr id="5" name="Footer Placeholder 4">
             <a:extLst>
               <a:ext uri="{FF2B5EF4-FFF2-40B4-BE49-F238E27FC236}">
-                <a16:creationId xmlns:a16="http://schemas.microsoft.com/office/drawing/2014/main" id="{52446E38-697D-4461-B232-3CD9B85209A9}"/>
+                <a16:creationId xmlns:a16="http://schemas.microsoft.com/office/drawing/2014/main" id="{ED0A1FDA-99F9-4005-8C63-285F4512DEB0}"/>
               </a:ext>
             </a:extLst>
           </p:cNvPr>
@@ -11274,45 +11795,10 @@
           </a:p>
         </p:txBody>
       </p:sp>
-      <p:pic>
-        <p:nvPicPr>
-          <p:cNvPr id="10" name="Content Placeholder 9">
-            <a:extLst>
-              <a:ext uri="{FF2B5EF4-FFF2-40B4-BE49-F238E27FC236}">
-                <a16:creationId xmlns:a16="http://schemas.microsoft.com/office/drawing/2014/main" id="{7AD23912-C7E9-4B57-B56A-96214EE9CC3E}"/>
-              </a:ext>
-            </a:extLst>
-          </p:cNvPr>
-          <p:cNvPicPr>
-            <a:picLocks noGrp="1" noChangeAspect="1"/>
-          </p:cNvPicPr>
-          <p:nvPr>
-            <p:ph idx="1"/>
-          </p:nvPr>
-        </p:nvPicPr>
-        <p:blipFill>
-          <a:blip r:embed="rId2">
-            <a:extLst>
-              <a:ext uri="{28A0092B-C50C-407E-A947-70E740481C1C}">
-                <a14:useLocalDpi xmlns:a14="http://schemas.microsoft.com/office/drawing/2010/main" val="0"/>
-              </a:ext>
-            </a:extLst>
-          </a:blip>
-          <a:stretch>
-            <a:fillRect/>
-          </a:stretch>
-        </p:blipFill>
-        <p:spPr>
-          <a:xfrm>
-            <a:off x="215900" y="1845022"/>
-            <a:ext cx="8207375" cy="3942656"/>
-          </a:xfrm>
-        </p:spPr>
-      </p:pic>
     </p:spTree>
     <p:extLst>
       <p:ext uri="{BB962C8B-B14F-4D97-AF65-F5344CB8AC3E}">
-        <p14:creationId xmlns:p14="http://schemas.microsoft.com/office/powerpoint/2010/main" val="238607183"/>
+        <p14:creationId xmlns:p14="http://schemas.microsoft.com/office/powerpoint/2010/main" val="4145911233"/>
       </p:ext>
     </p:extLst>
   </p:cSld>

--- a/presentations/levy_presentation.pptx
+++ b/presentations/levy_presentation.pptx
@@ -6,32 +6,34 @@
     <p:sldMasterId id="2147483663" r:id="rId2"/>
   </p:sldMasterIdLst>
   <p:notesMasterIdLst>
-    <p:notesMasterId r:id="rId23"/>
+    <p:notesMasterId r:id="rId25"/>
   </p:notesMasterIdLst>
   <p:handoutMasterIdLst>
-    <p:handoutMasterId r:id="rId24"/>
+    <p:handoutMasterId r:id="rId26"/>
   </p:handoutMasterIdLst>
   <p:sldIdLst>
     <p:sldId id="256" r:id="rId3"/>
-    <p:sldId id="257" r:id="rId4"/>
-    <p:sldId id="258" r:id="rId5"/>
-    <p:sldId id="259" r:id="rId6"/>
-    <p:sldId id="260" r:id="rId7"/>
-    <p:sldId id="261" r:id="rId8"/>
-    <p:sldId id="262" r:id="rId9"/>
-    <p:sldId id="263" r:id="rId10"/>
-    <p:sldId id="276" r:id="rId11"/>
-    <p:sldId id="264" r:id="rId12"/>
-    <p:sldId id="265" r:id="rId13"/>
-    <p:sldId id="273" r:id="rId14"/>
-    <p:sldId id="274" r:id="rId15"/>
-    <p:sldId id="267" r:id="rId16"/>
-    <p:sldId id="275" r:id="rId17"/>
-    <p:sldId id="268" r:id="rId18"/>
-    <p:sldId id="270" r:id="rId19"/>
-    <p:sldId id="269" r:id="rId20"/>
-    <p:sldId id="271" r:id="rId21"/>
-    <p:sldId id="272" r:id="rId22"/>
+    <p:sldId id="278" r:id="rId4"/>
+    <p:sldId id="277" r:id="rId5"/>
+    <p:sldId id="283" r:id="rId6"/>
+    <p:sldId id="257" r:id="rId7"/>
+    <p:sldId id="260" r:id="rId8"/>
+    <p:sldId id="279" r:id="rId9"/>
+    <p:sldId id="261" r:id="rId10"/>
+    <p:sldId id="262" r:id="rId11"/>
+    <p:sldId id="263" r:id="rId12"/>
+    <p:sldId id="276" r:id="rId13"/>
+    <p:sldId id="264" r:id="rId14"/>
+    <p:sldId id="265" r:id="rId15"/>
+    <p:sldId id="273" r:id="rId16"/>
+    <p:sldId id="274" r:id="rId17"/>
+    <p:sldId id="267" r:id="rId18"/>
+    <p:sldId id="275" r:id="rId19"/>
+    <p:sldId id="268" r:id="rId20"/>
+    <p:sldId id="270" r:id="rId21"/>
+    <p:sldId id="269" r:id="rId22"/>
+    <p:sldId id="271" r:id="rId23"/>
+    <p:sldId id="272" r:id="rId24"/>
   </p:sldIdLst>
   <p:sldSz cx="8640763" cy="6480175"/>
   <p:notesSz cx="6794500" cy="9918700"/>
@@ -344,7 +346,7 @@
               <a:pPr>
                 <a:defRPr/>
               </a:pPr>
-              <a:t>18.07.2024</a:t>
+              <a:t>19.07.2024</a:t>
             </a:fld>
             <a:endParaRPr lang="de-DE"/>
           </a:p>
@@ -585,7 +587,7 @@
               <a:pPr>
                 <a:defRPr/>
               </a:pPr>
-              <a:t>18.07.2024</a:t>
+              <a:t>19.07.2024</a:t>
             </a:fld>
             <a:endParaRPr lang="de-DE" altLang="de-DE"/>
           </a:p>
@@ -956,6 +958,312 @@
     </a:lvl9pPr>
   </p:notesStyle>
 </p:notesMaster>
+</file>
+
+<file path=ppt/notesSlides/notesSlide1.xml><?xml version="1.0" encoding="utf-8"?>
+<p:notes xmlns:a="http://schemas.openxmlformats.org/drawingml/2006/main" xmlns:r="http://schemas.openxmlformats.org/officeDocument/2006/relationships" xmlns:p="http://schemas.openxmlformats.org/presentationml/2006/main">
+  <p:cSld>
+    <p:spTree>
+      <p:nvGrpSpPr>
+        <p:cNvPr id="1" name=""/>
+        <p:cNvGrpSpPr/>
+        <p:nvPr/>
+      </p:nvGrpSpPr>
+      <p:grpSpPr>
+        <a:xfrm>
+          <a:off x="0" y="0"/>
+          <a:ext cx="0" cy="0"/>
+          <a:chOff x="0" y="0"/>
+          <a:chExt cx="0" cy="0"/>
+        </a:xfrm>
+      </p:grpSpPr>
+      <p:sp>
+        <p:nvSpPr>
+          <p:cNvPr id="2" name="Slide Image Placeholder 1"/>
+          <p:cNvSpPr>
+            <a:spLocks noGrp="1" noRot="1" noChangeAspect="1"/>
+          </p:cNvSpPr>
+          <p:nvPr>
+            <p:ph type="sldImg"/>
+          </p:nvPr>
+        </p:nvSpPr>
+        <p:spPr/>
+      </p:sp>
+      <p:sp>
+        <p:nvSpPr>
+          <p:cNvPr id="3" name="Notes Placeholder 2"/>
+          <p:cNvSpPr>
+            <a:spLocks noGrp="1"/>
+          </p:cNvSpPr>
+          <p:nvPr>
+            <p:ph type="body" idx="1"/>
+          </p:nvPr>
+        </p:nvSpPr>
+        <p:spPr/>
+        <p:txBody>
+          <a:bodyPr/>
+          <a:lstStyle/>
+          <a:p>
+            <a:r>
+              <a:rPr lang="en-GB" dirty="0"/>
+              <a:t>RT ~ -0.2 Schneller und </a:t>
+            </a:r>
+            <a:r>
+              <a:rPr lang="en-GB" dirty="0" err="1"/>
+              <a:t>weniger</a:t>
+            </a:r>
+            <a:r>
+              <a:rPr lang="en-GB" dirty="0"/>
+              <a:t> </a:t>
+            </a:r>
+            <a:r>
+              <a:rPr lang="en-GB" dirty="0" err="1"/>
+              <a:t>Variabilität</a:t>
+            </a:r>
+            <a:r>
+              <a:rPr lang="en-GB" dirty="0"/>
+              <a:t> </a:t>
+            </a:r>
+            <a:r>
+              <a:rPr lang="en-GB" dirty="0" err="1"/>
+              <a:t>ist</a:t>
+            </a:r>
+            <a:r>
+              <a:rPr lang="en-GB" dirty="0"/>
+              <a:t> </a:t>
+            </a:r>
+            <a:r>
+              <a:rPr lang="en-GB" dirty="0" err="1"/>
+              <a:t>besser</a:t>
+            </a:r>
+            <a:endParaRPr lang="en-GB" dirty="0"/>
+          </a:p>
+          <a:p>
+            <a:endParaRPr lang="en-GB" dirty="0"/>
+          </a:p>
+          <a:p>
+            <a:r>
+              <a:rPr lang="en-GB" dirty="0"/>
+              <a:t>EKPs ~ 80% </a:t>
+            </a:r>
+            <a:r>
+              <a:rPr lang="en-GB" dirty="0" err="1"/>
+              <a:t>Varianzaufklären</a:t>
+            </a:r>
+            <a:r>
+              <a:rPr lang="en-GB" dirty="0"/>
+              <a:t>, </a:t>
+            </a:r>
+            <a:r>
+              <a:rPr lang="en-GB" dirty="0" err="1"/>
+              <a:t>Schnellere</a:t>
+            </a:r>
+            <a:r>
+              <a:rPr lang="en-GB" dirty="0"/>
+              <a:t> </a:t>
+            </a:r>
+            <a:r>
+              <a:rPr lang="en-GB" dirty="0" err="1"/>
+              <a:t>höhere</a:t>
+            </a:r>
+            <a:r>
+              <a:rPr lang="en-GB" dirty="0"/>
+              <a:t> </a:t>
+            </a:r>
+            <a:r>
+              <a:rPr lang="en-GB" dirty="0" err="1"/>
+              <a:t>kognitive</a:t>
+            </a:r>
+            <a:r>
+              <a:rPr lang="en-GB" dirty="0"/>
+              <a:t> </a:t>
+            </a:r>
+            <a:r>
+              <a:rPr lang="en-GB" dirty="0" err="1"/>
+              <a:t>Prozesse</a:t>
+            </a:r>
+            <a:r>
+              <a:rPr lang="en-GB" dirty="0"/>
+              <a:t> </a:t>
+            </a:r>
+            <a:r>
+              <a:rPr lang="en-GB" dirty="0" err="1"/>
+              <a:t>besser</a:t>
+            </a:r>
+            <a:endParaRPr lang="en-GB" dirty="0"/>
+          </a:p>
+          <a:p>
+            <a:endParaRPr lang="en-GB" dirty="0"/>
+          </a:p>
+          <a:p>
+            <a:r>
+              <a:rPr lang="en-GB" dirty="0"/>
+              <a:t>Drift </a:t>
+            </a:r>
+            <a:r>
+              <a:rPr lang="en-GB" dirty="0" err="1"/>
+              <a:t>Raten</a:t>
+            </a:r>
+            <a:r>
+              <a:rPr lang="en-GB" dirty="0"/>
+              <a:t> ~ 0.5 </a:t>
+            </a:r>
+            <a:r>
+              <a:rPr lang="en-GB" dirty="0" err="1"/>
+              <a:t>Korrelationen</a:t>
+            </a:r>
+            <a:endParaRPr lang="en-GB" dirty="0"/>
+          </a:p>
+          <a:p>
+            <a:endParaRPr lang="en-GB" dirty="0"/>
+          </a:p>
+        </p:txBody>
+      </p:sp>
+      <p:sp>
+        <p:nvSpPr>
+          <p:cNvPr id="4" name="Slide Number Placeholder 3"/>
+          <p:cNvSpPr>
+            <a:spLocks noGrp="1"/>
+          </p:cNvSpPr>
+          <p:nvPr>
+            <p:ph type="sldNum" sz="quarter" idx="5"/>
+          </p:nvPr>
+        </p:nvSpPr>
+        <p:spPr/>
+        <p:txBody>
+          <a:bodyPr/>
+          <a:lstStyle/>
+          <a:p>
+            <a:pPr>
+              <a:defRPr/>
+            </a:pPr>
+            <a:fld id="{2D79A34B-C44D-4220-934B-CC7B195F42AD}" type="slidenum">
+              <a:rPr lang="de-DE" altLang="de-DE" smtClean="0"/>
+              <a:pPr>
+                <a:defRPr/>
+              </a:pPr>
+              <a:t>5</a:t>
+            </a:fld>
+            <a:endParaRPr lang="de-DE" altLang="de-DE"/>
+          </a:p>
+        </p:txBody>
+      </p:sp>
+    </p:spTree>
+    <p:extLst>
+      <p:ext uri="{BB962C8B-B14F-4D97-AF65-F5344CB8AC3E}">
+        <p14:creationId xmlns:p14="http://schemas.microsoft.com/office/powerpoint/2010/main" val="1308221389"/>
+      </p:ext>
+    </p:extLst>
+  </p:cSld>
+  <p:clrMapOvr>
+    <a:masterClrMapping/>
+  </p:clrMapOvr>
+</p:notes>
+</file>
+
+<file path=ppt/notesSlides/notesSlide2.xml><?xml version="1.0" encoding="utf-8"?>
+<p:notes xmlns:a="http://schemas.openxmlformats.org/drawingml/2006/main" xmlns:r="http://schemas.openxmlformats.org/officeDocument/2006/relationships" xmlns:p="http://schemas.openxmlformats.org/presentationml/2006/main">
+  <p:cSld>
+    <p:spTree>
+      <p:nvGrpSpPr>
+        <p:cNvPr id="1" name=""/>
+        <p:cNvGrpSpPr/>
+        <p:nvPr/>
+      </p:nvGrpSpPr>
+      <p:grpSpPr>
+        <a:xfrm>
+          <a:off x="0" y="0"/>
+          <a:ext cx="0" cy="0"/>
+          <a:chOff x="0" y="0"/>
+          <a:chExt cx="0" cy="0"/>
+        </a:xfrm>
+      </p:grpSpPr>
+      <p:sp>
+        <p:nvSpPr>
+          <p:cNvPr id="2" name="Slide Image Placeholder 1"/>
+          <p:cNvSpPr>
+            <a:spLocks noGrp="1" noRot="1" noChangeAspect="1"/>
+          </p:cNvSpPr>
+          <p:nvPr>
+            <p:ph type="sldImg"/>
+          </p:nvPr>
+        </p:nvSpPr>
+        <p:spPr/>
+      </p:sp>
+      <p:sp>
+        <p:nvSpPr>
+          <p:cNvPr id="3" name="Notes Placeholder 2"/>
+          <p:cNvSpPr>
+            <a:spLocks noGrp="1"/>
+          </p:cNvSpPr>
+          <p:nvPr>
+            <p:ph type="body" idx="1"/>
+          </p:nvPr>
+        </p:nvSpPr>
+        <p:spPr/>
+        <p:txBody>
+          <a:bodyPr/>
+          <a:lstStyle/>
+          <a:p>
+            <a:r>
+              <a:rPr lang="en-GB" dirty="0"/>
+              <a:t>Hick Task 100 per Condition</a:t>
+            </a:r>
+          </a:p>
+          <a:p>
+            <a:r>
+              <a:rPr lang="en-GB" dirty="0"/>
+              <a:t>Sternberg: 100 per Condition</a:t>
+            </a:r>
+          </a:p>
+          <a:p>
+            <a:r>
+              <a:rPr lang="en-GB" dirty="0"/>
+              <a:t>Posner: 300 per Condition</a:t>
+            </a:r>
+          </a:p>
+        </p:txBody>
+      </p:sp>
+      <p:sp>
+        <p:nvSpPr>
+          <p:cNvPr id="4" name="Slide Number Placeholder 3"/>
+          <p:cNvSpPr>
+            <a:spLocks noGrp="1"/>
+          </p:cNvSpPr>
+          <p:nvPr>
+            <p:ph type="sldNum" sz="quarter" idx="5"/>
+          </p:nvPr>
+        </p:nvSpPr>
+        <p:spPr/>
+        <p:txBody>
+          <a:bodyPr/>
+          <a:lstStyle/>
+          <a:p>
+            <a:pPr>
+              <a:defRPr/>
+            </a:pPr>
+            <a:fld id="{2D79A34B-C44D-4220-934B-CC7B195F42AD}" type="slidenum">
+              <a:rPr lang="de-DE" altLang="de-DE" smtClean="0"/>
+              <a:pPr>
+                <a:defRPr/>
+              </a:pPr>
+              <a:t>9</a:t>
+            </a:fld>
+            <a:endParaRPr lang="de-DE" altLang="de-DE"/>
+          </a:p>
+        </p:txBody>
+      </p:sp>
+    </p:spTree>
+    <p:extLst>
+      <p:ext uri="{BB962C8B-B14F-4D97-AF65-F5344CB8AC3E}">
+        <p14:creationId xmlns:p14="http://schemas.microsoft.com/office/powerpoint/2010/main" val="2572845928"/>
+      </p:ext>
+    </p:extLst>
+  </p:cSld>
+  <p:clrMapOvr>
+    <a:masterClrMapping/>
+  </p:clrMapOvr>
+</p:notes>
 </file>
 
 <file path=ppt/slideLayouts/slideLayout1.xml><?xml version="1.0" encoding="utf-8"?>
@@ -7958,56 +8266,60 @@
           <a:lstStyle/>
           <a:p>
             <a:br>
-              <a:rPr lang="en-GB" dirty="0"/>
+              <a:rPr lang="en-GB" sz="3000" dirty="0"/>
             </a:br>
             <a:r>
-              <a:rPr lang="en-GB" dirty="0" err="1"/>
+              <a:rPr lang="en-GB" sz="3000" dirty="0" err="1"/>
               <a:t>Wer</a:t>
             </a:r>
             <a:r>
-              <a:rPr lang="en-GB" dirty="0"/>
+              <a:rPr lang="en-GB" sz="3000" dirty="0"/>
               <a:t> </a:t>
             </a:r>
             <a:r>
-              <a:rPr lang="en-GB" dirty="0" err="1"/>
+              <a:rPr lang="en-GB" sz="3000" dirty="0" err="1"/>
               <a:t>nicht</a:t>
             </a:r>
             <a:r>
-              <a:rPr lang="en-GB" dirty="0"/>
+              <a:rPr lang="en-GB" sz="3000" dirty="0"/>
               <a:t> </a:t>
             </a:r>
             <a:r>
-              <a:rPr lang="en-GB" dirty="0" err="1"/>
+              <a:rPr lang="en-GB" sz="3000" dirty="0" err="1"/>
               <a:t>hüpft</a:t>
             </a:r>
             <a:r>
-              <a:rPr lang="en-GB" dirty="0"/>
+              <a:rPr lang="en-GB" sz="3000" dirty="0"/>
               <a:t> </a:t>
             </a:r>
             <a:r>
-              <a:rPr lang="en-GB" dirty="0" err="1"/>
+              <a:rPr lang="en-GB" sz="3000" dirty="0" err="1"/>
               <a:t>ist</a:t>
             </a:r>
             <a:r>
-              <a:rPr lang="en-GB" dirty="0"/>
+              <a:rPr lang="en-GB" sz="3000" dirty="0"/>
               <a:t> </a:t>
             </a:r>
             <a:r>
-              <a:rPr lang="en-GB" dirty="0" err="1"/>
+              <a:rPr lang="en-GB" sz="3000" dirty="0" err="1"/>
               <a:t>Offenbacher</a:t>
             </a:r>
             <a:r>
-              <a:rPr lang="en-GB" dirty="0"/>
-              <a:t>! </a:t>
+              <a:rPr lang="en-GB" sz="3000" dirty="0"/>
+              <a:t>!</a:t>
             </a:r>
             <a:br>
-              <a:rPr lang="en-GB" dirty="0"/>
+              <a:rPr lang="en-GB" sz="3000" dirty="0"/>
             </a:br>
+            <a:r>
+              <a:rPr lang="en-GB" sz="3000" dirty="0"/>
+              <a:t> </a:t>
+            </a:r>
             <a:br>
-              <a:rPr lang="en-GB" dirty="0"/>
+              <a:rPr lang="en-GB" sz="3000" dirty="0"/>
             </a:br>
             <a:r>
-              <a:rPr lang="en-GB" dirty="0" err="1">
+              <a:rPr lang="en-GB" sz="2500" dirty="0" err="1">
                 <a:solidFill>
                   <a:schemeClr val="bg1">
                     <a:lumMod val="50000"/>
@@ -8017,7 +8329,7 @@
               <a:t>Größere</a:t>
             </a:r>
             <a:r>
-              <a:rPr lang="en-GB" dirty="0">
+              <a:rPr lang="en-GB" sz="2500" dirty="0">
                 <a:solidFill>
                   <a:schemeClr val="bg1">
                     <a:lumMod val="50000"/>
@@ -8027,7 +8339,7 @@
               <a:t> </a:t>
             </a:r>
             <a:r>
-              <a:rPr lang="en-GB" dirty="0" err="1">
+              <a:rPr lang="en-GB" sz="2500" dirty="0" err="1">
                 <a:solidFill>
                   <a:schemeClr val="bg1">
                     <a:lumMod val="50000"/>
@@ -8037,7 +8349,7 @@
               <a:t>Sprünge</a:t>
             </a:r>
             <a:r>
-              <a:rPr lang="en-GB" dirty="0">
+              <a:rPr lang="en-GB" sz="2500" dirty="0">
                 <a:solidFill>
                   <a:schemeClr val="bg1">
                     <a:lumMod val="50000"/>
@@ -8047,7 +8359,7 @@
               <a:t> in der </a:t>
             </a:r>
             <a:r>
-              <a:rPr lang="en-GB" dirty="0" err="1">
+              <a:rPr lang="en-GB" sz="2500" dirty="0" err="1">
                 <a:solidFill>
                   <a:schemeClr val="bg1">
                     <a:lumMod val="50000"/>
@@ -8057,7 +8369,7 @@
               <a:t>Evidenzakkumulation</a:t>
             </a:r>
             <a:r>
-              <a:rPr lang="en-GB" dirty="0">
+              <a:rPr lang="en-GB" sz="2500" dirty="0">
                 <a:solidFill>
                   <a:schemeClr val="bg1">
                     <a:lumMod val="50000"/>
@@ -8067,7 +8379,7 @@
               <a:t> </a:t>
             </a:r>
             <a:r>
-              <a:rPr lang="en-GB" dirty="0" err="1">
+              <a:rPr lang="en-GB" sz="2500" dirty="0" err="1">
                 <a:solidFill>
                   <a:schemeClr val="bg1">
                     <a:lumMod val="50000"/>
@@ -8077,7 +8389,7 @@
               <a:t>sind</a:t>
             </a:r>
             <a:r>
-              <a:rPr lang="en-GB" dirty="0">
+              <a:rPr lang="en-GB" sz="2500" dirty="0">
                 <a:solidFill>
                   <a:schemeClr val="bg1">
                     <a:lumMod val="50000"/>
@@ -8087,7 +8399,7 @@
               <a:t> </a:t>
             </a:r>
             <a:r>
-              <a:rPr lang="en-GB" dirty="0" err="1">
+              <a:rPr lang="en-GB" sz="2500" dirty="0" err="1">
                 <a:solidFill>
                   <a:schemeClr val="bg1">
                     <a:lumMod val="50000"/>
@@ -8097,7 +8409,7 @@
               <a:t>mit</a:t>
             </a:r>
             <a:r>
-              <a:rPr lang="en-GB" dirty="0">
+              <a:rPr lang="en-GB" sz="2500" dirty="0">
                 <a:solidFill>
                   <a:schemeClr val="bg1">
                     <a:lumMod val="50000"/>
@@ -8107,7 +8419,7 @@
               <a:t> </a:t>
             </a:r>
             <a:r>
-              <a:rPr lang="en-GB" dirty="0" err="1">
+              <a:rPr lang="en-GB" sz="2500" dirty="0" err="1">
                 <a:solidFill>
                   <a:schemeClr val="bg1">
                     <a:lumMod val="50000"/>
@@ -8117,7 +8429,7 @@
               <a:t>höherer</a:t>
             </a:r>
             <a:r>
-              <a:rPr lang="en-GB" dirty="0">
+              <a:rPr lang="en-GB" sz="2500" dirty="0">
                 <a:solidFill>
                   <a:schemeClr val="bg1">
                     <a:lumMod val="50000"/>
@@ -8127,7 +8439,7 @@
               <a:t> </a:t>
             </a:r>
             <a:r>
-              <a:rPr lang="en-GB" dirty="0" err="1">
+              <a:rPr lang="en-GB" sz="2500" dirty="0" err="1">
                 <a:solidFill>
                   <a:schemeClr val="bg1">
                     <a:lumMod val="50000"/>
@@ -8137,7 +8449,7 @@
               <a:t>Intelligenz</a:t>
             </a:r>
             <a:r>
-              <a:rPr lang="en-GB" dirty="0">
+              <a:rPr lang="en-GB" sz="2500" dirty="0">
                 <a:solidFill>
                   <a:schemeClr val="bg1">
                     <a:lumMod val="50000"/>
@@ -8147,7 +8459,7 @@
               <a:t> </a:t>
             </a:r>
             <a:r>
-              <a:rPr lang="en-GB" dirty="0" err="1">
+              <a:rPr lang="en-GB" sz="2500" dirty="0" err="1">
                 <a:solidFill>
                   <a:schemeClr val="bg1">
                     <a:lumMod val="50000"/>
@@ -8157,7 +8469,7 @@
               <a:t>assoziiert</a:t>
             </a:r>
             <a:r>
-              <a:rPr lang="en-GB" dirty="0">
+              <a:rPr lang="en-GB" sz="2500" dirty="0">
                 <a:solidFill>
                   <a:schemeClr val="bg1">
                     <a:lumMod val="50000"/>
@@ -8167,9 +8479,9 @@
               <a:t>.</a:t>
             </a:r>
             <a:br>
-              <a:rPr lang="en-GB" dirty="0"/>
+              <a:rPr lang="en-GB" sz="3000" dirty="0"/>
             </a:br>
-            <a:endParaRPr lang="en-GB" dirty="0"/>
+            <a:endParaRPr lang="en-GB" sz="3000" dirty="0"/>
           </a:p>
         </p:txBody>
       </p:sp>
@@ -8208,7 +8520,7 @@
           <p:cNvPr id="2" name="Title 1">
             <a:extLst>
               <a:ext uri="{FF2B5EF4-FFF2-40B4-BE49-F238E27FC236}">
-                <a16:creationId xmlns:a16="http://schemas.microsoft.com/office/drawing/2014/main" id="{366B0929-4D63-4935-BC68-DCEE86A5F21C}"/>
+                <a16:creationId xmlns:a16="http://schemas.microsoft.com/office/drawing/2014/main" id="{F8653DD3-9460-4409-9C0F-A0393C82D2E9}"/>
               </a:ext>
             </a:extLst>
           </p:cNvPr>
@@ -8226,13 +8538,139 @@
           <a:p>
             <a:r>
               <a:rPr lang="en-GB" dirty="0" err="1"/>
-              <a:t>Ergebnisse</a:t>
+              <a:t>Methode</a:t>
+            </a:r>
+            <a:endParaRPr lang="en-GB" dirty="0"/>
+          </a:p>
+        </p:txBody>
+      </p:sp>
+      <p:sp>
+        <p:nvSpPr>
+          <p:cNvPr id="3" name="Content Placeholder 2">
+            <a:extLst>
+              <a:ext uri="{FF2B5EF4-FFF2-40B4-BE49-F238E27FC236}">
+                <a16:creationId xmlns:a16="http://schemas.microsoft.com/office/drawing/2014/main" id="{60B00827-0487-4DD7-8F90-F59882DBC876}"/>
+              </a:ext>
+            </a:extLst>
+          </p:cNvPr>
+          <p:cNvSpPr>
+            <a:spLocks noGrp="1"/>
+          </p:cNvSpPr>
+          <p:nvPr>
+            <p:ph idx="1"/>
+          </p:nvPr>
+        </p:nvSpPr>
+        <p:spPr/>
+        <p:txBody>
+          <a:bodyPr/>
+          <a:lstStyle/>
+          <a:p>
+            <a:r>
+              <a:rPr lang="en-GB" dirty="0" err="1"/>
+              <a:t>Parametrisierung</a:t>
+            </a:r>
+            <a:r>
+              <a:rPr lang="en-GB" dirty="0"/>
+              <a:t> der </a:t>
+            </a:r>
+            <a:r>
+              <a:rPr lang="en-GB" dirty="0" err="1"/>
+              <a:t>Modellparameter</a:t>
+            </a:r>
+            <a:r>
+              <a:rPr lang="en-GB" dirty="0"/>
+              <a:t> des Levy-Flight </a:t>
+            </a:r>
+            <a:r>
+              <a:rPr lang="en-GB" dirty="0" err="1"/>
+              <a:t>Modells</a:t>
             </a:r>
             <a:r>
               <a:rPr lang="en-GB" dirty="0"/>
               <a:t> </a:t>
             </a:r>
           </a:p>
+          <a:p>
+            <a:pPr marL="342900" indent="-342900">
+              <a:buFontTx/>
+              <a:buChar char="-"/>
+            </a:pPr>
+            <a:r>
+              <a:rPr lang="en-GB" dirty="0"/>
+              <a:t>a, v, t0, z = 0.5, alpha, st0</a:t>
+            </a:r>
+          </a:p>
+          <a:p>
+            <a:endParaRPr lang="en-GB" dirty="0"/>
+          </a:p>
+          <a:p>
+            <a:r>
+              <a:rPr lang="en-GB" dirty="0" err="1"/>
+              <a:t>Strukturgleichungsmodell</a:t>
+            </a:r>
+            <a:r>
+              <a:rPr lang="en-GB" dirty="0"/>
+              <a:t> um </a:t>
+            </a:r>
+            <a:r>
+              <a:rPr lang="en-GB" dirty="0" err="1"/>
+              <a:t>latenten</a:t>
+            </a:r>
+            <a:r>
+              <a:rPr lang="en-GB" dirty="0"/>
+              <a:t> </a:t>
+            </a:r>
+            <a:r>
+              <a:rPr lang="en-GB" dirty="0" err="1"/>
+              <a:t>Faktor</a:t>
+            </a:r>
+            <a:r>
+              <a:rPr lang="en-GB" dirty="0"/>
+              <a:t> von alpha </a:t>
+            </a:r>
+            <a:r>
+              <a:rPr lang="en-GB" dirty="0" err="1"/>
+              <a:t>zu</a:t>
+            </a:r>
+            <a:r>
+              <a:rPr lang="en-GB" dirty="0"/>
+              <a:t> </a:t>
+            </a:r>
+            <a:r>
+              <a:rPr lang="en-GB" dirty="0" err="1"/>
+              <a:t>bilden</a:t>
+            </a:r>
+            <a:r>
+              <a:rPr lang="en-GB" dirty="0"/>
+              <a:t>.</a:t>
+            </a:r>
+          </a:p>
+          <a:p>
+            <a:endParaRPr lang="en-GB" dirty="0"/>
+          </a:p>
+          <a:p>
+            <a:r>
+              <a:rPr lang="en-GB" dirty="0" err="1"/>
+              <a:t>Korrelation</a:t>
+            </a:r>
+            <a:r>
+              <a:rPr lang="en-GB" dirty="0"/>
+              <a:t> </a:t>
+            </a:r>
+            <a:r>
+              <a:rPr lang="en-GB" dirty="0" err="1"/>
+              <a:t>mit</a:t>
+            </a:r>
+            <a:r>
+              <a:rPr lang="en-GB" dirty="0"/>
+              <a:t> </a:t>
+            </a:r>
+            <a:r>
+              <a:rPr lang="en-GB" i="1" dirty="0"/>
+              <a:t>g</a:t>
+            </a:r>
+            <a:endParaRPr lang="en-GB" dirty="0"/>
+          </a:p>
         </p:txBody>
       </p:sp>
       <p:sp>
@@ -8240,7 +8678,7 @@
           <p:cNvPr id="4" name="Slide Number Placeholder 3">
             <a:extLst>
               <a:ext uri="{FF2B5EF4-FFF2-40B4-BE49-F238E27FC236}">
-                <a16:creationId xmlns:a16="http://schemas.microsoft.com/office/drawing/2014/main" id="{507D79C0-B13A-4F87-AD41-A3FA70F2F4C9}"/>
+                <a16:creationId xmlns:a16="http://schemas.microsoft.com/office/drawing/2014/main" id="{60B92DC6-7E87-4DCC-8676-688658C052A9}"/>
               </a:ext>
             </a:extLst>
           </p:cNvPr>
@@ -8275,7 +8713,7 @@
           <p:cNvPr id="5" name="Footer Placeholder 4">
             <a:extLst>
               <a:ext uri="{FF2B5EF4-FFF2-40B4-BE49-F238E27FC236}">
-                <a16:creationId xmlns:a16="http://schemas.microsoft.com/office/drawing/2014/main" id="{52446E38-697D-4461-B232-3CD9B85209A9}"/>
+                <a16:creationId xmlns:a16="http://schemas.microsoft.com/office/drawing/2014/main" id="{DE791451-43D5-4D15-A3C7-8C8F4E25845E}"/>
               </a:ext>
             </a:extLst>
           </p:cNvPr>
@@ -8302,45 +8740,10 @@
           </a:p>
         </p:txBody>
       </p:sp>
-      <p:pic>
-        <p:nvPicPr>
-          <p:cNvPr id="10" name="Content Placeholder 9">
-            <a:extLst>
-              <a:ext uri="{FF2B5EF4-FFF2-40B4-BE49-F238E27FC236}">
-                <a16:creationId xmlns:a16="http://schemas.microsoft.com/office/drawing/2014/main" id="{7AD23912-C7E9-4B57-B56A-96214EE9CC3E}"/>
-              </a:ext>
-            </a:extLst>
-          </p:cNvPr>
-          <p:cNvPicPr>
-            <a:picLocks noGrp="1" noChangeAspect="1"/>
-          </p:cNvPicPr>
-          <p:nvPr>
-            <p:ph idx="1"/>
-          </p:nvPr>
-        </p:nvPicPr>
-        <p:blipFill>
-          <a:blip r:embed="rId2">
-            <a:extLst>
-              <a:ext uri="{28A0092B-C50C-407E-A947-70E740481C1C}">
-                <a14:useLocalDpi xmlns:a14="http://schemas.microsoft.com/office/drawing/2010/main" val="0"/>
-              </a:ext>
-            </a:extLst>
-          </a:blip>
-          <a:stretch>
-            <a:fillRect/>
-          </a:stretch>
-        </p:blipFill>
-        <p:spPr>
-          <a:xfrm>
-            <a:off x="215900" y="1845022"/>
-            <a:ext cx="8207375" cy="3942656"/>
-          </a:xfrm>
-        </p:spPr>
-      </p:pic>
     </p:spTree>
     <p:extLst>
       <p:ext uri="{BB962C8B-B14F-4D97-AF65-F5344CB8AC3E}">
-        <p14:creationId xmlns:p14="http://schemas.microsoft.com/office/powerpoint/2010/main" val="238607183"/>
+        <p14:creationId xmlns:p14="http://schemas.microsoft.com/office/powerpoint/2010/main" val="2365849485"/>
       </p:ext>
     </p:extLst>
   </p:cSld>
@@ -8372,7 +8775,7 @@
           <p:cNvPr id="2" name="Title 1">
             <a:extLst>
               <a:ext uri="{FF2B5EF4-FFF2-40B4-BE49-F238E27FC236}">
-                <a16:creationId xmlns:a16="http://schemas.microsoft.com/office/drawing/2014/main" id="{55F718FC-F914-47AE-8321-2E443A41B361}"/>
+                <a16:creationId xmlns:a16="http://schemas.microsoft.com/office/drawing/2014/main" id="{E7C9B57E-0726-42F0-AAE8-935D9DC27331}"/>
               </a:ext>
             </a:extLst>
           </p:cNvPr>
@@ -8389,10 +8792,34 @@
           <a:lstStyle/>
           <a:p>
             <a:r>
-              <a:rPr lang="en-GB" dirty="0" err="1"/>
-              <a:t>Ergebnisse</a:t>
-            </a:r>
-            <a:endParaRPr lang="en-GB" dirty="0"/>
+              <a:rPr lang="en-GB" dirty="0"/>
+              <a:t>Bayes Flow</a:t>
+            </a:r>
+          </a:p>
+        </p:txBody>
+      </p:sp>
+      <p:sp>
+        <p:nvSpPr>
+          <p:cNvPr id="3" name="Content Placeholder 2">
+            <a:extLst>
+              <a:ext uri="{FF2B5EF4-FFF2-40B4-BE49-F238E27FC236}">
+                <a16:creationId xmlns:a16="http://schemas.microsoft.com/office/drawing/2014/main" id="{BE7AF9FE-44D9-40CB-9EAD-4F3623429394}"/>
+              </a:ext>
+            </a:extLst>
+          </p:cNvPr>
+          <p:cNvSpPr>
+            <a:spLocks noGrp="1"/>
+          </p:cNvSpPr>
+          <p:nvPr>
+            <p:ph idx="1"/>
+          </p:nvPr>
+        </p:nvSpPr>
+        <p:spPr/>
+        <p:txBody>
+          <a:bodyPr/>
+          <a:lstStyle/>
+          <a:p>
+            <a:endParaRPr lang="en-GB"/>
           </a:p>
         </p:txBody>
       </p:sp>
@@ -8401,7 +8828,7 @@
           <p:cNvPr id="4" name="Slide Number Placeholder 3">
             <a:extLst>
               <a:ext uri="{FF2B5EF4-FFF2-40B4-BE49-F238E27FC236}">
-                <a16:creationId xmlns:a16="http://schemas.microsoft.com/office/drawing/2014/main" id="{47F60390-EFB0-48AB-8A1D-0DBC3CB3839E}"/>
+                <a16:creationId xmlns:a16="http://schemas.microsoft.com/office/drawing/2014/main" id="{7357BEDF-AD71-427F-9438-410198708D62}"/>
               </a:ext>
             </a:extLst>
           </p:cNvPr>
@@ -8436,7 +8863,7 @@
           <p:cNvPr id="5" name="Footer Placeholder 4">
             <a:extLst>
               <a:ext uri="{FF2B5EF4-FFF2-40B4-BE49-F238E27FC236}">
-                <a16:creationId xmlns:a16="http://schemas.microsoft.com/office/drawing/2014/main" id="{9750D3C8-DB7A-4BA6-B272-E0A442B96B60}"/>
+                <a16:creationId xmlns:a16="http://schemas.microsoft.com/office/drawing/2014/main" id="{ED0A1FDA-99F9-4005-8C63-285F4512DEB0}"/>
               </a:ext>
             </a:extLst>
           </p:cNvPr>
@@ -8456,14 +8883,304 @@
               <a:defRPr/>
             </a:pPr>
             <a:r>
+              <a:rPr lang="de-DE"/>
+              <a:t>Template Matching - Sven Lesche</a:t>
+            </a:r>
+            <a:endParaRPr lang="de-DE" dirty="0"/>
+          </a:p>
+        </p:txBody>
+      </p:sp>
+    </p:spTree>
+    <p:extLst>
+      <p:ext uri="{BB962C8B-B14F-4D97-AF65-F5344CB8AC3E}">
+        <p14:creationId xmlns:p14="http://schemas.microsoft.com/office/powerpoint/2010/main" val="4145911233"/>
+      </p:ext>
+    </p:extLst>
+  </p:cSld>
+  <p:clrMapOvr>
+    <a:masterClrMapping/>
+  </p:clrMapOvr>
+</p:sld>
+</file>
+
+<file path=ppt/slides/slide12.xml><?xml version="1.0" encoding="utf-8"?>
+<p:sld xmlns:a="http://schemas.openxmlformats.org/drawingml/2006/main" xmlns:r="http://schemas.openxmlformats.org/officeDocument/2006/relationships" xmlns:p="http://schemas.openxmlformats.org/presentationml/2006/main">
+  <p:cSld>
+    <p:spTree>
+      <p:nvGrpSpPr>
+        <p:cNvPr id="1" name=""/>
+        <p:cNvGrpSpPr/>
+        <p:nvPr/>
+      </p:nvGrpSpPr>
+      <p:grpSpPr>
+        <a:xfrm>
+          <a:off x="0" y="0"/>
+          <a:ext cx="0" cy="0"/>
+          <a:chOff x="0" y="0"/>
+          <a:chExt cx="0" cy="0"/>
+        </a:xfrm>
+      </p:grpSpPr>
+      <p:sp>
+        <p:nvSpPr>
+          <p:cNvPr id="2" name="Title 1">
+            <a:extLst>
+              <a:ext uri="{FF2B5EF4-FFF2-40B4-BE49-F238E27FC236}">
+                <a16:creationId xmlns:a16="http://schemas.microsoft.com/office/drawing/2014/main" id="{366B0929-4D63-4935-BC68-DCEE86A5F21C}"/>
+              </a:ext>
+            </a:extLst>
+          </p:cNvPr>
+          <p:cNvSpPr>
+            <a:spLocks noGrp="1"/>
+          </p:cNvSpPr>
+          <p:nvPr>
+            <p:ph type="title"/>
+          </p:nvPr>
+        </p:nvSpPr>
+        <p:spPr/>
+        <p:txBody>
+          <a:bodyPr/>
+          <a:lstStyle/>
+          <a:p>
+            <a:r>
+              <a:rPr lang="en-GB" dirty="0" err="1"/>
+              <a:t>Ergebnisse</a:t>
+            </a:r>
+            <a:r>
+              <a:rPr lang="en-GB" dirty="0"/>
+              <a:t> </a:t>
+            </a:r>
+          </a:p>
+        </p:txBody>
+      </p:sp>
+      <p:sp>
+        <p:nvSpPr>
+          <p:cNvPr id="4" name="Slide Number Placeholder 3">
+            <a:extLst>
+              <a:ext uri="{FF2B5EF4-FFF2-40B4-BE49-F238E27FC236}">
+                <a16:creationId xmlns:a16="http://schemas.microsoft.com/office/drawing/2014/main" id="{507D79C0-B13A-4F87-AD41-A3FA70F2F4C9}"/>
+              </a:ext>
+            </a:extLst>
+          </p:cNvPr>
+          <p:cNvSpPr>
+            <a:spLocks noGrp="1"/>
+          </p:cNvSpPr>
+          <p:nvPr>
+            <p:ph type="sldNum" sz="quarter" idx="10"/>
+          </p:nvPr>
+        </p:nvSpPr>
+        <p:spPr/>
+        <p:txBody>
+          <a:bodyPr/>
+          <a:lstStyle/>
+          <a:p>
+            <a:pPr>
+              <a:defRPr/>
+            </a:pPr>
+            <a:fld id="{BFD7839F-DA5C-4C13-94BA-0DC1947AAA90}" type="slidenum">
+              <a:rPr lang="de-DE" altLang="de-DE" smtClean="0"/>
+              <a:pPr>
+                <a:defRPr/>
+              </a:pPr>
+              <a:t>12</a:t>
+            </a:fld>
+            <a:endParaRPr lang="de-DE" altLang="de-DE" dirty="0"/>
+          </a:p>
+        </p:txBody>
+      </p:sp>
+      <p:sp>
+        <p:nvSpPr>
+          <p:cNvPr id="5" name="Footer Placeholder 4">
+            <a:extLst>
+              <a:ext uri="{FF2B5EF4-FFF2-40B4-BE49-F238E27FC236}">
+                <a16:creationId xmlns:a16="http://schemas.microsoft.com/office/drawing/2014/main" id="{52446E38-697D-4461-B232-3CD9B85209A9}"/>
+              </a:ext>
+            </a:extLst>
+          </p:cNvPr>
+          <p:cNvSpPr>
+            <a:spLocks noGrp="1"/>
+          </p:cNvSpPr>
+          <p:nvPr>
+            <p:ph type="ftr" sz="quarter" idx="11"/>
+          </p:nvPr>
+        </p:nvSpPr>
+        <p:spPr/>
+        <p:txBody>
+          <a:bodyPr/>
+          <a:lstStyle/>
+          <a:p>
+            <a:pPr>
+              <a:defRPr/>
+            </a:pPr>
+            <a:r>
+              <a:rPr lang="de-DE"/>
+              <a:t>Template Matching - Sven Lesche</a:t>
+            </a:r>
+            <a:endParaRPr lang="de-DE" dirty="0"/>
+          </a:p>
+        </p:txBody>
+      </p:sp>
+      <p:pic>
+        <p:nvPicPr>
+          <p:cNvPr id="10" name="Content Placeholder 9">
+            <a:extLst>
+              <a:ext uri="{FF2B5EF4-FFF2-40B4-BE49-F238E27FC236}">
+                <a16:creationId xmlns:a16="http://schemas.microsoft.com/office/drawing/2014/main" id="{7AD23912-C7E9-4B57-B56A-96214EE9CC3E}"/>
+              </a:ext>
+            </a:extLst>
+          </p:cNvPr>
+          <p:cNvPicPr>
+            <a:picLocks noGrp="1" noChangeAspect="1"/>
+          </p:cNvPicPr>
+          <p:nvPr>
+            <p:ph idx="1"/>
+          </p:nvPr>
+        </p:nvPicPr>
+        <p:blipFill>
+          <a:blip r:embed="rId2">
+            <a:extLst>
+              <a:ext uri="{28A0092B-C50C-407E-A947-70E740481C1C}">
+                <a14:useLocalDpi xmlns:a14="http://schemas.microsoft.com/office/drawing/2010/main" val="0"/>
+              </a:ext>
+            </a:extLst>
+          </a:blip>
+          <a:stretch>
+            <a:fillRect/>
+          </a:stretch>
+        </p:blipFill>
+        <p:spPr>
+          <a:xfrm>
+            <a:off x="215900" y="1845022"/>
+            <a:ext cx="8207375" cy="3942656"/>
+          </a:xfrm>
+        </p:spPr>
+      </p:pic>
+    </p:spTree>
+    <p:extLst>
+      <p:ext uri="{BB962C8B-B14F-4D97-AF65-F5344CB8AC3E}">
+        <p14:creationId xmlns:p14="http://schemas.microsoft.com/office/powerpoint/2010/main" val="238607183"/>
+      </p:ext>
+    </p:extLst>
+  </p:cSld>
+  <p:clrMapOvr>
+    <a:masterClrMapping/>
+  </p:clrMapOvr>
+</p:sld>
+</file>
+
+<file path=ppt/slides/slide13.xml><?xml version="1.0" encoding="utf-8"?>
+<p:sld xmlns:a="http://schemas.openxmlformats.org/drawingml/2006/main" xmlns:r="http://schemas.openxmlformats.org/officeDocument/2006/relationships" xmlns:p="http://schemas.openxmlformats.org/presentationml/2006/main">
+  <p:cSld>
+    <p:spTree>
+      <p:nvGrpSpPr>
+        <p:cNvPr id="1" name=""/>
+        <p:cNvGrpSpPr/>
+        <p:nvPr/>
+      </p:nvGrpSpPr>
+      <p:grpSpPr>
+        <a:xfrm>
+          <a:off x="0" y="0"/>
+          <a:ext cx="0" cy="0"/>
+          <a:chOff x="0" y="0"/>
+          <a:chExt cx="0" cy="0"/>
+        </a:xfrm>
+      </p:grpSpPr>
+      <p:sp>
+        <p:nvSpPr>
+          <p:cNvPr id="2" name="Title 1">
+            <a:extLst>
+              <a:ext uri="{FF2B5EF4-FFF2-40B4-BE49-F238E27FC236}">
+                <a16:creationId xmlns:a16="http://schemas.microsoft.com/office/drawing/2014/main" id="{55F718FC-F914-47AE-8321-2E443A41B361}"/>
+              </a:ext>
+            </a:extLst>
+          </p:cNvPr>
+          <p:cNvSpPr>
+            <a:spLocks noGrp="1"/>
+          </p:cNvSpPr>
+          <p:nvPr>
+            <p:ph type="title"/>
+          </p:nvPr>
+        </p:nvSpPr>
+        <p:spPr/>
+        <p:txBody>
+          <a:bodyPr/>
+          <a:lstStyle/>
+          <a:p>
+            <a:r>
+              <a:rPr lang="en-GB" dirty="0" err="1"/>
+              <a:t>Ergebnisse</a:t>
+            </a:r>
+            <a:endParaRPr lang="en-GB" dirty="0"/>
+          </a:p>
+        </p:txBody>
+      </p:sp>
+      <p:sp>
+        <p:nvSpPr>
+          <p:cNvPr id="4" name="Slide Number Placeholder 3">
+            <a:extLst>
+              <a:ext uri="{FF2B5EF4-FFF2-40B4-BE49-F238E27FC236}">
+                <a16:creationId xmlns:a16="http://schemas.microsoft.com/office/drawing/2014/main" id="{47F60390-EFB0-48AB-8A1D-0DBC3CB3839E}"/>
+              </a:ext>
+            </a:extLst>
+          </p:cNvPr>
+          <p:cNvSpPr>
+            <a:spLocks noGrp="1"/>
+          </p:cNvSpPr>
+          <p:nvPr>
+            <p:ph type="sldNum" sz="quarter" idx="10"/>
+          </p:nvPr>
+        </p:nvSpPr>
+        <p:spPr/>
+        <p:txBody>
+          <a:bodyPr/>
+          <a:lstStyle/>
+          <a:p>
+            <a:pPr>
+              <a:defRPr/>
+            </a:pPr>
+            <a:fld id="{BFD7839F-DA5C-4C13-94BA-0DC1947AAA90}" type="slidenum">
+              <a:rPr lang="de-DE" altLang="de-DE" smtClean="0"/>
+              <a:pPr>
+                <a:defRPr/>
+              </a:pPr>
+              <a:t>13</a:t>
+            </a:fld>
+            <a:endParaRPr lang="de-DE" altLang="de-DE" dirty="0"/>
+          </a:p>
+        </p:txBody>
+      </p:sp>
+      <p:sp>
+        <p:nvSpPr>
+          <p:cNvPr id="5" name="Footer Placeholder 4">
+            <a:extLst>
+              <a:ext uri="{FF2B5EF4-FFF2-40B4-BE49-F238E27FC236}">
+                <a16:creationId xmlns:a16="http://schemas.microsoft.com/office/drawing/2014/main" id="{9750D3C8-DB7A-4BA6-B272-E0A442B96B60}"/>
+              </a:ext>
+            </a:extLst>
+          </p:cNvPr>
+          <p:cNvSpPr>
+            <a:spLocks noGrp="1"/>
+          </p:cNvSpPr>
+          <p:nvPr>
+            <p:ph type="ftr" sz="quarter" idx="11"/>
+          </p:nvPr>
+        </p:nvSpPr>
+        <p:spPr/>
+        <p:txBody>
+          <a:bodyPr/>
+          <a:lstStyle/>
+          <a:p>
+            <a:pPr>
+              <a:defRPr/>
+            </a:pPr>
+            <a:r>
               <a:rPr lang="de-DE" dirty="0"/>
               <a:t>Template Matching - Sven Lesche</a:t>
             </a:r>
           </a:p>
         </p:txBody>
       </p:sp>
-      <mc:AlternateContent xmlns:mc="http://schemas.openxmlformats.org/markup-compatibility/2006">
-        <mc:Choice xmlns:a14="http://schemas.microsoft.com/office/drawing/2010/main" Requires="a14">
+      <mc:AlternateContent xmlns:mc="http://schemas.openxmlformats.org/markup-compatibility/2006" xmlns:a14="http://schemas.microsoft.com/office/drawing/2010/main">
+        <mc:Choice Requires="a14">
           <p:sp>
             <p:nvSpPr>
               <p:cNvPr id="8" name="TextBox 7">
@@ -8536,7 +9253,7 @@
             </p:txBody>
           </p:sp>
         </mc:Choice>
-        <mc:Fallback>
+        <mc:Fallback xmlns="">
           <p:sp>
             <p:nvSpPr>
               <p:cNvPr id="8" name="TextBox 7">
@@ -8628,7 +9345,7 @@
 </p:sld>
 </file>
 
-<file path=ppt/slides/slide12.xml><?xml version="1.0" encoding="utf-8"?>
+<file path=ppt/slides/slide14.xml><?xml version="1.0" encoding="utf-8"?>
 <p:sld xmlns:a="http://schemas.openxmlformats.org/drawingml/2006/main" xmlns:r="http://schemas.openxmlformats.org/officeDocument/2006/relationships" xmlns:p="http://schemas.openxmlformats.org/presentationml/2006/main">
   <p:cSld>
     <p:spTree>
@@ -8703,7 +9420,7 @@
               <a:pPr>
                 <a:defRPr/>
               </a:pPr>
-              <a:t>12</a:t>
+              <a:t>14</a:t>
             </a:fld>
             <a:endParaRPr lang="de-DE" altLang="de-DE" dirty="0"/>
           </a:p>
@@ -8740,8 +9457,8 @@
           </a:p>
         </p:txBody>
       </p:sp>
-      <mc:AlternateContent xmlns:mc="http://schemas.openxmlformats.org/markup-compatibility/2006">
-        <mc:Choice xmlns:a14="http://schemas.microsoft.com/office/drawing/2010/main" Requires="a14">
+      <mc:AlternateContent xmlns:mc="http://schemas.openxmlformats.org/markup-compatibility/2006" xmlns:a14="http://schemas.microsoft.com/office/drawing/2010/main">
+        <mc:Choice Requires="a14">
           <p:sp>
             <p:nvSpPr>
               <p:cNvPr id="8" name="TextBox 7">
@@ -8814,7 +9531,7 @@
             </p:txBody>
           </p:sp>
         </mc:Choice>
-        <mc:Fallback>
+        <mc:Fallback xmlns="">
           <p:sp>
             <p:nvSpPr>
               <p:cNvPr id="8" name="TextBox 7">
@@ -8906,7 +9623,7 @@
 </p:sld>
 </file>
 
-<file path=ppt/slides/slide13.xml><?xml version="1.0" encoding="utf-8"?>
+<file path=ppt/slides/slide15.xml><?xml version="1.0" encoding="utf-8"?>
 <p:sld xmlns:a="http://schemas.openxmlformats.org/drawingml/2006/main" xmlns:r="http://schemas.openxmlformats.org/officeDocument/2006/relationships" xmlns:p="http://schemas.openxmlformats.org/presentationml/2006/main">
   <p:cSld>
     <p:spTree>
@@ -8981,7 +9698,7 @@
               <a:pPr>
                 <a:defRPr/>
               </a:pPr>
-              <a:t>13</a:t>
+              <a:t>15</a:t>
             </a:fld>
             <a:endParaRPr lang="de-DE" altLang="de-DE" dirty="0"/>
           </a:p>
@@ -9052,8 +9769,8 @@
           </a:xfrm>
         </p:spPr>
       </p:pic>
-      <mc:AlternateContent xmlns:mc="http://schemas.openxmlformats.org/markup-compatibility/2006">
-        <mc:Choice xmlns:a14="http://schemas.microsoft.com/office/drawing/2010/main" Requires="a14">
+      <mc:AlternateContent xmlns:mc="http://schemas.openxmlformats.org/markup-compatibility/2006" xmlns:a14="http://schemas.microsoft.com/office/drawing/2010/main">
+        <mc:Choice Requires="a14">
           <p:sp>
             <p:nvSpPr>
               <p:cNvPr id="8" name="TextBox 7">
@@ -9126,7 +9843,7 @@
             </p:txBody>
           </p:sp>
         </mc:Choice>
-        <mc:Fallback>
+        <mc:Fallback xmlns="">
           <p:sp>
             <p:nvSpPr>
               <p:cNvPr id="8" name="TextBox 7">
@@ -9184,489 +9901,6 @@
 </p:sld>
 </file>
 
-<file path=ppt/slides/slide14.xml><?xml version="1.0" encoding="utf-8"?>
-<p:sld xmlns:a="http://schemas.openxmlformats.org/drawingml/2006/main" xmlns:r="http://schemas.openxmlformats.org/officeDocument/2006/relationships" xmlns:p="http://schemas.openxmlformats.org/presentationml/2006/main">
-  <p:cSld>
-    <p:spTree>
-      <p:nvGrpSpPr>
-        <p:cNvPr id="1" name=""/>
-        <p:cNvGrpSpPr/>
-        <p:nvPr/>
-      </p:nvGrpSpPr>
-      <p:grpSpPr>
-        <a:xfrm>
-          <a:off x="0" y="0"/>
-          <a:ext cx="0" cy="0"/>
-          <a:chOff x="0" y="0"/>
-          <a:chExt cx="0" cy="0"/>
-        </a:xfrm>
-      </p:grpSpPr>
-      <p:sp>
-        <p:nvSpPr>
-          <p:cNvPr id="2" name="Title 1">
-            <a:extLst>
-              <a:ext uri="{FF2B5EF4-FFF2-40B4-BE49-F238E27FC236}">
-                <a16:creationId xmlns:a16="http://schemas.microsoft.com/office/drawing/2014/main" id="{3F2F7E55-CE78-40A7-B5B6-2AC85CBDE4CB}"/>
-              </a:ext>
-            </a:extLst>
-          </p:cNvPr>
-          <p:cNvSpPr>
-            <a:spLocks noGrp="1"/>
-          </p:cNvSpPr>
-          <p:nvPr>
-            <p:ph type="title"/>
-          </p:nvPr>
-        </p:nvSpPr>
-        <p:spPr/>
-        <p:txBody>
-          <a:bodyPr/>
-          <a:lstStyle/>
-          <a:p>
-            <a:r>
-              <a:rPr lang="en-GB" dirty="0"/>
-              <a:t>Was </a:t>
-            </a:r>
-            <a:r>
-              <a:rPr lang="en-GB" dirty="0" err="1"/>
-              <a:t>bedeutet</a:t>
-            </a:r>
-            <a:r>
-              <a:rPr lang="en-GB" dirty="0"/>
-              <a:t> das?</a:t>
-            </a:r>
-          </a:p>
-        </p:txBody>
-      </p:sp>
-      <p:sp>
-        <p:nvSpPr>
-          <p:cNvPr id="3" name="Content Placeholder 2">
-            <a:extLst>
-              <a:ext uri="{FF2B5EF4-FFF2-40B4-BE49-F238E27FC236}">
-                <a16:creationId xmlns:a16="http://schemas.microsoft.com/office/drawing/2014/main" id="{90B94075-D215-472B-BF6F-68425F881C32}"/>
-              </a:ext>
-            </a:extLst>
-          </p:cNvPr>
-          <p:cNvSpPr>
-            <a:spLocks noGrp="1"/>
-          </p:cNvSpPr>
-          <p:nvPr>
-            <p:ph idx="1"/>
-          </p:nvPr>
-        </p:nvSpPr>
-        <p:spPr/>
-        <p:txBody>
-          <a:bodyPr/>
-          <a:lstStyle/>
-          <a:p>
-            <a:r>
-              <a:rPr lang="en-GB" dirty="0"/>
-              <a:t>Alpha negative </a:t>
-            </a:r>
-            <a:r>
-              <a:rPr lang="en-GB" dirty="0" err="1"/>
-              <a:t>korreliert</a:t>
-            </a:r>
-            <a:r>
-              <a:rPr lang="en-GB" dirty="0"/>
-              <a:t> -&gt; </a:t>
-            </a:r>
-            <a:r>
-              <a:rPr lang="en-GB" dirty="0" err="1"/>
-              <a:t>weniger</a:t>
-            </a:r>
-            <a:r>
-              <a:rPr lang="en-GB" dirty="0"/>
-              <a:t> </a:t>
-            </a:r>
-            <a:r>
-              <a:rPr lang="en-GB" dirty="0" err="1"/>
-              <a:t>stabil</a:t>
-            </a:r>
-            <a:r>
-              <a:rPr lang="en-GB" dirty="0"/>
-              <a:t>…</a:t>
-            </a:r>
-          </a:p>
-          <a:p>
-            <a:endParaRPr lang="en-GB" dirty="0"/>
-          </a:p>
-          <a:p>
-            <a:r>
-              <a:rPr lang="en-GB" dirty="0"/>
-              <a:t>Alpha und v </a:t>
-            </a:r>
-            <a:r>
-              <a:rPr lang="en-GB" dirty="0" err="1"/>
-              <a:t>kaum</a:t>
-            </a:r>
-            <a:r>
-              <a:rPr lang="en-GB" dirty="0"/>
-              <a:t> </a:t>
-            </a:r>
-            <a:r>
-              <a:rPr lang="en-GB" dirty="0" err="1"/>
-              <a:t>korreliert</a:t>
-            </a:r>
-            <a:r>
-              <a:rPr lang="en-GB" dirty="0"/>
-              <a:t> </a:t>
-            </a:r>
-          </a:p>
-          <a:p>
-            <a:endParaRPr lang="en-GB" dirty="0"/>
-          </a:p>
-          <a:p>
-            <a:r>
-              <a:rPr lang="en-GB" dirty="0"/>
-              <a:t>Alpha </a:t>
-            </a:r>
-            <a:r>
-              <a:rPr lang="en-GB" dirty="0" err="1"/>
-              <a:t>genau</a:t>
-            </a:r>
-            <a:r>
-              <a:rPr lang="en-GB" dirty="0"/>
-              <a:t> so stark </a:t>
-            </a:r>
-            <a:r>
-              <a:rPr lang="en-GB" dirty="0" err="1"/>
-              <a:t>korreliert</a:t>
-            </a:r>
-            <a:r>
-              <a:rPr lang="en-GB" dirty="0"/>
-              <a:t> </a:t>
-            </a:r>
-            <a:r>
-              <a:rPr lang="en-GB" dirty="0" err="1"/>
-              <a:t>wie</a:t>
-            </a:r>
-            <a:r>
-              <a:rPr lang="en-GB" dirty="0"/>
-              <a:t> v</a:t>
-            </a:r>
-          </a:p>
-          <a:p>
-            <a:endParaRPr lang="en-GB" dirty="0"/>
-          </a:p>
-          <a:p>
-            <a:endParaRPr lang="en-GB" dirty="0"/>
-          </a:p>
-        </p:txBody>
-      </p:sp>
-      <p:sp>
-        <p:nvSpPr>
-          <p:cNvPr id="4" name="Slide Number Placeholder 3">
-            <a:extLst>
-              <a:ext uri="{FF2B5EF4-FFF2-40B4-BE49-F238E27FC236}">
-                <a16:creationId xmlns:a16="http://schemas.microsoft.com/office/drawing/2014/main" id="{11D63F32-D82E-48E2-974D-58E5C0A0962E}"/>
-              </a:ext>
-            </a:extLst>
-          </p:cNvPr>
-          <p:cNvSpPr>
-            <a:spLocks noGrp="1"/>
-          </p:cNvSpPr>
-          <p:nvPr>
-            <p:ph type="sldNum" sz="quarter" idx="10"/>
-          </p:nvPr>
-        </p:nvSpPr>
-        <p:spPr/>
-        <p:txBody>
-          <a:bodyPr/>
-          <a:lstStyle/>
-          <a:p>
-            <a:pPr>
-              <a:defRPr/>
-            </a:pPr>
-            <a:fld id="{BFD7839F-DA5C-4C13-94BA-0DC1947AAA90}" type="slidenum">
-              <a:rPr lang="de-DE" altLang="de-DE" smtClean="0"/>
-              <a:pPr>
-                <a:defRPr/>
-              </a:pPr>
-              <a:t>14</a:t>
-            </a:fld>
-            <a:endParaRPr lang="de-DE" altLang="de-DE" dirty="0"/>
-          </a:p>
-        </p:txBody>
-      </p:sp>
-      <p:sp>
-        <p:nvSpPr>
-          <p:cNvPr id="5" name="Footer Placeholder 4">
-            <a:extLst>
-              <a:ext uri="{FF2B5EF4-FFF2-40B4-BE49-F238E27FC236}">
-                <a16:creationId xmlns:a16="http://schemas.microsoft.com/office/drawing/2014/main" id="{D5E34673-0C27-48C5-9C51-49FB18ADCF5A}"/>
-              </a:ext>
-            </a:extLst>
-          </p:cNvPr>
-          <p:cNvSpPr>
-            <a:spLocks noGrp="1"/>
-          </p:cNvSpPr>
-          <p:nvPr>
-            <p:ph type="ftr" sz="quarter" idx="11"/>
-          </p:nvPr>
-        </p:nvSpPr>
-        <p:spPr/>
-        <p:txBody>
-          <a:bodyPr/>
-          <a:lstStyle/>
-          <a:p>
-            <a:pPr>
-              <a:defRPr/>
-            </a:pPr>
-            <a:r>
-              <a:rPr lang="de-DE"/>
-              <a:t>Template Matching - Sven Lesche</a:t>
-            </a:r>
-            <a:endParaRPr lang="de-DE" dirty="0"/>
-          </a:p>
-        </p:txBody>
-      </p:sp>
-    </p:spTree>
-    <p:extLst>
-      <p:ext uri="{BB962C8B-B14F-4D97-AF65-F5344CB8AC3E}">
-        <p14:creationId xmlns:p14="http://schemas.microsoft.com/office/powerpoint/2010/main" val="878235353"/>
-      </p:ext>
-    </p:extLst>
-  </p:cSld>
-  <p:clrMapOvr>
-    <a:masterClrMapping/>
-  </p:clrMapOvr>
-</p:sld>
-</file>
-
-<file path=ppt/slides/slide15.xml><?xml version="1.0" encoding="utf-8"?>
-<p:sld xmlns:a="http://schemas.openxmlformats.org/drawingml/2006/main" xmlns:r="http://schemas.openxmlformats.org/officeDocument/2006/relationships" xmlns:p="http://schemas.openxmlformats.org/presentationml/2006/main">
-  <p:cSld>
-    <p:spTree>
-      <p:nvGrpSpPr>
-        <p:cNvPr id="1" name=""/>
-        <p:cNvGrpSpPr/>
-        <p:nvPr/>
-      </p:nvGrpSpPr>
-      <p:grpSpPr>
-        <a:xfrm>
-          <a:off x="0" y="0"/>
-          <a:ext cx="0" cy="0"/>
-          <a:chOff x="0" y="0"/>
-          <a:chExt cx="0" cy="0"/>
-        </a:xfrm>
-      </p:grpSpPr>
-      <p:sp>
-        <p:nvSpPr>
-          <p:cNvPr id="2" name="Title 1">
-            <a:extLst>
-              <a:ext uri="{FF2B5EF4-FFF2-40B4-BE49-F238E27FC236}">
-                <a16:creationId xmlns:a16="http://schemas.microsoft.com/office/drawing/2014/main" id="{EF95B3FB-CCB0-4F8A-8C8E-ACDBCEEA132E}"/>
-              </a:ext>
-            </a:extLst>
-          </p:cNvPr>
-          <p:cNvSpPr>
-            <a:spLocks noGrp="1"/>
-          </p:cNvSpPr>
-          <p:nvPr>
-            <p:ph type="title"/>
-          </p:nvPr>
-        </p:nvSpPr>
-        <p:spPr/>
-        <p:txBody>
-          <a:bodyPr/>
-          <a:lstStyle/>
-          <a:p>
-            <a:r>
-              <a:rPr lang="en-GB" dirty="0" err="1"/>
-              <a:t>Limitationen</a:t>
-            </a:r>
-            <a:endParaRPr lang="en-GB" dirty="0"/>
-          </a:p>
-        </p:txBody>
-      </p:sp>
-      <p:sp>
-        <p:nvSpPr>
-          <p:cNvPr id="3" name="Content Placeholder 2">
-            <a:extLst>
-              <a:ext uri="{FF2B5EF4-FFF2-40B4-BE49-F238E27FC236}">
-                <a16:creationId xmlns:a16="http://schemas.microsoft.com/office/drawing/2014/main" id="{297A1FCB-5248-417C-815E-40816280C9AF}"/>
-              </a:ext>
-            </a:extLst>
-          </p:cNvPr>
-          <p:cNvSpPr>
-            <a:spLocks noGrp="1"/>
-          </p:cNvSpPr>
-          <p:nvPr>
-            <p:ph idx="1"/>
-          </p:nvPr>
-        </p:nvSpPr>
-        <p:spPr/>
-        <p:txBody>
-          <a:bodyPr/>
-          <a:lstStyle/>
-          <a:p>
-            <a:r>
-              <a:rPr lang="en-GB" dirty="0"/>
-              <a:t>Aber: model fit…</a:t>
-            </a:r>
-          </a:p>
-          <a:p>
-            <a:endParaRPr lang="en-GB" dirty="0"/>
-          </a:p>
-          <a:p>
-            <a:r>
-              <a:rPr lang="en-GB" dirty="0" err="1"/>
-              <a:t>Richtung</a:t>
-            </a:r>
-            <a:r>
-              <a:rPr lang="en-GB" dirty="0"/>
-              <a:t> </a:t>
-            </a:r>
-            <a:r>
-              <a:rPr lang="en-GB" dirty="0" err="1"/>
-              <a:t>bleibt</a:t>
-            </a:r>
-            <a:r>
-              <a:rPr lang="en-GB" dirty="0"/>
-              <a:t> </a:t>
-            </a:r>
-            <a:r>
-              <a:rPr lang="en-GB" dirty="0" err="1"/>
-              <a:t>aber</a:t>
-            </a:r>
-            <a:r>
-              <a:rPr lang="en-GB" dirty="0"/>
-              <a:t> </a:t>
-            </a:r>
-            <a:r>
-              <a:rPr lang="en-GB" dirty="0" err="1"/>
-              <a:t>klar</a:t>
-            </a:r>
-            <a:endParaRPr lang="en-GB" dirty="0"/>
-          </a:p>
-          <a:p>
-            <a:endParaRPr lang="en-GB" dirty="0"/>
-          </a:p>
-          <a:p>
-            <a:r>
-              <a:rPr lang="en-GB" dirty="0"/>
-              <a:t>Mal </a:t>
-            </a:r>
-            <a:r>
-              <a:rPr lang="en-GB" dirty="0" err="1"/>
-              <a:t>schauen</a:t>
-            </a:r>
-            <a:r>
-              <a:rPr lang="en-GB" dirty="0"/>
-              <a:t>, </a:t>
-            </a:r>
-            <a:r>
-              <a:rPr lang="en-GB" dirty="0" err="1"/>
-              <a:t>wie</a:t>
-            </a:r>
-            <a:r>
-              <a:rPr lang="en-GB" dirty="0"/>
-              <a:t> das in </a:t>
-            </a:r>
-            <a:r>
-              <a:rPr lang="en-GB" dirty="0" err="1"/>
-              <a:t>schwierigen</a:t>
-            </a:r>
-            <a:r>
-              <a:rPr lang="en-GB" dirty="0"/>
-              <a:t> </a:t>
-            </a:r>
-            <a:r>
-              <a:rPr lang="en-GB" dirty="0" err="1"/>
-              <a:t>Aufgaben</a:t>
-            </a:r>
-            <a:r>
-              <a:rPr lang="en-GB" dirty="0"/>
-              <a:t> </a:t>
-            </a:r>
-            <a:r>
-              <a:rPr lang="en-GB" dirty="0" err="1"/>
-              <a:t>aussieht</a:t>
-            </a:r>
-            <a:endParaRPr lang="en-GB" dirty="0"/>
-          </a:p>
-        </p:txBody>
-      </p:sp>
-      <p:sp>
-        <p:nvSpPr>
-          <p:cNvPr id="4" name="Slide Number Placeholder 3">
-            <a:extLst>
-              <a:ext uri="{FF2B5EF4-FFF2-40B4-BE49-F238E27FC236}">
-                <a16:creationId xmlns:a16="http://schemas.microsoft.com/office/drawing/2014/main" id="{48CA12B6-6DF8-4C4D-8FF4-ACE77D6A8EDB}"/>
-              </a:ext>
-            </a:extLst>
-          </p:cNvPr>
-          <p:cNvSpPr>
-            <a:spLocks noGrp="1"/>
-          </p:cNvSpPr>
-          <p:nvPr>
-            <p:ph type="sldNum" sz="quarter" idx="10"/>
-          </p:nvPr>
-        </p:nvSpPr>
-        <p:spPr/>
-        <p:txBody>
-          <a:bodyPr/>
-          <a:lstStyle/>
-          <a:p>
-            <a:pPr>
-              <a:defRPr/>
-            </a:pPr>
-            <a:fld id="{BFD7839F-DA5C-4C13-94BA-0DC1947AAA90}" type="slidenum">
-              <a:rPr lang="de-DE" altLang="de-DE" smtClean="0"/>
-              <a:pPr>
-                <a:defRPr/>
-              </a:pPr>
-              <a:t>15</a:t>
-            </a:fld>
-            <a:endParaRPr lang="de-DE" altLang="de-DE" dirty="0"/>
-          </a:p>
-        </p:txBody>
-      </p:sp>
-      <p:sp>
-        <p:nvSpPr>
-          <p:cNvPr id="5" name="Footer Placeholder 4">
-            <a:extLst>
-              <a:ext uri="{FF2B5EF4-FFF2-40B4-BE49-F238E27FC236}">
-                <a16:creationId xmlns:a16="http://schemas.microsoft.com/office/drawing/2014/main" id="{BED90087-B965-4FBA-9C53-18A7F5A2827F}"/>
-              </a:ext>
-            </a:extLst>
-          </p:cNvPr>
-          <p:cNvSpPr>
-            <a:spLocks noGrp="1"/>
-          </p:cNvSpPr>
-          <p:nvPr>
-            <p:ph type="ftr" sz="quarter" idx="11"/>
-          </p:nvPr>
-        </p:nvSpPr>
-        <p:spPr/>
-        <p:txBody>
-          <a:bodyPr/>
-          <a:lstStyle/>
-          <a:p>
-            <a:pPr>
-              <a:defRPr/>
-            </a:pPr>
-            <a:r>
-              <a:rPr lang="de-DE"/>
-              <a:t>Template Matching - Sven Lesche</a:t>
-            </a:r>
-            <a:endParaRPr lang="de-DE" dirty="0"/>
-          </a:p>
-        </p:txBody>
-      </p:sp>
-    </p:spTree>
-    <p:extLst>
-      <p:ext uri="{BB962C8B-B14F-4D97-AF65-F5344CB8AC3E}">
-        <p14:creationId xmlns:p14="http://schemas.microsoft.com/office/powerpoint/2010/main" val="84882964"/>
-      </p:ext>
-    </p:extLst>
-  </p:cSld>
-  <p:clrMapOvr>
-    <a:masterClrMapping/>
-  </p:clrMapOvr>
-</p:sld>
-</file>
-
 <file path=ppt/slides/slide16.xml><?xml version="1.0" encoding="utf-8"?>
 <p:sld xmlns:a="http://schemas.openxmlformats.org/drawingml/2006/main" xmlns:r="http://schemas.openxmlformats.org/officeDocument/2006/relationships" xmlns:p="http://schemas.openxmlformats.org/presentationml/2006/main">
   <p:cSld>
@@ -9689,7 +9923,7 @@
           <p:cNvPr id="2" name="Title 1">
             <a:extLst>
               <a:ext uri="{FF2B5EF4-FFF2-40B4-BE49-F238E27FC236}">
-                <a16:creationId xmlns:a16="http://schemas.microsoft.com/office/drawing/2014/main" id="{D3B50BC0-6F8D-41F1-9CFA-7E46F5D89E68}"/>
+                <a16:creationId xmlns:a16="http://schemas.microsoft.com/office/drawing/2014/main" id="{3F2F7E55-CE78-40A7-B5B6-2AC85CBDE4CB}"/>
               </a:ext>
             </a:extLst>
           </p:cNvPr>
@@ -9706,10 +9940,17 @@
           <a:lstStyle/>
           <a:p>
             <a:r>
+              <a:rPr lang="en-GB" dirty="0"/>
+              <a:t>Was </a:t>
+            </a:r>
+            <a:r>
               <a:rPr lang="en-GB" dirty="0" err="1"/>
-              <a:t>Referenzen</a:t>
-            </a:r>
-            <a:endParaRPr lang="en-GB" dirty="0"/>
+              <a:t>bedeutet</a:t>
+            </a:r>
+            <a:r>
+              <a:rPr lang="en-GB" dirty="0"/>
+              <a:t> das?</a:t>
+            </a:r>
           </a:p>
         </p:txBody>
       </p:sp>
@@ -9718,7 +9959,7 @@
           <p:cNvPr id="3" name="Content Placeholder 2">
             <a:extLst>
               <a:ext uri="{FF2B5EF4-FFF2-40B4-BE49-F238E27FC236}">
-                <a16:creationId xmlns:a16="http://schemas.microsoft.com/office/drawing/2014/main" id="{7FE8FECA-6BCA-4541-B5A2-B70B410DBDD6}"/>
+                <a16:creationId xmlns:a16="http://schemas.microsoft.com/office/drawing/2014/main" id="{90B94075-D215-472B-BF6F-68425F881C32}"/>
               </a:ext>
             </a:extLst>
           </p:cNvPr>
@@ -9734,7 +9975,127 @@
           <a:bodyPr/>
           <a:lstStyle/>
           <a:p>
-            <a:endParaRPr lang="en-GB"/>
+            <a:r>
+              <a:rPr lang="en-GB" dirty="0"/>
+              <a:t>Alpha negative </a:t>
+            </a:r>
+            <a:r>
+              <a:rPr lang="en-GB" dirty="0" err="1"/>
+              <a:t>korreliert</a:t>
+            </a:r>
+            <a:r>
+              <a:rPr lang="en-GB" dirty="0"/>
+              <a:t> -&gt; </a:t>
+            </a:r>
+            <a:r>
+              <a:rPr lang="en-GB" dirty="0" err="1"/>
+              <a:t>weniger</a:t>
+            </a:r>
+            <a:r>
+              <a:rPr lang="en-GB" dirty="0"/>
+              <a:t> </a:t>
+            </a:r>
+            <a:r>
+              <a:rPr lang="en-GB" dirty="0" err="1"/>
+              <a:t>stabil</a:t>
+            </a:r>
+            <a:r>
+              <a:rPr lang="en-GB" dirty="0"/>
+              <a:t>…</a:t>
+            </a:r>
+          </a:p>
+          <a:p>
+            <a:endParaRPr lang="en-GB" dirty="0"/>
+          </a:p>
+          <a:p>
+            <a:r>
+              <a:rPr lang="en-GB" dirty="0"/>
+              <a:t>Alpha und v </a:t>
+            </a:r>
+            <a:r>
+              <a:rPr lang="en-GB" dirty="0" err="1"/>
+              <a:t>kaum</a:t>
+            </a:r>
+            <a:r>
+              <a:rPr lang="en-GB" dirty="0"/>
+              <a:t> </a:t>
+            </a:r>
+            <a:r>
+              <a:rPr lang="en-GB" dirty="0" err="1"/>
+              <a:t>korreliert</a:t>
+            </a:r>
+            <a:r>
+              <a:rPr lang="en-GB" dirty="0"/>
+              <a:t> </a:t>
+            </a:r>
+          </a:p>
+          <a:p>
+            <a:endParaRPr lang="en-GB" dirty="0"/>
+          </a:p>
+          <a:p>
+            <a:r>
+              <a:rPr lang="en-GB" dirty="0"/>
+              <a:t>Alpha </a:t>
+            </a:r>
+            <a:r>
+              <a:rPr lang="en-GB" dirty="0" err="1"/>
+              <a:t>genau</a:t>
+            </a:r>
+            <a:r>
+              <a:rPr lang="en-GB" dirty="0"/>
+              <a:t> so stark </a:t>
+            </a:r>
+            <a:r>
+              <a:rPr lang="en-GB" dirty="0" err="1"/>
+              <a:t>korreliert</a:t>
+            </a:r>
+            <a:r>
+              <a:rPr lang="en-GB" dirty="0"/>
+              <a:t> </a:t>
+            </a:r>
+            <a:r>
+              <a:rPr lang="en-GB" dirty="0" err="1"/>
+              <a:t>wie</a:t>
+            </a:r>
+            <a:r>
+              <a:rPr lang="en-GB" dirty="0"/>
+              <a:t> v</a:t>
+            </a:r>
+          </a:p>
+          <a:p>
+            <a:endParaRPr lang="en-GB" dirty="0"/>
+          </a:p>
+          <a:p>
+            <a:r>
+              <a:rPr lang="en-GB" dirty="0" err="1"/>
+              <a:t>Kann</a:t>
+            </a:r>
+            <a:r>
+              <a:rPr lang="en-GB" dirty="0"/>
+              <a:t> Alpha </a:t>
+            </a:r>
+            <a:r>
+              <a:rPr lang="en-GB" dirty="0" err="1"/>
+              <a:t>Variabilität</a:t>
+            </a:r>
+            <a:r>
+              <a:rPr lang="en-GB" dirty="0"/>
+              <a:t> </a:t>
+            </a:r>
+            <a:r>
+              <a:rPr lang="en-GB" dirty="0" err="1"/>
+              <a:t>modellieren</a:t>
+            </a:r>
+            <a:r>
+              <a:rPr lang="en-GB" dirty="0"/>
+              <a:t>?</a:t>
+            </a:r>
+          </a:p>
+          <a:p>
+            <a:endParaRPr lang="en-GB" dirty="0"/>
+          </a:p>
+          <a:p>
+            <a:endParaRPr lang="en-GB" dirty="0"/>
           </a:p>
         </p:txBody>
       </p:sp>
@@ -9743,7 +10104,7 @@
           <p:cNvPr id="4" name="Slide Number Placeholder 3">
             <a:extLst>
               <a:ext uri="{FF2B5EF4-FFF2-40B4-BE49-F238E27FC236}">
-                <a16:creationId xmlns:a16="http://schemas.microsoft.com/office/drawing/2014/main" id="{0137B619-D85A-444F-ACC7-5643511CB572}"/>
+                <a16:creationId xmlns:a16="http://schemas.microsoft.com/office/drawing/2014/main" id="{11D63F32-D82E-48E2-974D-58E5C0A0962E}"/>
               </a:ext>
             </a:extLst>
           </p:cNvPr>
@@ -9778,7 +10139,7 @@
           <p:cNvPr id="5" name="Footer Placeholder 4">
             <a:extLst>
               <a:ext uri="{FF2B5EF4-FFF2-40B4-BE49-F238E27FC236}">
-                <a16:creationId xmlns:a16="http://schemas.microsoft.com/office/drawing/2014/main" id="{8D583B10-FE33-4120-953F-21B278068935}"/>
+                <a16:creationId xmlns:a16="http://schemas.microsoft.com/office/drawing/2014/main" id="{D5E34673-0C27-48C5-9C51-49FB18ADCF5A}"/>
               </a:ext>
             </a:extLst>
           </p:cNvPr>
@@ -9808,7 +10169,7 @@
     </p:spTree>
     <p:extLst>
       <p:ext uri="{BB962C8B-B14F-4D97-AF65-F5344CB8AC3E}">
-        <p14:creationId xmlns:p14="http://schemas.microsoft.com/office/powerpoint/2010/main" val="2098020814"/>
+        <p14:creationId xmlns:p14="http://schemas.microsoft.com/office/powerpoint/2010/main" val="878235353"/>
       </p:ext>
     </p:extLst>
   </p:cSld>
@@ -9840,7 +10201,7 @@
           <p:cNvPr id="2" name="Title 1">
             <a:extLst>
               <a:ext uri="{FF2B5EF4-FFF2-40B4-BE49-F238E27FC236}">
-                <a16:creationId xmlns:a16="http://schemas.microsoft.com/office/drawing/2014/main" id="{1FC9893D-A041-4C43-BBDB-A41FD3CE7DBF}"/>
+                <a16:creationId xmlns:a16="http://schemas.microsoft.com/office/drawing/2014/main" id="{EF95B3FB-CCB0-4F8A-8C8E-ACDBCEEA132E}"/>
               </a:ext>
             </a:extLst>
           </p:cNvPr>
@@ -9858,52 +10219,126 @@
           <a:p>
             <a:r>
               <a:rPr lang="en-GB" dirty="0" err="1"/>
-              <a:t>Korrelationsmatrix</a:t>
+              <a:t>Limitationen</a:t>
             </a:r>
             <a:endParaRPr lang="en-GB" dirty="0"/>
           </a:p>
         </p:txBody>
       </p:sp>
-      <p:pic>
-        <p:nvPicPr>
-          <p:cNvPr id="7" name="Content Placeholder 6">
+      <p:sp>
+        <p:nvSpPr>
+          <p:cNvPr id="3" name="Content Placeholder 2">
             <a:extLst>
               <a:ext uri="{FF2B5EF4-FFF2-40B4-BE49-F238E27FC236}">
-                <a16:creationId xmlns:a16="http://schemas.microsoft.com/office/drawing/2014/main" id="{9475ECD4-E6E9-4915-A536-1083E18CB291}"/>
+                <a16:creationId xmlns:a16="http://schemas.microsoft.com/office/drawing/2014/main" id="{297A1FCB-5248-417C-815E-40816280C9AF}"/>
               </a:ext>
             </a:extLst>
           </p:cNvPr>
-          <p:cNvPicPr>
-            <a:picLocks noGrp="1" noChangeAspect="1"/>
-          </p:cNvPicPr>
+          <p:cNvSpPr>
+            <a:spLocks noGrp="1"/>
+          </p:cNvSpPr>
           <p:nvPr>
             <p:ph idx="1"/>
           </p:nvPr>
-        </p:nvPicPr>
-        <p:blipFill rotWithShape="1">
-          <a:blip r:embed="rId2">
-            <a:extLst>
-              <a:ext uri="{28A0092B-C50C-407E-A947-70E740481C1C}">
-                <a14:useLocalDpi xmlns:a14="http://schemas.microsoft.com/office/drawing/2010/main" val="0"/>
-              </a:ext>
-            </a:extLst>
-          </a:blip>
-          <a:srcRect l="28575" t="8411" r="27534" b="3785"/>
-          <a:stretch/>
-        </p:blipFill>
-        <p:spPr>
-          <a:xfrm>
-            <a:off x="1823285" y="1188569"/>
-            <a:ext cx="4994192" cy="4799356"/>
-          </a:xfrm>
-        </p:spPr>
-      </p:pic>
+        </p:nvSpPr>
+        <p:spPr/>
+        <p:txBody>
+          <a:bodyPr/>
+          <a:lstStyle/>
+          <a:p>
+            <a:r>
+              <a:rPr lang="en-GB" dirty="0"/>
+              <a:t>Aber: model fit…</a:t>
+            </a:r>
+          </a:p>
+          <a:p>
+            <a:endParaRPr lang="en-GB" dirty="0"/>
+          </a:p>
+          <a:p>
+            <a:r>
+              <a:rPr lang="en-GB" dirty="0" err="1"/>
+              <a:t>Richtung</a:t>
+            </a:r>
+            <a:r>
+              <a:rPr lang="en-GB" dirty="0"/>
+              <a:t> </a:t>
+            </a:r>
+            <a:r>
+              <a:rPr lang="en-GB" dirty="0" err="1"/>
+              <a:t>bleibt</a:t>
+            </a:r>
+            <a:r>
+              <a:rPr lang="en-GB" dirty="0"/>
+              <a:t> </a:t>
+            </a:r>
+            <a:r>
+              <a:rPr lang="en-GB" dirty="0" err="1"/>
+              <a:t>aber</a:t>
+            </a:r>
+            <a:r>
+              <a:rPr lang="en-GB" dirty="0"/>
+              <a:t> </a:t>
+            </a:r>
+            <a:r>
+              <a:rPr lang="en-GB" dirty="0" err="1"/>
+              <a:t>klar</a:t>
+            </a:r>
+            <a:endParaRPr lang="en-GB" dirty="0"/>
+          </a:p>
+          <a:p>
+            <a:endParaRPr lang="en-GB" dirty="0"/>
+          </a:p>
+          <a:p>
+            <a:r>
+              <a:rPr lang="en-GB" dirty="0"/>
+              <a:t>Mal </a:t>
+            </a:r>
+            <a:r>
+              <a:rPr lang="en-GB" dirty="0" err="1"/>
+              <a:t>schauen</a:t>
+            </a:r>
+            <a:r>
+              <a:rPr lang="en-GB" dirty="0"/>
+              <a:t>, </a:t>
+            </a:r>
+            <a:r>
+              <a:rPr lang="en-GB" dirty="0" err="1"/>
+              <a:t>wie</a:t>
+            </a:r>
+            <a:r>
+              <a:rPr lang="en-GB" dirty="0"/>
+              <a:t> das in </a:t>
+            </a:r>
+            <a:r>
+              <a:rPr lang="en-GB" dirty="0" err="1"/>
+              <a:t>schwierigen</a:t>
+            </a:r>
+            <a:r>
+              <a:rPr lang="en-GB" dirty="0"/>
+              <a:t> </a:t>
+            </a:r>
+            <a:r>
+              <a:rPr lang="en-GB" dirty="0" err="1"/>
+              <a:t>Aufgaben</a:t>
+            </a:r>
+            <a:r>
+              <a:rPr lang="en-GB" dirty="0"/>
+              <a:t> </a:t>
+            </a:r>
+            <a:r>
+              <a:rPr lang="en-GB" dirty="0" err="1"/>
+              <a:t>aussieht</a:t>
+            </a:r>
+            <a:endParaRPr lang="en-GB" dirty="0"/>
+          </a:p>
+        </p:txBody>
+      </p:sp>
       <p:sp>
         <p:nvSpPr>
           <p:cNvPr id="4" name="Slide Number Placeholder 3">
             <a:extLst>
               <a:ext uri="{FF2B5EF4-FFF2-40B4-BE49-F238E27FC236}">
-                <a16:creationId xmlns:a16="http://schemas.microsoft.com/office/drawing/2014/main" id="{85E6A3A9-2A54-4DA4-A52D-0FAA0714711E}"/>
+                <a16:creationId xmlns:a16="http://schemas.microsoft.com/office/drawing/2014/main" id="{48CA12B6-6DF8-4C4D-8FF4-ACE77D6A8EDB}"/>
               </a:ext>
             </a:extLst>
           </p:cNvPr>
@@ -9938,7 +10373,7 @@
           <p:cNvPr id="5" name="Footer Placeholder 4">
             <a:extLst>
               <a:ext uri="{FF2B5EF4-FFF2-40B4-BE49-F238E27FC236}">
-                <a16:creationId xmlns:a16="http://schemas.microsoft.com/office/drawing/2014/main" id="{F120ACAD-B4EB-45C6-96F0-6800F0C6FF8C}"/>
+                <a16:creationId xmlns:a16="http://schemas.microsoft.com/office/drawing/2014/main" id="{BED90087-B965-4FBA-9C53-18A7F5A2827F}"/>
               </a:ext>
             </a:extLst>
           </p:cNvPr>
@@ -9968,7 +10403,7 @@
     </p:spTree>
     <p:extLst>
       <p:ext uri="{BB962C8B-B14F-4D97-AF65-F5344CB8AC3E}">
-        <p14:creationId xmlns:p14="http://schemas.microsoft.com/office/powerpoint/2010/main" val="2906963703"/>
+        <p14:creationId xmlns:p14="http://schemas.microsoft.com/office/powerpoint/2010/main" val="84882964"/>
       </p:ext>
     </p:extLst>
   </p:cSld>
@@ -10000,7 +10435,7 @@
           <p:cNvPr id="2" name="Title 1">
             <a:extLst>
               <a:ext uri="{FF2B5EF4-FFF2-40B4-BE49-F238E27FC236}">
-                <a16:creationId xmlns:a16="http://schemas.microsoft.com/office/drawing/2014/main" id="{5324BE47-D7E2-451B-BD63-7849D2924EF2}"/>
+                <a16:creationId xmlns:a16="http://schemas.microsoft.com/office/drawing/2014/main" id="{D3B50BC0-6F8D-41F1-9CFA-7E46F5D89E68}"/>
               </a:ext>
             </a:extLst>
           </p:cNvPr>
@@ -10017,9 +10452,35 @@
           <a:lstStyle/>
           <a:p>
             <a:r>
-              <a:rPr lang="en-GB" dirty="0"/>
-              <a:t>Model Checks: Bias</a:t>
-            </a:r>
+              <a:rPr lang="en-GB" dirty="0" err="1"/>
+              <a:t>Referenzen</a:t>
+            </a:r>
+            <a:endParaRPr lang="en-GB" dirty="0"/>
+          </a:p>
+        </p:txBody>
+      </p:sp>
+      <p:sp>
+        <p:nvSpPr>
+          <p:cNvPr id="3" name="Content Placeholder 2">
+            <a:extLst>
+              <a:ext uri="{FF2B5EF4-FFF2-40B4-BE49-F238E27FC236}">
+                <a16:creationId xmlns:a16="http://schemas.microsoft.com/office/drawing/2014/main" id="{7FE8FECA-6BCA-4541-B5A2-B70B410DBDD6}"/>
+              </a:ext>
+            </a:extLst>
+          </p:cNvPr>
+          <p:cNvSpPr>
+            <a:spLocks noGrp="1"/>
+          </p:cNvSpPr>
+          <p:nvPr>
+            <p:ph idx="1"/>
+          </p:nvPr>
+        </p:nvSpPr>
+        <p:spPr/>
+        <p:txBody>
+          <a:bodyPr/>
+          <a:lstStyle/>
+          <a:p>
+            <a:endParaRPr lang="en-GB"/>
           </a:p>
         </p:txBody>
       </p:sp>
@@ -10028,7 +10489,7 @@
           <p:cNvPr id="4" name="Slide Number Placeholder 3">
             <a:extLst>
               <a:ext uri="{FF2B5EF4-FFF2-40B4-BE49-F238E27FC236}">
-                <a16:creationId xmlns:a16="http://schemas.microsoft.com/office/drawing/2014/main" id="{2616A68B-E1DE-430F-BFA1-C742BB75D719}"/>
+                <a16:creationId xmlns:a16="http://schemas.microsoft.com/office/drawing/2014/main" id="{0137B619-D85A-444F-ACC7-5643511CB572}"/>
               </a:ext>
             </a:extLst>
           </p:cNvPr>
@@ -10053,6 +10514,660 @@
                 <a:defRPr/>
               </a:pPr>
               <a:t>18</a:t>
+            </a:fld>
+            <a:endParaRPr lang="de-DE" altLang="de-DE" dirty="0"/>
+          </a:p>
+        </p:txBody>
+      </p:sp>
+      <p:sp>
+        <p:nvSpPr>
+          <p:cNvPr id="5" name="Footer Placeholder 4">
+            <a:extLst>
+              <a:ext uri="{FF2B5EF4-FFF2-40B4-BE49-F238E27FC236}">
+                <a16:creationId xmlns:a16="http://schemas.microsoft.com/office/drawing/2014/main" id="{8D583B10-FE33-4120-953F-21B278068935}"/>
+              </a:ext>
+            </a:extLst>
+          </p:cNvPr>
+          <p:cNvSpPr>
+            <a:spLocks noGrp="1"/>
+          </p:cNvSpPr>
+          <p:nvPr>
+            <p:ph type="ftr" sz="quarter" idx="11"/>
+          </p:nvPr>
+        </p:nvSpPr>
+        <p:spPr/>
+        <p:txBody>
+          <a:bodyPr/>
+          <a:lstStyle/>
+          <a:p>
+            <a:pPr>
+              <a:defRPr/>
+            </a:pPr>
+            <a:r>
+              <a:rPr lang="de-DE"/>
+              <a:t>Template Matching - Sven Lesche</a:t>
+            </a:r>
+            <a:endParaRPr lang="de-DE" dirty="0"/>
+          </a:p>
+        </p:txBody>
+      </p:sp>
+    </p:spTree>
+    <p:extLst>
+      <p:ext uri="{BB962C8B-B14F-4D97-AF65-F5344CB8AC3E}">
+        <p14:creationId xmlns:p14="http://schemas.microsoft.com/office/powerpoint/2010/main" val="2098020814"/>
+      </p:ext>
+    </p:extLst>
+  </p:cSld>
+  <p:clrMapOvr>
+    <a:masterClrMapping/>
+  </p:clrMapOvr>
+</p:sld>
+</file>
+
+<file path=ppt/slides/slide19.xml><?xml version="1.0" encoding="utf-8"?>
+<p:sld xmlns:a="http://schemas.openxmlformats.org/drawingml/2006/main" xmlns:r="http://schemas.openxmlformats.org/officeDocument/2006/relationships" xmlns:p="http://schemas.openxmlformats.org/presentationml/2006/main">
+  <p:cSld>
+    <p:spTree>
+      <p:nvGrpSpPr>
+        <p:cNvPr id="1" name=""/>
+        <p:cNvGrpSpPr/>
+        <p:nvPr/>
+      </p:nvGrpSpPr>
+      <p:grpSpPr>
+        <a:xfrm>
+          <a:off x="0" y="0"/>
+          <a:ext cx="0" cy="0"/>
+          <a:chOff x="0" y="0"/>
+          <a:chExt cx="0" cy="0"/>
+        </a:xfrm>
+      </p:grpSpPr>
+      <p:sp>
+        <p:nvSpPr>
+          <p:cNvPr id="2" name="Title 1">
+            <a:extLst>
+              <a:ext uri="{FF2B5EF4-FFF2-40B4-BE49-F238E27FC236}">
+                <a16:creationId xmlns:a16="http://schemas.microsoft.com/office/drawing/2014/main" id="{1FC9893D-A041-4C43-BBDB-A41FD3CE7DBF}"/>
+              </a:ext>
+            </a:extLst>
+          </p:cNvPr>
+          <p:cNvSpPr>
+            <a:spLocks noGrp="1"/>
+          </p:cNvSpPr>
+          <p:nvPr>
+            <p:ph type="title"/>
+          </p:nvPr>
+        </p:nvSpPr>
+        <p:spPr/>
+        <p:txBody>
+          <a:bodyPr/>
+          <a:lstStyle/>
+          <a:p>
+            <a:r>
+              <a:rPr lang="en-GB" dirty="0" err="1"/>
+              <a:t>Korrelationsmatrix</a:t>
+            </a:r>
+            <a:endParaRPr lang="en-GB" dirty="0"/>
+          </a:p>
+        </p:txBody>
+      </p:sp>
+      <p:pic>
+        <p:nvPicPr>
+          <p:cNvPr id="7" name="Content Placeholder 6">
+            <a:extLst>
+              <a:ext uri="{FF2B5EF4-FFF2-40B4-BE49-F238E27FC236}">
+                <a16:creationId xmlns:a16="http://schemas.microsoft.com/office/drawing/2014/main" id="{9475ECD4-E6E9-4915-A536-1083E18CB291}"/>
+              </a:ext>
+            </a:extLst>
+          </p:cNvPr>
+          <p:cNvPicPr>
+            <a:picLocks noGrp="1" noChangeAspect="1"/>
+          </p:cNvPicPr>
+          <p:nvPr>
+            <p:ph idx="1"/>
+          </p:nvPr>
+        </p:nvPicPr>
+        <p:blipFill rotWithShape="1">
+          <a:blip r:embed="rId2">
+            <a:extLst>
+              <a:ext uri="{28A0092B-C50C-407E-A947-70E740481C1C}">
+                <a14:useLocalDpi xmlns:a14="http://schemas.microsoft.com/office/drawing/2010/main" val="0"/>
+              </a:ext>
+            </a:extLst>
+          </a:blip>
+          <a:srcRect l="28575" t="8411" r="27534" b="3785"/>
+          <a:stretch/>
+        </p:blipFill>
+        <p:spPr>
+          <a:xfrm>
+            <a:off x="1823285" y="1188569"/>
+            <a:ext cx="4994192" cy="4799356"/>
+          </a:xfrm>
+        </p:spPr>
+      </p:pic>
+      <p:sp>
+        <p:nvSpPr>
+          <p:cNvPr id="4" name="Slide Number Placeholder 3">
+            <a:extLst>
+              <a:ext uri="{FF2B5EF4-FFF2-40B4-BE49-F238E27FC236}">
+                <a16:creationId xmlns:a16="http://schemas.microsoft.com/office/drawing/2014/main" id="{85E6A3A9-2A54-4DA4-A52D-0FAA0714711E}"/>
+              </a:ext>
+            </a:extLst>
+          </p:cNvPr>
+          <p:cNvSpPr>
+            <a:spLocks noGrp="1"/>
+          </p:cNvSpPr>
+          <p:nvPr>
+            <p:ph type="sldNum" sz="quarter" idx="10"/>
+          </p:nvPr>
+        </p:nvSpPr>
+        <p:spPr/>
+        <p:txBody>
+          <a:bodyPr/>
+          <a:lstStyle/>
+          <a:p>
+            <a:pPr>
+              <a:defRPr/>
+            </a:pPr>
+            <a:fld id="{BFD7839F-DA5C-4C13-94BA-0DC1947AAA90}" type="slidenum">
+              <a:rPr lang="de-DE" altLang="de-DE" smtClean="0"/>
+              <a:pPr>
+                <a:defRPr/>
+              </a:pPr>
+              <a:t>19</a:t>
+            </a:fld>
+            <a:endParaRPr lang="de-DE" altLang="de-DE" dirty="0"/>
+          </a:p>
+        </p:txBody>
+      </p:sp>
+      <p:sp>
+        <p:nvSpPr>
+          <p:cNvPr id="5" name="Footer Placeholder 4">
+            <a:extLst>
+              <a:ext uri="{FF2B5EF4-FFF2-40B4-BE49-F238E27FC236}">
+                <a16:creationId xmlns:a16="http://schemas.microsoft.com/office/drawing/2014/main" id="{F120ACAD-B4EB-45C6-96F0-6800F0C6FF8C}"/>
+              </a:ext>
+            </a:extLst>
+          </p:cNvPr>
+          <p:cNvSpPr>
+            <a:spLocks noGrp="1"/>
+          </p:cNvSpPr>
+          <p:nvPr>
+            <p:ph type="ftr" sz="quarter" idx="11"/>
+          </p:nvPr>
+        </p:nvSpPr>
+        <p:spPr/>
+        <p:txBody>
+          <a:bodyPr/>
+          <a:lstStyle/>
+          <a:p>
+            <a:pPr>
+              <a:defRPr/>
+            </a:pPr>
+            <a:r>
+              <a:rPr lang="de-DE"/>
+              <a:t>Template Matching - Sven Lesche</a:t>
+            </a:r>
+            <a:endParaRPr lang="de-DE" dirty="0"/>
+          </a:p>
+        </p:txBody>
+      </p:sp>
+    </p:spTree>
+    <p:extLst>
+      <p:ext uri="{BB962C8B-B14F-4D97-AF65-F5344CB8AC3E}">
+        <p14:creationId xmlns:p14="http://schemas.microsoft.com/office/powerpoint/2010/main" val="2906963703"/>
+      </p:ext>
+    </p:extLst>
+  </p:cSld>
+  <p:clrMapOvr>
+    <a:masterClrMapping/>
+  </p:clrMapOvr>
+</p:sld>
+</file>
+
+<file path=ppt/slides/slide2.xml><?xml version="1.0" encoding="utf-8"?>
+<p:sld xmlns:a="http://schemas.openxmlformats.org/drawingml/2006/main" xmlns:r="http://schemas.openxmlformats.org/officeDocument/2006/relationships" xmlns:p="http://schemas.openxmlformats.org/presentationml/2006/main">
+  <p:cSld>
+    <p:spTree>
+      <p:nvGrpSpPr>
+        <p:cNvPr id="1" name=""/>
+        <p:cNvGrpSpPr/>
+        <p:nvPr/>
+      </p:nvGrpSpPr>
+      <p:grpSpPr>
+        <a:xfrm>
+          <a:off x="0" y="0"/>
+          <a:ext cx="0" cy="0"/>
+          <a:chOff x="0" y="0"/>
+          <a:chExt cx="0" cy="0"/>
+        </a:xfrm>
+      </p:grpSpPr>
+      <p:sp>
+        <p:nvSpPr>
+          <p:cNvPr id="8" name="Title 7">
+            <a:extLst>
+              <a:ext uri="{FF2B5EF4-FFF2-40B4-BE49-F238E27FC236}">
+                <a16:creationId xmlns:a16="http://schemas.microsoft.com/office/drawing/2014/main" id="{595E4C6F-1B3E-4A35-BEE6-6C3D5514BE7C}"/>
+              </a:ext>
+            </a:extLst>
+          </p:cNvPr>
+          <p:cNvSpPr>
+            <a:spLocks noGrp="1"/>
+          </p:cNvSpPr>
+          <p:nvPr>
+            <p:ph type="title"/>
+          </p:nvPr>
+        </p:nvSpPr>
+        <p:spPr/>
+        <p:txBody>
+          <a:bodyPr/>
+          <a:lstStyle/>
+          <a:p>
+            <a:r>
+              <a:rPr lang="en-GB" dirty="0"/>
+              <a:t>Was </a:t>
+            </a:r>
+            <a:r>
+              <a:rPr lang="en-GB" dirty="0" err="1"/>
+              <a:t>wir</a:t>
+            </a:r>
+            <a:r>
+              <a:rPr lang="en-GB" dirty="0"/>
+              <a:t> </a:t>
+            </a:r>
+            <a:r>
+              <a:rPr lang="en-GB" dirty="0" err="1"/>
+              <a:t>heute</a:t>
+            </a:r>
+            <a:r>
+              <a:rPr lang="en-GB" dirty="0"/>
+              <a:t> </a:t>
+            </a:r>
+            <a:r>
+              <a:rPr lang="en-GB" dirty="0" err="1"/>
+              <a:t>machen</a:t>
+            </a:r>
+            <a:endParaRPr lang="en-GB" dirty="0"/>
+          </a:p>
+        </p:txBody>
+      </p:sp>
+      <p:sp>
+        <p:nvSpPr>
+          <p:cNvPr id="9" name="Content Placeholder 8">
+            <a:extLst>
+              <a:ext uri="{FF2B5EF4-FFF2-40B4-BE49-F238E27FC236}">
+                <a16:creationId xmlns:a16="http://schemas.microsoft.com/office/drawing/2014/main" id="{EABB7D74-580B-48BF-A259-57436079F27B}"/>
+              </a:ext>
+            </a:extLst>
+          </p:cNvPr>
+          <p:cNvSpPr>
+            <a:spLocks noGrp="1"/>
+          </p:cNvSpPr>
+          <p:nvPr>
+            <p:ph idx="1"/>
+          </p:nvPr>
+        </p:nvSpPr>
+        <p:spPr/>
+        <p:txBody>
+          <a:bodyPr/>
+          <a:lstStyle/>
+          <a:p>
+            <a:endParaRPr lang="en-GB" dirty="0"/>
+          </a:p>
+        </p:txBody>
+      </p:sp>
+      <p:sp>
+        <p:nvSpPr>
+          <p:cNvPr id="4" name="Slide Number Placeholder 3">
+            <a:extLst>
+              <a:ext uri="{FF2B5EF4-FFF2-40B4-BE49-F238E27FC236}">
+                <a16:creationId xmlns:a16="http://schemas.microsoft.com/office/drawing/2014/main" id="{D9BE6B81-C00A-42F8-91FC-F9D582F02DC1}"/>
+              </a:ext>
+            </a:extLst>
+          </p:cNvPr>
+          <p:cNvSpPr>
+            <a:spLocks noGrp="1"/>
+          </p:cNvSpPr>
+          <p:nvPr>
+            <p:ph type="sldNum" sz="quarter" idx="10"/>
+          </p:nvPr>
+        </p:nvSpPr>
+        <p:spPr/>
+        <p:txBody>
+          <a:bodyPr/>
+          <a:lstStyle/>
+          <a:p>
+            <a:pPr>
+              <a:defRPr/>
+            </a:pPr>
+            <a:fld id="{07ADABD5-AC19-49BC-8CBF-BA3469C652F7}" type="slidenum">
+              <a:rPr lang="de-DE" altLang="de-DE" smtClean="0"/>
+              <a:pPr>
+                <a:defRPr/>
+              </a:pPr>
+              <a:t>2</a:t>
+            </a:fld>
+            <a:endParaRPr lang="de-DE" altLang="de-DE"/>
+          </a:p>
+        </p:txBody>
+      </p:sp>
+      <p:sp>
+        <p:nvSpPr>
+          <p:cNvPr id="5" name="Footer Placeholder 4">
+            <a:extLst>
+              <a:ext uri="{FF2B5EF4-FFF2-40B4-BE49-F238E27FC236}">
+                <a16:creationId xmlns:a16="http://schemas.microsoft.com/office/drawing/2014/main" id="{97A39351-AB3F-4679-A903-5BF7F3B4FD30}"/>
+              </a:ext>
+            </a:extLst>
+          </p:cNvPr>
+          <p:cNvSpPr>
+            <a:spLocks noGrp="1"/>
+          </p:cNvSpPr>
+          <p:nvPr>
+            <p:ph type="ftr" sz="quarter" idx="11"/>
+          </p:nvPr>
+        </p:nvSpPr>
+        <p:spPr/>
+        <p:txBody>
+          <a:bodyPr/>
+          <a:lstStyle/>
+          <a:p>
+            <a:pPr>
+              <a:defRPr/>
+            </a:pPr>
+            <a:r>
+              <a:rPr lang="de-DE"/>
+              <a:t>Template Matching - Sven Lesche</a:t>
+            </a:r>
+          </a:p>
+        </p:txBody>
+      </p:sp>
+      <p:pic>
+        <p:nvPicPr>
+          <p:cNvPr id="1026" name="Picture 2" descr="Fränkische Schweiz: Spielplatz Plankenfels">
+            <a:extLst>
+              <a:ext uri="{FF2B5EF4-FFF2-40B4-BE49-F238E27FC236}">
+                <a16:creationId xmlns:a16="http://schemas.microsoft.com/office/drawing/2014/main" id="{B9B51751-C274-40FD-83BE-20293051ED6C}"/>
+              </a:ext>
+            </a:extLst>
+          </p:cNvPr>
+          <p:cNvPicPr>
+            <a:picLocks noChangeAspect="1" noChangeArrowheads="1"/>
+          </p:cNvPicPr>
+          <p:nvPr/>
+        </p:nvPicPr>
+        <p:blipFill>
+          <a:blip r:embed="rId2">
+            <a:extLst>
+              <a:ext uri="{28A0092B-C50C-407E-A947-70E740481C1C}">
+                <a14:useLocalDpi xmlns:a14="http://schemas.microsoft.com/office/drawing/2010/main" val="0"/>
+              </a:ext>
+            </a:extLst>
+          </a:blip>
+          <a:srcRect/>
+          <a:stretch>
+            <a:fillRect/>
+          </a:stretch>
+        </p:blipFill>
+        <p:spPr bwMode="auto">
+          <a:xfrm>
+            <a:off x="936005" y="1257236"/>
+            <a:ext cx="7077712" cy="4718908"/>
+          </a:xfrm>
+          <a:prstGeom prst="rect">
+            <a:avLst/>
+          </a:prstGeom>
+          <a:noFill/>
+          <a:extLst>
+            <a:ext uri="{909E8E84-426E-40DD-AFC4-6F175D3DCCD1}">
+              <a14:hiddenFill xmlns:a14="http://schemas.microsoft.com/office/drawing/2010/main">
+                <a:solidFill>
+                  <a:srgbClr val="FFFFFF"/>
+                </a:solidFill>
+              </a14:hiddenFill>
+            </a:ext>
+          </a:extLst>
+        </p:spPr>
+      </p:pic>
+    </p:spTree>
+    <p:extLst>
+      <p:ext uri="{BB962C8B-B14F-4D97-AF65-F5344CB8AC3E}">
+        <p14:creationId xmlns:p14="http://schemas.microsoft.com/office/powerpoint/2010/main" val="726084389"/>
+      </p:ext>
+    </p:extLst>
+  </p:cSld>
+  <p:clrMapOvr>
+    <a:masterClrMapping/>
+  </p:clrMapOvr>
+  <p:timing>
+    <p:tnLst>
+      <p:par>
+        <p:cTn id="1" dur="indefinite" restart="never" nodeType="tmRoot">
+          <p:childTnLst>
+            <p:seq concurrent="1" nextAc="seek">
+              <p:cTn id="2" dur="indefinite" nodeType="mainSeq">
+                <p:childTnLst>
+                  <p:par>
+                    <p:cTn id="3" fill="hold">
+                      <p:stCondLst>
+                        <p:cond delay="indefinite"/>
+                      </p:stCondLst>
+                      <p:childTnLst>
+                        <p:par>
+                          <p:cTn id="4" fill="hold">
+                            <p:stCondLst>
+                              <p:cond delay="0"/>
+                            </p:stCondLst>
+                            <p:childTnLst>
+                              <p:par>
+                                <p:cTn id="5" presetID="31" presetClass="entr" presetSubtype="0" fill="hold" nodeType="clickEffect">
+                                  <p:stCondLst>
+                                    <p:cond delay="0"/>
+                                  </p:stCondLst>
+                                  <p:childTnLst>
+                                    <p:set>
+                                      <p:cBhvr>
+                                        <p:cTn id="6" dur="1" fill="hold">
+                                          <p:stCondLst>
+                                            <p:cond delay="0"/>
+                                          </p:stCondLst>
+                                        </p:cTn>
+                                        <p:tgtEl>
+                                          <p:spTgt spid="1026"/>
+                                        </p:tgtEl>
+                                        <p:attrNameLst>
+                                          <p:attrName>style.visibility</p:attrName>
+                                        </p:attrNameLst>
+                                      </p:cBhvr>
+                                      <p:to>
+                                        <p:strVal val="visible"/>
+                                      </p:to>
+                                    </p:set>
+                                    <p:anim calcmode="lin" valueType="num">
+                                      <p:cBhvr>
+                                        <p:cTn id="7" dur="2500" fill="hold"/>
+                                        <p:tgtEl>
+                                          <p:spTgt spid="1026"/>
+                                        </p:tgtEl>
+                                        <p:attrNameLst>
+                                          <p:attrName>ppt_w</p:attrName>
+                                        </p:attrNameLst>
+                                      </p:cBhvr>
+                                      <p:tavLst>
+                                        <p:tav tm="0">
+                                          <p:val>
+                                            <p:fltVal val="0"/>
+                                          </p:val>
+                                        </p:tav>
+                                        <p:tav tm="100000">
+                                          <p:val>
+                                            <p:strVal val="#ppt_w"/>
+                                          </p:val>
+                                        </p:tav>
+                                      </p:tavLst>
+                                    </p:anim>
+                                    <p:anim calcmode="lin" valueType="num">
+                                      <p:cBhvr>
+                                        <p:cTn id="8" dur="2500" fill="hold"/>
+                                        <p:tgtEl>
+                                          <p:spTgt spid="1026"/>
+                                        </p:tgtEl>
+                                        <p:attrNameLst>
+                                          <p:attrName>ppt_h</p:attrName>
+                                        </p:attrNameLst>
+                                      </p:cBhvr>
+                                      <p:tavLst>
+                                        <p:tav tm="0">
+                                          <p:val>
+                                            <p:fltVal val="0"/>
+                                          </p:val>
+                                        </p:tav>
+                                        <p:tav tm="100000">
+                                          <p:val>
+                                            <p:strVal val="#ppt_h"/>
+                                          </p:val>
+                                        </p:tav>
+                                      </p:tavLst>
+                                    </p:anim>
+                                    <p:anim calcmode="lin" valueType="num">
+                                      <p:cBhvr>
+                                        <p:cTn id="9" dur="2500" fill="hold"/>
+                                        <p:tgtEl>
+                                          <p:spTgt spid="1026"/>
+                                        </p:tgtEl>
+                                        <p:attrNameLst>
+                                          <p:attrName>style.rotation</p:attrName>
+                                        </p:attrNameLst>
+                                      </p:cBhvr>
+                                      <p:tavLst>
+                                        <p:tav tm="0">
+                                          <p:val>
+                                            <p:fltVal val="90"/>
+                                          </p:val>
+                                        </p:tav>
+                                        <p:tav tm="100000">
+                                          <p:val>
+                                            <p:fltVal val="0"/>
+                                          </p:val>
+                                        </p:tav>
+                                      </p:tavLst>
+                                    </p:anim>
+                                    <p:animEffect transition="in" filter="fade">
+                                      <p:cBhvr>
+                                        <p:cTn id="10" dur="2500"/>
+                                        <p:tgtEl>
+                                          <p:spTgt spid="1026"/>
+                                        </p:tgtEl>
+                                      </p:cBhvr>
+                                    </p:animEffect>
+                                  </p:childTnLst>
+                                </p:cTn>
+                              </p:par>
+                            </p:childTnLst>
+                          </p:cTn>
+                        </p:par>
+                      </p:childTnLst>
+                    </p:cTn>
+                  </p:par>
+                </p:childTnLst>
+              </p:cTn>
+              <p:prevCondLst>
+                <p:cond evt="onPrev" delay="0">
+                  <p:tgtEl>
+                    <p:sldTgt/>
+                  </p:tgtEl>
+                </p:cond>
+              </p:prevCondLst>
+              <p:nextCondLst>
+                <p:cond evt="onNext" delay="0">
+                  <p:tgtEl>
+                    <p:sldTgt/>
+                  </p:tgtEl>
+                </p:cond>
+              </p:nextCondLst>
+            </p:seq>
+          </p:childTnLst>
+        </p:cTn>
+      </p:par>
+    </p:tnLst>
+  </p:timing>
+</p:sld>
+</file>
+
+<file path=ppt/slides/slide20.xml><?xml version="1.0" encoding="utf-8"?>
+<p:sld xmlns:a="http://schemas.openxmlformats.org/drawingml/2006/main" xmlns:r="http://schemas.openxmlformats.org/officeDocument/2006/relationships" xmlns:p="http://schemas.openxmlformats.org/presentationml/2006/main">
+  <p:cSld>
+    <p:spTree>
+      <p:nvGrpSpPr>
+        <p:cNvPr id="1" name=""/>
+        <p:cNvGrpSpPr/>
+        <p:nvPr/>
+      </p:nvGrpSpPr>
+      <p:grpSpPr>
+        <a:xfrm>
+          <a:off x="0" y="0"/>
+          <a:ext cx="0" cy="0"/>
+          <a:chOff x="0" y="0"/>
+          <a:chExt cx="0" cy="0"/>
+        </a:xfrm>
+      </p:grpSpPr>
+      <p:sp>
+        <p:nvSpPr>
+          <p:cNvPr id="2" name="Title 1">
+            <a:extLst>
+              <a:ext uri="{FF2B5EF4-FFF2-40B4-BE49-F238E27FC236}">
+                <a16:creationId xmlns:a16="http://schemas.microsoft.com/office/drawing/2014/main" id="{5324BE47-D7E2-451B-BD63-7849D2924EF2}"/>
+              </a:ext>
+            </a:extLst>
+          </p:cNvPr>
+          <p:cNvSpPr>
+            <a:spLocks noGrp="1"/>
+          </p:cNvSpPr>
+          <p:nvPr>
+            <p:ph type="title"/>
+          </p:nvPr>
+        </p:nvSpPr>
+        <p:spPr/>
+        <p:txBody>
+          <a:bodyPr/>
+          <a:lstStyle/>
+          <a:p>
+            <a:r>
+              <a:rPr lang="en-GB" dirty="0"/>
+              <a:t>Model Checks: Bias</a:t>
+            </a:r>
+          </a:p>
+        </p:txBody>
+      </p:sp>
+      <p:sp>
+        <p:nvSpPr>
+          <p:cNvPr id="4" name="Slide Number Placeholder 3">
+            <a:extLst>
+              <a:ext uri="{FF2B5EF4-FFF2-40B4-BE49-F238E27FC236}">
+                <a16:creationId xmlns:a16="http://schemas.microsoft.com/office/drawing/2014/main" id="{2616A68B-E1DE-430F-BFA1-C742BB75D719}"/>
+              </a:ext>
+            </a:extLst>
+          </p:cNvPr>
+          <p:cNvSpPr>
+            <a:spLocks noGrp="1"/>
+          </p:cNvSpPr>
+          <p:nvPr>
+            <p:ph type="sldNum" sz="quarter" idx="10"/>
+          </p:nvPr>
+        </p:nvSpPr>
+        <p:spPr/>
+        <p:txBody>
+          <a:bodyPr/>
+          <a:lstStyle/>
+          <a:p>
+            <a:pPr>
+              <a:defRPr/>
+            </a:pPr>
+            <a:fld id="{BFD7839F-DA5C-4C13-94BA-0DC1947AAA90}" type="slidenum">
+              <a:rPr lang="de-DE" altLang="de-DE" smtClean="0"/>
+              <a:pPr>
+                <a:defRPr/>
+              </a:pPr>
+              <a:t>20</a:t>
             </a:fld>
             <a:endParaRPr lang="de-DE" altLang="de-DE" dirty="0"/>
           </a:p>
@@ -10162,7 +11277,7 @@
 </p:sld>
 </file>
 
-<file path=ppt/slides/slide19.xml><?xml version="1.0" encoding="utf-8"?>
+<file path=ppt/slides/slide21.xml><?xml version="1.0" encoding="utf-8"?>
 <p:sld xmlns:a="http://schemas.openxmlformats.org/drawingml/2006/main" xmlns:r="http://schemas.openxmlformats.org/officeDocument/2006/relationships" xmlns:p="http://schemas.openxmlformats.org/presentationml/2006/main">
   <p:cSld>
     <p:spTree>
@@ -10264,7 +11379,7 @@
               <a:pPr>
                 <a:defRPr/>
               </a:pPr>
-              <a:t>19</a:t>
+              <a:t>21</a:t>
             </a:fld>
             <a:endParaRPr lang="de-DE" altLang="de-DE" dirty="0"/>
           </a:p>
@@ -10368,7 +11483,7 @@
 </p:sld>
 </file>
 
-<file path=ppt/slides/slide2.xml><?xml version="1.0" encoding="utf-8"?>
+<file path=ppt/slides/slide22.xml><?xml version="1.0" encoding="utf-8"?>
 <p:sld xmlns:a="http://schemas.openxmlformats.org/drawingml/2006/main" xmlns:r="http://schemas.openxmlformats.org/officeDocument/2006/relationships" xmlns:p="http://schemas.openxmlformats.org/presentationml/2006/main">
   <p:cSld>
     <p:spTree>
@@ -10387,211 +11502,6 @@
       </p:grpSpPr>
       <p:sp>
         <p:nvSpPr>
-          <p:cNvPr id="6" name="Title 5">
-            <a:extLst>
-              <a:ext uri="{FF2B5EF4-FFF2-40B4-BE49-F238E27FC236}">
-                <a16:creationId xmlns:a16="http://schemas.microsoft.com/office/drawing/2014/main" id="{2DE89248-D00F-4601-9A13-F0B19EEB83B8}"/>
-              </a:ext>
-            </a:extLst>
-          </p:cNvPr>
-          <p:cNvSpPr>
-            <a:spLocks noGrp="1"/>
-          </p:cNvSpPr>
-          <p:nvPr>
-            <p:ph type="title"/>
-          </p:nvPr>
-        </p:nvSpPr>
-        <p:spPr/>
-        <p:txBody>
-          <a:bodyPr/>
-          <a:lstStyle/>
-          <a:p>
-            <a:r>
-              <a:rPr lang="en-GB" dirty="0" err="1"/>
-              <a:t>Mentale</a:t>
-            </a:r>
-            <a:r>
-              <a:rPr lang="en-GB" dirty="0"/>
-              <a:t> </a:t>
-            </a:r>
-            <a:r>
-              <a:rPr lang="en-GB" dirty="0" err="1"/>
-              <a:t>Geschwindigkeit</a:t>
-            </a:r>
-            <a:r>
-              <a:rPr lang="en-GB" dirty="0"/>
-              <a:t> und </a:t>
-            </a:r>
-            <a:r>
-              <a:rPr lang="en-GB" dirty="0" err="1"/>
-              <a:t>Intelligenz</a:t>
-            </a:r>
-            <a:endParaRPr lang="en-GB" dirty="0"/>
-          </a:p>
-        </p:txBody>
-      </p:sp>
-      <p:sp>
-        <p:nvSpPr>
-          <p:cNvPr id="7" name="Content Placeholder 6">
-            <a:extLst>
-              <a:ext uri="{FF2B5EF4-FFF2-40B4-BE49-F238E27FC236}">
-                <a16:creationId xmlns:a16="http://schemas.microsoft.com/office/drawing/2014/main" id="{073588CB-0B80-4629-AC8E-3FFE877DDCC4}"/>
-              </a:ext>
-            </a:extLst>
-          </p:cNvPr>
-          <p:cNvSpPr>
-            <a:spLocks noGrp="1"/>
-          </p:cNvSpPr>
-          <p:nvPr>
-            <p:ph idx="1"/>
-          </p:nvPr>
-        </p:nvSpPr>
-        <p:spPr/>
-        <p:txBody>
-          <a:bodyPr/>
-          <a:lstStyle/>
-          <a:p>
-            <a:r>
-              <a:rPr lang="en-GB" dirty="0"/>
-              <a:t>Mean RT, (und </a:t>
-            </a:r>
-            <a:r>
-              <a:rPr lang="en-GB"/>
-              <a:t>SD)d</a:t>
-            </a:r>
-            <a:endParaRPr lang="en-GB" dirty="0"/>
-          </a:p>
-          <a:p>
-            <a:endParaRPr lang="en-GB" dirty="0"/>
-          </a:p>
-          <a:p>
-            <a:r>
-              <a:rPr lang="en-GB" dirty="0"/>
-              <a:t>EKP </a:t>
-            </a:r>
-            <a:r>
-              <a:rPr lang="en-GB" dirty="0" err="1"/>
-              <a:t>Latenzen</a:t>
-            </a:r>
-            <a:endParaRPr lang="en-GB" dirty="0"/>
-          </a:p>
-          <a:p>
-            <a:endParaRPr lang="en-GB" dirty="0"/>
-          </a:p>
-          <a:p>
-            <a:r>
-              <a:rPr lang="en-GB" dirty="0"/>
-              <a:t>Drift </a:t>
-            </a:r>
-            <a:r>
-              <a:rPr lang="en-GB" dirty="0" err="1"/>
-              <a:t>Diffusionsmodell</a:t>
-            </a:r>
-            <a:r>
-              <a:rPr lang="en-GB" dirty="0"/>
-              <a:t>-Parameter</a:t>
-            </a:r>
-          </a:p>
-        </p:txBody>
-      </p:sp>
-      <p:sp>
-        <p:nvSpPr>
-          <p:cNvPr id="4" name="Slide Number Placeholder 3">
-            <a:extLst>
-              <a:ext uri="{FF2B5EF4-FFF2-40B4-BE49-F238E27FC236}">
-                <a16:creationId xmlns:a16="http://schemas.microsoft.com/office/drawing/2014/main" id="{8CDE7A02-DB4B-4C79-8819-75F6F48C4B9C}"/>
-              </a:ext>
-            </a:extLst>
-          </p:cNvPr>
-          <p:cNvSpPr>
-            <a:spLocks noGrp="1"/>
-          </p:cNvSpPr>
-          <p:nvPr>
-            <p:ph type="sldNum" sz="quarter" idx="10"/>
-          </p:nvPr>
-        </p:nvSpPr>
-        <p:spPr/>
-        <p:txBody>
-          <a:bodyPr/>
-          <a:lstStyle/>
-          <a:p>
-            <a:pPr>
-              <a:defRPr/>
-            </a:pPr>
-            <a:fld id="{07ADABD5-AC19-49BC-8CBF-BA3469C652F7}" type="slidenum">
-              <a:rPr lang="de-DE" altLang="de-DE" smtClean="0"/>
-              <a:pPr>
-                <a:defRPr/>
-              </a:pPr>
-              <a:t>2</a:t>
-            </a:fld>
-            <a:endParaRPr lang="de-DE" altLang="de-DE"/>
-          </a:p>
-        </p:txBody>
-      </p:sp>
-      <p:sp>
-        <p:nvSpPr>
-          <p:cNvPr id="5" name="Footer Placeholder 4">
-            <a:extLst>
-              <a:ext uri="{FF2B5EF4-FFF2-40B4-BE49-F238E27FC236}">
-                <a16:creationId xmlns:a16="http://schemas.microsoft.com/office/drawing/2014/main" id="{897DDFAC-0E2E-4AB9-AE23-1CE222B09290}"/>
-              </a:ext>
-            </a:extLst>
-          </p:cNvPr>
-          <p:cNvSpPr>
-            <a:spLocks noGrp="1"/>
-          </p:cNvSpPr>
-          <p:nvPr>
-            <p:ph type="ftr" sz="quarter" idx="11"/>
-          </p:nvPr>
-        </p:nvSpPr>
-        <p:spPr/>
-        <p:txBody>
-          <a:bodyPr/>
-          <a:lstStyle/>
-          <a:p>
-            <a:pPr>
-              <a:defRPr/>
-            </a:pPr>
-            <a:r>
-              <a:rPr lang="de-DE"/>
-              <a:t>Template Matching - Sven Lesche</a:t>
-            </a:r>
-          </a:p>
-        </p:txBody>
-      </p:sp>
-    </p:spTree>
-    <p:extLst>
-      <p:ext uri="{BB962C8B-B14F-4D97-AF65-F5344CB8AC3E}">
-        <p14:creationId xmlns:p14="http://schemas.microsoft.com/office/powerpoint/2010/main" val="29258632"/>
-      </p:ext>
-    </p:extLst>
-  </p:cSld>
-  <p:clrMapOvr>
-    <a:masterClrMapping/>
-  </p:clrMapOvr>
-</p:sld>
-</file>
-
-<file path=ppt/slides/slide20.xml><?xml version="1.0" encoding="utf-8"?>
-<p:sld xmlns:a="http://schemas.openxmlformats.org/drawingml/2006/main" xmlns:r="http://schemas.openxmlformats.org/officeDocument/2006/relationships" xmlns:p="http://schemas.openxmlformats.org/presentationml/2006/main">
-  <p:cSld>
-    <p:spTree>
-      <p:nvGrpSpPr>
-        <p:cNvPr id="1" name=""/>
-        <p:cNvGrpSpPr/>
-        <p:nvPr/>
-      </p:nvGrpSpPr>
-      <p:grpSpPr>
-        <a:xfrm>
-          <a:off x="0" y="0"/>
-          <a:ext cx="0" cy="0"/>
-          <a:chOff x="0" y="0"/>
-          <a:chExt cx="0" cy="0"/>
-        </a:xfrm>
-      </p:grpSpPr>
-      <p:sp>
-        <p:nvSpPr>
           <p:cNvPr id="2" name="Title 1">
             <a:extLst>
               <a:ext uri="{FF2B5EF4-FFF2-40B4-BE49-F238E27FC236}">
@@ -10676,7 +11586,7 @@
               <a:pPr>
                 <a:defRPr/>
               </a:pPr>
-              <a:t>20</a:t>
+              <a:t>22</a:t>
             </a:fld>
             <a:endParaRPr lang="de-DE" altLang="de-DE" dirty="0"/>
           </a:p>
@@ -10864,10 +11774,236 @@
           </a:p>
         </p:txBody>
       </p:sp>
+      <p:sp>
+        <p:nvSpPr>
+          <p:cNvPr id="6" name="TextBox 7">
+            <a:extLst>
+              <a:ext uri="{FF2B5EF4-FFF2-40B4-BE49-F238E27FC236}">
+                <a16:creationId xmlns:a16="http://schemas.microsoft.com/office/drawing/2014/main" id="{04939941-05F9-47FC-981F-38DB06EFC3D6}"/>
+              </a:ext>
+            </a:extLst>
+          </p:cNvPr>
+          <p:cNvSpPr txBox="1">
+            <a:spLocks noChangeArrowheads="1"/>
+          </p:cNvSpPr>
+          <p:nvPr/>
+        </p:nvSpPr>
+        <p:spPr bwMode="auto">
+          <a:xfrm>
+            <a:off x="6934182" y="5437721"/>
+            <a:ext cx="1666105" cy="246221"/>
+          </a:xfrm>
+          <a:prstGeom prst="rect">
+            <a:avLst/>
+          </a:prstGeom>
+          <a:noFill/>
+          <a:ln>
+            <a:noFill/>
+          </a:ln>
+          <a:extLst>
+            <a:ext uri="{909E8E84-426E-40DD-AFC4-6F175D3DCCD1}">
+              <a14:hiddenFill xmlns:a14="http://schemas.microsoft.com/office/drawing/2010/main">
+                <a:solidFill>
+                  <a:srgbClr val="FFFFFF"/>
+                </a:solidFill>
+              </a14:hiddenFill>
+            </a:ext>
+            <a:ext uri="{91240B29-F687-4F45-9708-019B960494DF}">
+              <a14:hiddenLine xmlns:a14="http://schemas.microsoft.com/office/drawing/2010/main" w="9525">
+                <a:solidFill>
+                  <a:srgbClr val="000000"/>
+                </a:solidFill>
+                <a:miter lim="800000"/>
+                <a:headEnd/>
+                <a:tailEnd/>
+              </a14:hiddenLine>
+            </a:ext>
+          </a:extLst>
+        </p:spPr>
+        <p:txBody>
+          <a:bodyPr wrap="square">
+            <a:spAutoFit/>
+          </a:bodyPr>
+          <a:lstStyle>
+            <a:lvl1pPr>
+              <a:defRPr sz="1500">
+                <a:solidFill>
+                  <a:schemeClr val="tx1"/>
+                </a:solidFill>
+                <a:latin typeface="Arial" panose="020B0604020202020204" pitchFamily="34" charset="0"/>
+                <a:cs typeface="Arial" panose="020B0604020202020204" pitchFamily="34" charset="0"/>
+              </a:defRPr>
+            </a:lvl1pPr>
+            <a:lvl2pPr marL="742950" indent="-285750">
+              <a:defRPr sz="1500">
+                <a:solidFill>
+                  <a:schemeClr val="tx1"/>
+                </a:solidFill>
+                <a:latin typeface="Arial" panose="020B0604020202020204" pitchFamily="34" charset="0"/>
+                <a:cs typeface="Arial" panose="020B0604020202020204" pitchFamily="34" charset="0"/>
+              </a:defRPr>
+            </a:lvl2pPr>
+            <a:lvl3pPr marL="1143000" indent="-228600">
+              <a:defRPr sz="1500">
+                <a:solidFill>
+                  <a:schemeClr val="tx1"/>
+                </a:solidFill>
+                <a:latin typeface="Arial" panose="020B0604020202020204" pitchFamily="34" charset="0"/>
+                <a:cs typeface="Arial" panose="020B0604020202020204" pitchFamily="34" charset="0"/>
+              </a:defRPr>
+            </a:lvl3pPr>
+            <a:lvl4pPr marL="1600200" indent="-228600">
+              <a:defRPr sz="1500">
+                <a:solidFill>
+                  <a:schemeClr val="tx1"/>
+                </a:solidFill>
+                <a:latin typeface="Arial" panose="020B0604020202020204" pitchFamily="34" charset="0"/>
+                <a:cs typeface="Arial" panose="020B0604020202020204" pitchFamily="34" charset="0"/>
+              </a:defRPr>
+            </a:lvl4pPr>
+            <a:lvl5pPr marL="2057400" indent="-228600">
+              <a:defRPr sz="1500">
+                <a:solidFill>
+                  <a:schemeClr val="tx1"/>
+                </a:solidFill>
+                <a:latin typeface="Arial" panose="020B0604020202020204" pitchFamily="34" charset="0"/>
+                <a:cs typeface="Arial" panose="020B0604020202020204" pitchFamily="34" charset="0"/>
+              </a:defRPr>
+            </a:lvl5pPr>
+            <a:lvl6pPr marL="2514600" indent="-228600" eaLnBrk="0" fontAlgn="base" hangingPunct="0">
+              <a:spcBef>
+                <a:spcPct val="0"/>
+              </a:spcBef>
+              <a:spcAft>
+                <a:spcPct val="0"/>
+              </a:spcAft>
+              <a:defRPr sz="1500">
+                <a:solidFill>
+                  <a:schemeClr val="tx1"/>
+                </a:solidFill>
+                <a:latin typeface="Arial" panose="020B0604020202020204" pitchFamily="34" charset="0"/>
+                <a:cs typeface="Arial" panose="020B0604020202020204" pitchFamily="34" charset="0"/>
+              </a:defRPr>
+            </a:lvl6pPr>
+            <a:lvl7pPr marL="2971800" indent="-228600" eaLnBrk="0" fontAlgn="base" hangingPunct="0">
+              <a:spcBef>
+                <a:spcPct val="0"/>
+              </a:spcBef>
+              <a:spcAft>
+                <a:spcPct val="0"/>
+              </a:spcAft>
+              <a:defRPr sz="1500">
+                <a:solidFill>
+                  <a:schemeClr val="tx1"/>
+                </a:solidFill>
+                <a:latin typeface="Arial" panose="020B0604020202020204" pitchFamily="34" charset="0"/>
+                <a:cs typeface="Arial" panose="020B0604020202020204" pitchFamily="34" charset="0"/>
+              </a:defRPr>
+            </a:lvl7pPr>
+            <a:lvl8pPr marL="3429000" indent="-228600" eaLnBrk="0" fontAlgn="base" hangingPunct="0">
+              <a:spcBef>
+                <a:spcPct val="0"/>
+              </a:spcBef>
+              <a:spcAft>
+                <a:spcPct val="0"/>
+              </a:spcAft>
+              <a:defRPr sz="1500">
+                <a:solidFill>
+                  <a:schemeClr val="tx1"/>
+                </a:solidFill>
+                <a:latin typeface="Arial" panose="020B0604020202020204" pitchFamily="34" charset="0"/>
+                <a:cs typeface="Arial" panose="020B0604020202020204" pitchFamily="34" charset="0"/>
+              </a:defRPr>
+            </a:lvl8pPr>
+            <a:lvl9pPr marL="3886200" indent="-228600" eaLnBrk="0" fontAlgn="base" hangingPunct="0">
+              <a:spcBef>
+                <a:spcPct val="0"/>
+              </a:spcBef>
+              <a:spcAft>
+                <a:spcPct val="0"/>
+              </a:spcAft>
+              <a:defRPr sz="1500">
+                <a:solidFill>
+                  <a:schemeClr val="tx1"/>
+                </a:solidFill>
+                <a:latin typeface="Arial" panose="020B0604020202020204" pitchFamily="34" charset="0"/>
+                <a:cs typeface="Arial" panose="020B0604020202020204" pitchFamily="34" charset="0"/>
+              </a:defRPr>
+            </a:lvl9pPr>
+          </a:lstStyle>
+          <a:p>
+            <a:pPr algn="r"/>
+            <a:r>
+              <a:rPr lang="de-DE" altLang="en-GB" sz="1000" dirty="0"/>
+              <a:t>aus Schiffler et al. (2017)</a:t>
+            </a:r>
+          </a:p>
+        </p:txBody>
+      </p:sp>
+      <p:pic>
+        <p:nvPicPr>
+          <p:cNvPr id="7" name="Picture 17">
+            <a:extLst>
+              <a:ext uri="{FF2B5EF4-FFF2-40B4-BE49-F238E27FC236}">
+                <a16:creationId xmlns:a16="http://schemas.microsoft.com/office/drawing/2014/main" id="{C0ADB55D-7805-400E-8C07-F9F4603EFE88}"/>
+              </a:ext>
+            </a:extLst>
+          </p:cNvPr>
+          <p:cNvPicPr>
+            <a:picLocks noChangeAspect="1" noChangeArrowheads="1"/>
+          </p:cNvPicPr>
+          <p:nvPr/>
+        </p:nvPicPr>
+        <p:blipFill>
+          <a:blip r:embed="rId2">
+            <a:extLst>
+              <a:ext uri="{28A0092B-C50C-407E-A947-70E740481C1C}">
+                <a14:useLocalDpi xmlns:a14="http://schemas.microsoft.com/office/drawing/2010/main" val="0"/>
+              </a:ext>
+            </a:extLst>
+          </a:blip>
+          <a:srcRect/>
+          <a:stretch>
+            <a:fillRect/>
+          </a:stretch>
+        </p:blipFill>
+        <p:spPr bwMode="auto">
+          <a:xfrm>
+            <a:off x="38888" y="1267991"/>
+            <a:ext cx="8562985" cy="4076941"/>
+          </a:xfrm>
+          <a:prstGeom prst="rect">
+            <a:avLst/>
+          </a:prstGeom>
+          <a:noFill/>
+          <a:ln>
+            <a:noFill/>
+          </a:ln>
+          <a:extLst>
+            <a:ext uri="{909E8E84-426E-40DD-AFC4-6F175D3DCCD1}">
+              <a14:hiddenFill xmlns:a14="http://schemas.microsoft.com/office/drawing/2010/main">
+                <a:solidFill>
+                  <a:srgbClr val="FFFFFF"/>
+                </a:solidFill>
+              </a14:hiddenFill>
+            </a:ext>
+            <a:ext uri="{91240B29-F687-4F45-9708-019B960494DF}">
+              <a14:hiddenLine xmlns:a14="http://schemas.microsoft.com/office/drawing/2010/main" w="9525">
+                <a:solidFill>
+                  <a:srgbClr val="000000"/>
+                </a:solidFill>
+                <a:miter lim="800000"/>
+                <a:headEnd/>
+                <a:tailEnd/>
+              </a14:hiddenLine>
+            </a:ext>
+          </a:extLst>
+        </p:spPr>
+      </p:pic>
     </p:spTree>
     <p:extLst>
       <p:ext uri="{BB962C8B-B14F-4D97-AF65-F5344CB8AC3E}">
-        <p14:creationId xmlns:p14="http://schemas.microsoft.com/office/powerpoint/2010/main" val="3795650942"/>
+        <p14:creationId xmlns:p14="http://schemas.microsoft.com/office/powerpoint/2010/main" val="3006262758"/>
       </p:ext>
     </p:extLst>
   </p:cSld>
@@ -10899,7 +12035,7 @@
           <p:cNvPr id="2" name="Title 1">
             <a:extLst>
               <a:ext uri="{FF2B5EF4-FFF2-40B4-BE49-F238E27FC236}">
-                <a16:creationId xmlns:a16="http://schemas.microsoft.com/office/drawing/2014/main" id="{9F01FF18-E21B-4309-8E52-9EE858D863A6}"/>
+                <a16:creationId xmlns:a16="http://schemas.microsoft.com/office/drawing/2014/main" id="{D47002D2-4685-494B-A270-AA1F06D3E3BE}"/>
               </a:ext>
             </a:extLst>
           </p:cNvPr>
@@ -10917,23 +12053,23 @@
           <a:p>
             <a:r>
               <a:rPr lang="en-GB" dirty="0" err="1"/>
-              <a:t>Rauschen</a:t>
+              <a:t>Zusammenhänge</a:t>
             </a:r>
             <a:r>
               <a:rPr lang="en-GB" dirty="0"/>
-              <a:t> und </a:t>
+              <a:t> </a:t>
             </a:r>
             <a:r>
               <a:rPr lang="en-GB" dirty="0" err="1"/>
-              <a:t>Sprünge</a:t>
+              <a:t>mit</a:t>
             </a:r>
             <a:r>
               <a:rPr lang="en-GB" dirty="0"/>
-              <a:t> in der </a:t>
+              <a:t> </a:t>
             </a:r>
             <a:r>
               <a:rPr lang="en-GB" dirty="0" err="1"/>
-              <a:t>Evidenzakkumulation</a:t>
+              <a:t>Intelligenz</a:t>
             </a:r>
             <a:endParaRPr lang="en-GB" dirty="0"/>
           </a:p>
@@ -10944,7 +12080,7 @@
           <p:cNvPr id="3" name="Content Placeholder 2">
             <a:extLst>
               <a:ext uri="{FF2B5EF4-FFF2-40B4-BE49-F238E27FC236}">
-                <a16:creationId xmlns:a16="http://schemas.microsoft.com/office/drawing/2014/main" id="{FF9C3189-B951-49C9-8D2B-34A256DAD216}"/>
+                <a16:creationId xmlns:a16="http://schemas.microsoft.com/office/drawing/2014/main" id="{7C2E82A0-5FE3-4F2B-BE82-8FD304BFBE76}"/>
               </a:ext>
             </a:extLst>
           </p:cNvPr>
@@ -10960,7 +12096,14 @@
           <a:bodyPr/>
           <a:lstStyle/>
           <a:p>
-            <a:endParaRPr lang="en-GB"/>
+            <a:r>
+              <a:rPr lang="en-GB" dirty="0" err="1"/>
+              <a:t>Korrelationen</a:t>
+            </a:r>
+            <a:r>
+              <a:rPr lang="en-GB" dirty="0"/>
+              <a:t> der Parameter</a:t>
+            </a:r>
           </a:p>
         </p:txBody>
       </p:sp>
@@ -10969,7 +12112,7 @@
           <p:cNvPr id="4" name="Slide Number Placeholder 3">
             <a:extLst>
               <a:ext uri="{FF2B5EF4-FFF2-40B4-BE49-F238E27FC236}">
-                <a16:creationId xmlns:a16="http://schemas.microsoft.com/office/drawing/2014/main" id="{D5876220-1C51-439B-9606-577640BE4364}"/>
+                <a16:creationId xmlns:a16="http://schemas.microsoft.com/office/drawing/2014/main" id="{F7B85996-4022-47E4-AD5A-2B916CA35770}"/>
               </a:ext>
             </a:extLst>
           </p:cNvPr>
@@ -11004,7 +12147,7 @@
           <p:cNvPr id="5" name="Footer Placeholder 4">
             <a:extLst>
               <a:ext uri="{FF2B5EF4-FFF2-40B4-BE49-F238E27FC236}">
-                <a16:creationId xmlns:a16="http://schemas.microsoft.com/office/drawing/2014/main" id="{62209B57-7F7F-4432-9A82-FEA58FF25FC0}"/>
+                <a16:creationId xmlns:a16="http://schemas.microsoft.com/office/drawing/2014/main" id="{FB16305C-75FE-422F-8C73-256DED522DCE}"/>
               </a:ext>
             </a:extLst>
           </p:cNvPr>
@@ -11034,7 +12177,7 @@
     </p:spTree>
     <p:extLst>
       <p:ext uri="{BB962C8B-B14F-4D97-AF65-F5344CB8AC3E}">
-        <p14:creationId xmlns:p14="http://schemas.microsoft.com/office/powerpoint/2010/main" val="98501072"/>
+        <p14:creationId xmlns:p14="http://schemas.microsoft.com/office/powerpoint/2010/main" val="1924132245"/>
       </p:ext>
     </p:extLst>
   </p:cSld>
@@ -11045,7 +12188,7 @@
 </file>
 
 <file path=ppt/slides/slide5.xml><?xml version="1.0" encoding="utf-8"?>
-<p:sld xmlns:a="http://schemas.openxmlformats.org/drawingml/2006/main" xmlns:r="http://schemas.openxmlformats.org/officeDocument/2006/relationships" xmlns:p="http://schemas.openxmlformats.org/presentationml/2006/main">
+<p:sld xmlns:a="http://schemas.openxmlformats.org/drawingml/2006/main" xmlns:r="http://schemas.openxmlformats.org/officeDocument/2006/relationships" xmlns:p="http://schemas.openxmlformats.org/presentationml/2006/main" show="0">
   <p:cSld>
     <p:spTree>
       <p:nvGrpSpPr>
@@ -11063,10 +12206,10 @@
       </p:grpSpPr>
       <p:sp>
         <p:nvSpPr>
-          <p:cNvPr id="2" name="Title 1">
+          <p:cNvPr id="6" name="Title 5">
             <a:extLst>
               <a:ext uri="{FF2B5EF4-FFF2-40B4-BE49-F238E27FC236}">
-                <a16:creationId xmlns:a16="http://schemas.microsoft.com/office/drawing/2014/main" id="{68A97830-1D05-49A7-83C0-53E8B64F1B53}"/>
+                <a16:creationId xmlns:a16="http://schemas.microsoft.com/office/drawing/2014/main" id="{2DE89248-D00F-4601-9A13-F0B19EEB83B8}"/>
               </a:ext>
             </a:extLst>
           </p:cNvPr>
@@ -11083,18 +12226,35 @@
           <a:lstStyle/>
           <a:p>
             <a:r>
+              <a:rPr lang="en-GB" dirty="0" err="1"/>
+              <a:t>Mentale</a:t>
+            </a:r>
+            <a:r>
               <a:rPr lang="en-GB" dirty="0"/>
-              <a:t>Levy-Flight Modell</a:t>
-            </a:r>
-          </a:p>
-        </p:txBody>
-      </p:sp>
-      <p:sp>
-        <p:nvSpPr>
-          <p:cNvPr id="3" name="Content Placeholder 2">
+              <a:t> </a:t>
+            </a:r>
+            <a:r>
+              <a:rPr lang="en-GB" dirty="0" err="1"/>
+              <a:t>Geschwindigkeit</a:t>
+            </a:r>
+            <a:r>
+              <a:rPr lang="en-GB" dirty="0"/>
+              <a:t> und </a:t>
+            </a:r>
+            <a:r>
+              <a:rPr lang="en-GB" dirty="0" err="1"/>
+              <a:t>Intelligenz</a:t>
+            </a:r>
+            <a:endParaRPr lang="en-GB" dirty="0"/>
+          </a:p>
+        </p:txBody>
+      </p:sp>
+      <p:sp>
+        <p:nvSpPr>
+          <p:cNvPr id="7" name="Content Placeholder 6">
             <a:extLst>
               <a:ext uri="{FF2B5EF4-FFF2-40B4-BE49-F238E27FC236}">
-                <a16:creationId xmlns:a16="http://schemas.microsoft.com/office/drawing/2014/main" id="{96C23DF8-1179-46E7-A6C2-3B68F6E5C72A}"/>
+                <a16:creationId xmlns:a16="http://schemas.microsoft.com/office/drawing/2014/main" id="{073588CB-0B80-4629-AC8E-3FFE877DDCC4}"/>
               </a:ext>
             </a:extLst>
           </p:cNvPr>
@@ -11110,8 +12270,229 @@
           <a:bodyPr/>
           <a:lstStyle/>
           <a:p>
+            <a:r>
+              <a:rPr lang="en-GB" dirty="0" err="1"/>
+              <a:t>Durchweg</a:t>
+            </a:r>
+            <a:r>
+              <a:rPr lang="en-GB" dirty="0"/>
+              <a:t> positive </a:t>
+            </a:r>
+            <a:r>
+              <a:rPr lang="en-GB" dirty="0" err="1"/>
+              <a:t>Zusammenhänge</a:t>
+            </a:r>
+            <a:r>
+              <a:rPr lang="en-GB" dirty="0"/>
+              <a:t> von </a:t>
+            </a:r>
+            <a:r>
+              <a:rPr lang="en-GB" dirty="0" err="1"/>
+              <a:t>Geschwindigkeit</a:t>
+            </a:r>
+            <a:r>
+              <a:rPr lang="en-GB" dirty="0"/>
+              <a:t> und </a:t>
+            </a:r>
+            <a:r>
+              <a:rPr lang="en-GB" dirty="0" err="1"/>
+              <a:t>Intelligenz</a:t>
+            </a:r>
+            <a:r>
+              <a:rPr lang="en-GB" dirty="0"/>
+              <a:t> (Sheppard &amp; Vernon, 2008).</a:t>
+            </a:r>
+          </a:p>
+          <a:p>
             <a:endParaRPr lang="en-GB" dirty="0"/>
           </a:p>
+          <a:p>
+            <a:r>
+              <a:rPr lang="en-GB" dirty="0" err="1"/>
+              <a:t>Zusammenhänge</a:t>
+            </a:r>
+            <a:r>
+              <a:rPr lang="en-GB" dirty="0"/>
+              <a:t> </a:t>
+            </a:r>
+            <a:r>
+              <a:rPr lang="en-GB" i="1" dirty="0"/>
+              <a:t>g </a:t>
+            </a:r>
+            <a:r>
+              <a:rPr lang="en-GB" dirty="0"/>
+              <a:t>und </a:t>
+            </a:r>
+            <a:r>
+              <a:rPr lang="en-GB" dirty="0" err="1"/>
+              <a:t>mittleren</a:t>
+            </a:r>
+            <a:r>
+              <a:rPr lang="en-GB" dirty="0"/>
+              <a:t> RTs ( und </a:t>
+            </a:r>
+            <a:r>
+              <a:rPr lang="en-GB" dirty="0" err="1"/>
+              <a:t>Varianzen</a:t>
+            </a:r>
+            <a:r>
+              <a:rPr lang="en-GB" dirty="0"/>
+              <a:t> der RTs (</a:t>
+            </a:r>
+            <a:r>
+              <a:rPr lang="en-GB" dirty="0" err="1"/>
+              <a:t>Doebler</a:t>
+            </a:r>
+            <a:r>
+              <a:rPr lang="en-GB" dirty="0"/>
+              <a:t> &amp; Scheffler, 2016; Jensen, 2006)</a:t>
+            </a:r>
+          </a:p>
+          <a:p>
+            <a:endParaRPr lang="en-GB" dirty="0"/>
+          </a:p>
+          <a:p>
+            <a:r>
+              <a:rPr lang="en-GB" dirty="0" err="1"/>
+              <a:t>Zusammenhänge</a:t>
+            </a:r>
+            <a:r>
+              <a:rPr lang="en-GB" dirty="0"/>
+              <a:t> von </a:t>
+            </a:r>
+            <a:r>
+              <a:rPr lang="en-GB" i="1" dirty="0"/>
+              <a:t>g </a:t>
+            </a:r>
+            <a:r>
+              <a:rPr lang="en-GB" dirty="0"/>
+              <a:t>und EKP-</a:t>
+            </a:r>
+            <a:r>
+              <a:rPr lang="en-GB" dirty="0" err="1"/>
+              <a:t>Latenzen</a:t>
+            </a:r>
+            <a:r>
+              <a:rPr lang="en-GB" dirty="0"/>
+              <a:t> (Schubert et al., 2017)</a:t>
+            </a:r>
+          </a:p>
+          <a:p>
+            <a:endParaRPr lang="en-GB" dirty="0"/>
+          </a:p>
+          <a:p>
+            <a:r>
+              <a:rPr lang="en-GB" dirty="0" err="1"/>
+              <a:t>Zusammenhänge</a:t>
+            </a:r>
+            <a:r>
+              <a:rPr lang="en-GB" dirty="0"/>
+              <a:t> von </a:t>
+            </a:r>
+            <a:r>
+              <a:rPr lang="en-GB" i="1" dirty="0"/>
+              <a:t>g </a:t>
+            </a:r>
+            <a:r>
+              <a:rPr lang="en-GB" dirty="0"/>
+              <a:t>und Drift-Rate (</a:t>
+            </a:r>
+            <a:r>
+              <a:rPr lang="en-GB" dirty="0" err="1"/>
+              <a:t>Lerche</a:t>
+            </a:r>
+            <a:r>
+              <a:rPr lang="en-GB" dirty="0"/>
+              <a:t> et al. 2020)</a:t>
+            </a:r>
+          </a:p>
+          <a:p>
+            <a:endParaRPr lang="en-GB" dirty="0"/>
+          </a:p>
+          <a:p>
+            <a:r>
+              <a:rPr lang="en-GB" dirty="0"/>
+              <a:t>-&gt; </a:t>
+            </a:r>
+            <a:r>
+              <a:rPr lang="en-GB" dirty="0" err="1"/>
+              <a:t>Sowohl</a:t>
+            </a:r>
+            <a:r>
+              <a:rPr lang="en-GB" dirty="0"/>
+              <a:t> </a:t>
+            </a:r>
+            <a:r>
+              <a:rPr lang="en-GB" dirty="0" err="1"/>
+              <a:t>Geschwindigkeit</a:t>
+            </a:r>
+            <a:r>
+              <a:rPr lang="en-GB" dirty="0"/>
+              <a:t> </a:t>
+            </a:r>
+            <a:r>
+              <a:rPr lang="en-GB" dirty="0" err="1"/>
+              <a:t>als</a:t>
+            </a:r>
+            <a:r>
+              <a:rPr lang="en-GB" dirty="0"/>
+              <a:t> </a:t>
+            </a:r>
+            <a:r>
+              <a:rPr lang="en-GB" dirty="0" err="1"/>
+              <a:t>auch</a:t>
+            </a:r>
+            <a:r>
+              <a:rPr lang="en-GB" dirty="0"/>
+              <a:t> </a:t>
+            </a:r>
+            <a:r>
+              <a:rPr lang="en-GB" dirty="0" err="1"/>
+              <a:t>Variabilität</a:t>
+            </a:r>
+            <a:r>
+              <a:rPr lang="en-GB" dirty="0"/>
+              <a:t> der </a:t>
+            </a:r>
+            <a:r>
+              <a:rPr lang="en-GB" dirty="0" err="1"/>
+              <a:t>Geschwindigkeit</a:t>
+            </a:r>
+            <a:r>
+              <a:rPr lang="en-GB" dirty="0"/>
+              <a:t> </a:t>
+            </a:r>
+            <a:r>
+              <a:rPr lang="en-GB" dirty="0" err="1"/>
+              <a:t>mit</a:t>
+            </a:r>
+            <a:r>
+              <a:rPr lang="en-GB" dirty="0"/>
+              <a:t> </a:t>
+            </a:r>
+            <a:r>
+              <a:rPr lang="en-GB" dirty="0" err="1"/>
+              <a:t>Intelligenz</a:t>
+            </a:r>
+            <a:r>
+              <a:rPr lang="en-GB" dirty="0"/>
+              <a:t> </a:t>
+            </a:r>
+            <a:r>
+              <a:rPr lang="en-GB" dirty="0" err="1"/>
+              <a:t>assoziiert</a:t>
+            </a:r>
+            <a:r>
+              <a:rPr lang="en-GB" dirty="0"/>
+              <a:t>.</a:t>
+            </a:r>
+          </a:p>
+          <a:p>
+            <a:endParaRPr lang="en-GB" dirty="0"/>
+          </a:p>
+          <a:p>
+            <a:endParaRPr lang="en-GB" dirty="0"/>
+          </a:p>
         </p:txBody>
       </p:sp>
       <p:sp>
@@ -11119,7 +12500,7 @@
           <p:cNvPr id="4" name="Slide Number Placeholder 3">
             <a:extLst>
               <a:ext uri="{FF2B5EF4-FFF2-40B4-BE49-F238E27FC236}">
-                <a16:creationId xmlns:a16="http://schemas.microsoft.com/office/drawing/2014/main" id="{72F769E8-F646-4DE2-87AC-FD90E252642A}"/>
+                <a16:creationId xmlns:a16="http://schemas.microsoft.com/office/drawing/2014/main" id="{8CDE7A02-DB4B-4C79-8819-75F6F48C4B9C}"/>
               </a:ext>
             </a:extLst>
           </p:cNvPr>
@@ -11138,14 +12519,14 @@
             <a:pPr>
               <a:defRPr/>
             </a:pPr>
-            <a:fld id="{BFD7839F-DA5C-4C13-94BA-0DC1947AAA90}" type="slidenum">
+            <a:fld id="{07ADABD5-AC19-49BC-8CBF-BA3469C652F7}" type="slidenum">
               <a:rPr lang="de-DE" altLang="de-DE" smtClean="0"/>
               <a:pPr>
                 <a:defRPr/>
               </a:pPr>
               <a:t>5</a:t>
             </a:fld>
-            <a:endParaRPr lang="de-DE" altLang="de-DE" dirty="0"/>
+            <a:endParaRPr lang="de-DE" altLang="de-DE"/>
           </a:p>
         </p:txBody>
       </p:sp>
@@ -11154,7 +12535,7 @@
           <p:cNvPr id="5" name="Footer Placeholder 4">
             <a:extLst>
               <a:ext uri="{FF2B5EF4-FFF2-40B4-BE49-F238E27FC236}">
-                <a16:creationId xmlns:a16="http://schemas.microsoft.com/office/drawing/2014/main" id="{4C18FBAB-9DEA-488C-8DB0-3E11F0E66D54}"/>
+                <a16:creationId xmlns:a16="http://schemas.microsoft.com/office/drawing/2014/main" id="{897DDFAC-0E2E-4AB9-AE23-1CE222B09290}"/>
               </a:ext>
             </a:extLst>
           </p:cNvPr>
@@ -11177,14 +12558,13 @@
               <a:rPr lang="de-DE"/>
               <a:t>Template Matching - Sven Lesche</a:t>
             </a:r>
-            <a:endParaRPr lang="de-DE" dirty="0"/>
           </a:p>
         </p:txBody>
       </p:sp>
     </p:spTree>
     <p:extLst>
       <p:ext uri="{BB962C8B-B14F-4D97-AF65-F5344CB8AC3E}">
-        <p14:creationId xmlns:p14="http://schemas.microsoft.com/office/powerpoint/2010/main" val="66890471"/>
+        <p14:creationId xmlns:p14="http://schemas.microsoft.com/office/powerpoint/2010/main" val="29258632"/>
       </p:ext>
     </p:extLst>
   </p:cSld>
@@ -11216,7 +12596,7 @@
           <p:cNvPr id="2" name="Title 1">
             <a:extLst>
               <a:ext uri="{FF2B5EF4-FFF2-40B4-BE49-F238E27FC236}">
-                <a16:creationId xmlns:a16="http://schemas.microsoft.com/office/drawing/2014/main" id="{4C2D4399-A4DD-4B93-B099-FA03E36DB7FA}"/>
+                <a16:creationId xmlns:a16="http://schemas.microsoft.com/office/drawing/2014/main" id="{68A97830-1D05-49A7-83C0-53E8B64F1B53}"/>
               </a:ext>
             </a:extLst>
           </p:cNvPr>
@@ -11233,55 +12613,47 @@
           <a:lstStyle/>
           <a:p>
             <a:r>
-              <a:rPr lang="en-GB" dirty="0" err="1"/>
-              <a:t>Hypothesen</a:t>
-            </a:r>
-            <a:r>
               <a:rPr lang="en-GB" dirty="0"/>
-              <a:t> </a:t>
-            </a:r>
-            <a:r>
-              <a:rPr lang="en-GB" dirty="0" err="1"/>
-              <a:t>zu</a:t>
-            </a:r>
-            <a:r>
-              <a:rPr lang="en-GB" dirty="0"/>
-              <a:t> Alpha</a:t>
-            </a:r>
-          </a:p>
-        </p:txBody>
-      </p:sp>
-      <p:sp>
-        <p:nvSpPr>
-          <p:cNvPr id="3" name="Content Placeholder 2">
+              <a:t>Levy-Flight Modell</a:t>
+            </a:r>
+          </a:p>
+        </p:txBody>
+      </p:sp>
+      <p:pic>
+        <p:nvPicPr>
+          <p:cNvPr id="9" name="Content Placeholder 8">
             <a:extLst>
               <a:ext uri="{FF2B5EF4-FFF2-40B4-BE49-F238E27FC236}">
-                <a16:creationId xmlns:a16="http://schemas.microsoft.com/office/drawing/2014/main" id="{6433F454-DCFE-4B4A-BF07-F28E5612157C}"/>
+                <a16:creationId xmlns:a16="http://schemas.microsoft.com/office/drawing/2014/main" id="{306280A7-CE2A-4AA2-A856-1B214C3FCFD6}"/>
               </a:ext>
             </a:extLst>
           </p:cNvPr>
-          <p:cNvSpPr>
-            <a:spLocks noGrp="1"/>
-          </p:cNvSpPr>
+          <p:cNvPicPr>
+            <a:picLocks noGrp="1" noChangeAspect="1"/>
+          </p:cNvPicPr>
           <p:nvPr>
             <p:ph idx="1"/>
           </p:nvPr>
-        </p:nvSpPr>
-        <p:spPr/>
-        <p:txBody>
-          <a:bodyPr/>
-          <a:lstStyle/>
-          <a:p>
-            <a:endParaRPr lang="en-GB"/>
-          </a:p>
-        </p:txBody>
-      </p:sp>
+        </p:nvPicPr>
+        <p:blipFill>
+          <a:blip r:embed="rId2"/>
+          <a:stretch>
+            <a:fillRect/>
+          </a:stretch>
+        </p:blipFill>
+        <p:spPr>
+          <a:xfrm>
+            <a:off x="4340404" y="1682189"/>
+            <a:ext cx="4170465" cy="2034864"/>
+          </a:xfrm>
+        </p:spPr>
+      </p:pic>
       <p:sp>
         <p:nvSpPr>
           <p:cNvPr id="4" name="Slide Number Placeholder 3">
             <a:extLst>
               <a:ext uri="{FF2B5EF4-FFF2-40B4-BE49-F238E27FC236}">
-                <a16:creationId xmlns:a16="http://schemas.microsoft.com/office/drawing/2014/main" id="{5C5DA067-9B34-40D7-9CF2-748E06CBC575}"/>
+                <a16:creationId xmlns:a16="http://schemas.microsoft.com/office/drawing/2014/main" id="{72F769E8-F646-4DE2-87AC-FD90E252642A}"/>
               </a:ext>
             </a:extLst>
           </p:cNvPr>
@@ -11316,7 +12688,7 @@
           <p:cNvPr id="5" name="Footer Placeholder 4">
             <a:extLst>
               <a:ext uri="{FF2B5EF4-FFF2-40B4-BE49-F238E27FC236}">
-                <a16:creationId xmlns:a16="http://schemas.microsoft.com/office/drawing/2014/main" id="{23203727-E80F-42D7-90CA-A695B65A4750}"/>
+                <a16:creationId xmlns:a16="http://schemas.microsoft.com/office/drawing/2014/main" id="{4C18FBAB-9DEA-488C-8DB0-3E11F0E66D54}"/>
               </a:ext>
             </a:extLst>
           </p:cNvPr>
@@ -11343,10 +12715,69 @@
           </a:p>
         </p:txBody>
       </p:sp>
+      <p:pic>
+        <p:nvPicPr>
+          <p:cNvPr id="7" name="Picture 6">
+            <a:extLst>
+              <a:ext uri="{FF2B5EF4-FFF2-40B4-BE49-F238E27FC236}">
+                <a16:creationId xmlns:a16="http://schemas.microsoft.com/office/drawing/2014/main" id="{92D4112F-72D4-40A5-936C-CB8795FE460A}"/>
+              </a:ext>
+            </a:extLst>
+          </p:cNvPr>
+          <p:cNvPicPr>
+            <a:picLocks noChangeAspect="1"/>
+          </p:cNvPicPr>
+          <p:nvPr/>
+        </p:nvPicPr>
+        <p:blipFill rotWithShape="1">
+          <a:blip r:embed="rId3"/>
+          <a:srcRect t="4721"/>
+          <a:stretch/>
+        </p:blipFill>
+        <p:spPr>
+          <a:xfrm>
+            <a:off x="106027" y="1709278"/>
+            <a:ext cx="3966275" cy="2034864"/>
+          </a:xfrm>
+          <a:prstGeom prst="rect">
+            <a:avLst/>
+          </a:prstGeom>
+        </p:spPr>
+      </p:pic>
+      <p:pic>
+        <p:nvPicPr>
+          <p:cNvPr id="11" name="Picture 10">
+            <a:extLst>
+              <a:ext uri="{FF2B5EF4-FFF2-40B4-BE49-F238E27FC236}">
+                <a16:creationId xmlns:a16="http://schemas.microsoft.com/office/drawing/2014/main" id="{AE89D26A-C2C6-4ABC-9A0D-578A146A92E0}"/>
+              </a:ext>
+            </a:extLst>
+          </p:cNvPr>
+          <p:cNvPicPr>
+            <a:picLocks noChangeAspect="1"/>
+          </p:cNvPicPr>
+          <p:nvPr/>
+        </p:nvPicPr>
+        <p:blipFill>
+          <a:blip r:embed="rId4"/>
+          <a:stretch>
+            <a:fillRect/>
+          </a:stretch>
+        </p:blipFill>
+        <p:spPr>
+          <a:xfrm>
+            <a:off x="2126513" y="3969818"/>
+            <a:ext cx="3891578" cy="1889659"/>
+          </a:xfrm>
+          <a:prstGeom prst="rect">
+            <a:avLst/>
+          </a:prstGeom>
+        </p:spPr>
+      </p:pic>
     </p:spTree>
     <p:extLst>
       <p:ext uri="{BB962C8B-B14F-4D97-AF65-F5344CB8AC3E}">
-        <p14:creationId xmlns:p14="http://schemas.microsoft.com/office/powerpoint/2010/main" val="3899078534"/>
+        <p14:creationId xmlns:p14="http://schemas.microsoft.com/office/powerpoint/2010/main" val="66890471"/>
       </p:ext>
     </p:extLst>
   </p:cSld>
@@ -11378,7 +12809,7 @@
           <p:cNvPr id="2" name="Title 1">
             <a:extLst>
               <a:ext uri="{FF2B5EF4-FFF2-40B4-BE49-F238E27FC236}">
-                <a16:creationId xmlns:a16="http://schemas.microsoft.com/office/drawing/2014/main" id="{CE0A8C41-DD02-459C-9BAA-E37AA0FD3F8D}"/>
+                <a16:creationId xmlns:a16="http://schemas.microsoft.com/office/drawing/2014/main" id="{B49A295B-06F7-4DFE-98EB-C78272C08307}"/>
               </a:ext>
             </a:extLst>
           </p:cNvPr>
@@ -11395,10 +12826,17 @@
           <a:lstStyle/>
           <a:p>
             <a:r>
+              <a:rPr lang="en-GB" dirty="0"/>
+              <a:t>Was </a:t>
+            </a:r>
+            <a:r>
               <a:rPr lang="en-GB" dirty="0" err="1"/>
-              <a:t>Datengrundlage</a:t>
-            </a:r>
-            <a:endParaRPr lang="en-GB" dirty="0"/>
+              <a:t>ist</a:t>
+            </a:r>
+            <a:r>
+              <a:rPr lang="en-GB" dirty="0"/>
+              <a:t> alpha?</a:t>
+            </a:r>
           </a:p>
         </p:txBody>
       </p:sp>
@@ -11407,7 +12845,7 @@
           <p:cNvPr id="3" name="Content Placeholder 2">
             <a:extLst>
               <a:ext uri="{FF2B5EF4-FFF2-40B4-BE49-F238E27FC236}">
-                <a16:creationId xmlns:a16="http://schemas.microsoft.com/office/drawing/2014/main" id="{62055D7F-183F-429D-8C08-22B73B11EDA3}"/>
+                <a16:creationId xmlns:a16="http://schemas.microsoft.com/office/drawing/2014/main" id="{CF514634-41BE-4FD6-AD28-CB6A4495662F}"/>
               </a:ext>
             </a:extLst>
           </p:cNvPr>
@@ -11423,7 +12861,152 @@
           <a:bodyPr/>
           <a:lstStyle/>
           <a:p>
-            <a:endParaRPr lang="en-GB"/>
+            <a:r>
+              <a:rPr lang="en-GB" dirty="0" err="1"/>
+              <a:t>Quantifiziert</a:t>
+            </a:r>
+            <a:r>
+              <a:rPr lang="en-GB" dirty="0"/>
+              <a:t> die </a:t>
+            </a:r>
+            <a:r>
+              <a:rPr lang="en-GB" dirty="0" err="1"/>
+              <a:t>Stabilität</a:t>
+            </a:r>
+            <a:r>
+              <a:rPr lang="en-GB" dirty="0"/>
+              <a:t> </a:t>
+            </a:r>
+            <a:r>
+              <a:rPr lang="en-GB" dirty="0" err="1"/>
+              <a:t>im</a:t>
+            </a:r>
+            <a:r>
+              <a:rPr lang="en-GB" dirty="0"/>
+              <a:t> </a:t>
+            </a:r>
+            <a:r>
+              <a:rPr lang="en-GB" dirty="0" err="1"/>
+              <a:t>Prozess</a:t>
+            </a:r>
+            <a:r>
+              <a:rPr lang="en-GB" dirty="0"/>
+              <a:t> der </a:t>
+            </a:r>
+            <a:r>
+              <a:rPr lang="en-GB" dirty="0" err="1"/>
+              <a:t>Evidenzakkumulation</a:t>
+            </a:r>
+            <a:endParaRPr lang="en-GB" dirty="0"/>
+          </a:p>
+          <a:p>
+            <a:endParaRPr lang="en-GB" dirty="0"/>
+          </a:p>
+          <a:p>
+            <a:r>
+              <a:rPr lang="en-GB" dirty="0" err="1"/>
+              <a:t>Hohes</a:t>
+            </a:r>
+            <a:r>
+              <a:rPr lang="en-GB" dirty="0"/>
+              <a:t> Alpha -&gt; </a:t>
+            </a:r>
+            <a:r>
+              <a:rPr lang="en-GB" dirty="0" err="1"/>
+              <a:t>Wenige</a:t>
+            </a:r>
+            <a:r>
+              <a:rPr lang="en-GB" dirty="0"/>
+              <a:t> </a:t>
+            </a:r>
+            <a:r>
+              <a:rPr lang="en-GB" dirty="0" err="1"/>
+              <a:t>Sprünge</a:t>
+            </a:r>
+            <a:endParaRPr lang="en-GB" dirty="0"/>
+          </a:p>
+          <a:p>
+            <a:endParaRPr lang="en-GB" dirty="0"/>
+          </a:p>
+          <a:p>
+            <a:r>
+              <a:rPr lang="en-GB" dirty="0" err="1"/>
+              <a:t>Niedriges</a:t>
+            </a:r>
+            <a:r>
+              <a:rPr lang="en-GB" dirty="0"/>
+              <a:t> Alpha -&gt; </a:t>
+            </a:r>
+            <a:r>
+              <a:rPr lang="en-GB" dirty="0" err="1"/>
+              <a:t>Viele</a:t>
+            </a:r>
+            <a:r>
+              <a:rPr lang="en-GB" dirty="0"/>
+              <a:t> </a:t>
+            </a:r>
+            <a:r>
+              <a:rPr lang="en-GB" dirty="0" err="1"/>
+              <a:t>Sprünge</a:t>
+            </a:r>
+            <a:endParaRPr lang="en-GB" dirty="0"/>
+          </a:p>
+          <a:p>
+            <a:endParaRPr lang="en-GB" dirty="0"/>
+          </a:p>
+          <a:p>
+            <a:r>
+              <a:rPr lang="en-GB" b="1" dirty="0"/>
+              <a:t>-&gt; Aber was </a:t>
+            </a:r>
+            <a:r>
+              <a:rPr lang="en-GB" b="1" dirty="0" err="1"/>
+              <a:t>bedeutet</a:t>
+            </a:r>
+            <a:r>
+              <a:rPr lang="en-GB" b="1" dirty="0"/>
+              <a:t> das? Und </a:t>
+            </a:r>
+            <a:r>
+              <a:rPr lang="en-GB" b="1" dirty="0" err="1"/>
+              <a:t>sind</a:t>
+            </a:r>
+            <a:r>
+              <a:rPr lang="en-GB" b="1" dirty="0"/>
+              <a:t> </a:t>
+            </a:r>
+            <a:r>
+              <a:rPr lang="en-GB" b="1" dirty="0" err="1"/>
+              <a:t>mehr</a:t>
+            </a:r>
+            <a:r>
+              <a:rPr lang="en-GB" b="1" dirty="0"/>
+              <a:t> </a:t>
+            </a:r>
+            <a:r>
+              <a:rPr lang="en-GB" b="1" dirty="0" err="1"/>
+              <a:t>Sprünge</a:t>
+            </a:r>
+            <a:r>
+              <a:rPr lang="en-GB" b="1" dirty="0"/>
+              <a:t> gut </a:t>
+            </a:r>
+            <a:r>
+              <a:rPr lang="en-GB" b="1" dirty="0" err="1"/>
+              <a:t>oder</a:t>
+            </a:r>
+            <a:r>
+              <a:rPr lang="en-GB" b="1" dirty="0"/>
+              <a:t> </a:t>
+            </a:r>
+            <a:r>
+              <a:rPr lang="en-GB" b="1" dirty="0" err="1"/>
+              <a:t>schlecht</a:t>
+            </a:r>
+            <a:r>
+              <a:rPr lang="en-GB" b="1" dirty="0"/>
+              <a:t>?</a:t>
+            </a:r>
           </a:p>
         </p:txBody>
       </p:sp>
@@ -11432,7 +13015,7 @@
           <p:cNvPr id="4" name="Slide Number Placeholder 3">
             <a:extLst>
               <a:ext uri="{FF2B5EF4-FFF2-40B4-BE49-F238E27FC236}">
-                <a16:creationId xmlns:a16="http://schemas.microsoft.com/office/drawing/2014/main" id="{BF61A427-F515-48DA-82BD-BFF4497E5597}"/>
+                <a16:creationId xmlns:a16="http://schemas.microsoft.com/office/drawing/2014/main" id="{F7A5DF1D-565E-4DDC-A46F-AB42F9BF9A32}"/>
               </a:ext>
             </a:extLst>
           </p:cNvPr>
@@ -11467,7 +13050,7 @@
           <p:cNvPr id="5" name="Footer Placeholder 4">
             <a:extLst>
               <a:ext uri="{FF2B5EF4-FFF2-40B4-BE49-F238E27FC236}">
-                <a16:creationId xmlns:a16="http://schemas.microsoft.com/office/drawing/2014/main" id="{84F5445A-7CF9-4A4F-86F6-AF934C389033}"/>
+                <a16:creationId xmlns:a16="http://schemas.microsoft.com/office/drawing/2014/main" id="{E3E0E014-6238-4CF0-B10E-3D55917EC6BD}"/>
               </a:ext>
             </a:extLst>
           </p:cNvPr>
@@ -11497,7 +13080,7 @@
     </p:spTree>
     <p:extLst>
       <p:ext uri="{BB962C8B-B14F-4D97-AF65-F5344CB8AC3E}">
-        <p14:creationId xmlns:p14="http://schemas.microsoft.com/office/powerpoint/2010/main" val="978481107"/>
+        <p14:creationId xmlns:p14="http://schemas.microsoft.com/office/powerpoint/2010/main" val="1358528170"/>
       </p:ext>
     </p:extLst>
   </p:cSld>
@@ -11529,7 +13112,7 @@
           <p:cNvPr id="2" name="Title 1">
             <a:extLst>
               <a:ext uri="{FF2B5EF4-FFF2-40B4-BE49-F238E27FC236}">
-                <a16:creationId xmlns:a16="http://schemas.microsoft.com/office/drawing/2014/main" id="{F8653DD3-9460-4409-9C0F-A0393C82D2E9}"/>
+                <a16:creationId xmlns:a16="http://schemas.microsoft.com/office/drawing/2014/main" id="{4C2D4399-A4DD-4B93-B099-FA03E36DB7FA}"/>
               </a:ext>
             </a:extLst>
           </p:cNvPr>
@@ -11547,9 +13130,20 @@
           <a:p>
             <a:r>
               <a:rPr lang="en-GB" dirty="0" err="1"/>
-              <a:t>Methode</a:t>
-            </a:r>
-            <a:endParaRPr lang="en-GB" dirty="0"/>
+              <a:t>Hypothesen</a:t>
+            </a:r>
+            <a:r>
+              <a:rPr lang="en-GB" dirty="0"/>
+              <a:t> </a:t>
+            </a:r>
+            <a:r>
+              <a:rPr lang="en-GB" dirty="0" err="1"/>
+              <a:t>zu</a:t>
+            </a:r>
+            <a:r>
+              <a:rPr lang="en-GB" dirty="0"/>
+              <a:t> Alpha</a:t>
+            </a:r>
           </a:p>
         </p:txBody>
       </p:sp>
@@ -11558,7 +13152,7 @@
           <p:cNvPr id="3" name="Content Placeholder 2">
             <a:extLst>
               <a:ext uri="{FF2B5EF4-FFF2-40B4-BE49-F238E27FC236}">
-                <a16:creationId xmlns:a16="http://schemas.microsoft.com/office/drawing/2014/main" id="{60B00827-0487-4DD7-8F90-F59882DBC876}"/>
+                <a16:creationId xmlns:a16="http://schemas.microsoft.com/office/drawing/2014/main" id="{6433F454-DCFE-4B4A-BF07-F28E5612157C}"/>
               </a:ext>
             </a:extLst>
           </p:cNvPr>
@@ -11574,7 +13168,285 @@
           <a:bodyPr/>
           <a:lstStyle/>
           <a:p>
-            <a:endParaRPr lang="en-GB" dirty="0"/>
+            <a:r>
+              <a:rPr lang="en-GB" dirty="0" err="1"/>
+              <a:t>Sprünge</a:t>
+            </a:r>
+            <a:r>
+              <a:rPr lang="en-GB" dirty="0"/>
+              <a:t> </a:t>
+            </a:r>
+            <a:r>
+              <a:rPr lang="en-GB" dirty="0" err="1"/>
+              <a:t>sind</a:t>
+            </a:r>
+            <a:r>
+              <a:rPr lang="en-GB" dirty="0"/>
+              <a:t> </a:t>
+            </a:r>
+            <a:r>
+              <a:rPr lang="en-GB" dirty="0" err="1"/>
+              <a:t>unsystematisch</a:t>
+            </a:r>
+            <a:r>
+              <a:rPr lang="en-GB" dirty="0"/>
+              <a:t>, </a:t>
+            </a:r>
+            <a:r>
+              <a:rPr lang="en-GB" dirty="0" err="1"/>
+              <a:t>sollten</a:t>
+            </a:r>
+            <a:r>
+              <a:rPr lang="en-GB" dirty="0"/>
+              <a:t> in </a:t>
+            </a:r>
+            <a:r>
+              <a:rPr lang="en-GB" dirty="0" err="1"/>
+              <a:t>einer</a:t>
+            </a:r>
+            <a:r>
+              <a:rPr lang="en-GB" dirty="0"/>
+              <a:t> Aufgabe </a:t>
+            </a:r>
+            <a:r>
+              <a:rPr lang="en-GB" dirty="0" err="1"/>
+              <a:t>vermieden</a:t>
+            </a:r>
+            <a:r>
+              <a:rPr lang="en-GB" dirty="0"/>
+              <a:t> </a:t>
+            </a:r>
+            <a:r>
+              <a:rPr lang="en-GB" dirty="0" err="1"/>
+              <a:t>werden</a:t>
+            </a:r>
+            <a:r>
+              <a:rPr lang="en-GB" dirty="0"/>
+              <a:t> (inefficient jumping hypothesis)</a:t>
+            </a:r>
+          </a:p>
+          <a:p>
+            <a:r>
+              <a:rPr lang="en-GB" b="1" dirty="0"/>
+              <a:t> -&gt; </a:t>
+            </a:r>
+            <a:r>
+              <a:rPr lang="en-GB" b="1" dirty="0" err="1"/>
+              <a:t>Intelligentere</a:t>
+            </a:r>
+            <a:r>
+              <a:rPr lang="en-GB" b="1" dirty="0"/>
+              <a:t> </a:t>
+            </a:r>
+            <a:r>
+              <a:rPr lang="en-GB" b="1" dirty="0" err="1"/>
+              <a:t>Personen</a:t>
+            </a:r>
+            <a:r>
+              <a:rPr lang="en-GB" b="1" dirty="0"/>
+              <a:t> </a:t>
+            </a:r>
+            <a:r>
+              <a:rPr lang="en-GB" b="1" dirty="0" err="1"/>
+              <a:t>sollten</a:t>
+            </a:r>
+            <a:r>
+              <a:rPr lang="en-GB" b="1" dirty="0"/>
+              <a:t> </a:t>
+            </a:r>
+            <a:r>
+              <a:rPr lang="en-GB" b="1" dirty="0" err="1"/>
+              <a:t>größere</a:t>
+            </a:r>
+            <a:r>
+              <a:rPr lang="en-GB" b="1" dirty="0"/>
+              <a:t> </a:t>
+            </a:r>
+            <a:r>
+              <a:rPr lang="en-GB" b="1" dirty="0" err="1"/>
+              <a:t>Stabilität</a:t>
+            </a:r>
+            <a:r>
+              <a:rPr lang="en-GB" b="1" dirty="0"/>
+              <a:t> </a:t>
+            </a:r>
+            <a:r>
+              <a:rPr lang="en-GB" b="1" dirty="0" err="1"/>
+              <a:t>haben</a:t>
+            </a:r>
+            <a:endParaRPr lang="en-GB" b="1" dirty="0"/>
+          </a:p>
+          <a:p>
+            <a:endParaRPr lang="en-GB" b="1" dirty="0"/>
+          </a:p>
+          <a:p>
+            <a:r>
+              <a:rPr lang="en-GB" dirty="0"/>
+              <a:t>In </a:t>
+            </a:r>
+            <a:r>
+              <a:rPr lang="en-GB" dirty="0" err="1"/>
+              <a:t>einfachen</a:t>
+            </a:r>
+            <a:r>
+              <a:rPr lang="en-GB" dirty="0"/>
+              <a:t> </a:t>
+            </a:r>
+            <a:r>
+              <a:rPr lang="en-GB" dirty="0" err="1"/>
+              <a:t>Aufgaben</a:t>
+            </a:r>
+            <a:r>
+              <a:rPr lang="en-GB" dirty="0"/>
+              <a:t> </a:t>
+            </a:r>
+            <a:r>
+              <a:rPr lang="en-GB" dirty="0" err="1"/>
+              <a:t>ist</a:t>
+            </a:r>
+            <a:r>
+              <a:rPr lang="en-GB" dirty="0"/>
+              <a:t> </a:t>
+            </a:r>
+            <a:r>
+              <a:rPr lang="en-GB" dirty="0" err="1"/>
+              <a:t>eine</a:t>
+            </a:r>
+            <a:r>
+              <a:rPr lang="en-GB" dirty="0"/>
+              <a:t> </a:t>
+            </a:r>
+            <a:r>
+              <a:rPr lang="en-GB" dirty="0" err="1"/>
+              <a:t>gleichmäßige</a:t>
+            </a:r>
+            <a:r>
+              <a:rPr lang="en-GB" dirty="0"/>
+              <a:t> </a:t>
+            </a:r>
+            <a:r>
+              <a:rPr lang="en-GB" dirty="0" err="1"/>
+              <a:t>Sammlung</a:t>
+            </a:r>
+            <a:r>
+              <a:rPr lang="en-GB" dirty="0"/>
+              <a:t> an </a:t>
+            </a:r>
+            <a:r>
+              <a:rPr lang="en-GB" dirty="0" err="1"/>
+              <a:t>Informationen</a:t>
+            </a:r>
+            <a:r>
+              <a:rPr lang="en-GB" dirty="0"/>
+              <a:t> suboptimal. Es </a:t>
+            </a:r>
+            <a:r>
+              <a:rPr lang="en-GB" dirty="0" err="1"/>
+              <a:t>ist</a:t>
+            </a:r>
+            <a:r>
+              <a:rPr lang="en-GB" dirty="0"/>
+              <a:t> </a:t>
+            </a:r>
+            <a:r>
+              <a:rPr lang="en-GB" dirty="0" err="1"/>
+              <a:t>besser</a:t>
+            </a:r>
+            <a:r>
+              <a:rPr lang="en-GB" dirty="0"/>
+              <a:t> </a:t>
+            </a:r>
+            <a:r>
+              <a:rPr lang="en-GB" dirty="0" err="1"/>
+              <a:t>sich</a:t>
+            </a:r>
+            <a:r>
+              <a:rPr lang="en-GB" dirty="0"/>
+              <a:t> von </a:t>
+            </a:r>
+            <a:r>
+              <a:rPr lang="en-GB" dirty="0" err="1"/>
+              <a:t>Informationen</a:t>
+            </a:r>
+            <a:r>
+              <a:rPr lang="en-GB" dirty="0"/>
+              <a:t> schnell </a:t>
+            </a:r>
+            <a:r>
+              <a:rPr lang="en-GB" dirty="0" err="1"/>
+              <a:t>beeinflussen</a:t>
+            </a:r>
+            <a:r>
+              <a:rPr lang="en-GB" dirty="0"/>
+              <a:t> </a:t>
+            </a:r>
+            <a:r>
+              <a:rPr lang="en-GB" dirty="0" err="1"/>
+              <a:t>zu</a:t>
+            </a:r>
+            <a:r>
+              <a:rPr lang="en-GB" dirty="0"/>
+              <a:t> </a:t>
+            </a:r>
+            <a:r>
+              <a:rPr lang="en-GB" dirty="0" err="1"/>
+              <a:t>lassen</a:t>
+            </a:r>
+            <a:r>
+              <a:rPr lang="en-GB" dirty="0"/>
+              <a:t> (efficient jumping hypothesis)</a:t>
+            </a:r>
+          </a:p>
+          <a:p>
+            <a:r>
+              <a:rPr lang="en-GB" b="1" dirty="0"/>
+              <a:t>-&gt; </a:t>
+            </a:r>
+            <a:r>
+              <a:rPr lang="en-GB" b="1" dirty="0" err="1"/>
+              <a:t>Intelligentere</a:t>
+            </a:r>
+            <a:r>
+              <a:rPr lang="en-GB" b="1" dirty="0"/>
+              <a:t> </a:t>
+            </a:r>
+            <a:r>
+              <a:rPr lang="en-GB" b="1" dirty="0" err="1"/>
+              <a:t>Personen</a:t>
+            </a:r>
+            <a:r>
+              <a:rPr lang="en-GB" b="1" dirty="0"/>
+              <a:t> </a:t>
+            </a:r>
+            <a:r>
+              <a:rPr lang="en-GB" b="1" dirty="0" err="1"/>
+              <a:t>sollte</a:t>
+            </a:r>
+            <a:r>
+              <a:rPr lang="en-GB" b="1" dirty="0"/>
+              <a:t> </a:t>
+            </a:r>
+            <a:r>
+              <a:rPr lang="en-GB" b="1" dirty="0" err="1"/>
+              <a:t>kleine</a:t>
+            </a:r>
+            <a:r>
+              <a:rPr lang="en-GB" b="1" dirty="0"/>
+              <a:t> </a:t>
+            </a:r>
+            <a:r>
+              <a:rPr lang="en-GB" b="1" dirty="0" err="1"/>
+              <a:t>Stabilität</a:t>
+            </a:r>
+            <a:r>
+              <a:rPr lang="en-GB" b="1" dirty="0"/>
+              <a:t> </a:t>
+            </a:r>
+            <a:r>
+              <a:rPr lang="en-GB" b="1" dirty="0" err="1"/>
+              <a:t>haben</a:t>
+            </a:r>
+            <a:endParaRPr lang="en-GB" b="1" dirty="0"/>
           </a:p>
         </p:txBody>
       </p:sp>
@@ -11583,7 +13455,7 @@
           <p:cNvPr id="4" name="Slide Number Placeholder 3">
             <a:extLst>
               <a:ext uri="{FF2B5EF4-FFF2-40B4-BE49-F238E27FC236}">
-                <a16:creationId xmlns:a16="http://schemas.microsoft.com/office/drawing/2014/main" id="{60B92DC6-7E87-4DCC-8676-688658C052A9}"/>
+                <a16:creationId xmlns:a16="http://schemas.microsoft.com/office/drawing/2014/main" id="{5C5DA067-9B34-40D7-9CF2-748E06CBC575}"/>
               </a:ext>
             </a:extLst>
           </p:cNvPr>
@@ -11618,7 +13490,7 @@
           <p:cNvPr id="5" name="Footer Placeholder 4">
             <a:extLst>
               <a:ext uri="{FF2B5EF4-FFF2-40B4-BE49-F238E27FC236}">
-                <a16:creationId xmlns:a16="http://schemas.microsoft.com/office/drawing/2014/main" id="{DE791451-43D5-4D15-A3C7-8C8F4E25845E}"/>
+                <a16:creationId xmlns:a16="http://schemas.microsoft.com/office/drawing/2014/main" id="{23203727-E80F-42D7-90CA-A695B65A4750}"/>
               </a:ext>
             </a:extLst>
           </p:cNvPr>
@@ -11638,17 +13510,16 @@
               <a:defRPr/>
             </a:pPr>
             <a:r>
-              <a:rPr lang="de-DE"/>
+              <a:rPr lang="de-DE" dirty="0"/>
               <a:t>Template Matching - Sven Lesche</a:t>
             </a:r>
-            <a:endParaRPr lang="de-DE" dirty="0"/>
           </a:p>
         </p:txBody>
       </p:sp>
     </p:spTree>
     <p:extLst>
       <p:ext uri="{BB962C8B-B14F-4D97-AF65-F5344CB8AC3E}">
-        <p14:creationId xmlns:p14="http://schemas.microsoft.com/office/powerpoint/2010/main" val="2365849485"/>
+        <p14:creationId xmlns:p14="http://schemas.microsoft.com/office/powerpoint/2010/main" val="3899078534"/>
       </p:ext>
     </p:extLst>
   </p:cSld>
@@ -11680,7 +13551,7 @@
           <p:cNvPr id="2" name="Title 1">
             <a:extLst>
               <a:ext uri="{FF2B5EF4-FFF2-40B4-BE49-F238E27FC236}">
-                <a16:creationId xmlns:a16="http://schemas.microsoft.com/office/drawing/2014/main" id="{E7C9B57E-0726-42F0-AAE8-935D9DC27331}"/>
+                <a16:creationId xmlns:a16="http://schemas.microsoft.com/office/drawing/2014/main" id="{CE0A8C41-DD02-459C-9BAA-E37AA0FD3F8D}"/>
               </a:ext>
             </a:extLst>
           </p:cNvPr>
@@ -11697,9 +13568,10 @@
           <a:lstStyle/>
           <a:p>
             <a:r>
-              <a:rPr lang="en-GB" dirty="0"/>
-              <a:t>Bayes Flow</a:t>
-            </a:r>
+              <a:rPr lang="en-GB" dirty="0" err="1"/>
+              <a:t>Datengrundlage</a:t>
+            </a:r>
+            <a:endParaRPr lang="en-GB" dirty="0"/>
           </a:p>
         </p:txBody>
       </p:sp>
@@ -11708,7 +13580,7 @@
           <p:cNvPr id="3" name="Content Placeholder 2">
             <a:extLst>
               <a:ext uri="{FF2B5EF4-FFF2-40B4-BE49-F238E27FC236}">
-                <a16:creationId xmlns:a16="http://schemas.microsoft.com/office/drawing/2014/main" id="{BE7AF9FE-44D9-40CB-9EAD-4F3623429394}"/>
+                <a16:creationId xmlns:a16="http://schemas.microsoft.com/office/drawing/2014/main" id="{62055D7F-183F-429D-8C08-22B73B11EDA3}"/>
               </a:ext>
             </a:extLst>
           </p:cNvPr>
@@ -11724,7 +13596,95 @@
           <a:bodyPr/>
           <a:lstStyle/>
           <a:p>
-            <a:endParaRPr lang="en-GB"/>
+            <a:r>
+              <a:rPr lang="en-GB" dirty="0"/>
+              <a:t>Schubert et al. (2017):</a:t>
+            </a:r>
+          </a:p>
+          <a:p>
+            <a:endParaRPr lang="en-GB" dirty="0"/>
+          </a:p>
+          <a:p>
+            <a:r>
+              <a:rPr lang="en-GB" dirty="0" err="1"/>
+              <a:t>Drei</a:t>
+            </a:r>
+            <a:r>
+              <a:rPr lang="en-GB" dirty="0"/>
+              <a:t> </a:t>
+            </a:r>
+            <a:r>
+              <a:rPr lang="en-GB" dirty="0" err="1"/>
+              <a:t>Aufgaben</a:t>
+            </a:r>
+            <a:r>
+              <a:rPr lang="en-GB" dirty="0"/>
+              <a:t> (ECTs):</a:t>
+            </a:r>
+          </a:p>
+          <a:p>
+            <a:pPr marL="342900" indent="-342900">
+              <a:buFontTx/>
+              <a:buChar char="-"/>
+            </a:pPr>
+            <a:r>
+              <a:rPr lang="en-GB" dirty="0"/>
+              <a:t>Hick Task (0 Bit, 1 Bit, 2 Bit)</a:t>
+            </a:r>
+          </a:p>
+          <a:p>
+            <a:pPr marL="342900" indent="-342900">
+              <a:buFontTx/>
+              <a:buChar char="-"/>
+            </a:pPr>
+            <a:r>
+              <a:rPr lang="en-GB" dirty="0"/>
+              <a:t>Sternberg Task (1, 3, 5 Stimuli)</a:t>
+            </a:r>
+          </a:p>
+          <a:p>
+            <a:pPr marL="342900" indent="-342900">
+              <a:buFontTx/>
+              <a:buChar char="-"/>
+            </a:pPr>
+            <a:r>
+              <a:rPr lang="en-GB" dirty="0"/>
+              <a:t>Posner Task (Name Identity, Physical Identity)</a:t>
+            </a:r>
+          </a:p>
+          <a:p>
+            <a:pPr marL="342900" indent="-342900">
+              <a:buFontTx/>
+              <a:buChar char="-"/>
+            </a:pPr>
+            <a:endParaRPr lang="en-GB" dirty="0"/>
+          </a:p>
+          <a:p>
+            <a:r>
+              <a:rPr lang="en-GB" dirty="0" err="1"/>
+              <a:t>Intelligenz</a:t>
+            </a:r>
+            <a:endParaRPr lang="en-GB" dirty="0"/>
+          </a:p>
+          <a:p>
+            <a:pPr marL="342900" indent="-342900">
+              <a:buFontTx/>
+              <a:buChar char="-"/>
+            </a:pPr>
+            <a:r>
+              <a:rPr lang="en-GB" dirty="0"/>
+              <a:t>APM</a:t>
+            </a:r>
+          </a:p>
+          <a:p>
+            <a:pPr marL="342900" indent="-342900">
+              <a:buFontTx/>
+              <a:buChar char="-"/>
+            </a:pPr>
+            <a:r>
+              <a:rPr lang="en-GB" dirty="0"/>
+              <a:t>BIS</a:t>
+            </a:r>
           </a:p>
         </p:txBody>
       </p:sp>
@@ -11733,7 +13693,7 @@
           <p:cNvPr id="4" name="Slide Number Placeholder 3">
             <a:extLst>
               <a:ext uri="{FF2B5EF4-FFF2-40B4-BE49-F238E27FC236}">
-                <a16:creationId xmlns:a16="http://schemas.microsoft.com/office/drawing/2014/main" id="{7357BEDF-AD71-427F-9438-410198708D62}"/>
+                <a16:creationId xmlns:a16="http://schemas.microsoft.com/office/drawing/2014/main" id="{BF61A427-F515-48DA-82BD-BFF4497E5597}"/>
               </a:ext>
             </a:extLst>
           </p:cNvPr>
@@ -11768,7 +13728,7 @@
           <p:cNvPr id="5" name="Footer Placeholder 4">
             <a:extLst>
               <a:ext uri="{FF2B5EF4-FFF2-40B4-BE49-F238E27FC236}">
-                <a16:creationId xmlns:a16="http://schemas.microsoft.com/office/drawing/2014/main" id="{ED0A1FDA-99F9-4005-8C63-285F4512DEB0}"/>
+                <a16:creationId xmlns:a16="http://schemas.microsoft.com/office/drawing/2014/main" id="{84F5445A-7CF9-4A4F-86F6-AF934C389033}"/>
               </a:ext>
             </a:extLst>
           </p:cNvPr>
@@ -11798,7 +13758,7 @@
     </p:spTree>
     <p:extLst>
       <p:ext uri="{BB962C8B-B14F-4D97-AF65-F5344CB8AC3E}">
-        <p14:creationId xmlns:p14="http://schemas.microsoft.com/office/powerpoint/2010/main" val="4145911233"/>
+        <p14:creationId xmlns:p14="http://schemas.microsoft.com/office/powerpoint/2010/main" val="978481107"/>
       </p:ext>
     </p:extLst>
   </p:cSld>

--- a/presentations/levy_presentation.pptx
+++ b/presentations/levy_presentation.pptx
@@ -6,34 +6,35 @@
     <p:sldMasterId id="2147483663" r:id="rId2"/>
   </p:sldMasterIdLst>
   <p:notesMasterIdLst>
-    <p:notesMasterId r:id="rId25"/>
+    <p:notesMasterId r:id="rId26"/>
   </p:notesMasterIdLst>
   <p:handoutMasterIdLst>
-    <p:handoutMasterId r:id="rId26"/>
+    <p:handoutMasterId r:id="rId27"/>
   </p:handoutMasterIdLst>
   <p:sldIdLst>
     <p:sldId id="256" r:id="rId3"/>
-    <p:sldId id="278" r:id="rId4"/>
+    <p:sldId id="257" r:id="rId4"/>
     <p:sldId id="277" r:id="rId5"/>
     <p:sldId id="283" r:id="rId6"/>
-    <p:sldId id="257" r:id="rId7"/>
-    <p:sldId id="260" r:id="rId8"/>
-    <p:sldId id="279" r:id="rId9"/>
-    <p:sldId id="261" r:id="rId10"/>
-    <p:sldId id="262" r:id="rId11"/>
-    <p:sldId id="263" r:id="rId12"/>
-    <p:sldId id="276" r:id="rId13"/>
-    <p:sldId id="264" r:id="rId14"/>
-    <p:sldId id="265" r:id="rId15"/>
-    <p:sldId id="273" r:id="rId16"/>
-    <p:sldId id="274" r:id="rId17"/>
-    <p:sldId id="267" r:id="rId18"/>
-    <p:sldId id="275" r:id="rId19"/>
-    <p:sldId id="268" r:id="rId20"/>
-    <p:sldId id="270" r:id="rId21"/>
-    <p:sldId id="269" r:id="rId22"/>
-    <p:sldId id="271" r:id="rId23"/>
-    <p:sldId id="272" r:id="rId24"/>
+    <p:sldId id="285" r:id="rId7"/>
+    <p:sldId id="284" r:id="rId8"/>
+    <p:sldId id="260" r:id="rId9"/>
+    <p:sldId id="279" r:id="rId10"/>
+    <p:sldId id="261" r:id="rId11"/>
+    <p:sldId id="262" r:id="rId12"/>
+    <p:sldId id="263" r:id="rId13"/>
+    <p:sldId id="276" r:id="rId14"/>
+    <p:sldId id="286" r:id="rId15"/>
+    <p:sldId id="264" r:id="rId16"/>
+    <p:sldId id="265" r:id="rId17"/>
+    <p:sldId id="273" r:id="rId18"/>
+    <p:sldId id="274" r:id="rId19"/>
+    <p:sldId id="267" r:id="rId20"/>
+    <p:sldId id="268" r:id="rId21"/>
+    <p:sldId id="270" r:id="rId22"/>
+    <p:sldId id="269" r:id="rId23"/>
+    <p:sldId id="271" r:id="rId24"/>
+    <p:sldId id="272" r:id="rId25"/>
   </p:sldIdLst>
   <p:sldSz cx="8640763" cy="6480175"/>
   <p:notesSz cx="6794500" cy="9918700"/>
@@ -346,7 +347,7 @@
               <a:pPr>
                 <a:defRPr/>
               </a:pPr>
-              <a:t>19.07.2024</a:t>
+              <a:t>20.07.2024</a:t>
             </a:fld>
             <a:endParaRPr lang="de-DE"/>
           </a:p>
@@ -587,7 +588,7 @@
               <a:pPr>
                 <a:defRPr/>
               </a:pPr>
-              <a:t>19.07.2024</a:t>
+              <a:t>20.07.2024</a:t>
             </a:fld>
             <a:endParaRPr lang="de-DE" altLang="de-DE"/>
           </a:p>
@@ -1142,7 +1143,7 @@
               <a:pPr>
                 <a:defRPr/>
               </a:pPr>
-              <a:t>5</a:t>
+              <a:t>2</a:t>
             </a:fld>
             <a:endParaRPr lang="de-DE" altLang="de-DE"/>
           </a:p>
@@ -1247,7 +1248,7 @@
               <a:pPr>
                 <a:defRPr/>
               </a:pPr>
-              <a:t>9</a:t>
+              <a:t>10</a:t>
             </a:fld>
             <a:endParaRPr lang="de-DE" altLang="de-DE"/>
           </a:p>
@@ -1441,17 +1442,10 @@
               <a:defRPr/>
             </a:pPr>
             <a:r>
-              <a:rPr lang="de-DE" dirty="0"/>
-              <a:t>Template </a:t>
-            </a:r>
-            <a:r>
-              <a:rPr lang="de-DE" dirty="0" err="1"/>
-              <a:t>Matching</a:t>
-            </a:r>
-            <a:r>
-              <a:rPr lang="de-DE" dirty="0"/>
-              <a:t> - Sven Lesche</a:t>
-            </a:r>
+              <a:rPr lang="de-DE"/>
+              <a:t>Alpha and Intelligence - Sven Lesche</a:t>
+            </a:r>
+            <a:endParaRPr lang="de-DE" dirty="0"/>
           </a:p>
         </p:txBody>
       </p:sp>
@@ -1763,7 +1757,7 @@
             </a:pPr>
             <a:r>
               <a:rPr lang="de-DE"/>
-              <a:t>Template Matching - Sven Lesche</a:t>
+              <a:t>Alpha and Intelligence - Sven Lesche</a:t>
             </a:r>
           </a:p>
         </p:txBody>
@@ -1945,7 +1939,7 @@
             </a:pPr>
             <a:r>
               <a:rPr lang="de-DE"/>
-              <a:t>Template Matching - Sven Lesche</a:t>
+              <a:t>Alpha and Intelligence - Sven Lesche</a:t>
             </a:r>
           </a:p>
         </p:txBody>
@@ -2137,7 +2131,7 @@
             </a:pPr>
             <a:r>
               <a:rPr lang="de-DE"/>
-              <a:t>Template Matching - Sven Lesche</a:t>
+              <a:t>Alpha and Intelligence - Sven Lesche</a:t>
             </a:r>
           </a:p>
         </p:txBody>
@@ -2246,7 +2240,7 @@
             </a:pPr>
             <a:r>
               <a:rPr lang="de-DE"/>
-              <a:t>Template Matching - Sven Lesche</a:t>
+              <a:t>Alpha and Intelligence - Sven Lesche</a:t>
             </a:r>
           </a:p>
         </p:txBody>
@@ -3817,7 +3811,7 @@
             </a:pPr>
             <a:r>
               <a:rPr lang="de-DE"/>
-              <a:t>Template Matching - Sven Lesche</a:t>
+              <a:t>Alpha and Intelligence - Sven Lesche</a:t>
             </a:r>
           </a:p>
         </p:txBody>
@@ -4884,17 +4878,10 @@
               <a:defRPr/>
             </a:pPr>
             <a:r>
-              <a:rPr lang="de-DE" dirty="0"/>
-              <a:t>Template </a:t>
-            </a:r>
-            <a:r>
-              <a:rPr lang="de-DE" dirty="0" err="1"/>
-              <a:t>Matching</a:t>
-            </a:r>
-            <a:r>
-              <a:rPr lang="de-DE" dirty="0"/>
-              <a:t> - Sven Lesche</a:t>
-            </a:r>
+              <a:rPr lang="de-DE"/>
+              <a:t>Alpha and Intelligence - Sven Lesche</a:t>
+            </a:r>
+            <a:endParaRPr lang="de-DE" dirty="0"/>
           </a:p>
         </p:txBody>
       </p:sp>
@@ -5152,7 +5139,7 @@
             </a:pPr>
             <a:r>
               <a:rPr lang="de-DE"/>
-              <a:t>Template Matching - Sven Lesche</a:t>
+              <a:t>Alpha and Intelligence - Sven Lesche</a:t>
             </a:r>
           </a:p>
         </p:txBody>
@@ -5456,7 +5443,7 @@
             </a:pPr>
             <a:r>
               <a:rPr lang="de-DE"/>
-              <a:t>Template Matching - Sven Lesche</a:t>
+              <a:t>Alpha and Intelligence - Sven Lesche</a:t>
             </a:r>
           </a:p>
         </p:txBody>
@@ -5889,7 +5876,7 @@
             </a:pPr>
             <a:r>
               <a:rPr lang="de-DE"/>
-              <a:t>Template Matching - Sven Lesche</a:t>
+              <a:t>Alpha and Intelligence - Sven Lesche</a:t>
             </a:r>
           </a:p>
         </p:txBody>
@@ -6020,7 +6007,7 @@
             </a:pPr>
             <a:r>
               <a:rPr lang="de-DE"/>
-              <a:t>Template Matching - Sven Lesche</a:t>
+              <a:t>Alpha and Intelligence - Sven Lesche</a:t>
             </a:r>
           </a:p>
         </p:txBody>
@@ -6237,7 +6224,7 @@
             </a:pPr>
             <a:r>
               <a:rPr lang="de-DE"/>
-              <a:t>Template Matching - Sven Lesche</a:t>
+              <a:t>Alpha and Intelligence - Sven Lesche</a:t>
             </a:r>
           </a:p>
         </p:txBody>
@@ -6526,7 +6513,7 @@
             </a:pPr>
             <a:r>
               <a:rPr lang="de-DE"/>
-              <a:t>Template Matching - Sven Lesche</a:t>
+              <a:t>Alpha and Intelligence - Sven Lesche</a:t>
             </a:r>
           </a:p>
         </p:txBody>
@@ -6884,7 +6871,7 @@
             </a:pPr>
             <a:r>
               <a:rPr lang="de-DE"/>
-              <a:t>Template Matching - Sven Lesche</a:t>
+              <a:t>Alpha and Intelligence - Sven Lesche</a:t>
             </a:r>
           </a:p>
         </p:txBody>
@@ -8326,7 +8313,7 @@
                   </a:schemeClr>
                 </a:solidFill>
               </a:rPr>
-              <a:t>Größere</a:t>
+              <a:t>Zusammenhänge</a:t>
             </a:r>
             <a:r>
               <a:rPr lang="en-GB" sz="2500" dirty="0">
@@ -8346,27 +8333,7 @@
                   </a:schemeClr>
                 </a:solidFill>
               </a:rPr>
-              <a:t>Sprünge</a:t>
-            </a:r>
-            <a:r>
-              <a:rPr lang="en-GB" sz="2500" dirty="0">
-                <a:solidFill>
-                  <a:schemeClr val="bg1">
-                    <a:lumMod val="50000"/>
-                  </a:schemeClr>
-                </a:solidFill>
-              </a:rPr>
-              <a:t> in der </a:t>
-            </a:r>
-            <a:r>
-              <a:rPr lang="en-GB" sz="2500" dirty="0" err="1">
-                <a:solidFill>
-                  <a:schemeClr val="bg1">
-                    <a:lumMod val="50000"/>
-                  </a:schemeClr>
-                </a:solidFill>
-              </a:rPr>
-              <a:t>Evidenzakkumulation</a:t>
+              <a:t>zwischen</a:t>
             </a:r>
             <a:r>
               <a:rPr lang="en-GB" sz="2500" dirty="0">
@@ -8386,7 +8353,7 @@
                   </a:schemeClr>
                 </a:solidFill>
               </a:rPr>
-              <a:t>sind</a:t>
+              <a:t>Stabilität</a:t>
             </a:r>
             <a:r>
               <a:rPr lang="en-GB" sz="2500" dirty="0">
@@ -8406,7 +8373,7 @@
                   </a:schemeClr>
                 </a:solidFill>
               </a:rPr>
-              <a:t>mit</a:t>
+              <a:t>im</a:t>
             </a:r>
             <a:r>
               <a:rPr lang="en-GB" sz="2500" dirty="0">
@@ -8426,7 +8393,7 @@
                   </a:schemeClr>
                 </a:solidFill>
               </a:rPr>
-              <a:t>höherer</a:t>
+              <a:t>Evidenzakkumulationsprozess</a:t>
             </a:r>
             <a:r>
               <a:rPr lang="en-GB" sz="2500" dirty="0">
@@ -8436,7 +8403,7 @@
                   </a:schemeClr>
                 </a:solidFill>
               </a:rPr>
-              <a:t> </a:t>
+              <a:t> und </a:t>
             </a:r>
             <a:r>
               <a:rPr lang="en-GB" sz="2500" dirty="0" err="1">
@@ -8447,36 +8414,6 @@
                 </a:solidFill>
               </a:rPr>
               <a:t>Intelligenz</a:t>
-            </a:r>
-            <a:r>
-              <a:rPr lang="en-GB" sz="2500" dirty="0">
-                <a:solidFill>
-                  <a:schemeClr val="bg1">
-                    <a:lumMod val="50000"/>
-                  </a:schemeClr>
-                </a:solidFill>
-              </a:rPr>
-              <a:t> </a:t>
-            </a:r>
-            <a:r>
-              <a:rPr lang="en-GB" sz="2500" dirty="0" err="1">
-                <a:solidFill>
-                  <a:schemeClr val="bg1">
-                    <a:lumMod val="50000"/>
-                  </a:schemeClr>
-                </a:solidFill>
-              </a:rPr>
-              <a:t>assoziiert</a:t>
-            </a:r>
-            <a:r>
-              <a:rPr lang="en-GB" sz="2500" dirty="0">
-                <a:solidFill>
-                  <a:schemeClr val="bg1">
-                    <a:lumMod val="50000"/>
-                  </a:schemeClr>
-                </a:solidFill>
-              </a:rPr>
-              <a:t>.</a:t>
             </a:r>
             <a:br>
               <a:rPr lang="en-GB" sz="3000" dirty="0"/>
@@ -8520,7 +8457,7 @@
           <p:cNvPr id="2" name="Title 1">
             <a:extLst>
               <a:ext uri="{FF2B5EF4-FFF2-40B4-BE49-F238E27FC236}">
-                <a16:creationId xmlns:a16="http://schemas.microsoft.com/office/drawing/2014/main" id="{F8653DD3-9460-4409-9C0F-A0393C82D2E9}"/>
+                <a16:creationId xmlns:a16="http://schemas.microsoft.com/office/drawing/2014/main" id="{CE0A8C41-DD02-459C-9BAA-E37AA0FD3F8D}"/>
               </a:ext>
             </a:extLst>
           </p:cNvPr>
@@ -8538,9 +8475,21 @@
           <a:p>
             <a:r>
               <a:rPr lang="en-GB" dirty="0" err="1"/>
-              <a:t>Methode</a:t>
-            </a:r>
-            <a:endParaRPr lang="en-GB" dirty="0"/>
+              <a:t>Datengrundlage</a:t>
+            </a:r>
+            <a:br>
+              <a:rPr lang="en-GB" dirty="0"/>
+            </a:br>
+            <a:r>
+              <a:rPr lang="en-GB" sz="2000" dirty="0">
+                <a:solidFill>
+                  <a:schemeClr val="bg1">
+                    <a:lumMod val="50000"/>
+                  </a:schemeClr>
+                </a:solidFill>
+              </a:rPr>
+              <a:t>Schubert et al. (2017)</a:t>
+            </a:r>
           </a:p>
         </p:txBody>
       </p:sp>
@@ -8549,7 +8498,7 @@
           <p:cNvPr id="3" name="Content Placeholder 2">
             <a:extLst>
               <a:ext uri="{FF2B5EF4-FFF2-40B4-BE49-F238E27FC236}">
-                <a16:creationId xmlns:a16="http://schemas.microsoft.com/office/drawing/2014/main" id="{60B00827-0487-4DD7-8F90-F59882DBC876}"/>
+                <a16:creationId xmlns:a16="http://schemas.microsoft.com/office/drawing/2014/main" id="{62055D7F-183F-429D-8C08-22B73B11EDA3}"/>
               </a:ext>
             </a:extLst>
           </p:cNvPr>
@@ -8567,27 +8516,19 @@
           <a:p>
             <a:r>
               <a:rPr lang="en-GB" dirty="0" err="1"/>
-              <a:t>Parametrisierung</a:t>
-            </a:r>
-            <a:r>
-              <a:rPr lang="en-GB" dirty="0"/>
-              <a:t> der </a:t>
-            </a:r>
-            <a:r>
-              <a:rPr lang="en-GB" dirty="0" err="1"/>
-              <a:t>Modellparameter</a:t>
-            </a:r>
-            <a:r>
-              <a:rPr lang="en-GB" dirty="0"/>
-              <a:t> des Levy-Flight </a:t>
-            </a:r>
-            <a:r>
-              <a:rPr lang="en-GB" dirty="0" err="1"/>
-              <a:t>Modells</a:t>
+              <a:t>Drei</a:t>
             </a:r>
             <a:r>
               <a:rPr lang="en-GB" dirty="0"/>
               <a:t> </a:t>
+            </a:r>
+            <a:r>
+              <a:rPr lang="en-GB" dirty="0" err="1"/>
+              <a:t>Aufgaben</a:t>
+            </a:r>
+            <a:r>
+              <a:rPr lang="en-GB" dirty="0"/>
+              <a:t> (ECTs):</a:t>
             </a:r>
           </a:p>
           <a:p>
@@ -8597,79 +8538,62 @@
             </a:pPr>
             <a:r>
               <a:rPr lang="en-GB" dirty="0"/>
-              <a:t>a, v, t0, z = 0.5, alpha, st0</a:t>
-            </a:r>
-          </a:p>
-          <a:p>
+              <a:t>Hick Task (0 Bit, 1 Bit, 2 Bit)</a:t>
+            </a:r>
+          </a:p>
+          <a:p>
+            <a:pPr marL="342900" indent="-342900">
+              <a:buFontTx/>
+              <a:buChar char="-"/>
+            </a:pPr>
+            <a:r>
+              <a:rPr lang="en-GB" dirty="0"/>
+              <a:t>Sternberg Task (1, 3, 5 Stimuli)</a:t>
+            </a:r>
+          </a:p>
+          <a:p>
+            <a:pPr marL="342900" indent="-342900">
+              <a:buFontTx/>
+              <a:buChar char="-"/>
+            </a:pPr>
+            <a:r>
+              <a:rPr lang="en-GB" dirty="0"/>
+              <a:t>Posner Task (Name Identity, Physical Identity)</a:t>
+            </a:r>
+          </a:p>
+          <a:p>
+            <a:pPr marL="342900" indent="-342900">
+              <a:buFontTx/>
+              <a:buChar char="-"/>
+            </a:pPr>
             <a:endParaRPr lang="en-GB" dirty="0"/>
           </a:p>
           <a:p>
             <a:r>
               <a:rPr lang="en-GB" dirty="0" err="1"/>
-              <a:t>Strukturgleichungsmodell</a:t>
-            </a:r>
+              <a:t>Intelligenz</a:t>
+            </a:r>
+            <a:endParaRPr lang="en-GB" dirty="0"/>
+          </a:p>
+          <a:p>
+            <a:pPr marL="342900" indent="-342900">
+              <a:buFontTx/>
+              <a:buChar char="-"/>
+            </a:pPr>
             <a:r>
               <a:rPr lang="en-GB" dirty="0"/>
-              <a:t> um </a:t>
-            </a:r>
-            <a:r>
-              <a:rPr lang="en-GB" dirty="0" err="1"/>
-              <a:t>latenten</a:t>
-            </a:r>
+              <a:t>APM</a:t>
+            </a:r>
+          </a:p>
+          <a:p>
+            <a:pPr marL="342900" indent="-342900">
+              <a:buFontTx/>
+              <a:buChar char="-"/>
+            </a:pPr>
             <a:r>
               <a:rPr lang="en-GB" dirty="0"/>
-              <a:t> </a:t>
-            </a:r>
-            <a:r>
-              <a:rPr lang="en-GB" dirty="0" err="1"/>
-              <a:t>Faktor</a:t>
-            </a:r>
-            <a:r>
-              <a:rPr lang="en-GB" dirty="0"/>
-              <a:t> von alpha </a:t>
-            </a:r>
-            <a:r>
-              <a:rPr lang="en-GB" dirty="0" err="1"/>
-              <a:t>zu</a:t>
-            </a:r>
-            <a:r>
-              <a:rPr lang="en-GB" dirty="0"/>
-              <a:t> </a:t>
-            </a:r>
-            <a:r>
-              <a:rPr lang="en-GB" dirty="0" err="1"/>
-              <a:t>bilden</a:t>
-            </a:r>
-            <a:r>
-              <a:rPr lang="en-GB" dirty="0"/>
-              <a:t>.</a:t>
-            </a:r>
-          </a:p>
-          <a:p>
-            <a:endParaRPr lang="en-GB" dirty="0"/>
-          </a:p>
-          <a:p>
-            <a:r>
-              <a:rPr lang="en-GB" dirty="0" err="1"/>
-              <a:t>Korrelation</a:t>
-            </a:r>
-            <a:r>
-              <a:rPr lang="en-GB" dirty="0"/>
-              <a:t> </a:t>
-            </a:r>
-            <a:r>
-              <a:rPr lang="en-GB" dirty="0" err="1"/>
-              <a:t>mit</a:t>
-            </a:r>
-            <a:r>
-              <a:rPr lang="en-GB" dirty="0"/>
-              <a:t> </a:t>
-            </a:r>
-            <a:r>
-              <a:rPr lang="en-GB" i="1" dirty="0"/>
-              <a:t>g</a:t>
-            </a:r>
-            <a:endParaRPr lang="en-GB" dirty="0"/>
+              <a:t>BIS</a:t>
+            </a:r>
           </a:p>
         </p:txBody>
       </p:sp>
@@ -8678,7 +8602,7 @@
           <p:cNvPr id="4" name="Slide Number Placeholder 3">
             <a:extLst>
               <a:ext uri="{FF2B5EF4-FFF2-40B4-BE49-F238E27FC236}">
-                <a16:creationId xmlns:a16="http://schemas.microsoft.com/office/drawing/2014/main" id="{60B92DC6-7E87-4DCC-8676-688658C052A9}"/>
+                <a16:creationId xmlns:a16="http://schemas.microsoft.com/office/drawing/2014/main" id="{BF61A427-F515-48DA-82BD-BFF4497E5597}"/>
               </a:ext>
             </a:extLst>
           </p:cNvPr>
@@ -8713,7 +8637,7 @@
           <p:cNvPr id="5" name="Footer Placeholder 4">
             <a:extLst>
               <a:ext uri="{FF2B5EF4-FFF2-40B4-BE49-F238E27FC236}">
-                <a16:creationId xmlns:a16="http://schemas.microsoft.com/office/drawing/2014/main" id="{DE791451-43D5-4D15-A3C7-8C8F4E25845E}"/>
+                <a16:creationId xmlns:a16="http://schemas.microsoft.com/office/drawing/2014/main" id="{84F5445A-7CF9-4A4F-86F6-AF934C389033}"/>
               </a:ext>
             </a:extLst>
           </p:cNvPr>
@@ -8734,7 +8658,7 @@
             </a:pPr>
             <a:r>
               <a:rPr lang="de-DE"/>
-              <a:t>Template Matching - Sven Lesche</a:t>
+              <a:t>Alpha and Intelligence - Sven Lesche</a:t>
             </a:r>
             <a:endParaRPr lang="de-DE" dirty="0"/>
           </a:p>
@@ -8743,7 +8667,7 @@
     </p:spTree>
     <p:extLst>
       <p:ext uri="{BB962C8B-B14F-4D97-AF65-F5344CB8AC3E}">
-        <p14:creationId xmlns:p14="http://schemas.microsoft.com/office/powerpoint/2010/main" val="2365849485"/>
+        <p14:creationId xmlns:p14="http://schemas.microsoft.com/office/powerpoint/2010/main" val="978481107"/>
       </p:ext>
     </p:extLst>
   </p:cSld>
@@ -8775,7 +8699,7 @@
           <p:cNvPr id="2" name="Title 1">
             <a:extLst>
               <a:ext uri="{FF2B5EF4-FFF2-40B4-BE49-F238E27FC236}">
-                <a16:creationId xmlns:a16="http://schemas.microsoft.com/office/drawing/2014/main" id="{E7C9B57E-0726-42F0-AAE8-935D9DC27331}"/>
+                <a16:creationId xmlns:a16="http://schemas.microsoft.com/office/drawing/2014/main" id="{F8653DD3-9460-4409-9C0F-A0393C82D2E9}"/>
               </a:ext>
             </a:extLst>
           </p:cNvPr>
@@ -8792,9 +8716,10 @@
           <a:lstStyle/>
           <a:p>
             <a:r>
-              <a:rPr lang="en-GB" dirty="0"/>
-              <a:t>Bayes Flow</a:t>
-            </a:r>
+              <a:rPr lang="en-GB" dirty="0" err="1"/>
+              <a:t>Methode</a:t>
+            </a:r>
+            <a:endParaRPr lang="en-GB" dirty="0"/>
           </a:p>
         </p:txBody>
       </p:sp>
@@ -8803,7 +8728,7 @@
           <p:cNvPr id="3" name="Content Placeholder 2">
             <a:extLst>
               <a:ext uri="{FF2B5EF4-FFF2-40B4-BE49-F238E27FC236}">
-                <a16:creationId xmlns:a16="http://schemas.microsoft.com/office/drawing/2014/main" id="{BE7AF9FE-44D9-40CB-9EAD-4F3623429394}"/>
+                <a16:creationId xmlns:a16="http://schemas.microsoft.com/office/drawing/2014/main" id="{60B00827-0487-4DD7-8F90-F59882DBC876}"/>
               </a:ext>
             </a:extLst>
           </p:cNvPr>
@@ -8819,7 +8744,111 @@
           <a:bodyPr/>
           <a:lstStyle/>
           <a:p>
-            <a:endParaRPr lang="en-GB"/>
+            <a:r>
+              <a:rPr lang="en-GB" dirty="0" err="1"/>
+              <a:t>Parametrisierung</a:t>
+            </a:r>
+            <a:r>
+              <a:rPr lang="en-GB" dirty="0"/>
+              <a:t> der </a:t>
+            </a:r>
+            <a:r>
+              <a:rPr lang="en-GB" dirty="0" err="1"/>
+              <a:t>Modellparameter</a:t>
+            </a:r>
+            <a:r>
+              <a:rPr lang="en-GB" dirty="0"/>
+              <a:t> des Levy-Flight </a:t>
+            </a:r>
+            <a:r>
+              <a:rPr lang="en-GB" dirty="0" err="1"/>
+              <a:t>Modells</a:t>
+            </a:r>
+            <a:r>
+              <a:rPr lang="en-GB" dirty="0"/>
+              <a:t> </a:t>
+            </a:r>
+          </a:p>
+          <a:p>
+            <a:pPr marL="342900" indent="-342900">
+              <a:buFontTx/>
+              <a:buChar char="-"/>
+            </a:pPr>
+            <a:r>
+              <a:rPr lang="en-GB" dirty="0"/>
+              <a:t>a, v, t0, z = 0.5, alpha, st0</a:t>
+            </a:r>
+          </a:p>
+          <a:p>
+            <a:endParaRPr lang="en-GB" dirty="0"/>
+          </a:p>
+          <a:p>
+            <a:r>
+              <a:rPr lang="en-GB" dirty="0" err="1"/>
+              <a:t>Strukturgleichungsmodell</a:t>
+            </a:r>
+            <a:r>
+              <a:rPr lang="en-GB" dirty="0"/>
+              <a:t> um </a:t>
+            </a:r>
+            <a:r>
+              <a:rPr lang="en-GB" dirty="0" err="1"/>
+              <a:t>latenten</a:t>
+            </a:r>
+            <a:r>
+              <a:rPr lang="en-GB" dirty="0"/>
+              <a:t> </a:t>
+            </a:r>
+            <a:r>
+              <a:rPr lang="en-GB" dirty="0" err="1"/>
+              <a:t>Faktor</a:t>
+            </a:r>
+            <a:r>
+              <a:rPr lang="en-GB" dirty="0"/>
+              <a:t> von alpha </a:t>
+            </a:r>
+            <a:r>
+              <a:rPr lang="en-GB" dirty="0" err="1"/>
+              <a:t>zu</a:t>
+            </a:r>
+            <a:r>
+              <a:rPr lang="en-GB" dirty="0"/>
+              <a:t> </a:t>
+            </a:r>
+            <a:r>
+              <a:rPr lang="en-GB" dirty="0" err="1"/>
+              <a:t>bilden</a:t>
+            </a:r>
+            <a:r>
+              <a:rPr lang="en-GB" dirty="0"/>
+              <a:t>.</a:t>
+            </a:r>
+          </a:p>
+          <a:p>
+            <a:endParaRPr lang="en-GB" dirty="0"/>
+          </a:p>
+          <a:p>
+            <a:r>
+              <a:rPr lang="en-GB" dirty="0" err="1"/>
+              <a:t>Korrelation</a:t>
+            </a:r>
+            <a:r>
+              <a:rPr lang="en-GB" dirty="0"/>
+              <a:t> </a:t>
+            </a:r>
+            <a:r>
+              <a:rPr lang="en-GB" dirty="0" err="1"/>
+              <a:t>mit</a:t>
+            </a:r>
+            <a:r>
+              <a:rPr lang="en-GB" dirty="0"/>
+              <a:t> </a:t>
+            </a:r>
+            <a:r>
+              <a:rPr lang="en-GB" i="1" dirty="0"/>
+              <a:t>g </a:t>
+            </a:r>
+            <a:endParaRPr lang="en-GB" dirty="0"/>
           </a:p>
         </p:txBody>
       </p:sp>
@@ -8828,7 +8857,7 @@
           <p:cNvPr id="4" name="Slide Number Placeholder 3">
             <a:extLst>
               <a:ext uri="{FF2B5EF4-FFF2-40B4-BE49-F238E27FC236}">
-                <a16:creationId xmlns:a16="http://schemas.microsoft.com/office/drawing/2014/main" id="{7357BEDF-AD71-427F-9438-410198708D62}"/>
+                <a16:creationId xmlns:a16="http://schemas.microsoft.com/office/drawing/2014/main" id="{60B92DC6-7E87-4DCC-8676-688658C052A9}"/>
               </a:ext>
             </a:extLst>
           </p:cNvPr>
@@ -8863,7 +8892,7 @@
           <p:cNvPr id="5" name="Footer Placeholder 4">
             <a:extLst>
               <a:ext uri="{FF2B5EF4-FFF2-40B4-BE49-F238E27FC236}">
-                <a16:creationId xmlns:a16="http://schemas.microsoft.com/office/drawing/2014/main" id="{ED0A1FDA-99F9-4005-8C63-285F4512DEB0}"/>
+                <a16:creationId xmlns:a16="http://schemas.microsoft.com/office/drawing/2014/main" id="{DE791451-43D5-4D15-A3C7-8C8F4E25845E}"/>
               </a:ext>
             </a:extLst>
           </p:cNvPr>
@@ -8884,7 +8913,7 @@
             </a:pPr>
             <a:r>
               <a:rPr lang="de-DE"/>
-              <a:t>Template Matching - Sven Lesche</a:t>
+              <a:t>Alpha and Intelligence - Sven Lesche</a:t>
             </a:r>
             <a:endParaRPr lang="de-DE" dirty="0"/>
           </a:p>
@@ -8893,7 +8922,7 @@
     </p:spTree>
     <p:extLst>
       <p:ext uri="{BB962C8B-B14F-4D97-AF65-F5344CB8AC3E}">
-        <p14:creationId xmlns:p14="http://schemas.microsoft.com/office/powerpoint/2010/main" val="4145911233"/>
+        <p14:creationId xmlns:p14="http://schemas.microsoft.com/office/powerpoint/2010/main" val="2365849485"/>
       </p:ext>
     </p:extLst>
   </p:cSld>
@@ -8925,7 +8954,7 @@
           <p:cNvPr id="2" name="Title 1">
             <a:extLst>
               <a:ext uri="{FF2B5EF4-FFF2-40B4-BE49-F238E27FC236}">
-                <a16:creationId xmlns:a16="http://schemas.microsoft.com/office/drawing/2014/main" id="{366B0929-4D63-4935-BC68-DCEE86A5F21C}"/>
+                <a16:creationId xmlns:a16="http://schemas.microsoft.com/office/drawing/2014/main" id="{E7C9B57E-0726-42F0-AAE8-935D9DC27331}"/>
               </a:ext>
             </a:extLst>
           </p:cNvPr>
@@ -8942,12 +8971,31 @@
           <a:lstStyle/>
           <a:p>
             <a:r>
-              <a:rPr lang="en-GB" dirty="0" err="1"/>
-              <a:t>Ergebnisse</a:t>
-            </a:r>
-            <a:r>
               <a:rPr lang="en-GB" dirty="0"/>
-              <a:t> </a:t>
+              <a:t>Bayes Flow</a:t>
+            </a:r>
+            <a:br>
+              <a:rPr lang="en-GB" dirty="0"/>
+            </a:br>
+            <a:r>
+              <a:rPr lang="en-GB" sz="2000" dirty="0" err="1">
+                <a:solidFill>
+                  <a:schemeClr val="bg1">
+                    <a:lumMod val="50000"/>
+                  </a:schemeClr>
+                </a:solidFill>
+              </a:rPr>
+              <a:t>Radev</a:t>
+            </a:r>
+            <a:r>
+              <a:rPr lang="en-GB" sz="2000" dirty="0">
+                <a:solidFill>
+                  <a:schemeClr val="bg1">
+                    <a:lumMod val="50000"/>
+                  </a:schemeClr>
+                </a:solidFill>
+              </a:rPr>
+              <a:t> et al. (2023)</a:t>
             </a:r>
           </a:p>
         </p:txBody>
@@ -8957,7 +9005,7 @@
           <p:cNvPr id="4" name="Slide Number Placeholder 3">
             <a:extLst>
               <a:ext uri="{FF2B5EF4-FFF2-40B4-BE49-F238E27FC236}">
-                <a16:creationId xmlns:a16="http://schemas.microsoft.com/office/drawing/2014/main" id="{507D79C0-B13A-4F87-AD41-A3FA70F2F4C9}"/>
+                <a16:creationId xmlns:a16="http://schemas.microsoft.com/office/drawing/2014/main" id="{7357BEDF-AD71-427F-9438-410198708D62}"/>
               </a:ext>
             </a:extLst>
           </p:cNvPr>
@@ -8992,6 +9040,851 @@
           <p:cNvPr id="5" name="Footer Placeholder 4">
             <a:extLst>
               <a:ext uri="{FF2B5EF4-FFF2-40B4-BE49-F238E27FC236}">
+                <a16:creationId xmlns:a16="http://schemas.microsoft.com/office/drawing/2014/main" id="{ED0A1FDA-99F9-4005-8C63-285F4512DEB0}"/>
+              </a:ext>
+            </a:extLst>
+          </p:cNvPr>
+          <p:cNvSpPr>
+            <a:spLocks noGrp="1"/>
+          </p:cNvSpPr>
+          <p:nvPr>
+            <p:ph type="ftr" sz="quarter" idx="11"/>
+          </p:nvPr>
+        </p:nvSpPr>
+        <p:spPr/>
+        <p:txBody>
+          <a:bodyPr/>
+          <a:lstStyle/>
+          <a:p>
+            <a:pPr>
+              <a:defRPr/>
+            </a:pPr>
+            <a:r>
+              <a:rPr lang="de-DE"/>
+              <a:t>Alpha and Intelligence - Sven Lesche</a:t>
+            </a:r>
+            <a:endParaRPr lang="de-DE" dirty="0"/>
+          </a:p>
+        </p:txBody>
+      </p:sp>
+      <p:sp>
+        <p:nvSpPr>
+          <p:cNvPr id="8" name="Content Placeholder 7">
+            <a:extLst>
+              <a:ext uri="{FF2B5EF4-FFF2-40B4-BE49-F238E27FC236}">
+                <a16:creationId xmlns:a16="http://schemas.microsoft.com/office/drawing/2014/main" id="{6693DB2B-3378-931D-D34C-886969F9B4AA}"/>
+              </a:ext>
+            </a:extLst>
+          </p:cNvPr>
+          <p:cNvSpPr>
+            <a:spLocks noGrp="1"/>
+          </p:cNvSpPr>
+          <p:nvPr>
+            <p:ph idx="1"/>
+          </p:nvPr>
+        </p:nvSpPr>
+        <p:spPr/>
+        <p:txBody>
+          <a:bodyPr/>
+          <a:lstStyle/>
+          <a:p>
+            <a:r>
+              <a:rPr lang="de-DE" dirty="0"/>
+              <a:t>Unbekannte </a:t>
+            </a:r>
+            <a:r>
+              <a:rPr lang="de-DE" dirty="0" err="1"/>
+              <a:t>Likelihood</a:t>
+            </a:r>
+            <a:r>
+              <a:rPr lang="de-DE" dirty="0"/>
+              <a:t>-Funktion </a:t>
+            </a:r>
+          </a:p>
+          <a:p>
+            <a:endParaRPr lang="de-DE" dirty="0"/>
+          </a:p>
+          <a:p>
+            <a:r>
+              <a:rPr lang="de-DE" dirty="0"/>
+              <a:t>Simulation von Daten -&gt; ML Training -&gt; ML auf echte Daten anwenden</a:t>
+            </a:r>
+          </a:p>
+          <a:p>
+            <a:endParaRPr lang="de-DE" dirty="0"/>
+          </a:p>
+        </p:txBody>
+      </p:sp>
+      <p:pic>
+        <p:nvPicPr>
+          <p:cNvPr id="9" name="Content Placeholder 6">
+            <a:extLst>
+              <a:ext uri="{FF2B5EF4-FFF2-40B4-BE49-F238E27FC236}">
+                <a16:creationId xmlns:a16="http://schemas.microsoft.com/office/drawing/2014/main" id="{52F2F7F7-860B-CC0D-CE7A-B57DDF543CC9}"/>
+              </a:ext>
+            </a:extLst>
+          </p:cNvPr>
+          <p:cNvPicPr>
+            <a:picLocks noChangeAspect="1"/>
+          </p:cNvPicPr>
+          <p:nvPr/>
+        </p:nvPicPr>
+        <p:blipFill>
+          <a:blip r:embed="rId2"/>
+          <a:stretch>
+            <a:fillRect/>
+          </a:stretch>
+        </p:blipFill>
+        <p:spPr bwMode="auto">
+          <a:xfrm>
+            <a:off x="287933" y="2747598"/>
+            <a:ext cx="8207375" cy="3287084"/>
+          </a:xfrm>
+          <a:prstGeom prst="rect">
+            <a:avLst/>
+          </a:prstGeom>
+          <a:noFill/>
+          <a:ln>
+            <a:noFill/>
+          </a:ln>
+          <a:extLst>
+            <a:ext uri="{909E8E84-426E-40DD-AFC4-6F175D3DCCD1}">
+              <a14:hiddenFill xmlns:a14="http://schemas.microsoft.com/office/drawing/2010/main">
+                <a:solidFill>
+                  <a:srgbClr val="FFFFFF"/>
+                </a:solidFill>
+              </a14:hiddenFill>
+            </a:ext>
+            <a:ext uri="{91240B29-F687-4F45-9708-019B960494DF}">
+              <a14:hiddenLine xmlns:a14="http://schemas.microsoft.com/office/drawing/2010/main" w="9525">
+                <a:solidFill>
+                  <a:srgbClr val="000000"/>
+                </a:solidFill>
+                <a:miter lim="800000"/>
+                <a:headEnd/>
+                <a:tailEnd/>
+              </a14:hiddenLine>
+            </a:ext>
+          </a:extLst>
+        </p:spPr>
+      </p:pic>
+    </p:spTree>
+    <p:extLst>
+      <p:ext uri="{BB962C8B-B14F-4D97-AF65-F5344CB8AC3E}">
+        <p14:creationId xmlns:p14="http://schemas.microsoft.com/office/powerpoint/2010/main" val="4145911233"/>
+      </p:ext>
+    </p:extLst>
+  </p:cSld>
+  <p:clrMapOvr>
+    <a:masterClrMapping/>
+  </p:clrMapOvr>
+</p:sld>
+</file>
+
+<file path=ppt/slides/slide13.xml><?xml version="1.0" encoding="utf-8"?>
+<p:sld xmlns:a="http://schemas.openxmlformats.org/drawingml/2006/main" xmlns:r="http://schemas.openxmlformats.org/officeDocument/2006/relationships" xmlns:p="http://schemas.openxmlformats.org/presentationml/2006/main">
+  <p:cSld>
+    <p:spTree>
+      <p:nvGrpSpPr>
+        <p:cNvPr id="1" name=""/>
+        <p:cNvGrpSpPr/>
+        <p:nvPr/>
+      </p:nvGrpSpPr>
+      <p:grpSpPr>
+        <a:xfrm>
+          <a:off x="0" y="0"/>
+          <a:ext cx="0" cy="0"/>
+          <a:chOff x="0" y="0"/>
+          <a:chExt cx="0" cy="0"/>
+        </a:xfrm>
+      </p:grpSpPr>
+      <p:sp>
+        <p:nvSpPr>
+          <p:cNvPr id="2" name="Title 1">
+            <a:extLst>
+              <a:ext uri="{FF2B5EF4-FFF2-40B4-BE49-F238E27FC236}">
+                <a16:creationId xmlns:a16="http://schemas.microsoft.com/office/drawing/2014/main" id="{E7C9B57E-0726-42F0-AAE8-935D9DC27331}"/>
+              </a:ext>
+            </a:extLst>
+          </p:cNvPr>
+          <p:cNvSpPr>
+            <a:spLocks noGrp="1"/>
+          </p:cNvSpPr>
+          <p:nvPr>
+            <p:ph type="title"/>
+          </p:nvPr>
+        </p:nvSpPr>
+        <p:spPr/>
+        <p:txBody>
+          <a:bodyPr/>
+          <a:lstStyle/>
+          <a:p>
+            <a:r>
+              <a:rPr lang="en-GB" dirty="0"/>
+              <a:t>Bayes Flow</a:t>
+            </a:r>
+            <a:br>
+              <a:rPr lang="en-GB" dirty="0"/>
+            </a:br>
+            <a:r>
+              <a:rPr lang="en-GB" sz="2000" dirty="0" err="1">
+                <a:solidFill>
+                  <a:schemeClr val="bg1">
+                    <a:lumMod val="50000"/>
+                  </a:schemeClr>
+                </a:solidFill>
+              </a:rPr>
+              <a:t>Radev</a:t>
+            </a:r>
+            <a:r>
+              <a:rPr lang="en-GB" sz="2000" dirty="0">
+                <a:solidFill>
+                  <a:schemeClr val="bg1">
+                    <a:lumMod val="50000"/>
+                  </a:schemeClr>
+                </a:solidFill>
+              </a:rPr>
+              <a:t> et al. (2023)</a:t>
+            </a:r>
+          </a:p>
+        </p:txBody>
+      </p:sp>
+      <p:sp>
+        <p:nvSpPr>
+          <p:cNvPr id="4" name="Slide Number Placeholder 3">
+            <a:extLst>
+              <a:ext uri="{FF2B5EF4-FFF2-40B4-BE49-F238E27FC236}">
+                <a16:creationId xmlns:a16="http://schemas.microsoft.com/office/drawing/2014/main" id="{7357BEDF-AD71-427F-9438-410198708D62}"/>
+              </a:ext>
+            </a:extLst>
+          </p:cNvPr>
+          <p:cNvSpPr>
+            <a:spLocks noGrp="1"/>
+          </p:cNvSpPr>
+          <p:nvPr>
+            <p:ph type="sldNum" sz="quarter" idx="10"/>
+          </p:nvPr>
+        </p:nvSpPr>
+        <p:spPr/>
+        <p:txBody>
+          <a:bodyPr/>
+          <a:lstStyle/>
+          <a:p>
+            <a:pPr>
+              <a:defRPr/>
+            </a:pPr>
+            <a:fld id="{BFD7839F-DA5C-4C13-94BA-0DC1947AAA90}" type="slidenum">
+              <a:rPr lang="de-DE" altLang="de-DE" smtClean="0"/>
+              <a:pPr>
+                <a:defRPr/>
+              </a:pPr>
+              <a:t>13</a:t>
+            </a:fld>
+            <a:endParaRPr lang="de-DE" altLang="de-DE" dirty="0"/>
+          </a:p>
+        </p:txBody>
+      </p:sp>
+      <p:sp>
+        <p:nvSpPr>
+          <p:cNvPr id="5" name="Footer Placeholder 4">
+            <a:extLst>
+              <a:ext uri="{FF2B5EF4-FFF2-40B4-BE49-F238E27FC236}">
+                <a16:creationId xmlns:a16="http://schemas.microsoft.com/office/drawing/2014/main" id="{ED0A1FDA-99F9-4005-8C63-285F4512DEB0}"/>
+              </a:ext>
+            </a:extLst>
+          </p:cNvPr>
+          <p:cNvSpPr>
+            <a:spLocks noGrp="1"/>
+          </p:cNvSpPr>
+          <p:nvPr>
+            <p:ph type="ftr" sz="quarter" idx="11"/>
+          </p:nvPr>
+        </p:nvSpPr>
+        <p:spPr/>
+        <p:txBody>
+          <a:bodyPr/>
+          <a:lstStyle/>
+          <a:p>
+            <a:pPr>
+              <a:defRPr/>
+            </a:pPr>
+            <a:r>
+              <a:rPr lang="de-DE"/>
+              <a:t>Alpha and Intelligence - Sven Lesche</a:t>
+            </a:r>
+            <a:endParaRPr lang="de-DE" dirty="0"/>
+          </a:p>
+        </p:txBody>
+      </p:sp>
+      <p:sp>
+        <p:nvSpPr>
+          <p:cNvPr id="8" name="Content Placeholder 7">
+            <a:extLst>
+              <a:ext uri="{FF2B5EF4-FFF2-40B4-BE49-F238E27FC236}">
+                <a16:creationId xmlns:a16="http://schemas.microsoft.com/office/drawing/2014/main" id="{6693DB2B-3378-931D-D34C-886969F9B4AA}"/>
+              </a:ext>
+            </a:extLst>
+          </p:cNvPr>
+          <p:cNvSpPr>
+            <a:spLocks noGrp="1"/>
+          </p:cNvSpPr>
+          <p:nvPr>
+            <p:ph idx="1"/>
+          </p:nvPr>
+        </p:nvSpPr>
+        <p:spPr/>
+        <p:txBody>
+          <a:bodyPr/>
+          <a:lstStyle/>
+          <a:p>
+            <a:r>
+              <a:rPr lang="de-DE" dirty="0"/>
+              <a:t>Unbekannte </a:t>
+            </a:r>
+            <a:r>
+              <a:rPr lang="de-DE" dirty="0" err="1"/>
+              <a:t>Likelihood</a:t>
+            </a:r>
+            <a:r>
+              <a:rPr lang="de-DE" dirty="0"/>
+              <a:t>-Funktion </a:t>
+            </a:r>
+          </a:p>
+          <a:p>
+            <a:endParaRPr lang="de-DE" dirty="0"/>
+          </a:p>
+          <a:p>
+            <a:r>
+              <a:rPr lang="de-DE" dirty="0"/>
+              <a:t>Simulation von Daten -&gt; ML Training -&gt; ML auf echte Daten anwenden</a:t>
+            </a:r>
+          </a:p>
+          <a:p>
+            <a:endParaRPr lang="de-DE" dirty="0"/>
+          </a:p>
+        </p:txBody>
+      </p:sp>
+      <p:pic>
+        <p:nvPicPr>
+          <p:cNvPr id="1026" name="Picture 2" descr="The Melting Ice Cube Fallacy - Credit Slips">
+            <a:extLst>
+              <a:ext uri="{FF2B5EF4-FFF2-40B4-BE49-F238E27FC236}">
+                <a16:creationId xmlns:a16="http://schemas.microsoft.com/office/drawing/2014/main" id="{021EA905-A174-4033-3935-09E42BB9DA82}"/>
+              </a:ext>
+            </a:extLst>
+          </p:cNvPr>
+          <p:cNvPicPr>
+            <a:picLocks noChangeAspect="1" noChangeArrowheads="1"/>
+          </p:cNvPicPr>
+          <p:nvPr/>
+        </p:nvPicPr>
+        <p:blipFill>
+          <a:blip r:embed="rId2">
+            <a:extLst>
+              <a:ext uri="{28A0092B-C50C-407E-A947-70E740481C1C}">
+                <a14:useLocalDpi xmlns:a14="http://schemas.microsoft.com/office/drawing/2010/main" val="0"/>
+              </a:ext>
+            </a:extLst>
+          </a:blip>
+          <a:srcRect/>
+          <a:stretch>
+            <a:fillRect/>
+          </a:stretch>
+        </p:blipFill>
+        <p:spPr bwMode="auto">
+          <a:xfrm>
+            <a:off x="287933" y="3096071"/>
+            <a:ext cx="3810000" cy="2543175"/>
+          </a:xfrm>
+          <a:prstGeom prst="rect">
+            <a:avLst/>
+          </a:prstGeom>
+          <a:noFill/>
+          <a:extLst>
+            <a:ext uri="{909E8E84-426E-40DD-AFC4-6F175D3DCCD1}">
+              <a14:hiddenFill xmlns:a14="http://schemas.microsoft.com/office/drawing/2010/main">
+                <a:solidFill>
+                  <a:srgbClr val="FFFFFF"/>
+                </a:solidFill>
+              </a14:hiddenFill>
+            </a:ext>
+          </a:extLst>
+        </p:spPr>
+      </p:pic>
+      <p:pic>
+        <p:nvPicPr>
+          <p:cNvPr id="6" name="Graphic 5" descr="Repeat outline">
+            <a:extLst>
+              <a:ext uri="{FF2B5EF4-FFF2-40B4-BE49-F238E27FC236}">
+                <a16:creationId xmlns:a16="http://schemas.microsoft.com/office/drawing/2014/main" id="{824C37FF-DBEE-3081-9610-431A28655119}"/>
+              </a:ext>
+            </a:extLst>
+          </p:cNvPr>
+          <p:cNvPicPr>
+            <a:picLocks noChangeAspect="1"/>
+          </p:cNvPicPr>
+          <p:nvPr/>
+        </p:nvPicPr>
+        <p:blipFill>
+          <a:blip r:embed="rId3">
+            <a:extLst>
+              <a:ext uri="{96DAC541-7B7A-43D3-8B79-37D633B846F1}">
+                <asvg:svgBlip xmlns:asvg="http://schemas.microsoft.com/office/drawing/2016/SVG/main" r:embed="rId4"/>
+              </a:ext>
+            </a:extLst>
+          </a:blip>
+          <a:stretch>
+            <a:fillRect/>
+          </a:stretch>
+        </p:blipFill>
+        <p:spPr>
+          <a:xfrm>
+            <a:off x="3743920" y="2742058"/>
+            <a:ext cx="708025" cy="708025"/>
+          </a:xfrm>
+          <a:prstGeom prst="rect">
+            <a:avLst/>
+          </a:prstGeom>
+        </p:spPr>
+      </p:pic>
+      <p:pic>
+        <p:nvPicPr>
+          <p:cNvPr id="1028" name="Picture 4" descr="Water Spill On A Floor Puddle Isometric ...">
+            <a:extLst>
+              <a:ext uri="{FF2B5EF4-FFF2-40B4-BE49-F238E27FC236}">
+                <a16:creationId xmlns:a16="http://schemas.microsoft.com/office/drawing/2014/main" id="{27613ABE-6A02-75A8-82FE-772F03EEFD7F}"/>
+              </a:ext>
+            </a:extLst>
+          </p:cNvPr>
+          <p:cNvPicPr>
+            <a:picLocks noChangeAspect="1" noChangeArrowheads="1"/>
+          </p:cNvPicPr>
+          <p:nvPr/>
+        </p:nvPicPr>
+        <p:blipFill>
+          <a:blip r:embed="rId5">
+            <a:extLst>
+              <a:ext uri="{28A0092B-C50C-407E-A947-70E740481C1C}">
+                <a14:useLocalDpi xmlns:a14="http://schemas.microsoft.com/office/drawing/2010/main" val="0"/>
+              </a:ext>
+            </a:extLst>
+          </a:blip>
+          <a:srcRect/>
+          <a:stretch>
+            <a:fillRect/>
+          </a:stretch>
+        </p:blipFill>
+        <p:spPr bwMode="auto">
+          <a:xfrm>
+            <a:off x="5239295" y="3215835"/>
+            <a:ext cx="2386658" cy="1401042"/>
+          </a:xfrm>
+          <a:prstGeom prst="rect">
+            <a:avLst/>
+          </a:prstGeom>
+          <a:noFill/>
+          <a:extLst>
+            <a:ext uri="{909E8E84-426E-40DD-AFC4-6F175D3DCCD1}">
+              <a14:hiddenFill xmlns:a14="http://schemas.microsoft.com/office/drawing/2010/main">
+                <a:solidFill>
+                  <a:srgbClr val="FFFFFF"/>
+                </a:solidFill>
+              </a14:hiddenFill>
+            </a:ext>
+          </a:extLst>
+        </p:spPr>
+      </p:pic>
+      <p:pic>
+        <p:nvPicPr>
+          <p:cNvPr id="1030" name="Picture 6" descr="Two Ice Cubes in Water Puddle">
+            <a:extLst>
+              <a:ext uri="{FF2B5EF4-FFF2-40B4-BE49-F238E27FC236}">
+                <a16:creationId xmlns:a16="http://schemas.microsoft.com/office/drawing/2014/main" id="{7EC74E96-F945-DAD3-59C7-2BB7E808EAD4}"/>
+              </a:ext>
+            </a:extLst>
+          </p:cNvPr>
+          <p:cNvPicPr>
+            <a:picLocks noChangeAspect="1" noChangeArrowheads="1"/>
+          </p:cNvPicPr>
+          <p:nvPr/>
+        </p:nvPicPr>
+        <p:blipFill>
+          <a:blip r:embed="rId6">
+            <a:extLst>
+              <a:ext uri="{28A0092B-C50C-407E-A947-70E740481C1C}">
+                <a14:useLocalDpi xmlns:a14="http://schemas.microsoft.com/office/drawing/2010/main" val="0"/>
+              </a:ext>
+            </a:extLst>
+          </a:blip>
+          <a:srcRect/>
+          <a:stretch>
+            <a:fillRect/>
+          </a:stretch>
+        </p:blipFill>
+        <p:spPr bwMode="auto">
+          <a:xfrm>
+            <a:off x="5682160" y="4971756"/>
+            <a:ext cx="1500927" cy="1500927"/>
+          </a:xfrm>
+          <a:prstGeom prst="rect">
+            <a:avLst/>
+          </a:prstGeom>
+          <a:noFill/>
+          <a:extLst>
+            <a:ext uri="{909E8E84-426E-40DD-AFC4-6F175D3DCCD1}">
+              <a14:hiddenFill xmlns:a14="http://schemas.microsoft.com/office/drawing/2010/main">
+                <a:solidFill>
+                  <a:srgbClr val="FFFFFF"/>
+                </a:solidFill>
+              </a14:hiddenFill>
+            </a:ext>
+          </a:extLst>
+        </p:spPr>
+      </p:pic>
+      <p:sp>
+        <p:nvSpPr>
+          <p:cNvPr id="12" name="Arrow: Right 11">
+            <a:extLst>
+              <a:ext uri="{FF2B5EF4-FFF2-40B4-BE49-F238E27FC236}">
+                <a16:creationId xmlns:a16="http://schemas.microsoft.com/office/drawing/2014/main" id="{CD7BEBBD-D2FB-3A35-6B43-EA08BE30775A}"/>
+              </a:ext>
+            </a:extLst>
+          </p:cNvPr>
+          <p:cNvSpPr/>
+          <p:nvPr/>
+        </p:nvSpPr>
+        <p:spPr>
+          <a:xfrm rot="5400000">
+            <a:off x="6082102" y="4613739"/>
+            <a:ext cx="659548" cy="438076"/>
+          </a:xfrm>
+          <a:prstGeom prst="rightArrow">
+            <a:avLst/>
+          </a:prstGeom>
+          <a:noFill/>
+        </p:spPr>
+        <p:style>
+          <a:lnRef idx="2">
+            <a:schemeClr val="accent1">
+              <a:shade val="15000"/>
+            </a:schemeClr>
+          </a:lnRef>
+          <a:fillRef idx="1">
+            <a:schemeClr val="accent1"/>
+          </a:fillRef>
+          <a:effectRef idx="0">
+            <a:schemeClr val="accent1"/>
+          </a:effectRef>
+          <a:fontRef idx="minor">
+            <a:schemeClr val="lt1"/>
+          </a:fontRef>
+        </p:style>
+        <p:txBody>
+          <a:bodyPr rtlCol="0" anchor="ctr"/>
+          <a:lstStyle/>
+          <a:p>
+            <a:pPr algn="ctr"/>
+            <a:endParaRPr lang="de-DE"/>
+          </a:p>
+        </p:txBody>
+      </p:sp>
+    </p:spTree>
+    <p:extLst>
+      <p:ext uri="{BB962C8B-B14F-4D97-AF65-F5344CB8AC3E}">
+        <p14:creationId xmlns:p14="http://schemas.microsoft.com/office/powerpoint/2010/main" val="3569667521"/>
+      </p:ext>
+    </p:extLst>
+  </p:cSld>
+  <p:clrMapOvr>
+    <a:masterClrMapping/>
+  </p:clrMapOvr>
+  <p:timing>
+    <p:tnLst>
+      <p:par>
+        <p:cTn id="1" dur="indefinite" restart="never" nodeType="tmRoot">
+          <p:childTnLst>
+            <p:seq concurrent="1" nextAc="seek">
+              <p:cTn id="2" dur="indefinite" nodeType="mainSeq">
+                <p:childTnLst>
+                  <p:par>
+                    <p:cTn id="3" fill="hold">
+                      <p:stCondLst>
+                        <p:cond delay="indefinite"/>
+                      </p:stCondLst>
+                      <p:childTnLst>
+                        <p:par>
+                          <p:cTn id="4" fill="hold">
+                            <p:stCondLst>
+                              <p:cond delay="0"/>
+                            </p:stCondLst>
+                            <p:childTnLst>
+                              <p:par>
+                                <p:cTn id="5" presetID="1" presetClass="entr" presetSubtype="0" fill="hold" nodeType="clickEffect">
+                                  <p:stCondLst>
+                                    <p:cond delay="0"/>
+                                  </p:stCondLst>
+                                  <p:childTnLst>
+                                    <p:set>
+                                      <p:cBhvr>
+                                        <p:cTn id="6" dur="1" fill="hold">
+                                          <p:stCondLst>
+                                            <p:cond delay="0"/>
+                                          </p:stCondLst>
+                                        </p:cTn>
+                                        <p:tgtEl>
+                                          <p:spTgt spid="6"/>
+                                        </p:tgtEl>
+                                        <p:attrNameLst>
+                                          <p:attrName>style.visibility</p:attrName>
+                                        </p:attrNameLst>
+                                      </p:cBhvr>
+                                      <p:to>
+                                        <p:strVal val="visible"/>
+                                      </p:to>
+                                    </p:set>
+                                  </p:childTnLst>
+                                </p:cTn>
+                              </p:par>
+                            </p:childTnLst>
+                          </p:cTn>
+                        </p:par>
+                      </p:childTnLst>
+                    </p:cTn>
+                  </p:par>
+                  <p:par>
+                    <p:cTn id="7" fill="hold">
+                      <p:stCondLst>
+                        <p:cond delay="indefinite"/>
+                      </p:stCondLst>
+                      <p:childTnLst>
+                        <p:par>
+                          <p:cTn id="8" fill="hold">
+                            <p:stCondLst>
+                              <p:cond delay="0"/>
+                            </p:stCondLst>
+                            <p:childTnLst>
+                              <p:par>
+                                <p:cTn id="9" presetID="1" presetClass="entr" presetSubtype="0" fill="hold" nodeType="clickEffect">
+                                  <p:stCondLst>
+                                    <p:cond delay="0"/>
+                                  </p:stCondLst>
+                                  <p:childTnLst>
+                                    <p:set>
+                                      <p:cBhvr>
+                                        <p:cTn id="10" dur="1" fill="hold">
+                                          <p:stCondLst>
+                                            <p:cond delay="0"/>
+                                          </p:stCondLst>
+                                        </p:cTn>
+                                        <p:tgtEl>
+                                          <p:spTgt spid="1028"/>
+                                        </p:tgtEl>
+                                        <p:attrNameLst>
+                                          <p:attrName>style.visibility</p:attrName>
+                                        </p:attrNameLst>
+                                      </p:cBhvr>
+                                      <p:to>
+                                        <p:strVal val="visible"/>
+                                      </p:to>
+                                    </p:set>
+                                  </p:childTnLst>
+                                </p:cTn>
+                              </p:par>
+                            </p:childTnLst>
+                          </p:cTn>
+                        </p:par>
+                      </p:childTnLst>
+                    </p:cTn>
+                  </p:par>
+                  <p:par>
+                    <p:cTn id="11" fill="hold">
+                      <p:stCondLst>
+                        <p:cond delay="indefinite"/>
+                      </p:stCondLst>
+                      <p:childTnLst>
+                        <p:par>
+                          <p:cTn id="12" fill="hold">
+                            <p:stCondLst>
+                              <p:cond delay="0"/>
+                            </p:stCondLst>
+                            <p:childTnLst>
+                              <p:par>
+                                <p:cTn id="13" presetID="1" presetClass="entr" presetSubtype="0" fill="hold" grpId="0" nodeType="clickEffect">
+                                  <p:stCondLst>
+                                    <p:cond delay="0"/>
+                                  </p:stCondLst>
+                                  <p:childTnLst>
+                                    <p:set>
+                                      <p:cBhvr>
+                                        <p:cTn id="14" dur="1" fill="hold">
+                                          <p:stCondLst>
+                                            <p:cond delay="0"/>
+                                          </p:stCondLst>
+                                        </p:cTn>
+                                        <p:tgtEl>
+                                          <p:spTgt spid="12"/>
+                                        </p:tgtEl>
+                                        <p:attrNameLst>
+                                          <p:attrName>style.visibility</p:attrName>
+                                        </p:attrNameLst>
+                                      </p:cBhvr>
+                                      <p:to>
+                                        <p:strVal val="visible"/>
+                                      </p:to>
+                                    </p:set>
+                                  </p:childTnLst>
+                                </p:cTn>
+                              </p:par>
+                              <p:par>
+                                <p:cTn id="15" presetID="1" presetClass="entr" presetSubtype="0" fill="hold" nodeType="withEffect">
+                                  <p:stCondLst>
+                                    <p:cond delay="0"/>
+                                  </p:stCondLst>
+                                  <p:childTnLst>
+                                    <p:set>
+                                      <p:cBhvr>
+                                        <p:cTn id="16" dur="1" fill="hold">
+                                          <p:stCondLst>
+                                            <p:cond delay="0"/>
+                                          </p:stCondLst>
+                                        </p:cTn>
+                                        <p:tgtEl>
+                                          <p:spTgt spid="1030"/>
+                                        </p:tgtEl>
+                                        <p:attrNameLst>
+                                          <p:attrName>style.visibility</p:attrName>
+                                        </p:attrNameLst>
+                                      </p:cBhvr>
+                                      <p:to>
+                                        <p:strVal val="visible"/>
+                                      </p:to>
+                                    </p:set>
+                                  </p:childTnLst>
+                                </p:cTn>
+                              </p:par>
+                            </p:childTnLst>
+                          </p:cTn>
+                        </p:par>
+                      </p:childTnLst>
+                    </p:cTn>
+                  </p:par>
+                </p:childTnLst>
+              </p:cTn>
+              <p:prevCondLst>
+                <p:cond evt="onPrev" delay="0">
+                  <p:tgtEl>
+                    <p:sldTgt/>
+                  </p:tgtEl>
+                </p:cond>
+              </p:prevCondLst>
+              <p:nextCondLst>
+                <p:cond evt="onNext" delay="0">
+                  <p:tgtEl>
+                    <p:sldTgt/>
+                  </p:tgtEl>
+                </p:cond>
+              </p:nextCondLst>
+            </p:seq>
+          </p:childTnLst>
+        </p:cTn>
+      </p:par>
+    </p:tnLst>
+    <p:bldLst>
+      <p:bldP spid="12" grpId="0" animBg="1"/>
+    </p:bldLst>
+  </p:timing>
+</p:sld>
+</file>
+
+<file path=ppt/slides/slide14.xml><?xml version="1.0" encoding="utf-8"?>
+<p:sld xmlns:a="http://schemas.openxmlformats.org/drawingml/2006/main" xmlns:r="http://schemas.openxmlformats.org/officeDocument/2006/relationships" xmlns:p="http://schemas.openxmlformats.org/presentationml/2006/main">
+  <p:cSld>
+    <p:spTree>
+      <p:nvGrpSpPr>
+        <p:cNvPr id="1" name=""/>
+        <p:cNvGrpSpPr/>
+        <p:nvPr/>
+      </p:nvGrpSpPr>
+      <p:grpSpPr>
+        <a:xfrm>
+          <a:off x="0" y="0"/>
+          <a:ext cx="0" cy="0"/>
+          <a:chOff x="0" y="0"/>
+          <a:chExt cx="0" cy="0"/>
+        </a:xfrm>
+      </p:grpSpPr>
+      <p:sp>
+        <p:nvSpPr>
+          <p:cNvPr id="2" name="Title 1">
+            <a:extLst>
+              <a:ext uri="{FF2B5EF4-FFF2-40B4-BE49-F238E27FC236}">
+                <a16:creationId xmlns:a16="http://schemas.microsoft.com/office/drawing/2014/main" id="{366B0929-4D63-4935-BC68-DCEE86A5F21C}"/>
+              </a:ext>
+            </a:extLst>
+          </p:cNvPr>
+          <p:cNvSpPr>
+            <a:spLocks noGrp="1"/>
+          </p:cNvSpPr>
+          <p:nvPr>
+            <p:ph type="title"/>
+          </p:nvPr>
+        </p:nvSpPr>
+        <p:spPr/>
+        <p:txBody>
+          <a:bodyPr/>
+          <a:lstStyle/>
+          <a:p>
+            <a:r>
+              <a:rPr lang="en-GB" dirty="0" err="1"/>
+              <a:t>Ergebnisse</a:t>
+            </a:r>
+            <a:r>
+              <a:rPr lang="en-GB" dirty="0"/>
+              <a:t> </a:t>
+            </a:r>
+          </a:p>
+        </p:txBody>
+      </p:sp>
+      <p:sp>
+        <p:nvSpPr>
+          <p:cNvPr id="4" name="Slide Number Placeholder 3">
+            <a:extLst>
+              <a:ext uri="{FF2B5EF4-FFF2-40B4-BE49-F238E27FC236}">
+                <a16:creationId xmlns:a16="http://schemas.microsoft.com/office/drawing/2014/main" id="{507D79C0-B13A-4F87-AD41-A3FA70F2F4C9}"/>
+              </a:ext>
+            </a:extLst>
+          </p:cNvPr>
+          <p:cNvSpPr>
+            <a:spLocks noGrp="1"/>
+          </p:cNvSpPr>
+          <p:nvPr>
+            <p:ph type="sldNum" sz="quarter" idx="10"/>
+          </p:nvPr>
+        </p:nvSpPr>
+        <p:spPr/>
+        <p:txBody>
+          <a:bodyPr/>
+          <a:lstStyle/>
+          <a:p>
+            <a:pPr>
+              <a:defRPr/>
+            </a:pPr>
+            <a:fld id="{BFD7839F-DA5C-4C13-94BA-0DC1947AAA90}" type="slidenum">
+              <a:rPr lang="de-DE" altLang="de-DE" smtClean="0"/>
+              <a:pPr>
+                <a:defRPr/>
+              </a:pPr>
+              <a:t>14</a:t>
+            </a:fld>
+            <a:endParaRPr lang="de-DE" altLang="de-DE" dirty="0"/>
+          </a:p>
+        </p:txBody>
+      </p:sp>
+      <p:sp>
+        <p:nvSpPr>
+          <p:cNvPr id="5" name="Footer Placeholder 4">
+            <a:extLst>
+              <a:ext uri="{FF2B5EF4-FFF2-40B4-BE49-F238E27FC236}">
                 <a16:creationId xmlns:a16="http://schemas.microsoft.com/office/drawing/2014/main" id="{52446E38-697D-4461-B232-3CD9B85209A9}"/>
               </a:ext>
             </a:extLst>
@@ -9013,7 +9906,7 @@
             </a:pPr>
             <a:r>
               <a:rPr lang="de-DE"/>
-              <a:t>Template Matching - Sven Lesche</a:t>
+              <a:t>Alpha and Intelligence - Sven Lesche</a:t>
             </a:r>
             <a:endParaRPr lang="de-DE" dirty="0"/>
           </a:p>
@@ -9067,7 +9960,7 @@
 </p:sld>
 </file>
 
-<file path=ppt/slides/slide13.xml><?xml version="1.0" encoding="utf-8"?>
+<file path=ppt/slides/slide15.xml><?xml version="1.0" encoding="utf-8"?>
 <p:sld xmlns:a="http://schemas.openxmlformats.org/drawingml/2006/main" xmlns:r="http://schemas.openxmlformats.org/officeDocument/2006/relationships" xmlns:p="http://schemas.openxmlformats.org/presentationml/2006/main">
   <p:cSld>
     <p:spTree>
@@ -9142,7 +10035,7 @@
               <a:pPr>
                 <a:defRPr/>
               </a:pPr>
-              <a:t>13</a:t>
+              <a:t>15</a:t>
             </a:fld>
             <a:endParaRPr lang="de-DE" altLang="de-DE" dirty="0"/>
           </a:p>
@@ -9173,9 +10066,10 @@
               <a:defRPr/>
             </a:pPr>
             <a:r>
-              <a:rPr lang="de-DE" dirty="0"/>
-              <a:t>Template Matching - Sven Lesche</a:t>
-            </a:r>
+              <a:rPr lang="de-DE"/>
+              <a:t>Alpha and Intelligence - Sven Lesche</a:t>
+            </a:r>
+            <a:endParaRPr lang="de-DE" dirty="0"/>
           </a:p>
         </p:txBody>
       </p:sp>
@@ -9345,7 +10239,7 @@
 </p:sld>
 </file>
 
-<file path=ppt/slides/slide14.xml><?xml version="1.0" encoding="utf-8"?>
+<file path=ppt/slides/slide16.xml><?xml version="1.0" encoding="utf-8"?>
 <p:sld xmlns:a="http://schemas.openxmlformats.org/drawingml/2006/main" xmlns:r="http://schemas.openxmlformats.org/officeDocument/2006/relationships" xmlns:p="http://schemas.openxmlformats.org/presentationml/2006/main">
   <p:cSld>
     <p:spTree>
@@ -9420,7 +10314,7 @@
               <a:pPr>
                 <a:defRPr/>
               </a:pPr>
-              <a:t>14</a:t>
+              <a:t>16</a:t>
             </a:fld>
             <a:endParaRPr lang="de-DE" altLang="de-DE" dirty="0"/>
           </a:p>
@@ -9451,9 +10345,10 @@
               <a:defRPr/>
             </a:pPr>
             <a:r>
-              <a:rPr lang="de-DE" dirty="0"/>
-              <a:t>Template Matching - Sven Lesche</a:t>
-            </a:r>
+              <a:rPr lang="de-DE"/>
+              <a:t>Alpha and Intelligence - Sven Lesche</a:t>
+            </a:r>
+            <a:endParaRPr lang="de-DE" dirty="0"/>
           </a:p>
         </p:txBody>
       </p:sp>
@@ -9623,7 +10518,7 @@
 </p:sld>
 </file>
 
-<file path=ppt/slides/slide15.xml><?xml version="1.0" encoding="utf-8"?>
+<file path=ppt/slides/slide17.xml><?xml version="1.0" encoding="utf-8"?>
 <p:sld xmlns:a="http://schemas.openxmlformats.org/drawingml/2006/main" xmlns:r="http://schemas.openxmlformats.org/officeDocument/2006/relationships" xmlns:p="http://schemas.openxmlformats.org/presentationml/2006/main">
   <p:cSld>
     <p:spTree>
@@ -9698,7 +10593,7 @@
               <a:pPr>
                 <a:defRPr/>
               </a:pPr>
-              <a:t>15</a:t>
+              <a:t>17</a:t>
             </a:fld>
             <a:endParaRPr lang="de-DE" altLang="de-DE" dirty="0"/>
           </a:p>
@@ -9729,9 +10624,10 @@
               <a:defRPr/>
             </a:pPr>
             <a:r>
-              <a:rPr lang="de-DE" dirty="0"/>
-              <a:t>Template Matching - Sven Lesche</a:t>
-            </a:r>
+              <a:rPr lang="de-DE"/>
+              <a:t>Alpha and Intelligence - Sven Lesche</a:t>
+            </a:r>
+            <a:endParaRPr lang="de-DE" dirty="0"/>
           </a:p>
         </p:txBody>
       </p:sp>
@@ -9901,518 +10797,6 @@
 </p:sld>
 </file>
 
-<file path=ppt/slides/slide16.xml><?xml version="1.0" encoding="utf-8"?>
-<p:sld xmlns:a="http://schemas.openxmlformats.org/drawingml/2006/main" xmlns:r="http://schemas.openxmlformats.org/officeDocument/2006/relationships" xmlns:p="http://schemas.openxmlformats.org/presentationml/2006/main">
-  <p:cSld>
-    <p:spTree>
-      <p:nvGrpSpPr>
-        <p:cNvPr id="1" name=""/>
-        <p:cNvGrpSpPr/>
-        <p:nvPr/>
-      </p:nvGrpSpPr>
-      <p:grpSpPr>
-        <a:xfrm>
-          <a:off x="0" y="0"/>
-          <a:ext cx="0" cy="0"/>
-          <a:chOff x="0" y="0"/>
-          <a:chExt cx="0" cy="0"/>
-        </a:xfrm>
-      </p:grpSpPr>
-      <p:sp>
-        <p:nvSpPr>
-          <p:cNvPr id="2" name="Title 1">
-            <a:extLst>
-              <a:ext uri="{FF2B5EF4-FFF2-40B4-BE49-F238E27FC236}">
-                <a16:creationId xmlns:a16="http://schemas.microsoft.com/office/drawing/2014/main" id="{3F2F7E55-CE78-40A7-B5B6-2AC85CBDE4CB}"/>
-              </a:ext>
-            </a:extLst>
-          </p:cNvPr>
-          <p:cNvSpPr>
-            <a:spLocks noGrp="1"/>
-          </p:cNvSpPr>
-          <p:nvPr>
-            <p:ph type="title"/>
-          </p:nvPr>
-        </p:nvSpPr>
-        <p:spPr/>
-        <p:txBody>
-          <a:bodyPr/>
-          <a:lstStyle/>
-          <a:p>
-            <a:r>
-              <a:rPr lang="en-GB" dirty="0"/>
-              <a:t>Was </a:t>
-            </a:r>
-            <a:r>
-              <a:rPr lang="en-GB" dirty="0" err="1"/>
-              <a:t>bedeutet</a:t>
-            </a:r>
-            <a:r>
-              <a:rPr lang="en-GB" dirty="0"/>
-              <a:t> das?</a:t>
-            </a:r>
-          </a:p>
-        </p:txBody>
-      </p:sp>
-      <p:sp>
-        <p:nvSpPr>
-          <p:cNvPr id="3" name="Content Placeholder 2">
-            <a:extLst>
-              <a:ext uri="{FF2B5EF4-FFF2-40B4-BE49-F238E27FC236}">
-                <a16:creationId xmlns:a16="http://schemas.microsoft.com/office/drawing/2014/main" id="{90B94075-D215-472B-BF6F-68425F881C32}"/>
-              </a:ext>
-            </a:extLst>
-          </p:cNvPr>
-          <p:cNvSpPr>
-            <a:spLocks noGrp="1"/>
-          </p:cNvSpPr>
-          <p:nvPr>
-            <p:ph idx="1"/>
-          </p:nvPr>
-        </p:nvSpPr>
-        <p:spPr/>
-        <p:txBody>
-          <a:bodyPr/>
-          <a:lstStyle/>
-          <a:p>
-            <a:r>
-              <a:rPr lang="en-GB" dirty="0"/>
-              <a:t>Alpha negative </a:t>
-            </a:r>
-            <a:r>
-              <a:rPr lang="en-GB" dirty="0" err="1"/>
-              <a:t>korreliert</a:t>
-            </a:r>
-            <a:r>
-              <a:rPr lang="en-GB" dirty="0"/>
-              <a:t> -&gt; </a:t>
-            </a:r>
-            <a:r>
-              <a:rPr lang="en-GB" dirty="0" err="1"/>
-              <a:t>weniger</a:t>
-            </a:r>
-            <a:r>
-              <a:rPr lang="en-GB" dirty="0"/>
-              <a:t> </a:t>
-            </a:r>
-            <a:r>
-              <a:rPr lang="en-GB" dirty="0" err="1"/>
-              <a:t>stabil</a:t>
-            </a:r>
-            <a:r>
-              <a:rPr lang="en-GB" dirty="0"/>
-              <a:t>…</a:t>
-            </a:r>
-          </a:p>
-          <a:p>
-            <a:endParaRPr lang="en-GB" dirty="0"/>
-          </a:p>
-          <a:p>
-            <a:r>
-              <a:rPr lang="en-GB" dirty="0"/>
-              <a:t>Alpha und v </a:t>
-            </a:r>
-            <a:r>
-              <a:rPr lang="en-GB" dirty="0" err="1"/>
-              <a:t>kaum</a:t>
-            </a:r>
-            <a:r>
-              <a:rPr lang="en-GB" dirty="0"/>
-              <a:t> </a:t>
-            </a:r>
-            <a:r>
-              <a:rPr lang="en-GB" dirty="0" err="1"/>
-              <a:t>korreliert</a:t>
-            </a:r>
-            <a:r>
-              <a:rPr lang="en-GB" dirty="0"/>
-              <a:t> </a:t>
-            </a:r>
-          </a:p>
-          <a:p>
-            <a:endParaRPr lang="en-GB" dirty="0"/>
-          </a:p>
-          <a:p>
-            <a:r>
-              <a:rPr lang="en-GB" dirty="0"/>
-              <a:t>Alpha </a:t>
-            </a:r>
-            <a:r>
-              <a:rPr lang="en-GB" dirty="0" err="1"/>
-              <a:t>genau</a:t>
-            </a:r>
-            <a:r>
-              <a:rPr lang="en-GB" dirty="0"/>
-              <a:t> so stark </a:t>
-            </a:r>
-            <a:r>
-              <a:rPr lang="en-GB" dirty="0" err="1"/>
-              <a:t>korreliert</a:t>
-            </a:r>
-            <a:r>
-              <a:rPr lang="en-GB" dirty="0"/>
-              <a:t> </a:t>
-            </a:r>
-            <a:r>
-              <a:rPr lang="en-GB" dirty="0" err="1"/>
-              <a:t>wie</a:t>
-            </a:r>
-            <a:r>
-              <a:rPr lang="en-GB" dirty="0"/>
-              <a:t> v</a:t>
-            </a:r>
-          </a:p>
-          <a:p>
-            <a:endParaRPr lang="en-GB" dirty="0"/>
-          </a:p>
-          <a:p>
-            <a:r>
-              <a:rPr lang="en-GB" dirty="0" err="1"/>
-              <a:t>Kann</a:t>
-            </a:r>
-            <a:r>
-              <a:rPr lang="en-GB" dirty="0"/>
-              <a:t> Alpha </a:t>
-            </a:r>
-            <a:r>
-              <a:rPr lang="en-GB" dirty="0" err="1"/>
-              <a:t>Variabilität</a:t>
-            </a:r>
-            <a:r>
-              <a:rPr lang="en-GB" dirty="0"/>
-              <a:t> </a:t>
-            </a:r>
-            <a:r>
-              <a:rPr lang="en-GB" dirty="0" err="1"/>
-              <a:t>modellieren</a:t>
-            </a:r>
-            <a:r>
-              <a:rPr lang="en-GB" dirty="0"/>
-              <a:t>?</a:t>
-            </a:r>
-          </a:p>
-          <a:p>
-            <a:endParaRPr lang="en-GB" dirty="0"/>
-          </a:p>
-          <a:p>
-            <a:endParaRPr lang="en-GB" dirty="0"/>
-          </a:p>
-        </p:txBody>
-      </p:sp>
-      <p:sp>
-        <p:nvSpPr>
-          <p:cNvPr id="4" name="Slide Number Placeholder 3">
-            <a:extLst>
-              <a:ext uri="{FF2B5EF4-FFF2-40B4-BE49-F238E27FC236}">
-                <a16:creationId xmlns:a16="http://schemas.microsoft.com/office/drawing/2014/main" id="{11D63F32-D82E-48E2-974D-58E5C0A0962E}"/>
-              </a:ext>
-            </a:extLst>
-          </p:cNvPr>
-          <p:cNvSpPr>
-            <a:spLocks noGrp="1"/>
-          </p:cNvSpPr>
-          <p:nvPr>
-            <p:ph type="sldNum" sz="quarter" idx="10"/>
-          </p:nvPr>
-        </p:nvSpPr>
-        <p:spPr/>
-        <p:txBody>
-          <a:bodyPr/>
-          <a:lstStyle/>
-          <a:p>
-            <a:pPr>
-              <a:defRPr/>
-            </a:pPr>
-            <a:fld id="{BFD7839F-DA5C-4C13-94BA-0DC1947AAA90}" type="slidenum">
-              <a:rPr lang="de-DE" altLang="de-DE" smtClean="0"/>
-              <a:pPr>
-                <a:defRPr/>
-              </a:pPr>
-              <a:t>16</a:t>
-            </a:fld>
-            <a:endParaRPr lang="de-DE" altLang="de-DE" dirty="0"/>
-          </a:p>
-        </p:txBody>
-      </p:sp>
-      <p:sp>
-        <p:nvSpPr>
-          <p:cNvPr id="5" name="Footer Placeholder 4">
-            <a:extLst>
-              <a:ext uri="{FF2B5EF4-FFF2-40B4-BE49-F238E27FC236}">
-                <a16:creationId xmlns:a16="http://schemas.microsoft.com/office/drawing/2014/main" id="{D5E34673-0C27-48C5-9C51-49FB18ADCF5A}"/>
-              </a:ext>
-            </a:extLst>
-          </p:cNvPr>
-          <p:cNvSpPr>
-            <a:spLocks noGrp="1"/>
-          </p:cNvSpPr>
-          <p:nvPr>
-            <p:ph type="ftr" sz="quarter" idx="11"/>
-          </p:nvPr>
-        </p:nvSpPr>
-        <p:spPr/>
-        <p:txBody>
-          <a:bodyPr/>
-          <a:lstStyle/>
-          <a:p>
-            <a:pPr>
-              <a:defRPr/>
-            </a:pPr>
-            <a:r>
-              <a:rPr lang="de-DE"/>
-              <a:t>Template Matching - Sven Lesche</a:t>
-            </a:r>
-            <a:endParaRPr lang="de-DE" dirty="0"/>
-          </a:p>
-        </p:txBody>
-      </p:sp>
-    </p:spTree>
-    <p:extLst>
-      <p:ext uri="{BB962C8B-B14F-4D97-AF65-F5344CB8AC3E}">
-        <p14:creationId xmlns:p14="http://schemas.microsoft.com/office/powerpoint/2010/main" val="878235353"/>
-      </p:ext>
-    </p:extLst>
-  </p:cSld>
-  <p:clrMapOvr>
-    <a:masterClrMapping/>
-  </p:clrMapOvr>
-</p:sld>
-</file>
-
-<file path=ppt/slides/slide17.xml><?xml version="1.0" encoding="utf-8"?>
-<p:sld xmlns:a="http://schemas.openxmlformats.org/drawingml/2006/main" xmlns:r="http://schemas.openxmlformats.org/officeDocument/2006/relationships" xmlns:p="http://schemas.openxmlformats.org/presentationml/2006/main">
-  <p:cSld>
-    <p:spTree>
-      <p:nvGrpSpPr>
-        <p:cNvPr id="1" name=""/>
-        <p:cNvGrpSpPr/>
-        <p:nvPr/>
-      </p:nvGrpSpPr>
-      <p:grpSpPr>
-        <a:xfrm>
-          <a:off x="0" y="0"/>
-          <a:ext cx="0" cy="0"/>
-          <a:chOff x="0" y="0"/>
-          <a:chExt cx="0" cy="0"/>
-        </a:xfrm>
-      </p:grpSpPr>
-      <p:sp>
-        <p:nvSpPr>
-          <p:cNvPr id="2" name="Title 1">
-            <a:extLst>
-              <a:ext uri="{FF2B5EF4-FFF2-40B4-BE49-F238E27FC236}">
-                <a16:creationId xmlns:a16="http://schemas.microsoft.com/office/drawing/2014/main" id="{EF95B3FB-CCB0-4F8A-8C8E-ACDBCEEA132E}"/>
-              </a:ext>
-            </a:extLst>
-          </p:cNvPr>
-          <p:cNvSpPr>
-            <a:spLocks noGrp="1"/>
-          </p:cNvSpPr>
-          <p:nvPr>
-            <p:ph type="title"/>
-          </p:nvPr>
-        </p:nvSpPr>
-        <p:spPr/>
-        <p:txBody>
-          <a:bodyPr/>
-          <a:lstStyle/>
-          <a:p>
-            <a:r>
-              <a:rPr lang="en-GB" dirty="0" err="1"/>
-              <a:t>Limitationen</a:t>
-            </a:r>
-            <a:endParaRPr lang="en-GB" dirty="0"/>
-          </a:p>
-        </p:txBody>
-      </p:sp>
-      <p:sp>
-        <p:nvSpPr>
-          <p:cNvPr id="3" name="Content Placeholder 2">
-            <a:extLst>
-              <a:ext uri="{FF2B5EF4-FFF2-40B4-BE49-F238E27FC236}">
-                <a16:creationId xmlns:a16="http://schemas.microsoft.com/office/drawing/2014/main" id="{297A1FCB-5248-417C-815E-40816280C9AF}"/>
-              </a:ext>
-            </a:extLst>
-          </p:cNvPr>
-          <p:cNvSpPr>
-            <a:spLocks noGrp="1"/>
-          </p:cNvSpPr>
-          <p:nvPr>
-            <p:ph idx="1"/>
-          </p:nvPr>
-        </p:nvSpPr>
-        <p:spPr/>
-        <p:txBody>
-          <a:bodyPr/>
-          <a:lstStyle/>
-          <a:p>
-            <a:r>
-              <a:rPr lang="en-GB" dirty="0"/>
-              <a:t>Aber: model fit…</a:t>
-            </a:r>
-          </a:p>
-          <a:p>
-            <a:endParaRPr lang="en-GB" dirty="0"/>
-          </a:p>
-          <a:p>
-            <a:r>
-              <a:rPr lang="en-GB" dirty="0" err="1"/>
-              <a:t>Richtung</a:t>
-            </a:r>
-            <a:r>
-              <a:rPr lang="en-GB" dirty="0"/>
-              <a:t> </a:t>
-            </a:r>
-            <a:r>
-              <a:rPr lang="en-GB" dirty="0" err="1"/>
-              <a:t>bleibt</a:t>
-            </a:r>
-            <a:r>
-              <a:rPr lang="en-GB" dirty="0"/>
-              <a:t> </a:t>
-            </a:r>
-            <a:r>
-              <a:rPr lang="en-GB" dirty="0" err="1"/>
-              <a:t>aber</a:t>
-            </a:r>
-            <a:r>
-              <a:rPr lang="en-GB" dirty="0"/>
-              <a:t> </a:t>
-            </a:r>
-            <a:r>
-              <a:rPr lang="en-GB" dirty="0" err="1"/>
-              <a:t>klar</a:t>
-            </a:r>
-            <a:endParaRPr lang="en-GB" dirty="0"/>
-          </a:p>
-          <a:p>
-            <a:endParaRPr lang="en-GB" dirty="0"/>
-          </a:p>
-          <a:p>
-            <a:r>
-              <a:rPr lang="en-GB" dirty="0"/>
-              <a:t>Mal </a:t>
-            </a:r>
-            <a:r>
-              <a:rPr lang="en-GB" dirty="0" err="1"/>
-              <a:t>schauen</a:t>
-            </a:r>
-            <a:r>
-              <a:rPr lang="en-GB" dirty="0"/>
-              <a:t>, </a:t>
-            </a:r>
-            <a:r>
-              <a:rPr lang="en-GB" dirty="0" err="1"/>
-              <a:t>wie</a:t>
-            </a:r>
-            <a:r>
-              <a:rPr lang="en-GB" dirty="0"/>
-              <a:t> das in </a:t>
-            </a:r>
-            <a:r>
-              <a:rPr lang="en-GB" dirty="0" err="1"/>
-              <a:t>schwierigen</a:t>
-            </a:r>
-            <a:r>
-              <a:rPr lang="en-GB" dirty="0"/>
-              <a:t> </a:t>
-            </a:r>
-            <a:r>
-              <a:rPr lang="en-GB" dirty="0" err="1"/>
-              <a:t>Aufgaben</a:t>
-            </a:r>
-            <a:r>
-              <a:rPr lang="en-GB" dirty="0"/>
-              <a:t> </a:t>
-            </a:r>
-            <a:r>
-              <a:rPr lang="en-GB" dirty="0" err="1"/>
-              <a:t>aussieht</a:t>
-            </a:r>
-            <a:endParaRPr lang="en-GB" dirty="0"/>
-          </a:p>
-        </p:txBody>
-      </p:sp>
-      <p:sp>
-        <p:nvSpPr>
-          <p:cNvPr id="4" name="Slide Number Placeholder 3">
-            <a:extLst>
-              <a:ext uri="{FF2B5EF4-FFF2-40B4-BE49-F238E27FC236}">
-                <a16:creationId xmlns:a16="http://schemas.microsoft.com/office/drawing/2014/main" id="{48CA12B6-6DF8-4C4D-8FF4-ACE77D6A8EDB}"/>
-              </a:ext>
-            </a:extLst>
-          </p:cNvPr>
-          <p:cNvSpPr>
-            <a:spLocks noGrp="1"/>
-          </p:cNvSpPr>
-          <p:nvPr>
-            <p:ph type="sldNum" sz="quarter" idx="10"/>
-          </p:nvPr>
-        </p:nvSpPr>
-        <p:spPr/>
-        <p:txBody>
-          <a:bodyPr/>
-          <a:lstStyle/>
-          <a:p>
-            <a:pPr>
-              <a:defRPr/>
-            </a:pPr>
-            <a:fld id="{BFD7839F-DA5C-4C13-94BA-0DC1947AAA90}" type="slidenum">
-              <a:rPr lang="de-DE" altLang="de-DE" smtClean="0"/>
-              <a:pPr>
-                <a:defRPr/>
-              </a:pPr>
-              <a:t>17</a:t>
-            </a:fld>
-            <a:endParaRPr lang="de-DE" altLang="de-DE" dirty="0"/>
-          </a:p>
-        </p:txBody>
-      </p:sp>
-      <p:sp>
-        <p:nvSpPr>
-          <p:cNvPr id="5" name="Footer Placeholder 4">
-            <a:extLst>
-              <a:ext uri="{FF2B5EF4-FFF2-40B4-BE49-F238E27FC236}">
-                <a16:creationId xmlns:a16="http://schemas.microsoft.com/office/drawing/2014/main" id="{BED90087-B965-4FBA-9C53-18A7F5A2827F}"/>
-              </a:ext>
-            </a:extLst>
-          </p:cNvPr>
-          <p:cNvSpPr>
-            <a:spLocks noGrp="1"/>
-          </p:cNvSpPr>
-          <p:nvPr>
-            <p:ph type="ftr" sz="quarter" idx="11"/>
-          </p:nvPr>
-        </p:nvSpPr>
-        <p:spPr/>
-        <p:txBody>
-          <a:bodyPr/>
-          <a:lstStyle/>
-          <a:p>
-            <a:pPr>
-              <a:defRPr/>
-            </a:pPr>
-            <a:r>
-              <a:rPr lang="de-DE"/>
-              <a:t>Template Matching - Sven Lesche</a:t>
-            </a:r>
-            <a:endParaRPr lang="de-DE" dirty="0"/>
-          </a:p>
-        </p:txBody>
-      </p:sp>
-    </p:spTree>
-    <p:extLst>
-      <p:ext uri="{BB962C8B-B14F-4D97-AF65-F5344CB8AC3E}">
-        <p14:creationId xmlns:p14="http://schemas.microsoft.com/office/powerpoint/2010/main" val="84882964"/>
-      </p:ext>
-    </p:extLst>
-  </p:cSld>
-  <p:clrMapOvr>
-    <a:masterClrMapping/>
-  </p:clrMapOvr>
-</p:sld>
-</file>
-
 <file path=ppt/slides/slide18.xml><?xml version="1.0" encoding="utf-8"?>
 <p:sld xmlns:a="http://schemas.openxmlformats.org/drawingml/2006/main" xmlns:r="http://schemas.openxmlformats.org/officeDocument/2006/relationships" xmlns:p="http://schemas.openxmlformats.org/presentationml/2006/main">
   <p:cSld>
@@ -10435,7 +10819,7 @@
           <p:cNvPr id="2" name="Title 1">
             <a:extLst>
               <a:ext uri="{FF2B5EF4-FFF2-40B4-BE49-F238E27FC236}">
-                <a16:creationId xmlns:a16="http://schemas.microsoft.com/office/drawing/2014/main" id="{D3B50BC0-6F8D-41F1-9CFA-7E46F5D89E68}"/>
+                <a16:creationId xmlns:a16="http://schemas.microsoft.com/office/drawing/2014/main" id="{3F2F7E55-CE78-40A7-B5B6-2AC85CBDE4CB}"/>
               </a:ext>
             </a:extLst>
           </p:cNvPr>
@@ -10452,10 +10836,17 @@
           <a:lstStyle/>
           <a:p>
             <a:r>
+              <a:rPr lang="en-GB" dirty="0"/>
+              <a:t>Was </a:t>
+            </a:r>
+            <a:r>
               <a:rPr lang="en-GB" dirty="0" err="1"/>
-              <a:t>Referenzen</a:t>
-            </a:r>
-            <a:endParaRPr lang="en-GB" dirty="0"/>
+              <a:t>bedeutet</a:t>
+            </a:r>
+            <a:r>
+              <a:rPr lang="en-GB" dirty="0"/>
+              <a:t> das?</a:t>
+            </a:r>
           </a:p>
         </p:txBody>
       </p:sp>
@@ -10464,7 +10855,7 @@
           <p:cNvPr id="3" name="Content Placeholder 2">
             <a:extLst>
               <a:ext uri="{FF2B5EF4-FFF2-40B4-BE49-F238E27FC236}">
-                <a16:creationId xmlns:a16="http://schemas.microsoft.com/office/drawing/2014/main" id="{7FE8FECA-6BCA-4541-B5A2-B70B410DBDD6}"/>
+                <a16:creationId xmlns:a16="http://schemas.microsoft.com/office/drawing/2014/main" id="{90B94075-D215-472B-BF6F-68425F881C32}"/>
               </a:ext>
             </a:extLst>
           </p:cNvPr>
@@ -10480,7 +10871,220 @@
           <a:bodyPr/>
           <a:lstStyle/>
           <a:p>
-            <a:endParaRPr lang="en-GB"/>
+            <a:r>
+              <a:rPr lang="en-GB" dirty="0"/>
+              <a:t>Negative </a:t>
+            </a:r>
+            <a:r>
+              <a:rPr lang="en-GB" dirty="0" err="1"/>
+              <a:t>Korrelation</a:t>
+            </a:r>
+            <a:r>
+              <a:rPr lang="en-GB" dirty="0"/>
+              <a:t> </a:t>
+            </a:r>
+            <a:r>
+              <a:rPr lang="en-GB" dirty="0" err="1"/>
+              <a:t>zwischen</a:t>
+            </a:r>
+            <a:r>
+              <a:rPr lang="en-GB" dirty="0"/>
+              <a:t> Alpha und </a:t>
+            </a:r>
+            <a:r>
+              <a:rPr lang="en-GB" i="1" dirty="0"/>
+              <a:t>g</a:t>
+            </a:r>
+          </a:p>
+          <a:p>
+            <a:endParaRPr lang="en-GB" i="1" dirty="0"/>
+          </a:p>
+          <a:p>
+            <a:r>
+              <a:rPr lang="en-GB" dirty="0" err="1"/>
+              <a:t>Personen</a:t>
+            </a:r>
+            <a:r>
+              <a:rPr lang="en-GB" dirty="0"/>
+              <a:t> </a:t>
+            </a:r>
+            <a:r>
+              <a:rPr lang="en-GB" dirty="0" err="1"/>
+              <a:t>mit</a:t>
+            </a:r>
+            <a:r>
+              <a:rPr lang="en-GB" dirty="0"/>
+              <a:t> </a:t>
+            </a:r>
+            <a:r>
+              <a:rPr lang="en-GB" dirty="0" err="1"/>
+              <a:t>höherer</a:t>
+            </a:r>
+            <a:r>
+              <a:rPr lang="en-GB" dirty="0"/>
+              <a:t> </a:t>
+            </a:r>
+            <a:r>
+              <a:rPr lang="en-GB" dirty="0" err="1"/>
+              <a:t>Intelligenz</a:t>
+            </a:r>
+            <a:r>
+              <a:rPr lang="en-GB" dirty="0"/>
+              <a:t> </a:t>
+            </a:r>
+            <a:r>
+              <a:rPr lang="en-GB" dirty="0" err="1"/>
+              <a:t>haben</a:t>
+            </a:r>
+            <a:r>
+              <a:rPr lang="en-GB" dirty="0"/>
+              <a:t> </a:t>
+            </a:r>
+            <a:r>
+              <a:rPr lang="en-GB" dirty="0" err="1"/>
+              <a:t>niedrigere</a:t>
+            </a:r>
+            <a:r>
+              <a:rPr lang="en-GB" dirty="0"/>
+              <a:t> </a:t>
+            </a:r>
+            <a:r>
+              <a:rPr lang="en-GB" dirty="0" err="1"/>
+              <a:t>Werte</a:t>
+            </a:r>
+            <a:r>
+              <a:rPr lang="en-GB" dirty="0"/>
+              <a:t> von alpha</a:t>
+            </a:r>
+          </a:p>
+          <a:p>
+            <a:pPr marL="342900" indent="-342900">
+              <a:buFont typeface="Wingdings" panose="05000000000000000000" pitchFamily="2" charset="2"/>
+              <a:buChar char="è"/>
+            </a:pPr>
+            <a:r>
+              <a:rPr lang="en-GB" dirty="0" err="1"/>
+              <a:t>Weniger</a:t>
+            </a:r>
+            <a:r>
+              <a:rPr lang="en-GB" dirty="0"/>
+              <a:t> </a:t>
+            </a:r>
+            <a:r>
+              <a:rPr lang="en-GB" dirty="0" err="1"/>
+              <a:t>Stabilität</a:t>
+            </a:r>
+            <a:r>
+              <a:rPr lang="en-GB" dirty="0"/>
+              <a:t>, </a:t>
+            </a:r>
+            <a:r>
+              <a:rPr lang="en-GB" dirty="0" err="1"/>
+              <a:t>d.h.</a:t>
+            </a:r>
+            <a:r>
+              <a:rPr lang="en-GB" dirty="0"/>
+              <a:t> </a:t>
+            </a:r>
+            <a:r>
+              <a:rPr lang="en-GB" dirty="0" err="1"/>
+              <a:t>mehr</a:t>
+            </a:r>
+            <a:r>
+              <a:rPr lang="en-GB" dirty="0"/>
+              <a:t> </a:t>
+            </a:r>
+            <a:r>
+              <a:rPr lang="en-GB" dirty="0" err="1"/>
+              <a:t>Sprünge</a:t>
+            </a:r>
+            <a:r>
+              <a:rPr lang="en-GB" dirty="0"/>
+              <a:t> in der </a:t>
+            </a:r>
+            <a:r>
+              <a:rPr lang="en-GB" dirty="0" err="1"/>
+              <a:t>Evidenzakkumulation</a:t>
+            </a:r>
+            <a:endParaRPr lang="en-GB" dirty="0"/>
+          </a:p>
+          <a:p>
+            <a:endParaRPr lang="en-GB" dirty="0"/>
+          </a:p>
+          <a:p>
+            <a:r>
+              <a:rPr lang="en-GB" dirty="0"/>
+              <a:t>Dies </a:t>
+            </a:r>
+            <a:r>
+              <a:rPr lang="en-GB" dirty="0" err="1"/>
+              <a:t>spricht</a:t>
+            </a:r>
+            <a:r>
+              <a:rPr lang="en-GB" dirty="0"/>
+              <a:t> für die </a:t>
+            </a:r>
+            <a:r>
+              <a:rPr lang="en-GB" i="1" dirty="0"/>
+              <a:t>efficient jumping </a:t>
+            </a:r>
+            <a:r>
+              <a:rPr lang="en-GB" dirty="0" err="1"/>
+              <a:t>Hypothese</a:t>
+            </a:r>
+            <a:endParaRPr lang="en-GB" dirty="0"/>
+          </a:p>
+          <a:p>
+            <a:endParaRPr lang="en-GB" dirty="0"/>
+          </a:p>
+          <a:p>
+            <a:r>
+              <a:rPr lang="en-GB" dirty="0"/>
+              <a:t>Aber: </a:t>
+            </a:r>
+            <a:r>
+              <a:rPr lang="en-GB" dirty="0" err="1"/>
+              <a:t>hier</a:t>
+            </a:r>
+            <a:r>
+              <a:rPr lang="en-GB" dirty="0"/>
+              <a:t> </a:t>
+            </a:r>
+            <a:r>
+              <a:rPr lang="en-GB" dirty="0" err="1"/>
+              <a:t>nur</a:t>
+            </a:r>
+            <a:r>
+              <a:rPr lang="en-GB" dirty="0"/>
+              <a:t> </a:t>
+            </a:r>
+            <a:r>
+              <a:rPr lang="en-GB" dirty="0" err="1"/>
+              <a:t>einfache</a:t>
+            </a:r>
+            <a:r>
+              <a:rPr lang="en-GB" dirty="0"/>
+              <a:t> </a:t>
+            </a:r>
+            <a:r>
+              <a:rPr lang="en-GB" dirty="0" err="1"/>
+              <a:t>Aufgaben</a:t>
+            </a:r>
+            <a:r>
+              <a:rPr lang="en-GB" dirty="0"/>
+              <a:t> </a:t>
+            </a:r>
+            <a:r>
+              <a:rPr lang="en-GB" dirty="0" err="1"/>
+              <a:t>betrachtet</a:t>
+            </a:r>
+            <a:r>
+              <a:rPr lang="en-GB" dirty="0"/>
+              <a:t>!</a:t>
+            </a:r>
+          </a:p>
+          <a:p>
+            <a:endParaRPr lang="en-GB" dirty="0"/>
           </a:p>
         </p:txBody>
       </p:sp>
@@ -10489,7 +11093,7 @@
           <p:cNvPr id="4" name="Slide Number Placeholder 3">
             <a:extLst>
               <a:ext uri="{FF2B5EF4-FFF2-40B4-BE49-F238E27FC236}">
-                <a16:creationId xmlns:a16="http://schemas.microsoft.com/office/drawing/2014/main" id="{0137B619-D85A-444F-ACC7-5643511CB572}"/>
+                <a16:creationId xmlns:a16="http://schemas.microsoft.com/office/drawing/2014/main" id="{11D63F32-D82E-48E2-974D-58E5C0A0962E}"/>
               </a:ext>
             </a:extLst>
           </p:cNvPr>
@@ -10524,7 +11128,7 @@
           <p:cNvPr id="5" name="Footer Placeholder 4">
             <a:extLst>
               <a:ext uri="{FF2B5EF4-FFF2-40B4-BE49-F238E27FC236}">
-                <a16:creationId xmlns:a16="http://schemas.microsoft.com/office/drawing/2014/main" id="{8D583B10-FE33-4120-953F-21B278068935}"/>
+                <a16:creationId xmlns:a16="http://schemas.microsoft.com/office/drawing/2014/main" id="{D5E34673-0C27-48C5-9C51-49FB18ADCF5A}"/>
               </a:ext>
             </a:extLst>
           </p:cNvPr>
@@ -10545,7 +11149,7 @@
             </a:pPr>
             <a:r>
               <a:rPr lang="de-DE"/>
-              <a:t>Template Matching - Sven Lesche</a:t>
+              <a:t>Alpha and Intelligence - Sven Lesche</a:t>
             </a:r>
             <a:endParaRPr lang="de-DE" dirty="0"/>
           </a:p>
@@ -10554,384 +11158,7 @@
     </p:spTree>
     <p:extLst>
       <p:ext uri="{BB962C8B-B14F-4D97-AF65-F5344CB8AC3E}">
-        <p14:creationId xmlns:p14="http://schemas.microsoft.com/office/powerpoint/2010/main" val="2098020814"/>
-      </p:ext>
-    </p:extLst>
-  </p:cSld>
-  <p:clrMapOvr>
-    <a:masterClrMapping/>
-  </p:clrMapOvr>
-</p:sld>
-</file>
-
-<file path=ppt/slides/slide19.xml><?xml version="1.0" encoding="utf-8"?>
-<p:sld xmlns:a="http://schemas.openxmlformats.org/drawingml/2006/main" xmlns:r="http://schemas.openxmlformats.org/officeDocument/2006/relationships" xmlns:p="http://schemas.openxmlformats.org/presentationml/2006/main">
-  <p:cSld>
-    <p:spTree>
-      <p:nvGrpSpPr>
-        <p:cNvPr id="1" name=""/>
-        <p:cNvGrpSpPr/>
-        <p:nvPr/>
-      </p:nvGrpSpPr>
-      <p:grpSpPr>
-        <a:xfrm>
-          <a:off x="0" y="0"/>
-          <a:ext cx="0" cy="0"/>
-          <a:chOff x="0" y="0"/>
-          <a:chExt cx="0" cy="0"/>
-        </a:xfrm>
-      </p:grpSpPr>
-      <p:sp>
-        <p:nvSpPr>
-          <p:cNvPr id="2" name="Title 1">
-            <a:extLst>
-              <a:ext uri="{FF2B5EF4-FFF2-40B4-BE49-F238E27FC236}">
-                <a16:creationId xmlns:a16="http://schemas.microsoft.com/office/drawing/2014/main" id="{1FC9893D-A041-4C43-BBDB-A41FD3CE7DBF}"/>
-              </a:ext>
-            </a:extLst>
-          </p:cNvPr>
-          <p:cNvSpPr>
-            <a:spLocks noGrp="1"/>
-          </p:cNvSpPr>
-          <p:nvPr>
-            <p:ph type="title"/>
-          </p:nvPr>
-        </p:nvSpPr>
-        <p:spPr/>
-        <p:txBody>
-          <a:bodyPr/>
-          <a:lstStyle/>
-          <a:p>
-            <a:r>
-              <a:rPr lang="en-GB" dirty="0" err="1"/>
-              <a:t>Korrelationsmatrix</a:t>
-            </a:r>
-            <a:endParaRPr lang="en-GB" dirty="0"/>
-          </a:p>
-        </p:txBody>
-      </p:sp>
-      <p:pic>
-        <p:nvPicPr>
-          <p:cNvPr id="7" name="Content Placeholder 6">
-            <a:extLst>
-              <a:ext uri="{FF2B5EF4-FFF2-40B4-BE49-F238E27FC236}">
-                <a16:creationId xmlns:a16="http://schemas.microsoft.com/office/drawing/2014/main" id="{9475ECD4-E6E9-4915-A536-1083E18CB291}"/>
-              </a:ext>
-            </a:extLst>
-          </p:cNvPr>
-          <p:cNvPicPr>
-            <a:picLocks noGrp="1" noChangeAspect="1"/>
-          </p:cNvPicPr>
-          <p:nvPr>
-            <p:ph idx="1"/>
-          </p:nvPr>
-        </p:nvPicPr>
-        <p:blipFill rotWithShape="1">
-          <a:blip r:embed="rId2">
-            <a:extLst>
-              <a:ext uri="{28A0092B-C50C-407E-A947-70E740481C1C}">
-                <a14:useLocalDpi xmlns:a14="http://schemas.microsoft.com/office/drawing/2010/main" val="0"/>
-              </a:ext>
-            </a:extLst>
-          </a:blip>
-          <a:srcRect l="28575" t="8411" r="27534" b="3785"/>
-          <a:stretch/>
-        </p:blipFill>
-        <p:spPr>
-          <a:xfrm>
-            <a:off x="1823285" y="1188569"/>
-            <a:ext cx="4994192" cy="4799356"/>
-          </a:xfrm>
-        </p:spPr>
-      </p:pic>
-      <p:sp>
-        <p:nvSpPr>
-          <p:cNvPr id="4" name="Slide Number Placeholder 3">
-            <a:extLst>
-              <a:ext uri="{FF2B5EF4-FFF2-40B4-BE49-F238E27FC236}">
-                <a16:creationId xmlns:a16="http://schemas.microsoft.com/office/drawing/2014/main" id="{85E6A3A9-2A54-4DA4-A52D-0FAA0714711E}"/>
-              </a:ext>
-            </a:extLst>
-          </p:cNvPr>
-          <p:cNvSpPr>
-            <a:spLocks noGrp="1"/>
-          </p:cNvSpPr>
-          <p:nvPr>
-            <p:ph type="sldNum" sz="quarter" idx="10"/>
-          </p:nvPr>
-        </p:nvSpPr>
-        <p:spPr/>
-        <p:txBody>
-          <a:bodyPr/>
-          <a:lstStyle/>
-          <a:p>
-            <a:pPr>
-              <a:defRPr/>
-            </a:pPr>
-            <a:fld id="{BFD7839F-DA5C-4C13-94BA-0DC1947AAA90}" type="slidenum">
-              <a:rPr lang="de-DE" altLang="de-DE" smtClean="0"/>
-              <a:pPr>
-                <a:defRPr/>
-              </a:pPr>
-              <a:t>19</a:t>
-            </a:fld>
-            <a:endParaRPr lang="de-DE" altLang="de-DE" dirty="0"/>
-          </a:p>
-        </p:txBody>
-      </p:sp>
-      <p:sp>
-        <p:nvSpPr>
-          <p:cNvPr id="5" name="Footer Placeholder 4">
-            <a:extLst>
-              <a:ext uri="{FF2B5EF4-FFF2-40B4-BE49-F238E27FC236}">
-                <a16:creationId xmlns:a16="http://schemas.microsoft.com/office/drawing/2014/main" id="{F120ACAD-B4EB-45C6-96F0-6800F0C6FF8C}"/>
-              </a:ext>
-            </a:extLst>
-          </p:cNvPr>
-          <p:cNvSpPr>
-            <a:spLocks noGrp="1"/>
-          </p:cNvSpPr>
-          <p:nvPr>
-            <p:ph type="ftr" sz="quarter" idx="11"/>
-          </p:nvPr>
-        </p:nvSpPr>
-        <p:spPr/>
-        <p:txBody>
-          <a:bodyPr/>
-          <a:lstStyle/>
-          <a:p>
-            <a:pPr>
-              <a:defRPr/>
-            </a:pPr>
-            <a:r>
-              <a:rPr lang="de-DE"/>
-              <a:t>Template Matching - Sven Lesche</a:t>
-            </a:r>
-            <a:endParaRPr lang="de-DE" dirty="0"/>
-          </a:p>
-        </p:txBody>
-      </p:sp>
-    </p:spTree>
-    <p:extLst>
-      <p:ext uri="{BB962C8B-B14F-4D97-AF65-F5344CB8AC3E}">
-        <p14:creationId xmlns:p14="http://schemas.microsoft.com/office/powerpoint/2010/main" val="2906963703"/>
-      </p:ext>
-    </p:extLst>
-  </p:cSld>
-  <p:clrMapOvr>
-    <a:masterClrMapping/>
-  </p:clrMapOvr>
-</p:sld>
-</file>
-
-<file path=ppt/slides/slide2.xml><?xml version="1.0" encoding="utf-8"?>
-<p:sld xmlns:a="http://schemas.openxmlformats.org/drawingml/2006/main" xmlns:r="http://schemas.openxmlformats.org/officeDocument/2006/relationships" xmlns:p="http://schemas.openxmlformats.org/presentationml/2006/main">
-  <p:cSld>
-    <p:spTree>
-      <p:nvGrpSpPr>
-        <p:cNvPr id="1" name=""/>
-        <p:cNvGrpSpPr/>
-        <p:nvPr/>
-      </p:nvGrpSpPr>
-      <p:grpSpPr>
-        <a:xfrm>
-          <a:off x="0" y="0"/>
-          <a:ext cx="0" cy="0"/>
-          <a:chOff x="0" y="0"/>
-          <a:chExt cx="0" cy="0"/>
-        </a:xfrm>
-      </p:grpSpPr>
-      <p:sp>
-        <p:nvSpPr>
-          <p:cNvPr id="8" name="Title 7">
-            <a:extLst>
-              <a:ext uri="{FF2B5EF4-FFF2-40B4-BE49-F238E27FC236}">
-                <a16:creationId xmlns:a16="http://schemas.microsoft.com/office/drawing/2014/main" id="{595E4C6F-1B3E-4A35-BEE6-6C3D5514BE7C}"/>
-              </a:ext>
-            </a:extLst>
-          </p:cNvPr>
-          <p:cNvSpPr>
-            <a:spLocks noGrp="1"/>
-          </p:cNvSpPr>
-          <p:nvPr>
-            <p:ph type="title"/>
-          </p:nvPr>
-        </p:nvSpPr>
-        <p:spPr/>
-        <p:txBody>
-          <a:bodyPr/>
-          <a:lstStyle/>
-          <a:p>
-            <a:r>
-              <a:rPr lang="en-GB" dirty="0"/>
-              <a:t>Was </a:t>
-            </a:r>
-            <a:r>
-              <a:rPr lang="en-GB" dirty="0" err="1"/>
-              <a:t>wir</a:t>
-            </a:r>
-            <a:r>
-              <a:rPr lang="en-GB" dirty="0"/>
-              <a:t> </a:t>
-            </a:r>
-            <a:r>
-              <a:rPr lang="en-GB" dirty="0" err="1"/>
-              <a:t>heute</a:t>
-            </a:r>
-            <a:r>
-              <a:rPr lang="en-GB" dirty="0"/>
-              <a:t> </a:t>
-            </a:r>
-            <a:r>
-              <a:rPr lang="en-GB" dirty="0" err="1"/>
-              <a:t>machen</a:t>
-            </a:r>
-            <a:endParaRPr lang="en-GB" dirty="0"/>
-          </a:p>
-        </p:txBody>
-      </p:sp>
-      <p:sp>
-        <p:nvSpPr>
-          <p:cNvPr id="9" name="Content Placeholder 8">
-            <a:extLst>
-              <a:ext uri="{FF2B5EF4-FFF2-40B4-BE49-F238E27FC236}">
-                <a16:creationId xmlns:a16="http://schemas.microsoft.com/office/drawing/2014/main" id="{EABB7D74-580B-48BF-A259-57436079F27B}"/>
-              </a:ext>
-            </a:extLst>
-          </p:cNvPr>
-          <p:cNvSpPr>
-            <a:spLocks noGrp="1"/>
-          </p:cNvSpPr>
-          <p:nvPr>
-            <p:ph idx="1"/>
-          </p:nvPr>
-        </p:nvSpPr>
-        <p:spPr/>
-        <p:txBody>
-          <a:bodyPr/>
-          <a:lstStyle/>
-          <a:p>
-            <a:endParaRPr lang="en-GB" dirty="0"/>
-          </a:p>
-        </p:txBody>
-      </p:sp>
-      <p:sp>
-        <p:nvSpPr>
-          <p:cNvPr id="4" name="Slide Number Placeholder 3">
-            <a:extLst>
-              <a:ext uri="{FF2B5EF4-FFF2-40B4-BE49-F238E27FC236}">
-                <a16:creationId xmlns:a16="http://schemas.microsoft.com/office/drawing/2014/main" id="{D9BE6B81-C00A-42F8-91FC-F9D582F02DC1}"/>
-              </a:ext>
-            </a:extLst>
-          </p:cNvPr>
-          <p:cNvSpPr>
-            <a:spLocks noGrp="1"/>
-          </p:cNvSpPr>
-          <p:nvPr>
-            <p:ph type="sldNum" sz="quarter" idx="10"/>
-          </p:nvPr>
-        </p:nvSpPr>
-        <p:spPr/>
-        <p:txBody>
-          <a:bodyPr/>
-          <a:lstStyle/>
-          <a:p>
-            <a:pPr>
-              <a:defRPr/>
-            </a:pPr>
-            <a:fld id="{07ADABD5-AC19-49BC-8CBF-BA3469C652F7}" type="slidenum">
-              <a:rPr lang="de-DE" altLang="de-DE" smtClean="0"/>
-              <a:pPr>
-                <a:defRPr/>
-              </a:pPr>
-              <a:t>2</a:t>
-            </a:fld>
-            <a:endParaRPr lang="de-DE" altLang="de-DE"/>
-          </a:p>
-        </p:txBody>
-      </p:sp>
-      <p:sp>
-        <p:nvSpPr>
-          <p:cNvPr id="5" name="Footer Placeholder 4">
-            <a:extLst>
-              <a:ext uri="{FF2B5EF4-FFF2-40B4-BE49-F238E27FC236}">
-                <a16:creationId xmlns:a16="http://schemas.microsoft.com/office/drawing/2014/main" id="{97A39351-AB3F-4679-A903-5BF7F3B4FD30}"/>
-              </a:ext>
-            </a:extLst>
-          </p:cNvPr>
-          <p:cNvSpPr>
-            <a:spLocks noGrp="1"/>
-          </p:cNvSpPr>
-          <p:nvPr>
-            <p:ph type="ftr" sz="quarter" idx="11"/>
-          </p:nvPr>
-        </p:nvSpPr>
-        <p:spPr/>
-        <p:txBody>
-          <a:bodyPr/>
-          <a:lstStyle/>
-          <a:p>
-            <a:pPr>
-              <a:defRPr/>
-            </a:pPr>
-            <a:r>
-              <a:rPr lang="de-DE"/>
-              <a:t>Template Matching - Sven Lesche</a:t>
-            </a:r>
-          </a:p>
-        </p:txBody>
-      </p:sp>
-      <p:pic>
-        <p:nvPicPr>
-          <p:cNvPr id="1026" name="Picture 2" descr="Fränkische Schweiz: Spielplatz Plankenfels">
-            <a:extLst>
-              <a:ext uri="{FF2B5EF4-FFF2-40B4-BE49-F238E27FC236}">
-                <a16:creationId xmlns:a16="http://schemas.microsoft.com/office/drawing/2014/main" id="{B9B51751-C274-40FD-83BE-20293051ED6C}"/>
-              </a:ext>
-            </a:extLst>
-          </p:cNvPr>
-          <p:cNvPicPr>
-            <a:picLocks noChangeAspect="1" noChangeArrowheads="1"/>
-          </p:cNvPicPr>
-          <p:nvPr/>
-        </p:nvPicPr>
-        <p:blipFill>
-          <a:blip r:embed="rId2">
-            <a:extLst>
-              <a:ext uri="{28A0092B-C50C-407E-A947-70E740481C1C}">
-                <a14:useLocalDpi xmlns:a14="http://schemas.microsoft.com/office/drawing/2010/main" val="0"/>
-              </a:ext>
-            </a:extLst>
-          </a:blip>
-          <a:srcRect/>
-          <a:stretch>
-            <a:fillRect/>
-          </a:stretch>
-        </p:blipFill>
-        <p:spPr bwMode="auto">
-          <a:xfrm>
-            <a:off x="936005" y="1257236"/>
-            <a:ext cx="7077712" cy="4718908"/>
-          </a:xfrm>
-          <a:prstGeom prst="rect">
-            <a:avLst/>
-          </a:prstGeom>
-          <a:noFill/>
-          <a:extLst>
-            <a:ext uri="{909E8E84-426E-40DD-AFC4-6F175D3DCCD1}">
-              <a14:hiddenFill xmlns:a14="http://schemas.microsoft.com/office/drawing/2010/main">
-                <a:solidFill>
-                  <a:srgbClr val="FFFFFF"/>
-                </a:solidFill>
-              </a14:hiddenFill>
-            </a:ext>
-          </a:extLst>
-        </p:spPr>
-      </p:pic>
-    </p:spTree>
-    <p:extLst>
-      <p:ext uri="{BB962C8B-B14F-4D97-AF65-F5344CB8AC3E}">
-        <p14:creationId xmlns:p14="http://schemas.microsoft.com/office/powerpoint/2010/main" val="726084389"/>
+        <p14:creationId xmlns:p14="http://schemas.microsoft.com/office/powerpoint/2010/main" val="878235353"/>
       </p:ext>
     </p:extLst>
   </p:cSld>
@@ -10959,7 +11186,7 @@
                             </p:stCondLst>
                             <p:childTnLst>
                               <p:par>
-                                <p:cTn id="5" presetID="31" presetClass="entr" presetSubtype="0" fill="hold" nodeType="clickEffect">
+                                <p:cTn id="5" presetID="1" presetClass="entr" presetSubtype="0" fill="hold" grpId="0" nodeType="clickEffect">
                                   <p:stCondLst>
                                     <p:cond delay="0"/>
                                   </p:stCondLst>
@@ -10972,7 +11199,11 @@
                                           </p:stCondLst>
                                         </p:cTn>
                                         <p:tgtEl>
-                                          <p:spTgt spid="1026"/>
+                                          <p:spTgt spid="3">
+                                            <p:txEl>
+                                              <p:pRg st="0" end="0"/>
+                                            </p:txEl>
+                                          </p:spTgt>
                                         </p:tgtEl>
                                         <p:attrNameLst>
                                           <p:attrName>style.visibility</p:attrName>
@@ -10982,83 +11213,202 @@
                                         <p:strVal val="visible"/>
                                       </p:to>
                                     </p:set>
-                                    <p:anim calcmode="lin" valueType="num">
+                                  </p:childTnLst>
+                                </p:cTn>
+                              </p:par>
+                            </p:childTnLst>
+                          </p:cTn>
+                        </p:par>
+                      </p:childTnLst>
+                    </p:cTn>
+                  </p:par>
+                  <p:par>
+                    <p:cTn id="7" fill="hold">
+                      <p:stCondLst>
+                        <p:cond delay="indefinite"/>
+                      </p:stCondLst>
+                      <p:childTnLst>
+                        <p:par>
+                          <p:cTn id="8" fill="hold">
+                            <p:stCondLst>
+                              <p:cond delay="0"/>
+                            </p:stCondLst>
+                            <p:childTnLst>
+                              <p:par>
+                                <p:cTn id="9" presetID="1" presetClass="entr" presetSubtype="0" fill="hold" grpId="0" nodeType="clickEffect">
+                                  <p:stCondLst>
+                                    <p:cond delay="0"/>
+                                  </p:stCondLst>
+                                  <p:childTnLst>
+                                    <p:set>
                                       <p:cBhvr>
-                                        <p:cTn id="7" dur="2500" fill="hold"/>
+                                        <p:cTn id="10" dur="1" fill="hold">
+                                          <p:stCondLst>
+                                            <p:cond delay="0"/>
+                                          </p:stCondLst>
+                                        </p:cTn>
                                         <p:tgtEl>
-                                          <p:spTgt spid="1026"/>
+                                          <p:spTgt spid="3">
+                                            <p:txEl>
+                                              <p:pRg st="2" end="2"/>
+                                            </p:txEl>
+                                          </p:spTgt>
                                         </p:tgtEl>
                                         <p:attrNameLst>
-                                          <p:attrName>ppt_w</p:attrName>
+                                          <p:attrName>style.visibility</p:attrName>
                                         </p:attrNameLst>
                                       </p:cBhvr>
-                                      <p:tavLst>
-                                        <p:tav tm="0">
-                                          <p:val>
-                                            <p:fltVal val="0"/>
-                                          </p:val>
-                                        </p:tav>
-                                        <p:tav tm="100000">
-                                          <p:val>
-                                            <p:strVal val="#ppt_w"/>
-                                          </p:val>
-                                        </p:tav>
-                                      </p:tavLst>
-                                    </p:anim>
-                                    <p:anim calcmode="lin" valueType="num">
+                                      <p:to>
+                                        <p:strVal val="visible"/>
+                                      </p:to>
+                                    </p:set>
+                                  </p:childTnLst>
+                                </p:cTn>
+                              </p:par>
+                            </p:childTnLst>
+                          </p:cTn>
+                        </p:par>
+                      </p:childTnLst>
+                    </p:cTn>
+                  </p:par>
+                  <p:par>
+                    <p:cTn id="11" fill="hold">
+                      <p:stCondLst>
+                        <p:cond delay="indefinite"/>
+                      </p:stCondLst>
+                      <p:childTnLst>
+                        <p:par>
+                          <p:cTn id="12" fill="hold">
+                            <p:stCondLst>
+                              <p:cond delay="0"/>
+                            </p:stCondLst>
+                            <p:childTnLst>
+                              <p:par>
+                                <p:cTn id="13" presetID="1" presetClass="entr" presetSubtype="0" fill="hold" grpId="0" nodeType="clickEffect">
+                                  <p:stCondLst>
+                                    <p:cond delay="0"/>
+                                  </p:stCondLst>
+                                  <p:childTnLst>
+                                    <p:set>
                                       <p:cBhvr>
-                                        <p:cTn id="8" dur="2500" fill="hold"/>
+                                        <p:cTn id="14" dur="1" fill="hold">
+                                          <p:stCondLst>
+                                            <p:cond delay="0"/>
+                                          </p:stCondLst>
+                                        </p:cTn>
                                         <p:tgtEl>
-                                          <p:spTgt spid="1026"/>
+                                          <p:spTgt spid="3">
+                                            <p:txEl>
+                                              <p:pRg st="3" end="3"/>
+                                            </p:txEl>
+                                          </p:spTgt>
                                         </p:tgtEl>
                                         <p:attrNameLst>
-                                          <p:attrName>ppt_h</p:attrName>
+                                          <p:attrName>style.visibility</p:attrName>
                                         </p:attrNameLst>
                                       </p:cBhvr>
-                                      <p:tavLst>
-                                        <p:tav tm="0">
-                                          <p:val>
-                                            <p:fltVal val="0"/>
-                                          </p:val>
-                                        </p:tav>
-                                        <p:tav tm="100000">
-                                          <p:val>
-                                            <p:strVal val="#ppt_h"/>
-                                          </p:val>
-                                        </p:tav>
-                                      </p:tavLst>
-                                    </p:anim>
-                                    <p:anim calcmode="lin" valueType="num">
+                                      <p:to>
+                                        <p:strVal val="visible"/>
+                                      </p:to>
+                                    </p:set>
+                                  </p:childTnLst>
+                                </p:cTn>
+                              </p:par>
+                            </p:childTnLst>
+                          </p:cTn>
+                        </p:par>
+                      </p:childTnLst>
+                    </p:cTn>
+                  </p:par>
+                  <p:par>
+                    <p:cTn id="15" fill="hold">
+                      <p:stCondLst>
+                        <p:cond delay="indefinite"/>
+                      </p:stCondLst>
+                      <p:childTnLst>
+                        <p:par>
+                          <p:cTn id="16" fill="hold">
+                            <p:stCondLst>
+                              <p:cond delay="0"/>
+                            </p:stCondLst>
+                            <p:childTnLst>
+                              <p:par>
+                                <p:cTn id="17" presetID="1" presetClass="entr" presetSubtype="0" fill="hold" grpId="0" nodeType="clickEffect">
+                                  <p:stCondLst>
+                                    <p:cond delay="0"/>
+                                  </p:stCondLst>
+                                  <p:childTnLst>
+                                    <p:set>
                                       <p:cBhvr>
-                                        <p:cTn id="9" dur="2500" fill="hold"/>
+                                        <p:cTn id="18" dur="1" fill="hold">
+                                          <p:stCondLst>
+                                            <p:cond delay="0"/>
+                                          </p:stCondLst>
+                                        </p:cTn>
                                         <p:tgtEl>
-                                          <p:spTgt spid="1026"/>
+                                          <p:spTgt spid="3">
+                                            <p:txEl>
+                                              <p:pRg st="5" end="5"/>
+                                            </p:txEl>
+                                          </p:spTgt>
                                         </p:tgtEl>
                                         <p:attrNameLst>
-                                          <p:attrName>style.rotation</p:attrName>
+                                          <p:attrName>style.visibility</p:attrName>
                                         </p:attrNameLst>
                                       </p:cBhvr>
-                                      <p:tavLst>
-                                        <p:tav tm="0">
-                                          <p:val>
-                                            <p:fltVal val="90"/>
-                                          </p:val>
-                                        </p:tav>
-                                        <p:tav tm="100000">
-                                          <p:val>
-                                            <p:fltVal val="0"/>
-                                          </p:val>
-                                        </p:tav>
-                                      </p:tavLst>
-                                    </p:anim>
-                                    <p:animEffect transition="in" filter="fade">
+                                      <p:to>
+                                        <p:strVal val="visible"/>
+                                      </p:to>
+                                    </p:set>
+                                  </p:childTnLst>
+                                </p:cTn>
+                              </p:par>
+                            </p:childTnLst>
+                          </p:cTn>
+                        </p:par>
+                      </p:childTnLst>
+                    </p:cTn>
+                  </p:par>
+                  <p:par>
+                    <p:cTn id="19" fill="hold">
+                      <p:stCondLst>
+                        <p:cond delay="indefinite"/>
+                      </p:stCondLst>
+                      <p:childTnLst>
+                        <p:par>
+                          <p:cTn id="20" fill="hold">
+                            <p:stCondLst>
+                              <p:cond delay="0"/>
+                            </p:stCondLst>
+                            <p:childTnLst>
+                              <p:par>
+                                <p:cTn id="21" presetID="1" presetClass="entr" presetSubtype="0" fill="hold" grpId="0" nodeType="clickEffect">
+                                  <p:stCondLst>
+                                    <p:cond delay="0"/>
+                                  </p:stCondLst>
+                                  <p:childTnLst>
+                                    <p:set>
                                       <p:cBhvr>
-                                        <p:cTn id="10" dur="2500"/>
+                                        <p:cTn id="22" dur="1" fill="hold">
+                                          <p:stCondLst>
+                                            <p:cond delay="0"/>
+                                          </p:stCondLst>
+                                        </p:cTn>
                                         <p:tgtEl>
-                                          <p:spTgt spid="1026"/>
+                                          <p:spTgt spid="3">
+                                            <p:txEl>
+                                              <p:pRg st="7" end="7"/>
+                                            </p:txEl>
+                                          </p:spTgt>
                                         </p:tgtEl>
+                                        <p:attrNameLst>
+                                          <p:attrName>style.visibility</p:attrName>
+                                        </p:attrNameLst>
                                       </p:cBhvr>
-                                    </p:animEffect>
+                                      <p:to>
+                                        <p:strVal val="visible"/>
+                                      </p:to>
+                                    </p:set>
                                   </p:childTnLst>
                                 </p:cTn>
                               </p:par>
@@ -11089,6 +11439,1468 @@
         </p:cTn>
       </p:par>
     </p:tnLst>
+    <p:bldLst>
+      <p:bldP spid="3" grpId="0" build="p"/>
+    </p:bldLst>
+  </p:timing>
+</p:sld>
+</file>
+
+<file path=ppt/slides/slide19.xml><?xml version="1.0" encoding="utf-8"?>
+<p:sld xmlns:a="http://schemas.openxmlformats.org/drawingml/2006/main" xmlns:r="http://schemas.openxmlformats.org/officeDocument/2006/relationships" xmlns:p="http://schemas.openxmlformats.org/presentationml/2006/main">
+  <p:cSld>
+    <p:spTree>
+      <p:nvGrpSpPr>
+        <p:cNvPr id="1" name=""/>
+        <p:cNvGrpSpPr/>
+        <p:nvPr/>
+      </p:nvGrpSpPr>
+      <p:grpSpPr>
+        <a:xfrm>
+          <a:off x="0" y="0"/>
+          <a:ext cx="0" cy="0"/>
+          <a:chOff x="0" y="0"/>
+          <a:chExt cx="0" cy="0"/>
+        </a:xfrm>
+      </p:grpSpPr>
+      <p:sp>
+        <p:nvSpPr>
+          <p:cNvPr id="2" name="Title 1">
+            <a:extLst>
+              <a:ext uri="{FF2B5EF4-FFF2-40B4-BE49-F238E27FC236}">
+                <a16:creationId xmlns:a16="http://schemas.microsoft.com/office/drawing/2014/main" id="{D3B50BC0-6F8D-41F1-9CFA-7E46F5D89E68}"/>
+              </a:ext>
+            </a:extLst>
+          </p:cNvPr>
+          <p:cNvSpPr>
+            <a:spLocks noGrp="1"/>
+          </p:cNvSpPr>
+          <p:nvPr>
+            <p:ph type="title"/>
+          </p:nvPr>
+        </p:nvSpPr>
+        <p:spPr/>
+        <p:txBody>
+          <a:bodyPr/>
+          <a:lstStyle/>
+          <a:p>
+            <a:r>
+              <a:rPr lang="en-GB" dirty="0" err="1"/>
+              <a:t>Referenzen</a:t>
+            </a:r>
+            <a:endParaRPr lang="en-GB" dirty="0"/>
+          </a:p>
+        </p:txBody>
+      </p:sp>
+      <p:sp>
+        <p:nvSpPr>
+          <p:cNvPr id="3" name="Content Placeholder 2">
+            <a:extLst>
+              <a:ext uri="{FF2B5EF4-FFF2-40B4-BE49-F238E27FC236}">
+                <a16:creationId xmlns:a16="http://schemas.microsoft.com/office/drawing/2014/main" id="{7FE8FECA-6BCA-4541-B5A2-B70B410DBDD6}"/>
+              </a:ext>
+            </a:extLst>
+          </p:cNvPr>
+          <p:cNvSpPr>
+            <a:spLocks noGrp="1"/>
+          </p:cNvSpPr>
+          <p:nvPr>
+            <p:ph idx="1"/>
+          </p:nvPr>
+        </p:nvSpPr>
+        <p:spPr>
+          <a:xfrm>
+            <a:off x="287933" y="1223863"/>
+            <a:ext cx="8207375" cy="4105275"/>
+          </a:xfrm>
+        </p:spPr>
+        <p:txBody>
+          <a:bodyPr/>
+          <a:lstStyle/>
+          <a:p>
+            <a:pPr indent="457200"/>
+            <a:r>
+              <a:rPr lang="en-GB" sz="1300" dirty="0" err="1">
+                <a:effectLst/>
+              </a:rPr>
+              <a:t>Doebler</a:t>
+            </a:r>
+            <a:r>
+              <a:rPr lang="en-GB" sz="1300" dirty="0">
+                <a:effectLst/>
+              </a:rPr>
+              <a:t>, P., &amp; Scheffler, B. (2016). The relationship of choice reaction time variability and intelligence: A meta-analysis. </a:t>
+            </a:r>
+            <a:r>
+              <a:rPr lang="en-GB" sz="1300" i="1" dirty="0">
+                <a:effectLst/>
+              </a:rPr>
+              <a:t>Learning and Individual Differences</a:t>
+            </a:r>
+            <a:r>
+              <a:rPr lang="en-GB" sz="1300" dirty="0">
+                <a:effectLst/>
+              </a:rPr>
+              <a:t>, </a:t>
+            </a:r>
+            <a:r>
+              <a:rPr lang="en-GB" sz="1300" i="1" dirty="0">
+                <a:effectLst/>
+              </a:rPr>
+              <a:t>52</a:t>
+            </a:r>
+            <a:r>
+              <a:rPr lang="en-GB" sz="1300" dirty="0">
+                <a:effectLst/>
+              </a:rPr>
+              <a:t>, 157–166.</a:t>
+            </a:r>
+          </a:p>
+          <a:p>
+            <a:pPr indent="457200"/>
+            <a:r>
+              <a:rPr lang="en-GB" sz="1300" dirty="0">
+                <a:effectLst/>
+              </a:rPr>
+              <a:t>Jensen, A. R. (2006). </a:t>
+            </a:r>
+            <a:r>
+              <a:rPr lang="en-GB" sz="1300" i="1" dirty="0">
+                <a:effectLst/>
+              </a:rPr>
+              <a:t>Clocking the mind: Mental chronometry and individual differences</a:t>
+            </a:r>
+            <a:r>
+              <a:rPr lang="en-GB" sz="1300" dirty="0">
+                <a:effectLst/>
+              </a:rPr>
+              <a:t>. Elsevier.</a:t>
+            </a:r>
+          </a:p>
+          <a:p>
+            <a:pPr indent="457200"/>
+            <a:r>
+              <a:rPr lang="en-GB" sz="1300" dirty="0" err="1">
+                <a:effectLst/>
+              </a:rPr>
+              <a:t>Lerche</a:t>
+            </a:r>
+            <a:r>
+              <a:rPr lang="en-GB" sz="1300" dirty="0">
+                <a:effectLst/>
+              </a:rPr>
+              <a:t>, V., von Krause, M., Voss, A., </a:t>
+            </a:r>
+            <a:r>
+              <a:rPr lang="en-GB" sz="1300" dirty="0" err="1">
+                <a:effectLst/>
+              </a:rPr>
+              <a:t>Frischkorn</a:t>
+            </a:r>
+            <a:r>
+              <a:rPr lang="en-GB" sz="1300" dirty="0">
+                <a:effectLst/>
+              </a:rPr>
+              <a:t>, G. T., Schubert, A.-L., &amp; Hagemann, D. (2020). Diffusion </a:t>
+            </a:r>
+            <a:r>
+              <a:rPr lang="en-GB" sz="1300" dirty="0" err="1">
+                <a:effectLst/>
+              </a:rPr>
+              <a:t>modeling</a:t>
+            </a:r>
+            <a:r>
+              <a:rPr lang="en-GB" sz="1300" dirty="0">
+                <a:effectLst/>
+              </a:rPr>
+              <a:t> and intelligence: Drift rates show both domain-general and domain-specific relations with intelligence. </a:t>
+            </a:r>
+            <a:r>
+              <a:rPr lang="en-GB" sz="1300" i="1" dirty="0">
+                <a:effectLst/>
+              </a:rPr>
+              <a:t>Journal of Experimental Psychology: General</a:t>
+            </a:r>
+            <a:r>
+              <a:rPr lang="en-GB" sz="1300" dirty="0">
+                <a:effectLst/>
+              </a:rPr>
+              <a:t>, </a:t>
+            </a:r>
+            <a:r>
+              <a:rPr lang="en-GB" sz="1300" i="1" dirty="0">
+                <a:effectLst/>
+              </a:rPr>
+              <a:t>149</a:t>
+            </a:r>
+            <a:r>
+              <a:rPr lang="en-GB" sz="1300" dirty="0">
+                <a:effectLst/>
+              </a:rPr>
+              <a:t>(12), 2207.</a:t>
+            </a:r>
+          </a:p>
+          <a:p>
+            <a:pPr indent="457200"/>
+            <a:r>
+              <a:rPr lang="en-GB" sz="1300" dirty="0" err="1">
+                <a:effectLst/>
+              </a:rPr>
+              <a:t>Schmiedek</a:t>
+            </a:r>
+            <a:r>
+              <a:rPr lang="en-GB" sz="1300" dirty="0">
+                <a:effectLst/>
+              </a:rPr>
+              <a:t>, F., </a:t>
+            </a:r>
+            <a:r>
+              <a:rPr lang="en-GB" sz="1300" dirty="0" err="1">
+                <a:effectLst/>
+              </a:rPr>
+              <a:t>Oberauer</a:t>
+            </a:r>
+            <a:r>
+              <a:rPr lang="en-GB" sz="1300" dirty="0">
+                <a:effectLst/>
+              </a:rPr>
+              <a:t>, K., Wilhelm, O., </a:t>
+            </a:r>
+            <a:r>
+              <a:rPr lang="en-GB" sz="1300" dirty="0" err="1">
+                <a:effectLst/>
+              </a:rPr>
+              <a:t>Süß</a:t>
+            </a:r>
+            <a:r>
+              <a:rPr lang="en-GB" sz="1300" dirty="0">
+                <a:effectLst/>
+              </a:rPr>
+              <a:t>, H.-M., &amp; Wittmann, W. W. (2007). Individual differences in components of reaction time distributions and their relations to working memory and intelligence. </a:t>
+            </a:r>
+            <a:r>
+              <a:rPr lang="en-GB" sz="1300" i="1" dirty="0">
+                <a:effectLst/>
+              </a:rPr>
+              <a:t>Journal of Experimental Psychology: General</a:t>
+            </a:r>
+            <a:r>
+              <a:rPr lang="en-GB" sz="1300" dirty="0">
+                <a:effectLst/>
+              </a:rPr>
+              <a:t>, </a:t>
+            </a:r>
+            <a:r>
+              <a:rPr lang="en-GB" sz="1300" i="1" dirty="0">
+                <a:effectLst/>
+              </a:rPr>
+              <a:t>136</a:t>
+            </a:r>
+            <a:r>
+              <a:rPr lang="en-GB" sz="1300" dirty="0">
+                <a:effectLst/>
+              </a:rPr>
+              <a:t>(3), 414.</a:t>
+            </a:r>
+          </a:p>
+          <a:p>
+            <a:pPr indent="457200"/>
+            <a:r>
+              <a:rPr lang="en-GB" sz="1300" dirty="0">
+                <a:effectLst/>
+              </a:rPr>
+              <a:t>Schubert, A.-L., Hagemann, D., &amp; </a:t>
+            </a:r>
+            <a:r>
+              <a:rPr lang="en-GB" sz="1300" dirty="0" err="1">
+                <a:effectLst/>
+              </a:rPr>
+              <a:t>Frischkorn</a:t>
+            </a:r>
+            <a:r>
+              <a:rPr lang="en-GB" sz="1300" dirty="0">
+                <a:effectLst/>
+              </a:rPr>
+              <a:t>, G. T. (2017). Is general intelligence little more than the speed of higher-order processing? </a:t>
+            </a:r>
+            <a:r>
+              <a:rPr lang="en-GB" sz="1300" i="1" dirty="0">
+                <a:effectLst/>
+              </a:rPr>
+              <a:t>Journal of Experimental Psychology: General</a:t>
+            </a:r>
+            <a:r>
+              <a:rPr lang="en-GB" sz="1300" dirty="0">
+                <a:effectLst/>
+              </a:rPr>
+              <a:t>, </a:t>
+            </a:r>
+            <a:r>
+              <a:rPr lang="en-GB" sz="1300" i="1" dirty="0">
+                <a:effectLst/>
+              </a:rPr>
+              <a:t>146</a:t>
+            </a:r>
+            <a:r>
+              <a:rPr lang="en-GB" sz="1300" dirty="0">
+                <a:effectLst/>
+              </a:rPr>
+              <a:t>(10), 1498–1512. </a:t>
+            </a:r>
+            <a:r>
+              <a:rPr lang="en-GB" sz="1300" dirty="0">
+                <a:effectLst/>
+                <a:hlinkClick r:id="rId2"/>
+              </a:rPr>
+              <a:t>https://doi.org/10.1037/xge0000325.supp</a:t>
+            </a:r>
+            <a:endParaRPr lang="en-GB" sz="1300" dirty="0">
+              <a:effectLst/>
+            </a:endParaRPr>
+          </a:p>
+          <a:p>
+            <a:pPr indent="457200"/>
+            <a:r>
+              <a:rPr lang="en-GB" sz="1300" dirty="0">
+                <a:effectLst/>
+              </a:rPr>
+              <a:t>Sheppard, L. D., &amp; Vernon, P. A. (2008). Intelligence and speed of information-processing: A review of 50 years of research. </a:t>
+            </a:r>
+            <a:r>
+              <a:rPr lang="en-GB" sz="1300" i="1" dirty="0">
+                <a:effectLst/>
+              </a:rPr>
+              <a:t>Personality and Individual Differences</a:t>
+            </a:r>
+            <a:r>
+              <a:rPr lang="en-GB" sz="1300" dirty="0">
+                <a:effectLst/>
+              </a:rPr>
+              <a:t>, </a:t>
+            </a:r>
+            <a:r>
+              <a:rPr lang="en-GB" sz="1300" i="1" dirty="0">
+                <a:effectLst/>
+              </a:rPr>
+              <a:t>44</a:t>
+            </a:r>
+            <a:r>
+              <a:rPr lang="en-GB" sz="1300" dirty="0">
+                <a:effectLst/>
+              </a:rPr>
+              <a:t>(3), 535–551.</a:t>
+            </a:r>
+            <a:endParaRPr lang="de-DE" sz="1300" dirty="0">
+              <a:effectLst/>
+            </a:endParaRPr>
+          </a:p>
+          <a:p>
+            <a:pPr indent="457200"/>
+            <a:r>
+              <a:rPr lang="de-DE" sz="1300" dirty="0">
+                <a:effectLst/>
+              </a:rPr>
+              <a:t>Voss, A., Lerche, V., Mertens, U., &amp; Voss, J. (2019). </a:t>
+            </a:r>
+            <a:r>
+              <a:rPr lang="de-DE" sz="1300" dirty="0" err="1">
+                <a:effectLst/>
+              </a:rPr>
+              <a:t>Sequential</a:t>
+            </a:r>
+            <a:r>
+              <a:rPr lang="de-DE" sz="1300" dirty="0">
+                <a:effectLst/>
+              </a:rPr>
+              <a:t> </a:t>
+            </a:r>
+            <a:r>
+              <a:rPr lang="de-DE" sz="1300" dirty="0" err="1">
+                <a:effectLst/>
+              </a:rPr>
+              <a:t>sampling</a:t>
+            </a:r>
+            <a:r>
+              <a:rPr lang="de-DE" sz="1300" dirty="0">
+                <a:effectLst/>
+              </a:rPr>
+              <a:t> </a:t>
+            </a:r>
+            <a:r>
+              <a:rPr lang="de-DE" sz="1300" dirty="0" err="1">
+                <a:effectLst/>
+              </a:rPr>
+              <a:t>models</a:t>
+            </a:r>
+            <a:r>
+              <a:rPr lang="de-DE" sz="1300" dirty="0">
+                <a:effectLst/>
+              </a:rPr>
+              <a:t> </a:t>
+            </a:r>
+            <a:r>
+              <a:rPr lang="de-DE" sz="1300" dirty="0" err="1">
+                <a:effectLst/>
+              </a:rPr>
+              <a:t>with</a:t>
+            </a:r>
+            <a:r>
+              <a:rPr lang="de-DE" sz="1300" dirty="0">
+                <a:effectLst/>
+              </a:rPr>
+              <a:t> variable </a:t>
+            </a:r>
+            <a:r>
+              <a:rPr lang="de-DE" sz="1300" dirty="0" err="1">
+                <a:effectLst/>
+              </a:rPr>
+              <a:t>boundaries</a:t>
+            </a:r>
+            <a:r>
+              <a:rPr lang="de-DE" sz="1300" dirty="0">
+                <a:effectLst/>
+              </a:rPr>
+              <a:t> and non-normal </a:t>
+            </a:r>
+            <a:r>
+              <a:rPr lang="de-DE" sz="1300" dirty="0" err="1">
+                <a:effectLst/>
+              </a:rPr>
+              <a:t>noise</a:t>
+            </a:r>
+            <a:r>
+              <a:rPr lang="de-DE" sz="1300" dirty="0">
+                <a:effectLst/>
+              </a:rPr>
+              <a:t>: A </a:t>
+            </a:r>
+            <a:r>
+              <a:rPr lang="de-DE" sz="1300" dirty="0" err="1">
+                <a:effectLst/>
+              </a:rPr>
+              <a:t>comparison</a:t>
+            </a:r>
+            <a:r>
+              <a:rPr lang="de-DE" sz="1300" dirty="0">
+                <a:effectLst/>
+              </a:rPr>
+              <a:t> </a:t>
+            </a:r>
+            <a:r>
+              <a:rPr lang="de-DE" sz="1300" dirty="0" err="1">
+                <a:effectLst/>
+              </a:rPr>
+              <a:t>of</a:t>
+            </a:r>
+            <a:r>
+              <a:rPr lang="de-DE" sz="1300" dirty="0">
+                <a:effectLst/>
+              </a:rPr>
+              <a:t> </a:t>
+            </a:r>
+            <a:r>
+              <a:rPr lang="de-DE" sz="1300" dirty="0" err="1">
+                <a:effectLst/>
+              </a:rPr>
+              <a:t>six</a:t>
+            </a:r>
+            <a:r>
+              <a:rPr lang="de-DE" sz="1300" dirty="0">
+                <a:effectLst/>
+              </a:rPr>
+              <a:t> </a:t>
+            </a:r>
+            <a:r>
+              <a:rPr lang="de-DE" sz="1300" dirty="0" err="1">
+                <a:effectLst/>
+              </a:rPr>
+              <a:t>models</a:t>
+            </a:r>
+            <a:r>
+              <a:rPr lang="de-DE" sz="1300" dirty="0">
+                <a:effectLst/>
+              </a:rPr>
+              <a:t>. </a:t>
+            </a:r>
+            <a:r>
+              <a:rPr lang="de-DE" sz="1300" i="1" dirty="0" err="1">
+                <a:effectLst/>
+              </a:rPr>
+              <a:t>Psychonomic</a:t>
+            </a:r>
+            <a:r>
+              <a:rPr lang="de-DE" sz="1300" i="1" dirty="0">
+                <a:effectLst/>
+              </a:rPr>
+              <a:t> Bulletin &amp; Review</a:t>
+            </a:r>
+            <a:r>
+              <a:rPr lang="de-DE" sz="1300" dirty="0">
+                <a:effectLst/>
+              </a:rPr>
+              <a:t>, </a:t>
+            </a:r>
+            <a:r>
+              <a:rPr lang="de-DE" sz="1300" i="1" dirty="0">
+                <a:effectLst/>
+              </a:rPr>
+              <a:t>26</a:t>
+            </a:r>
+            <a:r>
+              <a:rPr lang="de-DE" sz="1300" dirty="0">
+                <a:effectLst/>
+              </a:rPr>
+              <a:t>, 813–832.</a:t>
+            </a:r>
+          </a:p>
+          <a:p>
+            <a:pPr indent="457200"/>
+            <a:r>
+              <a:rPr lang="de-DE" sz="1300" dirty="0">
+                <a:effectLst/>
+              </a:rPr>
+              <a:t>Wieschen, E. M., Voss, A., &amp; </a:t>
+            </a:r>
+            <a:r>
+              <a:rPr lang="de-DE" sz="1300" dirty="0" err="1">
+                <a:effectLst/>
+              </a:rPr>
+              <a:t>Radev</a:t>
+            </a:r>
+            <a:r>
+              <a:rPr lang="de-DE" sz="1300" dirty="0">
+                <a:effectLst/>
+              </a:rPr>
+              <a:t>, S. (2020). Jumping </a:t>
+            </a:r>
+            <a:r>
+              <a:rPr lang="de-DE" sz="1300" dirty="0" err="1">
+                <a:effectLst/>
+              </a:rPr>
+              <a:t>to</a:t>
+            </a:r>
+            <a:r>
+              <a:rPr lang="de-DE" sz="1300" dirty="0">
+                <a:effectLst/>
+              </a:rPr>
+              <a:t> </a:t>
+            </a:r>
+            <a:r>
+              <a:rPr lang="de-DE" sz="1300" dirty="0" err="1">
+                <a:effectLst/>
+              </a:rPr>
+              <a:t>conclusion</a:t>
+            </a:r>
+            <a:r>
+              <a:rPr lang="de-DE" sz="1300" dirty="0">
+                <a:effectLst/>
+              </a:rPr>
+              <a:t>? A </a:t>
+            </a:r>
+            <a:r>
+              <a:rPr lang="de-DE" sz="1300" dirty="0" err="1">
+                <a:effectLst/>
+              </a:rPr>
+              <a:t>lévy</a:t>
+            </a:r>
+            <a:r>
+              <a:rPr lang="de-DE" sz="1300" dirty="0">
+                <a:effectLst/>
+              </a:rPr>
+              <a:t> </a:t>
+            </a:r>
+            <a:r>
+              <a:rPr lang="de-DE" sz="1300" dirty="0" err="1">
+                <a:effectLst/>
+              </a:rPr>
+              <a:t>flight</a:t>
+            </a:r>
+            <a:r>
+              <a:rPr lang="de-DE" sz="1300" dirty="0">
+                <a:effectLst/>
+              </a:rPr>
+              <a:t> </a:t>
+            </a:r>
+            <a:r>
+              <a:rPr lang="de-DE" sz="1300" dirty="0" err="1">
+                <a:effectLst/>
+              </a:rPr>
+              <a:t>model</a:t>
+            </a:r>
+            <a:r>
+              <a:rPr lang="de-DE" sz="1300" dirty="0">
+                <a:effectLst/>
+              </a:rPr>
+              <a:t> </a:t>
+            </a:r>
+            <a:r>
+              <a:rPr lang="de-DE" sz="1300" dirty="0" err="1">
+                <a:effectLst/>
+              </a:rPr>
+              <a:t>of</a:t>
+            </a:r>
+            <a:r>
+              <a:rPr lang="de-DE" sz="1300" dirty="0">
+                <a:effectLst/>
+              </a:rPr>
+              <a:t> </a:t>
+            </a:r>
+            <a:r>
+              <a:rPr lang="de-DE" sz="1300" dirty="0" err="1">
+                <a:effectLst/>
+              </a:rPr>
+              <a:t>decision</a:t>
+            </a:r>
+            <a:r>
+              <a:rPr lang="de-DE" sz="1300" dirty="0">
+                <a:effectLst/>
+              </a:rPr>
+              <a:t> </a:t>
+            </a:r>
+            <a:r>
+              <a:rPr lang="de-DE" sz="1300" dirty="0" err="1">
+                <a:effectLst/>
+              </a:rPr>
+              <a:t>making</a:t>
+            </a:r>
+            <a:r>
+              <a:rPr lang="de-DE" sz="1300" dirty="0">
+                <a:effectLst/>
+              </a:rPr>
+              <a:t>. </a:t>
+            </a:r>
+            <a:r>
+              <a:rPr lang="de-DE" sz="1300" i="1" dirty="0">
+                <a:effectLst/>
+              </a:rPr>
+              <a:t>The Quantitative Methods </a:t>
+            </a:r>
+            <a:r>
+              <a:rPr lang="de-DE" sz="1300" i="1" dirty="0" err="1">
+                <a:effectLst/>
+              </a:rPr>
+              <a:t>for</a:t>
+            </a:r>
+            <a:r>
+              <a:rPr lang="de-DE" sz="1300" i="1" dirty="0">
+                <a:effectLst/>
+              </a:rPr>
+              <a:t> </a:t>
+            </a:r>
+            <a:r>
+              <a:rPr lang="de-DE" sz="1300" i="1" dirty="0" err="1">
+                <a:effectLst/>
+              </a:rPr>
+              <a:t>Psychology</a:t>
+            </a:r>
+            <a:r>
+              <a:rPr lang="de-DE" sz="1300" dirty="0">
+                <a:effectLst/>
+              </a:rPr>
+              <a:t>, </a:t>
+            </a:r>
+            <a:r>
+              <a:rPr lang="de-DE" sz="1300" i="1" dirty="0">
+                <a:effectLst/>
+              </a:rPr>
+              <a:t>16</a:t>
+            </a:r>
+            <a:r>
+              <a:rPr lang="de-DE" sz="1300" dirty="0">
+                <a:effectLst/>
+              </a:rPr>
+              <a:t>(2), 120–132.</a:t>
+            </a:r>
+          </a:p>
+          <a:p>
+            <a:pPr indent="457200"/>
+            <a:endParaRPr lang="en-GB" sz="1300" dirty="0"/>
+          </a:p>
+        </p:txBody>
+      </p:sp>
+      <p:sp>
+        <p:nvSpPr>
+          <p:cNvPr id="4" name="Slide Number Placeholder 3">
+            <a:extLst>
+              <a:ext uri="{FF2B5EF4-FFF2-40B4-BE49-F238E27FC236}">
+                <a16:creationId xmlns:a16="http://schemas.microsoft.com/office/drawing/2014/main" id="{0137B619-D85A-444F-ACC7-5643511CB572}"/>
+              </a:ext>
+            </a:extLst>
+          </p:cNvPr>
+          <p:cNvSpPr>
+            <a:spLocks noGrp="1"/>
+          </p:cNvSpPr>
+          <p:nvPr>
+            <p:ph type="sldNum" sz="quarter" idx="10"/>
+          </p:nvPr>
+        </p:nvSpPr>
+        <p:spPr/>
+        <p:txBody>
+          <a:bodyPr/>
+          <a:lstStyle/>
+          <a:p>
+            <a:pPr>
+              <a:defRPr/>
+            </a:pPr>
+            <a:fld id="{BFD7839F-DA5C-4C13-94BA-0DC1947AAA90}" type="slidenum">
+              <a:rPr lang="de-DE" altLang="de-DE" smtClean="0"/>
+              <a:pPr>
+                <a:defRPr/>
+              </a:pPr>
+              <a:t>19</a:t>
+            </a:fld>
+            <a:endParaRPr lang="de-DE" altLang="de-DE" dirty="0"/>
+          </a:p>
+        </p:txBody>
+      </p:sp>
+      <p:sp>
+        <p:nvSpPr>
+          <p:cNvPr id="5" name="Footer Placeholder 4">
+            <a:extLst>
+              <a:ext uri="{FF2B5EF4-FFF2-40B4-BE49-F238E27FC236}">
+                <a16:creationId xmlns:a16="http://schemas.microsoft.com/office/drawing/2014/main" id="{8D583B10-FE33-4120-953F-21B278068935}"/>
+              </a:ext>
+            </a:extLst>
+          </p:cNvPr>
+          <p:cNvSpPr>
+            <a:spLocks noGrp="1"/>
+          </p:cNvSpPr>
+          <p:nvPr>
+            <p:ph type="ftr" sz="quarter" idx="11"/>
+          </p:nvPr>
+        </p:nvSpPr>
+        <p:spPr/>
+        <p:txBody>
+          <a:bodyPr/>
+          <a:lstStyle/>
+          <a:p>
+            <a:pPr>
+              <a:defRPr/>
+            </a:pPr>
+            <a:r>
+              <a:rPr lang="de-DE"/>
+              <a:t>Alpha and Intelligence - Sven Lesche</a:t>
+            </a:r>
+            <a:endParaRPr lang="de-DE" dirty="0"/>
+          </a:p>
+        </p:txBody>
+      </p:sp>
+    </p:spTree>
+    <p:extLst>
+      <p:ext uri="{BB962C8B-B14F-4D97-AF65-F5344CB8AC3E}">
+        <p14:creationId xmlns:p14="http://schemas.microsoft.com/office/powerpoint/2010/main" val="2098020814"/>
+      </p:ext>
+    </p:extLst>
+  </p:cSld>
+  <p:clrMapOvr>
+    <a:masterClrMapping/>
+  </p:clrMapOvr>
+</p:sld>
+</file>
+
+<file path=ppt/slides/slide2.xml><?xml version="1.0" encoding="utf-8"?>
+<p:sld xmlns:a="http://schemas.openxmlformats.org/drawingml/2006/main" xmlns:r="http://schemas.openxmlformats.org/officeDocument/2006/relationships" xmlns:p="http://schemas.openxmlformats.org/presentationml/2006/main">
+  <p:cSld>
+    <p:spTree>
+      <p:nvGrpSpPr>
+        <p:cNvPr id="1" name=""/>
+        <p:cNvGrpSpPr/>
+        <p:nvPr/>
+      </p:nvGrpSpPr>
+      <p:grpSpPr>
+        <a:xfrm>
+          <a:off x="0" y="0"/>
+          <a:ext cx="0" cy="0"/>
+          <a:chOff x="0" y="0"/>
+          <a:chExt cx="0" cy="0"/>
+        </a:xfrm>
+      </p:grpSpPr>
+      <p:sp>
+        <p:nvSpPr>
+          <p:cNvPr id="6" name="Title 5">
+            <a:extLst>
+              <a:ext uri="{FF2B5EF4-FFF2-40B4-BE49-F238E27FC236}">
+                <a16:creationId xmlns:a16="http://schemas.microsoft.com/office/drawing/2014/main" id="{2DE89248-D00F-4601-9A13-F0B19EEB83B8}"/>
+              </a:ext>
+            </a:extLst>
+          </p:cNvPr>
+          <p:cNvSpPr>
+            <a:spLocks noGrp="1"/>
+          </p:cNvSpPr>
+          <p:nvPr>
+            <p:ph type="title"/>
+          </p:nvPr>
+        </p:nvSpPr>
+        <p:spPr/>
+        <p:txBody>
+          <a:bodyPr/>
+          <a:lstStyle/>
+          <a:p>
+            <a:r>
+              <a:rPr lang="en-GB" dirty="0" err="1"/>
+              <a:t>Mentale</a:t>
+            </a:r>
+            <a:r>
+              <a:rPr lang="en-GB" dirty="0"/>
+              <a:t> </a:t>
+            </a:r>
+            <a:r>
+              <a:rPr lang="en-GB" dirty="0" err="1"/>
+              <a:t>Geschwindigkeit</a:t>
+            </a:r>
+            <a:r>
+              <a:rPr lang="en-GB" dirty="0"/>
+              <a:t> und </a:t>
+            </a:r>
+            <a:r>
+              <a:rPr lang="en-GB" dirty="0" err="1"/>
+              <a:t>Intelligenz</a:t>
+            </a:r>
+            <a:endParaRPr lang="en-GB" dirty="0"/>
+          </a:p>
+        </p:txBody>
+      </p:sp>
+      <p:sp>
+        <p:nvSpPr>
+          <p:cNvPr id="7" name="Content Placeholder 6">
+            <a:extLst>
+              <a:ext uri="{FF2B5EF4-FFF2-40B4-BE49-F238E27FC236}">
+                <a16:creationId xmlns:a16="http://schemas.microsoft.com/office/drawing/2014/main" id="{073588CB-0B80-4629-AC8E-3FFE877DDCC4}"/>
+              </a:ext>
+            </a:extLst>
+          </p:cNvPr>
+          <p:cNvSpPr>
+            <a:spLocks noGrp="1"/>
+          </p:cNvSpPr>
+          <p:nvPr>
+            <p:ph idx="1"/>
+          </p:nvPr>
+        </p:nvSpPr>
+        <p:spPr/>
+        <p:txBody>
+          <a:bodyPr/>
+          <a:lstStyle/>
+          <a:p>
+            <a:r>
+              <a:rPr lang="en-GB" dirty="0" err="1"/>
+              <a:t>Durchweg</a:t>
+            </a:r>
+            <a:r>
+              <a:rPr lang="en-GB" dirty="0"/>
+              <a:t> positive </a:t>
+            </a:r>
+            <a:r>
+              <a:rPr lang="en-GB" dirty="0" err="1"/>
+              <a:t>Zusammenhänge</a:t>
+            </a:r>
+            <a:r>
+              <a:rPr lang="en-GB" dirty="0"/>
+              <a:t> von </a:t>
+            </a:r>
+            <a:r>
+              <a:rPr lang="en-GB" dirty="0" err="1"/>
+              <a:t>Geschwindigkeit</a:t>
+            </a:r>
+            <a:r>
+              <a:rPr lang="en-GB" dirty="0"/>
+              <a:t> und </a:t>
+            </a:r>
+            <a:r>
+              <a:rPr lang="en-GB" dirty="0" err="1"/>
+              <a:t>Intelligenz</a:t>
+            </a:r>
+            <a:r>
+              <a:rPr lang="en-GB" dirty="0"/>
+              <a:t> (Sheppard &amp; Vernon, 2008).</a:t>
+            </a:r>
+          </a:p>
+          <a:p>
+            <a:endParaRPr lang="en-GB" dirty="0"/>
+          </a:p>
+          <a:p>
+            <a:r>
+              <a:rPr lang="en-GB" dirty="0" err="1"/>
+              <a:t>Zusammenhänge</a:t>
+            </a:r>
+            <a:r>
+              <a:rPr lang="en-GB" dirty="0"/>
+              <a:t> </a:t>
+            </a:r>
+            <a:r>
+              <a:rPr lang="en-GB" i="1" dirty="0"/>
+              <a:t>g </a:t>
+            </a:r>
+            <a:r>
+              <a:rPr lang="en-GB" dirty="0"/>
+              <a:t>und </a:t>
+            </a:r>
+            <a:r>
+              <a:rPr lang="en-GB" dirty="0" err="1"/>
+              <a:t>mittleren</a:t>
+            </a:r>
+            <a:r>
+              <a:rPr lang="en-GB" dirty="0"/>
+              <a:t> RTs und </a:t>
+            </a:r>
+            <a:r>
+              <a:rPr lang="en-GB" dirty="0" err="1"/>
+              <a:t>Varianzen</a:t>
+            </a:r>
+            <a:r>
+              <a:rPr lang="en-GB" dirty="0"/>
+              <a:t> der RTs (</a:t>
+            </a:r>
+            <a:r>
+              <a:rPr lang="en-GB" dirty="0" err="1"/>
+              <a:t>Doebler</a:t>
+            </a:r>
+            <a:r>
+              <a:rPr lang="en-GB" dirty="0"/>
+              <a:t> &amp; Scheffler, 2016; Jensen, 2006)</a:t>
+            </a:r>
+          </a:p>
+          <a:p>
+            <a:endParaRPr lang="en-GB" dirty="0"/>
+          </a:p>
+          <a:p>
+            <a:r>
+              <a:rPr lang="en-GB" dirty="0" err="1"/>
+              <a:t>Zusammenhänge</a:t>
+            </a:r>
+            <a:r>
+              <a:rPr lang="en-GB" dirty="0"/>
+              <a:t> von </a:t>
+            </a:r>
+            <a:r>
+              <a:rPr lang="en-GB" i="1" dirty="0"/>
+              <a:t>g </a:t>
+            </a:r>
+            <a:r>
+              <a:rPr lang="en-GB" dirty="0"/>
+              <a:t>und EKP-</a:t>
+            </a:r>
+            <a:r>
+              <a:rPr lang="en-GB" dirty="0" err="1"/>
+              <a:t>Latenzen</a:t>
+            </a:r>
+            <a:r>
+              <a:rPr lang="en-GB" dirty="0"/>
+              <a:t> (Schubert et al., 2017)</a:t>
+            </a:r>
+          </a:p>
+          <a:p>
+            <a:r>
+              <a:rPr lang="en-GB" dirty="0"/>
+              <a:t>- </a:t>
+            </a:r>
+            <a:r>
+              <a:rPr lang="en-GB" dirty="0" err="1"/>
+              <a:t>Nicht</a:t>
+            </a:r>
+            <a:r>
+              <a:rPr lang="en-GB" dirty="0"/>
+              <a:t> encoding, </a:t>
+            </a:r>
+            <a:r>
+              <a:rPr lang="en-GB" dirty="0" err="1"/>
+              <a:t>sondern</a:t>
+            </a:r>
+            <a:r>
+              <a:rPr lang="en-GB" dirty="0"/>
+              <a:t> higher-order cognitive processes</a:t>
+            </a:r>
+          </a:p>
+          <a:p>
+            <a:endParaRPr lang="en-GB" dirty="0"/>
+          </a:p>
+          <a:p>
+            <a:r>
+              <a:rPr lang="en-GB" dirty="0" err="1"/>
+              <a:t>Zusammenhänge</a:t>
+            </a:r>
+            <a:r>
+              <a:rPr lang="en-GB" dirty="0"/>
+              <a:t> von </a:t>
+            </a:r>
+            <a:r>
+              <a:rPr lang="en-GB" i="1" dirty="0"/>
+              <a:t>g </a:t>
+            </a:r>
+            <a:r>
+              <a:rPr lang="en-GB" dirty="0"/>
+              <a:t>und Drift-Rate (</a:t>
+            </a:r>
+            <a:r>
+              <a:rPr lang="en-GB" dirty="0" err="1"/>
+              <a:t>Lerche</a:t>
+            </a:r>
+            <a:r>
+              <a:rPr lang="en-GB" dirty="0"/>
+              <a:t> et al. 2020)</a:t>
+            </a:r>
+          </a:p>
+          <a:p>
+            <a:r>
+              <a:rPr lang="en-GB" dirty="0"/>
+              <a:t>- </a:t>
+            </a:r>
+            <a:r>
+              <a:rPr lang="en-GB" dirty="0" err="1"/>
+              <a:t>Vor</a:t>
+            </a:r>
+            <a:r>
+              <a:rPr lang="en-GB" dirty="0"/>
+              <a:t> </a:t>
+            </a:r>
+            <a:r>
+              <a:rPr lang="en-GB" dirty="0" err="1"/>
+              <a:t>allem</a:t>
+            </a:r>
+            <a:r>
+              <a:rPr lang="en-GB" dirty="0"/>
+              <a:t> </a:t>
+            </a:r>
+            <a:r>
+              <a:rPr lang="en-GB" dirty="0" err="1"/>
+              <a:t>Geschwindigkeit</a:t>
+            </a:r>
+            <a:r>
+              <a:rPr lang="en-GB" dirty="0"/>
+              <a:t> der </a:t>
+            </a:r>
+            <a:r>
+              <a:rPr lang="en-GB" dirty="0" err="1"/>
+              <a:t>Evidenzakkumulation</a:t>
+            </a:r>
+            <a:r>
+              <a:rPr lang="en-GB" dirty="0"/>
+              <a:t> relevant</a:t>
+            </a:r>
+          </a:p>
+          <a:p>
+            <a:endParaRPr lang="en-GB" dirty="0"/>
+          </a:p>
+          <a:p>
+            <a:endParaRPr lang="en-GB" dirty="0"/>
+          </a:p>
+          <a:p>
+            <a:endParaRPr lang="en-GB" dirty="0"/>
+          </a:p>
+          <a:p>
+            <a:endParaRPr lang="en-GB" dirty="0"/>
+          </a:p>
+        </p:txBody>
+      </p:sp>
+      <p:sp>
+        <p:nvSpPr>
+          <p:cNvPr id="4" name="Slide Number Placeholder 3">
+            <a:extLst>
+              <a:ext uri="{FF2B5EF4-FFF2-40B4-BE49-F238E27FC236}">
+                <a16:creationId xmlns:a16="http://schemas.microsoft.com/office/drawing/2014/main" id="{8CDE7A02-DB4B-4C79-8819-75F6F48C4B9C}"/>
+              </a:ext>
+            </a:extLst>
+          </p:cNvPr>
+          <p:cNvSpPr>
+            <a:spLocks noGrp="1"/>
+          </p:cNvSpPr>
+          <p:nvPr>
+            <p:ph type="sldNum" sz="quarter" idx="10"/>
+          </p:nvPr>
+        </p:nvSpPr>
+        <p:spPr/>
+        <p:txBody>
+          <a:bodyPr/>
+          <a:lstStyle/>
+          <a:p>
+            <a:pPr>
+              <a:defRPr/>
+            </a:pPr>
+            <a:fld id="{07ADABD5-AC19-49BC-8CBF-BA3469C652F7}" type="slidenum">
+              <a:rPr lang="de-DE" altLang="de-DE" smtClean="0"/>
+              <a:pPr>
+                <a:defRPr/>
+              </a:pPr>
+              <a:t>2</a:t>
+            </a:fld>
+            <a:endParaRPr lang="de-DE" altLang="de-DE"/>
+          </a:p>
+        </p:txBody>
+      </p:sp>
+      <p:sp>
+        <p:nvSpPr>
+          <p:cNvPr id="5" name="Footer Placeholder 4">
+            <a:extLst>
+              <a:ext uri="{FF2B5EF4-FFF2-40B4-BE49-F238E27FC236}">
+                <a16:creationId xmlns:a16="http://schemas.microsoft.com/office/drawing/2014/main" id="{897DDFAC-0E2E-4AB9-AE23-1CE222B09290}"/>
+              </a:ext>
+            </a:extLst>
+          </p:cNvPr>
+          <p:cNvSpPr>
+            <a:spLocks noGrp="1"/>
+          </p:cNvSpPr>
+          <p:nvPr>
+            <p:ph type="ftr" sz="quarter" idx="11"/>
+          </p:nvPr>
+        </p:nvSpPr>
+        <p:spPr/>
+        <p:txBody>
+          <a:bodyPr/>
+          <a:lstStyle/>
+          <a:p>
+            <a:pPr>
+              <a:defRPr/>
+            </a:pPr>
+            <a:r>
+              <a:rPr lang="de-DE" dirty="0"/>
+              <a:t>Alpha and </a:t>
+            </a:r>
+            <a:r>
+              <a:rPr lang="de-DE" dirty="0" err="1"/>
+              <a:t>Intelligence</a:t>
+            </a:r>
+            <a:r>
+              <a:rPr lang="de-DE" dirty="0"/>
+              <a:t> - Sven Lesche</a:t>
+            </a:r>
+          </a:p>
+        </p:txBody>
+      </p:sp>
+    </p:spTree>
+    <p:extLst>
+      <p:ext uri="{BB962C8B-B14F-4D97-AF65-F5344CB8AC3E}">
+        <p14:creationId xmlns:p14="http://schemas.microsoft.com/office/powerpoint/2010/main" val="29258632"/>
+      </p:ext>
+    </p:extLst>
+  </p:cSld>
+  <p:clrMapOvr>
+    <a:masterClrMapping/>
+  </p:clrMapOvr>
+  <p:timing>
+    <p:tnLst>
+      <p:par>
+        <p:cTn id="1" dur="indefinite" restart="never" nodeType="tmRoot">
+          <p:childTnLst>
+            <p:seq concurrent="1" nextAc="seek">
+              <p:cTn id="2" dur="indefinite" nodeType="mainSeq">
+                <p:childTnLst>
+                  <p:par>
+                    <p:cTn id="3" fill="hold">
+                      <p:stCondLst>
+                        <p:cond delay="indefinite"/>
+                      </p:stCondLst>
+                      <p:childTnLst>
+                        <p:par>
+                          <p:cTn id="4" fill="hold">
+                            <p:stCondLst>
+                              <p:cond delay="0"/>
+                            </p:stCondLst>
+                            <p:childTnLst>
+                              <p:par>
+                                <p:cTn id="5" presetID="1" presetClass="entr" presetSubtype="0" fill="hold" grpId="0" nodeType="clickEffect">
+                                  <p:stCondLst>
+                                    <p:cond delay="0"/>
+                                  </p:stCondLst>
+                                  <p:childTnLst>
+                                    <p:set>
+                                      <p:cBhvr>
+                                        <p:cTn id="6" dur="1" fill="hold">
+                                          <p:stCondLst>
+                                            <p:cond delay="0"/>
+                                          </p:stCondLst>
+                                        </p:cTn>
+                                        <p:tgtEl>
+                                          <p:spTgt spid="7">
+                                            <p:txEl>
+                                              <p:pRg st="0" end="0"/>
+                                            </p:txEl>
+                                          </p:spTgt>
+                                        </p:tgtEl>
+                                        <p:attrNameLst>
+                                          <p:attrName>style.visibility</p:attrName>
+                                        </p:attrNameLst>
+                                      </p:cBhvr>
+                                      <p:to>
+                                        <p:strVal val="visible"/>
+                                      </p:to>
+                                    </p:set>
+                                  </p:childTnLst>
+                                </p:cTn>
+                              </p:par>
+                            </p:childTnLst>
+                          </p:cTn>
+                        </p:par>
+                      </p:childTnLst>
+                    </p:cTn>
+                  </p:par>
+                  <p:par>
+                    <p:cTn id="7" fill="hold">
+                      <p:stCondLst>
+                        <p:cond delay="indefinite"/>
+                      </p:stCondLst>
+                      <p:childTnLst>
+                        <p:par>
+                          <p:cTn id="8" fill="hold">
+                            <p:stCondLst>
+                              <p:cond delay="0"/>
+                            </p:stCondLst>
+                            <p:childTnLst>
+                              <p:par>
+                                <p:cTn id="9" presetID="1" presetClass="entr" presetSubtype="0" fill="hold" grpId="0" nodeType="clickEffect">
+                                  <p:stCondLst>
+                                    <p:cond delay="0"/>
+                                  </p:stCondLst>
+                                  <p:childTnLst>
+                                    <p:set>
+                                      <p:cBhvr>
+                                        <p:cTn id="10" dur="1" fill="hold">
+                                          <p:stCondLst>
+                                            <p:cond delay="0"/>
+                                          </p:stCondLst>
+                                        </p:cTn>
+                                        <p:tgtEl>
+                                          <p:spTgt spid="7">
+                                            <p:txEl>
+                                              <p:pRg st="2" end="2"/>
+                                            </p:txEl>
+                                          </p:spTgt>
+                                        </p:tgtEl>
+                                        <p:attrNameLst>
+                                          <p:attrName>style.visibility</p:attrName>
+                                        </p:attrNameLst>
+                                      </p:cBhvr>
+                                      <p:to>
+                                        <p:strVal val="visible"/>
+                                      </p:to>
+                                    </p:set>
+                                  </p:childTnLst>
+                                </p:cTn>
+                              </p:par>
+                            </p:childTnLst>
+                          </p:cTn>
+                        </p:par>
+                      </p:childTnLst>
+                    </p:cTn>
+                  </p:par>
+                  <p:par>
+                    <p:cTn id="11" fill="hold">
+                      <p:stCondLst>
+                        <p:cond delay="indefinite"/>
+                      </p:stCondLst>
+                      <p:childTnLst>
+                        <p:par>
+                          <p:cTn id="12" fill="hold">
+                            <p:stCondLst>
+                              <p:cond delay="0"/>
+                            </p:stCondLst>
+                            <p:childTnLst>
+                              <p:par>
+                                <p:cTn id="13" presetID="1" presetClass="entr" presetSubtype="0" fill="hold" grpId="0" nodeType="clickEffect">
+                                  <p:stCondLst>
+                                    <p:cond delay="0"/>
+                                  </p:stCondLst>
+                                  <p:childTnLst>
+                                    <p:set>
+                                      <p:cBhvr>
+                                        <p:cTn id="14" dur="1" fill="hold">
+                                          <p:stCondLst>
+                                            <p:cond delay="0"/>
+                                          </p:stCondLst>
+                                        </p:cTn>
+                                        <p:tgtEl>
+                                          <p:spTgt spid="7">
+                                            <p:txEl>
+                                              <p:pRg st="4" end="4"/>
+                                            </p:txEl>
+                                          </p:spTgt>
+                                        </p:tgtEl>
+                                        <p:attrNameLst>
+                                          <p:attrName>style.visibility</p:attrName>
+                                        </p:attrNameLst>
+                                      </p:cBhvr>
+                                      <p:to>
+                                        <p:strVal val="visible"/>
+                                      </p:to>
+                                    </p:set>
+                                  </p:childTnLst>
+                                </p:cTn>
+                              </p:par>
+                            </p:childTnLst>
+                          </p:cTn>
+                        </p:par>
+                      </p:childTnLst>
+                    </p:cTn>
+                  </p:par>
+                  <p:par>
+                    <p:cTn id="15" fill="hold">
+                      <p:stCondLst>
+                        <p:cond delay="indefinite"/>
+                      </p:stCondLst>
+                      <p:childTnLst>
+                        <p:par>
+                          <p:cTn id="16" fill="hold">
+                            <p:stCondLst>
+                              <p:cond delay="0"/>
+                            </p:stCondLst>
+                            <p:childTnLst>
+                              <p:par>
+                                <p:cTn id="17" presetID="1" presetClass="entr" presetSubtype="0" fill="hold" grpId="0" nodeType="clickEffect">
+                                  <p:stCondLst>
+                                    <p:cond delay="0"/>
+                                  </p:stCondLst>
+                                  <p:childTnLst>
+                                    <p:set>
+                                      <p:cBhvr>
+                                        <p:cTn id="18" dur="1" fill="hold">
+                                          <p:stCondLst>
+                                            <p:cond delay="0"/>
+                                          </p:stCondLst>
+                                        </p:cTn>
+                                        <p:tgtEl>
+                                          <p:spTgt spid="7">
+                                            <p:txEl>
+                                              <p:pRg st="5" end="5"/>
+                                            </p:txEl>
+                                          </p:spTgt>
+                                        </p:tgtEl>
+                                        <p:attrNameLst>
+                                          <p:attrName>style.visibility</p:attrName>
+                                        </p:attrNameLst>
+                                      </p:cBhvr>
+                                      <p:to>
+                                        <p:strVal val="visible"/>
+                                      </p:to>
+                                    </p:set>
+                                  </p:childTnLst>
+                                </p:cTn>
+                              </p:par>
+                            </p:childTnLst>
+                          </p:cTn>
+                        </p:par>
+                      </p:childTnLst>
+                    </p:cTn>
+                  </p:par>
+                  <p:par>
+                    <p:cTn id="19" fill="hold">
+                      <p:stCondLst>
+                        <p:cond delay="indefinite"/>
+                      </p:stCondLst>
+                      <p:childTnLst>
+                        <p:par>
+                          <p:cTn id="20" fill="hold">
+                            <p:stCondLst>
+                              <p:cond delay="0"/>
+                            </p:stCondLst>
+                            <p:childTnLst>
+                              <p:par>
+                                <p:cTn id="21" presetID="1" presetClass="entr" presetSubtype="0" fill="hold" grpId="0" nodeType="clickEffect">
+                                  <p:stCondLst>
+                                    <p:cond delay="0"/>
+                                  </p:stCondLst>
+                                  <p:childTnLst>
+                                    <p:set>
+                                      <p:cBhvr>
+                                        <p:cTn id="22" dur="1" fill="hold">
+                                          <p:stCondLst>
+                                            <p:cond delay="0"/>
+                                          </p:stCondLst>
+                                        </p:cTn>
+                                        <p:tgtEl>
+                                          <p:spTgt spid="7">
+                                            <p:txEl>
+                                              <p:pRg st="7" end="7"/>
+                                            </p:txEl>
+                                          </p:spTgt>
+                                        </p:tgtEl>
+                                        <p:attrNameLst>
+                                          <p:attrName>style.visibility</p:attrName>
+                                        </p:attrNameLst>
+                                      </p:cBhvr>
+                                      <p:to>
+                                        <p:strVal val="visible"/>
+                                      </p:to>
+                                    </p:set>
+                                  </p:childTnLst>
+                                </p:cTn>
+                              </p:par>
+                            </p:childTnLst>
+                          </p:cTn>
+                        </p:par>
+                      </p:childTnLst>
+                    </p:cTn>
+                  </p:par>
+                  <p:par>
+                    <p:cTn id="23" fill="hold">
+                      <p:stCondLst>
+                        <p:cond delay="indefinite"/>
+                      </p:stCondLst>
+                      <p:childTnLst>
+                        <p:par>
+                          <p:cTn id="24" fill="hold">
+                            <p:stCondLst>
+                              <p:cond delay="0"/>
+                            </p:stCondLst>
+                            <p:childTnLst>
+                              <p:par>
+                                <p:cTn id="25" presetID="1" presetClass="entr" presetSubtype="0" fill="hold" grpId="0" nodeType="clickEffect">
+                                  <p:stCondLst>
+                                    <p:cond delay="0"/>
+                                  </p:stCondLst>
+                                  <p:childTnLst>
+                                    <p:set>
+                                      <p:cBhvr>
+                                        <p:cTn id="26" dur="1" fill="hold">
+                                          <p:stCondLst>
+                                            <p:cond delay="0"/>
+                                          </p:stCondLst>
+                                        </p:cTn>
+                                        <p:tgtEl>
+                                          <p:spTgt spid="7">
+                                            <p:txEl>
+                                              <p:pRg st="8" end="8"/>
+                                            </p:txEl>
+                                          </p:spTgt>
+                                        </p:tgtEl>
+                                        <p:attrNameLst>
+                                          <p:attrName>style.visibility</p:attrName>
+                                        </p:attrNameLst>
+                                      </p:cBhvr>
+                                      <p:to>
+                                        <p:strVal val="visible"/>
+                                      </p:to>
+                                    </p:set>
+                                  </p:childTnLst>
+                                </p:cTn>
+                              </p:par>
+                            </p:childTnLst>
+                          </p:cTn>
+                        </p:par>
+                      </p:childTnLst>
+                    </p:cTn>
+                  </p:par>
+                </p:childTnLst>
+              </p:cTn>
+              <p:prevCondLst>
+                <p:cond evt="onPrev" delay="0">
+                  <p:tgtEl>
+                    <p:sldTgt/>
+                  </p:tgtEl>
+                </p:cond>
+              </p:prevCondLst>
+              <p:nextCondLst>
+                <p:cond evt="onNext" delay="0">
+                  <p:tgtEl>
+                    <p:sldTgt/>
+                  </p:tgtEl>
+                </p:cond>
+              </p:nextCondLst>
+            </p:seq>
+          </p:childTnLst>
+        </p:cTn>
+      </p:par>
+    </p:tnLst>
+    <p:bldLst>
+      <p:bldP spid="7" grpId="0" build="p"/>
+    </p:bldLst>
   </p:timing>
 </p:sld>
 </file>
@@ -11115,7 +12927,7 @@
           <p:cNvPr id="2" name="Title 1">
             <a:extLst>
               <a:ext uri="{FF2B5EF4-FFF2-40B4-BE49-F238E27FC236}">
-                <a16:creationId xmlns:a16="http://schemas.microsoft.com/office/drawing/2014/main" id="{5324BE47-D7E2-451B-BD63-7849D2924EF2}"/>
+                <a16:creationId xmlns:a16="http://schemas.microsoft.com/office/drawing/2014/main" id="{1FC9893D-A041-4C43-BBDB-A41FD3CE7DBF}"/>
               </a:ext>
             </a:extLst>
           </p:cNvPr>
@@ -11132,18 +12944,53 @@
           <a:lstStyle/>
           <a:p>
             <a:r>
-              <a:rPr lang="en-GB" dirty="0"/>
-              <a:t>Model Checks: Bias</a:t>
-            </a:r>
-          </a:p>
-        </p:txBody>
-      </p:sp>
+              <a:rPr lang="en-GB" dirty="0" err="1"/>
+              <a:t>Korrelationsmatrix</a:t>
+            </a:r>
+            <a:endParaRPr lang="en-GB" dirty="0"/>
+          </a:p>
+        </p:txBody>
+      </p:sp>
+      <p:pic>
+        <p:nvPicPr>
+          <p:cNvPr id="7" name="Content Placeholder 6">
+            <a:extLst>
+              <a:ext uri="{FF2B5EF4-FFF2-40B4-BE49-F238E27FC236}">
+                <a16:creationId xmlns:a16="http://schemas.microsoft.com/office/drawing/2014/main" id="{9475ECD4-E6E9-4915-A536-1083E18CB291}"/>
+              </a:ext>
+            </a:extLst>
+          </p:cNvPr>
+          <p:cNvPicPr>
+            <a:picLocks noGrp="1" noChangeAspect="1"/>
+          </p:cNvPicPr>
+          <p:nvPr>
+            <p:ph idx="1"/>
+          </p:nvPr>
+        </p:nvPicPr>
+        <p:blipFill rotWithShape="1">
+          <a:blip r:embed="rId2">
+            <a:extLst>
+              <a:ext uri="{28A0092B-C50C-407E-A947-70E740481C1C}">
+                <a14:useLocalDpi xmlns:a14="http://schemas.microsoft.com/office/drawing/2010/main" val="0"/>
+              </a:ext>
+            </a:extLst>
+          </a:blip>
+          <a:srcRect l="28575" t="8411" r="27534" b="3785"/>
+          <a:stretch/>
+        </p:blipFill>
+        <p:spPr>
+          <a:xfrm>
+            <a:off x="1823285" y="1188569"/>
+            <a:ext cx="4994192" cy="4799356"/>
+          </a:xfrm>
+        </p:spPr>
+      </p:pic>
       <p:sp>
         <p:nvSpPr>
           <p:cNvPr id="4" name="Slide Number Placeholder 3">
             <a:extLst>
               <a:ext uri="{FF2B5EF4-FFF2-40B4-BE49-F238E27FC236}">
-                <a16:creationId xmlns:a16="http://schemas.microsoft.com/office/drawing/2014/main" id="{2616A68B-E1DE-430F-BFA1-C742BB75D719}"/>
+                <a16:creationId xmlns:a16="http://schemas.microsoft.com/office/drawing/2014/main" id="{85E6A3A9-2A54-4DA4-A52D-0FAA0714711E}"/>
               </a:ext>
             </a:extLst>
           </p:cNvPr>
@@ -11178,6 +13025,131 @@
           <p:cNvPr id="5" name="Footer Placeholder 4">
             <a:extLst>
               <a:ext uri="{FF2B5EF4-FFF2-40B4-BE49-F238E27FC236}">
+                <a16:creationId xmlns:a16="http://schemas.microsoft.com/office/drawing/2014/main" id="{F120ACAD-B4EB-45C6-96F0-6800F0C6FF8C}"/>
+              </a:ext>
+            </a:extLst>
+          </p:cNvPr>
+          <p:cNvSpPr>
+            <a:spLocks noGrp="1"/>
+          </p:cNvSpPr>
+          <p:nvPr>
+            <p:ph type="ftr" sz="quarter" idx="11"/>
+          </p:nvPr>
+        </p:nvSpPr>
+        <p:spPr/>
+        <p:txBody>
+          <a:bodyPr/>
+          <a:lstStyle/>
+          <a:p>
+            <a:pPr>
+              <a:defRPr/>
+            </a:pPr>
+            <a:r>
+              <a:rPr lang="de-DE"/>
+              <a:t>Alpha and Intelligence - Sven Lesche</a:t>
+            </a:r>
+            <a:endParaRPr lang="de-DE" dirty="0"/>
+          </a:p>
+        </p:txBody>
+      </p:sp>
+    </p:spTree>
+    <p:extLst>
+      <p:ext uri="{BB962C8B-B14F-4D97-AF65-F5344CB8AC3E}">
+        <p14:creationId xmlns:p14="http://schemas.microsoft.com/office/powerpoint/2010/main" val="2906963703"/>
+      </p:ext>
+    </p:extLst>
+  </p:cSld>
+  <p:clrMapOvr>
+    <a:masterClrMapping/>
+  </p:clrMapOvr>
+</p:sld>
+</file>
+
+<file path=ppt/slides/slide21.xml><?xml version="1.0" encoding="utf-8"?>
+<p:sld xmlns:a="http://schemas.openxmlformats.org/drawingml/2006/main" xmlns:r="http://schemas.openxmlformats.org/officeDocument/2006/relationships" xmlns:p="http://schemas.openxmlformats.org/presentationml/2006/main">
+  <p:cSld>
+    <p:spTree>
+      <p:nvGrpSpPr>
+        <p:cNvPr id="1" name=""/>
+        <p:cNvGrpSpPr/>
+        <p:nvPr/>
+      </p:nvGrpSpPr>
+      <p:grpSpPr>
+        <a:xfrm>
+          <a:off x="0" y="0"/>
+          <a:ext cx="0" cy="0"/>
+          <a:chOff x="0" y="0"/>
+          <a:chExt cx="0" cy="0"/>
+        </a:xfrm>
+      </p:grpSpPr>
+      <p:sp>
+        <p:nvSpPr>
+          <p:cNvPr id="2" name="Title 1">
+            <a:extLst>
+              <a:ext uri="{FF2B5EF4-FFF2-40B4-BE49-F238E27FC236}">
+                <a16:creationId xmlns:a16="http://schemas.microsoft.com/office/drawing/2014/main" id="{5324BE47-D7E2-451B-BD63-7849D2924EF2}"/>
+              </a:ext>
+            </a:extLst>
+          </p:cNvPr>
+          <p:cNvSpPr>
+            <a:spLocks noGrp="1"/>
+          </p:cNvSpPr>
+          <p:nvPr>
+            <p:ph type="title"/>
+          </p:nvPr>
+        </p:nvSpPr>
+        <p:spPr/>
+        <p:txBody>
+          <a:bodyPr/>
+          <a:lstStyle/>
+          <a:p>
+            <a:r>
+              <a:rPr lang="en-GB" dirty="0"/>
+              <a:t>Model Checks: Bias</a:t>
+            </a:r>
+          </a:p>
+        </p:txBody>
+      </p:sp>
+      <p:sp>
+        <p:nvSpPr>
+          <p:cNvPr id="4" name="Slide Number Placeholder 3">
+            <a:extLst>
+              <a:ext uri="{FF2B5EF4-FFF2-40B4-BE49-F238E27FC236}">
+                <a16:creationId xmlns:a16="http://schemas.microsoft.com/office/drawing/2014/main" id="{2616A68B-E1DE-430F-BFA1-C742BB75D719}"/>
+              </a:ext>
+            </a:extLst>
+          </p:cNvPr>
+          <p:cNvSpPr>
+            <a:spLocks noGrp="1"/>
+          </p:cNvSpPr>
+          <p:nvPr>
+            <p:ph type="sldNum" sz="quarter" idx="10"/>
+          </p:nvPr>
+        </p:nvSpPr>
+        <p:spPr/>
+        <p:txBody>
+          <a:bodyPr/>
+          <a:lstStyle/>
+          <a:p>
+            <a:pPr>
+              <a:defRPr/>
+            </a:pPr>
+            <a:fld id="{BFD7839F-DA5C-4C13-94BA-0DC1947AAA90}" type="slidenum">
+              <a:rPr lang="de-DE" altLang="de-DE" smtClean="0"/>
+              <a:pPr>
+                <a:defRPr/>
+              </a:pPr>
+              <a:t>21</a:t>
+            </a:fld>
+            <a:endParaRPr lang="de-DE" altLang="de-DE" dirty="0"/>
+          </a:p>
+        </p:txBody>
+      </p:sp>
+      <p:sp>
+        <p:nvSpPr>
+          <p:cNvPr id="5" name="Footer Placeholder 4">
+            <a:extLst>
+              <a:ext uri="{FF2B5EF4-FFF2-40B4-BE49-F238E27FC236}">
                 <a16:creationId xmlns:a16="http://schemas.microsoft.com/office/drawing/2014/main" id="{AEC75026-4050-4AA0-8E37-EE4B2F26A304}"/>
               </a:ext>
             </a:extLst>
@@ -11199,7 +13171,7 @@
             </a:pPr>
             <a:r>
               <a:rPr lang="de-DE"/>
-              <a:t>Template Matching - Sven Lesche</a:t>
+              <a:t>Alpha and Intelligence - Sven Lesche</a:t>
             </a:r>
             <a:endParaRPr lang="de-DE" dirty="0"/>
           </a:p>
@@ -11277,7 +13249,7 @@
 </p:sld>
 </file>
 
-<file path=ppt/slides/slide21.xml><?xml version="1.0" encoding="utf-8"?>
+<file path=ppt/slides/slide22.xml><?xml version="1.0" encoding="utf-8"?>
 <p:sld xmlns:a="http://schemas.openxmlformats.org/drawingml/2006/main" xmlns:r="http://schemas.openxmlformats.org/officeDocument/2006/relationships" xmlns:p="http://schemas.openxmlformats.org/presentationml/2006/main">
   <p:cSld>
     <p:spTree>
@@ -11379,7 +13351,7 @@
               <a:pPr>
                 <a:defRPr/>
               </a:pPr>
-              <a:t>21</a:t>
+              <a:t>22</a:t>
             </a:fld>
             <a:endParaRPr lang="de-DE" altLang="de-DE" dirty="0"/>
           </a:p>
@@ -11411,7 +13383,7 @@
             </a:pPr>
             <a:r>
               <a:rPr lang="de-DE"/>
-              <a:t>Template Matching - Sven Lesche</a:t>
+              <a:t>Alpha and Intelligence - Sven Lesche</a:t>
             </a:r>
             <a:endParaRPr lang="de-DE" dirty="0"/>
           </a:p>
@@ -11483,7 +13455,7 @@
 </p:sld>
 </file>
 
-<file path=ppt/slides/slide22.xml><?xml version="1.0" encoding="utf-8"?>
+<file path=ppt/slides/slide23.xml><?xml version="1.0" encoding="utf-8"?>
 <p:sld xmlns:a="http://schemas.openxmlformats.org/drawingml/2006/main" xmlns:r="http://schemas.openxmlformats.org/officeDocument/2006/relationships" xmlns:p="http://schemas.openxmlformats.org/presentationml/2006/main">
   <p:cSld>
     <p:spTree>
@@ -11586,7 +13558,7 @@
               <a:pPr>
                 <a:defRPr/>
               </a:pPr>
-              <a:t>22</a:t>
+              <a:t>23</a:t>
             </a:fld>
             <a:endParaRPr lang="de-DE" altLang="de-DE" dirty="0"/>
           </a:p>
@@ -11618,7 +13590,7 @@
             </a:pPr>
             <a:r>
               <a:rPr lang="de-DE"/>
-              <a:t>Template Matching - Sven Lesche</a:t>
+              <a:t>Alpha and Intelligence - Sven Lesche</a:t>
             </a:r>
             <a:endParaRPr lang="de-DE" dirty="0"/>
           </a:p>
@@ -11768,7 +13740,7 @@
             </a:pPr>
             <a:r>
               <a:rPr lang="de-DE"/>
-              <a:t>Template Matching - Sven Lesche</a:t>
+              <a:t>Alpha and Intelligence - Sven Lesche</a:t>
             </a:r>
             <a:endParaRPr lang="de-DE" dirty="0"/>
           </a:p>
@@ -12071,7 +14043,29 @@
               <a:rPr lang="en-GB" dirty="0" err="1"/>
               <a:t>Intelligenz</a:t>
             </a:r>
-            <a:endParaRPr lang="en-GB" dirty="0"/>
+            <a:br>
+              <a:rPr lang="en-GB" dirty="0"/>
+            </a:br>
+            <a:r>
+              <a:rPr lang="en-GB" sz="2000" dirty="0" err="1">
+                <a:solidFill>
+                  <a:schemeClr val="bg1">
+                    <a:lumMod val="50000"/>
+                  </a:schemeClr>
+                </a:solidFill>
+              </a:rPr>
+              <a:t>Schmiedek</a:t>
+            </a:r>
+            <a:r>
+              <a:rPr lang="en-GB" sz="2000" dirty="0">
+                <a:solidFill>
+                  <a:schemeClr val="bg1">
+                    <a:lumMod val="50000"/>
+                  </a:schemeClr>
+                </a:solidFill>
+              </a:rPr>
+              <a:t> et al. (2007)</a:t>
+            </a:r>
           </a:p>
         </p:txBody>
       </p:sp>
@@ -12097,13 +14091,55 @@
           <a:lstStyle/>
           <a:p>
             <a:r>
+              <a:rPr lang="en-GB" dirty="0"/>
+              <a:t>Drift rate und </a:t>
+            </a:r>
+            <a:r>
               <a:rPr lang="en-GB" dirty="0" err="1"/>
-              <a:t>Korrelationen</a:t>
+              <a:t>Intelligenz</a:t>
             </a:r>
             <a:r>
               <a:rPr lang="en-GB" dirty="0"/>
-              <a:t> der Parameter</a:t>
-            </a:r>
+              <a:t>: r = .79</a:t>
+            </a:r>
+            <a:endParaRPr lang="en-GB" i="1" dirty="0"/>
+          </a:p>
+          <a:p>
+            <a:endParaRPr lang="en-GB" dirty="0"/>
+          </a:p>
+          <a:p>
+            <a:r>
+              <a:rPr lang="en-GB" dirty="0"/>
+              <a:t>Boundary Separation und </a:t>
+            </a:r>
+            <a:r>
+              <a:rPr lang="en-GB" dirty="0" err="1"/>
+              <a:t>Intelligenz</a:t>
+            </a:r>
+            <a:r>
+              <a:rPr lang="en-GB" dirty="0"/>
+              <a:t>: r = -.48</a:t>
+            </a:r>
+          </a:p>
+          <a:p>
+            <a:endParaRPr lang="en-GB" dirty="0"/>
+          </a:p>
+          <a:p>
+            <a:r>
+              <a:rPr lang="en-GB" dirty="0"/>
+              <a:t>Non-decision time und </a:t>
+            </a:r>
+            <a:r>
+              <a:rPr lang="en-GB" dirty="0" err="1"/>
+              <a:t>Intelligenz</a:t>
+            </a:r>
+            <a:r>
+              <a:rPr lang="en-GB" dirty="0"/>
+              <a:t>: r = .25</a:t>
+            </a:r>
+          </a:p>
+          <a:p>
+            <a:endParaRPr lang="en-GB" dirty="0"/>
           </a:p>
         </p:txBody>
       </p:sp>
@@ -12168,7 +14204,7 @@
             </a:pPr>
             <a:r>
               <a:rPr lang="de-DE"/>
-              <a:t>Template Matching - Sven Lesche</a:t>
+              <a:t>Alpha and Intelligence - Sven Lesche</a:t>
             </a:r>
             <a:endParaRPr lang="de-DE" dirty="0"/>
           </a:p>
@@ -12188,7 +14224,7 @@
 </file>
 
 <file path=ppt/slides/slide5.xml><?xml version="1.0" encoding="utf-8"?>
-<p:sld xmlns:a="http://schemas.openxmlformats.org/drawingml/2006/main" xmlns:r="http://schemas.openxmlformats.org/officeDocument/2006/relationships" xmlns:p="http://schemas.openxmlformats.org/presentationml/2006/main" show="0">
+<p:sld xmlns:a="http://schemas.openxmlformats.org/drawingml/2006/main" xmlns:r="http://schemas.openxmlformats.org/officeDocument/2006/relationships" xmlns:p="http://schemas.openxmlformats.org/presentationml/2006/main">
   <p:cSld>
     <p:spTree>
       <p:nvGrpSpPr>
@@ -12206,10 +14242,10 @@
       </p:grpSpPr>
       <p:sp>
         <p:nvSpPr>
-          <p:cNvPr id="6" name="Title 5">
+          <p:cNvPr id="2" name="Title 1">
             <a:extLst>
               <a:ext uri="{FF2B5EF4-FFF2-40B4-BE49-F238E27FC236}">
-                <a16:creationId xmlns:a16="http://schemas.microsoft.com/office/drawing/2014/main" id="{2DE89248-D00F-4601-9A13-F0B19EEB83B8}"/>
+                <a16:creationId xmlns:a16="http://schemas.microsoft.com/office/drawing/2014/main" id="{B1C42344-55BF-4E5C-8E5A-435371CF4209}"/>
               </a:ext>
             </a:extLst>
           </p:cNvPr>
@@ -12226,35 +14262,18 @@
           <a:lstStyle/>
           <a:p>
             <a:r>
-              <a:rPr lang="en-GB" dirty="0" err="1"/>
-              <a:t>Mentale</a:t>
-            </a:r>
-            <a:r>
               <a:rPr lang="en-GB" dirty="0"/>
-              <a:t> </a:t>
-            </a:r>
-            <a:r>
-              <a:rPr lang="en-GB" dirty="0" err="1"/>
-              <a:t>Geschwindigkeit</a:t>
-            </a:r>
-            <a:r>
-              <a:rPr lang="en-GB" dirty="0"/>
-              <a:t> und </a:t>
-            </a:r>
-            <a:r>
-              <a:rPr lang="en-GB" dirty="0" err="1"/>
-              <a:t>Intelligenz</a:t>
-            </a:r>
-            <a:endParaRPr lang="en-GB" dirty="0"/>
-          </a:p>
-        </p:txBody>
-      </p:sp>
-      <p:sp>
-        <p:nvSpPr>
-          <p:cNvPr id="7" name="Content Placeholder 6">
+              <a:t>Drift Diffusions Modell (DDM)</a:t>
+            </a:r>
+          </a:p>
+        </p:txBody>
+      </p:sp>
+      <p:sp>
+        <p:nvSpPr>
+          <p:cNvPr id="3" name="Content Placeholder 2">
             <a:extLst>
               <a:ext uri="{FF2B5EF4-FFF2-40B4-BE49-F238E27FC236}">
-                <a16:creationId xmlns:a16="http://schemas.microsoft.com/office/drawing/2014/main" id="{073588CB-0B80-4629-AC8E-3FFE877DDCC4}"/>
+                <a16:creationId xmlns:a16="http://schemas.microsoft.com/office/drawing/2014/main" id="{ED83E275-E32F-47C3-B431-3832F8128B54}"/>
               </a:ext>
             </a:extLst>
           </p:cNvPr>
@@ -12270,227 +14289,6 @@
           <a:bodyPr/>
           <a:lstStyle/>
           <a:p>
-            <a:r>
-              <a:rPr lang="en-GB" dirty="0" err="1"/>
-              <a:t>Durchweg</a:t>
-            </a:r>
-            <a:r>
-              <a:rPr lang="en-GB" dirty="0"/>
-              <a:t> positive </a:t>
-            </a:r>
-            <a:r>
-              <a:rPr lang="en-GB" dirty="0" err="1"/>
-              <a:t>Zusammenhänge</a:t>
-            </a:r>
-            <a:r>
-              <a:rPr lang="en-GB" dirty="0"/>
-              <a:t> von </a:t>
-            </a:r>
-            <a:r>
-              <a:rPr lang="en-GB" dirty="0" err="1"/>
-              <a:t>Geschwindigkeit</a:t>
-            </a:r>
-            <a:r>
-              <a:rPr lang="en-GB" dirty="0"/>
-              <a:t> und </a:t>
-            </a:r>
-            <a:r>
-              <a:rPr lang="en-GB" dirty="0" err="1"/>
-              <a:t>Intelligenz</a:t>
-            </a:r>
-            <a:r>
-              <a:rPr lang="en-GB" dirty="0"/>
-              <a:t> (Sheppard &amp; Vernon, 2008).</a:t>
-            </a:r>
-          </a:p>
-          <a:p>
-            <a:endParaRPr lang="en-GB" dirty="0"/>
-          </a:p>
-          <a:p>
-            <a:r>
-              <a:rPr lang="en-GB" dirty="0" err="1"/>
-              <a:t>Zusammenhänge</a:t>
-            </a:r>
-            <a:r>
-              <a:rPr lang="en-GB" dirty="0"/>
-              <a:t> </a:t>
-            </a:r>
-            <a:r>
-              <a:rPr lang="en-GB" i="1" dirty="0"/>
-              <a:t>g </a:t>
-            </a:r>
-            <a:r>
-              <a:rPr lang="en-GB" dirty="0"/>
-              <a:t>und </a:t>
-            </a:r>
-            <a:r>
-              <a:rPr lang="en-GB" dirty="0" err="1"/>
-              <a:t>mittleren</a:t>
-            </a:r>
-            <a:r>
-              <a:rPr lang="en-GB" dirty="0"/>
-              <a:t> RTs ( und </a:t>
-            </a:r>
-            <a:r>
-              <a:rPr lang="en-GB" dirty="0" err="1"/>
-              <a:t>Varianzen</a:t>
-            </a:r>
-            <a:r>
-              <a:rPr lang="en-GB" dirty="0"/>
-              <a:t> der RTs (</a:t>
-            </a:r>
-            <a:r>
-              <a:rPr lang="en-GB" dirty="0" err="1"/>
-              <a:t>Doebler</a:t>
-            </a:r>
-            <a:r>
-              <a:rPr lang="en-GB" dirty="0"/>
-              <a:t> &amp; Scheffler, 2016; Jensen, 2006)</a:t>
-            </a:r>
-          </a:p>
-          <a:p>
-            <a:endParaRPr lang="en-GB" dirty="0"/>
-          </a:p>
-          <a:p>
-            <a:r>
-              <a:rPr lang="en-GB" dirty="0" err="1"/>
-              <a:t>Zusammenhänge</a:t>
-            </a:r>
-            <a:r>
-              <a:rPr lang="en-GB" dirty="0"/>
-              <a:t> von </a:t>
-            </a:r>
-            <a:r>
-              <a:rPr lang="en-GB" i="1" dirty="0"/>
-              <a:t>g </a:t>
-            </a:r>
-            <a:r>
-              <a:rPr lang="en-GB" dirty="0"/>
-              <a:t>und EKP-</a:t>
-            </a:r>
-            <a:r>
-              <a:rPr lang="en-GB" dirty="0" err="1"/>
-              <a:t>Latenzen</a:t>
-            </a:r>
-            <a:r>
-              <a:rPr lang="en-GB" dirty="0"/>
-              <a:t> (Schubert et al., 2017)</a:t>
-            </a:r>
-          </a:p>
-          <a:p>
-            <a:endParaRPr lang="en-GB" dirty="0"/>
-          </a:p>
-          <a:p>
-            <a:r>
-              <a:rPr lang="en-GB" dirty="0" err="1"/>
-              <a:t>Zusammenhänge</a:t>
-            </a:r>
-            <a:r>
-              <a:rPr lang="en-GB" dirty="0"/>
-              <a:t> von </a:t>
-            </a:r>
-            <a:r>
-              <a:rPr lang="en-GB" i="1" dirty="0"/>
-              <a:t>g </a:t>
-            </a:r>
-            <a:r>
-              <a:rPr lang="en-GB" dirty="0"/>
-              <a:t>und Drift-Rate (</a:t>
-            </a:r>
-            <a:r>
-              <a:rPr lang="en-GB" dirty="0" err="1"/>
-              <a:t>Lerche</a:t>
-            </a:r>
-            <a:r>
-              <a:rPr lang="en-GB" dirty="0"/>
-              <a:t> et al. 2020)</a:t>
-            </a:r>
-          </a:p>
-          <a:p>
-            <a:endParaRPr lang="en-GB" dirty="0"/>
-          </a:p>
-          <a:p>
-            <a:r>
-              <a:rPr lang="en-GB" dirty="0"/>
-              <a:t>-&gt; </a:t>
-            </a:r>
-            <a:r>
-              <a:rPr lang="en-GB" dirty="0" err="1"/>
-              <a:t>Sowohl</a:t>
-            </a:r>
-            <a:r>
-              <a:rPr lang="en-GB" dirty="0"/>
-              <a:t> </a:t>
-            </a:r>
-            <a:r>
-              <a:rPr lang="en-GB" dirty="0" err="1"/>
-              <a:t>Geschwindigkeit</a:t>
-            </a:r>
-            <a:r>
-              <a:rPr lang="en-GB" dirty="0"/>
-              <a:t> </a:t>
-            </a:r>
-            <a:r>
-              <a:rPr lang="en-GB" dirty="0" err="1"/>
-              <a:t>als</a:t>
-            </a:r>
-            <a:r>
-              <a:rPr lang="en-GB" dirty="0"/>
-              <a:t> </a:t>
-            </a:r>
-            <a:r>
-              <a:rPr lang="en-GB" dirty="0" err="1"/>
-              <a:t>auch</a:t>
-            </a:r>
-            <a:r>
-              <a:rPr lang="en-GB" dirty="0"/>
-              <a:t> </a:t>
-            </a:r>
-            <a:r>
-              <a:rPr lang="en-GB" dirty="0" err="1"/>
-              <a:t>Variabilität</a:t>
-            </a:r>
-            <a:r>
-              <a:rPr lang="en-GB" dirty="0"/>
-              <a:t> der </a:t>
-            </a:r>
-            <a:r>
-              <a:rPr lang="en-GB" dirty="0" err="1"/>
-              <a:t>Geschwindigkeit</a:t>
-            </a:r>
-            <a:r>
-              <a:rPr lang="en-GB" dirty="0"/>
-              <a:t> </a:t>
-            </a:r>
-            <a:r>
-              <a:rPr lang="en-GB" dirty="0" err="1"/>
-              <a:t>mit</a:t>
-            </a:r>
-            <a:r>
-              <a:rPr lang="en-GB" dirty="0"/>
-              <a:t> </a:t>
-            </a:r>
-            <a:r>
-              <a:rPr lang="en-GB" dirty="0" err="1"/>
-              <a:t>Intelligenz</a:t>
-            </a:r>
-            <a:r>
-              <a:rPr lang="en-GB" dirty="0"/>
-              <a:t> </a:t>
-            </a:r>
-            <a:r>
-              <a:rPr lang="en-GB" dirty="0" err="1"/>
-              <a:t>assoziiert</a:t>
-            </a:r>
-            <a:r>
-              <a:rPr lang="en-GB" dirty="0"/>
-              <a:t>.</a:t>
-            </a:r>
-          </a:p>
-          <a:p>
-            <a:endParaRPr lang="en-GB" dirty="0"/>
-          </a:p>
-          <a:p>
             <a:endParaRPr lang="en-GB" dirty="0"/>
           </a:p>
         </p:txBody>
@@ -12500,7 +14298,7 @@
           <p:cNvPr id="4" name="Slide Number Placeholder 3">
             <a:extLst>
               <a:ext uri="{FF2B5EF4-FFF2-40B4-BE49-F238E27FC236}">
-                <a16:creationId xmlns:a16="http://schemas.microsoft.com/office/drawing/2014/main" id="{8CDE7A02-DB4B-4C79-8819-75F6F48C4B9C}"/>
+                <a16:creationId xmlns:a16="http://schemas.microsoft.com/office/drawing/2014/main" id="{2F9B3269-EBF4-4E46-A2B4-8BCAF801F284}"/>
               </a:ext>
             </a:extLst>
           </p:cNvPr>
@@ -12519,14 +14317,14 @@
             <a:pPr>
               <a:defRPr/>
             </a:pPr>
-            <a:fld id="{07ADABD5-AC19-49BC-8CBF-BA3469C652F7}" type="slidenum">
+            <a:fld id="{BFD7839F-DA5C-4C13-94BA-0DC1947AAA90}" type="slidenum">
               <a:rPr lang="de-DE" altLang="de-DE" smtClean="0"/>
               <a:pPr>
                 <a:defRPr/>
               </a:pPr>
               <a:t>5</a:t>
             </a:fld>
-            <a:endParaRPr lang="de-DE" altLang="de-DE"/>
+            <a:endParaRPr lang="de-DE" altLang="de-DE" dirty="0"/>
           </a:p>
         </p:txBody>
       </p:sp>
@@ -12535,7 +14333,7 @@
           <p:cNvPr id="5" name="Footer Placeholder 4">
             <a:extLst>
               <a:ext uri="{FF2B5EF4-FFF2-40B4-BE49-F238E27FC236}">
-                <a16:creationId xmlns:a16="http://schemas.microsoft.com/office/drawing/2014/main" id="{897DDFAC-0E2E-4AB9-AE23-1CE222B09290}"/>
+                <a16:creationId xmlns:a16="http://schemas.microsoft.com/office/drawing/2014/main" id="{EE81C638-8C74-4055-8399-6047AA72C57F}"/>
               </a:ext>
             </a:extLst>
           </p:cNvPr>
@@ -12556,15 +14354,242 @@
             </a:pPr>
             <a:r>
               <a:rPr lang="de-DE"/>
-              <a:t>Template Matching - Sven Lesche</a:t>
-            </a:r>
-          </a:p>
-        </p:txBody>
-      </p:sp>
+              <a:t>Alpha and Intelligence - Sven Lesche</a:t>
+            </a:r>
+            <a:endParaRPr lang="de-DE" dirty="0"/>
+          </a:p>
+        </p:txBody>
+      </p:sp>
+      <p:sp>
+        <p:nvSpPr>
+          <p:cNvPr id="6" name="TextBox 7">
+            <a:extLst>
+              <a:ext uri="{FF2B5EF4-FFF2-40B4-BE49-F238E27FC236}">
+                <a16:creationId xmlns:a16="http://schemas.microsoft.com/office/drawing/2014/main" id="{04939941-05F9-47FC-981F-38DB06EFC3D6}"/>
+              </a:ext>
+            </a:extLst>
+          </p:cNvPr>
+          <p:cNvSpPr txBox="1">
+            <a:spLocks noChangeArrowheads="1"/>
+          </p:cNvSpPr>
+          <p:nvPr/>
+        </p:nvSpPr>
+        <p:spPr bwMode="auto">
+          <a:xfrm>
+            <a:off x="6934182" y="5437721"/>
+            <a:ext cx="1666105" cy="246221"/>
+          </a:xfrm>
+          <a:prstGeom prst="rect">
+            <a:avLst/>
+          </a:prstGeom>
+          <a:noFill/>
+          <a:ln>
+            <a:noFill/>
+          </a:ln>
+          <a:extLst>
+            <a:ext uri="{909E8E84-426E-40DD-AFC4-6F175D3DCCD1}">
+              <a14:hiddenFill xmlns:a14="http://schemas.microsoft.com/office/drawing/2010/main">
+                <a:solidFill>
+                  <a:srgbClr val="FFFFFF"/>
+                </a:solidFill>
+              </a14:hiddenFill>
+            </a:ext>
+            <a:ext uri="{91240B29-F687-4F45-9708-019B960494DF}">
+              <a14:hiddenLine xmlns:a14="http://schemas.microsoft.com/office/drawing/2010/main" w="9525">
+                <a:solidFill>
+                  <a:srgbClr val="000000"/>
+                </a:solidFill>
+                <a:miter lim="800000"/>
+                <a:headEnd/>
+                <a:tailEnd/>
+              </a14:hiddenLine>
+            </a:ext>
+          </a:extLst>
+        </p:spPr>
+        <p:txBody>
+          <a:bodyPr wrap="square">
+            <a:spAutoFit/>
+          </a:bodyPr>
+          <a:lstStyle>
+            <a:lvl1pPr>
+              <a:defRPr sz="1500">
+                <a:solidFill>
+                  <a:schemeClr val="tx1"/>
+                </a:solidFill>
+                <a:latin typeface="Arial" panose="020B0604020202020204" pitchFamily="34" charset="0"/>
+                <a:cs typeface="Arial" panose="020B0604020202020204" pitchFamily="34" charset="0"/>
+              </a:defRPr>
+            </a:lvl1pPr>
+            <a:lvl2pPr marL="742950" indent="-285750">
+              <a:defRPr sz="1500">
+                <a:solidFill>
+                  <a:schemeClr val="tx1"/>
+                </a:solidFill>
+                <a:latin typeface="Arial" panose="020B0604020202020204" pitchFamily="34" charset="0"/>
+                <a:cs typeface="Arial" panose="020B0604020202020204" pitchFamily="34" charset="0"/>
+              </a:defRPr>
+            </a:lvl2pPr>
+            <a:lvl3pPr marL="1143000" indent="-228600">
+              <a:defRPr sz="1500">
+                <a:solidFill>
+                  <a:schemeClr val="tx1"/>
+                </a:solidFill>
+                <a:latin typeface="Arial" panose="020B0604020202020204" pitchFamily="34" charset="0"/>
+                <a:cs typeface="Arial" panose="020B0604020202020204" pitchFamily="34" charset="0"/>
+              </a:defRPr>
+            </a:lvl3pPr>
+            <a:lvl4pPr marL="1600200" indent="-228600">
+              <a:defRPr sz="1500">
+                <a:solidFill>
+                  <a:schemeClr val="tx1"/>
+                </a:solidFill>
+                <a:latin typeface="Arial" panose="020B0604020202020204" pitchFamily="34" charset="0"/>
+                <a:cs typeface="Arial" panose="020B0604020202020204" pitchFamily="34" charset="0"/>
+              </a:defRPr>
+            </a:lvl4pPr>
+            <a:lvl5pPr marL="2057400" indent="-228600">
+              <a:defRPr sz="1500">
+                <a:solidFill>
+                  <a:schemeClr val="tx1"/>
+                </a:solidFill>
+                <a:latin typeface="Arial" panose="020B0604020202020204" pitchFamily="34" charset="0"/>
+                <a:cs typeface="Arial" panose="020B0604020202020204" pitchFamily="34" charset="0"/>
+              </a:defRPr>
+            </a:lvl5pPr>
+            <a:lvl6pPr marL="2514600" indent="-228600" eaLnBrk="0" fontAlgn="base" hangingPunct="0">
+              <a:spcBef>
+                <a:spcPct val="0"/>
+              </a:spcBef>
+              <a:spcAft>
+                <a:spcPct val="0"/>
+              </a:spcAft>
+              <a:defRPr sz="1500">
+                <a:solidFill>
+                  <a:schemeClr val="tx1"/>
+                </a:solidFill>
+                <a:latin typeface="Arial" panose="020B0604020202020204" pitchFamily="34" charset="0"/>
+                <a:cs typeface="Arial" panose="020B0604020202020204" pitchFamily="34" charset="0"/>
+              </a:defRPr>
+            </a:lvl6pPr>
+            <a:lvl7pPr marL="2971800" indent="-228600" eaLnBrk="0" fontAlgn="base" hangingPunct="0">
+              <a:spcBef>
+                <a:spcPct val="0"/>
+              </a:spcBef>
+              <a:spcAft>
+                <a:spcPct val="0"/>
+              </a:spcAft>
+              <a:defRPr sz="1500">
+                <a:solidFill>
+                  <a:schemeClr val="tx1"/>
+                </a:solidFill>
+                <a:latin typeface="Arial" panose="020B0604020202020204" pitchFamily="34" charset="0"/>
+                <a:cs typeface="Arial" panose="020B0604020202020204" pitchFamily="34" charset="0"/>
+              </a:defRPr>
+            </a:lvl7pPr>
+            <a:lvl8pPr marL="3429000" indent="-228600" eaLnBrk="0" fontAlgn="base" hangingPunct="0">
+              <a:spcBef>
+                <a:spcPct val="0"/>
+              </a:spcBef>
+              <a:spcAft>
+                <a:spcPct val="0"/>
+              </a:spcAft>
+              <a:defRPr sz="1500">
+                <a:solidFill>
+                  <a:schemeClr val="tx1"/>
+                </a:solidFill>
+                <a:latin typeface="Arial" panose="020B0604020202020204" pitchFamily="34" charset="0"/>
+                <a:cs typeface="Arial" panose="020B0604020202020204" pitchFamily="34" charset="0"/>
+              </a:defRPr>
+            </a:lvl8pPr>
+            <a:lvl9pPr marL="3886200" indent="-228600" eaLnBrk="0" fontAlgn="base" hangingPunct="0">
+              <a:spcBef>
+                <a:spcPct val="0"/>
+              </a:spcBef>
+              <a:spcAft>
+                <a:spcPct val="0"/>
+              </a:spcAft>
+              <a:defRPr sz="1500">
+                <a:solidFill>
+                  <a:schemeClr val="tx1"/>
+                </a:solidFill>
+                <a:latin typeface="Arial" panose="020B0604020202020204" pitchFamily="34" charset="0"/>
+                <a:cs typeface="Arial" panose="020B0604020202020204" pitchFamily="34" charset="0"/>
+              </a:defRPr>
+            </a:lvl9pPr>
+          </a:lstStyle>
+          <a:p>
+            <a:pPr algn="r"/>
+            <a:r>
+              <a:rPr lang="de-DE" altLang="en-GB" sz="1000" dirty="0"/>
+              <a:t>aus Schiffler et al. (2017)</a:t>
+            </a:r>
+          </a:p>
+        </p:txBody>
+      </p:sp>
+      <p:pic>
+        <p:nvPicPr>
+          <p:cNvPr id="7" name="Picture 17">
+            <a:extLst>
+              <a:ext uri="{FF2B5EF4-FFF2-40B4-BE49-F238E27FC236}">
+                <a16:creationId xmlns:a16="http://schemas.microsoft.com/office/drawing/2014/main" id="{C0ADB55D-7805-400E-8C07-F9F4603EFE88}"/>
+              </a:ext>
+            </a:extLst>
+          </p:cNvPr>
+          <p:cNvPicPr>
+            <a:picLocks noChangeAspect="1" noChangeArrowheads="1"/>
+          </p:cNvPicPr>
+          <p:nvPr/>
+        </p:nvPicPr>
+        <p:blipFill>
+          <a:blip r:embed="rId2">
+            <a:extLst>
+              <a:ext uri="{28A0092B-C50C-407E-A947-70E740481C1C}">
+                <a14:useLocalDpi xmlns:a14="http://schemas.microsoft.com/office/drawing/2010/main" val="0"/>
+              </a:ext>
+            </a:extLst>
+          </a:blip>
+          <a:srcRect/>
+          <a:stretch>
+            <a:fillRect/>
+          </a:stretch>
+        </p:blipFill>
+        <p:spPr bwMode="auto">
+          <a:xfrm>
+            <a:off x="38888" y="1267991"/>
+            <a:ext cx="8562985" cy="4076941"/>
+          </a:xfrm>
+          <a:prstGeom prst="rect">
+            <a:avLst/>
+          </a:prstGeom>
+          <a:noFill/>
+          <a:ln>
+            <a:noFill/>
+          </a:ln>
+          <a:extLst>
+            <a:ext uri="{909E8E84-426E-40DD-AFC4-6F175D3DCCD1}">
+              <a14:hiddenFill xmlns:a14="http://schemas.microsoft.com/office/drawing/2010/main">
+                <a:solidFill>
+                  <a:srgbClr val="FFFFFF"/>
+                </a:solidFill>
+              </a14:hiddenFill>
+            </a:ext>
+            <a:ext uri="{91240B29-F687-4F45-9708-019B960494DF}">
+              <a14:hiddenLine xmlns:a14="http://schemas.microsoft.com/office/drawing/2010/main" w="9525">
+                <a:solidFill>
+                  <a:srgbClr val="000000"/>
+                </a:solidFill>
+                <a:miter lim="800000"/>
+                <a:headEnd/>
+                <a:tailEnd/>
+              </a14:hiddenLine>
+            </a:ext>
+          </a:extLst>
+        </p:spPr>
+      </p:pic>
     </p:spTree>
     <p:extLst>
       <p:ext uri="{BB962C8B-B14F-4D97-AF65-F5344CB8AC3E}">
-        <p14:creationId xmlns:p14="http://schemas.microsoft.com/office/powerpoint/2010/main" val="29258632"/>
+        <p14:creationId xmlns:p14="http://schemas.microsoft.com/office/powerpoint/2010/main" val="368020790"/>
       </p:ext>
     </p:extLst>
   </p:cSld>
@@ -12596,6 +14621,218 @@
           <p:cNvPr id="2" name="Title 1">
             <a:extLst>
               <a:ext uri="{FF2B5EF4-FFF2-40B4-BE49-F238E27FC236}">
+                <a16:creationId xmlns:a16="http://schemas.microsoft.com/office/drawing/2014/main" id="{9A3BD1C0-D7A8-5EBB-4FBE-80372CA5FC4D}"/>
+              </a:ext>
+            </a:extLst>
+          </p:cNvPr>
+          <p:cNvSpPr>
+            <a:spLocks noGrp="1"/>
+          </p:cNvSpPr>
+          <p:nvPr>
+            <p:ph type="title"/>
+          </p:nvPr>
+        </p:nvSpPr>
+        <p:spPr/>
+        <p:txBody>
+          <a:bodyPr/>
+          <a:lstStyle/>
+          <a:p>
+            <a:r>
+              <a:rPr lang="de-DE" dirty="0" err="1"/>
+              <a:t>One</a:t>
+            </a:r>
+            <a:r>
+              <a:rPr lang="de-DE" dirty="0"/>
+              <a:t> happy </a:t>
+            </a:r>
+            <a:r>
+              <a:rPr lang="de-DE" dirty="0" err="1"/>
+              <a:t>family</a:t>
+            </a:r>
+            <a:br>
+              <a:rPr lang="de-DE" dirty="0"/>
+            </a:br>
+            <a:r>
+              <a:rPr lang="de-DE" sz="2000" dirty="0">
+                <a:solidFill>
+                  <a:schemeClr val="bg1">
+                    <a:lumMod val="50000"/>
+                  </a:schemeClr>
+                </a:solidFill>
+              </a:rPr>
+              <a:t>Levy-alpha </a:t>
+            </a:r>
+            <a:r>
+              <a:rPr lang="de-DE" sz="2000" dirty="0" err="1">
+                <a:solidFill>
+                  <a:schemeClr val="bg1">
+                    <a:lumMod val="50000"/>
+                  </a:schemeClr>
+                </a:solidFill>
+              </a:rPr>
+              <a:t>stable</a:t>
+            </a:r>
+            <a:r>
+              <a:rPr lang="de-DE" sz="2000" dirty="0">
+                <a:solidFill>
+                  <a:schemeClr val="bg1">
+                    <a:lumMod val="50000"/>
+                  </a:schemeClr>
+                </a:solidFill>
+              </a:rPr>
+              <a:t> </a:t>
+            </a:r>
+            <a:r>
+              <a:rPr lang="de-DE" sz="2000" dirty="0" err="1">
+                <a:solidFill>
+                  <a:schemeClr val="bg1">
+                    <a:lumMod val="50000"/>
+                  </a:schemeClr>
+                </a:solidFill>
+              </a:rPr>
+              <a:t>distributions</a:t>
+            </a:r>
+            <a:endParaRPr lang="de-DE" sz="2000" dirty="0">
+              <a:solidFill>
+                <a:schemeClr val="bg1">
+                  <a:lumMod val="50000"/>
+                </a:schemeClr>
+              </a:solidFill>
+            </a:endParaRPr>
+          </a:p>
+        </p:txBody>
+      </p:sp>
+      <p:pic>
+        <p:nvPicPr>
+          <p:cNvPr id="7" name="Content Placeholder 6">
+            <a:extLst>
+              <a:ext uri="{FF2B5EF4-FFF2-40B4-BE49-F238E27FC236}">
+                <a16:creationId xmlns:a16="http://schemas.microsoft.com/office/drawing/2014/main" id="{156958CE-74AE-47B4-EBEC-20A66C304C0D}"/>
+              </a:ext>
+            </a:extLst>
+          </p:cNvPr>
+          <p:cNvPicPr>
+            <a:picLocks noGrp="1" noChangeAspect="1"/>
+          </p:cNvPicPr>
+          <p:nvPr>
+            <p:ph idx="1"/>
+          </p:nvPr>
+        </p:nvPicPr>
+        <p:blipFill>
+          <a:blip r:embed="rId2"/>
+          <a:stretch>
+            <a:fillRect/>
+          </a:stretch>
+        </p:blipFill>
+        <p:spPr>
+          <a:xfrm>
+            <a:off x="1296045" y="1369669"/>
+            <a:ext cx="5616624" cy="4545032"/>
+          </a:xfrm>
+        </p:spPr>
+      </p:pic>
+      <p:sp>
+        <p:nvSpPr>
+          <p:cNvPr id="4" name="Slide Number Placeholder 3">
+            <a:extLst>
+              <a:ext uri="{FF2B5EF4-FFF2-40B4-BE49-F238E27FC236}">
+                <a16:creationId xmlns:a16="http://schemas.microsoft.com/office/drawing/2014/main" id="{B3DD15DE-5AF5-44D9-23E6-C8A9AE3F5BFB}"/>
+              </a:ext>
+            </a:extLst>
+          </p:cNvPr>
+          <p:cNvSpPr>
+            <a:spLocks noGrp="1"/>
+          </p:cNvSpPr>
+          <p:nvPr>
+            <p:ph type="sldNum" sz="quarter" idx="10"/>
+          </p:nvPr>
+        </p:nvSpPr>
+        <p:spPr/>
+        <p:txBody>
+          <a:bodyPr/>
+          <a:lstStyle/>
+          <a:p>
+            <a:pPr>
+              <a:defRPr/>
+            </a:pPr>
+            <a:fld id="{BFD7839F-DA5C-4C13-94BA-0DC1947AAA90}" type="slidenum">
+              <a:rPr lang="de-DE" altLang="de-DE" smtClean="0"/>
+              <a:pPr>
+                <a:defRPr/>
+              </a:pPr>
+              <a:t>6</a:t>
+            </a:fld>
+            <a:endParaRPr lang="de-DE" altLang="de-DE" dirty="0"/>
+          </a:p>
+        </p:txBody>
+      </p:sp>
+      <p:sp>
+        <p:nvSpPr>
+          <p:cNvPr id="5" name="Footer Placeholder 4">
+            <a:extLst>
+              <a:ext uri="{FF2B5EF4-FFF2-40B4-BE49-F238E27FC236}">
+                <a16:creationId xmlns:a16="http://schemas.microsoft.com/office/drawing/2014/main" id="{934E5A73-631A-F60D-2CE1-2EF81936608E}"/>
+              </a:ext>
+            </a:extLst>
+          </p:cNvPr>
+          <p:cNvSpPr>
+            <a:spLocks noGrp="1"/>
+          </p:cNvSpPr>
+          <p:nvPr>
+            <p:ph type="ftr" sz="quarter" idx="11"/>
+          </p:nvPr>
+        </p:nvSpPr>
+        <p:spPr/>
+        <p:txBody>
+          <a:bodyPr/>
+          <a:lstStyle/>
+          <a:p>
+            <a:pPr>
+              <a:defRPr/>
+            </a:pPr>
+            <a:r>
+              <a:rPr lang="de-DE"/>
+              <a:t>Alpha and Intelligence - Sven Lesche</a:t>
+            </a:r>
+            <a:endParaRPr lang="de-DE" dirty="0"/>
+          </a:p>
+        </p:txBody>
+      </p:sp>
+    </p:spTree>
+    <p:extLst>
+      <p:ext uri="{BB962C8B-B14F-4D97-AF65-F5344CB8AC3E}">
+        <p14:creationId xmlns:p14="http://schemas.microsoft.com/office/powerpoint/2010/main" val="3775836905"/>
+      </p:ext>
+    </p:extLst>
+  </p:cSld>
+  <p:clrMapOvr>
+    <a:masterClrMapping/>
+  </p:clrMapOvr>
+</p:sld>
+</file>
+
+<file path=ppt/slides/slide7.xml><?xml version="1.0" encoding="utf-8"?>
+<p:sld xmlns:a="http://schemas.openxmlformats.org/drawingml/2006/main" xmlns:r="http://schemas.openxmlformats.org/officeDocument/2006/relationships" xmlns:p="http://schemas.openxmlformats.org/presentationml/2006/main">
+  <p:cSld>
+    <p:spTree>
+      <p:nvGrpSpPr>
+        <p:cNvPr id="1" name=""/>
+        <p:cNvGrpSpPr/>
+        <p:nvPr/>
+      </p:nvGrpSpPr>
+      <p:grpSpPr>
+        <a:xfrm>
+          <a:off x="0" y="0"/>
+          <a:ext cx="0" cy="0"/>
+          <a:chOff x="0" y="0"/>
+          <a:chExt cx="0" cy="0"/>
+        </a:xfrm>
+      </p:grpSpPr>
+      <p:sp>
+        <p:nvSpPr>
+          <p:cNvPr id="2" name="Title 1">
+            <a:extLst>
+              <a:ext uri="{FF2B5EF4-FFF2-40B4-BE49-F238E27FC236}">
                 <a16:creationId xmlns:a16="http://schemas.microsoft.com/office/drawing/2014/main" id="{68A97830-1D05-49A7-83C0-53E8B64F1B53}"/>
               </a:ext>
             </a:extLst>
@@ -12615,6 +14852,29 @@
             <a:r>
               <a:rPr lang="en-GB" dirty="0"/>
               <a:t>Levy-Flight Modell</a:t>
+            </a:r>
+            <a:br>
+              <a:rPr lang="en-GB" dirty="0"/>
+            </a:br>
+            <a:r>
+              <a:rPr lang="en-GB" sz="2000" dirty="0" err="1">
+                <a:solidFill>
+                  <a:schemeClr val="bg1">
+                    <a:lumMod val="50000"/>
+                  </a:schemeClr>
+                </a:solidFill>
+              </a:rPr>
+              <a:t>Voß</a:t>
+            </a:r>
+            <a:r>
+              <a:rPr lang="en-GB" sz="2000" dirty="0">
+                <a:solidFill>
+                  <a:schemeClr val="bg1">
+                    <a:lumMod val="50000"/>
+                  </a:schemeClr>
+                </a:solidFill>
+              </a:rPr>
+              <a:t> et al. (2019)</a:t>
             </a:r>
           </a:p>
         </p:txBody>
@@ -12677,7 +14937,7 @@
               <a:pPr>
                 <a:defRPr/>
               </a:pPr>
-              <a:t>6</a:t>
+              <a:t>7</a:t>
             </a:fld>
             <a:endParaRPr lang="de-DE" altLang="de-DE" dirty="0"/>
           </a:p>
@@ -12709,7 +14969,7 @@
             </a:pPr>
             <a:r>
               <a:rPr lang="de-DE"/>
-              <a:t>Template Matching - Sven Lesche</a:t>
+              <a:t>Alpha and Intelligence - Sven Lesche</a:t>
             </a:r>
             <a:endParaRPr lang="de-DE" dirty="0"/>
           </a:p>
@@ -12784,309 +15044,171 @@
   <p:clrMapOvr>
     <a:masterClrMapping/>
   </p:clrMapOvr>
-</p:sld>
-</file>
-
-<file path=ppt/slides/slide7.xml><?xml version="1.0" encoding="utf-8"?>
-<p:sld xmlns:a="http://schemas.openxmlformats.org/drawingml/2006/main" xmlns:r="http://schemas.openxmlformats.org/officeDocument/2006/relationships" xmlns:p="http://schemas.openxmlformats.org/presentationml/2006/main">
-  <p:cSld>
-    <p:spTree>
-      <p:nvGrpSpPr>
-        <p:cNvPr id="1" name=""/>
-        <p:cNvGrpSpPr/>
-        <p:nvPr/>
-      </p:nvGrpSpPr>
-      <p:grpSpPr>
-        <a:xfrm>
-          <a:off x="0" y="0"/>
-          <a:ext cx="0" cy="0"/>
-          <a:chOff x="0" y="0"/>
-          <a:chExt cx="0" cy="0"/>
-        </a:xfrm>
-      </p:grpSpPr>
-      <p:sp>
-        <p:nvSpPr>
-          <p:cNvPr id="2" name="Title 1">
-            <a:extLst>
-              <a:ext uri="{FF2B5EF4-FFF2-40B4-BE49-F238E27FC236}">
-                <a16:creationId xmlns:a16="http://schemas.microsoft.com/office/drawing/2014/main" id="{B49A295B-06F7-4DFE-98EB-C78272C08307}"/>
-              </a:ext>
-            </a:extLst>
-          </p:cNvPr>
-          <p:cNvSpPr>
-            <a:spLocks noGrp="1"/>
-          </p:cNvSpPr>
-          <p:nvPr>
-            <p:ph type="title"/>
-          </p:nvPr>
-        </p:nvSpPr>
-        <p:spPr/>
-        <p:txBody>
-          <a:bodyPr/>
-          <a:lstStyle/>
-          <a:p>
-            <a:r>
-              <a:rPr lang="en-GB" dirty="0"/>
-              <a:t>Was </a:t>
-            </a:r>
-            <a:r>
-              <a:rPr lang="en-GB" dirty="0" err="1"/>
-              <a:t>ist</a:t>
-            </a:r>
-            <a:r>
-              <a:rPr lang="en-GB" dirty="0"/>
-              <a:t> alpha?</a:t>
-            </a:r>
-          </a:p>
-        </p:txBody>
-      </p:sp>
-      <p:sp>
-        <p:nvSpPr>
-          <p:cNvPr id="3" name="Content Placeholder 2">
-            <a:extLst>
-              <a:ext uri="{FF2B5EF4-FFF2-40B4-BE49-F238E27FC236}">
-                <a16:creationId xmlns:a16="http://schemas.microsoft.com/office/drawing/2014/main" id="{CF514634-41BE-4FD6-AD28-CB6A4495662F}"/>
-              </a:ext>
-            </a:extLst>
-          </p:cNvPr>
-          <p:cNvSpPr>
-            <a:spLocks noGrp="1"/>
-          </p:cNvSpPr>
-          <p:nvPr>
-            <p:ph idx="1"/>
-          </p:nvPr>
-        </p:nvSpPr>
-        <p:spPr/>
-        <p:txBody>
-          <a:bodyPr/>
-          <a:lstStyle/>
-          <a:p>
-            <a:r>
-              <a:rPr lang="en-GB" dirty="0" err="1"/>
-              <a:t>Quantifiziert</a:t>
-            </a:r>
-            <a:r>
-              <a:rPr lang="en-GB" dirty="0"/>
-              <a:t> die </a:t>
-            </a:r>
-            <a:r>
-              <a:rPr lang="en-GB" dirty="0" err="1"/>
-              <a:t>Stabilität</a:t>
-            </a:r>
-            <a:r>
-              <a:rPr lang="en-GB" dirty="0"/>
-              <a:t> </a:t>
-            </a:r>
-            <a:r>
-              <a:rPr lang="en-GB" dirty="0" err="1"/>
-              <a:t>im</a:t>
-            </a:r>
-            <a:r>
-              <a:rPr lang="en-GB" dirty="0"/>
-              <a:t> </a:t>
-            </a:r>
-            <a:r>
-              <a:rPr lang="en-GB" dirty="0" err="1"/>
-              <a:t>Prozess</a:t>
-            </a:r>
-            <a:r>
-              <a:rPr lang="en-GB" dirty="0"/>
-              <a:t> der </a:t>
-            </a:r>
-            <a:r>
-              <a:rPr lang="en-GB" dirty="0" err="1"/>
-              <a:t>Evidenzakkumulation</a:t>
-            </a:r>
-            <a:endParaRPr lang="en-GB" dirty="0"/>
-          </a:p>
-          <a:p>
-            <a:endParaRPr lang="en-GB" dirty="0"/>
-          </a:p>
-          <a:p>
-            <a:r>
-              <a:rPr lang="en-GB" dirty="0" err="1"/>
-              <a:t>Hohes</a:t>
-            </a:r>
-            <a:r>
-              <a:rPr lang="en-GB" dirty="0"/>
-              <a:t> Alpha -&gt; </a:t>
-            </a:r>
-            <a:r>
-              <a:rPr lang="en-GB" dirty="0" err="1"/>
-              <a:t>Wenige</a:t>
-            </a:r>
-            <a:r>
-              <a:rPr lang="en-GB" dirty="0"/>
-              <a:t> </a:t>
-            </a:r>
-            <a:r>
-              <a:rPr lang="en-GB" dirty="0" err="1"/>
-              <a:t>Sprünge</a:t>
-            </a:r>
-            <a:endParaRPr lang="en-GB" dirty="0"/>
-          </a:p>
-          <a:p>
-            <a:endParaRPr lang="en-GB" dirty="0"/>
-          </a:p>
-          <a:p>
-            <a:r>
-              <a:rPr lang="en-GB" dirty="0" err="1"/>
-              <a:t>Niedriges</a:t>
-            </a:r>
-            <a:r>
-              <a:rPr lang="en-GB" dirty="0"/>
-              <a:t> Alpha -&gt; </a:t>
-            </a:r>
-            <a:r>
-              <a:rPr lang="en-GB" dirty="0" err="1"/>
-              <a:t>Viele</a:t>
-            </a:r>
-            <a:r>
-              <a:rPr lang="en-GB" dirty="0"/>
-              <a:t> </a:t>
-            </a:r>
-            <a:r>
-              <a:rPr lang="en-GB" dirty="0" err="1"/>
-              <a:t>Sprünge</a:t>
-            </a:r>
-            <a:endParaRPr lang="en-GB" dirty="0"/>
-          </a:p>
-          <a:p>
-            <a:endParaRPr lang="en-GB" dirty="0"/>
-          </a:p>
-          <a:p>
-            <a:r>
-              <a:rPr lang="en-GB" b="1" dirty="0"/>
-              <a:t>-&gt; Aber was </a:t>
-            </a:r>
-            <a:r>
-              <a:rPr lang="en-GB" b="1" dirty="0" err="1"/>
-              <a:t>bedeutet</a:t>
-            </a:r>
-            <a:r>
-              <a:rPr lang="en-GB" b="1" dirty="0"/>
-              <a:t> das? Und </a:t>
-            </a:r>
-            <a:r>
-              <a:rPr lang="en-GB" b="1" dirty="0" err="1"/>
-              <a:t>sind</a:t>
-            </a:r>
-            <a:r>
-              <a:rPr lang="en-GB" b="1" dirty="0"/>
-              <a:t> </a:t>
-            </a:r>
-            <a:r>
-              <a:rPr lang="en-GB" b="1" dirty="0" err="1"/>
-              <a:t>mehr</a:t>
-            </a:r>
-            <a:r>
-              <a:rPr lang="en-GB" b="1" dirty="0"/>
-              <a:t> </a:t>
-            </a:r>
-            <a:r>
-              <a:rPr lang="en-GB" b="1" dirty="0" err="1"/>
-              <a:t>Sprünge</a:t>
-            </a:r>
-            <a:r>
-              <a:rPr lang="en-GB" b="1" dirty="0"/>
-              <a:t> gut </a:t>
-            </a:r>
-            <a:r>
-              <a:rPr lang="en-GB" b="1" dirty="0" err="1"/>
-              <a:t>oder</a:t>
-            </a:r>
-            <a:r>
-              <a:rPr lang="en-GB" b="1" dirty="0"/>
-              <a:t> </a:t>
-            </a:r>
-            <a:r>
-              <a:rPr lang="en-GB" b="1" dirty="0" err="1"/>
-              <a:t>schlecht</a:t>
-            </a:r>
-            <a:r>
-              <a:rPr lang="en-GB" b="1" dirty="0"/>
-              <a:t>?</a:t>
-            </a:r>
-          </a:p>
-        </p:txBody>
-      </p:sp>
-      <p:sp>
-        <p:nvSpPr>
-          <p:cNvPr id="4" name="Slide Number Placeholder 3">
-            <a:extLst>
-              <a:ext uri="{FF2B5EF4-FFF2-40B4-BE49-F238E27FC236}">
-                <a16:creationId xmlns:a16="http://schemas.microsoft.com/office/drawing/2014/main" id="{F7A5DF1D-565E-4DDC-A46F-AB42F9BF9A32}"/>
-              </a:ext>
-            </a:extLst>
-          </p:cNvPr>
-          <p:cNvSpPr>
-            <a:spLocks noGrp="1"/>
-          </p:cNvSpPr>
-          <p:nvPr>
-            <p:ph type="sldNum" sz="quarter" idx="10"/>
-          </p:nvPr>
-        </p:nvSpPr>
-        <p:spPr/>
-        <p:txBody>
-          <a:bodyPr/>
-          <a:lstStyle/>
-          <a:p>
-            <a:pPr>
-              <a:defRPr/>
-            </a:pPr>
-            <a:fld id="{BFD7839F-DA5C-4C13-94BA-0DC1947AAA90}" type="slidenum">
-              <a:rPr lang="de-DE" altLang="de-DE" smtClean="0"/>
-              <a:pPr>
-                <a:defRPr/>
-              </a:pPr>
-              <a:t>7</a:t>
-            </a:fld>
-            <a:endParaRPr lang="de-DE" altLang="de-DE" dirty="0"/>
-          </a:p>
-        </p:txBody>
-      </p:sp>
-      <p:sp>
-        <p:nvSpPr>
-          <p:cNvPr id="5" name="Footer Placeholder 4">
-            <a:extLst>
-              <a:ext uri="{FF2B5EF4-FFF2-40B4-BE49-F238E27FC236}">
-                <a16:creationId xmlns:a16="http://schemas.microsoft.com/office/drawing/2014/main" id="{E3E0E014-6238-4CF0-B10E-3D55917EC6BD}"/>
-              </a:ext>
-            </a:extLst>
-          </p:cNvPr>
-          <p:cNvSpPr>
-            <a:spLocks noGrp="1"/>
-          </p:cNvSpPr>
-          <p:nvPr>
-            <p:ph type="ftr" sz="quarter" idx="11"/>
-          </p:nvPr>
-        </p:nvSpPr>
-        <p:spPr/>
-        <p:txBody>
-          <a:bodyPr/>
-          <a:lstStyle/>
-          <a:p>
-            <a:pPr>
-              <a:defRPr/>
-            </a:pPr>
-            <a:r>
-              <a:rPr lang="de-DE"/>
-              <a:t>Template Matching - Sven Lesche</a:t>
-            </a:r>
-            <a:endParaRPr lang="de-DE" dirty="0"/>
-          </a:p>
-        </p:txBody>
-      </p:sp>
-    </p:spTree>
-    <p:extLst>
-      <p:ext uri="{BB962C8B-B14F-4D97-AF65-F5344CB8AC3E}">
-        <p14:creationId xmlns:p14="http://schemas.microsoft.com/office/powerpoint/2010/main" val="1358528170"/>
-      </p:ext>
-    </p:extLst>
-  </p:cSld>
-  <p:clrMapOvr>
-    <a:masterClrMapping/>
-  </p:clrMapOvr>
+  <p:timing>
+    <p:tnLst>
+      <p:par>
+        <p:cTn id="1" dur="indefinite" restart="never" nodeType="tmRoot">
+          <p:childTnLst>
+            <p:seq concurrent="1" nextAc="seek">
+              <p:cTn id="2" dur="indefinite" nodeType="mainSeq">
+                <p:childTnLst>
+                  <p:par>
+                    <p:cTn id="3" fill="hold">
+                      <p:stCondLst>
+                        <p:cond delay="indefinite"/>
+                      </p:stCondLst>
+                      <p:childTnLst>
+                        <p:par>
+                          <p:cTn id="4" fill="hold">
+                            <p:stCondLst>
+                              <p:cond delay="0"/>
+                            </p:stCondLst>
+                            <p:childTnLst>
+                              <p:par>
+                                <p:cTn id="5" presetID="1" presetClass="entr" presetSubtype="0" fill="hold" nodeType="clickEffect">
+                                  <p:stCondLst>
+                                    <p:cond delay="0"/>
+                                  </p:stCondLst>
+                                  <p:childTnLst>
+                                    <p:set>
+                                      <p:cBhvr>
+                                        <p:cTn id="6" dur="1" fill="hold">
+                                          <p:stCondLst>
+                                            <p:cond delay="0"/>
+                                          </p:stCondLst>
+                                        </p:cTn>
+                                        <p:tgtEl>
+                                          <p:spTgt spid="7"/>
+                                        </p:tgtEl>
+                                        <p:attrNameLst>
+                                          <p:attrName>style.visibility</p:attrName>
+                                        </p:attrNameLst>
+                                      </p:cBhvr>
+                                      <p:to>
+                                        <p:strVal val="visible"/>
+                                      </p:to>
+                                    </p:set>
+                                  </p:childTnLst>
+                                </p:cTn>
+                              </p:par>
+                            </p:childTnLst>
+                          </p:cTn>
+                        </p:par>
+                      </p:childTnLst>
+                    </p:cTn>
+                  </p:par>
+                  <p:par>
+                    <p:cTn id="7" fill="hold">
+                      <p:stCondLst>
+                        <p:cond delay="indefinite"/>
+                      </p:stCondLst>
+                      <p:childTnLst>
+                        <p:par>
+                          <p:cTn id="8" fill="hold">
+                            <p:stCondLst>
+                              <p:cond delay="0"/>
+                            </p:stCondLst>
+                            <p:childTnLst>
+                              <p:par>
+                                <p:cTn id="9" presetID="1" presetClass="entr" presetSubtype="0" fill="hold" nodeType="clickEffect">
+                                  <p:stCondLst>
+                                    <p:cond delay="0"/>
+                                  </p:stCondLst>
+                                  <p:childTnLst>
+                                    <p:set>
+                                      <p:cBhvr>
+                                        <p:cTn id="10" dur="1" fill="hold">
+                                          <p:stCondLst>
+                                            <p:cond delay="0"/>
+                                          </p:stCondLst>
+                                        </p:cTn>
+                                        <p:tgtEl>
+                                          <p:spTgt spid="9"/>
+                                        </p:tgtEl>
+                                        <p:attrNameLst>
+                                          <p:attrName>style.visibility</p:attrName>
+                                        </p:attrNameLst>
+                                      </p:cBhvr>
+                                      <p:to>
+                                        <p:strVal val="visible"/>
+                                      </p:to>
+                                    </p:set>
+                                  </p:childTnLst>
+                                </p:cTn>
+                              </p:par>
+                            </p:childTnLst>
+                          </p:cTn>
+                        </p:par>
+                      </p:childTnLst>
+                    </p:cTn>
+                  </p:par>
+                  <p:par>
+                    <p:cTn id="11" fill="hold">
+                      <p:stCondLst>
+                        <p:cond delay="indefinite"/>
+                      </p:stCondLst>
+                      <p:childTnLst>
+                        <p:par>
+                          <p:cTn id="12" fill="hold">
+                            <p:stCondLst>
+                              <p:cond delay="0"/>
+                            </p:stCondLst>
+                            <p:childTnLst>
+                              <p:par>
+                                <p:cTn id="13" presetID="1" presetClass="entr" presetSubtype="0" fill="hold" nodeType="clickEffect">
+                                  <p:stCondLst>
+                                    <p:cond delay="0"/>
+                                  </p:stCondLst>
+                                  <p:childTnLst>
+                                    <p:set>
+                                      <p:cBhvr>
+                                        <p:cTn id="14" dur="1" fill="hold">
+                                          <p:stCondLst>
+                                            <p:cond delay="0"/>
+                                          </p:stCondLst>
+                                        </p:cTn>
+                                        <p:tgtEl>
+                                          <p:spTgt spid="11"/>
+                                        </p:tgtEl>
+                                        <p:attrNameLst>
+                                          <p:attrName>style.visibility</p:attrName>
+                                        </p:attrNameLst>
+                                      </p:cBhvr>
+                                      <p:to>
+                                        <p:strVal val="visible"/>
+                                      </p:to>
+                                    </p:set>
+                                  </p:childTnLst>
+                                </p:cTn>
+                              </p:par>
+                            </p:childTnLst>
+                          </p:cTn>
+                        </p:par>
+                      </p:childTnLst>
+                    </p:cTn>
+                  </p:par>
+                </p:childTnLst>
+              </p:cTn>
+              <p:prevCondLst>
+                <p:cond evt="onPrev" delay="0">
+                  <p:tgtEl>
+                    <p:sldTgt/>
+                  </p:tgtEl>
+                </p:cond>
+              </p:prevCondLst>
+              <p:nextCondLst>
+                <p:cond evt="onNext" delay="0">
+                  <p:tgtEl>
+                    <p:sldTgt/>
+                  </p:tgtEl>
+                </p:cond>
+              </p:nextCondLst>
+            </p:seq>
+          </p:childTnLst>
+        </p:cTn>
+      </p:par>
+    </p:tnLst>
+  </p:timing>
 </p:sld>
 </file>
 
@@ -13112,7 +15234,7 @@
           <p:cNvPr id="2" name="Title 1">
             <a:extLst>
               <a:ext uri="{FF2B5EF4-FFF2-40B4-BE49-F238E27FC236}">
-                <a16:creationId xmlns:a16="http://schemas.microsoft.com/office/drawing/2014/main" id="{4C2D4399-A4DD-4B93-B099-FA03E36DB7FA}"/>
+                <a16:creationId xmlns:a16="http://schemas.microsoft.com/office/drawing/2014/main" id="{B49A295B-06F7-4DFE-98EB-C78272C08307}"/>
               </a:ext>
             </a:extLst>
           </p:cNvPr>
@@ -13129,20 +15251,16 @@
           <a:lstStyle/>
           <a:p>
             <a:r>
+              <a:rPr lang="en-GB" dirty="0"/>
+              <a:t>Was </a:t>
+            </a:r>
+            <a:r>
               <a:rPr lang="en-GB" dirty="0" err="1"/>
-              <a:t>Hypothesen</a:t>
+              <a:t>ist</a:t>
             </a:r>
             <a:r>
               <a:rPr lang="en-GB" dirty="0"/>
-              <a:t> </a:t>
-            </a:r>
-            <a:r>
-              <a:rPr lang="en-GB" dirty="0" err="1"/>
-              <a:t>zu</a:t>
-            </a:r>
-            <a:r>
-              <a:rPr lang="en-GB" dirty="0"/>
-              <a:t> Alpha</a:t>
+              <a:t> alpha?</a:t>
             </a:r>
           </a:p>
         </p:txBody>
@@ -13152,7 +15270,7 @@
           <p:cNvPr id="3" name="Content Placeholder 2">
             <a:extLst>
               <a:ext uri="{FF2B5EF4-FFF2-40B4-BE49-F238E27FC236}">
-                <a16:creationId xmlns:a16="http://schemas.microsoft.com/office/drawing/2014/main" id="{6433F454-DCFE-4B4A-BF07-F28E5612157C}"/>
+                <a16:creationId xmlns:a16="http://schemas.microsoft.com/office/drawing/2014/main" id="{CF514634-41BE-4FD6-AD28-CB6A4495662F}"/>
               </a:ext>
             </a:extLst>
           </p:cNvPr>
@@ -13170,7 +15288,15 @@
           <a:p>
             <a:r>
               <a:rPr lang="en-GB" dirty="0" err="1"/>
-              <a:t>Sprünge</a:t>
+              <a:t>Quantifiziert</a:t>
+            </a:r>
+            <a:r>
+              <a:rPr lang="en-GB" dirty="0"/>
+              <a:t> die </a:t>
+            </a:r>
+            <a:r>
+              <a:rPr lang="en-GB" dirty="0" err="1"/>
+              <a:t>Stabilität</a:t>
             </a:r>
             <a:r>
               <a:rPr lang="en-GB" dirty="0"/>
@@ -13178,7 +15304,7 @@
             </a:r>
             <a:r>
               <a:rPr lang="en-GB" dirty="0" err="1"/>
-              <a:t>sind</a:t>
+              <a:t>im</a:t>
             </a:r>
             <a:r>
               <a:rPr lang="en-GB" dirty="0"/>
@@ -13186,31 +15312,33 @@
             </a:r>
             <a:r>
               <a:rPr lang="en-GB" dirty="0" err="1"/>
-              <a:t>unsystematisch</a:t>
+              <a:t>Prozess</a:t>
             </a:r>
             <a:r>
               <a:rPr lang="en-GB" dirty="0"/>
-              <a:t>, </a:t>
+              <a:t> der </a:t>
             </a:r>
             <a:r>
               <a:rPr lang="en-GB" dirty="0" err="1"/>
-              <a:t>sollten</a:t>
+              <a:t>Evidenzakkumulation</a:t>
+            </a:r>
+            <a:endParaRPr lang="en-GB" dirty="0"/>
+          </a:p>
+          <a:p>
+            <a:endParaRPr lang="en-GB" dirty="0"/>
+          </a:p>
+          <a:p>
+            <a:r>
+              <a:rPr lang="en-GB" dirty="0" err="1"/>
+              <a:t>Hohes</a:t>
             </a:r>
             <a:r>
               <a:rPr lang="en-GB" dirty="0"/>
-              <a:t> in </a:t>
+              <a:t> Alpha -&gt; </a:t>
             </a:r>
             <a:r>
               <a:rPr lang="en-GB" dirty="0" err="1"/>
-              <a:t>einer</a:t>
-            </a:r>
-            <a:r>
-              <a:rPr lang="en-GB" dirty="0"/>
-              <a:t> Aufgabe </a:t>
-            </a:r>
-            <a:r>
-              <a:rPr lang="en-GB" dirty="0" err="1"/>
-              <a:t>vermieden</a:t>
+              <a:t>Wenige</a:t>
             </a:r>
             <a:r>
               <a:rPr lang="en-GB" dirty="0"/>
@@ -13218,21 +15346,55 @@
             </a:r>
             <a:r>
               <a:rPr lang="en-GB" dirty="0" err="1"/>
-              <a:t>werden</a:t>
+              <a:t>Sprünge</a:t>
+            </a:r>
+            <a:endParaRPr lang="en-GB" dirty="0"/>
+          </a:p>
+          <a:p>
+            <a:endParaRPr lang="en-GB" dirty="0"/>
+          </a:p>
+          <a:p>
+            <a:r>
+              <a:rPr lang="en-GB" dirty="0" err="1"/>
+              <a:t>Niedriges</a:t>
             </a:r>
             <a:r>
               <a:rPr lang="en-GB" dirty="0"/>
-              <a:t> (inefficient jumping hypothesis)</a:t>
-            </a:r>
+              <a:t> Alpha -&gt; </a:t>
+            </a:r>
+            <a:r>
+              <a:rPr lang="en-GB" dirty="0" err="1"/>
+              <a:t>Viele</a:t>
+            </a:r>
+            <a:r>
+              <a:rPr lang="en-GB" dirty="0"/>
+              <a:t> </a:t>
+            </a:r>
+            <a:r>
+              <a:rPr lang="en-GB" dirty="0" err="1"/>
+              <a:t>Sprünge</a:t>
+            </a:r>
+            <a:endParaRPr lang="en-GB" dirty="0"/>
+          </a:p>
+          <a:p>
+            <a:endParaRPr lang="en-GB" dirty="0"/>
           </a:p>
           <a:p>
             <a:r>
               <a:rPr lang="en-GB" b="1" dirty="0"/>
-              <a:t> -&gt; </a:t>
+              <a:t>Aber was </a:t>
             </a:r>
             <a:r>
               <a:rPr lang="en-GB" b="1" dirty="0" err="1"/>
-              <a:t>Intelligentere</a:t>
+              <a:t>bedeutet</a:t>
+            </a:r>
+            <a:r>
+              <a:rPr lang="en-GB" b="1" dirty="0"/>
+              <a:t> das? Und </a:t>
+            </a:r>
+            <a:r>
+              <a:rPr lang="en-GB" b="1" dirty="0" err="1"/>
+              <a:t>sind</a:t>
             </a:r>
             <a:r>
               <a:rPr lang="en-GB" b="1" dirty="0"/>
@@ -13240,7 +15402,7 @@
             </a:r>
             <a:r>
               <a:rPr lang="en-GB" b="1" dirty="0" err="1"/>
-              <a:t>Personen</a:t>
+              <a:t>Sprünge</a:t>
             </a:r>
             <a:r>
               <a:rPr lang="en-GB" b="1" dirty="0"/>
@@ -13248,205 +15410,12 @@
             </a:r>
             <a:r>
               <a:rPr lang="en-GB" b="1" dirty="0" err="1"/>
-              <a:t>sollten</a:t>
+              <a:t>funktional</a:t>
             </a:r>
             <a:r>
               <a:rPr lang="en-GB" b="1" dirty="0"/>
-              <a:t> </a:t>
-            </a:r>
-            <a:r>
-              <a:rPr lang="en-GB" b="1" dirty="0" err="1"/>
-              <a:t>größere</a:t>
-            </a:r>
-            <a:r>
-              <a:rPr lang="en-GB" b="1" dirty="0"/>
-              <a:t> </a:t>
-            </a:r>
-            <a:r>
-              <a:rPr lang="en-GB" b="1" dirty="0" err="1"/>
-              <a:t>Stabilität</a:t>
-            </a:r>
-            <a:r>
-              <a:rPr lang="en-GB" b="1" dirty="0"/>
-              <a:t> </a:t>
-            </a:r>
-            <a:r>
-              <a:rPr lang="en-GB" b="1" dirty="0" err="1"/>
-              <a:t>haben</a:t>
-            </a:r>
-            <a:endParaRPr lang="en-GB" b="1" dirty="0"/>
-          </a:p>
-          <a:p>
-            <a:endParaRPr lang="en-GB" b="1" dirty="0"/>
-          </a:p>
-          <a:p>
-            <a:r>
-              <a:rPr lang="en-GB" dirty="0"/>
-              <a:t>In </a:t>
-            </a:r>
-            <a:r>
-              <a:rPr lang="en-GB" dirty="0" err="1"/>
-              <a:t>einfachen</a:t>
-            </a:r>
-            <a:r>
-              <a:rPr lang="en-GB" dirty="0"/>
-              <a:t> </a:t>
-            </a:r>
-            <a:r>
-              <a:rPr lang="en-GB" dirty="0" err="1"/>
-              <a:t>Aufgaben</a:t>
-            </a:r>
-            <a:r>
-              <a:rPr lang="en-GB" dirty="0"/>
-              <a:t> </a:t>
-            </a:r>
-            <a:r>
-              <a:rPr lang="en-GB" dirty="0" err="1"/>
-              <a:t>ist</a:t>
-            </a:r>
-            <a:r>
-              <a:rPr lang="en-GB" dirty="0"/>
-              <a:t> </a:t>
-            </a:r>
-            <a:r>
-              <a:rPr lang="en-GB" dirty="0" err="1"/>
-              <a:t>eine</a:t>
-            </a:r>
-            <a:r>
-              <a:rPr lang="en-GB" dirty="0"/>
-              <a:t> </a:t>
-            </a:r>
-            <a:r>
-              <a:rPr lang="en-GB" dirty="0" err="1"/>
-              <a:t>gleichmäßige</a:t>
-            </a:r>
-            <a:r>
-              <a:rPr lang="en-GB" dirty="0"/>
-              <a:t> </a:t>
-            </a:r>
-            <a:r>
-              <a:rPr lang="en-GB" dirty="0" err="1"/>
-              <a:t>Sammlung</a:t>
-            </a:r>
-            <a:r>
-              <a:rPr lang="en-GB" dirty="0"/>
-              <a:t> an </a:t>
-            </a:r>
-            <a:r>
-              <a:rPr lang="en-GB" dirty="0" err="1"/>
-              <a:t>Informationen</a:t>
-            </a:r>
-            <a:r>
-              <a:rPr lang="en-GB" dirty="0"/>
-              <a:t> suboptimal. Es </a:t>
-            </a:r>
-            <a:r>
-              <a:rPr lang="en-GB" dirty="0" err="1"/>
-              <a:t>ist</a:t>
-            </a:r>
-            <a:r>
-              <a:rPr lang="en-GB" dirty="0"/>
-              <a:t> </a:t>
-            </a:r>
-            <a:r>
-              <a:rPr lang="en-GB" dirty="0" err="1"/>
-              <a:t>besser</a:t>
-            </a:r>
-            <a:r>
-              <a:rPr lang="en-GB" dirty="0"/>
-              <a:t> </a:t>
-            </a:r>
-            <a:r>
-              <a:rPr lang="en-GB" dirty="0" err="1"/>
-              <a:t>sich</a:t>
-            </a:r>
-            <a:r>
-              <a:rPr lang="en-GB" dirty="0"/>
-              <a:t> von </a:t>
-            </a:r>
-            <a:r>
-              <a:rPr lang="en-GB" dirty="0" err="1"/>
-              <a:t>Informationen</a:t>
-            </a:r>
-            <a:r>
-              <a:rPr lang="en-GB" dirty="0"/>
-              <a:t> schnell </a:t>
-            </a:r>
-            <a:r>
-              <a:rPr lang="en-GB" dirty="0" err="1"/>
-              <a:t>beeinflussen</a:t>
-            </a:r>
-            <a:r>
-              <a:rPr lang="en-GB" dirty="0"/>
-              <a:t> </a:t>
-            </a:r>
-            <a:r>
-              <a:rPr lang="en-GB" dirty="0" err="1"/>
-              <a:t>zu</a:t>
-            </a:r>
-            <a:r>
-              <a:rPr lang="en-GB" dirty="0"/>
-              <a:t> </a:t>
-            </a:r>
-            <a:r>
-              <a:rPr lang="en-GB" dirty="0" err="1"/>
-              <a:t>lassen</a:t>
-            </a:r>
-            <a:r>
-              <a:rPr lang="en-GB" dirty="0"/>
-              <a:t> (efficient jumping hypothesis)</a:t>
-            </a:r>
-          </a:p>
-          <a:p>
-            <a:r>
-              <a:rPr lang="en-GB" b="1" dirty="0"/>
-              <a:t>-&gt; </a:t>
-            </a:r>
-            <a:r>
-              <a:rPr lang="en-GB" b="1" dirty="0" err="1"/>
-              <a:t>Intelligentere</a:t>
-            </a:r>
-            <a:r>
-              <a:rPr lang="en-GB" b="1" dirty="0"/>
-              <a:t> </a:t>
-            </a:r>
-            <a:r>
-              <a:rPr lang="en-GB" b="1" dirty="0" err="1"/>
-              <a:t>Personen</a:t>
-            </a:r>
-            <a:r>
-              <a:rPr lang="en-GB" b="1" dirty="0"/>
-              <a:t> </a:t>
-            </a:r>
-            <a:r>
-              <a:rPr lang="en-GB" b="1" dirty="0" err="1"/>
-              <a:t>sollte</a:t>
-            </a:r>
-            <a:r>
-              <a:rPr lang="en-GB" b="1" dirty="0"/>
-              <a:t> </a:t>
-            </a:r>
-            <a:r>
-              <a:rPr lang="en-GB" b="1" dirty="0" err="1"/>
-              <a:t>kleine</a:t>
-            </a:r>
-            <a:r>
-              <a:rPr lang="en-GB" b="1" dirty="0"/>
-              <a:t> </a:t>
-            </a:r>
-            <a:r>
-              <a:rPr lang="en-GB" b="1" dirty="0" err="1"/>
-              <a:t>Stabilität</a:t>
-            </a:r>
-            <a:r>
-              <a:rPr lang="en-GB" b="1" dirty="0"/>
-              <a:t> </a:t>
-            </a:r>
-            <a:r>
-              <a:rPr lang="en-GB" b="1" dirty="0" err="1"/>
-              <a:t>haben</a:t>
-            </a:r>
-            <a:endParaRPr lang="en-GB" b="1" dirty="0"/>
+              <a:t>??</a:t>
+            </a:r>
           </a:p>
         </p:txBody>
       </p:sp>
@@ -13455,7 +15424,7 @@
           <p:cNvPr id="4" name="Slide Number Placeholder 3">
             <a:extLst>
               <a:ext uri="{FF2B5EF4-FFF2-40B4-BE49-F238E27FC236}">
-                <a16:creationId xmlns:a16="http://schemas.microsoft.com/office/drawing/2014/main" id="{5C5DA067-9B34-40D7-9CF2-748E06CBC575}"/>
+                <a16:creationId xmlns:a16="http://schemas.microsoft.com/office/drawing/2014/main" id="{F7A5DF1D-565E-4DDC-A46F-AB42F9BF9A32}"/>
               </a:ext>
             </a:extLst>
           </p:cNvPr>
@@ -13490,7 +15459,7 @@
           <p:cNvPr id="5" name="Footer Placeholder 4">
             <a:extLst>
               <a:ext uri="{FF2B5EF4-FFF2-40B4-BE49-F238E27FC236}">
-                <a16:creationId xmlns:a16="http://schemas.microsoft.com/office/drawing/2014/main" id="{23203727-E80F-42D7-90CA-A695B65A4750}"/>
+                <a16:creationId xmlns:a16="http://schemas.microsoft.com/office/drawing/2014/main" id="{E3E0E014-6238-4CF0-B10E-3D55917EC6BD}"/>
               </a:ext>
             </a:extLst>
           </p:cNvPr>
@@ -13510,22 +15479,102 @@
               <a:defRPr/>
             </a:pPr>
             <a:r>
-              <a:rPr lang="de-DE" dirty="0"/>
-              <a:t>Template Matching - Sven Lesche</a:t>
-            </a:r>
+              <a:rPr lang="de-DE"/>
+              <a:t>Alpha and Intelligence - Sven Lesche</a:t>
+            </a:r>
+            <a:endParaRPr lang="de-DE" dirty="0"/>
           </a:p>
         </p:txBody>
       </p:sp>
     </p:spTree>
     <p:extLst>
       <p:ext uri="{BB962C8B-B14F-4D97-AF65-F5344CB8AC3E}">
-        <p14:creationId xmlns:p14="http://schemas.microsoft.com/office/powerpoint/2010/main" val="3899078534"/>
+        <p14:creationId xmlns:p14="http://schemas.microsoft.com/office/powerpoint/2010/main" val="1358528170"/>
       </p:ext>
     </p:extLst>
   </p:cSld>
   <p:clrMapOvr>
     <a:masterClrMapping/>
   </p:clrMapOvr>
+  <p:timing>
+    <p:tnLst>
+      <p:par>
+        <p:cTn id="1" dur="indefinite" restart="never" nodeType="tmRoot">
+          <p:childTnLst>
+            <p:seq concurrent="1" nextAc="seek">
+              <p:cTn id="2" dur="indefinite" nodeType="mainSeq">
+                <p:childTnLst>
+                  <p:par>
+                    <p:cTn id="3" fill="hold">
+                      <p:stCondLst>
+                        <p:cond delay="indefinite"/>
+                      </p:stCondLst>
+                      <p:childTnLst>
+                        <p:par>
+                          <p:cTn id="4" fill="hold">
+                            <p:stCondLst>
+                              <p:cond delay="0"/>
+                            </p:stCondLst>
+                            <p:childTnLst>
+                              <p:par>
+                                <p:cTn id="5" presetID="1" presetClass="entr" presetSubtype="0" fill="hold" nodeType="clickEffect">
+                                  <p:stCondLst>
+                                    <p:cond delay="0"/>
+                                  </p:stCondLst>
+                                  <p:childTnLst>
+                                    <p:set>
+                                      <p:cBhvr>
+                                        <p:cTn id="6" dur="1" fill="hold">
+                                          <p:stCondLst>
+                                            <p:cond delay="0"/>
+                                          </p:stCondLst>
+                                        </p:cTn>
+                                        <p:tgtEl>
+                                          <p:spTgt spid="3">
+                                            <p:txEl>
+                                              <p:pRg st="6" end="6"/>
+                                            </p:txEl>
+                                          </p:spTgt>
+                                        </p:tgtEl>
+                                        <p:attrNameLst>
+                                          <p:attrName>style.visibility</p:attrName>
+                                        </p:attrNameLst>
+                                      </p:cBhvr>
+                                      <p:to>
+                                        <p:strVal val="visible"/>
+                                      </p:to>
+                                    </p:set>
+                                  </p:childTnLst>
+                                </p:cTn>
+                              </p:par>
+                            </p:childTnLst>
+                          </p:cTn>
+                        </p:par>
+                      </p:childTnLst>
+                    </p:cTn>
+                  </p:par>
+                </p:childTnLst>
+              </p:cTn>
+              <p:prevCondLst>
+                <p:cond evt="onPrev" delay="0">
+                  <p:tgtEl>
+                    <p:sldTgt/>
+                  </p:tgtEl>
+                </p:cond>
+              </p:prevCondLst>
+              <p:nextCondLst>
+                <p:cond evt="onNext" delay="0">
+                  <p:tgtEl>
+                    <p:sldTgt/>
+                  </p:tgtEl>
+                </p:cond>
+              </p:nextCondLst>
+            </p:seq>
+          </p:childTnLst>
+        </p:cTn>
+      </p:par>
+    </p:tnLst>
+  </p:timing>
 </p:sld>
 </file>
 
@@ -13551,7 +15600,7 @@
           <p:cNvPr id="2" name="Title 1">
             <a:extLst>
               <a:ext uri="{FF2B5EF4-FFF2-40B4-BE49-F238E27FC236}">
-                <a16:creationId xmlns:a16="http://schemas.microsoft.com/office/drawing/2014/main" id="{CE0A8C41-DD02-459C-9BAA-E37AA0FD3F8D}"/>
+                <a16:creationId xmlns:a16="http://schemas.microsoft.com/office/drawing/2014/main" id="{4C2D4399-A4DD-4B93-B099-FA03E36DB7FA}"/>
               </a:ext>
             </a:extLst>
           </p:cNvPr>
@@ -13569,9 +15618,43 @@
           <a:p>
             <a:r>
               <a:rPr lang="en-GB" dirty="0" err="1"/>
-              <a:t>Datengrundlage</a:t>
-            </a:r>
-            <a:endParaRPr lang="en-GB" dirty="0"/>
+              <a:t>Hypothesen</a:t>
+            </a:r>
+            <a:r>
+              <a:rPr lang="en-GB" dirty="0"/>
+              <a:t> </a:t>
+            </a:r>
+            <a:r>
+              <a:rPr lang="en-GB" dirty="0" err="1"/>
+              <a:t>zu</a:t>
+            </a:r>
+            <a:r>
+              <a:rPr lang="en-GB" dirty="0"/>
+              <a:t> Alpha</a:t>
+            </a:r>
+            <a:br>
+              <a:rPr lang="en-GB" dirty="0"/>
+            </a:br>
+            <a:r>
+              <a:rPr lang="en-GB" sz="2000" dirty="0" err="1">
+                <a:solidFill>
+                  <a:schemeClr val="bg1">
+                    <a:lumMod val="50000"/>
+                  </a:schemeClr>
+                </a:solidFill>
+              </a:rPr>
+              <a:t>Wieschen</a:t>
+            </a:r>
+            <a:r>
+              <a:rPr lang="en-GB" sz="2000" dirty="0">
+                <a:solidFill>
+                  <a:schemeClr val="bg1">
+                    <a:lumMod val="50000"/>
+                  </a:schemeClr>
+                </a:solidFill>
+              </a:rPr>
+              <a:t> et al. (2020)</a:t>
+            </a:r>
           </a:p>
         </p:txBody>
       </p:sp>
@@ -13580,7 +15663,7 @@
           <p:cNvPr id="3" name="Content Placeholder 2">
             <a:extLst>
               <a:ext uri="{FF2B5EF4-FFF2-40B4-BE49-F238E27FC236}">
-                <a16:creationId xmlns:a16="http://schemas.microsoft.com/office/drawing/2014/main" id="{62055D7F-183F-429D-8C08-22B73B11EDA3}"/>
+                <a16:creationId xmlns:a16="http://schemas.microsoft.com/office/drawing/2014/main" id="{6433F454-DCFE-4B4A-BF07-F28E5612157C}"/>
               </a:ext>
             </a:extLst>
           </p:cNvPr>
@@ -13597,17 +15680,8 @@
           <a:lstStyle/>
           <a:p>
             <a:r>
-              <a:rPr lang="en-GB" dirty="0"/>
-              <a:t>Schubert et al. (2017):</a:t>
-            </a:r>
-          </a:p>
-          <a:p>
-            <a:endParaRPr lang="en-GB" dirty="0"/>
-          </a:p>
-          <a:p>
-            <a:r>
               <a:rPr lang="en-GB" dirty="0" err="1"/>
-              <a:t>Drei</a:t>
+              <a:t>Sprünge</a:t>
             </a:r>
             <a:r>
               <a:rPr lang="en-GB" dirty="0"/>
@@ -13615,76 +15689,275 @@
             </a:r>
             <a:r>
               <a:rPr lang="en-GB" dirty="0" err="1"/>
+              <a:t>sind</a:t>
+            </a:r>
+            <a:r>
+              <a:rPr lang="en-GB" dirty="0"/>
+              <a:t> </a:t>
+            </a:r>
+            <a:r>
+              <a:rPr lang="en-GB" dirty="0" err="1"/>
+              <a:t>unsystematisch</a:t>
+            </a:r>
+            <a:r>
+              <a:rPr lang="en-GB" dirty="0"/>
+              <a:t>, </a:t>
+            </a:r>
+            <a:r>
+              <a:rPr lang="en-GB" dirty="0" err="1"/>
+              <a:t>sollten</a:t>
+            </a:r>
+            <a:r>
+              <a:rPr lang="en-GB" dirty="0"/>
+              <a:t> in </a:t>
+            </a:r>
+            <a:r>
+              <a:rPr lang="en-GB" dirty="0" err="1"/>
+              <a:t>einer</a:t>
+            </a:r>
+            <a:r>
+              <a:rPr lang="en-GB" dirty="0"/>
+              <a:t> Aufgabe </a:t>
+            </a:r>
+            <a:r>
+              <a:rPr lang="en-GB" dirty="0" err="1"/>
+              <a:t>vermieden</a:t>
+            </a:r>
+            <a:r>
+              <a:rPr lang="en-GB" dirty="0"/>
+              <a:t> </a:t>
+            </a:r>
+            <a:r>
+              <a:rPr lang="en-GB" dirty="0" err="1"/>
+              <a:t>werden</a:t>
+            </a:r>
+            <a:r>
+              <a:rPr lang="en-GB" dirty="0"/>
+              <a:t> (inefficient jumping hypothesis)</a:t>
+            </a:r>
+          </a:p>
+          <a:p>
+            <a:r>
+              <a:rPr lang="en-GB" b="1" dirty="0"/>
+              <a:t> -&gt; </a:t>
+            </a:r>
+            <a:r>
+              <a:rPr lang="en-GB" b="1" dirty="0" err="1"/>
+              <a:t>Intelligentere</a:t>
+            </a:r>
+            <a:r>
+              <a:rPr lang="en-GB" b="1" dirty="0"/>
+              <a:t> </a:t>
+            </a:r>
+            <a:r>
+              <a:rPr lang="en-GB" b="1" dirty="0" err="1"/>
+              <a:t>Personen</a:t>
+            </a:r>
+            <a:r>
+              <a:rPr lang="en-GB" b="1" dirty="0"/>
+              <a:t> </a:t>
+            </a:r>
+            <a:r>
+              <a:rPr lang="en-GB" b="1" dirty="0" err="1"/>
+              <a:t>sollten</a:t>
+            </a:r>
+            <a:r>
+              <a:rPr lang="en-GB" b="1" dirty="0"/>
+              <a:t> </a:t>
+            </a:r>
+            <a:r>
+              <a:rPr lang="en-GB" b="1" dirty="0" err="1"/>
+              <a:t>größere</a:t>
+            </a:r>
+            <a:r>
+              <a:rPr lang="en-GB" b="1" dirty="0"/>
+              <a:t> </a:t>
+            </a:r>
+            <a:r>
+              <a:rPr lang="en-GB" b="1" dirty="0" err="1"/>
+              <a:t>Stabilität</a:t>
+            </a:r>
+            <a:r>
+              <a:rPr lang="en-GB" b="1" dirty="0"/>
+              <a:t> </a:t>
+            </a:r>
+            <a:r>
+              <a:rPr lang="en-GB" b="1" dirty="0" err="1"/>
+              <a:t>haben</a:t>
+            </a:r>
+            <a:endParaRPr lang="en-GB" b="1" dirty="0"/>
+          </a:p>
+          <a:p>
+            <a:endParaRPr lang="en-GB" b="1" dirty="0"/>
+          </a:p>
+          <a:p>
+            <a:r>
+              <a:rPr lang="en-GB" dirty="0"/>
+              <a:t>In </a:t>
+            </a:r>
+            <a:r>
+              <a:rPr lang="en-GB" dirty="0" err="1"/>
+              <a:t>einfachen</a:t>
+            </a:r>
+            <a:r>
+              <a:rPr lang="en-GB" dirty="0"/>
+              <a:t> </a:t>
+            </a:r>
+            <a:r>
+              <a:rPr lang="en-GB" dirty="0" err="1"/>
               <a:t>Aufgaben</a:t>
             </a:r>
             <a:r>
               <a:rPr lang="en-GB" dirty="0"/>
-              <a:t> (ECTs):</a:t>
-            </a:r>
-          </a:p>
-          <a:p>
-            <a:pPr marL="342900" indent="-342900">
-              <a:buFontTx/>
-              <a:buChar char="-"/>
-            </a:pPr>
+              <a:t> </a:t>
+            </a:r>
+            <a:r>
+              <a:rPr lang="en-GB" dirty="0" err="1"/>
+              <a:t>ist</a:t>
+            </a:r>
             <a:r>
               <a:rPr lang="en-GB" dirty="0"/>
-              <a:t>Hick Task (0 Bit, 1 Bit, 2 Bit)</a:t>
-            </a:r>
-          </a:p>
-          <a:p>
-            <a:pPr marL="342900" indent="-342900">
-              <a:buFontTx/>
-              <a:buChar char="-"/>
-            </a:pPr>
+              <a:t> </a:t>
+            </a:r>
+            <a:r>
+              <a:rPr lang="en-GB" dirty="0" err="1"/>
+              <a:t>eine</a:t>
+            </a:r>
             <a:r>
               <a:rPr lang="en-GB" dirty="0"/>
-              <a:t>Sternberg Task (1, 3, 5 Stimuli)</a:t>
-            </a:r>
-          </a:p>
-          <a:p>
-            <a:pPr marL="342900" indent="-342900">
-              <a:buFontTx/>
-              <a:buChar char="-"/>
-            </a:pPr>
+              <a:t> </a:t>
+            </a:r>
+            <a:r>
+              <a:rPr lang="en-GB" dirty="0" err="1"/>
+              <a:t>gleichmäßige</a:t>
+            </a:r>
             <a:r>
               <a:rPr lang="en-GB" dirty="0"/>
-              <a:t>Posner Task (Name Identity, Physical Identity)</a:t>
-            </a:r>
-          </a:p>
-          <a:p>
-            <a:pPr marL="342900" indent="-342900">
-              <a:buFontTx/>
-              <a:buChar char="-"/>
-            </a:pPr>
-            <a:endParaRPr lang="en-GB" dirty="0"/>
-          </a:p>
-          <a:p>
+              <a:t> </a:t>
+            </a:r>
             <a:r>
               <a:rPr lang="en-GB" dirty="0" err="1"/>
-              <a:t>Intelligenz</a:t>
-            </a:r>
-            <a:endParaRPr lang="en-GB" dirty="0"/>
-          </a:p>
-          <a:p>
-            <a:pPr marL="342900" indent="-342900">
-              <a:buFontTx/>
-              <a:buChar char="-"/>
-            </a:pPr>
+              <a:t>Sammlung</a:t>
+            </a:r>
             <a:r>
               <a:rPr lang="en-GB" dirty="0"/>
-              <a:t>APM</a:t>
-            </a:r>
-          </a:p>
-          <a:p>
-            <a:pPr marL="342900" indent="-342900">
-              <a:buFontTx/>
-              <a:buChar char="-"/>
-            </a:pPr>
+              <a:t> an </a:t>
+            </a:r>
+            <a:r>
+              <a:rPr lang="en-GB" dirty="0" err="1"/>
+              <a:t>Informationen</a:t>
+            </a:r>
             <a:r>
               <a:rPr lang="en-GB" dirty="0"/>
-              <a:t>BIS</a:t>
-            </a:r>
+              <a:t> suboptimal. Es </a:t>
+            </a:r>
+            <a:r>
+              <a:rPr lang="en-GB" dirty="0" err="1"/>
+              <a:t>ist</a:t>
+            </a:r>
+            <a:r>
+              <a:rPr lang="en-GB" dirty="0"/>
+              <a:t> </a:t>
+            </a:r>
+            <a:r>
+              <a:rPr lang="en-GB" dirty="0" err="1"/>
+              <a:t>besser</a:t>
+            </a:r>
+            <a:r>
+              <a:rPr lang="en-GB" dirty="0"/>
+              <a:t> </a:t>
+            </a:r>
+            <a:r>
+              <a:rPr lang="en-GB" dirty="0" err="1"/>
+              <a:t>sich</a:t>
+            </a:r>
+            <a:r>
+              <a:rPr lang="en-GB" dirty="0"/>
+              <a:t> von </a:t>
+            </a:r>
+            <a:r>
+              <a:rPr lang="en-GB" dirty="0" err="1"/>
+              <a:t>Informationen</a:t>
+            </a:r>
+            <a:r>
+              <a:rPr lang="en-GB" dirty="0"/>
+              <a:t> schnell </a:t>
+            </a:r>
+            <a:r>
+              <a:rPr lang="en-GB" dirty="0" err="1"/>
+              <a:t>beeinflussen</a:t>
+            </a:r>
+            <a:r>
+              <a:rPr lang="en-GB" dirty="0"/>
+              <a:t> </a:t>
+            </a:r>
+            <a:r>
+              <a:rPr lang="en-GB" dirty="0" err="1"/>
+              <a:t>zu</a:t>
+            </a:r>
+            <a:r>
+              <a:rPr lang="en-GB" dirty="0"/>
+              <a:t> </a:t>
+            </a:r>
+            <a:r>
+              <a:rPr lang="en-GB" dirty="0" err="1"/>
+              <a:t>lassen</a:t>
+            </a:r>
+            <a:r>
+              <a:rPr lang="en-GB" dirty="0"/>
+              <a:t> (efficient jumping hypothesis)</a:t>
+            </a:r>
+          </a:p>
+          <a:p>
+            <a:r>
+              <a:rPr lang="en-GB" b="1" dirty="0"/>
+              <a:t>-&gt; </a:t>
+            </a:r>
+            <a:r>
+              <a:rPr lang="en-GB" b="1" dirty="0" err="1"/>
+              <a:t>Intelligentere</a:t>
+            </a:r>
+            <a:r>
+              <a:rPr lang="en-GB" b="1" dirty="0"/>
+              <a:t> </a:t>
+            </a:r>
+            <a:r>
+              <a:rPr lang="en-GB" b="1" dirty="0" err="1"/>
+              <a:t>Personen</a:t>
+            </a:r>
+            <a:r>
+              <a:rPr lang="en-GB" b="1" dirty="0"/>
+              <a:t> </a:t>
+            </a:r>
+            <a:r>
+              <a:rPr lang="en-GB" b="1" dirty="0" err="1"/>
+              <a:t>sollte</a:t>
+            </a:r>
+            <a:r>
+              <a:rPr lang="en-GB" b="1" dirty="0"/>
+              <a:t> </a:t>
+            </a:r>
+            <a:r>
+              <a:rPr lang="en-GB" b="1" dirty="0" err="1"/>
+              <a:t>kleine</a:t>
+            </a:r>
+            <a:r>
+              <a:rPr lang="en-GB" b="1" dirty="0"/>
+              <a:t> </a:t>
+            </a:r>
+            <a:r>
+              <a:rPr lang="en-GB" b="1" dirty="0" err="1"/>
+              <a:t>Stabilität</a:t>
+            </a:r>
+            <a:r>
+              <a:rPr lang="en-GB" b="1" dirty="0"/>
+              <a:t> </a:t>
+            </a:r>
+            <a:r>
+              <a:rPr lang="en-GB" b="1" dirty="0" err="1"/>
+              <a:t>haben</a:t>
+            </a:r>
+            <a:endParaRPr lang="en-GB" b="1" dirty="0"/>
           </a:p>
         </p:txBody>
       </p:sp>
@@ -13693,7 +15966,7 @@
           <p:cNvPr id="4" name="Slide Number Placeholder 3">
             <a:extLst>
               <a:ext uri="{FF2B5EF4-FFF2-40B4-BE49-F238E27FC236}">
-                <a16:creationId xmlns:a16="http://schemas.microsoft.com/office/drawing/2014/main" id="{BF61A427-F515-48DA-82BD-BFF4497E5597}"/>
+                <a16:creationId xmlns:a16="http://schemas.microsoft.com/office/drawing/2014/main" id="{5C5DA067-9B34-40D7-9CF2-748E06CBC575}"/>
               </a:ext>
             </a:extLst>
           </p:cNvPr>
@@ -13728,7 +16001,7 @@
           <p:cNvPr id="5" name="Footer Placeholder 4">
             <a:extLst>
               <a:ext uri="{FF2B5EF4-FFF2-40B4-BE49-F238E27FC236}">
-                <a16:creationId xmlns:a16="http://schemas.microsoft.com/office/drawing/2014/main" id="{84F5445A-7CF9-4A4F-86F6-AF934C389033}"/>
+                <a16:creationId xmlns:a16="http://schemas.microsoft.com/office/drawing/2014/main" id="{23203727-E80F-42D7-90CA-A695B65A4750}"/>
               </a:ext>
             </a:extLst>
           </p:cNvPr>
@@ -13749,7 +16022,7 @@
             </a:pPr>
             <a:r>
               <a:rPr lang="de-DE"/>
-              <a:t>Template Matching - Sven Lesche</a:t>
+              <a:t>Alpha and Intelligence - Sven Lesche</a:t>
             </a:r>
             <a:endParaRPr lang="de-DE" dirty="0"/>
           </a:p>
@@ -13758,13 +16031,190 @@
     </p:spTree>
     <p:extLst>
       <p:ext uri="{BB962C8B-B14F-4D97-AF65-F5344CB8AC3E}">
-        <p14:creationId xmlns:p14="http://schemas.microsoft.com/office/powerpoint/2010/main" val="978481107"/>
+        <p14:creationId xmlns:p14="http://schemas.microsoft.com/office/powerpoint/2010/main" val="3899078534"/>
       </p:ext>
     </p:extLst>
   </p:cSld>
   <p:clrMapOvr>
     <a:masterClrMapping/>
   </p:clrMapOvr>
+  <p:timing>
+    <p:tnLst>
+      <p:par>
+        <p:cTn id="1" dur="indefinite" restart="never" nodeType="tmRoot">
+          <p:childTnLst>
+            <p:seq concurrent="1" nextAc="seek">
+              <p:cTn id="2" dur="indefinite" nodeType="mainSeq">
+                <p:childTnLst>
+                  <p:par>
+                    <p:cTn id="3" fill="hold">
+                      <p:stCondLst>
+                        <p:cond delay="indefinite"/>
+                      </p:stCondLst>
+                      <p:childTnLst>
+                        <p:par>
+                          <p:cTn id="4" fill="hold">
+                            <p:stCondLst>
+                              <p:cond delay="0"/>
+                            </p:stCondLst>
+                            <p:childTnLst>
+                              <p:par>
+                                <p:cTn id="5" presetID="1" presetClass="entr" presetSubtype="0" fill="hold" nodeType="clickEffect">
+                                  <p:stCondLst>
+                                    <p:cond delay="0"/>
+                                  </p:stCondLst>
+                                  <p:childTnLst>
+                                    <p:set>
+                                      <p:cBhvr>
+                                        <p:cTn id="6" dur="1" fill="hold">
+                                          <p:stCondLst>
+                                            <p:cond delay="0"/>
+                                          </p:stCondLst>
+                                        </p:cTn>
+                                        <p:tgtEl>
+                                          <p:spTgt spid="3">
+                                            <p:txEl>
+                                              <p:pRg st="1" end="1"/>
+                                            </p:txEl>
+                                          </p:spTgt>
+                                        </p:tgtEl>
+                                        <p:attrNameLst>
+                                          <p:attrName>style.visibility</p:attrName>
+                                        </p:attrNameLst>
+                                      </p:cBhvr>
+                                      <p:to>
+                                        <p:strVal val="visible"/>
+                                      </p:to>
+                                    </p:set>
+                                  </p:childTnLst>
+                                </p:cTn>
+                              </p:par>
+                            </p:childTnLst>
+                          </p:cTn>
+                        </p:par>
+                      </p:childTnLst>
+                    </p:cTn>
+                  </p:par>
+                  <p:par>
+                    <p:cTn id="7" fill="hold">
+                      <p:stCondLst>
+                        <p:cond delay="indefinite"/>
+                      </p:stCondLst>
+                      <p:childTnLst>
+                        <p:par>
+                          <p:cTn id="8" fill="hold">
+                            <p:stCondLst>
+                              <p:cond delay="0"/>
+                            </p:stCondLst>
+                            <p:childTnLst>
+                              <p:par>
+                                <p:cTn id="9" presetID="1" presetClass="entr" presetSubtype="0" fill="hold" nodeType="clickEffect">
+                                  <p:stCondLst>
+                                    <p:cond delay="0"/>
+                                  </p:stCondLst>
+                                  <p:childTnLst>
+                                    <p:set>
+                                      <p:cBhvr>
+                                        <p:cTn id="10" dur="1" fill="hold">
+                                          <p:stCondLst>
+                                            <p:cond delay="0"/>
+                                          </p:stCondLst>
+                                        </p:cTn>
+                                        <p:tgtEl>
+                                          <p:spTgt spid="3">
+                                            <p:txEl>
+                                              <p:pRg st="3" end="3"/>
+                                            </p:txEl>
+                                          </p:spTgt>
+                                        </p:tgtEl>
+                                        <p:attrNameLst>
+                                          <p:attrName>style.visibility</p:attrName>
+                                        </p:attrNameLst>
+                                      </p:cBhvr>
+                                      <p:to>
+                                        <p:strVal val="visible"/>
+                                      </p:to>
+                                    </p:set>
+                                  </p:childTnLst>
+                                </p:cTn>
+                              </p:par>
+                            </p:childTnLst>
+                          </p:cTn>
+                        </p:par>
+                      </p:childTnLst>
+                    </p:cTn>
+                  </p:par>
+                  <p:par>
+                    <p:cTn id="11" fill="hold">
+                      <p:stCondLst>
+                        <p:cond delay="indefinite"/>
+                      </p:stCondLst>
+                      <p:childTnLst>
+                        <p:par>
+                          <p:cTn id="12" fill="hold">
+                            <p:stCondLst>
+                              <p:cond delay="0"/>
+                            </p:stCondLst>
+                            <p:childTnLst>
+                              <p:par>
+                                <p:cTn id="13" presetID="1" presetClass="entr" presetSubtype="0" fill="hold" nodeType="clickEffect">
+                                  <p:stCondLst>
+                                    <p:cond delay="0"/>
+                                  </p:stCondLst>
+                                  <p:childTnLst>
+                                    <p:set>
+                                      <p:cBhvr>
+                                        <p:cTn id="14" dur="1" fill="hold">
+                                          <p:stCondLst>
+                                            <p:cond delay="0"/>
+                                          </p:stCondLst>
+                                        </p:cTn>
+                                        <p:tgtEl>
+                                          <p:spTgt spid="3">
+                                            <p:txEl>
+                                              <p:pRg st="4" end="4"/>
+                                            </p:txEl>
+                                          </p:spTgt>
+                                        </p:tgtEl>
+                                        <p:attrNameLst>
+                                          <p:attrName>style.visibility</p:attrName>
+                                        </p:attrNameLst>
+                                      </p:cBhvr>
+                                      <p:to>
+                                        <p:strVal val="visible"/>
+                                      </p:to>
+                                    </p:set>
+                                  </p:childTnLst>
+                                </p:cTn>
+                              </p:par>
+                            </p:childTnLst>
+                          </p:cTn>
+                        </p:par>
+                      </p:childTnLst>
+                    </p:cTn>
+                  </p:par>
+                </p:childTnLst>
+              </p:cTn>
+              <p:prevCondLst>
+                <p:cond evt="onPrev" delay="0">
+                  <p:tgtEl>
+                    <p:sldTgt/>
+                  </p:tgtEl>
+                </p:cond>
+              </p:prevCondLst>
+              <p:nextCondLst>
+                <p:cond evt="onNext" delay="0">
+                  <p:tgtEl>
+                    <p:sldTgt/>
+                  </p:tgtEl>
+                </p:cond>
+              </p:nextCondLst>
+            </p:seq>
+          </p:childTnLst>
+        </p:cTn>
+      </p:par>
+    </p:tnLst>
+  </p:timing>
 </p:sld>
 </file>
 

--- a/presentations/levy_presentation.pptx
+++ b/presentations/levy_presentation.pptx
@@ -25,16 +25,16 @@
     <p:sldId id="263" r:id="rId13"/>
     <p:sldId id="276" r:id="rId14"/>
     <p:sldId id="286" r:id="rId15"/>
-    <p:sldId id="264" r:id="rId16"/>
-    <p:sldId id="265" r:id="rId17"/>
-    <p:sldId id="273" r:id="rId18"/>
-    <p:sldId id="274" r:id="rId19"/>
-    <p:sldId id="267" r:id="rId20"/>
-    <p:sldId id="268" r:id="rId21"/>
-    <p:sldId id="270" r:id="rId22"/>
-    <p:sldId id="269" r:id="rId23"/>
-    <p:sldId id="271" r:id="rId24"/>
-    <p:sldId id="272" r:id="rId25"/>
+    <p:sldId id="272" r:id="rId16"/>
+    <p:sldId id="264" r:id="rId17"/>
+    <p:sldId id="265" r:id="rId18"/>
+    <p:sldId id="273" r:id="rId19"/>
+    <p:sldId id="274" r:id="rId20"/>
+    <p:sldId id="267" r:id="rId21"/>
+    <p:sldId id="268" r:id="rId22"/>
+    <p:sldId id="270" r:id="rId23"/>
+    <p:sldId id="269" r:id="rId24"/>
+    <p:sldId id="271" r:id="rId25"/>
   </p:sldIdLst>
   <p:sldSz cx="8640763" cy="6480175"/>
   <p:notesSz cx="6794500" cy="9918700"/>
@@ -347,7 +347,7 @@
               <a:pPr>
                 <a:defRPr/>
               </a:pPr>
-              <a:t>20.07.2024</a:t>
+              <a:t>21.07.2024</a:t>
             </a:fld>
             <a:endParaRPr lang="de-DE"/>
           </a:p>
@@ -588,7 +588,7 @@
               <a:pPr>
                 <a:defRPr/>
               </a:pPr>
-              <a:t>20.07.2024</a:t>
+              <a:t>21.07.2024</a:t>
             </a:fld>
             <a:endParaRPr lang="de-DE" altLang="de-DE"/>
           </a:p>
@@ -9818,7 +9818,7 @@
           <p:cNvPr id="2" name="Title 1">
             <a:extLst>
               <a:ext uri="{FF2B5EF4-FFF2-40B4-BE49-F238E27FC236}">
-                <a16:creationId xmlns:a16="http://schemas.microsoft.com/office/drawing/2014/main" id="{366B0929-4D63-4935-BC68-DCEE86A5F21C}"/>
+                <a16:creationId xmlns:a16="http://schemas.microsoft.com/office/drawing/2014/main" id="{909B8397-FB58-47F4-A75A-B3FEEEB0FBD0}"/>
               </a:ext>
             </a:extLst>
           </p:cNvPr>
@@ -9835,22 +9835,47 @@
           <a:lstStyle/>
           <a:p>
             <a:r>
-              <a:rPr lang="en-GB" dirty="0" err="1"/>
-              <a:t>Ergebnisse</a:t>
-            </a:r>
-            <a:r>
               <a:rPr lang="en-GB" dirty="0"/>
-              <a:t> </a:t>
-            </a:r>
-          </a:p>
-        </p:txBody>
-      </p:sp>
+              <a:t>Model Checks: Posterior predictive checks</a:t>
+            </a:r>
+          </a:p>
+        </p:txBody>
+      </p:sp>
+      <p:pic>
+        <p:nvPicPr>
+          <p:cNvPr id="7" name="Content Placeholder 6">
+            <a:extLst>
+              <a:ext uri="{FF2B5EF4-FFF2-40B4-BE49-F238E27FC236}">
+                <a16:creationId xmlns:a16="http://schemas.microsoft.com/office/drawing/2014/main" id="{886A4F6B-1557-46B0-A3CF-736FF176A96E}"/>
+              </a:ext>
+            </a:extLst>
+          </p:cNvPr>
+          <p:cNvPicPr>
+            <a:picLocks noGrp="1" noChangeAspect="1"/>
+          </p:cNvPicPr>
+          <p:nvPr>
+            <p:ph idx="1"/>
+          </p:nvPr>
+        </p:nvPicPr>
+        <p:blipFill>
+          <a:blip r:embed="rId2"/>
+          <a:stretch>
+            <a:fillRect/>
+          </a:stretch>
+        </p:blipFill>
+        <p:spPr>
+          <a:xfrm>
+            <a:off x="215900" y="2038011"/>
+            <a:ext cx="8207375" cy="3556679"/>
+          </a:xfrm>
+        </p:spPr>
+      </p:pic>
       <p:sp>
         <p:nvSpPr>
           <p:cNvPr id="4" name="Slide Number Placeholder 3">
             <a:extLst>
               <a:ext uri="{FF2B5EF4-FFF2-40B4-BE49-F238E27FC236}">
-                <a16:creationId xmlns:a16="http://schemas.microsoft.com/office/drawing/2014/main" id="{507D79C0-B13A-4F87-AD41-A3FA70F2F4C9}"/>
+                <a16:creationId xmlns:a16="http://schemas.microsoft.com/office/drawing/2014/main" id="{9E6CC409-6CDC-4854-8340-1769DC2AB3FE}"/>
               </a:ext>
             </a:extLst>
           </p:cNvPr>
@@ -9875,6 +9900,135 @@
                 <a:defRPr/>
               </a:pPr>
               <a:t>14</a:t>
+            </a:fld>
+            <a:endParaRPr lang="de-DE" altLang="de-DE" dirty="0"/>
+          </a:p>
+        </p:txBody>
+      </p:sp>
+      <p:sp>
+        <p:nvSpPr>
+          <p:cNvPr id="5" name="Footer Placeholder 4">
+            <a:extLst>
+              <a:ext uri="{FF2B5EF4-FFF2-40B4-BE49-F238E27FC236}">
+                <a16:creationId xmlns:a16="http://schemas.microsoft.com/office/drawing/2014/main" id="{655BCBAA-6F20-4AC3-AE56-953734FA3F1A}"/>
+              </a:ext>
+            </a:extLst>
+          </p:cNvPr>
+          <p:cNvSpPr>
+            <a:spLocks noGrp="1"/>
+          </p:cNvSpPr>
+          <p:nvPr>
+            <p:ph type="ftr" sz="quarter" idx="11"/>
+          </p:nvPr>
+        </p:nvSpPr>
+        <p:spPr/>
+        <p:txBody>
+          <a:bodyPr/>
+          <a:lstStyle/>
+          <a:p>
+            <a:pPr>
+              <a:defRPr/>
+            </a:pPr>
+            <a:r>
+              <a:rPr lang="de-DE"/>
+              <a:t>Alpha and Intelligence - Sven Lesche</a:t>
+            </a:r>
+            <a:endParaRPr lang="de-DE" dirty="0"/>
+          </a:p>
+        </p:txBody>
+      </p:sp>
+    </p:spTree>
+    <p:extLst>
+      <p:ext uri="{BB962C8B-B14F-4D97-AF65-F5344CB8AC3E}">
+        <p14:creationId xmlns:p14="http://schemas.microsoft.com/office/powerpoint/2010/main" val="1085460431"/>
+      </p:ext>
+    </p:extLst>
+  </p:cSld>
+  <p:clrMapOvr>
+    <a:masterClrMapping/>
+  </p:clrMapOvr>
+</p:sld>
+</file>
+
+<file path=ppt/slides/slide15.xml><?xml version="1.0" encoding="utf-8"?>
+<p:sld xmlns:a="http://schemas.openxmlformats.org/drawingml/2006/main" xmlns:r="http://schemas.openxmlformats.org/officeDocument/2006/relationships" xmlns:p="http://schemas.openxmlformats.org/presentationml/2006/main">
+  <p:cSld>
+    <p:spTree>
+      <p:nvGrpSpPr>
+        <p:cNvPr id="1" name=""/>
+        <p:cNvGrpSpPr/>
+        <p:nvPr/>
+      </p:nvGrpSpPr>
+      <p:grpSpPr>
+        <a:xfrm>
+          <a:off x="0" y="0"/>
+          <a:ext cx="0" cy="0"/>
+          <a:chOff x="0" y="0"/>
+          <a:chExt cx="0" cy="0"/>
+        </a:xfrm>
+      </p:grpSpPr>
+      <p:sp>
+        <p:nvSpPr>
+          <p:cNvPr id="2" name="Title 1">
+            <a:extLst>
+              <a:ext uri="{FF2B5EF4-FFF2-40B4-BE49-F238E27FC236}">
+                <a16:creationId xmlns:a16="http://schemas.microsoft.com/office/drawing/2014/main" id="{366B0929-4D63-4935-BC68-DCEE86A5F21C}"/>
+              </a:ext>
+            </a:extLst>
+          </p:cNvPr>
+          <p:cNvSpPr>
+            <a:spLocks noGrp="1"/>
+          </p:cNvSpPr>
+          <p:nvPr>
+            <p:ph type="title"/>
+          </p:nvPr>
+        </p:nvSpPr>
+        <p:spPr/>
+        <p:txBody>
+          <a:bodyPr/>
+          <a:lstStyle/>
+          <a:p>
+            <a:r>
+              <a:rPr lang="en-GB" dirty="0" err="1"/>
+              <a:t>Ergebnisse</a:t>
+            </a:r>
+            <a:r>
+              <a:rPr lang="en-GB" dirty="0"/>
+              <a:t> </a:t>
+            </a:r>
+          </a:p>
+        </p:txBody>
+      </p:sp>
+      <p:sp>
+        <p:nvSpPr>
+          <p:cNvPr id="4" name="Slide Number Placeholder 3">
+            <a:extLst>
+              <a:ext uri="{FF2B5EF4-FFF2-40B4-BE49-F238E27FC236}">
+                <a16:creationId xmlns:a16="http://schemas.microsoft.com/office/drawing/2014/main" id="{507D79C0-B13A-4F87-AD41-A3FA70F2F4C9}"/>
+              </a:ext>
+            </a:extLst>
+          </p:cNvPr>
+          <p:cNvSpPr>
+            <a:spLocks noGrp="1"/>
+          </p:cNvSpPr>
+          <p:nvPr>
+            <p:ph type="sldNum" sz="quarter" idx="10"/>
+          </p:nvPr>
+        </p:nvSpPr>
+        <p:spPr/>
+        <p:txBody>
+          <a:bodyPr/>
+          <a:lstStyle/>
+          <a:p>
+            <a:pPr>
+              <a:defRPr/>
+            </a:pPr>
+            <a:fld id="{BFD7839F-DA5C-4C13-94BA-0DC1947AAA90}" type="slidenum">
+              <a:rPr lang="de-DE" altLang="de-DE" smtClean="0"/>
+              <a:pPr>
+                <a:defRPr/>
+              </a:pPr>
+              <a:t>15</a:t>
             </a:fld>
             <a:endParaRPr lang="de-DE" altLang="de-DE" dirty="0"/>
           </a:p>
@@ -9960,7 +10114,7 @@
 </p:sld>
 </file>
 
-<file path=ppt/slides/slide15.xml><?xml version="1.0" encoding="utf-8"?>
+<file path=ppt/slides/slide16.xml><?xml version="1.0" encoding="utf-8"?>
 <p:sld xmlns:a="http://schemas.openxmlformats.org/drawingml/2006/main" xmlns:r="http://schemas.openxmlformats.org/officeDocument/2006/relationships" xmlns:p="http://schemas.openxmlformats.org/presentationml/2006/main">
   <p:cSld>
     <p:spTree>
@@ -10035,7 +10189,7 @@
               <a:pPr>
                 <a:defRPr/>
               </a:pPr>
-              <a:t>15</a:t>
+              <a:t>16</a:t>
             </a:fld>
             <a:endParaRPr lang="de-DE" altLang="de-DE" dirty="0"/>
           </a:p>
@@ -10239,7 +10393,7 @@
 </p:sld>
 </file>
 
-<file path=ppt/slides/slide16.xml><?xml version="1.0" encoding="utf-8"?>
+<file path=ppt/slides/slide17.xml><?xml version="1.0" encoding="utf-8"?>
 <p:sld xmlns:a="http://schemas.openxmlformats.org/drawingml/2006/main" xmlns:r="http://schemas.openxmlformats.org/officeDocument/2006/relationships" xmlns:p="http://schemas.openxmlformats.org/presentationml/2006/main">
   <p:cSld>
     <p:spTree>
@@ -10314,7 +10468,7 @@
               <a:pPr>
                 <a:defRPr/>
               </a:pPr>
-              <a:t>16</a:t>
+              <a:t>17</a:t>
             </a:fld>
             <a:endParaRPr lang="de-DE" altLang="de-DE" dirty="0"/>
           </a:p>
@@ -10518,7 +10672,7 @@
 </p:sld>
 </file>
 
-<file path=ppt/slides/slide17.xml><?xml version="1.0" encoding="utf-8"?>
+<file path=ppt/slides/slide18.xml><?xml version="1.0" encoding="utf-8"?>
 <p:sld xmlns:a="http://schemas.openxmlformats.org/drawingml/2006/main" xmlns:r="http://schemas.openxmlformats.org/officeDocument/2006/relationships" xmlns:p="http://schemas.openxmlformats.org/presentationml/2006/main">
   <p:cSld>
     <p:spTree>
@@ -10593,7 +10747,7 @@
               <a:pPr>
                 <a:defRPr/>
               </a:pPr>
-              <a:t>17</a:t>
+              <a:t>18</a:t>
             </a:fld>
             <a:endParaRPr lang="de-DE" altLang="de-DE" dirty="0"/>
           </a:p>
@@ -10797,7 +10951,7 @@
 </p:sld>
 </file>
 
-<file path=ppt/slides/slide18.xml><?xml version="1.0" encoding="utf-8"?>
+<file path=ppt/slides/slide19.xml><?xml version="1.0" encoding="utf-8"?>
 <p:sld xmlns:a="http://schemas.openxmlformats.org/drawingml/2006/main" xmlns:r="http://schemas.openxmlformats.org/officeDocument/2006/relationships" xmlns:p="http://schemas.openxmlformats.org/presentationml/2006/main">
   <p:cSld>
     <p:spTree>
@@ -11117,7 +11271,7 @@
               <a:pPr>
                 <a:defRPr/>
               </a:pPr>
-              <a:t>18</a:t>
+              <a:t>19</a:t>
             </a:fld>
             <a:endParaRPr lang="de-DE" altLang="de-DE" dirty="0"/>
           </a:p>
@@ -11443,758 +11597,6 @@
       <p:bldP spid="3" grpId="0" build="p"/>
     </p:bldLst>
   </p:timing>
-</p:sld>
-</file>
-
-<file path=ppt/slides/slide19.xml><?xml version="1.0" encoding="utf-8"?>
-<p:sld xmlns:a="http://schemas.openxmlformats.org/drawingml/2006/main" xmlns:r="http://schemas.openxmlformats.org/officeDocument/2006/relationships" xmlns:p="http://schemas.openxmlformats.org/presentationml/2006/main">
-  <p:cSld>
-    <p:spTree>
-      <p:nvGrpSpPr>
-        <p:cNvPr id="1" name=""/>
-        <p:cNvGrpSpPr/>
-        <p:nvPr/>
-      </p:nvGrpSpPr>
-      <p:grpSpPr>
-        <a:xfrm>
-          <a:off x="0" y="0"/>
-          <a:ext cx="0" cy="0"/>
-          <a:chOff x="0" y="0"/>
-          <a:chExt cx="0" cy="0"/>
-        </a:xfrm>
-      </p:grpSpPr>
-      <p:sp>
-        <p:nvSpPr>
-          <p:cNvPr id="2" name="Title 1">
-            <a:extLst>
-              <a:ext uri="{FF2B5EF4-FFF2-40B4-BE49-F238E27FC236}">
-                <a16:creationId xmlns:a16="http://schemas.microsoft.com/office/drawing/2014/main" id="{D3B50BC0-6F8D-41F1-9CFA-7E46F5D89E68}"/>
-              </a:ext>
-            </a:extLst>
-          </p:cNvPr>
-          <p:cNvSpPr>
-            <a:spLocks noGrp="1"/>
-          </p:cNvSpPr>
-          <p:nvPr>
-            <p:ph type="title"/>
-          </p:nvPr>
-        </p:nvSpPr>
-        <p:spPr/>
-        <p:txBody>
-          <a:bodyPr/>
-          <a:lstStyle/>
-          <a:p>
-            <a:r>
-              <a:rPr lang="en-GB" dirty="0" err="1"/>
-              <a:t>Referenzen</a:t>
-            </a:r>
-            <a:endParaRPr lang="en-GB" dirty="0"/>
-          </a:p>
-        </p:txBody>
-      </p:sp>
-      <p:sp>
-        <p:nvSpPr>
-          <p:cNvPr id="3" name="Content Placeholder 2">
-            <a:extLst>
-              <a:ext uri="{FF2B5EF4-FFF2-40B4-BE49-F238E27FC236}">
-                <a16:creationId xmlns:a16="http://schemas.microsoft.com/office/drawing/2014/main" id="{7FE8FECA-6BCA-4541-B5A2-B70B410DBDD6}"/>
-              </a:ext>
-            </a:extLst>
-          </p:cNvPr>
-          <p:cNvSpPr>
-            <a:spLocks noGrp="1"/>
-          </p:cNvSpPr>
-          <p:nvPr>
-            <p:ph idx="1"/>
-          </p:nvPr>
-        </p:nvSpPr>
-        <p:spPr>
-          <a:xfrm>
-            <a:off x="287933" y="1223863"/>
-            <a:ext cx="8207375" cy="4105275"/>
-          </a:xfrm>
-        </p:spPr>
-        <p:txBody>
-          <a:bodyPr/>
-          <a:lstStyle/>
-          <a:p>
-            <a:pPr indent="457200"/>
-            <a:r>
-              <a:rPr lang="en-GB" sz="1300" dirty="0" err="1">
-                <a:effectLst/>
-              </a:rPr>
-              <a:t>Doebler</a:t>
-            </a:r>
-            <a:r>
-              <a:rPr lang="en-GB" sz="1300" dirty="0">
-                <a:effectLst/>
-              </a:rPr>
-              <a:t>, P., &amp; Scheffler, B. (2016). The relationship of choice reaction time variability and intelligence: A meta-analysis. </a:t>
-            </a:r>
-            <a:r>
-              <a:rPr lang="en-GB" sz="1300" i="1" dirty="0">
-                <a:effectLst/>
-              </a:rPr>
-              <a:t>Learning and Individual Differences</a:t>
-            </a:r>
-            <a:r>
-              <a:rPr lang="en-GB" sz="1300" dirty="0">
-                <a:effectLst/>
-              </a:rPr>
-              <a:t>, </a:t>
-            </a:r>
-            <a:r>
-              <a:rPr lang="en-GB" sz="1300" i="1" dirty="0">
-                <a:effectLst/>
-              </a:rPr>
-              <a:t>52</a:t>
-            </a:r>
-            <a:r>
-              <a:rPr lang="en-GB" sz="1300" dirty="0">
-                <a:effectLst/>
-              </a:rPr>
-              <a:t>, 157–166.</a:t>
-            </a:r>
-          </a:p>
-          <a:p>
-            <a:pPr indent="457200"/>
-            <a:r>
-              <a:rPr lang="en-GB" sz="1300" dirty="0">
-                <a:effectLst/>
-              </a:rPr>
-              <a:t>Jensen, A. R. (2006). </a:t>
-            </a:r>
-            <a:r>
-              <a:rPr lang="en-GB" sz="1300" i="1" dirty="0">
-                <a:effectLst/>
-              </a:rPr>
-              <a:t>Clocking the mind: Mental chronometry and individual differences</a:t>
-            </a:r>
-            <a:r>
-              <a:rPr lang="en-GB" sz="1300" dirty="0">
-                <a:effectLst/>
-              </a:rPr>
-              <a:t>. Elsevier.</a:t>
-            </a:r>
-          </a:p>
-          <a:p>
-            <a:pPr indent="457200"/>
-            <a:r>
-              <a:rPr lang="en-GB" sz="1300" dirty="0" err="1">
-                <a:effectLst/>
-              </a:rPr>
-              <a:t>Lerche</a:t>
-            </a:r>
-            <a:r>
-              <a:rPr lang="en-GB" sz="1300" dirty="0">
-                <a:effectLst/>
-              </a:rPr>
-              <a:t>, V., von Krause, M., Voss, A., </a:t>
-            </a:r>
-            <a:r>
-              <a:rPr lang="en-GB" sz="1300" dirty="0" err="1">
-                <a:effectLst/>
-              </a:rPr>
-              <a:t>Frischkorn</a:t>
-            </a:r>
-            <a:r>
-              <a:rPr lang="en-GB" sz="1300" dirty="0">
-                <a:effectLst/>
-              </a:rPr>
-              <a:t>, G. T., Schubert, A.-L., &amp; Hagemann, D. (2020). Diffusion </a:t>
-            </a:r>
-            <a:r>
-              <a:rPr lang="en-GB" sz="1300" dirty="0" err="1">
-                <a:effectLst/>
-              </a:rPr>
-              <a:t>modeling</a:t>
-            </a:r>
-            <a:r>
-              <a:rPr lang="en-GB" sz="1300" dirty="0">
-                <a:effectLst/>
-              </a:rPr>
-              <a:t> and intelligence: Drift rates show both domain-general and domain-specific relations with intelligence. </a:t>
-            </a:r>
-            <a:r>
-              <a:rPr lang="en-GB" sz="1300" i="1" dirty="0">
-                <a:effectLst/>
-              </a:rPr>
-              <a:t>Journal of Experimental Psychology: General</a:t>
-            </a:r>
-            <a:r>
-              <a:rPr lang="en-GB" sz="1300" dirty="0">
-                <a:effectLst/>
-              </a:rPr>
-              <a:t>, </a:t>
-            </a:r>
-            <a:r>
-              <a:rPr lang="en-GB" sz="1300" i="1" dirty="0">
-                <a:effectLst/>
-              </a:rPr>
-              <a:t>149</a:t>
-            </a:r>
-            <a:r>
-              <a:rPr lang="en-GB" sz="1300" dirty="0">
-                <a:effectLst/>
-              </a:rPr>
-              <a:t>(12), 2207.</a:t>
-            </a:r>
-          </a:p>
-          <a:p>
-            <a:pPr indent="457200"/>
-            <a:r>
-              <a:rPr lang="en-GB" sz="1300" dirty="0" err="1">
-                <a:effectLst/>
-              </a:rPr>
-              <a:t>Schmiedek</a:t>
-            </a:r>
-            <a:r>
-              <a:rPr lang="en-GB" sz="1300" dirty="0">
-                <a:effectLst/>
-              </a:rPr>
-              <a:t>, F., </a:t>
-            </a:r>
-            <a:r>
-              <a:rPr lang="en-GB" sz="1300" dirty="0" err="1">
-                <a:effectLst/>
-              </a:rPr>
-              <a:t>Oberauer</a:t>
-            </a:r>
-            <a:r>
-              <a:rPr lang="en-GB" sz="1300" dirty="0">
-                <a:effectLst/>
-              </a:rPr>
-              <a:t>, K., Wilhelm, O., </a:t>
-            </a:r>
-            <a:r>
-              <a:rPr lang="en-GB" sz="1300" dirty="0" err="1">
-                <a:effectLst/>
-              </a:rPr>
-              <a:t>Süß</a:t>
-            </a:r>
-            <a:r>
-              <a:rPr lang="en-GB" sz="1300" dirty="0">
-                <a:effectLst/>
-              </a:rPr>
-              <a:t>, H.-M., &amp; Wittmann, W. W. (2007). Individual differences in components of reaction time distributions and their relations to working memory and intelligence. </a:t>
-            </a:r>
-            <a:r>
-              <a:rPr lang="en-GB" sz="1300" i="1" dirty="0">
-                <a:effectLst/>
-              </a:rPr>
-              <a:t>Journal of Experimental Psychology: General</a:t>
-            </a:r>
-            <a:r>
-              <a:rPr lang="en-GB" sz="1300" dirty="0">
-                <a:effectLst/>
-              </a:rPr>
-              <a:t>, </a:t>
-            </a:r>
-            <a:r>
-              <a:rPr lang="en-GB" sz="1300" i="1" dirty="0">
-                <a:effectLst/>
-              </a:rPr>
-              <a:t>136</a:t>
-            </a:r>
-            <a:r>
-              <a:rPr lang="en-GB" sz="1300" dirty="0">
-                <a:effectLst/>
-              </a:rPr>
-              <a:t>(3), 414.</a:t>
-            </a:r>
-          </a:p>
-          <a:p>
-            <a:pPr indent="457200"/>
-            <a:r>
-              <a:rPr lang="en-GB" sz="1300" dirty="0">
-                <a:effectLst/>
-              </a:rPr>
-              <a:t>Schubert, A.-L., Hagemann, D., &amp; </a:t>
-            </a:r>
-            <a:r>
-              <a:rPr lang="en-GB" sz="1300" dirty="0" err="1">
-                <a:effectLst/>
-              </a:rPr>
-              <a:t>Frischkorn</a:t>
-            </a:r>
-            <a:r>
-              <a:rPr lang="en-GB" sz="1300" dirty="0">
-                <a:effectLst/>
-              </a:rPr>
-              <a:t>, G. T. (2017). Is general intelligence little more than the speed of higher-order processing? </a:t>
-            </a:r>
-            <a:r>
-              <a:rPr lang="en-GB" sz="1300" i="1" dirty="0">
-                <a:effectLst/>
-              </a:rPr>
-              <a:t>Journal of Experimental Psychology: General</a:t>
-            </a:r>
-            <a:r>
-              <a:rPr lang="en-GB" sz="1300" dirty="0">
-                <a:effectLst/>
-              </a:rPr>
-              <a:t>, </a:t>
-            </a:r>
-            <a:r>
-              <a:rPr lang="en-GB" sz="1300" i="1" dirty="0">
-                <a:effectLst/>
-              </a:rPr>
-              <a:t>146</a:t>
-            </a:r>
-            <a:r>
-              <a:rPr lang="en-GB" sz="1300" dirty="0">
-                <a:effectLst/>
-              </a:rPr>
-              <a:t>(10), 1498–1512. </a:t>
-            </a:r>
-            <a:r>
-              <a:rPr lang="en-GB" sz="1300" dirty="0">
-                <a:effectLst/>
-                <a:hlinkClick r:id="rId2"/>
-              </a:rPr>
-              <a:t>https://doi.org/10.1037/xge0000325.supp</a:t>
-            </a:r>
-            <a:endParaRPr lang="en-GB" sz="1300" dirty="0">
-              <a:effectLst/>
-            </a:endParaRPr>
-          </a:p>
-          <a:p>
-            <a:pPr indent="457200"/>
-            <a:r>
-              <a:rPr lang="en-GB" sz="1300" dirty="0">
-                <a:effectLst/>
-              </a:rPr>
-              <a:t>Sheppard, L. D., &amp; Vernon, P. A. (2008). Intelligence and speed of information-processing: A review of 50 years of research. </a:t>
-            </a:r>
-            <a:r>
-              <a:rPr lang="en-GB" sz="1300" i="1" dirty="0">
-                <a:effectLst/>
-              </a:rPr>
-              <a:t>Personality and Individual Differences</a:t>
-            </a:r>
-            <a:r>
-              <a:rPr lang="en-GB" sz="1300" dirty="0">
-                <a:effectLst/>
-              </a:rPr>
-              <a:t>, </a:t>
-            </a:r>
-            <a:r>
-              <a:rPr lang="en-GB" sz="1300" i="1" dirty="0">
-                <a:effectLst/>
-              </a:rPr>
-              <a:t>44</a:t>
-            </a:r>
-            <a:r>
-              <a:rPr lang="en-GB" sz="1300" dirty="0">
-                <a:effectLst/>
-              </a:rPr>
-              <a:t>(3), 535–551.</a:t>
-            </a:r>
-            <a:endParaRPr lang="de-DE" sz="1300" dirty="0">
-              <a:effectLst/>
-            </a:endParaRPr>
-          </a:p>
-          <a:p>
-            <a:pPr indent="457200"/>
-            <a:r>
-              <a:rPr lang="de-DE" sz="1300" dirty="0">
-                <a:effectLst/>
-              </a:rPr>
-              <a:t>Voss, A., Lerche, V., Mertens, U., &amp; Voss, J. (2019). </a:t>
-            </a:r>
-            <a:r>
-              <a:rPr lang="de-DE" sz="1300" dirty="0" err="1">
-                <a:effectLst/>
-              </a:rPr>
-              <a:t>Sequential</a:t>
-            </a:r>
-            <a:r>
-              <a:rPr lang="de-DE" sz="1300" dirty="0">
-                <a:effectLst/>
-              </a:rPr>
-              <a:t> </a:t>
-            </a:r>
-            <a:r>
-              <a:rPr lang="de-DE" sz="1300" dirty="0" err="1">
-                <a:effectLst/>
-              </a:rPr>
-              <a:t>sampling</a:t>
-            </a:r>
-            <a:r>
-              <a:rPr lang="de-DE" sz="1300" dirty="0">
-                <a:effectLst/>
-              </a:rPr>
-              <a:t> </a:t>
-            </a:r>
-            <a:r>
-              <a:rPr lang="de-DE" sz="1300" dirty="0" err="1">
-                <a:effectLst/>
-              </a:rPr>
-              <a:t>models</a:t>
-            </a:r>
-            <a:r>
-              <a:rPr lang="de-DE" sz="1300" dirty="0">
-                <a:effectLst/>
-              </a:rPr>
-              <a:t> </a:t>
-            </a:r>
-            <a:r>
-              <a:rPr lang="de-DE" sz="1300" dirty="0" err="1">
-                <a:effectLst/>
-              </a:rPr>
-              <a:t>with</a:t>
-            </a:r>
-            <a:r>
-              <a:rPr lang="de-DE" sz="1300" dirty="0">
-                <a:effectLst/>
-              </a:rPr>
-              <a:t> variable </a:t>
-            </a:r>
-            <a:r>
-              <a:rPr lang="de-DE" sz="1300" dirty="0" err="1">
-                <a:effectLst/>
-              </a:rPr>
-              <a:t>boundaries</a:t>
-            </a:r>
-            <a:r>
-              <a:rPr lang="de-DE" sz="1300" dirty="0">
-                <a:effectLst/>
-              </a:rPr>
-              <a:t> and non-normal </a:t>
-            </a:r>
-            <a:r>
-              <a:rPr lang="de-DE" sz="1300" dirty="0" err="1">
-                <a:effectLst/>
-              </a:rPr>
-              <a:t>noise</a:t>
-            </a:r>
-            <a:r>
-              <a:rPr lang="de-DE" sz="1300" dirty="0">
-                <a:effectLst/>
-              </a:rPr>
-              <a:t>: A </a:t>
-            </a:r>
-            <a:r>
-              <a:rPr lang="de-DE" sz="1300" dirty="0" err="1">
-                <a:effectLst/>
-              </a:rPr>
-              <a:t>comparison</a:t>
-            </a:r>
-            <a:r>
-              <a:rPr lang="de-DE" sz="1300" dirty="0">
-                <a:effectLst/>
-              </a:rPr>
-              <a:t> </a:t>
-            </a:r>
-            <a:r>
-              <a:rPr lang="de-DE" sz="1300" dirty="0" err="1">
-                <a:effectLst/>
-              </a:rPr>
-              <a:t>of</a:t>
-            </a:r>
-            <a:r>
-              <a:rPr lang="de-DE" sz="1300" dirty="0">
-                <a:effectLst/>
-              </a:rPr>
-              <a:t> </a:t>
-            </a:r>
-            <a:r>
-              <a:rPr lang="de-DE" sz="1300" dirty="0" err="1">
-                <a:effectLst/>
-              </a:rPr>
-              <a:t>six</a:t>
-            </a:r>
-            <a:r>
-              <a:rPr lang="de-DE" sz="1300" dirty="0">
-                <a:effectLst/>
-              </a:rPr>
-              <a:t> </a:t>
-            </a:r>
-            <a:r>
-              <a:rPr lang="de-DE" sz="1300" dirty="0" err="1">
-                <a:effectLst/>
-              </a:rPr>
-              <a:t>models</a:t>
-            </a:r>
-            <a:r>
-              <a:rPr lang="de-DE" sz="1300" dirty="0">
-                <a:effectLst/>
-              </a:rPr>
-              <a:t>. </a:t>
-            </a:r>
-            <a:r>
-              <a:rPr lang="de-DE" sz="1300" i="1" dirty="0" err="1">
-                <a:effectLst/>
-              </a:rPr>
-              <a:t>Psychonomic</a:t>
-            </a:r>
-            <a:r>
-              <a:rPr lang="de-DE" sz="1300" i="1" dirty="0">
-                <a:effectLst/>
-              </a:rPr>
-              <a:t> Bulletin &amp; Review</a:t>
-            </a:r>
-            <a:r>
-              <a:rPr lang="de-DE" sz="1300" dirty="0">
-                <a:effectLst/>
-              </a:rPr>
-              <a:t>, </a:t>
-            </a:r>
-            <a:r>
-              <a:rPr lang="de-DE" sz="1300" i="1" dirty="0">
-                <a:effectLst/>
-              </a:rPr>
-              <a:t>26</a:t>
-            </a:r>
-            <a:r>
-              <a:rPr lang="de-DE" sz="1300" dirty="0">
-                <a:effectLst/>
-              </a:rPr>
-              <a:t>, 813–832.</a:t>
-            </a:r>
-          </a:p>
-          <a:p>
-            <a:pPr indent="457200"/>
-            <a:r>
-              <a:rPr lang="de-DE" sz="1300" dirty="0">
-                <a:effectLst/>
-              </a:rPr>
-              <a:t>Wieschen, E. M., Voss, A., &amp; </a:t>
-            </a:r>
-            <a:r>
-              <a:rPr lang="de-DE" sz="1300" dirty="0" err="1">
-                <a:effectLst/>
-              </a:rPr>
-              <a:t>Radev</a:t>
-            </a:r>
-            <a:r>
-              <a:rPr lang="de-DE" sz="1300" dirty="0">
-                <a:effectLst/>
-              </a:rPr>
-              <a:t>, S. (2020). Jumping </a:t>
-            </a:r>
-            <a:r>
-              <a:rPr lang="de-DE" sz="1300" dirty="0" err="1">
-                <a:effectLst/>
-              </a:rPr>
-              <a:t>to</a:t>
-            </a:r>
-            <a:r>
-              <a:rPr lang="de-DE" sz="1300" dirty="0">
-                <a:effectLst/>
-              </a:rPr>
-              <a:t> </a:t>
-            </a:r>
-            <a:r>
-              <a:rPr lang="de-DE" sz="1300" dirty="0" err="1">
-                <a:effectLst/>
-              </a:rPr>
-              <a:t>conclusion</a:t>
-            </a:r>
-            <a:r>
-              <a:rPr lang="de-DE" sz="1300" dirty="0">
-                <a:effectLst/>
-              </a:rPr>
-              <a:t>? A </a:t>
-            </a:r>
-            <a:r>
-              <a:rPr lang="de-DE" sz="1300" dirty="0" err="1">
-                <a:effectLst/>
-              </a:rPr>
-              <a:t>lévy</a:t>
-            </a:r>
-            <a:r>
-              <a:rPr lang="de-DE" sz="1300" dirty="0">
-                <a:effectLst/>
-              </a:rPr>
-              <a:t> </a:t>
-            </a:r>
-            <a:r>
-              <a:rPr lang="de-DE" sz="1300" dirty="0" err="1">
-                <a:effectLst/>
-              </a:rPr>
-              <a:t>flight</a:t>
-            </a:r>
-            <a:r>
-              <a:rPr lang="de-DE" sz="1300" dirty="0">
-                <a:effectLst/>
-              </a:rPr>
-              <a:t> </a:t>
-            </a:r>
-            <a:r>
-              <a:rPr lang="de-DE" sz="1300" dirty="0" err="1">
-                <a:effectLst/>
-              </a:rPr>
-              <a:t>model</a:t>
-            </a:r>
-            <a:r>
-              <a:rPr lang="de-DE" sz="1300" dirty="0">
-                <a:effectLst/>
-              </a:rPr>
-              <a:t> </a:t>
-            </a:r>
-            <a:r>
-              <a:rPr lang="de-DE" sz="1300" dirty="0" err="1">
-                <a:effectLst/>
-              </a:rPr>
-              <a:t>of</a:t>
-            </a:r>
-            <a:r>
-              <a:rPr lang="de-DE" sz="1300" dirty="0">
-                <a:effectLst/>
-              </a:rPr>
-              <a:t> </a:t>
-            </a:r>
-            <a:r>
-              <a:rPr lang="de-DE" sz="1300" dirty="0" err="1">
-                <a:effectLst/>
-              </a:rPr>
-              <a:t>decision</a:t>
-            </a:r>
-            <a:r>
-              <a:rPr lang="de-DE" sz="1300" dirty="0">
-                <a:effectLst/>
-              </a:rPr>
-              <a:t> </a:t>
-            </a:r>
-            <a:r>
-              <a:rPr lang="de-DE" sz="1300" dirty="0" err="1">
-                <a:effectLst/>
-              </a:rPr>
-              <a:t>making</a:t>
-            </a:r>
-            <a:r>
-              <a:rPr lang="de-DE" sz="1300" dirty="0">
-                <a:effectLst/>
-              </a:rPr>
-              <a:t>. </a:t>
-            </a:r>
-            <a:r>
-              <a:rPr lang="de-DE" sz="1300" i="1" dirty="0">
-                <a:effectLst/>
-              </a:rPr>
-              <a:t>The Quantitative Methods </a:t>
-            </a:r>
-            <a:r>
-              <a:rPr lang="de-DE" sz="1300" i="1" dirty="0" err="1">
-                <a:effectLst/>
-              </a:rPr>
-              <a:t>for</a:t>
-            </a:r>
-            <a:r>
-              <a:rPr lang="de-DE" sz="1300" i="1" dirty="0">
-                <a:effectLst/>
-              </a:rPr>
-              <a:t> </a:t>
-            </a:r>
-            <a:r>
-              <a:rPr lang="de-DE" sz="1300" i="1" dirty="0" err="1">
-                <a:effectLst/>
-              </a:rPr>
-              <a:t>Psychology</a:t>
-            </a:r>
-            <a:r>
-              <a:rPr lang="de-DE" sz="1300" dirty="0">
-                <a:effectLst/>
-              </a:rPr>
-              <a:t>, </a:t>
-            </a:r>
-            <a:r>
-              <a:rPr lang="de-DE" sz="1300" i="1" dirty="0">
-                <a:effectLst/>
-              </a:rPr>
-              <a:t>16</a:t>
-            </a:r>
-            <a:r>
-              <a:rPr lang="de-DE" sz="1300" dirty="0">
-                <a:effectLst/>
-              </a:rPr>
-              <a:t>(2), 120–132.</a:t>
-            </a:r>
-          </a:p>
-          <a:p>
-            <a:pPr indent="457200"/>
-            <a:endParaRPr lang="en-GB" sz="1300" dirty="0"/>
-          </a:p>
-        </p:txBody>
-      </p:sp>
-      <p:sp>
-        <p:nvSpPr>
-          <p:cNvPr id="4" name="Slide Number Placeholder 3">
-            <a:extLst>
-              <a:ext uri="{FF2B5EF4-FFF2-40B4-BE49-F238E27FC236}">
-                <a16:creationId xmlns:a16="http://schemas.microsoft.com/office/drawing/2014/main" id="{0137B619-D85A-444F-ACC7-5643511CB572}"/>
-              </a:ext>
-            </a:extLst>
-          </p:cNvPr>
-          <p:cNvSpPr>
-            <a:spLocks noGrp="1"/>
-          </p:cNvSpPr>
-          <p:nvPr>
-            <p:ph type="sldNum" sz="quarter" idx="10"/>
-          </p:nvPr>
-        </p:nvSpPr>
-        <p:spPr/>
-        <p:txBody>
-          <a:bodyPr/>
-          <a:lstStyle/>
-          <a:p>
-            <a:pPr>
-              <a:defRPr/>
-            </a:pPr>
-            <a:fld id="{BFD7839F-DA5C-4C13-94BA-0DC1947AAA90}" type="slidenum">
-              <a:rPr lang="de-DE" altLang="de-DE" smtClean="0"/>
-              <a:pPr>
-                <a:defRPr/>
-              </a:pPr>
-              <a:t>19</a:t>
-            </a:fld>
-            <a:endParaRPr lang="de-DE" altLang="de-DE" dirty="0"/>
-          </a:p>
-        </p:txBody>
-      </p:sp>
-      <p:sp>
-        <p:nvSpPr>
-          <p:cNvPr id="5" name="Footer Placeholder 4">
-            <a:extLst>
-              <a:ext uri="{FF2B5EF4-FFF2-40B4-BE49-F238E27FC236}">
-                <a16:creationId xmlns:a16="http://schemas.microsoft.com/office/drawing/2014/main" id="{8D583B10-FE33-4120-953F-21B278068935}"/>
-              </a:ext>
-            </a:extLst>
-          </p:cNvPr>
-          <p:cNvSpPr>
-            <a:spLocks noGrp="1"/>
-          </p:cNvSpPr>
-          <p:nvPr>
-            <p:ph type="ftr" sz="quarter" idx="11"/>
-          </p:nvPr>
-        </p:nvSpPr>
-        <p:spPr/>
-        <p:txBody>
-          <a:bodyPr/>
-          <a:lstStyle/>
-          <a:p>
-            <a:pPr>
-              <a:defRPr/>
-            </a:pPr>
-            <a:r>
-              <a:rPr lang="de-DE"/>
-              <a:t>Alpha and Intelligence - Sven Lesche</a:t>
-            </a:r>
-            <a:endParaRPr lang="de-DE" dirty="0"/>
-          </a:p>
-        </p:txBody>
-      </p:sp>
-    </p:spTree>
-    <p:extLst>
-      <p:ext uri="{BB962C8B-B14F-4D97-AF65-F5344CB8AC3E}">
-        <p14:creationId xmlns:p14="http://schemas.microsoft.com/office/powerpoint/2010/main" val="2098020814"/>
-      </p:ext>
-    </p:extLst>
-  </p:cSld>
-  <p:clrMapOvr>
-    <a:masterClrMapping/>
-  </p:clrMapOvr>
 </p:sld>
 </file>
 
@@ -12927,7 +12329,7 @@
           <p:cNvPr id="2" name="Title 1">
             <a:extLst>
               <a:ext uri="{FF2B5EF4-FFF2-40B4-BE49-F238E27FC236}">
-                <a16:creationId xmlns:a16="http://schemas.microsoft.com/office/drawing/2014/main" id="{1FC9893D-A041-4C43-BBDB-A41FD3CE7DBF}"/>
+                <a16:creationId xmlns:a16="http://schemas.microsoft.com/office/drawing/2014/main" id="{D3B50BC0-6F8D-41F1-9CFA-7E46F5D89E68}"/>
               </a:ext>
             </a:extLst>
           </p:cNvPr>
@@ -12945,52 +12347,644 @@
           <a:p>
             <a:r>
               <a:rPr lang="en-GB" dirty="0" err="1"/>
-              <a:t>Korrelationsmatrix</a:t>
+              <a:t>Referenzen</a:t>
             </a:r>
             <a:endParaRPr lang="en-GB" dirty="0"/>
           </a:p>
         </p:txBody>
       </p:sp>
-      <p:pic>
-        <p:nvPicPr>
-          <p:cNvPr id="7" name="Content Placeholder 6">
+      <p:sp>
+        <p:nvSpPr>
+          <p:cNvPr id="3" name="Content Placeholder 2">
             <a:extLst>
               <a:ext uri="{FF2B5EF4-FFF2-40B4-BE49-F238E27FC236}">
-                <a16:creationId xmlns:a16="http://schemas.microsoft.com/office/drawing/2014/main" id="{9475ECD4-E6E9-4915-A536-1083E18CB291}"/>
+                <a16:creationId xmlns:a16="http://schemas.microsoft.com/office/drawing/2014/main" id="{7FE8FECA-6BCA-4541-B5A2-B70B410DBDD6}"/>
               </a:ext>
             </a:extLst>
           </p:cNvPr>
-          <p:cNvPicPr>
-            <a:picLocks noGrp="1" noChangeAspect="1"/>
-          </p:cNvPicPr>
+          <p:cNvSpPr>
+            <a:spLocks noGrp="1"/>
+          </p:cNvSpPr>
           <p:nvPr>
             <p:ph idx="1"/>
           </p:nvPr>
-        </p:nvPicPr>
-        <p:blipFill rotWithShape="1">
-          <a:blip r:embed="rId2">
-            <a:extLst>
-              <a:ext uri="{28A0092B-C50C-407E-A947-70E740481C1C}">
-                <a14:useLocalDpi xmlns:a14="http://schemas.microsoft.com/office/drawing/2010/main" val="0"/>
-              </a:ext>
-            </a:extLst>
-          </a:blip>
-          <a:srcRect l="28575" t="8411" r="27534" b="3785"/>
-          <a:stretch/>
-        </p:blipFill>
+        </p:nvSpPr>
         <p:spPr>
           <a:xfrm>
-            <a:off x="1823285" y="1188569"/>
-            <a:ext cx="4994192" cy="4799356"/>
+            <a:off x="287933" y="1223863"/>
+            <a:ext cx="8207375" cy="4105275"/>
           </a:xfrm>
         </p:spPr>
-      </p:pic>
+        <p:txBody>
+          <a:bodyPr/>
+          <a:lstStyle/>
+          <a:p>
+            <a:pPr indent="457200"/>
+            <a:r>
+              <a:rPr lang="en-GB" sz="1300" dirty="0" err="1">
+                <a:effectLst/>
+              </a:rPr>
+              <a:t>Doebler</a:t>
+            </a:r>
+            <a:r>
+              <a:rPr lang="en-GB" sz="1300" dirty="0">
+                <a:effectLst/>
+              </a:rPr>
+              <a:t>, P., &amp; Scheffler, B. (2016). The relationship of choice reaction time variability and intelligence: A meta-analysis. </a:t>
+            </a:r>
+            <a:r>
+              <a:rPr lang="en-GB" sz="1300" i="1" dirty="0">
+                <a:effectLst/>
+              </a:rPr>
+              <a:t>Learning and Individual Differences</a:t>
+            </a:r>
+            <a:r>
+              <a:rPr lang="en-GB" sz="1300" dirty="0">
+                <a:effectLst/>
+              </a:rPr>
+              <a:t>, </a:t>
+            </a:r>
+            <a:r>
+              <a:rPr lang="en-GB" sz="1300" i="1" dirty="0">
+                <a:effectLst/>
+              </a:rPr>
+              <a:t>52</a:t>
+            </a:r>
+            <a:r>
+              <a:rPr lang="en-GB" sz="1300" dirty="0">
+                <a:effectLst/>
+              </a:rPr>
+              <a:t>, 157–166.</a:t>
+            </a:r>
+          </a:p>
+          <a:p>
+            <a:pPr indent="457200"/>
+            <a:r>
+              <a:rPr lang="en-GB" sz="1300" dirty="0">
+                <a:effectLst/>
+              </a:rPr>
+              <a:t>Jensen, A. R. (2006). </a:t>
+            </a:r>
+            <a:r>
+              <a:rPr lang="en-GB" sz="1300" i="1" dirty="0">
+                <a:effectLst/>
+              </a:rPr>
+              <a:t>Clocking the mind: Mental chronometry and individual differences</a:t>
+            </a:r>
+            <a:r>
+              <a:rPr lang="en-GB" sz="1300" dirty="0">
+                <a:effectLst/>
+              </a:rPr>
+              <a:t>. Elsevier.</a:t>
+            </a:r>
+          </a:p>
+          <a:p>
+            <a:pPr indent="457200"/>
+            <a:r>
+              <a:rPr lang="en-GB" sz="1300" dirty="0" err="1">
+                <a:effectLst/>
+              </a:rPr>
+              <a:t>Lerche</a:t>
+            </a:r>
+            <a:r>
+              <a:rPr lang="en-GB" sz="1300" dirty="0">
+                <a:effectLst/>
+              </a:rPr>
+              <a:t>, V., von Krause, M., Voss, A., </a:t>
+            </a:r>
+            <a:r>
+              <a:rPr lang="en-GB" sz="1300" dirty="0" err="1">
+                <a:effectLst/>
+              </a:rPr>
+              <a:t>Frischkorn</a:t>
+            </a:r>
+            <a:r>
+              <a:rPr lang="en-GB" sz="1300" dirty="0">
+                <a:effectLst/>
+              </a:rPr>
+              <a:t>, G. T., Schubert, A.-L., &amp; Hagemann, D. (2020). Diffusion </a:t>
+            </a:r>
+            <a:r>
+              <a:rPr lang="en-GB" sz="1300" dirty="0" err="1">
+                <a:effectLst/>
+              </a:rPr>
+              <a:t>modeling</a:t>
+            </a:r>
+            <a:r>
+              <a:rPr lang="en-GB" sz="1300" dirty="0">
+                <a:effectLst/>
+              </a:rPr>
+              <a:t> and intelligence: Drift rates show both domain-general and domain-specific relations with intelligence. </a:t>
+            </a:r>
+            <a:r>
+              <a:rPr lang="en-GB" sz="1300" i="1" dirty="0">
+                <a:effectLst/>
+              </a:rPr>
+              <a:t>Journal of Experimental Psychology: General</a:t>
+            </a:r>
+            <a:r>
+              <a:rPr lang="en-GB" sz="1300" dirty="0">
+                <a:effectLst/>
+              </a:rPr>
+              <a:t>, </a:t>
+            </a:r>
+            <a:r>
+              <a:rPr lang="en-GB" sz="1300" i="1" dirty="0">
+                <a:effectLst/>
+              </a:rPr>
+              <a:t>149</a:t>
+            </a:r>
+            <a:r>
+              <a:rPr lang="en-GB" sz="1300" dirty="0">
+                <a:effectLst/>
+              </a:rPr>
+              <a:t>(12), 2207.</a:t>
+            </a:r>
+          </a:p>
+          <a:p>
+            <a:pPr indent="457200"/>
+            <a:r>
+              <a:rPr lang="en-GB" sz="1300" dirty="0" err="1">
+                <a:effectLst/>
+              </a:rPr>
+              <a:t>Schmiedek</a:t>
+            </a:r>
+            <a:r>
+              <a:rPr lang="en-GB" sz="1300" dirty="0">
+                <a:effectLst/>
+              </a:rPr>
+              <a:t>, F., </a:t>
+            </a:r>
+            <a:r>
+              <a:rPr lang="en-GB" sz="1300" dirty="0" err="1">
+                <a:effectLst/>
+              </a:rPr>
+              <a:t>Oberauer</a:t>
+            </a:r>
+            <a:r>
+              <a:rPr lang="en-GB" sz="1300" dirty="0">
+                <a:effectLst/>
+              </a:rPr>
+              <a:t>, K., Wilhelm, O., </a:t>
+            </a:r>
+            <a:r>
+              <a:rPr lang="en-GB" sz="1300" dirty="0" err="1">
+                <a:effectLst/>
+              </a:rPr>
+              <a:t>Süß</a:t>
+            </a:r>
+            <a:r>
+              <a:rPr lang="en-GB" sz="1300" dirty="0">
+                <a:effectLst/>
+              </a:rPr>
+              <a:t>, H.-M., &amp; Wittmann, W. W. (2007). Individual differences in components of reaction time distributions and their relations to working memory and intelligence. </a:t>
+            </a:r>
+            <a:r>
+              <a:rPr lang="en-GB" sz="1300" i="1" dirty="0">
+                <a:effectLst/>
+              </a:rPr>
+              <a:t>Journal of Experimental Psychology: General</a:t>
+            </a:r>
+            <a:r>
+              <a:rPr lang="en-GB" sz="1300" dirty="0">
+                <a:effectLst/>
+              </a:rPr>
+              <a:t>, </a:t>
+            </a:r>
+            <a:r>
+              <a:rPr lang="en-GB" sz="1300" i="1" dirty="0">
+                <a:effectLst/>
+              </a:rPr>
+              <a:t>136</a:t>
+            </a:r>
+            <a:r>
+              <a:rPr lang="en-GB" sz="1300" dirty="0">
+                <a:effectLst/>
+              </a:rPr>
+              <a:t>(3), 414.</a:t>
+            </a:r>
+          </a:p>
+          <a:p>
+            <a:pPr indent="457200"/>
+            <a:r>
+              <a:rPr lang="en-GB" sz="1300" dirty="0">
+                <a:effectLst/>
+              </a:rPr>
+              <a:t>Schubert, A.-L., Hagemann, D., &amp; </a:t>
+            </a:r>
+            <a:r>
+              <a:rPr lang="en-GB" sz="1300" dirty="0" err="1">
+                <a:effectLst/>
+              </a:rPr>
+              <a:t>Frischkorn</a:t>
+            </a:r>
+            <a:r>
+              <a:rPr lang="en-GB" sz="1300" dirty="0">
+                <a:effectLst/>
+              </a:rPr>
+              <a:t>, G. T. (2017). Is general intelligence little more than the speed of higher-order processing? </a:t>
+            </a:r>
+            <a:r>
+              <a:rPr lang="en-GB" sz="1300" i="1" dirty="0">
+                <a:effectLst/>
+              </a:rPr>
+              <a:t>Journal of Experimental Psychology: General</a:t>
+            </a:r>
+            <a:r>
+              <a:rPr lang="en-GB" sz="1300" dirty="0">
+                <a:effectLst/>
+              </a:rPr>
+              <a:t>, </a:t>
+            </a:r>
+            <a:r>
+              <a:rPr lang="en-GB" sz="1300" i="1" dirty="0">
+                <a:effectLst/>
+              </a:rPr>
+              <a:t>146</a:t>
+            </a:r>
+            <a:r>
+              <a:rPr lang="en-GB" sz="1300" dirty="0">
+                <a:effectLst/>
+              </a:rPr>
+              <a:t>(10), 1498–1512. </a:t>
+            </a:r>
+            <a:r>
+              <a:rPr lang="en-GB" sz="1300" dirty="0">
+                <a:effectLst/>
+                <a:hlinkClick r:id="rId2"/>
+              </a:rPr>
+              <a:t>https://doi.org/10.1037/xge0000325.supp</a:t>
+            </a:r>
+            <a:endParaRPr lang="en-GB" sz="1300" dirty="0">
+              <a:effectLst/>
+            </a:endParaRPr>
+          </a:p>
+          <a:p>
+            <a:pPr indent="457200"/>
+            <a:r>
+              <a:rPr lang="en-GB" sz="1300" dirty="0">
+                <a:effectLst/>
+              </a:rPr>
+              <a:t>Sheppard, L. D., &amp; Vernon, P. A. (2008). Intelligence and speed of information-processing: A review of 50 years of research. </a:t>
+            </a:r>
+            <a:r>
+              <a:rPr lang="en-GB" sz="1300" i="1" dirty="0">
+                <a:effectLst/>
+              </a:rPr>
+              <a:t>Personality and Individual Differences</a:t>
+            </a:r>
+            <a:r>
+              <a:rPr lang="en-GB" sz="1300" dirty="0">
+                <a:effectLst/>
+              </a:rPr>
+              <a:t>, </a:t>
+            </a:r>
+            <a:r>
+              <a:rPr lang="en-GB" sz="1300" i="1" dirty="0">
+                <a:effectLst/>
+              </a:rPr>
+              <a:t>44</a:t>
+            </a:r>
+            <a:r>
+              <a:rPr lang="en-GB" sz="1300" dirty="0">
+                <a:effectLst/>
+              </a:rPr>
+              <a:t>(3), 535–551.</a:t>
+            </a:r>
+            <a:endParaRPr lang="de-DE" sz="1300" dirty="0">
+              <a:effectLst/>
+            </a:endParaRPr>
+          </a:p>
+          <a:p>
+            <a:pPr indent="457200"/>
+            <a:r>
+              <a:rPr lang="de-DE" sz="1300" dirty="0">
+                <a:effectLst/>
+              </a:rPr>
+              <a:t>Voss, A., Lerche, V., Mertens, U., &amp; Voss, J. (2019). </a:t>
+            </a:r>
+            <a:r>
+              <a:rPr lang="de-DE" sz="1300" dirty="0" err="1">
+                <a:effectLst/>
+              </a:rPr>
+              <a:t>Sequential</a:t>
+            </a:r>
+            <a:r>
+              <a:rPr lang="de-DE" sz="1300" dirty="0">
+                <a:effectLst/>
+              </a:rPr>
+              <a:t> </a:t>
+            </a:r>
+            <a:r>
+              <a:rPr lang="de-DE" sz="1300" dirty="0" err="1">
+                <a:effectLst/>
+              </a:rPr>
+              <a:t>sampling</a:t>
+            </a:r>
+            <a:r>
+              <a:rPr lang="de-DE" sz="1300" dirty="0">
+                <a:effectLst/>
+              </a:rPr>
+              <a:t> </a:t>
+            </a:r>
+            <a:r>
+              <a:rPr lang="de-DE" sz="1300" dirty="0" err="1">
+                <a:effectLst/>
+              </a:rPr>
+              <a:t>models</a:t>
+            </a:r>
+            <a:r>
+              <a:rPr lang="de-DE" sz="1300" dirty="0">
+                <a:effectLst/>
+              </a:rPr>
+              <a:t> </a:t>
+            </a:r>
+            <a:r>
+              <a:rPr lang="de-DE" sz="1300" dirty="0" err="1">
+                <a:effectLst/>
+              </a:rPr>
+              <a:t>with</a:t>
+            </a:r>
+            <a:r>
+              <a:rPr lang="de-DE" sz="1300" dirty="0">
+                <a:effectLst/>
+              </a:rPr>
+              <a:t> variable </a:t>
+            </a:r>
+            <a:r>
+              <a:rPr lang="de-DE" sz="1300" dirty="0" err="1">
+                <a:effectLst/>
+              </a:rPr>
+              <a:t>boundaries</a:t>
+            </a:r>
+            <a:r>
+              <a:rPr lang="de-DE" sz="1300" dirty="0">
+                <a:effectLst/>
+              </a:rPr>
+              <a:t> and non-normal </a:t>
+            </a:r>
+            <a:r>
+              <a:rPr lang="de-DE" sz="1300" dirty="0" err="1">
+                <a:effectLst/>
+              </a:rPr>
+              <a:t>noise</a:t>
+            </a:r>
+            <a:r>
+              <a:rPr lang="de-DE" sz="1300" dirty="0">
+                <a:effectLst/>
+              </a:rPr>
+              <a:t>: A </a:t>
+            </a:r>
+            <a:r>
+              <a:rPr lang="de-DE" sz="1300" dirty="0" err="1">
+                <a:effectLst/>
+              </a:rPr>
+              <a:t>comparison</a:t>
+            </a:r>
+            <a:r>
+              <a:rPr lang="de-DE" sz="1300" dirty="0">
+                <a:effectLst/>
+              </a:rPr>
+              <a:t> </a:t>
+            </a:r>
+            <a:r>
+              <a:rPr lang="de-DE" sz="1300" dirty="0" err="1">
+                <a:effectLst/>
+              </a:rPr>
+              <a:t>of</a:t>
+            </a:r>
+            <a:r>
+              <a:rPr lang="de-DE" sz="1300" dirty="0">
+                <a:effectLst/>
+              </a:rPr>
+              <a:t> </a:t>
+            </a:r>
+            <a:r>
+              <a:rPr lang="de-DE" sz="1300" dirty="0" err="1">
+                <a:effectLst/>
+              </a:rPr>
+              <a:t>six</a:t>
+            </a:r>
+            <a:r>
+              <a:rPr lang="de-DE" sz="1300" dirty="0">
+                <a:effectLst/>
+              </a:rPr>
+              <a:t> </a:t>
+            </a:r>
+            <a:r>
+              <a:rPr lang="de-DE" sz="1300" dirty="0" err="1">
+                <a:effectLst/>
+              </a:rPr>
+              <a:t>models</a:t>
+            </a:r>
+            <a:r>
+              <a:rPr lang="de-DE" sz="1300" dirty="0">
+                <a:effectLst/>
+              </a:rPr>
+              <a:t>. </a:t>
+            </a:r>
+            <a:r>
+              <a:rPr lang="de-DE" sz="1300" i="1" dirty="0" err="1">
+                <a:effectLst/>
+              </a:rPr>
+              <a:t>Psychonomic</a:t>
+            </a:r>
+            <a:r>
+              <a:rPr lang="de-DE" sz="1300" i="1" dirty="0">
+                <a:effectLst/>
+              </a:rPr>
+              <a:t> Bulletin &amp; Review</a:t>
+            </a:r>
+            <a:r>
+              <a:rPr lang="de-DE" sz="1300" dirty="0">
+                <a:effectLst/>
+              </a:rPr>
+              <a:t>, </a:t>
+            </a:r>
+            <a:r>
+              <a:rPr lang="de-DE" sz="1300" i="1" dirty="0">
+                <a:effectLst/>
+              </a:rPr>
+              <a:t>26</a:t>
+            </a:r>
+            <a:r>
+              <a:rPr lang="de-DE" sz="1300" dirty="0">
+                <a:effectLst/>
+              </a:rPr>
+              <a:t>, 813–832.</a:t>
+            </a:r>
+          </a:p>
+          <a:p>
+            <a:pPr indent="457200"/>
+            <a:r>
+              <a:rPr lang="de-DE" sz="1300" dirty="0">
+                <a:effectLst/>
+              </a:rPr>
+              <a:t>Wieschen, E. M., Voss, A., &amp; </a:t>
+            </a:r>
+            <a:r>
+              <a:rPr lang="de-DE" sz="1300" dirty="0" err="1">
+                <a:effectLst/>
+              </a:rPr>
+              <a:t>Radev</a:t>
+            </a:r>
+            <a:r>
+              <a:rPr lang="de-DE" sz="1300" dirty="0">
+                <a:effectLst/>
+              </a:rPr>
+              <a:t>, S. (2020). Jumping </a:t>
+            </a:r>
+            <a:r>
+              <a:rPr lang="de-DE" sz="1300" dirty="0" err="1">
+                <a:effectLst/>
+              </a:rPr>
+              <a:t>to</a:t>
+            </a:r>
+            <a:r>
+              <a:rPr lang="de-DE" sz="1300" dirty="0">
+                <a:effectLst/>
+              </a:rPr>
+              <a:t> </a:t>
+            </a:r>
+            <a:r>
+              <a:rPr lang="de-DE" sz="1300" dirty="0" err="1">
+                <a:effectLst/>
+              </a:rPr>
+              <a:t>conclusion</a:t>
+            </a:r>
+            <a:r>
+              <a:rPr lang="de-DE" sz="1300" dirty="0">
+                <a:effectLst/>
+              </a:rPr>
+              <a:t>? A </a:t>
+            </a:r>
+            <a:r>
+              <a:rPr lang="de-DE" sz="1300" dirty="0" err="1">
+                <a:effectLst/>
+              </a:rPr>
+              <a:t>lévy</a:t>
+            </a:r>
+            <a:r>
+              <a:rPr lang="de-DE" sz="1300" dirty="0">
+                <a:effectLst/>
+              </a:rPr>
+              <a:t> </a:t>
+            </a:r>
+            <a:r>
+              <a:rPr lang="de-DE" sz="1300" dirty="0" err="1">
+                <a:effectLst/>
+              </a:rPr>
+              <a:t>flight</a:t>
+            </a:r>
+            <a:r>
+              <a:rPr lang="de-DE" sz="1300" dirty="0">
+                <a:effectLst/>
+              </a:rPr>
+              <a:t> </a:t>
+            </a:r>
+            <a:r>
+              <a:rPr lang="de-DE" sz="1300" dirty="0" err="1">
+                <a:effectLst/>
+              </a:rPr>
+              <a:t>model</a:t>
+            </a:r>
+            <a:r>
+              <a:rPr lang="de-DE" sz="1300" dirty="0">
+                <a:effectLst/>
+              </a:rPr>
+              <a:t> </a:t>
+            </a:r>
+            <a:r>
+              <a:rPr lang="de-DE" sz="1300" dirty="0" err="1">
+                <a:effectLst/>
+              </a:rPr>
+              <a:t>of</a:t>
+            </a:r>
+            <a:r>
+              <a:rPr lang="de-DE" sz="1300" dirty="0">
+                <a:effectLst/>
+              </a:rPr>
+              <a:t> </a:t>
+            </a:r>
+            <a:r>
+              <a:rPr lang="de-DE" sz="1300" dirty="0" err="1">
+                <a:effectLst/>
+              </a:rPr>
+              <a:t>decision</a:t>
+            </a:r>
+            <a:r>
+              <a:rPr lang="de-DE" sz="1300" dirty="0">
+                <a:effectLst/>
+              </a:rPr>
+              <a:t> </a:t>
+            </a:r>
+            <a:r>
+              <a:rPr lang="de-DE" sz="1300" dirty="0" err="1">
+                <a:effectLst/>
+              </a:rPr>
+              <a:t>making</a:t>
+            </a:r>
+            <a:r>
+              <a:rPr lang="de-DE" sz="1300" dirty="0">
+                <a:effectLst/>
+              </a:rPr>
+              <a:t>. </a:t>
+            </a:r>
+            <a:r>
+              <a:rPr lang="de-DE" sz="1300" i="1" dirty="0">
+                <a:effectLst/>
+              </a:rPr>
+              <a:t>The Quantitative Methods </a:t>
+            </a:r>
+            <a:r>
+              <a:rPr lang="de-DE" sz="1300" i="1" dirty="0" err="1">
+                <a:effectLst/>
+              </a:rPr>
+              <a:t>for</a:t>
+            </a:r>
+            <a:r>
+              <a:rPr lang="de-DE" sz="1300" i="1" dirty="0">
+                <a:effectLst/>
+              </a:rPr>
+              <a:t> </a:t>
+            </a:r>
+            <a:r>
+              <a:rPr lang="de-DE" sz="1300" i="1" dirty="0" err="1">
+                <a:effectLst/>
+              </a:rPr>
+              <a:t>Psychology</a:t>
+            </a:r>
+            <a:r>
+              <a:rPr lang="de-DE" sz="1300" dirty="0">
+                <a:effectLst/>
+              </a:rPr>
+              <a:t>, </a:t>
+            </a:r>
+            <a:r>
+              <a:rPr lang="de-DE" sz="1300" i="1" dirty="0">
+                <a:effectLst/>
+              </a:rPr>
+              <a:t>16</a:t>
+            </a:r>
+            <a:r>
+              <a:rPr lang="de-DE" sz="1300" dirty="0">
+                <a:effectLst/>
+              </a:rPr>
+              <a:t>(2), 120–132.</a:t>
+            </a:r>
+          </a:p>
+          <a:p>
+            <a:pPr indent="457200"/>
+            <a:endParaRPr lang="en-GB" sz="1300" dirty="0"/>
+          </a:p>
+        </p:txBody>
+      </p:sp>
       <p:sp>
         <p:nvSpPr>
           <p:cNvPr id="4" name="Slide Number Placeholder 3">
             <a:extLst>
               <a:ext uri="{FF2B5EF4-FFF2-40B4-BE49-F238E27FC236}">
-                <a16:creationId xmlns:a16="http://schemas.microsoft.com/office/drawing/2014/main" id="{85E6A3A9-2A54-4DA4-A52D-0FAA0714711E}"/>
+                <a16:creationId xmlns:a16="http://schemas.microsoft.com/office/drawing/2014/main" id="{0137B619-D85A-444F-ACC7-5643511CB572}"/>
               </a:ext>
             </a:extLst>
           </p:cNvPr>
@@ -13025,7 +13019,7 @@
           <p:cNvPr id="5" name="Footer Placeholder 4">
             <a:extLst>
               <a:ext uri="{FF2B5EF4-FFF2-40B4-BE49-F238E27FC236}">
-                <a16:creationId xmlns:a16="http://schemas.microsoft.com/office/drawing/2014/main" id="{F120ACAD-B4EB-45C6-96F0-6800F0C6FF8C}"/>
+                <a16:creationId xmlns:a16="http://schemas.microsoft.com/office/drawing/2014/main" id="{8D583B10-FE33-4120-953F-21B278068935}"/>
               </a:ext>
             </a:extLst>
           </p:cNvPr>
@@ -13055,7 +13049,7 @@
     </p:spTree>
     <p:extLst>
       <p:ext uri="{BB962C8B-B14F-4D97-AF65-F5344CB8AC3E}">
-        <p14:creationId xmlns:p14="http://schemas.microsoft.com/office/powerpoint/2010/main" val="2906963703"/>
+        <p14:creationId xmlns:p14="http://schemas.microsoft.com/office/powerpoint/2010/main" val="2098020814"/>
       </p:ext>
     </p:extLst>
   </p:cSld>
@@ -13087,7 +13081,7 @@
           <p:cNvPr id="2" name="Title 1">
             <a:extLst>
               <a:ext uri="{FF2B5EF4-FFF2-40B4-BE49-F238E27FC236}">
-                <a16:creationId xmlns:a16="http://schemas.microsoft.com/office/drawing/2014/main" id="{5324BE47-D7E2-451B-BD63-7849D2924EF2}"/>
+                <a16:creationId xmlns:a16="http://schemas.microsoft.com/office/drawing/2014/main" id="{1FC9893D-A041-4C43-BBDB-A41FD3CE7DBF}"/>
               </a:ext>
             </a:extLst>
           </p:cNvPr>
@@ -13104,18 +13098,53 @@
           <a:lstStyle/>
           <a:p>
             <a:r>
-              <a:rPr lang="en-GB" dirty="0"/>
-              <a:t>Model Checks: Bias</a:t>
-            </a:r>
-          </a:p>
-        </p:txBody>
-      </p:sp>
+              <a:rPr lang="en-GB" dirty="0" err="1"/>
+              <a:t>Korrelationsmatrix</a:t>
+            </a:r>
+            <a:endParaRPr lang="en-GB" dirty="0"/>
+          </a:p>
+        </p:txBody>
+      </p:sp>
+      <p:pic>
+        <p:nvPicPr>
+          <p:cNvPr id="7" name="Content Placeholder 6">
+            <a:extLst>
+              <a:ext uri="{FF2B5EF4-FFF2-40B4-BE49-F238E27FC236}">
+                <a16:creationId xmlns:a16="http://schemas.microsoft.com/office/drawing/2014/main" id="{9475ECD4-E6E9-4915-A536-1083E18CB291}"/>
+              </a:ext>
+            </a:extLst>
+          </p:cNvPr>
+          <p:cNvPicPr>
+            <a:picLocks noGrp="1" noChangeAspect="1"/>
+          </p:cNvPicPr>
+          <p:nvPr>
+            <p:ph idx="1"/>
+          </p:nvPr>
+        </p:nvPicPr>
+        <p:blipFill rotWithShape="1">
+          <a:blip r:embed="rId2">
+            <a:extLst>
+              <a:ext uri="{28A0092B-C50C-407E-A947-70E740481C1C}">
+                <a14:useLocalDpi xmlns:a14="http://schemas.microsoft.com/office/drawing/2010/main" val="0"/>
+              </a:ext>
+            </a:extLst>
+          </a:blip>
+          <a:srcRect l="28575" t="8411" r="27534" b="3785"/>
+          <a:stretch/>
+        </p:blipFill>
+        <p:spPr>
+          <a:xfrm>
+            <a:off x="1823285" y="1188569"/>
+            <a:ext cx="4994192" cy="4799356"/>
+          </a:xfrm>
+        </p:spPr>
+      </p:pic>
       <p:sp>
         <p:nvSpPr>
           <p:cNvPr id="4" name="Slide Number Placeholder 3">
             <a:extLst>
               <a:ext uri="{FF2B5EF4-FFF2-40B4-BE49-F238E27FC236}">
-                <a16:creationId xmlns:a16="http://schemas.microsoft.com/office/drawing/2014/main" id="{2616A68B-E1DE-430F-BFA1-C742BB75D719}"/>
+                <a16:creationId xmlns:a16="http://schemas.microsoft.com/office/drawing/2014/main" id="{85E6A3A9-2A54-4DA4-A52D-0FAA0714711E}"/>
               </a:ext>
             </a:extLst>
           </p:cNvPr>
@@ -13140,6 +13169,131 @@
                 <a:defRPr/>
               </a:pPr>
               <a:t>21</a:t>
+            </a:fld>
+            <a:endParaRPr lang="de-DE" altLang="de-DE" dirty="0"/>
+          </a:p>
+        </p:txBody>
+      </p:sp>
+      <p:sp>
+        <p:nvSpPr>
+          <p:cNvPr id="5" name="Footer Placeholder 4">
+            <a:extLst>
+              <a:ext uri="{FF2B5EF4-FFF2-40B4-BE49-F238E27FC236}">
+                <a16:creationId xmlns:a16="http://schemas.microsoft.com/office/drawing/2014/main" id="{F120ACAD-B4EB-45C6-96F0-6800F0C6FF8C}"/>
+              </a:ext>
+            </a:extLst>
+          </p:cNvPr>
+          <p:cNvSpPr>
+            <a:spLocks noGrp="1"/>
+          </p:cNvSpPr>
+          <p:nvPr>
+            <p:ph type="ftr" sz="quarter" idx="11"/>
+          </p:nvPr>
+        </p:nvSpPr>
+        <p:spPr/>
+        <p:txBody>
+          <a:bodyPr/>
+          <a:lstStyle/>
+          <a:p>
+            <a:pPr>
+              <a:defRPr/>
+            </a:pPr>
+            <a:r>
+              <a:rPr lang="de-DE"/>
+              <a:t>Alpha and Intelligence - Sven Lesche</a:t>
+            </a:r>
+            <a:endParaRPr lang="de-DE" dirty="0"/>
+          </a:p>
+        </p:txBody>
+      </p:sp>
+    </p:spTree>
+    <p:extLst>
+      <p:ext uri="{BB962C8B-B14F-4D97-AF65-F5344CB8AC3E}">
+        <p14:creationId xmlns:p14="http://schemas.microsoft.com/office/powerpoint/2010/main" val="2906963703"/>
+      </p:ext>
+    </p:extLst>
+  </p:cSld>
+  <p:clrMapOvr>
+    <a:masterClrMapping/>
+  </p:clrMapOvr>
+</p:sld>
+</file>
+
+<file path=ppt/slides/slide22.xml><?xml version="1.0" encoding="utf-8"?>
+<p:sld xmlns:a="http://schemas.openxmlformats.org/drawingml/2006/main" xmlns:r="http://schemas.openxmlformats.org/officeDocument/2006/relationships" xmlns:p="http://schemas.openxmlformats.org/presentationml/2006/main">
+  <p:cSld>
+    <p:spTree>
+      <p:nvGrpSpPr>
+        <p:cNvPr id="1" name=""/>
+        <p:cNvGrpSpPr/>
+        <p:nvPr/>
+      </p:nvGrpSpPr>
+      <p:grpSpPr>
+        <a:xfrm>
+          <a:off x="0" y="0"/>
+          <a:ext cx="0" cy="0"/>
+          <a:chOff x="0" y="0"/>
+          <a:chExt cx="0" cy="0"/>
+        </a:xfrm>
+      </p:grpSpPr>
+      <p:sp>
+        <p:nvSpPr>
+          <p:cNvPr id="2" name="Title 1">
+            <a:extLst>
+              <a:ext uri="{FF2B5EF4-FFF2-40B4-BE49-F238E27FC236}">
+                <a16:creationId xmlns:a16="http://schemas.microsoft.com/office/drawing/2014/main" id="{5324BE47-D7E2-451B-BD63-7849D2924EF2}"/>
+              </a:ext>
+            </a:extLst>
+          </p:cNvPr>
+          <p:cNvSpPr>
+            <a:spLocks noGrp="1"/>
+          </p:cNvSpPr>
+          <p:nvPr>
+            <p:ph type="title"/>
+          </p:nvPr>
+        </p:nvSpPr>
+        <p:spPr/>
+        <p:txBody>
+          <a:bodyPr/>
+          <a:lstStyle/>
+          <a:p>
+            <a:r>
+              <a:rPr lang="en-GB" dirty="0"/>
+              <a:t>Model Checks: Bias</a:t>
+            </a:r>
+          </a:p>
+        </p:txBody>
+      </p:sp>
+      <p:sp>
+        <p:nvSpPr>
+          <p:cNvPr id="4" name="Slide Number Placeholder 3">
+            <a:extLst>
+              <a:ext uri="{FF2B5EF4-FFF2-40B4-BE49-F238E27FC236}">
+                <a16:creationId xmlns:a16="http://schemas.microsoft.com/office/drawing/2014/main" id="{2616A68B-E1DE-430F-BFA1-C742BB75D719}"/>
+              </a:ext>
+            </a:extLst>
+          </p:cNvPr>
+          <p:cNvSpPr>
+            <a:spLocks noGrp="1"/>
+          </p:cNvSpPr>
+          <p:nvPr>
+            <p:ph type="sldNum" sz="quarter" idx="10"/>
+          </p:nvPr>
+        </p:nvSpPr>
+        <p:spPr/>
+        <p:txBody>
+          <a:bodyPr/>
+          <a:lstStyle/>
+          <a:p>
+            <a:pPr>
+              <a:defRPr/>
+            </a:pPr>
+            <a:fld id="{BFD7839F-DA5C-4C13-94BA-0DC1947AAA90}" type="slidenum">
+              <a:rPr lang="de-DE" altLang="de-DE" smtClean="0"/>
+              <a:pPr>
+                <a:defRPr/>
+              </a:pPr>
+              <a:t>22</a:t>
             </a:fld>
             <a:endParaRPr lang="de-DE" altLang="de-DE" dirty="0"/>
           </a:p>
@@ -13249,7 +13403,7 @@
 </p:sld>
 </file>
 
-<file path=ppt/slides/slide22.xml><?xml version="1.0" encoding="utf-8"?>
+<file path=ppt/slides/slide23.xml><?xml version="1.0" encoding="utf-8"?>
 <p:sld xmlns:a="http://schemas.openxmlformats.org/drawingml/2006/main" xmlns:r="http://schemas.openxmlformats.org/officeDocument/2006/relationships" xmlns:p="http://schemas.openxmlformats.org/presentationml/2006/main">
   <p:cSld>
     <p:spTree>
@@ -13351,7 +13505,7 @@
               <a:pPr>
                 <a:defRPr/>
               </a:pPr>
-              <a:t>22</a:t>
+              <a:t>23</a:t>
             </a:fld>
             <a:endParaRPr lang="de-DE" altLang="de-DE" dirty="0"/>
           </a:p>
@@ -13446,160 +13600,6 @@
     <p:extLst>
       <p:ext uri="{BB962C8B-B14F-4D97-AF65-F5344CB8AC3E}">
         <p14:creationId xmlns:p14="http://schemas.microsoft.com/office/powerpoint/2010/main" val="242980458"/>
-      </p:ext>
-    </p:extLst>
-  </p:cSld>
-  <p:clrMapOvr>
-    <a:masterClrMapping/>
-  </p:clrMapOvr>
-</p:sld>
-</file>
-
-<file path=ppt/slides/slide23.xml><?xml version="1.0" encoding="utf-8"?>
-<p:sld xmlns:a="http://schemas.openxmlformats.org/drawingml/2006/main" xmlns:r="http://schemas.openxmlformats.org/officeDocument/2006/relationships" xmlns:p="http://schemas.openxmlformats.org/presentationml/2006/main">
-  <p:cSld>
-    <p:spTree>
-      <p:nvGrpSpPr>
-        <p:cNvPr id="1" name=""/>
-        <p:cNvGrpSpPr/>
-        <p:nvPr/>
-      </p:nvGrpSpPr>
-      <p:grpSpPr>
-        <a:xfrm>
-          <a:off x="0" y="0"/>
-          <a:ext cx="0" cy="0"/>
-          <a:chOff x="0" y="0"/>
-          <a:chExt cx="0" cy="0"/>
-        </a:xfrm>
-      </p:grpSpPr>
-      <p:sp>
-        <p:nvSpPr>
-          <p:cNvPr id="2" name="Title 1">
-            <a:extLst>
-              <a:ext uri="{FF2B5EF4-FFF2-40B4-BE49-F238E27FC236}">
-                <a16:creationId xmlns:a16="http://schemas.microsoft.com/office/drawing/2014/main" id="{909B8397-FB58-47F4-A75A-B3FEEEB0FBD0}"/>
-              </a:ext>
-            </a:extLst>
-          </p:cNvPr>
-          <p:cNvSpPr>
-            <a:spLocks noGrp="1"/>
-          </p:cNvSpPr>
-          <p:nvPr>
-            <p:ph type="title"/>
-          </p:nvPr>
-        </p:nvSpPr>
-        <p:spPr/>
-        <p:txBody>
-          <a:bodyPr/>
-          <a:lstStyle/>
-          <a:p>
-            <a:r>
-              <a:rPr lang="en-GB" dirty="0"/>
-              <a:t>Model Checks: Posterior predictive checks</a:t>
-            </a:r>
-          </a:p>
-        </p:txBody>
-      </p:sp>
-      <p:pic>
-        <p:nvPicPr>
-          <p:cNvPr id="7" name="Content Placeholder 6">
-            <a:extLst>
-              <a:ext uri="{FF2B5EF4-FFF2-40B4-BE49-F238E27FC236}">
-                <a16:creationId xmlns:a16="http://schemas.microsoft.com/office/drawing/2014/main" id="{886A4F6B-1557-46B0-A3CF-736FF176A96E}"/>
-              </a:ext>
-            </a:extLst>
-          </p:cNvPr>
-          <p:cNvPicPr>
-            <a:picLocks noGrp="1" noChangeAspect="1"/>
-          </p:cNvPicPr>
-          <p:nvPr>
-            <p:ph idx="1"/>
-          </p:nvPr>
-        </p:nvPicPr>
-        <p:blipFill>
-          <a:blip r:embed="rId2"/>
-          <a:stretch>
-            <a:fillRect/>
-          </a:stretch>
-        </p:blipFill>
-        <p:spPr>
-          <a:xfrm>
-            <a:off x="215900" y="2038011"/>
-            <a:ext cx="8207375" cy="3556679"/>
-          </a:xfrm>
-        </p:spPr>
-      </p:pic>
-      <p:sp>
-        <p:nvSpPr>
-          <p:cNvPr id="4" name="Slide Number Placeholder 3">
-            <a:extLst>
-              <a:ext uri="{FF2B5EF4-FFF2-40B4-BE49-F238E27FC236}">
-                <a16:creationId xmlns:a16="http://schemas.microsoft.com/office/drawing/2014/main" id="{9E6CC409-6CDC-4854-8340-1769DC2AB3FE}"/>
-              </a:ext>
-            </a:extLst>
-          </p:cNvPr>
-          <p:cNvSpPr>
-            <a:spLocks noGrp="1"/>
-          </p:cNvSpPr>
-          <p:nvPr>
-            <p:ph type="sldNum" sz="quarter" idx="10"/>
-          </p:nvPr>
-        </p:nvSpPr>
-        <p:spPr/>
-        <p:txBody>
-          <a:bodyPr/>
-          <a:lstStyle/>
-          <a:p>
-            <a:pPr>
-              <a:defRPr/>
-            </a:pPr>
-            <a:fld id="{BFD7839F-DA5C-4C13-94BA-0DC1947AAA90}" type="slidenum">
-              <a:rPr lang="de-DE" altLang="de-DE" smtClean="0"/>
-              <a:pPr>
-                <a:defRPr/>
-              </a:pPr>
-              <a:t>23</a:t>
-            </a:fld>
-            <a:endParaRPr lang="de-DE" altLang="de-DE" dirty="0"/>
-          </a:p>
-        </p:txBody>
-      </p:sp>
-      <p:sp>
-        <p:nvSpPr>
-          <p:cNvPr id="5" name="Footer Placeholder 4">
-            <a:extLst>
-              <a:ext uri="{FF2B5EF4-FFF2-40B4-BE49-F238E27FC236}">
-                <a16:creationId xmlns:a16="http://schemas.microsoft.com/office/drawing/2014/main" id="{655BCBAA-6F20-4AC3-AE56-953734FA3F1A}"/>
-              </a:ext>
-            </a:extLst>
-          </p:cNvPr>
-          <p:cNvSpPr>
-            <a:spLocks noGrp="1"/>
-          </p:cNvSpPr>
-          <p:nvPr>
-            <p:ph type="ftr" sz="quarter" idx="11"/>
-          </p:nvPr>
-        </p:nvSpPr>
-        <p:spPr/>
-        <p:txBody>
-          <a:bodyPr/>
-          <a:lstStyle/>
-          <a:p>
-            <a:pPr>
-              <a:defRPr/>
-            </a:pPr>
-            <a:r>
-              <a:rPr lang="de-DE"/>
-              <a:t>Alpha and Intelligence - Sven Lesche</a:t>
-            </a:r>
-            <a:endParaRPr lang="de-DE" dirty="0"/>
-          </a:p>
-        </p:txBody>
-      </p:sp>
-    </p:spTree>
-    <p:extLst>
-      <p:ext uri="{BB962C8B-B14F-4D97-AF65-F5344CB8AC3E}">
-        <p14:creationId xmlns:p14="http://schemas.microsoft.com/office/powerpoint/2010/main" val="1383399049"/>
       </p:ext>
     </p:extLst>
   </p:cSld>

--- a/presentations/levy_presentation.pptx
+++ b/presentations/levy_presentation.pptx
@@ -347,7 +347,7 @@
               <a:pPr>
                 <a:defRPr/>
               </a:pPr>
-              <a:t>21.07.2024</a:t>
+              <a:t>23.07.2024</a:t>
             </a:fld>
             <a:endParaRPr lang="de-DE"/>
           </a:p>
@@ -588,7 +588,7 @@
               <a:pPr>
                 <a:defRPr/>
               </a:pPr>
-              <a:t>21.07.2024</a:t>
+              <a:t>23.07.2024</a:t>
             </a:fld>
             <a:endParaRPr lang="de-DE" altLang="de-DE"/>
           </a:p>
@@ -11238,6 +11238,83 @@
             </a:r>
           </a:p>
           <a:p>
+            <a:pPr marL="342900" indent="-342900">
+              <a:buFont typeface="Wingdings" panose="05000000000000000000" pitchFamily="2" charset="2"/>
+              <a:buChar char="è"/>
+            </a:pPr>
+            <a:r>
+              <a:rPr lang="en-GB" dirty="0"/>
+              <a:t>“</a:t>
+            </a:r>
+            <a:r>
+              <a:rPr lang="en-GB" dirty="0" err="1"/>
+              <a:t>Wer</a:t>
+            </a:r>
+            <a:r>
+              <a:rPr lang="en-GB" dirty="0"/>
+              <a:t> (</a:t>
+            </a:r>
+            <a:r>
+              <a:rPr lang="en-GB" dirty="0" err="1"/>
+              <a:t>bei</a:t>
+            </a:r>
+            <a:r>
+              <a:rPr lang="en-GB" dirty="0"/>
+              <a:t> </a:t>
+            </a:r>
+            <a:r>
+              <a:rPr lang="en-GB" dirty="0" err="1"/>
+              <a:t>einfachen</a:t>
+            </a:r>
+            <a:r>
+              <a:rPr lang="en-GB" dirty="0"/>
+              <a:t> </a:t>
+            </a:r>
+            <a:r>
+              <a:rPr lang="en-GB" dirty="0" err="1"/>
+              <a:t>Aufgaben</a:t>
+            </a:r>
+            <a:r>
+              <a:rPr lang="en-GB" dirty="0"/>
+              <a:t>) </a:t>
+            </a:r>
+            <a:r>
+              <a:rPr lang="en-GB" dirty="0" err="1"/>
+              <a:t>nicht</a:t>
+            </a:r>
+            <a:r>
+              <a:rPr lang="en-GB" dirty="0"/>
+              <a:t> </a:t>
+            </a:r>
+            <a:r>
+              <a:rPr lang="en-GB" dirty="0" err="1"/>
+              <a:t>hüpft</a:t>
+            </a:r>
+            <a:r>
+              <a:rPr lang="en-GB" dirty="0"/>
+              <a:t> </a:t>
+            </a:r>
+            <a:r>
+              <a:rPr lang="en-GB" dirty="0" err="1"/>
+              <a:t>ist</a:t>
+            </a:r>
+            <a:r>
+              <a:rPr lang="en-GB" dirty="0"/>
+              <a:t> </a:t>
+            </a:r>
+            <a:r>
+              <a:rPr lang="en-GB" dirty="0" err="1"/>
+              <a:t>Offenbacher</a:t>
+            </a:r>
+            <a:r>
+              <a:rPr lang="en-GB" dirty="0"/>
+              <a:t>”</a:t>
+            </a:r>
+          </a:p>
+          <a:p>
+            <a:endParaRPr lang="en-GB" dirty="0"/>
+          </a:p>
+          <a:p>
             <a:endParaRPr lang="en-GB" dirty="0"/>
           </a:p>
         </p:txBody>
@@ -11552,6 +11629,55 @@
                                           <p:spTgt spid="3">
                                             <p:txEl>
                                               <p:pRg st="7" end="7"/>
+                                            </p:txEl>
+                                          </p:spTgt>
+                                        </p:tgtEl>
+                                        <p:attrNameLst>
+                                          <p:attrName>style.visibility</p:attrName>
+                                        </p:attrNameLst>
+                                      </p:cBhvr>
+                                      <p:to>
+                                        <p:strVal val="visible"/>
+                                      </p:to>
+                                    </p:set>
+                                  </p:childTnLst>
+                                </p:cTn>
+                              </p:par>
+                            </p:childTnLst>
+                          </p:cTn>
+                        </p:par>
+                      </p:childTnLst>
+                    </p:cTn>
+                  </p:par>
+                  <p:par>
+                    <p:cTn id="23" fill="hold">
+                      <p:stCondLst>
+                        <p:cond delay="indefinite"/>
+                      </p:stCondLst>
+                      <p:childTnLst>
+                        <p:par>
+                          <p:cTn id="24" fill="hold">
+                            <p:stCondLst>
+                              <p:cond delay="0"/>
+                            </p:stCondLst>
+                            <p:childTnLst>
+                              <p:par>
+                                <p:cTn id="25" presetID="1" presetClass="entr" presetSubtype="0" fill="hold" grpId="0" nodeType="clickEffect">
+                                  <p:stCondLst>
+                                    <p:cond delay="0"/>
+                                  </p:stCondLst>
+                                  <p:childTnLst>
+                                    <p:set>
+                                      <p:cBhvr>
+                                        <p:cTn id="26" dur="1" fill="hold">
+                                          <p:stCondLst>
+                                            <p:cond delay="0"/>
+                                          </p:stCondLst>
+                                        </p:cTn>
+                                        <p:tgtEl>
+                                          <p:spTgt spid="3">
+                                            <p:txEl>
+                                              <p:pRg st="8" end="8"/>
                                             </p:txEl>
                                           </p:spTgt>
                                         </p:tgtEl>

--- a/presentations/levy_presentation.pptx
+++ b/presentations/levy_presentation.pptx
@@ -6,10 +6,10 @@
     <p:sldMasterId id="2147483663" r:id="rId2"/>
   </p:sldMasterIdLst>
   <p:notesMasterIdLst>
-    <p:notesMasterId r:id="rId26"/>
+    <p:notesMasterId r:id="rId29"/>
   </p:notesMasterIdLst>
   <p:handoutMasterIdLst>
-    <p:handoutMasterId r:id="rId27"/>
+    <p:handoutMasterId r:id="rId30"/>
   </p:handoutMasterIdLst>
   <p:sldIdLst>
     <p:sldId id="256" r:id="rId3"/>
@@ -27,14 +27,17 @@
     <p:sldId id="286" r:id="rId15"/>
     <p:sldId id="272" r:id="rId16"/>
     <p:sldId id="264" r:id="rId17"/>
-    <p:sldId id="265" r:id="rId18"/>
-    <p:sldId id="273" r:id="rId19"/>
-    <p:sldId id="274" r:id="rId20"/>
-    <p:sldId id="267" r:id="rId21"/>
-    <p:sldId id="268" r:id="rId22"/>
-    <p:sldId id="270" r:id="rId23"/>
-    <p:sldId id="269" r:id="rId24"/>
-    <p:sldId id="271" r:id="rId25"/>
+    <p:sldId id="289" r:id="rId18"/>
+    <p:sldId id="265" r:id="rId19"/>
+    <p:sldId id="287" r:id="rId20"/>
+    <p:sldId id="288" r:id="rId21"/>
+    <p:sldId id="273" r:id="rId22"/>
+    <p:sldId id="274" r:id="rId23"/>
+    <p:sldId id="267" r:id="rId24"/>
+    <p:sldId id="268" r:id="rId25"/>
+    <p:sldId id="270" r:id="rId26"/>
+    <p:sldId id="269" r:id="rId27"/>
+    <p:sldId id="271" r:id="rId28"/>
   </p:sldIdLst>
   <p:sldSz cx="8640763" cy="6480175"/>
   <p:notesSz cx="6794500" cy="9918700"/>
@@ -347,7 +350,7 @@
               <a:pPr>
                 <a:defRPr/>
               </a:pPr>
-              <a:t>23.07.2024</a:t>
+              <a:t>25.07.2024</a:t>
             </a:fld>
             <a:endParaRPr lang="de-DE"/>
           </a:p>
@@ -588,7 +591,7 @@
               <a:pPr>
                 <a:defRPr/>
               </a:pPr>
-              <a:t>23.07.2024</a:t>
+              <a:t>25.07.2024</a:t>
             </a:fld>
             <a:endParaRPr lang="de-DE" altLang="de-DE"/>
           </a:p>
@@ -8515,6 +8518,15 @@
           <a:lstStyle/>
           <a:p>
             <a:r>
+              <a:rPr lang="da-DK" dirty="0"/>
+              <a:t>N = 122 (72 f, M = 36.7, SD = 13.6) </a:t>
+            </a:r>
+          </a:p>
+          <a:p>
+            <a:endParaRPr lang="en-GB" dirty="0"/>
+          </a:p>
+          <a:p>
+            <a:r>
               <a:rPr lang="en-GB" dirty="0" err="1"/>
               <a:t>Drei</a:t>
             </a:r>
@@ -8562,10 +8574,6 @@
             </a:r>
           </a:p>
           <a:p>
-            <a:pPr marL="342900" indent="-342900">
-              <a:buFontTx/>
-              <a:buChar char="-"/>
-            </a:pPr>
             <a:endParaRPr lang="en-GB" dirty="0"/>
           </a:p>
           <a:p>
@@ -10227,6 +10235,337 @@
           </a:p>
         </p:txBody>
       </p:sp>
+      <mc:AlternateContent xmlns:mc="http://schemas.openxmlformats.org/markup-compatibility/2006">
+        <mc:Choice xmlns:a14="http://schemas.microsoft.com/office/drawing/2010/main" Requires="a14">
+          <p:sp>
+            <p:nvSpPr>
+              <p:cNvPr id="8" name="TextBox 7">
+                <a:extLst>
+                  <a:ext uri="{FF2B5EF4-FFF2-40B4-BE49-F238E27FC236}">
+                    <a16:creationId xmlns:a16="http://schemas.microsoft.com/office/drawing/2014/main" id="{7837F6F1-44F6-4972-BB94-F25988537A8E}"/>
+                  </a:ext>
+                </a:extLst>
+              </p:cNvPr>
+              <p:cNvSpPr txBox="1"/>
+              <p:nvPr/>
+            </p:nvSpPr>
+            <p:spPr>
+              <a:xfrm>
+                <a:off x="3672309" y="5555957"/>
+                <a:ext cx="5256584" cy="323165"/>
+              </a:xfrm>
+              <a:prstGeom prst="rect">
+                <a:avLst/>
+              </a:prstGeom>
+              <a:noFill/>
+            </p:spPr>
+            <p:txBody>
+              <a:bodyPr wrap="square" rtlCol="0">
+                <a:spAutoFit/>
+              </a:bodyPr>
+              <a:lstStyle/>
+              <a:p>
+                <a14:m>
+                  <m:oMath xmlns:m="http://schemas.openxmlformats.org/officeDocument/2006/math">
+                    <m:r>
+                      <a:rPr lang="en-GB" b="0" i="1" smtClean="0">
+                        <a:latin typeface="Cambria Math" panose="02040503050406030204" pitchFamily="18" charset="0"/>
+                      </a:rPr>
+                      <m:t>𝜒</m:t>
+                    </m:r>
+                    <m:r>
+                      <a:rPr lang="en-GB" b="0" i="1" smtClean="0">
+                        <a:latin typeface="Cambria Math" panose="02040503050406030204" pitchFamily="18" charset="0"/>
+                      </a:rPr>
+                      <m:t>2 </m:t>
+                    </m:r>
+                  </m:oMath>
+                </a14:m>
+                <a:r>
+                  <a:rPr lang="el-GR" dirty="0"/>
+                  <a:t>(7</a:t>
+                </a:r>
+                <a:r>
+                  <a:rPr lang="en-GB" dirty="0"/>
+                  <a:t>4</a:t>
+                </a:r>
+                <a:r>
+                  <a:rPr lang="el-GR" dirty="0"/>
+                  <a:t>) = 1</a:t>
+                </a:r>
+                <a:r>
+                  <a:rPr lang="en-GB" dirty="0"/>
+                  <a:t>33.39</a:t>
+                </a:r>
+                <a:r>
+                  <a:rPr lang="el-GR" dirty="0"/>
+                  <a:t>, </a:t>
+                </a:r>
+                <a:r>
+                  <a:rPr lang="en-GB" dirty="0"/>
+                  <a:t>p &lt; .0001, CFI = 0.90, RMSEA = 0.08</a:t>
+                </a:r>
+              </a:p>
+            </p:txBody>
+          </p:sp>
+        </mc:Choice>
+        <mc:Fallback>
+          <p:sp>
+            <p:nvSpPr>
+              <p:cNvPr id="8" name="TextBox 7">
+                <a:extLst>
+                  <a:ext uri="{FF2B5EF4-FFF2-40B4-BE49-F238E27FC236}">
+                    <a16:creationId xmlns:a16="http://schemas.microsoft.com/office/drawing/2014/main" id="{7837F6F1-44F6-4972-BB94-F25988537A8E}"/>
+                  </a:ext>
+                </a:extLst>
+              </p:cNvPr>
+              <p:cNvSpPr txBox="1">
+                <a:spLocks noRot="1" noChangeAspect="1" noMove="1" noResize="1" noEditPoints="1" noAdjustHandles="1" noChangeArrowheads="1" noChangeShapeType="1" noTextEdit="1"/>
+              </p:cNvSpPr>
+              <p:nvPr/>
+            </p:nvSpPr>
+            <p:spPr>
+              <a:xfrm>
+                <a:off x="3672309" y="5555957"/>
+                <a:ext cx="5256584" cy="323165"/>
+              </a:xfrm>
+              <a:prstGeom prst="rect">
+                <a:avLst/>
+              </a:prstGeom>
+              <a:blipFill>
+                <a:blip r:embed="rId2"/>
+                <a:stretch>
+                  <a:fillRect t="-3774" b="-20755"/>
+                </a:stretch>
+              </a:blipFill>
+            </p:spPr>
+            <p:txBody>
+              <a:bodyPr/>
+              <a:lstStyle/>
+              <a:p>
+                <a:r>
+                  <a:rPr lang="de-DE">
+                    <a:noFill/>
+                  </a:rPr>
+                  <a:t> </a:t>
+                </a:r>
+              </a:p>
+            </p:txBody>
+          </p:sp>
+        </mc:Fallback>
+      </mc:AlternateContent>
+      <p:pic>
+        <p:nvPicPr>
+          <p:cNvPr id="12" name="Content Placeholder 11">
+            <a:extLst>
+              <a:ext uri="{FF2B5EF4-FFF2-40B4-BE49-F238E27FC236}">
+                <a16:creationId xmlns:a16="http://schemas.microsoft.com/office/drawing/2014/main" id="{9072CE9E-FAC9-4EA4-B607-36B4ED54D7D8}"/>
+              </a:ext>
+            </a:extLst>
+          </p:cNvPr>
+          <p:cNvPicPr>
+            <a:picLocks noGrp="1" noChangeAspect="1"/>
+          </p:cNvPicPr>
+          <p:nvPr>
+            <p:ph idx="1"/>
+          </p:nvPr>
+        </p:nvPicPr>
+        <p:blipFill rotWithShape="1">
+          <a:blip r:embed="rId3">
+            <a:extLst>
+              <a:ext uri="{28A0092B-C50C-407E-A947-70E740481C1C}">
+                <a14:useLocalDpi xmlns:a14="http://schemas.microsoft.com/office/drawing/2010/main" val="0"/>
+              </a:ext>
+            </a:extLst>
+          </a:blip>
+          <a:srcRect l="5612" t="9652" r="6577" b="9662"/>
+          <a:stretch/>
+        </p:blipFill>
+        <p:spPr>
+          <a:xfrm>
+            <a:off x="442938" y="1547814"/>
+            <a:ext cx="7533351" cy="3893642"/>
+          </a:xfrm>
+        </p:spPr>
+      </p:pic>
+      <p:sp>
+        <p:nvSpPr>
+          <p:cNvPr id="3" name="Rectangle 2">
+            <a:extLst>
+              <a:ext uri="{FF2B5EF4-FFF2-40B4-BE49-F238E27FC236}">
+                <a16:creationId xmlns:a16="http://schemas.microsoft.com/office/drawing/2014/main" id="{7CA7629A-9559-61EA-4686-26B9E9B39193}"/>
+              </a:ext>
+            </a:extLst>
+          </p:cNvPr>
+          <p:cNvSpPr/>
+          <p:nvPr/>
+        </p:nvSpPr>
+        <p:spPr>
+          <a:xfrm>
+            <a:off x="442938" y="1461566"/>
+            <a:ext cx="4525515" cy="4116070"/>
+          </a:xfrm>
+          <a:prstGeom prst="rect">
+            <a:avLst/>
+          </a:prstGeom>
+          <a:solidFill>
+            <a:schemeClr val="bg1"/>
+          </a:solidFill>
+          <a:ln>
+            <a:noFill/>
+          </a:ln>
+        </p:spPr>
+        <p:style>
+          <a:lnRef idx="2">
+            <a:schemeClr val="accent1">
+              <a:shade val="15000"/>
+            </a:schemeClr>
+          </a:lnRef>
+          <a:fillRef idx="1">
+            <a:schemeClr val="accent1"/>
+          </a:fillRef>
+          <a:effectRef idx="0">
+            <a:schemeClr val="accent1"/>
+          </a:effectRef>
+          <a:fontRef idx="minor">
+            <a:schemeClr val="lt1"/>
+          </a:fontRef>
+        </p:style>
+        <p:txBody>
+          <a:bodyPr rtlCol="0" anchor="ctr"/>
+          <a:lstStyle/>
+          <a:p>
+            <a:pPr algn="ctr"/>
+            <a:endParaRPr lang="de-DE"/>
+          </a:p>
+        </p:txBody>
+      </p:sp>
+    </p:spTree>
+    <p:extLst>
+      <p:ext uri="{BB962C8B-B14F-4D97-AF65-F5344CB8AC3E}">
+        <p14:creationId xmlns:p14="http://schemas.microsoft.com/office/powerpoint/2010/main" val="3863177470"/>
+      </p:ext>
+    </p:extLst>
+  </p:cSld>
+  <p:clrMapOvr>
+    <a:masterClrMapping/>
+  </p:clrMapOvr>
+</p:sld>
+</file>
+
+<file path=ppt/slides/slide17.xml><?xml version="1.0" encoding="utf-8"?>
+<p:sld xmlns:a="http://schemas.openxmlformats.org/drawingml/2006/main" xmlns:r="http://schemas.openxmlformats.org/officeDocument/2006/relationships" xmlns:p="http://schemas.openxmlformats.org/presentationml/2006/main">
+  <p:cSld>
+    <p:spTree>
+      <p:nvGrpSpPr>
+        <p:cNvPr id="1" name=""/>
+        <p:cNvGrpSpPr/>
+        <p:nvPr/>
+      </p:nvGrpSpPr>
+      <p:grpSpPr>
+        <a:xfrm>
+          <a:off x="0" y="0"/>
+          <a:ext cx="0" cy="0"/>
+          <a:chOff x="0" y="0"/>
+          <a:chExt cx="0" cy="0"/>
+        </a:xfrm>
+      </p:grpSpPr>
+      <p:sp>
+        <p:nvSpPr>
+          <p:cNvPr id="2" name="Title 1">
+            <a:extLst>
+              <a:ext uri="{FF2B5EF4-FFF2-40B4-BE49-F238E27FC236}">
+                <a16:creationId xmlns:a16="http://schemas.microsoft.com/office/drawing/2014/main" id="{55F718FC-F914-47AE-8321-2E443A41B361}"/>
+              </a:ext>
+            </a:extLst>
+          </p:cNvPr>
+          <p:cNvSpPr>
+            <a:spLocks noGrp="1"/>
+          </p:cNvSpPr>
+          <p:nvPr>
+            <p:ph type="title"/>
+          </p:nvPr>
+        </p:nvSpPr>
+        <p:spPr/>
+        <p:txBody>
+          <a:bodyPr/>
+          <a:lstStyle/>
+          <a:p>
+            <a:r>
+              <a:rPr lang="en-GB" dirty="0" err="1"/>
+              <a:t>Ergebnisse</a:t>
+            </a:r>
+            <a:endParaRPr lang="en-GB" dirty="0"/>
+          </a:p>
+        </p:txBody>
+      </p:sp>
+      <p:sp>
+        <p:nvSpPr>
+          <p:cNvPr id="4" name="Slide Number Placeholder 3">
+            <a:extLst>
+              <a:ext uri="{FF2B5EF4-FFF2-40B4-BE49-F238E27FC236}">
+                <a16:creationId xmlns:a16="http://schemas.microsoft.com/office/drawing/2014/main" id="{47F60390-EFB0-48AB-8A1D-0DBC3CB3839E}"/>
+              </a:ext>
+            </a:extLst>
+          </p:cNvPr>
+          <p:cNvSpPr>
+            <a:spLocks noGrp="1"/>
+          </p:cNvSpPr>
+          <p:nvPr>
+            <p:ph type="sldNum" sz="quarter" idx="10"/>
+          </p:nvPr>
+        </p:nvSpPr>
+        <p:spPr/>
+        <p:txBody>
+          <a:bodyPr/>
+          <a:lstStyle/>
+          <a:p>
+            <a:pPr>
+              <a:defRPr/>
+            </a:pPr>
+            <a:fld id="{BFD7839F-DA5C-4C13-94BA-0DC1947AAA90}" type="slidenum">
+              <a:rPr lang="de-DE" altLang="de-DE" smtClean="0"/>
+              <a:pPr>
+                <a:defRPr/>
+              </a:pPr>
+              <a:t>17</a:t>
+            </a:fld>
+            <a:endParaRPr lang="de-DE" altLang="de-DE" dirty="0"/>
+          </a:p>
+        </p:txBody>
+      </p:sp>
+      <p:sp>
+        <p:nvSpPr>
+          <p:cNvPr id="5" name="Footer Placeholder 4">
+            <a:extLst>
+              <a:ext uri="{FF2B5EF4-FFF2-40B4-BE49-F238E27FC236}">
+                <a16:creationId xmlns:a16="http://schemas.microsoft.com/office/drawing/2014/main" id="{9750D3C8-DB7A-4BA6-B272-E0A442B96B60}"/>
+              </a:ext>
+            </a:extLst>
+          </p:cNvPr>
+          <p:cNvSpPr>
+            <a:spLocks noGrp="1"/>
+          </p:cNvSpPr>
+          <p:nvPr>
+            <p:ph type="ftr" sz="quarter" idx="11"/>
+          </p:nvPr>
+        </p:nvSpPr>
+        <p:spPr/>
+        <p:txBody>
+          <a:bodyPr/>
+          <a:lstStyle/>
+          <a:p>
+            <a:pPr>
+              <a:defRPr/>
+            </a:pPr>
+            <a:r>
+              <a:rPr lang="de-DE"/>
+              <a:t>Alpha and Intelligence - Sven Lesche</a:t>
+            </a:r>
+            <a:endParaRPr lang="de-DE" dirty="0"/>
+          </a:p>
+        </p:txBody>
+      </p:sp>
       <mc:AlternateContent xmlns:mc="http://schemas.openxmlformats.org/markup-compatibility/2006" xmlns:a14="http://schemas.microsoft.com/office/drawing/2010/main">
         <mc:Choice Requires="a14">
           <p:sp>
@@ -10380,6 +10719,58 @@
           </a:xfrm>
         </p:spPr>
       </p:pic>
+      <p:sp>
+        <p:nvSpPr>
+          <p:cNvPr id="3" name="Rectangle 2">
+            <a:extLst>
+              <a:ext uri="{FF2B5EF4-FFF2-40B4-BE49-F238E27FC236}">
+                <a16:creationId xmlns:a16="http://schemas.microsoft.com/office/drawing/2014/main" id="{7CA7629A-9559-61EA-4686-26B9E9B39193}"/>
+              </a:ext>
+            </a:extLst>
+          </p:cNvPr>
+          <p:cNvSpPr/>
+          <p:nvPr/>
+        </p:nvSpPr>
+        <p:spPr>
+          <a:xfrm>
+            <a:off x="4176365" y="1439887"/>
+            <a:ext cx="3888432" cy="4116070"/>
+          </a:xfrm>
+          <a:prstGeom prst="rect">
+            <a:avLst/>
+          </a:prstGeom>
+          <a:solidFill>
+            <a:schemeClr val="bg1"/>
+          </a:solidFill>
+          <a:ln>
+            <a:noFill/>
+          </a:ln>
+        </p:spPr>
+        <p:style>
+          <a:lnRef idx="2">
+            <a:schemeClr val="accent1">
+              <a:shade val="15000"/>
+            </a:schemeClr>
+          </a:lnRef>
+          <a:fillRef idx="1">
+            <a:schemeClr val="accent1"/>
+          </a:fillRef>
+          <a:effectRef idx="0">
+            <a:schemeClr val="accent1"/>
+          </a:effectRef>
+          <a:fontRef idx="minor">
+            <a:schemeClr val="lt1"/>
+          </a:fontRef>
+        </p:style>
+        <p:txBody>
+          <a:bodyPr rtlCol="0" anchor="ctr"/>
+          <a:lstStyle/>
+          <a:p>
+            <a:pPr algn="ctr"/>
+            <a:endParaRPr lang="de-DE"/>
+          </a:p>
+        </p:txBody>
+      </p:sp>
     </p:spTree>
     <p:extLst>
       <p:ext uri="{BB962C8B-B14F-4D97-AF65-F5344CB8AC3E}">
@@ -10393,7 +10784,7 @@
 </p:sld>
 </file>
 
-<file path=ppt/slides/slide17.xml><?xml version="1.0" encoding="utf-8"?>
+<file path=ppt/slides/slide18.xml><?xml version="1.0" encoding="utf-8"?>
 <p:sld xmlns:a="http://schemas.openxmlformats.org/drawingml/2006/main" xmlns:r="http://schemas.openxmlformats.org/officeDocument/2006/relationships" xmlns:p="http://schemas.openxmlformats.org/presentationml/2006/main">
   <p:cSld>
     <p:spTree>
@@ -10468,7 +10859,7 @@
               <a:pPr>
                 <a:defRPr/>
               </a:pPr>
-              <a:t>17</a:t>
+              <a:t>18</a:t>
             </a:fld>
             <a:endParaRPr lang="de-DE" altLang="de-DE" dirty="0"/>
           </a:p>
@@ -10506,8 +10897,8 @@
           </a:p>
         </p:txBody>
       </p:sp>
-      <mc:AlternateContent xmlns:mc="http://schemas.openxmlformats.org/markup-compatibility/2006" xmlns:a14="http://schemas.microsoft.com/office/drawing/2010/main">
-        <mc:Choice Requires="a14">
+      <mc:AlternateContent xmlns:mc="http://schemas.openxmlformats.org/markup-compatibility/2006">
+        <mc:Choice xmlns:a14="http://schemas.microsoft.com/office/drawing/2010/main" Requires="a14">
           <p:sp>
             <p:nvSpPr>
               <p:cNvPr id="8" name="TextBox 7">
@@ -10566,7 +10957,7 @@
                 </a:r>
                 <a:r>
                   <a:rPr lang="en-GB" dirty="0"/>
-                  <a:t>73.59</a:t>
+                  <a:t>33.39</a:t>
                 </a:r>
                 <a:r>
                   <a:rPr lang="el-GR" dirty="0"/>
@@ -10574,13 +10965,13 @@
                 </a:r>
                 <a:r>
                   <a:rPr lang="en-GB" dirty="0"/>
-                  <a:t>p &lt; .0001, CFI = 0.90, RMSEA = 0.10</a:t>
+                  <a:t>p &lt; .0001, CFI = 0.90, RMSEA = 0.08</a:t>
                 </a:r>
               </a:p>
             </p:txBody>
           </p:sp>
         </mc:Choice>
-        <mc:Fallback xmlns="">
+        <mc:Fallback>
           <p:sp>
             <p:nvSpPr>
               <p:cNvPr id="8" name="TextBox 7">
@@ -10615,7 +11006,7 @@
               <a:lstStyle/>
               <a:p>
                 <a:r>
-                  <a:rPr lang="en-GB">
+                  <a:rPr lang="de-DE">
                     <a:noFill/>
                   </a:rPr>
                   <a:t> </a:t>
@@ -10627,10 +11018,10 @@
       </mc:AlternateContent>
       <p:pic>
         <p:nvPicPr>
-          <p:cNvPr id="7" name="Content Placeholder 6">
+          <p:cNvPr id="12" name="Content Placeholder 11">
             <a:extLst>
               <a:ext uri="{FF2B5EF4-FFF2-40B4-BE49-F238E27FC236}">
-                <a16:creationId xmlns:a16="http://schemas.microsoft.com/office/drawing/2014/main" id="{27866387-6587-4B59-BA55-570A7FBCC50E}"/>
+                <a16:creationId xmlns:a16="http://schemas.microsoft.com/office/drawing/2014/main" id="{9072CE9E-FAC9-4EA4-B607-36B4ED54D7D8}"/>
               </a:ext>
             </a:extLst>
           </p:cNvPr>
@@ -10649,20 +11040,72 @@
               </a:ext>
             </a:extLst>
           </a:blip>
-          <a:srcRect l="5612" t="9653" r="6577" b="11416"/>
+          <a:srcRect l="5612" t="9652" r="6577" b="9662"/>
           <a:stretch/>
         </p:blipFill>
         <p:spPr>
           <a:xfrm>
-            <a:off x="431949" y="1511895"/>
-            <a:ext cx="7542642" cy="3813695"/>
+            <a:off x="442938" y="1547814"/>
+            <a:ext cx="7533351" cy="3893642"/>
           </a:xfrm>
         </p:spPr>
       </p:pic>
+      <p:sp>
+        <p:nvSpPr>
+          <p:cNvPr id="3" name="Rectangle 2">
+            <a:extLst>
+              <a:ext uri="{FF2B5EF4-FFF2-40B4-BE49-F238E27FC236}">
+                <a16:creationId xmlns:a16="http://schemas.microsoft.com/office/drawing/2014/main" id="{69200C82-0BEF-A591-04E6-D7BB0BD7F036}"/>
+              </a:ext>
+            </a:extLst>
+          </p:cNvPr>
+          <p:cNvSpPr/>
+          <p:nvPr/>
+        </p:nvSpPr>
+        <p:spPr>
+          <a:xfrm>
+            <a:off x="4189446" y="2586092"/>
+            <a:ext cx="792088" cy="360040"/>
+          </a:xfrm>
+          <a:prstGeom prst="rect">
+            <a:avLst/>
+          </a:prstGeom>
+          <a:solidFill>
+            <a:schemeClr val="bg1"/>
+          </a:solidFill>
+          <a:ln>
+            <a:noFill/>
+          </a:ln>
+        </p:spPr>
+        <p:style>
+          <a:lnRef idx="2">
+            <a:schemeClr val="accent1">
+              <a:shade val="15000"/>
+            </a:schemeClr>
+          </a:lnRef>
+          <a:fillRef idx="1">
+            <a:schemeClr val="accent1"/>
+          </a:fillRef>
+          <a:effectRef idx="0">
+            <a:schemeClr val="accent1"/>
+          </a:effectRef>
+          <a:fontRef idx="minor">
+            <a:schemeClr val="lt1"/>
+          </a:fontRef>
+        </p:style>
+        <p:txBody>
+          <a:bodyPr rtlCol="0" anchor="ctr"/>
+          <a:lstStyle/>
+          <a:p>
+            <a:pPr algn="ctr"/>
+            <a:endParaRPr lang="de-DE"/>
+          </a:p>
+        </p:txBody>
+      </p:sp>
     </p:spTree>
     <p:extLst>
       <p:ext uri="{BB962C8B-B14F-4D97-AF65-F5344CB8AC3E}">
-        <p14:creationId xmlns:p14="http://schemas.microsoft.com/office/powerpoint/2010/main" val="2600783763"/>
+        <p14:creationId xmlns:p14="http://schemas.microsoft.com/office/powerpoint/2010/main" val="2038211474"/>
       </p:ext>
     </p:extLst>
   </p:cSld>
@@ -10672,7 +11115,7 @@
 </p:sld>
 </file>
 
-<file path=ppt/slides/slide18.xml><?xml version="1.0" encoding="utf-8"?>
+<file path=ppt/slides/slide19.xml><?xml version="1.0" encoding="utf-8"?>
 <p:sld xmlns:a="http://schemas.openxmlformats.org/drawingml/2006/main" xmlns:r="http://schemas.openxmlformats.org/officeDocument/2006/relationships" xmlns:p="http://schemas.openxmlformats.org/presentationml/2006/main">
   <p:cSld>
     <p:spTree>
@@ -10747,7 +11190,7 @@
               <a:pPr>
                 <a:defRPr/>
               </a:pPr>
-              <a:t>18</a:t>
+              <a:t>19</a:t>
             </a:fld>
             <a:endParaRPr lang="de-DE" altLang="de-DE" dirty="0"/>
           </a:p>
@@ -10785,42 +11228,8 @@
           </a:p>
         </p:txBody>
       </p:sp>
-      <p:pic>
-        <p:nvPicPr>
-          <p:cNvPr id="7" name="Content Placeholder 6">
-            <a:extLst>
-              <a:ext uri="{FF2B5EF4-FFF2-40B4-BE49-F238E27FC236}">
-                <a16:creationId xmlns:a16="http://schemas.microsoft.com/office/drawing/2014/main" id="{E40F06B1-5CC0-46C6-8BD8-3EEEDB061452}"/>
-              </a:ext>
-            </a:extLst>
-          </p:cNvPr>
-          <p:cNvPicPr>
-            <a:picLocks noGrp="1" noChangeAspect="1"/>
-          </p:cNvPicPr>
-          <p:nvPr>
-            <p:ph idx="1"/>
-          </p:nvPr>
-        </p:nvPicPr>
-        <p:blipFill rotWithShape="1">
-          <a:blip r:embed="rId2">
-            <a:extLst>
-              <a:ext uri="{28A0092B-C50C-407E-A947-70E740481C1C}">
-                <a14:useLocalDpi xmlns:a14="http://schemas.microsoft.com/office/drawing/2010/main" val="0"/>
-              </a:ext>
-            </a:extLst>
-          </a:blip>
-          <a:srcRect l="5601" t="470" r="10534" b="-450"/>
-          <a:stretch/>
-        </p:blipFill>
-        <p:spPr>
-          <a:xfrm>
-            <a:off x="1008013" y="1208646"/>
-            <a:ext cx="6768751" cy="4539045"/>
-          </a:xfrm>
-        </p:spPr>
-      </p:pic>
-      <mc:AlternateContent xmlns:mc="http://schemas.openxmlformats.org/markup-compatibility/2006" xmlns:a14="http://schemas.microsoft.com/office/drawing/2010/main">
-        <mc:Choice Requires="a14">
+      <mc:AlternateContent xmlns:mc="http://schemas.openxmlformats.org/markup-compatibility/2006">
+        <mc:Choice xmlns:a14="http://schemas.microsoft.com/office/drawing/2010/main" Requires="a14">
           <p:sp>
             <p:nvSpPr>
               <p:cNvPr id="8" name="TextBox 7">
@@ -10867,19 +11276,19 @@
                 </a14:m>
                 <a:r>
                   <a:rPr lang="el-GR" dirty="0"/>
-                  <a:t>(</a:t>
+                  <a:t>(7</a:t>
                 </a:r>
                 <a:r>
                   <a:rPr lang="en-GB" dirty="0"/>
-                  <a:t>201</a:t>
+                  <a:t>4</a:t>
                 </a:r>
                 <a:r>
                   <a:rPr lang="el-GR" dirty="0"/>
-                  <a:t>) = </a:t>
+                  <a:t>) = 1</a:t>
                 </a:r>
                 <a:r>
                   <a:rPr lang="en-GB" dirty="0"/>
-                  <a:t>413.64</a:t>
+                  <a:t>33.39</a:t>
                 </a:r>
                 <a:r>
                   <a:rPr lang="el-GR" dirty="0"/>
@@ -10887,13 +11296,13 @@
                 </a:r>
                 <a:r>
                   <a:rPr lang="en-GB" dirty="0"/>
-                  <a:t>p &lt; .0001, CFI = 0.85, RMSEA = 0.09</a:t>
+                  <a:t>p &lt; .0001, CFI = 0.90, RMSEA = 0.08</a:t>
                 </a:r>
               </a:p>
             </p:txBody>
           </p:sp>
         </mc:Choice>
-        <mc:Fallback xmlns="">
+        <mc:Fallback>
           <p:sp>
             <p:nvSpPr>
               <p:cNvPr id="8" name="TextBox 7">
@@ -10917,7 +11326,7 @@
                 <a:avLst/>
               </a:prstGeom>
               <a:blipFill>
-                <a:blip r:embed="rId3"/>
+                <a:blip r:embed="rId2"/>
                 <a:stretch>
                   <a:fillRect t="-3774" b="-20755"/>
                 </a:stretch>
@@ -10928,7 +11337,7 @@
               <a:lstStyle/>
               <a:p>
                 <a:r>
-                  <a:rPr lang="en-GB">
+                  <a:rPr lang="de-DE">
                     <a:noFill/>
                   </a:rPr>
                   <a:t> </a:t>
@@ -10938,791 +11347,50 @@
           </p:sp>
         </mc:Fallback>
       </mc:AlternateContent>
+      <p:pic>
+        <p:nvPicPr>
+          <p:cNvPr id="12" name="Content Placeholder 11">
+            <a:extLst>
+              <a:ext uri="{FF2B5EF4-FFF2-40B4-BE49-F238E27FC236}">
+                <a16:creationId xmlns:a16="http://schemas.microsoft.com/office/drawing/2014/main" id="{9072CE9E-FAC9-4EA4-B607-36B4ED54D7D8}"/>
+              </a:ext>
+            </a:extLst>
+          </p:cNvPr>
+          <p:cNvPicPr>
+            <a:picLocks noGrp="1" noChangeAspect="1"/>
+          </p:cNvPicPr>
+          <p:nvPr>
+            <p:ph idx="1"/>
+          </p:nvPr>
+        </p:nvPicPr>
+        <p:blipFill rotWithShape="1">
+          <a:blip r:embed="rId3">
+            <a:extLst>
+              <a:ext uri="{28A0092B-C50C-407E-A947-70E740481C1C}">
+                <a14:useLocalDpi xmlns:a14="http://schemas.microsoft.com/office/drawing/2010/main" val="0"/>
+              </a:ext>
+            </a:extLst>
+          </a:blip>
+          <a:srcRect l="5612" t="9652" r="6577" b="9662"/>
+          <a:stretch/>
+        </p:blipFill>
+        <p:spPr>
+          <a:xfrm>
+            <a:off x="442938" y="1547814"/>
+            <a:ext cx="7533351" cy="3893642"/>
+          </a:xfrm>
+        </p:spPr>
+      </p:pic>
     </p:spTree>
     <p:extLst>
       <p:ext uri="{BB962C8B-B14F-4D97-AF65-F5344CB8AC3E}">
-        <p14:creationId xmlns:p14="http://schemas.microsoft.com/office/powerpoint/2010/main" val="1451834514"/>
+        <p14:creationId xmlns:p14="http://schemas.microsoft.com/office/powerpoint/2010/main" val="3021860516"/>
       </p:ext>
     </p:extLst>
   </p:cSld>
   <p:clrMapOvr>
     <a:masterClrMapping/>
   </p:clrMapOvr>
-</p:sld>
-</file>
-
-<file path=ppt/slides/slide19.xml><?xml version="1.0" encoding="utf-8"?>
-<p:sld xmlns:a="http://schemas.openxmlformats.org/drawingml/2006/main" xmlns:r="http://schemas.openxmlformats.org/officeDocument/2006/relationships" xmlns:p="http://schemas.openxmlformats.org/presentationml/2006/main">
-  <p:cSld>
-    <p:spTree>
-      <p:nvGrpSpPr>
-        <p:cNvPr id="1" name=""/>
-        <p:cNvGrpSpPr/>
-        <p:nvPr/>
-      </p:nvGrpSpPr>
-      <p:grpSpPr>
-        <a:xfrm>
-          <a:off x="0" y="0"/>
-          <a:ext cx="0" cy="0"/>
-          <a:chOff x="0" y="0"/>
-          <a:chExt cx="0" cy="0"/>
-        </a:xfrm>
-      </p:grpSpPr>
-      <p:sp>
-        <p:nvSpPr>
-          <p:cNvPr id="2" name="Title 1">
-            <a:extLst>
-              <a:ext uri="{FF2B5EF4-FFF2-40B4-BE49-F238E27FC236}">
-                <a16:creationId xmlns:a16="http://schemas.microsoft.com/office/drawing/2014/main" id="{3F2F7E55-CE78-40A7-B5B6-2AC85CBDE4CB}"/>
-              </a:ext>
-            </a:extLst>
-          </p:cNvPr>
-          <p:cNvSpPr>
-            <a:spLocks noGrp="1"/>
-          </p:cNvSpPr>
-          <p:nvPr>
-            <p:ph type="title"/>
-          </p:nvPr>
-        </p:nvSpPr>
-        <p:spPr/>
-        <p:txBody>
-          <a:bodyPr/>
-          <a:lstStyle/>
-          <a:p>
-            <a:r>
-              <a:rPr lang="en-GB" dirty="0"/>
-              <a:t>Was </a:t>
-            </a:r>
-            <a:r>
-              <a:rPr lang="en-GB" dirty="0" err="1"/>
-              <a:t>bedeutet</a:t>
-            </a:r>
-            <a:r>
-              <a:rPr lang="en-GB" dirty="0"/>
-              <a:t> das?</a:t>
-            </a:r>
-          </a:p>
-        </p:txBody>
-      </p:sp>
-      <p:sp>
-        <p:nvSpPr>
-          <p:cNvPr id="3" name="Content Placeholder 2">
-            <a:extLst>
-              <a:ext uri="{FF2B5EF4-FFF2-40B4-BE49-F238E27FC236}">
-                <a16:creationId xmlns:a16="http://schemas.microsoft.com/office/drawing/2014/main" id="{90B94075-D215-472B-BF6F-68425F881C32}"/>
-              </a:ext>
-            </a:extLst>
-          </p:cNvPr>
-          <p:cNvSpPr>
-            <a:spLocks noGrp="1"/>
-          </p:cNvSpPr>
-          <p:nvPr>
-            <p:ph idx="1"/>
-          </p:nvPr>
-        </p:nvSpPr>
-        <p:spPr/>
-        <p:txBody>
-          <a:bodyPr/>
-          <a:lstStyle/>
-          <a:p>
-            <a:r>
-              <a:rPr lang="en-GB" dirty="0"/>
-              <a:t>Negative </a:t>
-            </a:r>
-            <a:r>
-              <a:rPr lang="en-GB" dirty="0" err="1"/>
-              <a:t>Korrelation</a:t>
-            </a:r>
-            <a:r>
-              <a:rPr lang="en-GB" dirty="0"/>
-              <a:t> </a:t>
-            </a:r>
-            <a:r>
-              <a:rPr lang="en-GB" dirty="0" err="1"/>
-              <a:t>zwischen</a:t>
-            </a:r>
-            <a:r>
-              <a:rPr lang="en-GB" dirty="0"/>
-              <a:t> Alpha und </a:t>
-            </a:r>
-            <a:r>
-              <a:rPr lang="en-GB" i="1" dirty="0"/>
-              <a:t>g</a:t>
-            </a:r>
-          </a:p>
-          <a:p>
-            <a:endParaRPr lang="en-GB" i="1" dirty="0"/>
-          </a:p>
-          <a:p>
-            <a:r>
-              <a:rPr lang="en-GB" dirty="0" err="1"/>
-              <a:t>Personen</a:t>
-            </a:r>
-            <a:r>
-              <a:rPr lang="en-GB" dirty="0"/>
-              <a:t> </a:t>
-            </a:r>
-            <a:r>
-              <a:rPr lang="en-GB" dirty="0" err="1"/>
-              <a:t>mit</a:t>
-            </a:r>
-            <a:r>
-              <a:rPr lang="en-GB" dirty="0"/>
-              <a:t> </a:t>
-            </a:r>
-            <a:r>
-              <a:rPr lang="en-GB" dirty="0" err="1"/>
-              <a:t>höherer</a:t>
-            </a:r>
-            <a:r>
-              <a:rPr lang="en-GB" dirty="0"/>
-              <a:t> </a:t>
-            </a:r>
-            <a:r>
-              <a:rPr lang="en-GB" dirty="0" err="1"/>
-              <a:t>Intelligenz</a:t>
-            </a:r>
-            <a:r>
-              <a:rPr lang="en-GB" dirty="0"/>
-              <a:t> </a:t>
-            </a:r>
-            <a:r>
-              <a:rPr lang="en-GB" dirty="0" err="1"/>
-              <a:t>haben</a:t>
-            </a:r>
-            <a:r>
-              <a:rPr lang="en-GB" dirty="0"/>
-              <a:t> </a:t>
-            </a:r>
-            <a:r>
-              <a:rPr lang="en-GB" dirty="0" err="1"/>
-              <a:t>niedrigere</a:t>
-            </a:r>
-            <a:r>
-              <a:rPr lang="en-GB" dirty="0"/>
-              <a:t> </a:t>
-            </a:r>
-            <a:r>
-              <a:rPr lang="en-GB" dirty="0" err="1"/>
-              <a:t>Werte</a:t>
-            </a:r>
-            <a:r>
-              <a:rPr lang="en-GB" dirty="0"/>
-              <a:t> von alpha</a:t>
-            </a:r>
-          </a:p>
-          <a:p>
-            <a:pPr marL="342900" indent="-342900">
-              <a:buFont typeface="Wingdings" panose="05000000000000000000" pitchFamily="2" charset="2"/>
-              <a:buChar char="è"/>
-            </a:pPr>
-            <a:r>
-              <a:rPr lang="en-GB" dirty="0" err="1"/>
-              <a:t>Weniger</a:t>
-            </a:r>
-            <a:r>
-              <a:rPr lang="en-GB" dirty="0"/>
-              <a:t> </a:t>
-            </a:r>
-            <a:r>
-              <a:rPr lang="en-GB" dirty="0" err="1"/>
-              <a:t>Stabilität</a:t>
-            </a:r>
-            <a:r>
-              <a:rPr lang="en-GB" dirty="0"/>
-              <a:t>, </a:t>
-            </a:r>
-            <a:r>
-              <a:rPr lang="en-GB" dirty="0" err="1"/>
-              <a:t>d.h.</a:t>
-            </a:r>
-            <a:r>
-              <a:rPr lang="en-GB" dirty="0"/>
-              <a:t> </a:t>
-            </a:r>
-            <a:r>
-              <a:rPr lang="en-GB" dirty="0" err="1"/>
-              <a:t>mehr</a:t>
-            </a:r>
-            <a:r>
-              <a:rPr lang="en-GB" dirty="0"/>
-              <a:t> </a:t>
-            </a:r>
-            <a:r>
-              <a:rPr lang="en-GB" dirty="0" err="1"/>
-              <a:t>Sprünge</a:t>
-            </a:r>
-            <a:r>
-              <a:rPr lang="en-GB" dirty="0"/>
-              <a:t> in der </a:t>
-            </a:r>
-            <a:r>
-              <a:rPr lang="en-GB" dirty="0" err="1"/>
-              <a:t>Evidenzakkumulation</a:t>
-            </a:r>
-            <a:endParaRPr lang="en-GB" dirty="0"/>
-          </a:p>
-          <a:p>
-            <a:endParaRPr lang="en-GB" dirty="0"/>
-          </a:p>
-          <a:p>
-            <a:r>
-              <a:rPr lang="en-GB" dirty="0"/>
-              <a:t>Dies </a:t>
-            </a:r>
-            <a:r>
-              <a:rPr lang="en-GB" dirty="0" err="1"/>
-              <a:t>spricht</a:t>
-            </a:r>
-            <a:r>
-              <a:rPr lang="en-GB" dirty="0"/>
-              <a:t> für die </a:t>
-            </a:r>
-            <a:r>
-              <a:rPr lang="en-GB" i="1" dirty="0"/>
-              <a:t>efficient jumping </a:t>
-            </a:r>
-            <a:r>
-              <a:rPr lang="en-GB" dirty="0" err="1"/>
-              <a:t>Hypothese</a:t>
-            </a:r>
-            <a:endParaRPr lang="en-GB" dirty="0"/>
-          </a:p>
-          <a:p>
-            <a:endParaRPr lang="en-GB" dirty="0"/>
-          </a:p>
-          <a:p>
-            <a:r>
-              <a:rPr lang="en-GB" dirty="0"/>
-              <a:t>Aber: </a:t>
-            </a:r>
-            <a:r>
-              <a:rPr lang="en-GB" dirty="0" err="1"/>
-              <a:t>hier</a:t>
-            </a:r>
-            <a:r>
-              <a:rPr lang="en-GB" dirty="0"/>
-              <a:t> </a:t>
-            </a:r>
-            <a:r>
-              <a:rPr lang="en-GB" dirty="0" err="1"/>
-              <a:t>nur</a:t>
-            </a:r>
-            <a:r>
-              <a:rPr lang="en-GB" dirty="0"/>
-              <a:t> </a:t>
-            </a:r>
-            <a:r>
-              <a:rPr lang="en-GB" dirty="0" err="1"/>
-              <a:t>einfache</a:t>
-            </a:r>
-            <a:r>
-              <a:rPr lang="en-GB" dirty="0"/>
-              <a:t> </a:t>
-            </a:r>
-            <a:r>
-              <a:rPr lang="en-GB" dirty="0" err="1"/>
-              <a:t>Aufgaben</a:t>
-            </a:r>
-            <a:r>
-              <a:rPr lang="en-GB" dirty="0"/>
-              <a:t> </a:t>
-            </a:r>
-            <a:r>
-              <a:rPr lang="en-GB" dirty="0" err="1"/>
-              <a:t>betrachtet</a:t>
-            </a:r>
-            <a:r>
-              <a:rPr lang="en-GB" dirty="0"/>
-              <a:t>!</a:t>
-            </a:r>
-          </a:p>
-          <a:p>
-            <a:pPr marL="342900" indent="-342900">
-              <a:buFont typeface="Wingdings" panose="05000000000000000000" pitchFamily="2" charset="2"/>
-              <a:buChar char="è"/>
-            </a:pPr>
-            <a:r>
-              <a:rPr lang="en-GB" dirty="0"/>
-              <a:t>“</a:t>
-            </a:r>
-            <a:r>
-              <a:rPr lang="en-GB" dirty="0" err="1"/>
-              <a:t>Wer</a:t>
-            </a:r>
-            <a:r>
-              <a:rPr lang="en-GB" dirty="0"/>
-              <a:t> (</a:t>
-            </a:r>
-            <a:r>
-              <a:rPr lang="en-GB" dirty="0" err="1"/>
-              <a:t>bei</a:t>
-            </a:r>
-            <a:r>
-              <a:rPr lang="en-GB" dirty="0"/>
-              <a:t> </a:t>
-            </a:r>
-            <a:r>
-              <a:rPr lang="en-GB" dirty="0" err="1"/>
-              <a:t>einfachen</a:t>
-            </a:r>
-            <a:r>
-              <a:rPr lang="en-GB" dirty="0"/>
-              <a:t> </a:t>
-            </a:r>
-            <a:r>
-              <a:rPr lang="en-GB" dirty="0" err="1"/>
-              <a:t>Aufgaben</a:t>
-            </a:r>
-            <a:r>
-              <a:rPr lang="en-GB" dirty="0"/>
-              <a:t>) </a:t>
-            </a:r>
-            <a:r>
-              <a:rPr lang="en-GB" dirty="0" err="1"/>
-              <a:t>nicht</a:t>
-            </a:r>
-            <a:r>
-              <a:rPr lang="en-GB" dirty="0"/>
-              <a:t> </a:t>
-            </a:r>
-            <a:r>
-              <a:rPr lang="en-GB" dirty="0" err="1"/>
-              <a:t>hüpft</a:t>
-            </a:r>
-            <a:r>
-              <a:rPr lang="en-GB" dirty="0"/>
-              <a:t> </a:t>
-            </a:r>
-            <a:r>
-              <a:rPr lang="en-GB" dirty="0" err="1"/>
-              <a:t>ist</a:t>
-            </a:r>
-            <a:r>
-              <a:rPr lang="en-GB" dirty="0"/>
-              <a:t> </a:t>
-            </a:r>
-            <a:r>
-              <a:rPr lang="en-GB" dirty="0" err="1"/>
-              <a:t>Offenbacher</a:t>
-            </a:r>
-            <a:r>
-              <a:rPr lang="en-GB" dirty="0"/>
-              <a:t>”</a:t>
-            </a:r>
-          </a:p>
-          <a:p>
-            <a:endParaRPr lang="en-GB" dirty="0"/>
-          </a:p>
-          <a:p>
-            <a:endParaRPr lang="en-GB" dirty="0"/>
-          </a:p>
-        </p:txBody>
-      </p:sp>
-      <p:sp>
-        <p:nvSpPr>
-          <p:cNvPr id="4" name="Slide Number Placeholder 3">
-            <a:extLst>
-              <a:ext uri="{FF2B5EF4-FFF2-40B4-BE49-F238E27FC236}">
-                <a16:creationId xmlns:a16="http://schemas.microsoft.com/office/drawing/2014/main" id="{11D63F32-D82E-48E2-974D-58E5C0A0962E}"/>
-              </a:ext>
-            </a:extLst>
-          </p:cNvPr>
-          <p:cNvSpPr>
-            <a:spLocks noGrp="1"/>
-          </p:cNvSpPr>
-          <p:nvPr>
-            <p:ph type="sldNum" sz="quarter" idx="10"/>
-          </p:nvPr>
-        </p:nvSpPr>
-        <p:spPr/>
-        <p:txBody>
-          <a:bodyPr/>
-          <a:lstStyle/>
-          <a:p>
-            <a:pPr>
-              <a:defRPr/>
-            </a:pPr>
-            <a:fld id="{BFD7839F-DA5C-4C13-94BA-0DC1947AAA90}" type="slidenum">
-              <a:rPr lang="de-DE" altLang="de-DE" smtClean="0"/>
-              <a:pPr>
-                <a:defRPr/>
-              </a:pPr>
-              <a:t>19</a:t>
-            </a:fld>
-            <a:endParaRPr lang="de-DE" altLang="de-DE" dirty="0"/>
-          </a:p>
-        </p:txBody>
-      </p:sp>
-      <p:sp>
-        <p:nvSpPr>
-          <p:cNvPr id="5" name="Footer Placeholder 4">
-            <a:extLst>
-              <a:ext uri="{FF2B5EF4-FFF2-40B4-BE49-F238E27FC236}">
-                <a16:creationId xmlns:a16="http://schemas.microsoft.com/office/drawing/2014/main" id="{D5E34673-0C27-48C5-9C51-49FB18ADCF5A}"/>
-              </a:ext>
-            </a:extLst>
-          </p:cNvPr>
-          <p:cNvSpPr>
-            <a:spLocks noGrp="1"/>
-          </p:cNvSpPr>
-          <p:nvPr>
-            <p:ph type="ftr" sz="quarter" idx="11"/>
-          </p:nvPr>
-        </p:nvSpPr>
-        <p:spPr/>
-        <p:txBody>
-          <a:bodyPr/>
-          <a:lstStyle/>
-          <a:p>
-            <a:pPr>
-              <a:defRPr/>
-            </a:pPr>
-            <a:r>
-              <a:rPr lang="de-DE"/>
-              <a:t>Alpha and Intelligence - Sven Lesche</a:t>
-            </a:r>
-            <a:endParaRPr lang="de-DE" dirty="0"/>
-          </a:p>
-        </p:txBody>
-      </p:sp>
-    </p:spTree>
-    <p:extLst>
-      <p:ext uri="{BB962C8B-B14F-4D97-AF65-F5344CB8AC3E}">
-        <p14:creationId xmlns:p14="http://schemas.microsoft.com/office/powerpoint/2010/main" val="878235353"/>
-      </p:ext>
-    </p:extLst>
-  </p:cSld>
-  <p:clrMapOvr>
-    <a:masterClrMapping/>
-  </p:clrMapOvr>
-  <p:timing>
-    <p:tnLst>
-      <p:par>
-        <p:cTn id="1" dur="indefinite" restart="never" nodeType="tmRoot">
-          <p:childTnLst>
-            <p:seq concurrent="1" nextAc="seek">
-              <p:cTn id="2" dur="indefinite" nodeType="mainSeq">
-                <p:childTnLst>
-                  <p:par>
-                    <p:cTn id="3" fill="hold">
-                      <p:stCondLst>
-                        <p:cond delay="indefinite"/>
-                      </p:stCondLst>
-                      <p:childTnLst>
-                        <p:par>
-                          <p:cTn id="4" fill="hold">
-                            <p:stCondLst>
-                              <p:cond delay="0"/>
-                            </p:stCondLst>
-                            <p:childTnLst>
-                              <p:par>
-                                <p:cTn id="5" presetID="1" presetClass="entr" presetSubtype="0" fill="hold" grpId="0" nodeType="clickEffect">
-                                  <p:stCondLst>
-                                    <p:cond delay="0"/>
-                                  </p:stCondLst>
-                                  <p:childTnLst>
-                                    <p:set>
-                                      <p:cBhvr>
-                                        <p:cTn id="6" dur="1" fill="hold">
-                                          <p:stCondLst>
-                                            <p:cond delay="0"/>
-                                          </p:stCondLst>
-                                        </p:cTn>
-                                        <p:tgtEl>
-                                          <p:spTgt spid="3">
-                                            <p:txEl>
-                                              <p:pRg st="0" end="0"/>
-                                            </p:txEl>
-                                          </p:spTgt>
-                                        </p:tgtEl>
-                                        <p:attrNameLst>
-                                          <p:attrName>style.visibility</p:attrName>
-                                        </p:attrNameLst>
-                                      </p:cBhvr>
-                                      <p:to>
-                                        <p:strVal val="visible"/>
-                                      </p:to>
-                                    </p:set>
-                                  </p:childTnLst>
-                                </p:cTn>
-                              </p:par>
-                            </p:childTnLst>
-                          </p:cTn>
-                        </p:par>
-                      </p:childTnLst>
-                    </p:cTn>
-                  </p:par>
-                  <p:par>
-                    <p:cTn id="7" fill="hold">
-                      <p:stCondLst>
-                        <p:cond delay="indefinite"/>
-                      </p:stCondLst>
-                      <p:childTnLst>
-                        <p:par>
-                          <p:cTn id="8" fill="hold">
-                            <p:stCondLst>
-                              <p:cond delay="0"/>
-                            </p:stCondLst>
-                            <p:childTnLst>
-                              <p:par>
-                                <p:cTn id="9" presetID="1" presetClass="entr" presetSubtype="0" fill="hold" grpId="0" nodeType="clickEffect">
-                                  <p:stCondLst>
-                                    <p:cond delay="0"/>
-                                  </p:stCondLst>
-                                  <p:childTnLst>
-                                    <p:set>
-                                      <p:cBhvr>
-                                        <p:cTn id="10" dur="1" fill="hold">
-                                          <p:stCondLst>
-                                            <p:cond delay="0"/>
-                                          </p:stCondLst>
-                                        </p:cTn>
-                                        <p:tgtEl>
-                                          <p:spTgt spid="3">
-                                            <p:txEl>
-                                              <p:pRg st="2" end="2"/>
-                                            </p:txEl>
-                                          </p:spTgt>
-                                        </p:tgtEl>
-                                        <p:attrNameLst>
-                                          <p:attrName>style.visibility</p:attrName>
-                                        </p:attrNameLst>
-                                      </p:cBhvr>
-                                      <p:to>
-                                        <p:strVal val="visible"/>
-                                      </p:to>
-                                    </p:set>
-                                  </p:childTnLst>
-                                </p:cTn>
-                              </p:par>
-                            </p:childTnLst>
-                          </p:cTn>
-                        </p:par>
-                      </p:childTnLst>
-                    </p:cTn>
-                  </p:par>
-                  <p:par>
-                    <p:cTn id="11" fill="hold">
-                      <p:stCondLst>
-                        <p:cond delay="indefinite"/>
-                      </p:stCondLst>
-                      <p:childTnLst>
-                        <p:par>
-                          <p:cTn id="12" fill="hold">
-                            <p:stCondLst>
-                              <p:cond delay="0"/>
-                            </p:stCondLst>
-                            <p:childTnLst>
-                              <p:par>
-                                <p:cTn id="13" presetID="1" presetClass="entr" presetSubtype="0" fill="hold" grpId="0" nodeType="clickEffect">
-                                  <p:stCondLst>
-                                    <p:cond delay="0"/>
-                                  </p:stCondLst>
-                                  <p:childTnLst>
-                                    <p:set>
-                                      <p:cBhvr>
-                                        <p:cTn id="14" dur="1" fill="hold">
-                                          <p:stCondLst>
-                                            <p:cond delay="0"/>
-                                          </p:stCondLst>
-                                        </p:cTn>
-                                        <p:tgtEl>
-                                          <p:spTgt spid="3">
-                                            <p:txEl>
-                                              <p:pRg st="3" end="3"/>
-                                            </p:txEl>
-                                          </p:spTgt>
-                                        </p:tgtEl>
-                                        <p:attrNameLst>
-                                          <p:attrName>style.visibility</p:attrName>
-                                        </p:attrNameLst>
-                                      </p:cBhvr>
-                                      <p:to>
-                                        <p:strVal val="visible"/>
-                                      </p:to>
-                                    </p:set>
-                                  </p:childTnLst>
-                                </p:cTn>
-                              </p:par>
-                            </p:childTnLst>
-                          </p:cTn>
-                        </p:par>
-                      </p:childTnLst>
-                    </p:cTn>
-                  </p:par>
-                  <p:par>
-                    <p:cTn id="15" fill="hold">
-                      <p:stCondLst>
-                        <p:cond delay="indefinite"/>
-                      </p:stCondLst>
-                      <p:childTnLst>
-                        <p:par>
-                          <p:cTn id="16" fill="hold">
-                            <p:stCondLst>
-                              <p:cond delay="0"/>
-                            </p:stCondLst>
-                            <p:childTnLst>
-                              <p:par>
-                                <p:cTn id="17" presetID="1" presetClass="entr" presetSubtype="0" fill="hold" grpId="0" nodeType="clickEffect">
-                                  <p:stCondLst>
-                                    <p:cond delay="0"/>
-                                  </p:stCondLst>
-                                  <p:childTnLst>
-                                    <p:set>
-                                      <p:cBhvr>
-                                        <p:cTn id="18" dur="1" fill="hold">
-                                          <p:stCondLst>
-                                            <p:cond delay="0"/>
-                                          </p:stCondLst>
-                                        </p:cTn>
-                                        <p:tgtEl>
-                                          <p:spTgt spid="3">
-                                            <p:txEl>
-                                              <p:pRg st="5" end="5"/>
-                                            </p:txEl>
-                                          </p:spTgt>
-                                        </p:tgtEl>
-                                        <p:attrNameLst>
-                                          <p:attrName>style.visibility</p:attrName>
-                                        </p:attrNameLst>
-                                      </p:cBhvr>
-                                      <p:to>
-                                        <p:strVal val="visible"/>
-                                      </p:to>
-                                    </p:set>
-                                  </p:childTnLst>
-                                </p:cTn>
-                              </p:par>
-                            </p:childTnLst>
-                          </p:cTn>
-                        </p:par>
-                      </p:childTnLst>
-                    </p:cTn>
-                  </p:par>
-                  <p:par>
-                    <p:cTn id="19" fill="hold">
-                      <p:stCondLst>
-                        <p:cond delay="indefinite"/>
-                      </p:stCondLst>
-                      <p:childTnLst>
-                        <p:par>
-                          <p:cTn id="20" fill="hold">
-                            <p:stCondLst>
-                              <p:cond delay="0"/>
-                            </p:stCondLst>
-                            <p:childTnLst>
-                              <p:par>
-                                <p:cTn id="21" presetID="1" presetClass="entr" presetSubtype="0" fill="hold" grpId="0" nodeType="clickEffect">
-                                  <p:stCondLst>
-                                    <p:cond delay="0"/>
-                                  </p:stCondLst>
-                                  <p:childTnLst>
-                                    <p:set>
-                                      <p:cBhvr>
-                                        <p:cTn id="22" dur="1" fill="hold">
-                                          <p:stCondLst>
-                                            <p:cond delay="0"/>
-                                          </p:stCondLst>
-                                        </p:cTn>
-                                        <p:tgtEl>
-                                          <p:spTgt spid="3">
-                                            <p:txEl>
-                                              <p:pRg st="7" end="7"/>
-                                            </p:txEl>
-                                          </p:spTgt>
-                                        </p:tgtEl>
-                                        <p:attrNameLst>
-                                          <p:attrName>style.visibility</p:attrName>
-                                        </p:attrNameLst>
-                                      </p:cBhvr>
-                                      <p:to>
-                                        <p:strVal val="visible"/>
-                                      </p:to>
-                                    </p:set>
-                                  </p:childTnLst>
-                                </p:cTn>
-                              </p:par>
-                            </p:childTnLst>
-                          </p:cTn>
-                        </p:par>
-                      </p:childTnLst>
-                    </p:cTn>
-                  </p:par>
-                  <p:par>
-                    <p:cTn id="23" fill="hold">
-                      <p:stCondLst>
-                        <p:cond delay="indefinite"/>
-                      </p:stCondLst>
-                      <p:childTnLst>
-                        <p:par>
-                          <p:cTn id="24" fill="hold">
-                            <p:stCondLst>
-                              <p:cond delay="0"/>
-                            </p:stCondLst>
-                            <p:childTnLst>
-                              <p:par>
-                                <p:cTn id="25" presetID="1" presetClass="entr" presetSubtype="0" fill="hold" grpId="0" nodeType="clickEffect">
-                                  <p:stCondLst>
-                                    <p:cond delay="0"/>
-                                  </p:stCondLst>
-                                  <p:childTnLst>
-                                    <p:set>
-                                      <p:cBhvr>
-                                        <p:cTn id="26" dur="1" fill="hold">
-                                          <p:stCondLst>
-                                            <p:cond delay="0"/>
-                                          </p:stCondLst>
-                                        </p:cTn>
-                                        <p:tgtEl>
-                                          <p:spTgt spid="3">
-                                            <p:txEl>
-                                              <p:pRg st="8" end="8"/>
-                                            </p:txEl>
-                                          </p:spTgt>
-                                        </p:tgtEl>
-                                        <p:attrNameLst>
-                                          <p:attrName>style.visibility</p:attrName>
-                                        </p:attrNameLst>
-                                      </p:cBhvr>
-                                      <p:to>
-                                        <p:strVal val="visible"/>
-                                      </p:to>
-                                    </p:set>
-                                  </p:childTnLst>
-                                </p:cTn>
-                              </p:par>
-                            </p:childTnLst>
-                          </p:cTn>
-                        </p:par>
-                      </p:childTnLst>
-                    </p:cTn>
-                  </p:par>
-                </p:childTnLst>
-              </p:cTn>
-              <p:prevCondLst>
-                <p:cond evt="onPrev" delay="0">
-                  <p:tgtEl>
-                    <p:sldTgt/>
-                  </p:tgtEl>
-                </p:cond>
-              </p:prevCondLst>
-              <p:nextCondLst>
-                <p:cond evt="onNext" delay="0">
-                  <p:tgtEl>
-                    <p:sldTgt/>
-                  </p:tgtEl>
-                </p:cond>
-              </p:nextCondLst>
-            </p:seq>
-          </p:childTnLst>
-        </p:cTn>
-      </p:par>
-    </p:tnLst>
-    <p:bldLst>
-      <p:bldP spid="3" grpId="0" build="p"/>
-    </p:bldLst>
-  </p:timing>
 </p:sld>
 </file>
 
@@ -12455,7 +12123,7 @@
           <p:cNvPr id="2" name="Title 1">
             <a:extLst>
               <a:ext uri="{FF2B5EF4-FFF2-40B4-BE49-F238E27FC236}">
-                <a16:creationId xmlns:a16="http://schemas.microsoft.com/office/drawing/2014/main" id="{D3B50BC0-6F8D-41F1-9CFA-7E46F5D89E68}"/>
+                <a16:creationId xmlns:a16="http://schemas.microsoft.com/office/drawing/2014/main" id="{55F718FC-F914-47AE-8321-2E443A41B361}"/>
               </a:ext>
             </a:extLst>
           </p:cNvPr>
@@ -12473,7 +12141,7 @@
           <a:p>
             <a:r>
               <a:rPr lang="en-GB" dirty="0" err="1"/>
-              <a:t>Referenzen</a:t>
+              <a:t>Ergebnisse</a:t>
             </a:r>
             <a:endParaRPr lang="en-GB" dirty="0"/>
           </a:p>
@@ -12481,636 +12149,10 @@
       </p:sp>
       <p:sp>
         <p:nvSpPr>
-          <p:cNvPr id="3" name="Content Placeholder 2">
+          <p:cNvPr id="4" name="Slide Number Placeholder 3">
             <a:extLst>
               <a:ext uri="{FF2B5EF4-FFF2-40B4-BE49-F238E27FC236}">
-                <a16:creationId xmlns:a16="http://schemas.microsoft.com/office/drawing/2014/main" id="{7FE8FECA-6BCA-4541-B5A2-B70B410DBDD6}"/>
-              </a:ext>
-            </a:extLst>
-          </p:cNvPr>
-          <p:cNvSpPr>
-            <a:spLocks noGrp="1"/>
-          </p:cNvSpPr>
-          <p:nvPr>
-            <p:ph idx="1"/>
-          </p:nvPr>
-        </p:nvSpPr>
-        <p:spPr>
-          <a:xfrm>
-            <a:off x="287933" y="1223863"/>
-            <a:ext cx="8207375" cy="4105275"/>
-          </a:xfrm>
-        </p:spPr>
-        <p:txBody>
-          <a:bodyPr/>
-          <a:lstStyle/>
-          <a:p>
-            <a:pPr indent="457200"/>
-            <a:r>
-              <a:rPr lang="en-GB" sz="1300" dirty="0" err="1">
-                <a:effectLst/>
-              </a:rPr>
-              <a:t>Doebler</a:t>
-            </a:r>
-            <a:r>
-              <a:rPr lang="en-GB" sz="1300" dirty="0">
-                <a:effectLst/>
-              </a:rPr>
-              <a:t>, P., &amp; Scheffler, B. (2016). The relationship of choice reaction time variability and intelligence: A meta-analysis. </a:t>
-            </a:r>
-            <a:r>
-              <a:rPr lang="en-GB" sz="1300" i="1" dirty="0">
-                <a:effectLst/>
-              </a:rPr>
-              <a:t>Learning and Individual Differences</a:t>
-            </a:r>
-            <a:r>
-              <a:rPr lang="en-GB" sz="1300" dirty="0">
-                <a:effectLst/>
-              </a:rPr>
-              <a:t>, </a:t>
-            </a:r>
-            <a:r>
-              <a:rPr lang="en-GB" sz="1300" i="1" dirty="0">
-                <a:effectLst/>
-              </a:rPr>
-              <a:t>52</a:t>
-            </a:r>
-            <a:r>
-              <a:rPr lang="en-GB" sz="1300" dirty="0">
-                <a:effectLst/>
-              </a:rPr>
-              <a:t>, 157–166.</a:t>
-            </a:r>
-          </a:p>
-          <a:p>
-            <a:pPr indent="457200"/>
-            <a:r>
-              <a:rPr lang="en-GB" sz="1300" dirty="0">
-                <a:effectLst/>
-              </a:rPr>
-              <a:t>Jensen, A. R. (2006). </a:t>
-            </a:r>
-            <a:r>
-              <a:rPr lang="en-GB" sz="1300" i="1" dirty="0">
-                <a:effectLst/>
-              </a:rPr>
-              <a:t>Clocking the mind: Mental chronometry and individual differences</a:t>
-            </a:r>
-            <a:r>
-              <a:rPr lang="en-GB" sz="1300" dirty="0">
-                <a:effectLst/>
-              </a:rPr>
-              <a:t>. Elsevier.</a:t>
-            </a:r>
-          </a:p>
-          <a:p>
-            <a:pPr indent="457200"/>
-            <a:r>
-              <a:rPr lang="en-GB" sz="1300" dirty="0" err="1">
-                <a:effectLst/>
-              </a:rPr>
-              <a:t>Lerche</a:t>
-            </a:r>
-            <a:r>
-              <a:rPr lang="en-GB" sz="1300" dirty="0">
-                <a:effectLst/>
-              </a:rPr>
-              <a:t>, V., von Krause, M., Voss, A., </a:t>
-            </a:r>
-            <a:r>
-              <a:rPr lang="en-GB" sz="1300" dirty="0" err="1">
-                <a:effectLst/>
-              </a:rPr>
-              <a:t>Frischkorn</a:t>
-            </a:r>
-            <a:r>
-              <a:rPr lang="en-GB" sz="1300" dirty="0">
-                <a:effectLst/>
-              </a:rPr>
-              <a:t>, G. T., Schubert, A.-L., &amp; Hagemann, D. (2020). Diffusion </a:t>
-            </a:r>
-            <a:r>
-              <a:rPr lang="en-GB" sz="1300" dirty="0" err="1">
-                <a:effectLst/>
-              </a:rPr>
-              <a:t>modeling</a:t>
-            </a:r>
-            <a:r>
-              <a:rPr lang="en-GB" sz="1300" dirty="0">
-                <a:effectLst/>
-              </a:rPr>
-              <a:t> and intelligence: Drift rates show both domain-general and domain-specific relations with intelligence. </a:t>
-            </a:r>
-            <a:r>
-              <a:rPr lang="en-GB" sz="1300" i="1" dirty="0">
-                <a:effectLst/>
-              </a:rPr>
-              <a:t>Journal of Experimental Psychology: General</a:t>
-            </a:r>
-            <a:r>
-              <a:rPr lang="en-GB" sz="1300" dirty="0">
-                <a:effectLst/>
-              </a:rPr>
-              <a:t>, </a:t>
-            </a:r>
-            <a:r>
-              <a:rPr lang="en-GB" sz="1300" i="1" dirty="0">
-                <a:effectLst/>
-              </a:rPr>
-              <a:t>149</a:t>
-            </a:r>
-            <a:r>
-              <a:rPr lang="en-GB" sz="1300" dirty="0">
-                <a:effectLst/>
-              </a:rPr>
-              <a:t>(12), 2207.</a:t>
-            </a:r>
-          </a:p>
-          <a:p>
-            <a:pPr indent="457200"/>
-            <a:r>
-              <a:rPr lang="en-GB" sz="1300" dirty="0" err="1">
-                <a:effectLst/>
-              </a:rPr>
-              <a:t>Schmiedek</a:t>
-            </a:r>
-            <a:r>
-              <a:rPr lang="en-GB" sz="1300" dirty="0">
-                <a:effectLst/>
-              </a:rPr>
-              <a:t>, F., </a:t>
-            </a:r>
-            <a:r>
-              <a:rPr lang="en-GB" sz="1300" dirty="0" err="1">
-                <a:effectLst/>
-              </a:rPr>
-              <a:t>Oberauer</a:t>
-            </a:r>
-            <a:r>
-              <a:rPr lang="en-GB" sz="1300" dirty="0">
-                <a:effectLst/>
-              </a:rPr>
-              <a:t>, K., Wilhelm, O., </a:t>
-            </a:r>
-            <a:r>
-              <a:rPr lang="en-GB" sz="1300" dirty="0" err="1">
-                <a:effectLst/>
-              </a:rPr>
-              <a:t>Süß</a:t>
-            </a:r>
-            <a:r>
-              <a:rPr lang="en-GB" sz="1300" dirty="0">
-                <a:effectLst/>
-              </a:rPr>
-              <a:t>, H.-M., &amp; Wittmann, W. W. (2007). Individual differences in components of reaction time distributions and their relations to working memory and intelligence. </a:t>
-            </a:r>
-            <a:r>
-              <a:rPr lang="en-GB" sz="1300" i="1" dirty="0">
-                <a:effectLst/>
-              </a:rPr>
-              <a:t>Journal of Experimental Psychology: General</a:t>
-            </a:r>
-            <a:r>
-              <a:rPr lang="en-GB" sz="1300" dirty="0">
-                <a:effectLst/>
-              </a:rPr>
-              <a:t>, </a:t>
-            </a:r>
-            <a:r>
-              <a:rPr lang="en-GB" sz="1300" i="1" dirty="0">
-                <a:effectLst/>
-              </a:rPr>
-              <a:t>136</a:t>
-            </a:r>
-            <a:r>
-              <a:rPr lang="en-GB" sz="1300" dirty="0">
-                <a:effectLst/>
-              </a:rPr>
-              <a:t>(3), 414.</a:t>
-            </a:r>
-          </a:p>
-          <a:p>
-            <a:pPr indent="457200"/>
-            <a:r>
-              <a:rPr lang="en-GB" sz="1300" dirty="0">
-                <a:effectLst/>
-              </a:rPr>
-              <a:t>Schubert, A.-L., Hagemann, D., &amp; </a:t>
-            </a:r>
-            <a:r>
-              <a:rPr lang="en-GB" sz="1300" dirty="0" err="1">
-                <a:effectLst/>
-              </a:rPr>
-              <a:t>Frischkorn</a:t>
-            </a:r>
-            <a:r>
-              <a:rPr lang="en-GB" sz="1300" dirty="0">
-                <a:effectLst/>
-              </a:rPr>
-              <a:t>, G. T. (2017). Is general intelligence little more than the speed of higher-order processing? </a:t>
-            </a:r>
-            <a:r>
-              <a:rPr lang="en-GB" sz="1300" i="1" dirty="0">
-                <a:effectLst/>
-              </a:rPr>
-              <a:t>Journal of Experimental Psychology: General</a:t>
-            </a:r>
-            <a:r>
-              <a:rPr lang="en-GB" sz="1300" dirty="0">
-                <a:effectLst/>
-              </a:rPr>
-              <a:t>, </a:t>
-            </a:r>
-            <a:r>
-              <a:rPr lang="en-GB" sz="1300" i="1" dirty="0">
-                <a:effectLst/>
-              </a:rPr>
-              <a:t>146</a:t>
-            </a:r>
-            <a:r>
-              <a:rPr lang="en-GB" sz="1300" dirty="0">
-                <a:effectLst/>
-              </a:rPr>
-              <a:t>(10), 1498–1512. </a:t>
-            </a:r>
-            <a:r>
-              <a:rPr lang="en-GB" sz="1300" dirty="0">
-                <a:effectLst/>
-                <a:hlinkClick r:id="rId2"/>
-              </a:rPr>
-              <a:t>https://doi.org/10.1037/xge0000325.supp</a:t>
-            </a:r>
-            <a:endParaRPr lang="en-GB" sz="1300" dirty="0">
-              <a:effectLst/>
-            </a:endParaRPr>
-          </a:p>
-          <a:p>
-            <a:pPr indent="457200"/>
-            <a:r>
-              <a:rPr lang="en-GB" sz="1300" dirty="0">
-                <a:effectLst/>
-              </a:rPr>
-              <a:t>Sheppard, L. D., &amp; Vernon, P. A. (2008). Intelligence and speed of information-processing: A review of 50 years of research. </a:t>
-            </a:r>
-            <a:r>
-              <a:rPr lang="en-GB" sz="1300" i="1" dirty="0">
-                <a:effectLst/>
-              </a:rPr>
-              <a:t>Personality and Individual Differences</a:t>
-            </a:r>
-            <a:r>
-              <a:rPr lang="en-GB" sz="1300" dirty="0">
-                <a:effectLst/>
-              </a:rPr>
-              <a:t>, </a:t>
-            </a:r>
-            <a:r>
-              <a:rPr lang="en-GB" sz="1300" i="1" dirty="0">
-                <a:effectLst/>
-              </a:rPr>
-              <a:t>44</a:t>
-            </a:r>
-            <a:r>
-              <a:rPr lang="en-GB" sz="1300" dirty="0">
-                <a:effectLst/>
-              </a:rPr>
-              <a:t>(3), 535–551.</a:t>
-            </a:r>
-            <a:endParaRPr lang="de-DE" sz="1300" dirty="0">
-              <a:effectLst/>
-            </a:endParaRPr>
-          </a:p>
-          <a:p>
-            <a:pPr indent="457200"/>
-            <a:r>
-              <a:rPr lang="de-DE" sz="1300" dirty="0">
-                <a:effectLst/>
-              </a:rPr>
-              <a:t>Voss, A., Lerche, V., Mertens, U., &amp; Voss, J. (2019). </a:t>
-            </a:r>
-            <a:r>
-              <a:rPr lang="de-DE" sz="1300" dirty="0" err="1">
-                <a:effectLst/>
-              </a:rPr>
-              <a:t>Sequential</a:t>
-            </a:r>
-            <a:r>
-              <a:rPr lang="de-DE" sz="1300" dirty="0">
-                <a:effectLst/>
-              </a:rPr>
-              <a:t> </a:t>
-            </a:r>
-            <a:r>
-              <a:rPr lang="de-DE" sz="1300" dirty="0" err="1">
-                <a:effectLst/>
-              </a:rPr>
-              <a:t>sampling</a:t>
-            </a:r>
-            <a:r>
-              <a:rPr lang="de-DE" sz="1300" dirty="0">
-                <a:effectLst/>
-              </a:rPr>
-              <a:t> </a:t>
-            </a:r>
-            <a:r>
-              <a:rPr lang="de-DE" sz="1300" dirty="0" err="1">
-                <a:effectLst/>
-              </a:rPr>
-              <a:t>models</a:t>
-            </a:r>
-            <a:r>
-              <a:rPr lang="de-DE" sz="1300" dirty="0">
-                <a:effectLst/>
-              </a:rPr>
-              <a:t> </a:t>
-            </a:r>
-            <a:r>
-              <a:rPr lang="de-DE" sz="1300" dirty="0" err="1">
-                <a:effectLst/>
-              </a:rPr>
-              <a:t>with</a:t>
-            </a:r>
-            <a:r>
-              <a:rPr lang="de-DE" sz="1300" dirty="0">
-                <a:effectLst/>
-              </a:rPr>
-              <a:t> variable </a:t>
-            </a:r>
-            <a:r>
-              <a:rPr lang="de-DE" sz="1300" dirty="0" err="1">
-                <a:effectLst/>
-              </a:rPr>
-              <a:t>boundaries</a:t>
-            </a:r>
-            <a:r>
-              <a:rPr lang="de-DE" sz="1300" dirty="0">
-                <a:effectLst/>
-              </a:rPr>
-              <a:t> and non-normal </a:t>
-            </a:r>
-            <a:r>
-              <a:rPr lang="de-DE" sz="1300" dirty="0" err="1">
-                <a:effectLst/>
-              </a:rPr>
-              <a:t>noise</a:t>
-            </a:r>
-            <a:r>
-              <a:rPr lang="de-DE" sz="1300" dirty="0">
-                <a:effectLst/>
-              </a:rPr>
-              <a:t>: A </a:t>
-            </a:r>
-            <a:r>
-              <a:rPr lang="de-DE" sz="1300" dirty="0" err="1">
-                <a:effectLst/>
-              </a:rPr>
-              <a:t>comparison</a:t>
-            </a:r>
-            <a:r>
-              <a:rPr lang="de-DE" sz="1300" dirty="0">
-                <a:effectLst/>
-              </a:rPr>
-              <a:t> </a:t>
-            </a:r>
-            <a:r>
-              <a:rPr lang="de-DE" sz="1300" dirty="0" err="1">
-                <a:effectLst/>
-              </a:rPr>
-              <a:t>of</a:t>
-            </a:r>
-            <a:r>
-              <a:rPr lang="de-DE" sz="1300" dirty="0">
-                <a:effectLst/>
-              </a:rPr>
-              <a:t> </a:t>
-            </a:r>
-            <a:r>
-              <a:rPr lang="de-DE" sz="1300" dirty="0" err="1">
-                <a:effectLst/>
-              </a:rPr>
-              <a:t>six</a:t>
-            </a:r>
-            <a:r>
-              <a:rPr lang="de-DE" sz="1300" dirty="0">
-                <a:effectLst/>
-              </a:rPr>
-              <a:t> </a:t>
-            </a:r>
-            <a:r>
-              <a:rPr lang="de-DE" sz="1300" dirty="0" err="1">
-                <a:effectLst/>
-              </a:rPr>
-              <a:t>models</a:t>
-            </a:r>
-            <a:r>
-              <a:rPr lang="de-DE" sz="1300" dirty="0">
-                <a:effectLst/>
-              </a:rPr>
-              <a:t>. </a:t>
-            </a:r>
-            <a:r>
-              <a:rPr lang="de-DE" sz="1300" i="1" dirty="0" err="1">
-                <a:effectLst/>
-              </a:rPr>
-              <a:t>Psychonomic</a:t>
-            </a:r>
-            <a:r>
-              <a:rPr lang="de-DE" sz="1300" i="1" dirty="0">
-                <a:effectLst/>
-              </a:rPr>
-              <a:t> Bulletin &amp; Review</a:t>
-            </a:r>
-            <a:r>
-              <a:rPr lang="de-DE" sz="1300" dirty="0">
-                <a:effectLst/>
-              </a:rPr>
-              <a:t>, </a:t>
-            </a:r>
-            <a:r>
-              <a:rPr lang="de-DE" sz="1300" i="1" dirty="0">
-                <a:effectLst/>
-              </a:rPr>
-              <a:t>26</a:t>
-            </a:r>
-            <a:r>
-              <a:rPr lang="de-DE" sz="1300" dirty="0">
-                <a:effectLst/>
-              </a:rPr>
-              <a:t>, 813–832.</a:t>
-            </a:r>
-          </a:p>
-          <a:p>
-            <a:pPr indent="457200"/>
-            <a:r>
-              <a:rPr lang="de-DE" sz="1300" dirty="0">
-                <a:effectLst/>
-              </a:rPr>
-              <a:t>Wieschen, E. M., Voss, A., &amp; </a:t>
-            </a:r>
-            <a:r>
-              <a:rPr lang="de-DE" sz="1300" dirty="0" err="1">
-                <a:effectLst/>
-              </a:rPr>
-              <a:t>Radev</a:t>
-            </a:r>
-            <a:r>
-              <a:rPr lang="de-DE" sz="1300" dirty="0">
-                <a:effectLst/>
-              </a:rPr>
-              <a:t>, S. (2020). Jumping </a:t>
-            </a:r>
-            <a:r>
-              <a:rPr lang="de-DE" sz="1300" dirty="0" err="1">
-                <a:effectLst/>
-              </a:rPr>
-              <a:t>to</a:t>
-            </a:r>
-            <a:r>
-              <a:rPr lang="de-DE" sz="1300" dirty="0">
-                <a:effectLst/>
-              </a:rPr>
-              <a:t> </a:t>
-            </a:r>
-            <a:r>
-              <a:rPr lang="de-DE" sz="1300" dirty="0" err="1">
-                <a:effectLst/>
-              </a:rPr>
-              <a:t>conclusion</a:t>
-            </a:r>
-            <a:r>
-              <a:rPr lang="de-DE" sz="1300" dirty="0">
-                <a:effectLst/>
-              </a:rPr>
-              <a:t>? A </a:t>
-            </a:r>
-            <a:r>
-              <a:rPr lang="de-DE" sz="1300" dirty="0" err="1">
-                <a:effectLst/>
-              </a:rPr>
-              <a:t>lévy</a:t>
-            </a:r>
-            <a:r>
-              <a:rPr lang="de-DE" sz="1300" dirty="0">
-                <a:effectLst/>
-              </a:rPr>
-              <a:t> </a:t>
-            </a:r>
-            <a:r>
-              <a:rPr lang="de-DE" sz="1300" dirty="0" err="1">
-                <a:effectLst/>
-              </a:rPr>
-              <a:t>flight</a:t>
-            </a:r>
-            <a:r>
-              <a:rPr lang="de-DE" sz="1300" dirty="0">
-                <a:effectLst/>
-              </a:rPr>
-              <a:t> </a:t>
-            </a:r>
-            <a:r>
-              <a:rPr lang="de-DE" sz="1300" dirty="0" err="1">
-                <a:effectLst/>
-              </a:rPr>
-              <a:t>model</a:t>
-            </a:r>
-            <a:r>
-              <a:rPr lang="de-DE" sz="1300" dirty="0">
-                <a:effectLst/>
-              </a:rPr>
-              <a:t> </a:t>
-            </a:r>
-            <a:r>
-              <a:rPr lang="de-DE" sz="1300" dirty="0" err="1">
-                <a:effectLst/>
-              </a:rPr>
-              <a:t>of</a:t>
-            </a:r>
-            <a:r>
-              <a:rPr lang="de-DE" sz="1300" dirty="0">
-                <a:effectLst/>
-              </a:rPr>
-              <a:t> </a:t>
-            </a:r>
-            <a:r>
-              <a:rPr lang="de-DE" sz="1300" dirty="0" err="1">
-                <a:effectLst/>
-              </a:rPr>
-              <a:t>decision</a:t>
-            </a:r>
-            <a:r>
-              <a:rPr lang="de-DE" sz="1300" dirty="0">
-                <a:effectLst/>
-              </a:rPr>
-              <a:t> </a:t>
-            </a:r>
-            <a:r>
-              <a:rPr lang="de-DE" sz="1300" dirty="0" err="1">
-                <a:effectLst/>
-              </a:rPr>
-              <a:t>making</a:t>
-            </a:r>
-            <a:r>
-              <a:rPr lang="de-DE" sz="1300" dirty="0">
-                <a:effectLst/>
-              </a:rPr>
-              <a:t>. </a:t>
-            </a:r>
-            <a:r>
-              <a:rPr lang="de-DE" sz="1300" i="1" dirty="0">
-                <a:effectLst/>
-              </a:rPr>
-              <a:t>The Quantitative Methods </a:t>
-            </a:r>
-            <a:r>
-              <a:rPr lang="de-DE" sz="1300" i="1" dirty="0" err="1">
-                <a:effectLst/>
-              </a:rPr>
-              <a:t>for</a:t>
-            </a:r>
-            <a:r>
-              <a:rPr lang="de-DE" sz="1300" i="1" dirty="0">
-                <a:effectLst/>
-              </a:rPr>
-              <a:t> </a:t>
-            </a:r>
-            <a:r>
-              <a:rPr lang="de-DE" sz="1300" i="1" dirty="0" err="1">
-                <a:effectLst/>
-              </a:rPr>
-              <a:t>Psychology</a:t>
-            </a:r>
-            <a:r>
-              <a:rPr lang="de-DE" sz="1300" dirty="0">
-                <a:effectLst/>
-              </a:rPr>
-              <a:t>, </a:t>
-            </a:r>
-            <a:r>
-              <a:rPr lang="de-DE" sz="1300" i="1" dirty="0">
-                <a:effectLst/>
-              </a:rPr>
-              <a:t>16</a:t>
-            </a:r>
-            <a:r>
-              <a:rPr lang="de-DE" sz="1300" dirty="0">
-                <a:effectLst/>
-              </a:rPr>
-              <a:t>(2), 120–132.</a:t>
-            </a:r>
-          </a:p>
-          <a:p>
-            <a:pPr indent="457200"/>
-            <a:endParaRPr lang="en-GB" sz="1300" dirty="0"/>
-          </a:p>
-        </p:txBody>
-      </p:sp>
-      <p:sp>
-        <p:nvSpPr>
-          <p:cNvPr id="4" name="Slide Number Placeholder 3">
-            <a:extLst>
-              <a:ext uri="{FF2B5EF4-FFF2-40B4-BE49-F238E27FC236}">
-                <a16:creationId xmlns:a16="http://schemas.microsoft.com/office/drawing/2014/main" id="{0137B619-D85A-444F-ACC7-5643511CB572}"/>
+                <a16:creationId xmlns:a16="http://schemas.microsoft.com/office/drawing/2014/main" id="{47F60390-EFB0-48AB-8A1D-0DBC3CB3839E}"/>
               </a:ext>
             </a:extLst>
           </p:cNvPr>
@@ -13145,7 +12187,7 @@
           <p:cNvPr id="5" name="Footer Placeholder 4">
             <a:extLst>
               <a:ext uri="{FF2B5EF4-FFF2-40B4-BE49-F238E27FC236}">
-                <a16:creationId xmlns:a16="http://schemas.microsoft.com/office/drawing/2014/main" id="{8D583B10-FE33-4120-953F-21B278068935}"/>
+                <a16:creationId xmlns:a16="http://schemas.microsoft.com/office/drawing/2014/main" id="{9750D3C8-DB7A-4BA6-B272-E0A442B96B60}"/>
               </a:ext>
             </a:extLst>
           </p:cNvPr>
@@ -13172,10 +12214,163 @@
           </a:p>
         </p:txBody>
       </p:sp>
+      <mc:AlternateContent xmlns:mc="http://schemas.openxmlformats.org/markup-compatibility/2006" xmlns:a14="http://schemas.microsoft.com/office/drawing/2010/main">
+        <mc:Choice Requires="a14">
+          <p:sp>
+            <p:nvSpPr>
+              <p:cNvPr id="8" name="TextBox 7">
+                <a:extLst>
+                  <a:ext uri="{FF2B5EF4-FFF2-40B4-BE49-F238E27FC236}">
+                    <a16:creationId xmlns:a16="http://schemas.microsoft.com/office/drawing/2014/main" id="{7837F6F1-44F6-4972-BB94-F25988537A8E}"/>
+                  </a:ext>
+                </a:extLst>
+              </p:cNvPr>
+              <p:cNvSpPr txBox="1"/>
+              <p:nvPr/>
+            </p:nvSpPr>
+            <p:spPr>
+              <a:xfrm>
+                <a:off x="3672309" y="5555957"/>
+                <a:ext cx="5256584" cy="323165"/>
+              </a:xfrm>
+              <a:prstGeom prst="rect">
+                <a:avLst/>
+              </a:prstGeom>
+              <a:noFill/>
+            </p:spPr>
+            <p:txBody>
+              <a:bodyPr wrap="square" rtlCol="0">
+                <a:spAutoFit/>
+              </a:bodyPr>
+              <a:lstStyle/>
+              <a:p>
+                <a14:m>
+                  <m:oMath xmlns:m="http://schemas.openxmlformats.org/officeDocument/2006/math">
+                    <m:r>
+                      <a:rPr lang="en-GB" b="0" i="1" smtClean="0">
+                        <a:latin typeface="Cambria Math" panose="02040503050406030204" pitchFamily="18" charset="0"/>
+                      </a:rPr>
+                      <m:t>𝜒</m:t>
+                    </m:r>
+                    <m:r>
+                      <a:rPr lang="en-GB" b="0" i="1" smtClean="0">
+                        <a:latin typeface="Cambria Math" panose="02040503050406030204" pitchFamily="18" charset="0"/>
+                      </a:rPr>
+                      <m:t>2 </m:t>
+                    </m:r>
+                  </m:oMath>
+                </a14:m>
+                <a:r>
+                  <a:rPr lang="el-GR" dirty="0"/>
+                  <a:t>(7</a:t>
+                </a:r>
+                <a:r>
+                  <a:rPr lang="en-GB" dirty="0"/>
+                  <a:t>4</a:t>
+                </a:r>
+                <a:r>
+                  <a:rPr lang="el-GR" dirty="0"/>
+                  <a:t>) = 1</a:t>
+                </a:r>
+                <a:r>
+                  <a:rPr lang="en-GB" dirty="0"/>
+                  <a:t>73.59</a:t>
+                </a:r>
+                <a:r>
+                  <a:rPr lang="el-GR" dirty="0"/>
+                  <a:t>, </a:t>
+                </a:r>
+                <a:r>
+                  <a:rPr lang="en-GB" dirty="0"/>
+                  <a:t>p &lt; .0001, CFI = 0.90, RMSEA = 0.10</a:t>
+                </a:r>
+              </a:p>
+            </p:txBody>
+          </p:sp>
+        </mc:Choice>
+        <mc:Fallback xmlns="">
+          <p:sp>
+            <p:nvSpPr>
+              <p:cNvPr id="8" name="TextBox 7">
+                <a:extLst>
+                  <a:ext uri="{FF2B5EF4-FFF2-40B4-BE49-F238E27FC236}">
+                    <a16:creationId xmlns:a16="http://schemas.microsoft.com/office/drawing/2014/main" id="{7837F6F1-44F6-4972-BB94-F25988537A8E}"/>
+                  </a:ext>
+                </a:extLst>
+              </p:cNvPr>
+              <p:cNvSpPr txBox="1">
+                <a:spLocks noRot="1" noChangeAspect="1" noMove="1" noResize="1" noEditPoints="1" noAdjustHandles="1" noChangeArrowheads="1" noChangeShapeType="1" noTextEdit="1"/>
+              </p:cNvSpPr>
+              <p:nvPr/>
+            </p:nvSpPr>
+            <p:spPr>
+              <a:xfrm>
+                <a:off x="3672309" y="5555957"/>
+                <a:ext cx="5256584" cy="323165"/>
+              </a:xfrm>
+              <a:prstGeom prst="rect">
+                <a:avLst/>
+              </a:prstGeom>
+              <a:blipFill>
+                <a:blip r:embed="rId2"/>
+                <a:stretch>
+                  <a:fillRect t="-3774" b="-20755"/>
+                </a:stretch>
+              </a:blipFill>
+            </p:spPr>
+            <p:txBody>
+              <a:bodyPr/>
+              <a:lstStyle/>
+              <a:p>
+                <a:r>
+                  <a:rPr lang="en-GB">
+                    <a:noFill/>
+                  </a:rPr>
+                  <a:t> </a:t>
+                </a:r>
+              </a:p>
+            </p:txBody>
+          </p:sp>
+        </mc:Fallback>
+      </mc:AlternateContent>
+      <p:pic>
+        <p:nvPicPr>
+          <p:cNvPr id="7" name="Content Placeholder 6">
+            <a:extLst>
+              <a:ext uri="{FF2B5EF4-FFF2-40B4-BE49-F238E27FC236}">
+                <a16:creationId xmlns:a16="http://schemas.microsoft.com/office/drawing/2014/main" id="{27866387-6587-4B59-BA55-570A7FBCC50E}"/>
+              </a:ext>
+            </a:extLst>
+          </p:cNvPr>
+          <p:cNvPicPr>
+            <a:picLocks noGrp="1" noChangeAspect="1"/>
+          </p:cNvPicPr>
+          <p:nvPr>
+            <p:ph idx="1"/>
+          </p:nvPr>
+        </p:nvPicPr>
+        <p:blipFill rotWithShape="1">
+          <a:blip r:embed="rId3">
+            <a:extLst>
+              <a:ext uri="{28A0092B-C50C-407E-A947-70E740481C1C}">
+                <a14:useLocalDpi xmlns:a14="http://schemas.microsoft.com/office/drawing/2010/main" val="0"/>
+              </a:ext>
+            </a:extLst>
+          </a:blip>
+          <a:srcRect l="5612" t="9653" r="6577" b="11416"/>
+          <a:stretch/>
+        </p:blipFill>
+        <p:spPr>
+          <a:xfrm>
+            <a:off x="431949" y="1511895"/>
+            <a:ext cx="7542642" cy="3813695"/>
+          </a:xfrm>
+        </p:spPr>
+      </p:pic>
     </p:spTree>
     <p:extLst>
       <p:ext uri="{BB962C8B-B14F-4D97-AF65-F5344CB8AC3E}">
-        <p14:creationId xmlns:p14="http://schemas.microsoft.com/office/powerpoint/2010/main" val="2098020814"/>
+        <p14:creationId xmlns:p14="http://schemas.microsoft.com/office/powerpoint/2010/main" val="2600783763"/>
       </p:ext>
     </p:extLst>
   </p:cSld>
@@ -13207,7 +12402,7 @@
           <p:cNvPr id="2" name="Title 1">
             <a:extLst>
               <a:ext uri="{FF2B5EF4-FFF2-40B4-BE49-F238E27FC236}">
-                <a16:creationId xmlns:a16="http://schemas.microsoft.com/office/drawing/2014/main" id="{1FC9893D-A041-4C43-BBDB-A41FD3CE7DBF}"/>
+                <a16:creationId xmlns:a16="http://schemas.microsoft.com/office/drawing/2014/main" id="{55F718FC-F914-47AE-8321-2E443A41B361}"/>
               </a:ext>
             </a:extLst>
           </p:cNvPr>
@@ -13225,52 +12420,18 @@
           <a:p>
             <a:r>
               <a:rPr lang="en-GB" dirty="0" err="1"/>
-              <a:t>Korrelationsmatrix</a:t>
+              <a:t>Ergebnisse</a:t>
             </a:r>
             <a:endParaRPr lang="en-GB" dirty="0"/>
           </a:p>
         </p:txBody>
       </p:sp>
-      <p:pic>
-        <p:nvPicPr>
-          <p:cNvPr id="7" name="Content Placeholder 6">
+      <p:sp>
+        <p:nvSpPr>
+          <p:cNvPr id="4" name="Slide Number Placeholder 3">
             <a:extLst>
               <a:ext uri="{FF2B5EF4-FFF2-40B4-BE49-F238E27FC236}">
-                <a16:creationId xmlns:a16="http://schemas.microsoft.com/office/drawing/2014/main" id="{9475ECD4-E6E9-4915-A536-1083E18CB291}"/>
-              </a:ext>
-            </a:extLst>
-          </p:cNvPr>
-          <p:cNvPicPr>
-            <a:picLocks noGrp="1" noChangeAspect="1"/>
-          </p:cNvPicPr>
-          <p:nvPr>
-            <p:ph idx="1"/>
-          </p:nvPr>
-        </p:nvPicPr>
-        <p:blipFill rotWithShape="1">
-          <a:blip r:embed="rId2">
-            <a:extLst>
-              <a:ext uri="{28A0092B-C50C-407E-A947-70E740481C1C}">
-                <a14:useLocalDpi xmlns:a14="http://schemas.microsoft.com/office/drawing/2010/main" val="0"/>
-              </a:ext>
-            </a:extLst>
-          </a:blip>
-          <a:srcRect l="28575" t="8411" r="27534" b="3785"/>
-          <a:stretch/>
-        </p:blipFill>
-        <p:spPr>
-          <a:xfrm>
-            <a:off x="1823285" y="1188569"/>
-            <a:ext cx="4994192" cy="4799356"/>
-          </a:xfrm>
-        </p:spPr>
-      </p:pic>
-      <p:sp>
-        <p:nvSpPr>
-          <p:cNvPr id="4" name="Slide Number Placeholder 3">
-            <a:extLst>
-              <a:ext uri="{FF2B5EF4-FFF2-40B4-BE49-F238E27FC236}">
-                <a16:creationId xmlns:a16="http://schemas.microsoft.com/office/drawing/2014/main" id="{85E6A3A9-2A54-4DA4-A52D-0FAA0714711E}"/>
+                <a16:creationId xmlns:a16="http://schemas.microsoft.com/office/drawing/2014/main" id="{47F60390-EFB0-48AB-8A1D-0DBC3CB3839E}"/>
               </a:ext>
             </a:extLst>
           </p:cNvPr>
@@ -13305,7 +12466,7 @@
           <p:cNvPr id="5" name="Footer Placeholder 4">
             <a:extLst>
               <a:ext uri="{FF2B5EF4-FFF2-40B4-BE49-F238E27FC236}">
-                <a16:creationId xmlns:a16="http://schemas.microsoft.com/office/drawing/2014/main" id="{F120ACAD-B4EB-45C6-96F0-6800F0C6FF8C}"/>
+                <a16:creationId xmlns:a16="http://schemas.microsoft.com/office/drawing/2014/main" id="{9750D3C8-DB7A-4BA6-B272-E0A442B96B60}"/>
               </a:ext>
             </a:extLst>
           </p:cNvPr>
@@ -13332,10 +12493,163 @@
           </a:p>
         </p:txBody>
       </p:sp>
+      <p:pic>
+        <p:nvPicPr>
+          <p:cNvPr id="7" name="Content Placeholder 6">
+            <a:extLst>
+              <a:ext uri="{FF2B5EF4-FFF2-40B4-BE49-F238E27FC236}">
+                <a16:creationId xmlns:a16="http://schemas.microsoft.com/office/drawing/2014/main" id="{E40F06B1-5CC0-46C6-8BD8-3EEEDB061452}"/>
+              </a:ext>
+            </a:extLst>
+          </p:cNvPr>
+          <p:cNvPicPr>
+            <a:picLocks noGrp="1" noChangeAspect="1"/>
+          </p:cNvPicPr>
+          <p:nvPr>
+            <p:ph idx="1"/>
+          </p:nvPr>
+        </p:nvPicPr>
+        <p:blipFill rotWithShape="1">
+          <a:blip r:embed="rId2">
+            <a:extLst>
+              <a:ext uri="{28A0092B-C50C-407E-A947-70E740481C1C}">
+                <a14:useLocalDpi xmlns:a14="http://schemas.microsoft.com/office/drawing/2010/main" val="0"/>
+              </a:ext>
+            </a:extLst>
+          </a:blip>
+          <a:srcRect l="5601" t="470" r="10534" b="-450"/>
+          <a:stretch/>
+        </p:blipFill>
+        <p:spPr>
+          <a:xfrm>
+            <a:off x="1008013" y="1208646"/>
+            <a:ext cx="6768751" cy="4539045"/>
+          </a:xfrm>
+        </p:spPr>
+      </p:pic>
+      <mc:AlternateContent xmlns:mc="http://schemas.openxmlformats.org/markup-compatibility/2006" xmlns:a14="http://schemas.microsoft.com/office/drawing/2010/main">
+        <mc:Choice Requires="a14">
+          <p:sp>
+            <p:nvSpPr>
+              <p:cNvPr id="8" name="TextBox 7">
+                <a:extLst>
+                  <a:ext uri="{FF2B5EF4-FFF2-40B4-BE49-F238E27FC236}">
+                    <a16:creationId xmlns:a16="http://schemas.microsoft.com/office/drawing/2014/main" id="{7837F6F1-44F6-4972-BB94-F25988537A8E}"/>
+                  </a:ext>
+                </a:extLst>
+              </p:cNvPr>
+              <p:cNvSpPr txBox="1"/>
+              <p:nvPr/>
+            </p:nvSpPr>
+            <p:spPr>
+              <a:xfrm>
+                <a:off x="3672309" y="5555957"/>
+                <a:ext cx="5256584" cy="323165"/>
+              </a:xfrm>
+              <a:prstGeom prst="rect">
+                <a:avLst/>
+              </a:prstGeom>
+              <a:noFill/>
+            </p:spPr>
+            <p:txBody>
+              <a:bodyPr wrap="square" rtlCol="0">
+                <a:spAutoFit/>
+              </a:bodyPr>
+              <a:lstStyle/>
+              <a:p>
+                <a14:m>
+                  <m:oMath xmlns:m="http://schemas.openxmlformats.org/officeDocument/2006/math">
+                    <m:r>
+                      <a:rPr lang="en-GB" b="0" i="1" smtClean="0">
+                        <a:latin typeface="Cambria Math" panose="02040503050406030204" pitchFamily="18" charset="0"/>
+                      </a:rPr>
+                      <m:t>𝜒</m:t>
+                    </m:r>
+                    <m:r>
+                      <a:rPr lang="en-GB" b="0" i="1" smtClean="0">
+                        <a:latin typeface="Cambria Math" panose="02040503050406030204" pitchFamily="18" charset="0"/>
+                      </a:rPr>
+                      <m:t>2 </m:t>
+                    </m:r>
+                  </m:oMath>
+                </a14:m>
+                <a:r>
+                  <a:rPr lang="el-GR" dirty="0"/>
+                  <a:t>(</a:t>
+                </a:r>
+                <a:r>
+                  <a:rPr lang="en-GB" dirty="0"/>
+                  <a:t>201</a:t>
+                </a:r>
+                <a:r>
+                  <a:rPr lang="el-GR" dirty="0"/>
+                  <a:t>) = </a:t>
+                </a:r>
+                <a:r>
+                  <a:rPr lang="en-GB" dirty="0"/>
+                  <a:t>413.64</a:t>
+                </a:r>
+                <a:r>
+                  <a:rPr lang="el-GR" dirty="0"/>
+                  <a:t>, </a:t>
+                </a:r>
+                <a:r>
+                  <a:rPr lang="en-GB" dirty="0"/>
+                  <a:t>p &lt; .0001, CFI = 0.85, RMSEA = 0.09</a:t>
+                </a:r>
+              </a:p>
+            </p:txBody>
+          </p:sp>
+        </mc:Choice>
+        <mc:Fallback xmlns="">
+          <p:sp>
+            <p:nvSpPr>
+              <p:cNvPr id="8" name="TextBox 7">
+                <a:extLst>
+                  <a:ext uri="{FF2B5EF4-FFF2-40B4-BE49-F238E27FC236}">
+                    <a16:creationId xmlns:a16="http://schemas.microsoft.com/office/drawing/2014/main" id="{7837F6F1-44F6-4972-BB94-F25988537A8E}"/>
+                  </a:ext>
+                </a:extLst>
+              </p:cNvPr>
+              <p:cNvSpPr txBox="1">
+                <a:spLocks noRot="1" noChangeAspect="1" noMove="1" noResize="1" noEditPoints="1" noAdjustHandles="1" noChangeArrowheads="1" noChangeShapeType="1" noTextEdit="1"/>
+              </p:cNvSpPr>
+              <p:nvPr/>
+            </p:nvSpPr>
+            <p:spPr>
+              <a:xfrm>
+                <a:off x="3672309" y="5555957"/>
+                <a:ext cx="5256584" cy="323165"/>
+              </a:xfrm>
+              <a:prstGeom prst="rect">
+                <a:avLst/>
+              </a:prstGeom>
+              <a:blipFill>
+                <a:blip r:embed="rId3"/>
+                <a:stretch>
+                  <a:fillRect t="-3774" b="-20755"/>
+                </a:stretch>
+              </a:blipFill>
+            </p:spPr>
+            <p:txBody>
+              <a:bodyPr/>
+              <a:lstStyle/>
+              <a:p>
+                <a:r>
+                  <a:rPr lang="en-GB">
+                    <a:noFill/>
+                  </a:rPr>
+                  <a:t> </a:t>
+                </a:r>
+              </a:p>
+            </p:txBody>
+          </p:sp>
+        </mc:Fallback>
+      </mc:AlternateContent>
     </p:spTree>
     <p:extLst>
       <p:ext uri="{BB962C8B-B14F-4D97-AF65-F5344CB8AC3E}">
-        <p14:creationId xmlns:p14="http://schemas.microsoft.com/office/powerpoint/2010/main" val="2906963703"/>
+        <p14:creationId xmlns:p14="http://schemas.microsoft.com/office/powerpoint/2010/main" val="1451834514"/>
       </p:ext>
     </p:extLst>
   </p:cSld>
@@ -13367,7 +12681,7 @@
           <p:cNvPr id="2" name="Title 1">
             <a:extLst>
               <a:ext uri="{FF2B5EF4-FFF2-40B4-BE49-F238E27FC236}">
-                <a16:creationId xmlns:a16="http://schemas.microsoft.com/office/drawing/2014/main" id="{5324BE47-D7E2-451B-BD63-7849D2924EF2}"/>
+                <a16:creationId xmlns:a16="http://schemas.microsoft.com/office/drawing/2014/main" id="{3F2F7E55-CE78-40A7-B5B6-2AC85CBDE4CB}"/>
               </a:ext>
             </a:extLst>
           </p:cNvPr>
@@ -13385,8 +12699,331 @@
           <a:p>
             <a:r>
               <a:rPr lang="en-GB" dirty="0"/>
-              <a:t>Model Checks: Bias</a:t>
-            </a:r>
+              <a:t>Was </a:t>
+            </a:r>
+            <a:r>
+              <a:rPr lang="en-GB" dirty="0" err="1"/>
+              <a:t>bedeutet</a:t>
+            </a:r>
+            <a:r>
+              <a:rPr lang="en-GB" dirty="0"/>
+              <a:t> das?</a:t>
+            </a:r>
+          </a:p>
+        </p:txBody>
+      </p:sp>
+      <p:sp>
+        <p:nvSpPr>
+          <p:cNvPr id="3" name="Content Placeholder 2">
+            <a:extLst>
+              <a:ext uri="{FF2B5EF4-FFF2-40B4-BE49-F238E27FC236}">
+                <a16:creationId xmlns:a16="http://schemas.microsoft.com/office/drawing/2014/main" id="{90B94075-D215-472B-BF6F-68425F881C32}"/>
+              </a:ext>
+            </a:extLst>
+          </p:cNvPr>
+          <p:cNvSpPr>
+            <a:spLocks noGrp="1"/>
+          </p:cNvSpPr>
+          <p:nvPr>
+            <p:ph idx="1"/>
+          </p:nvPr>
+        </p:nvSpPr>
+        <p:spPr/>
+        <p:txBody>
+          <a:bodyPr/>
+          <a:lstStyle/>
+          <a:p>
+            <a:r>
+              <a:rPr lang="en-GB" dirty="0"/>
+              <a:t>Negative </a:t>
+            </a:r>
+            <a:r>
+              <a:rPr lang="en-GB" dirty="0" err="1"/>
+              <a:t>Korrelation</a:t>
+            </a:r>
+            <a:r>
+              <a:rPr lang="en-GB" dirty="0"/>
+              <a:t> </a:t>
+            </a:r>
+            <a:r>
+              <a:rPr lang="en-GB" dirty="0" err="1"/>
+              <a:t>zwischen</a:t>
+            </a:r>
+            <a:r>
+              <a:rPr lang="en-GB" dirty="0"/>
+              <a:t> Alpha und </a:t>
+            </a:r>
+            <a:r>
+              <a:rPr lang="en-GB" i="1" dirty="0"/>
+              <a:t>g</a:t>
+            </a:r>
+          </a:p>
+          <a:p>
+            <a:endParaRPr lang="en-GB" i="1" dirty="0"/>
+          </a:p>
+          <a:p>
+            <a:r>
+              <a:rPr lang="en-GB" dirty="0" err="1"/>
+              <a:t>Personen</a:t>
+            </a:r>
+            <a:r>
+              <a:rPr lang="en-GB" dirty="0"/>
+              <a:t> </a:t>
+            </a:r>
+            <a:r>
+              <a:rPr lang="en-GB" dirty="0" err="1"/>
+              <a:t>mit</a:t>
+            </a:r>
+            <a:r>
+              <a:rPr lang="en-GB" dirty="0"/>
+              <a:t> </a:t>
+            </a:r>
+            <a:r>
+              <a:rPr lang="en-GB" dirty="0" err="1"/>
+              <a:t>höherer</a:t>
+            </a:r>
+            <a:r>
+              <a:rPr lang="en-GB" dirty="0"/>
+              <a:t> </a:t>
+            </a:r>
+            <a:r>
+              <a:rPr lang="en-GB" dirty="0" err="1"/>
+              <a:t>Intelligenz</a:t>
+            </a:r>
+            <a:r>
+              <a:rPr lang="en-GB" dirty="0"/>
+              <a:t> </a:t>
+            </a:r>
+            <a:r>
+              <a:rPr lang="en-GB" dirty="0" err="1"/>
+              <a:t>haben</a:t>
+            </a:r>
+            <a:r>
+              <a:rPr lang="en-GB" dirty="0"/>
+              <a:t> </a:t>
+            </a:r>
+            <a:r>
+              <a:rPr lang="en-GB" dirty="0" err="1"/>
+              <a:t>niedrigere</a:t>
+            </a:r>
+            <a:r>
+              <a:rPr lang="en-GB" dirty="0"/>
+              <a:t> </a:t>
+            </a:r>
+            <a:r>
+              <a:rPr lang="en-GB" dirty="0" err="1"/>
+              <a:t>Werte</a:t>
+            </a:r>
+            <a:r>
+              <a:rPr lang="en-GB" dirty="0"/>
+              <a:t> von alpha</a:t>
+            </a:r>
+          </a:p>
+          <a:p>
+            <a:pPr marL="342900" indent="-342900">
+              <a:buFont typeface="Wingdings" panose="05000000000000000000" pitchFamily="2" charset="2"/>
+              <a:buChar char="è"/>
+            </a:pPr>
+            <a:r>
+              <a:rPr lang="en-GB" dirty="0" err="1"/>
+              <a:t>Weniger</a:t>
+            </a:r>
+            <a:r>
+              <a:rPr lang="en-GB" dirty="0"/>
+              <a:t> </a:t>
+            </a:r>
+            <a:r>
+              <a:rPr lang="en-GB" dirty="0" err="1"/>
+              <a:t>Stabilität</a:t>
+            </a:r>
+            <a:r>
+              <a:rPr lang="en-GB" dirty="0"/>
+              <a:t>, </a:t>
+            </a:r>
+            <a:r>
+              <a:rPr lang="en-GB" dirty="0" err="1"/>
+              <a:t>d.h.</a:t>
+            </a:r>
+            <a:r>
+              <a:rPr lang="en-GB" dirty="0"/>
+              <a:t> </a:t>
+            </a:r>
+            <a:r>
+              <a:rPr lang="en-GB" dirty="0" err="1"/>
+              <a:t>mehr</a:t>
+            </a:r>
+            <a:r>
+              <a:rPr lang="en-GB" dirty="0"/>
+              <a:t> </a:t>
+            </a:r>
+            <a:r>
+              <a:rPr lang="en-GB" dirty="0" err="1"/>
+              <a:t>Sprünge</a:t>
+            </a:r>
+            <a:r>
+              <a:rPr lang="en-GB" dirty="0"/>
+              <a:t> in der </a:t>
+            </a:r>
+            <a:r>
+              <a:rPr lang="en-GB" dirty="0" err="1"/>
+              <a:t>Evidenzakkumulation</a:t>
+            </a:r>
+            <a:endParaRPr lang="en-GB" dirty="0"/>
+          </a:p>
+          <a:p>
+            <a:endParaRPr lang="en-GB" dirty="0"/>
+          </a:p>
+          <a:p>
+            <a:r>
+              <a:rPr lang="en-GB" dirty="0"/>
+              <a:t>Dies </a:t>
+            </a:r>
+            <a:r>
+              <a:rPr lang="en-GB" dirty="0" err="1"/>
+              <a:t>spricht</a:t>
+            </a:r>
+            <a:r>
+              <a:rPr lang="en-GB" dirty="0"/>
+              <a:t> für die </a:t>
+            </a:r>
+            <a:r>
+              <a:rPr lang="en-GB" i="1" dirty="0"/>
+              <a:t>efficient jumping </a:t>
+            </a:r>
+            <a:r>
+              <a:rPr lang="en-GB" dirty="0" err="1"/>
+              <a:t>Hypothese</a:t>
+            </a:r>
+            <a:endParaRPr lang="en-GB" dirty="0"/>
+          </a:p>
+          <a:p>
+            <a:endParaRPr lang="en-GB" dirty="0"/>
+          </a:p>
+          <a:p>
+            <a:r>
+              <a:rPr lang="en-GB" dirty="0"/>
+              <a:t>Aber: </a:t>
+            </a:r>
+            <a:r>
+              <a:rPr lang="en-GB" dirty="0" err="1"/>
+              <a:t>hier</a:t>
+            </a:r>
+            <a:r>
+              <a:rPr lang="en-GB" dirty="0"/>
+              <a:t> </a:t>
+            </a:r>
+            <a:r>
+              <a:rPr lang="en-GB" dirty="0" err="1"/>
+              <a:t>nur</a:t>
+            </a:r>
+            <a:r>
+              <a:rPr lang="en-GB" dirty="0"/>
+              <a:t> </a:t>
+            </a:r>
+            <a:r>
+              <a:rPr lang="en-GB" dirty="0" err="1"/>
+              <a:t>einfache</a:t>
+            </a:r>
+            <a:r>
+              <a:rPr lang="en-GB" dirty="0"/>
+              <a:t> </a:t>
+            </a:r>
+            <a:r>
+              <a:rPr lang="en-GB" dirty="0" err="1"/>
+              <a:t>Aufgaben</a:t>
+            </a:r>
+            <a:r>
+              <a:rPr lang="en-GB" dirty="0"/>
+              <a:t> </a:t>
+            </a:r>
+            <a:r>
+              <a:rPr lang="en-GB" dirty="0" err="1"/>
+              <a:t>betrachtet</a:t>
+            </a:r>
+            <a:r>
+              <a:rPr lang="en-GB" dirty="0"/>
+              <a:t>!</a:t>
+            </a:r>
+          </a:p>
+          <a:p>
+            <a:pPr marL="342900" indent="-342900">
+              <a:buFont typeface="Wingdings" panose="05000000000000000000" pitchFamily="2" charset="2"/>
+              <a:buChar char="è"/>
+            </a:pPr>
+            <a:r>
+              <a:rPr lang="en-GB" dirty="0"/>
+              <a:t>“</a:t>
+            </a:r>
+            <a:r>
+              <a:rPr lang="en-GB" dirty="0" err="1"/>
+              <a:t>Wer</a:t>
+            </a:r>
+            <a:r>
+              <a:rPr lang="en-GB" dirty="0"/>
+              <a:t> (</a:t>
+            </a:r>
+            <a:r>
+              <a:rPr lang="en-GB" dirty="0" err="1"/>
+              <a:t>bei</a:t>
+            </a:r>
+            <a:r>
+              <a:rPr lang="en-GB" dirty="0"/>
+              <a:t> </a:t>
+            </a:r>
+            <a:r>
+              <a:rPr lang="en-GB" dirty="0" err="1"/>
+              <a:t>einfachen</a:t>
+            </a:r>
+            <a:r>
+              <a:rPr lang="en-GB" dirty="0"/>
+              <a:t> </a:t>
+            </a:r>
+            <a:r>
+              <a:rPr lang="en-GB" dirty="0" err="1"/>
+              <a:t>Aufgaben</a:t>
+            </a:r>
+            <a:r>
+              <a:rPr lang="en-GB" dirty="0"/>
+              <a:t>) </a:t>
+            </a:r>
+            <a:r>
+              <a:rPr lang="en-GB" dirty="0" err="1"/>
+              <a:t>nicht</a:t>
+            </a:r>
+            <a:r>
+              <a:rPr lang="en-GB" dirty="0"/>
+              <a:t> </a:t>
+            </a:r>
+            <a:r>
+              <a:rPr lang="en-GB" dirty="0" err="1"/>
+              <a:t>hüpft</a:t>
+            </a:r>
+            <a:r>
+              <a:rPr lang="en-GB" dirty="0"/>
+              <a:t> </a:t>
+            </a:r>
+            <a:r>
+              <a:rPr lang="en-GB" dirty="0" err="1"/>
+              <a:t>ist</a:t>
+            </a:r>
+            <a:r>
+              <a:rPr lang="en-GB" dirty="0"/>
+              <a:t> </a:t>
+            </a:r>
+            <a:r>
+              <a:rPr lang="en-GB" dirty="0" err="1"/>
+              <a:t>Offenbacher</a:t>
+            </a:r>
+            <a:r>
+              <a:rPr lang="en-GB" dirty="0"/>
+              <a:t>”</a:t>
+            </a:r>
+          </a:p>
+          <a:p>
+            <a:endParaRPr lang="en-GB" dirty="0"/>
+          </a:p>
+          <a:p>
+            <a:endParaRPr lang="en-GB" dirty="0"/>
           </a:p>
         </p:txBody>
       </p:sp>
@@ -13395,7 +13032,7 @@
           <p:cNvPr id="4" name="Slide Number Placeholder 3">
             <a:extLst>
               <a:ext uri="{FF2B5EF4-FFF2-40B4-BE49-F238E27FC236}">
-                <a16:creationId xmlns:a16="http://schemas.microsoft.com/office/drawing/2014/main" id="{2616A68B-E1DE-430F-BFA1-C742BB75D719}"/>
+                <a16:creationId xmlns:a16="http://schemas.microsoft.com/office/drawing/2014/main" id="{11D63F32-D82E-48E2-974D-58E5C0A0962E}"/>
               </a:ext>
             </a:extLst>
           </p:cNvPr>
@@ -13420,6 +13057,1370 @@
                 <a:defRPr/>
               </a:pPr>
               <a:t>22</a:t>
+            </a:fld>
+            <a:endParaRPr lang="de-DE" altLang="de-DE" dirty="0"/>
+          </a:p>
+        </p:txBody>
+      </p:sp>
+      <p:sp>
+        <p:nvSpPr>
+          <p:cNvPr id="5" name="Footer Placeholder 4">
+            <a:extLst>
+              <a:ext uri="{FF2B5EF4-FFF2-40B4-BE49-F238E27FC236}">
+                <a16:creationId xmlns:a16="http://schemas.microsoft.com/office/drawing/2014/main" id="{D5E34673-0C27-48C5-9C51-49FB18ADCF5A}"/>
+              </a:ext>
+            </a:extLst>
+          </p:cNvPr>
+          <p:cNvSpPr>
+            <a:spLocks noGrp="1"/>
+          </p:cNvSpPr>
+          <p:nvPr>
+            <p:ph type="ftr" sz="quarter" idx="11"/>
+          </p:nvPr>
+        </p:nvSpPr>
+        <p:spPr/>
+        <p:txBody>
+          <a:bodyPr/>
+          <a:lstStyle/>
+          <a:p>
+            <a:pPr>
+              <a:defRPr/>
+            </a:pPr>
+            <a:r>
+              <a:rPr lang="de-DE"/>
+              <a:t>Alpha and Intelligence - Sven Lesche</a:t>
+            </a:r>
+            <a:endParaRPr lang="de-DE" dirty="0"/>
+          </a:p>
+        </p:txBody>
+      </p:sp>
+    </p:spTree>
+    <p:extLst>
+      <p:ext uri="{BB962C8B-B14F-4D97-AF65-F5344CB8AC3E}">
+        <p14:creationId xmlns:p14="http://schemas.microsoft.com/office/powerpoint/2010/main" val="878235353"/>
+      </p:ext>
+    </p:extLst>
+  </p:cSld>
+  <p:clrMapOvr>
+    <a:masterClrMapping/>
+  </p:clrMapOvr>
+  <p:timing>
+    <p:tnLst>
+      <p:par>
+        <p:cTn id="1" dur="indefinite" restart="never" nodeType="tmRoot">
+          <p:childTnLst>
+            <p:seq concurrent="1" nextAc="seek">
+              <p:cTn id="2" dur="indefinite" nodeType="mainSeq">
+                <p:childTnLst>
+                  <p:par>
+                    <p:cTn id="3" fill="hold">
+                      <p:stCondLst>
+                        <p:cond delay="indefinite"/>
+                      </p:stCondLst>
+                      <p:childTnLst>
+                        <p:par>
+                          <p:cTn id="4" fill="hold">
+                            <p:stCondLst>
+                              <p:cond delay="0"/>
+                            </p:stCondLst>
+                            <p:childTnLst>
+                              <p:par>
+                                <p:cTn id="5" presetID="1" presetClass="entr" presetSubtype="0" fill="hold" grpId="0" nodeType="clickEffect">
+                                  <p:stCondLst>
+                                    <p:cond delay="0"/>
+                                  </p:stCondLst>
+                                  <p:childTnLst>
+                                    <p:set>
+                                      <p:cBhvr>
+                                        <p:cTn id="6" dur="1" fill="hold">
+                                          <p:stCondLst>
+                                            <p:cond delay="0"/>
+                                          </p:stCondLst>
+                                        </p:cTn>
+                                        <p:tgtEl>
+                                          <p:spTgt spid="3">
+                                            <p:txEl>
+                                              <p:pRg st="0" end="0"/>
+                                            </p:txEl>
+                                          </p:spTgt>
+                                        </p:tgtEl>
+                                        <p:attrNameLst>
+                                          <p:attrName>style.visibility</p:attrName>
+                                        </p:attrNameLst>
+                                      </p:cBhvr>
+                                      <p:to>
+                                        <p:strVal val="visible"/>
+                                      </p:to>
+                                    </p:set>
+                                  </p:childTnLst>
+                                </p:cTn>
+                              </p:par>
+                            </p:childTnLst>
+                          </p:cTn>
+                        </p:par>
+                      </p:childTnLst>
+                    </p:cTn>
+                  </p:par>
+                  <p:par>
+                    <p:cTn id="7" fill="hold">
+                      <p:stCondLst>
+                        <p:cond delay="indefinite"/>
+                      </p:stCondLst>
+                      <p:childTnLst>
+                        <p:par>
+                          <p:cTn id="8" fill="hold">
+                            <p:stCondLst>
+                              <p:cond delay="0"/>
+                            </p:stCondLst>
+                            <p:childTnLst>
+                              <p:par>
+                                <p:cTn id="9" presetID="1" presetClass="entr" presetSubtype="0" fill="hold" grpId="0" nodeType="clickEffect">
+                                  <p:stCondLst>
+                                    <p:cond delay="0"/>
+                                  </p:stCondLst>
+                                  <p:childTnLst>
+                                    <p:set>
+                                      <p:cBhvr>
+                                        <p:cTn id="10" dur="1" fill="hold">
+                                          <p:stCondLst>
+                                            <p:cond delay="0"/>
+                                          </p:stCondLst>
+                                        </p:cTn>
+                                        <p:tgtEl>
+                                          <p:spTgt spid="3">
+                                            <p:txEl>
+                                              <p:pRg st="2" end="2"/>
+                                            </p:txEl>
+                                          </p:spTgt>
+                                        </p:tgtEl>
+                                        <p:attrNameLst>
+                                          <p:attrName>style.visibility</p:attrName>
+                                        </p:attrNameLst>
+                                      </p:cBhvr>
+                                      <p:to>
+                                        <p:strVal val="visible"/>
+                                      </p:to>
+                                    </p:set>
+                                  </p:childTnLst>
+                                </p:cTn>
+                              </p:par>
+                            </p:childTnLst>
+                          </p:cTn>
+                        </p:par>
+                      </p:childTnLst>
+                    </p:cTn>
+                  </p:par>
+                  <p:par>
+                    <p:cTn id="11" fill="hold">
+                      <p:stCondLst>
+                        <p:cond delay="indefinite"/>
+                      </p:stCondLst>
+                      <p:childTnLst>
+                        <p:par>
+                          <p:cTn id="12" fill="hold">
+                            <p:stCondLst>
+                              <p:cond delay="0"/>
+                            </p:stCondLst>
+                            <p:childTnLst>
+                              <p:par>
+                                <p:cTn id="13" presetID="1" presetClass="entr" presetSubtype="0" fill="hold" grpId="0" nodeType="clickEffect">
+                                  <p:stCondLst>
+                                    <p:cond delay="0"/>
+                                  </p:stCondLst>
+                                  <p:childTnLst>
+                                    <p:set>
+                                      <p:cBhvr>
+                                        <p:cTn id="14" dur="1" fill="hold">
+                                          <p:stCondLst>
+                                            <p:cond delay="0"/>
+                                          </p:stCondLst>
+                                        </p:cTn>
+                                        <p:tgtEl>
+                                          <p:spTgt spid="3">
+                                            <p:txEl>
+                                              <p:pRg st="3" end="3"/>
+                                            </p:txEl>
+                                          </p:spTgt>
+                                        </p:tgtEl>
+                                        <p:attrNameLst>
+                                          <p:attrName>style.visibility</p:attrName>
+                                        </p:attrNameLst>
+                                      </p:cBhvr>
+                                      <p:to>
+                                        <p:strVal val="visible"/>
+                                      </p:to>
+                                    </p:set>
+                                  </p:childTnLst>
+                                </p:cTn>
+                              </p:par>
+                            </p:childTnLst>
+                          </p:cTn>
+                        </p:par>
+                      </p:childTnLst>
+                    </p:cTn>
+                  </p:par>
+                  <p:par>
+                    <p:cTn id="15" fill="hold">
+                      <p:stCondLst>
+                        <p:cond delay="indefinite"/>
+                      </p:stCondLst>
+                      <p:childTnLst>
+                        <p:par>
+                          <p:cTn id="16" fill="hold">
+                            <p:stCondLst>
+                              <p:cond delay="0"/>
+                            </p:stCondLst>
+                            <p:childTnLst>
+                              <p:par>
+                                <p:cTn id="17" presetID="1" presetClass="entr" presetSubtype="0" fill="hold" grpId="0" nodeType="clickEffect">
+                                  <p:stCondLst>
+                                    <p:cond delay="0"/>
+                                  </p:stCondLst>
+                                  <p:childTnLst>
+                                    <p:set>
+                                      <p:cBhvr>
+                                        <p:cTn id="18" dur="1" fill="hold">
+                                          <p:stCondLst>
+                                            <p:cond delay="0"/>
+                                          </p:stCondLst>
+                                        </p:cTn>
+                                        <p:tgtEl>
+                                          <p:spTgt spid="3">
+                                            <p:txEl>
+                                              <p:pRg st="5" end="5"/>
+                                            </p:txEl>
+                                          </p:spTgt>
+                                        </p:tgtEl>
+                                        <p:attrNameLst>
+                                          <p:attrName>style.visibility</p:attrName>
+                                        </p:attrNameLst>
+                                      </p:cBhvr>
+                                      <p:to>
+                                        <p:strVal val="visible"/>
+                                      </p:to>
+                                    </p:set>
+                                  </p:childTnLst>
+                                </p:cTn>
+                              </p:par>
+                            </p:childTnLst>
+                          </p:cTn>
+                        </p:par>
+                      </p:childTnLst>
+                    </p:cTn>
+                  </p:par>
+                  <p:par>
+                    <p:cTn id="19" fill="hold">
+                      <p:stCondLst>
+                        <p:cond delay="indefinite"/>
+                      </p:stCondLst>
+                      <p:childTnLst>
+                        <p:par>
+                          <p:cTn id="20" fill="hold">
+                            <p:stCondLst>
+                              <p:cond delay="0"/>
+                            </p:stCondLst>
+                            <p:childTnLst>
+                              <p:par>
+                                <p:cTn id="21" presetID="1" presetClass="entr" presetSubtype="0" fill="hold" grpId="0" nodeType="clickEffect">
+                                  <p:stCondLst>
+                                    <p:cond delay="0"/>
+                                  </p:stCondLst>
+                                  <p:childTnLst>
+                                    <p:set>
+                                      <p:cBhvr>
+                                        <p:cTn id="22" dur="1" fill="hold">
+                                          <p:stCondLst>
+                                            <p:cond delay="0"/>
+                                          </p:stCondLst>
+                                        </p:cTn>
+                                        <p:tgtEl>
+                                          <p:spTgt spid="3">
+                                            <p:txEl>
+                                              <p:pRg st="7" end="7"/>
+                                            </p:txEl>
+                                          </p:spTgt>
+                                        </p:tgtEl>
+                                        <p:attrNameLst>
+                                          <p:attrName>style.visibility</p:attrName>
+                                        </p:attrNameLst>
+                                      </p:cBhvr>
+                                      <p:to>
+                                        <p:strVal val="visible"/>
+                                      </p:to>
+                                    </p:set>
+                                  </p:childTnLst>
+                                </p:cTn>
+                              </p:par>
+                            </p:childTnLst>
+                          </p:cTn>
+                        </p:par>
+                      </p:childTnLst>
+                    </p:cTn>
+                  </p:par>
+                  <p:par>
+                    <p:cTn id="23" fill="hold">
+                      <p:stCondLst>
+                        <p:cond delay="indefinite"/>
+                      </p:stCondLst>
+                      <p:childTnLst>
+                        <p:par>
+                          <p:cTn id="24" fill="hold">
+                            <p:stCondLst>
+                              <p:cond delay="0"/>
+                            </p:stCondLst>
+                            <p:childTnLst>
+                              <p:par>
+                                <p:cTn id="25" presetID="1" presetClass="entr" presetSubtype="0" fill="hold" grpId="0" nodeType="clickEffect">
+                                  <p:stCondLst>
+                                    <p:cond delay="0"/>
+                                  </p:stCondLst>
+                                  <p:childTnLst>
+                                    <p:set>
+                                      <p:cBhvr>
+                                        <p:cTn id="26" dur="1" fill="hold">
+                                          <p:stCondLst>
+                                            <p:cond delay="0"/>
+                                          </p:stCondLst>
+                                        </p:cTn>
+                                        <p:tgtEl>
+                                          <p:spTgt spid="3">
+                                            <p:txEl>
+                                              <p:pRg st="8" end="8"/>
+                                            </p:txEl>
+                                          </p:spTgt>
+                                        </p:tgtEl>
+                                        <p:attrNameLst>
+                                          <p:attrName>style.visibility</p:attrName>
+                                        </p:attrNameLst>
+                                      </p:cBhvr>
+                                      <p:to>
+                                        <p:strVal val="visible"/>
+                                      </p:to>
+                                    </p:set>
+                                  </p:childTnLst>
+                                </p:cTn>
+                              </p:par>
+                            </p:childTnLst>
+                          </p:cTn>
+                        </p:par>
+                      </p:childTnLst>
+                    </p:cTn>
+                  </p:par>
+                </p:childTnLst>
+              </p:cTn>
+              <p:prevCondLst>
+                <p:cond evt="onPrev" delay="0">
+                  <p:tgtEl>
+                    <p:sldTgt/>
+                  </p:tgtEl>
+                </p:cond>
+              </p:prevCondLst>
+              <p:nextCondLst>
+                <p:cond evt="onNext" delay="0">
+                  <p:tgtEl>
+                    <p:sldTgt/>
+                  </p:tgtEl>
+                </p:cond>
+              </p:nextCondLst>
+            </p:seq>
+          </p:childTnLst>
+        </p:cTn>
+      </p:par>
+    </p:tnLst>
+    <p:bldLst>
+      <p:bldP spid="3" grpId="0" build="p"/>
+    </p:bldLst>
+  </p:timing>
+</p:sld>
+</file>
+
+<file path=ppt/slides/slide23.xml><?xml version="1.0" encoding="utf-8"?>
+<p:sld xmlns:a="http://schemas.openxmlformats.org/drawingml/2006/main" xmlns:r="http://schemas.openxmlformats.org/officeDocument/2006/relationships" xmlns:p="http://schemas.openxmlformats.org/presentationml/2006/main">
+  <p:cSld>
+    <p:spTree>
+      <p:nvGrpSpPr>
+        <p:cNvPr id="1" name=""/>
+        <p:cNvGrpSpPr/>
+        <p:nvPr/>
+      </p:nvGrpSpPr>
+      <p:grpSpPr>
+        <a:xfrm>
+          <a:off x="0" y="0"/>
+          <a:ext cx="0" cy="0"/>
+          <a:chOff x="0" y="0"/>
+          <a:chExt cx="0" cy="0"/>
+        </a:xfrm>
+      </p:grpSpPr>
+      <p:sp>
+        <p:nvSpPr>
+          <p:cNvPr id="2" name="Title 1">
+            <a:extLst>
+              <a:ext uri="{FF2B5EF4-FFF2-40B4-BE49-F238E27FC236}">
+                <a16:creationId xmlns:a16="http://schemas.microsoft.com/office/drawing/2014/main" id="{D3B50BC0-6F8D-41F1-9CFA-7E46F5D89E68}"/>
+              </a:ext>
+            </a:extLst>
+          </p:cNvPr>
+          <p:cNvSpPr>
+            <a:spLocks noGrp="1"/>
+          </p:cNvSpPr>
+          <p:nvPr>
+            <p:ph type="title"/>
+          </p:nvPr>
+        </p:nvSpPr>
+        <p:spPr/>
+        <p:txBody>
+          <a:bodyPr/>
+          <a:lstStyle/>
+          <a:p>
+            <a:r>
+              <a:rPr lang="en-GB" dirty="0" err="1"/>
+              <a:t>Referenzen</a:t>
+            </a:r>
+            <a:endParaRPr lang="en-GB" dirty="0"/>
+          </a:p>
+        </p:txBody>
+      </p:sp>
+      <p:sp>
+        <p:nvSpPr>
+          <p:cNvPr id="3" name="Content Placeholder 2">
+            <a:extLst>
+              <a:ext uri="{FF2B5EF4-FFF2-40B4-BE49-F238E27FC236}">
+                <a16:creationId xmlns:a16="http://schemas.microsoft.com/office/drawing/2014/main" id="{7FE8FECA-6BCA-4541-B5A2-B70B410DBDD6}"/>
+              </a:ext>
+            </a:extLst>
+          </p:cNvPr>
+          <p:cNvSpPr>
+            <a:spLocks noGrp="1"/>
+          </p:cNvSpPr>
+          <p:nvPr>
+            <p:ph idx="1"/>
+          </p:nvPr>
+        </p:nvSpPr>
+        <p:spPr>
+          <a:xfrm>
+            <a:off x="287933" y="1223863"/>
+            <a:ext cx="8207375" cy="4105275"/>
+          </a:xfrm>
+        </p:spPr>
+        <p:txBody>
+          <a:bodyPr/>
+          <a:lstStyle/>
+          <a:p>
+            <a:pPr indent="457200"/>
+            <a:r>
+              <a:rPr lang="en-GB" sz="1300" dirty="0" err="1">
+                <a:effectLst/>
+              </a:rPr>
+              <a:t>Doebler</a:t>
+            </a:r>
+            <a:r>
+              <a:rPr lang="en-GB" sz="1300" dirty="0">
+                <a:effectLst/>
+              </a:rPr>
+              <a:t>, P., &amp; Scheffler, B. (2016). The relationship of choice reaction time variability and intelligence: A meta-analysis. </a:t>
+            </a:r>
+            <a:r>
+              <a:rPr lang="en-GB" sz="1300" i="1" dirty="0">
+                <a:effectLst/>
+              </a:rPr>
+              <a:t>Learning and Individual Differences</a:t>
+            </a:r>
+            <a:r>
+              <a:rPr lang="en-GB" sz="1300" dirty="0">
+                <a:effectLst/>
+              </a:rPr>
+              <a:t>, </a:t>
+            </a:r>
+            <a:r>
+              <a:rPr lang="en-GB" sz="1300" i="1" dirty="0">
+                <a:effectLst/>
+              </a:rPr>
+              <a:t>52</a:t>
+            </a:r>
+            <a:r>
+              <a:rPr lang="en-GB" sz="1300" dirty="0">
+                <a:effectLst/>
+              </a:rPr>
+              <a:t>, 157–166.</a:t>
+            </a:r>
+          </a:p>
+          <a:p>
+            <a:pPr indent="457200"/>
+            <a:r>
+              <a:rPr lang="en-GB" sz="1300" dirty="0">
+                <a:effectLst/>
+              </a:rPr>
+              <a:t>Jensen, A. R. (2006). </a:t>
+            </a:r>
+            <a:r>
+              <a:rPr lang="en-GB" sz="1300" i="1" dirty="0">
+                <a:effectLst/>
+              </a:rPr>
+              <a:t>Clocking the mind: Mental chronometry and individual differences</a:t>
+            </a:r>
+            <a:r>
+              <a:rPr lang="en-GB" sz="1300" dirty="0">
+                <a:effectLst/>
+              </a:rPr>
+              <a:t>. Elsevier.</a:t>
+            </a:r>
+          </a:p>
+          <a:p>
+            <a:pPr indent="457200"/>
+            <a:r>
+              <a:rPr lang="en-GB" sz="1300" dirty="0" err="1">
+                <a:effectLst/>
+              </a:rPr>
+              <a:t>Lerche</a:t>
+            </a:r>
+            <a:r>
+              <a:rPr lang="en-GB" sz="1300" dirty="0">
+                <a:effectLst/>
+              </a:rPr>
+              <a:t>, V., von Krause, M., Voss, A., </a:t>
+            </a:r>
+            <a:r>
+              <a:rPr lang="en-GB" sz="1300" dirty="0" err="1">
+                <a:effectLst/>
+              </a:rPr>
+              <a:t>Frischkorn</a:t>
+            </a:r>
+            <a:r>
+              <a:rPr lang="en-GB" sz="1300" dirty="0">
+                <a:effectLst/>
+              </a:rPr>
+              <a:t>, G. T., Schubert, A.-L., &amp; Hagemann, D. (2020). Diffusion </a:t>
+            </a:r>
+            <a:r>
+              <a:rPr lang="en-GB" sz="1300" dirty="0" err="1">
+                <a:effectLst/>
+              </a:rPr>
+              <a:t>modeling</a:t>
+            </a:r>
+            <a:r>
+              <a:rPr lang="en-GB" sz="1300" dirty="0">
+                <a:effectLst/>
+              </a:rPr>
+              <a:t> and intelligence: Drift rates show both domain-general and domain-specific relations with intelligence. </a:t>
+            </a:r>
+            <a:r>
+              <a:rPr lang="en-GB" sz="1300" i="1" dirty="0">
+                <a:effectLst/>
+              </a:rPr>
+              <a:t>Journal of Experimental Psychology: General</a:t>
+            </a:r>
+            <a:r>
+              <a:rPr lang="en-GB" sz="1300" dirty="0">
+                <a:effectLst/>
+              </a:rPr>
+              <a:t>, </a:t>
+            </a:r>
+            <a:r>
+              <a:rPr lang="en-GB" sz="1300" i="1" dirty="0">
+                <a:effectLst/>
+              </a:rPr>
+              <a:t>149</a:t>
+            </a:r>
+            <a:r>
+              <a:rPr lang="en-GB" sz="1300" dirty="0">
+                <a:effectLst/>
+              </a:rPr>
+              <a:t>(12), 2207.</a:t>
+            </a:r>
+          </a:p>
+          <a:p>
+            <a:pPr indent="457200"/>
+            <a:r>
+              <a:rPr lang="en-GB" sz="1300" dirty="0" err="1">
+                <a:effectLst/>
+              </a:rPr>
+              <a:t>Schmiedek</a:t>
+            </a:r>
+            <a:r>
+              <a:rPr lang="en-GB" sz="1300" dirty="0">
+                <a:effectLst/>
+              </a:rPr>
+              <a:t>, F., </a:t>
+            </a:r>
+            <a:r>
+              <a:rPr lang="en-GB" sz="1300" dirty="0" err="1">
+                <a:effectLst/>
+              </a:rPr>
+              <a:t>Oberauer</a:t>
+            </a:r>
+            <a:r>
+              <a:rPr lang="en-GB" sz="1300" dirty="0">
+                <a:effectLst/>
+              </a:rPr>
+              <a:t>, K., Wilhelm, O., </a:t>
+            </a:r>
+            <a:r>
+              <a:rPr lang="en-GB" sz="1300" dirty="0" err="1">
+                <a:effectLst/>
+              </a:rPr>
+              <a:t>Süß</a:t>
+            </a:r>
+            <a:r>
+              <a:rPr lang="en-GB" sz="1300" dirty="0">
+                <a:effectLst/>
+              </a:rPr>
+              <a:t>, H.-M., &amp; Wittmann, W. W. (2007). Individual differences in components of reaction time distributions and their relations to working memory and intelligence. </a:t>
+            </a:r>
+            <a:r>
+              <a:rPr lang="en-GB" sz="1300" i="1" dirty="0">
+                <a:effectLst/>
+              </a:rPr>
+              <a:t>Journal of Experimental Psychology: General</a:t>
+            </a:r>
+            <a:r>
+              <a:rPr lang="en-GB" sz="1300" dirty="0">
+                <a:effectLst/>
+              </a:rPr>
+              <a:t>, </a:t>
+            </a:r>
+            <a:r>
+              <a:rPr lang="en-GB" sz="1300" i="1" dirty="0">
+                <a:effectLst/>
+              </a:rPr>
+              <a:t>136</a:t>
+            </a:r>
+            <a:r>
+              <a:rPr lang="en-GB" sz="1300" dirty="0">
+                <a:effectLst/>
+              </a:rPr>
+              <a:t>(3), 414.</a:t>
+            </a:r>
+          </a:p>
+          <a:p>
+            <a:pPr indent="457200"/>
+            <a:r>
+              <a:rPr lang="en-GB" sz="1300" dirty="0">
+                <a:effectLst/>
+              </a:rPr>
+              <a:t>Schubert, A.-L., Hagemann, D., &amp; </a:t>
+            </a:r>
+            <a:r>
+              <a:rPr lang="en-GB" sz="1300" dirty="0" err="1">
+                <a:effectLst/>
+              </a:rPr>
+              <a:t>Frischkorn</a:t>
+            </a:r>
+            <a:r>
+              <a:rPr lang="en-GB" sz="1300" dirty="0">
+                <a:effectLst/>
+              </a:rPr>
+              <a:t>, G. T. (2017). Is general intelligence little more than the speed of higher-order processing? </a:t>
+            </a:r>
+            <a:r>
+              <a:rPr lang="en-GB" sz="1300" i="1" dirty="0">
+                <a:effectLst/>
+              </a:rPr>
+              <a:t>Journal of Experimental Psychology: General</a:t>
+            </a:r>
+            <a:r>
+              <a:rPr lang="en-GB" sz="1300" dirty="0">
+                <a:effectLst/>
+              </a:rPr>
+              <a:t>, </a:t>
+            </a:r>
+            <a:r>
+              <a:rPr lang="en-GB" sz="1300" i="1" dirty="0">
+                <a:effectLst/>
+              </a:rPr>
+              <a:t>146</a:t>
+            </a:r>
+            <a:r>
+              <a:rPr lang="en-GB" sz="1300" dirty="0">
+                <a:effectLst/>
+              </a:rPr>
+              <a:t>(10), 1498–1512. </a:t>
+            </a:r>
+            <a:r>
+              <a:rPr lang="en-GB" sz="1300" dirty="0">
+                <a:effectLst/>
+                <a:hlinkClick r:id="rId2"/>
+              </a:rPr>
+              <a:t>https://doi.org/10.1037/xge0000325.supp</a:t>
+            </a:r>
+            <a:endParaRPr lang="en-GB" sz="1300" dirty="0">
+              <a:effectLst/>
+            </a:endParaRPr>
+          </a:p>
+          <a:p>
+            <a:pPr indent="457200"/>
+            <a:r>
+              <a:rPr lang="en-GB" sz="1300" dirty="0">
+                <a:effectLst/>
+              </a:rPr>
+              <a:t>Sheppard, L. D., &amp; Vernon, P. A. (2008). Intelligence and speed of information-processing: A review of 50 years of research. </a:t>
+            </a:r>
+            <a:r>
+              <a:rPr lang="en-GB" sz="1300" i="1" dirty="0">
+                <a:effectLst/>
+              </a:rPr>
+              <a:t>Personality and Individual Differences</a:t>
+            </a:r>
+            <a:r>
+              <a:rPr lang="en-GB" sz="1300" dirty="0">
+                <a:effectLst/>
+              </a:rPr>
+              <a:t>, </a:t>
+            </a:r>
+            <a:r>
+              <a:rPr lang="en-GB" sz="1300" i="1" dirty="0">
+                <a:effectLst/>
+              </a:rPr>
+              <a:t>44</a:t>
+            </a:r>
+            <a:r>
+              <a:rPr lang="en-GB" sz="1300" dirty="0">
+                <a:effectLst/>
+              </a:rPr>
+              <a:t>(3), 535–551.</a:t>
+            </a:r>
+            <a:endParaRPr lang="de-DE" sz="1300" dirty="0">
+              <a:effectLst/>
+            </a:endParaRPr>
+          </a:p>
+          <a:p>
+            <a:pPr indent="457200"/>
+            <a:r>
+              <a:rPr lang="de-DE" sz="1300" dirty="0">
+                <a:effectLst/>
+              </a:rPr>
+              <a:t>Voss, A., Lerche, V., Mertens, U., &amp; Voss, J. (2019). </a:t>
+            </a:r>
+            <a:r>
+              <a:rPr lang="de-DE" sz="1300" dirty="0" err="1">
+                <a:effectLst/>
+              </a:rPr>
+              <a:t>Sequential</a:t>
+            </a:r>
+            <a:r>
+              <a:rPr lang="de-DE" sz="1300" dirty="0">
+                <a:effectLst/>
+              </a:rPr>
+              <a:t> </a:t>
+            </a:r>
+            <a:r>
+              <a:rPr lang="de-DE" sz="1300" dirty="0" err="1">
+                <a:effectLst/>
+              </a:rPr>
+              <a:t>sampling</a:t>
+            </a:r>
+            <a:r>
+              <a:rPr lang="de-DE" sz="1300" dirty="0">
+                <a:effectLst/>
+              </a:rPr>
+              <a:t> </a:t>
+            </a:r>
+            <a:r>
+              <a:rPr lang="de-DE" sz="1300" dirty="0" err="1">
+                <a:effectLst/>
+              </a:rPr>
+              <a:t>models</a:t>
+            </a:r>
+            <a:r>
+              <a:rPr lang="de-DE" sz="1300" dirty="0">
+                <a:effectLst/>
+              </a:rPr>
+              <a:t> </a:t>
+            </a:r>
+            <a:r>
+              <a:rPr lang="de-DE" sz="1300" dirty="0" err="1">
+                <a:effectLst/>
+              </a:rPr>
+              <a:t>with</a:t>
+            </a:r>
+            <a:r>
+              <a:rPr lang="de-DE" sz="1300" dirty="0">
+                <a:effectLst/>
+              </a:rPr>
+              <a:t> variable </a:t>
+            </a:r>
+            <a:r>
+              <a:rPr lang="de-DE" sz="1300" dirty="0" err="1">
+                <a:effectLst/>
+              </a:rPr>
+              <a:t>boundaries</a:t>
+            </a:r>
+            <a:r>
+              <a:rPr lang="de-DE" sz="1300" dirty="0">
+                <a:effectLst/>
+              </a:rPr>
+              <a:t> and non-normal </a:t>
+            </a:r>
+            <a:r>
+              <a:rPr lang="de-DE" sz="1300" dirty="0" err="1">
+                <a:effectLst/>
+              </a:rPr>
+              <a:t>noise</a:t>
+            </a:r>
+            <a:r>
+              <a:rPr lang="de-DE" sz="1300" dirty="0">
+                <a:effectLst/>
+              </a:rPr>
+              <a:t>: A </a:t>
+            </a:r>
+            <a:r>
+              <a:rPr lang="de-DE" sz="1300" dirty="0" err="1">
+                <a:effectLst/>
+              </a:rPr>
+              <a:t>comparison</a:t>
+            </a:r>
+            <a:r>
+              <a:rPr lang="de-DE" sz="1300" dirty="0">
+                <a:effectLst/>
+              </a:rPr>
+              <a:t> </a:t>
+            </a:r>
+            <a:r>
+              <a:rPr lang="de-DE" sz="1300" dirty="0" err="1">
+                <a:effectLst/>
+              </a:rPr>
+              <a:t>of</a:t>
+            </a:r>
+            <a:r>
+              <a:rPr lang="de-DE" sz="1300" dirty="0">
+                <a:effectLst/>
+              </a:rPr>
+              <a:t> </a:t>
+            </a:r>
+            <a:r>
+              <a:rPr lang="de-DE" sz="1300" dirty="0" err="1">
+                <a:effectLst/>
+              </a:rPr>
+              <a:t>six</a:t>
+            </a:r>
+            <a:r>
+              <a:rPr lang="de-DE" sz="1300" dirty="0">
+                <a:effectLst/>
+              </a:rPr>
+              <a:t> </a:t>
+            </a:r>
+            <a:r>
+              <a:rPr lang="de-DE" sz="1300" dirty="0" err="1">
+                <a:effectLst/>
+              </a:rPr>
+              <a:t>models</a:t>
+            </a:r>
+            <a:r>
+              <a:rPr lang="de-DE" sz="1300" dirty="0">
+                <a:effectLst/>
+              </a:rPr>
+              <a:t>. </a:t>
+            </a:r>
+            <a:r>
+              <a:rPr lang="de-DE" sz="1300" i="1" dirty="0" err="1">
+                <a:effectLst/>
+              </a:rPr>
+              <a:t>Psychonomic</a:t>
+            </a:r>
+            <a:r>
+              <a:rPr lang="de-DE" sz="1300" i="1" dirty="0">
+                <a:effectLst/>
+              </a:rPr>
+              <a:t> Bulletin &amp; Review</a:t>
+            </a:r>
+            <a:r>
+              <a:rPr lang="de-DE" sz="1300" dirty="0">
+                <a:effectLst/>
+              </a:rPr>
+              <a:t>, </a:t>
+            </a:r>
+            <a:r>
+              <a:rPr lang="de-DE" sz="1300" i="1" dirty="0">
+                <a:effectLst/>
+              </a:rPr>
+              <a:t>26</a:t>
+            </a:r>
+            <a:r>
+              <a:rPr lang="de-DE" sz="1300" dirty="0">
+                <a:effectLst/>
+              </a:rPr>
+              <a:t>, 813–832.</a:t>
+            </a:r>
+          </a:p>
+          <a:p>
+            <a:pPr indent="457200"/>
+            <a:r>
+              <a:rPr lang="de-DE" sz="1300" dirty="0">
+                <a:effectLst/>
+              </a:rPr>
+              <a:t>Wieschen, E. M., Voss, A., &amp; </a:t>
+            </a:r>
+            <a:r>
+              <a:rPr lang="de-DE" sz="1300" dirty="0" err="1">
+                <a:effectLst/>
+              </a:rPr>
+              <a:t>Radev</a:t>
+            </a:r>
+            <a:r>
+              <a:rPr lang="de-DE" sz="1300" dirty="0">
+                <a:effectLst/>
+              </a:rPr>
+              <a:t>, S. (2020). Jumping </a:t>
+            </a:r>
+            <a:r>
+              <a:rPr lang="de-DE" sz="1300" dirty="0" err="1">
+                <a:effectLst/>
+              </a:rPr>
+              <a:t>to</a:t>
+            </a:r>
+            <a:r>
+              <a:rPr lang="de-DE" sz="1300" dirty="0">
+                <a:effectLst/>
+              </a:rPr>
+              <a:t> </a:t>
+            </a:r>
+            <a:r>
+              <a:rPr lang="de-DE" sz="1300" dirty="0" err="1">
+                <a:effectLst/>
+              </a:rPr>
+              <a:t>conclusion</a:t>
+            </a:r>
+            <a:r>
+              <a:rPr lang="de-DE" sz="1300" dirty="0">
+                <a:effectLst/>
+              </a:rPr>
+              <a:t>? A </a:t>
+            </a:r>
+            <a:r>
+              <a:rPr lang="de-DE" sz="1300" dirty="0" err="1">
+                <a:effectLst/>
+              </a:rPr>
+              <a:t>lévy</a:t>
+            </a:r>
+            <a:r>
+              <a:rPr lang="de-DE" sz="1300" dirty="0">
+                <a:effectLst/>
+              </a:rPr>
+              <a:t> </a:t>
+            </a:r>
+            <a:r>
+              <a:rPr lang="de-DE" sz="1300" dirty="0" err="1">
+                <a:effectLst/>
+              </a:rPr>
+              <a:t>flight</a:t>
+            </a:r>
+            <a:r>
+              <a:rPr lang="de-DE" sz="1300" dirty="0">
+                <a:effectLst/>
+              </a:rPr>
+              <a:t> </a:t>
+            </a:r>
+            <a:r>
+              <a:rPr lang="de-DE" sz="1300" dirty="0" err="1">
+                <a:effectLst/>
+              </a:rPr>
+              <a:t>model</a:t>
+            </a:r>
+            <a:r>
+              <a:rPr lang="de-DE" sz="1300" dirty="0">
+                <a:effectLst/>
+              </a:rPr>
+              <a:t> </a:t>
+            </a:r>
+            <a:r>
+              <a:rPr lang="de-DE" sz="1300" dirty="0" err="1">
+                <a:effectLst/>
+              </a:rPr>
+              <a:t>of</a:t>
+            </a:r>
+            <a:r>
+              <a:rPr lang="de-DE" sz="1300" dirty="0">
+                <a:effectLst/>
+              </a:rPr>
+              <a:t> </a:t>
+            </a:r>
+            <a:r>
+              <a:rPr lang="de-DE" sz="1300" dirty="0" err="1">
+                <a:effectLst/>
+              </a:rPr>
+              <a:t>decision</a:t>
+            </a:r>
+            <a:r>
+              <a:rPr lang="de-DE" sz="1300" dirty="0">
+                <a:effectLst/>
+              </a:rPr>
+              <a:t> </a:t>
+            </a:r>
+            <a:r>
+              <a:rPr lang="de-DE" sz="1300" dirty="0" err="1">
+                <a:effectLst/>
+              </a:rPr>
+              <a:t>making</a:t>
+            </a:r>
+            <a:r>
+              <a:rPr lang="de-DE" sz="1300" dirty="0">
+                <a:effectLst/>
+              </a:rPr>
+              <a:t>. </a:t>
+            </a:r>
+            <a:r>
+              <a:rPr lang="de-DE" sz="1300" i="1" dirty="0">
+                <a:effectLst/>
+              </a:rPr>
+              <a:t>The Quantitative Methods </a:t>
+            </a:r>
+            <a:r>
+              <a:rPr lang="de-DE" sz="1300" i="1" dirty="0" err="1">
+                <a:effectLst/>
+              </a:rPr>
+              <a:t>for</a:t>
+            </a:r>
+            <a:r>
+              <a:rPr lang="de-DE" sz="1300" i="1" dirty="0">
+                <a:effectLst/>
+              </a:rPr>
+              <a:t> </a:t>
+            </a:r>
+            <a:r>
+              <a:rPr lang="de-DE" sz="1300" i="1" dirty="0" err="1">
+                <a:effectLst/>
+              </a:rPr>
+              <a:t>Psychology</a:t>
+            </a:r>
+            <a:r>
+              <a:rPr lang="de-DE" sz="1300" dirty="0">
+                <a:effectLst/>
+              </a:rPr>
+              <a:t>, </a:t>
+            </a:r>
+            <a:r>
+              <a:rPr lang="de-DE" sz="1300" i="1" dirty="0">
+                <a:effectLst/>
+              </a:rPr>
+              <a:t>16</a:t>
+            </a:r>
+            <a:r>
+              <a:rPr lang="de-DE" sz="1300" dirty="0">
+                <a:effectLst/>
+              </a:rPr>
+              <a:t>(2), 120–132.</a:t>
+            </a:r>
+          </a:p>
+          <a:p>
+            <a:pPr indent="457200"/>
+            <a:endParaRPr lang="en-GB" sz="1300" dirty="0"/>
+          </a:p>
+        </p:txBody>
+      </p:sp>
+      <p:sp>
+        <p:nvSpPr>
+          <p:cNvPr id="4" name="Slide Number Placeholder 3">
+            <a:extLst>
+              <a:ext uri="{FF2B5EF4-FFF2-40B4-BE49-F238E27FC236}">
+                <a16:creationId xmlns:a16="http://schemas.microsoft.com/office/drawing/2014/main" id="{0137B619-D85A-444F-ACC7-5643511CB572}"/>
+              </a:ext>
+            </a:extLst>
+          </p:cNvPr>
+          <p:cNvSpPr>
+            <a:spLocks noGrp="1"/>
+          </p:cNvSpPr>
+          <p:nvPr>
+            <p:ph type="sldNum" sz="quarter" idx="10"/>
+          </p:nvPr>
+        </p:nvSpPr>
+        <p:spPr/>
+        <p:txBody>
+          <a:bodyPr/>
+          <a:lstStyle/>
+          <a:p>
+            <a:pPr>
+              <a:defRPr/>
+            </a:pPr>
+            <a:fld id="{BFD7839F-DA5C-4C13-94BA-0DC1947AAA90}" type="slidenum">
+              <a:rPr lang="de-DE" altLang="de-DE" smtClean="0"/>
+              <a:pPr>
+                <a:defRPr/>
+              </a:pPr>
+              <a:t>23</a:t>
+            </a:fld>
+            <a:endParaRPr lang="de-DE" altLang="de-DE" dirty="0"/>
+          </a:p>
+        </p:txBody>
+      </p:sp>
+      <p:sp>
+        <p:nvSpPr>
+          <p:cNvPr id="5" name="Footer Placeholder 4">
+            <a:extLst>
+              <a:ext uri="{FF2B5EF4-FFF2-40B4-BE49-F238E27FC236}">
+                <a16:creationId xmlns:a16="http://schemas.microsoft.com/office/drawing/2014/main" id="{8D583B10-FE33-4120-953F-21B278068935}"/>
+              </a:ext>
+            </a:extLst>
+          </p:cNvPr>
+          <p:cNvSpPr>
+            <a:spLocks noGrp="1"/>
+          </p:cNvSpPr>
+          <p:nvPr>
+            <p:ph type="ftr" sz="quarter" idx="11"/>
+          </p:nvPr>
+        </p:nvSpPr>
+        <p:spPr/>
+        <p:txBody>
+          <a:bodyPr/>
+          <a:lstStyle/>
+          <a:p>
+            <a:pPr>
+              <a:defRPr/>
+            </a:pPr>
+            <a:r>
+              <a:rPr lang="de-DE"/>
+              <a:t>Alpha and Intelligence - Sven Lesche</a:t>
+            </a:r>
+            <a:endParaRPr lang="de-DE" dirty="0"/>
+          </a:p>
+        </p:txBody>
+      </p:sp>
+    </p:spTree>
+    <p:extLst>
+      <p:ext uri="{BB962C8B-B14F-4D97-AF65-F5344CB8AC3E}">
+        <p14:creationId xmlns:p14="http://schemas.microsoft.com/office/powerpoint/2010/main" val="2098020814"/>
+      </p:ext>
+    </p:extLst>
+  </p:cSld>
+  <p:clrMapOvr>
+    <a:masterClrMapping/>
+  </p:clrMapOvr>
+</p:sld>
+</file>
+
+<file path=ppt/slides/slide24.xml><?xml version="1.0" encoding="utf-8"?>
+<p:sld xmlns:a="http://schemas.openxmlformats.org/drawingml/2006/main" xmlns:r="http://schemas.openxmlformats.org/officeDocument/2006/relationships" xmlns:p="http://schemas.openxmlformats.org/presentationml/2006/main">
+  <p:cSld>
+    <p:spTree>
+      <p:nvGrpSpPr>
+        <p:cNvPr id="1" name=""/>
+        <p:cNvGrpSpPr/>
+        <p:nvPr/>
+      </p:nvGrpSpPr>
+      <p:grpSpPr>
+        <a:xfrm>
+          <a:off x="0" y="0"/>
+          <a:ext cx="0" cy="0"/>
+          <a:chOff x="0" y="0"/>
+          <a:chExt cx="0" cy="0"/>
+        </a:xfrm>
+      </p:grpSpPr>
+      <p:sp>
+        <p:nvSpPr>
+          <p:cNvPr id="2" name="Title 1">
+            <a:extLst>
+              <a:ext uri="{FF2B5EF4-FFF2-40B4-BE49-F238E27FC236}">
+                <a16:creationId xmlns:a16="http://schemas.microsoft.com/office/drawing/2014/main" id="{1FC9893D-A041-4C43-BBDB-A41FD3CE7DBF}"/>
+              </a:ext>
+            </a:extLst>
+          </p:cNvPr>
+          <p:cNvSpPr>
+            <a:spLocks noGrp="1"/>
+          </p:cNvSpPr>
+          <p:nvPr>
+            <p:ph type="title"/>
+          </p:nvPr>
+        </p:nvSpPr>
+        <p:spPr/>
+        <p:txBody>
+          <a:bodyPr/>
+          <a:lstStyle/>
+          <a:p>
+            <a:r>
+              <a:rPr lang="en-GB" dirty="0" err="1"/>
+              <a:t>Korrelationsmatrix</a:t>
+            </a:r>
+            <a:endParaRPr lang="en-GB" dirty="0"/>
+          </a:p>
+        </p:txBody>
+      </p:sp>
+      <p:pic>
+        <p:nvPicPr>
+          <p:cNvPr id="7" name="Content Placeholder 6">
+            <a:extLst>
+              <a:ext uri="{FF2B5EF4-FFF2-40B4-BE49-F238E27FC236}">
+                <a16:creationId xmlns:a16="http://schemas.microsoft.com/office/drawing/2014/main" id="{9475ECD4-E6E9-4915-A536-1083E18CB291}"/>
+              </a:ext>
+            </a:extLst>
+          </p:cNvPr>
+          <p:cNvPicPr>
+            <a:picLocks noGrp="1" noChangeAspect="1"/>
+          </p:cNvPicPr>
+          <p:nvPr>
+            <p:ph idx="1"/>
+          </p:nvPr>
+        </p:nvPicPr>
+        <p:blipFill rotWithShape="1">
+          <a:blip r:embed="rId2">
+            <a:extLst>
+              <a:ext uri="{28A0092B-C50C-407E-A947-70E740481C1C}">
+                <a14:useLocalDpi xmlns:a14="http://schemas.microsoft.com/office/drawing/2010/main" val="0"/>
+              </a:ext>
+            </a:extLst>
+          </a:blip>
+          <a:srcRect l="28575" t="8411" r="27534" b="3785"/>
+          <a:stretch/>
+        </p:blipFill>
+        <p:spPr>
+          <a:xfrm>
+            <a:off x="1823285" y="1188569"/>
+            <a:ext cx="4994192" cy="4799356"/>
+          </a:xfrm>
+        </p:spPr>
+      </p:pic>
+      <p:sp>
+        <p:nvSpPr>
+          <p:cNvPr id="4" name="Slide Number Placeholder 3">
+            <a:extLst>
+              <a:ext uri="{FF2B5EF4-FFF2-40B4-BE49-F238E27FC236}">
+                <a16:creationId xmlns:a16="http://schemas.microsoft.com/office/drawing/2014/main" id="{85E6A3A9-2A54-4DA4-A52D-0FAA0714711E}"/>
+              </a:ext>
+            </a:extLst>
+          </p:cNvPr>
+          <p:cNvSpPr>
+            <a:spLocks noGrp="1"/>
+          </p:cNvSpPr>
+          <p:nvPr>
+            <p:ph type="sldNum" sz="quarter" idx="10"/>
+          </p:nvPr>
+        </p:nvSpPr>
+        <p:spPr/>
+        <p:txBody>
+          <a:bodyPr/>
+          <a:lstStyle/>
+          <a:p>
+            <a:pPr>
+              <a:defRPr/>
+            </a:pPr>
+            <a:fld id="{BFD7839F-DA5C-4C13-94BA-0DC1947AAA90}" type="slidenum">
+              <a:rPr lang="de-DE" altLang="de-DE" smtClean="0"/>
+              <a:pPr>
+                <a:defRPr/>
+              </a:pPr>
+              <a:t>24</a:t>
+            </a:fld>
+            <a:endParaRPr lang="de-DE" altLang="de-DE" dirty="0"/>
+          </a:p>
+        </p:txBody>
+      </p:sp>
+      <p:sp>
+        <p:nvSpPr>
+          <p:cNvPr id="5" name="Footer Placeholder 4">
+            <a:extLst>
+              <a:ext uri="{FF2B5EF4-FFF2-40B4-BE49-F238E27FC236}">
+                <a16:creationId xmlns:a16="http://schemas.microsoft.com/office/drawing/2014/main" id="{F120ACAD-B4EB-45C6-96F0-6800F0C6FF8C}"/>
+              </a:ext>
+            </a:extLst>
+          </p:cNvPr>
+          <p:cNvSpPr>
+            <a:spLocks noGrp="1"/>
+          </p:cNvSpPr>
+          <p:nvPr>
+            <p:ph type="ftr" sz="quarter" idx="11"/>
+          </p:nvPr>
+        </p:nvSpPr>
+        <p:spPr/>
+        <p:txBody>
+          <a:bodyPr/>
+          <a:lstStyle/>
+          <a:p>
+            <a:pPr>
+              <a:defRPr/>
+            </a:pPr>
+            <a:r>
+              <a:rPr lang="de-DE"/>
+              <a:t>Alpha and Intelligence - Sven Lesche</a:t>
+            </a:r>
+            <a:endParaRPr lang="de-DE" dirty="0"/>
+          </a:p>
+        </p:txBody>
+      </p:sp>
+    </p:spTree>
+    <p:extLst>
+      <p:ext uri="{BB962C8B-B14F-4D97-AF65-F5344CB8AC3E}">
+        <p14:creationId xmlns:p14="http://schemas.microsoft.com/office/powerpoint/2010/main" val="2906963703"/>
+      </p:ext>
+    </p:extLst>
+  </p:cSld>
+  <p:clrMapOvr>
+    <a:masterClrMapping/>
+  </p:clrMapOvr>
+</p:sld>
+</file>
+
+<file path=ppt/slides/slide25.xml><?xml version="1.0" encoding="utf-8"?>
+<p:sld xmlns:a="http://schemas.openxmlformats.org/drawingml/2006/main" xmlns:r="http://schemas.openxmlformats.org/officeDocument/2006/relationships" xmlns:p="http://schemas.openxmlformats.org/presentationml/2006/main">
+  <p:cSld>
+    <p:spTree>
+      <p:nvGrpSpPr>
+        <p:cNvPr id="1" name=""/>
+        <p:cNvGrpSpPr/>
+        <p:nvPr/>
+      </p:nvGrpSpPr>
+      <p:grpSpPr>
+        <a:xfrm>
+          <a:off x="0" y="0"/>
+          <a:ext cx="0" cy="0"/>
+          <a:chOff x="0" y="0"/>
+          <a:chExt cx="0" cy="0"/>
+        </a:xfrm>
+      </p:grpSpPr>
+      <p:sp>
+        <p:nvSpPr>
+          <p:cNvPr id="2" name="Title 1">
+            <a:extLst>
+              <a:ext uri="{FF2B5EF4-FFF2-40B4-BE49-F238E27FC236}">
+                <a16:creationId xmlns:a16="http://schemas.microsoft.com/office/drawing/2014/main" id="{5324BE47-D7E2-451B-BD63-7849D2924EF2}"/>
+              </a:ext>
+            </a:extLst>
+          </p:cNvPr>
+          <p:cNvSpPr>
+            <a:spLocks noGrp="1"/>
+          </p:cNvSpPr>
+          <p:nvPr>
+            <p:ph type="title"/>
+          </p:nvPr>
+        </p:nvSpPr>
+        <p:spPr/>
+        <p:txBody>
+          <a:bodyPr/>
+          <a:lstStyle/>
+          <a:p>
+            <a:r>
+              <a:rPr lang="en-GB" dirty="0"/>
+              <a:t>Model Checks: Bias</a:t>
+            </a:r>
+          </a:p>
+        </p:txBody>
+      </p:sp>
+      <p:sp>
+        <p:nvSpPr>
+          <p:cNvPr id="4" name="Slide Number Placeholder 3">
+            <a:extLst>
+              <a:ext uri="{FF2B5EF4-FFF2-40B4-BE49-F238E27FC236}">
+                <a16:creationId xmlns:a16="http://schemas.microsoft.com/office/drawing/2014/main" id="{2616A68B-E1DE-430F-BFA1-C742BB75D719}"/>
+              </a:ext>
+            </a:extLst>
+          </p:cNvPr>
+          <p:cNvSpPr>
+            <a:spLocks noGrp="1"/>
+          </p:cNvSpPr>
+          <p:nvPr>
+            <p:ph type="sldNum" sz="quarter" idx="10"/>
+          </p:nvPr>
+        </p:nvSpPr>
+        <p:spPr/>
+        <p:txBody>
+          <a:bodyPr/>
+          <a:lstStyle/>
+          <a:p>
+            <a:pPr>
+              <a:defRPr/>
+            </a:pPr>
+            <a:fld id="{BFD7839F-DA5C-4C13-94BA-0DC1947AAA90}" type="slidenum">
+              <a:rPr lang="de-DE" altLang="de-DE" smtClean="0"/>
+              <a:pPr>
+                <a:defRPr/>
+              </a:pPr>
+              <a:t>25</a:t>
             </a:fld>
             <a:endParaRPr lang="de-DE" altLang="de-DE" dirty="0"/>
           </a:p>
@@ -13529,7 +14530,7 @@
 </p:sld>
 </file>
 
-<file path=ppt/slides/slide23.xml><?xml version="1.0" encoding="utf-8"?>
+<file path=ppt/slides/slide26.xml><?xml version="1.0" encoding="utf-8"?>
 <p:sld xmlns:a="http://schemas.openxmlformats.org/drawingml/2006/main" xmlns:r="http://schemas.openxmlformats.org/officeDocument/2006/relationships" xmlns:p="http://schemas.openxmlformats.org/presentationml/2006/main">
   <p:cSld>
     <p:spTree>
@@ -13631,7 +14632,7 @@
               <a:pPr>
                 <a:defRPr/>
               </a:pPr>
-              <a:t>23</a:t>
+              <a:t>26</a:t>
             </a:fld>
             <a:endParaRPr lang="de-DE" altLang="de-DE" dirty="0"/>
           </a:p>
